--- a/ProjectPresentation_asadikovic_jlyrer.pptx
+++ b/ProjectPresentation_asadikovic_jlyrer.pptx
@@ -8725,16 +8725,16 @@
           <a:lstStyle/>
           <a:p>
             <a:r>
-              <a:rPr lang="en-GB"/>
+              <a:rPr lang="en-GB" dirty="0"/>
               <a:t>Image1: </a:t>
             </a:r>
             <a:r>
-              <a:rPr lang="en-GB">
+              <a:rPr lang="en-GB" dirty="0">
                 <a:hlinkClick r:id="rId2"/>
               </a:rPr>
               <a:t>https://www.tatlerasia.com/lifestyle/entertainment/hk-mahjong-beginners-guide-how-to-play</a:t>
             </a:r>
-            <a:endParaRPr lang="en-GB"/>
+            <a:endParaRPr lang="en-GB" dirty="0"/>
           </a:p>
           <a:p>
             <a:endParaRPr lang="en-GB" dirty="0"/>

--- a/ProjectPresentation_asadikovic_jlyrer.pptx
+++ b/ProjectPresentation_asadikovic_jlyrer.pptx
@@ -8568,9 +8568,12 @@
           <a:lstStyle/>
           <a:p>
             <a:r>
-              <a:rPr lang="en-GB" dirty="0"/>
-              <a:t>Link to GitHub and some Code-snippets</a:t>
-            </a:r>
+              <a:rPr lang="en-GB" dirty="0">
+                <a:hlinkClick r:id="rId2"/>
+              </a:rPr>
+              <a:t>https://github.com/adidell01/MahjongOptimization</a:t>
+            </a:r>
+            <a:endParaRPr lang="en-GB" dirty="0"/>
           </a:p>
           <a:p>
             <a:endParaRPr lang="en-GB" dirty="0"/>

--- a/ProjectPresentation_asadikovic_jlyrer.pptx
+++ b/ProjectPresentation_asadikovic_jlyrer.pptx
@@ -5,10 +5,10 @@
     <p:sldMasterId id="2147483648" r:id="rId1"/>
   </p:sldMasterIdLst>
   <p:notesMasterIdLst>
-    <p:notesMasterId r:id="rId28"/>
+    <p:notesMasterId r:id="rId29"/>
   </p:notesMasterIdLst>
   <p:handoutMasterIdLst>
-    <p:handoutMasterId r:id="rId29"/>
+    <p:handoutMasterId r:id="rId30"/>
   </p:handoutMasterIdLst>
   <p:sldIdLst>
     <p:sldId id="256" r:id="rId2"/>
@@ -22,21 +22,22 @@
     <p:sldId id="294" r:id="rId10"/>
     <p:sldId id="295" r:id="rId11"/>
     <p:sldId id="296" r:id="rId12"/>
-    <p:sldId id="283" r:id="rId13"/>
-    <p:sldId id="297" r:id="rId14"/>
-    <p:sldId id="290" r:id="rId15"/>
-    <p:sldId id="291" r:id="rId16"/>
-    <p:sldId id="282" r:id="rId17"/>
-    <p:sldId id="285" r:id="rId18"/>
-    <p:sldId id="286" r:id="rId19"/>
-    <p:sldId id="263" r:id="rId20"/>
-    <p:sldId id="265" r:id="rId21"/>
-    <p:sldId id="267" r:id="rId22"/>
-    <p:sldId id="262" r:id="rId23"/>
-    <p:sldId id="271" r:id="rId24"/>
-    <p:sldId id="272" r:id="rId25"/>
-    <p:sldId id="273" r:id="rId26"/>
-    <p:sldId id="274" r:id="rId27"/>
+    <p:sldId id="299" r:id="rId13"/>
+    <p:sldId id="298" r:id="rId14"/>
+    <p:sldId id="300" r:id="rId15"/>
+    <p:sldId id="290" r:id="rId16"/>
+    <p:sldId id="291" r:id="rId17"/>
+    <p:sldId id="282" r:id="rId18"/>
+    <p:sldId id="285" r:id="rId19"/>
+    <p:sldId id="286" r:id="rId20"/>
+    <p:sldId id="263" r:id="rId21"/>
+    <p:sldId id="265" r:id="rId22"/>
+    <p:sldId id="267" r:id="rId23"/>
+    <p:sldId id="262" r:id="rId24"/>
+    <p:sldId id="271" r:id="rId25"/>
+    <p:sldId id="272" r:id="rId26"/>
+    <p:sldId id="273" r:id="rId27"/>
+    <p:sldId id="274" r:id="rId28"/>
   </p:sldIdLst>
   <p:sldSz cx="12192000" cy="6858000"/>
   <p:notesSz cx="6858000" cy="9144000"/>
@@ -337,7 +338,7 @@
           <c:smooth val="0"/>
           <c:extLst>
             <c:ext xmlns:c16="http://schemas.microsoft.com/office/drawing/2014/chart" uri="{C3380CC4-5D6E-409C-BE32-E72D297353CC}">
-              <c16:uniqueId val="{00000000-1CD0-4753-BA98-8FF24173BDCE}"/>
+              <c16:uniqueId val="{00000000-F89B-41F9-9977-2D2E74CC47E6}"/>
             </c:ext>
           </c:extLst>
         </c:ser>
@@ -358,7 +359,7 @@
           <c:spPr>
             <a:ln w="22225" cap="rnd">
               <a:solidFill>
-                <a:schemeClr val="accent2"/>
+                <a:schemeClr val="accent3"/>
               </a:solidFill>
               <a:round/>
             </a:ln>
@@ -369,11 +370,11 @@
             <c:size val="6"/>
             <c:spPr>
               <a:solidFill>
-                <a:schemeClr val="accent2"/>
+                <a:schemeClr val="accent3"/>
               </a:solidFill>
               <a:ln w="9525">
                 <a:solidFill>
-                  <a:schemeClr val="accent2"/>
+                  <a:schemeClr val="accent3"/>
                 </a:solidFill>
                 <a:round/>
               </a:ln>
@@ -446,7 +447,7 @@
           <c:smooth val="0"/>
           <c:extLst>
             <c:ext xmlns:c16="http://schemas.microsoft.com/office/drawing/2014/chart" uri="{C3380CC4-5D6E-409C-BE32-E72D297353CC}">
-              <c16:uniqueId val="{00000001-1CD0-4753-BA98-8FF24173BDCE}"/>
+              <c16:uniqueId val="{00000001-F89B-41F9-9977-2D2E74CC47E6}"/>
             </c:ext>
           </c:extLst>
         </c:ser>
@@ -467,7 +468,7 @@
           <c:spPr>
             <a:ln w="22225" cap="rnd">
               <a:solidFill>
-                <a:schemeClr val="accent3"/>
+                <a:schemeClr val="accent5"/>
               </a:solidFill>
               <a:round/>
             </a:ln>
@@ -478,11 +479,11 @@
             <c:size val="6"/>
             <c:spPr>
               <a:solidFill>
-                <a:schemeClr val="accent3"/>
+                <a:schemeClr val="accent5"/>
               </a:solidFill>
               <a:ln w="9525">
                 <a:solidFill>
-                  <a:schemeClr val="accent3"/>
+                  <a:schemeClr val="accent5"/>
                 </a:solidFill>
                 <a:round/>
               </a:ln>
@@ -555,7 +556,7 @@
           <c:smooth val="0"/>
           <c:extLst>
             <c:ext xmlns:c16="http://schemas.microsoft.com/office/drawing/2014/chart" uri="{C3380CC4-5D6E-409C-BE32-E72D297353CC}">
-              <c16:uniqueId val="{00000002-1CD0-4753-BA98-8FF24173BDCE}"/>
+              <c16:uniqueId val="{00000002-F89B-41F9-9977-2D2E74CC47E6}"/>
             </c:ext>
           </c:extLst>
         </c:ser>
@@ -937,7 +938,7 @@
           <c:smooth val="0"/>
           <c:extLst>
             <c:ext xmlns:c16="http://schemas.microsoft.com/office/drawing/2014/chart" uri="{C3380CC4-5D6E-409C-BE32-E72D297353CC}">
-              <c16:uniqueId val="{00000000-92D8-4F0B-AF81-47343309EC6F}"/>
+              <c16:uniqueId val="{00000000-5DFC-48D0-B444-9AB2D7120EA8}"/>
             </c:ext>
           </c:extLst>
         </c:ser>
@@ -958,7 +959,7 @@
           <c:spPr>
             <a:ln w="22225" cap="rnd">
               <a:solidFill>
-                <a:schemeClr val="accent2"/>
+                <a:schemeClr val="accent3"/>
               </a:solidFill>
               <a:round/>
             </a:ln>
@@ -969,11 +970,11 @@
             <c:size val="6"/>
             <c:spPr>
               <a:solidFill>
-                <a:schemeClr val="accent2"/>
+                <a:schemeClr val="accent3"/>
               </a:solidFill>
               <a:ln w="9525">
                 <a:solidFill>
-                  <a:schemeClr val="accent2"/>
+                  <a:schemeClr val="accent3"/>
                 </a:solidFill>
                 <a:round/>
               </a:ln>
@@ -1046,7 +1047,7 @@
           <c:smooth val="0"/>
           <c:extLst>
             <c:ext xmlns:c16="http://schemas.microsoft.com/office/drawing/2014/chart" uri="{C3380CC4-5D6E-409C-BE32-E72D297353CC}">
-              <c16:uniqueId val="{00000001-92D8-4F0B-AF81-47343309EC6F}"/>
+              <c16:uniqueId val="{00000001-5DFC-48D0-B444-9AB2D7120EA8}"/>
             </c:ext>
           </c:extLst>
         </c:ser>
@@ -1067,7 +1068,7 @@
           <c:spPr>
             <a:ln w="22225" cap="rnd">
               <a:solidFill>
-                <a:schemeClr val="accent3"/>
+                <a:schemeClr val="accent5"/>
               </a:solidFill>
               <a:round/>
             </a:ln>
@@ -1078,11 +1079,11 @@
             <c:size val="6"/>
             <c:spPr>
               <a:solidFill>
-                <a:schemeClr val="accent3"/>
+                <a:schemeClr val="accent5"/>
               </a:solidFill>
               <a:ln w="9525">
                 <a:solidFill>
-                  <a:schemeClr val="accent3"/>
+                  <a:schemeClr val="accent5"/>
                 </a:solidFill>
                 <a:round/>
               </a:ln>
@@ -1155,7 +1156,7 @@
           <c:smooth val="0"/>
           <c:extLst>
             <c:ext xmlns:c16="http://schemas.microsoft.com/office/drawing/2014/chart" uri="{C3380CC4-5D6E-409C-BE32-E72D297353CC}">
-              <c16:uniqueId val="{00000002-92D8-4F0B-AF81-47343309EC6F}"/>
+              <c16:uniqueId val="{00000002-5DFC-48D0-B444-9AB2D7120EA8}"/>
             </c:ext>
           </c:extLst>
         </c:ser>
@@ -1542,7 +1543,7 @@
           <c:smooth val="0"/>
           <c:extLst>
             <c:ext xmlns:c16="http://schemas.microsoft.com/office/drawing/2014/chart" uri="{C3380CC4-5D6E-409C-BE32-E72D297353CC}">
-              <c16:uniqueId val="{00000000-8DE7-408D-B62D-7457FC13C84C}"/>
+              <c16:uniqueId val="{00000000-83F5-4020-97EA-9C20B7F860A9}"/>
             </c:ext>
           </c:extLst>
         </c:ser>
@@ -1563,7 +1564,7 @@
           <c:spPr>
             <a:ln w="22225" cap="rnd">
               <a:solidFill>
-                <a:schemeClr val="accent2"/>
+                <a:schemeClr val="accent3"/>
               </a:solidFill>
               <a:round/>
             </a:ln>
@@ -1574,11 +1575,11 @@
             <c:size val="6"/>
             <c:spPr>
               <a:solidFill>
-                <a:schemeClr val="accent2"/>
+                <a:schemeClr val="accent3"/>
               </a:solidFill>
               <a:ln w="9525">
                 <a:solidFill>
-                  <a:schemeClr val="accent2"/>
+                  <a:schemeClr val="accent3"/>
                 </a:solidFill>
                 <a:round/>
               </a:ln>
@@ -1651,7 +1652,7 @@
           <c:smooth val="0"/>
           <c:extLst>
             <c:ext xmlns:c16="http://schemas.microsoft.com/office/drawing/2014/chart" uri="{C3380CC4-5D6E-409C-BE32-E72D297353CC}">
-              <c16:uniqueId val="{00000001-8DE7-408D-B62D-7457FC13C84C}"/>
+              <c16:uniqueId val="{00000001-83F5-4020-97EA-9C20B7F860A9}"/>
             </c:ext>
           </c:extLst>
         </c:ser>
@@ -1672,7 +1673,7 @@
           <c:spPr>
             <a:ln w="22225" cap="rnd">
               <a:solidFill>
-                <a:schemeClr val="accent3"/>
+                <a:schemeClr val="accent5"/>
               </a:solidFill>
               <a:round/>
             </a:ln>
@@ -1683,11 +1684,11 @@
             <c:size val="6"/>
             <c:spPr>
               <a:solidFill>
-                <a:schemeClr val="accent3"/>
+                <a:schemeClr val="accent5"/>
               </a:solidFill>
               <a:ln w="9525">
                 <a:solidFill>
-                  <a:schemeClr val="accent3"/>
+                  <a:schemeClr val="accent5"/>
                 </a:solidFill>
                 <a:round/>
               </a:ln>
@@ -1760,7 +1761,7 @@
           <c:smooth val="0"/>
           <c:extLst>
             <c:ext xmlns:c16="http://schemas.microsoft.com/office/drawing/2014/chart" uri="{C3380CC4-5D6E-409C-BE32-E72D297353CC}">
-              <c16:uniqueId val="{00000002-8DE7-408D-B62D-7457FC13C84C}"/>
+              <c16:uniqueId val="{00000002-83F5-4020-97EA-9C20B7F860A9}"/>
             </c:ext>
           </c:extLst>
         </c:ser>
@@ -1963,13 +1964,10 @@
 </file>
 
 <file path=ppt/charts/colors1.xml><?xml version="1.0" encoding="utf-8"?>
-<cs:colorStyle xmlns:cs="http://schemas.microsoft.com/office/drawing/2012/chartStyle" xmlns:a="http://schemas.openxmlformats.org/drawingml/2006/main" meth="cycle" id="10">
+<cs:colorStyle xmlns:cs="http://schemas.microsoft.com/office/drawing/2012/chartStyle" xmlns:a="http://schemas.openxmlformats.org/drawingml/2006/main" meth="cycle" id="11">
   <a:schemeClr val="accent1"/>
-  <a:schemeClr val="accent2"/>
   <a:schemeClr val="accent3"/>
-  <a:schemeClr val="accent4"/>
   <a:schemeClr val="accent5"/>
-  <a:schemeClr val="accent6"/>
   <cs:variation/>
   <cs:variation>
     <a:lumMod val="60000"/>
@@ -2003,13 +2001,10 @@
 </file>
 
 <file path=ppt/charts/colors2.xml><?xml version="1.0" encoding="utf-8"?>
-<cs:colorStyle xmlns:cs="http://schemas.microsoft.com/office/drawing/2012/chartStyle" xmlns:a="http://schemas.openxmlformats.org/drawingml/2006/main" meth="cycle" id="10">
+<cs:colorStyle xmlns:cs="http://schemas.microsoft.com/office/drawing/2012/chartStyle" xmlns:a="http://schemas.openxmlformats.org/drawingml/2006/main" meth="cycle" id="11">
   <a:schemeClr val="accent1"/>
-  <a:schemeClr val="accent2"/>
   <a:schemeClr val="accent3"/>
-  <a:schemeClr val="accent4"/>
   <a:schemeClr val="accent5"/>
-  <a:schemeClr val="accent6"/>
   <cs:variation/>
   <cs:variation>
     <a:lumMod val="60000"/>
@@ -2043,13 +2038,10 @@
 </file>
 
 <file path=ppt/charts/colors3.xml><?xml version="1.0" encoding="utf-8"?>
-<cs:colorStyle xmlns:cs="http://schemas.microsoft.com/office/drawing/2012/chartStyle" xmlns:a="http://schemas.openxmlformats.org/drawingml/2006/main" meth="cycle" id="10">
+<cs:colorStyle xmlns:cs="http://schemas.microsoft.com/office/drawing/2012/chartStyle" xmlns:a="http://schemas.openxmlformats.org/drawingml/2006/main" meth="cycle" id="11">
   <a:schemeClr val="accent1"/>
-  <a:schemeClr val="accent2"/>
   <a:schemeClr val="accent3"/>
-  <a:schemeClr val="accent4"/>
   <a:schemeClr val="accent5"/>
-  <a:schemeClr val="accent6"/>
   <cs:variation/>
   <cs:variation>
     <a:lumMod val="60000"/>
@@ -11551,7 +11543,11 @@
           <a:p>
             <a:r>
               <a:rPr lang="en-GB" noProof="0" dirty="0"/>
-              <a:t>Performance of </a:t>
+              <a:t>Results</a:t>
+            </a:r>
+            <a:r>
+              <a:rPr lang="en-GB" dirty="0"/>
+              <a:t>: </a:t>
             </a:r>
             <a:r>
               <a:rPr lang="en-GB" noProof="0" dirty="0" err="1"/>
@@ -14317,92 +14313,247 @@
           <a:lstStyle/>
           <a:p>
             <a:r>
-              <a:rPr lang="en-GB" dirty="0"/>
-              <a:t>Discussion</a:t>
-            </a:r>
-            <a:endParaRPr lang="en-GB" noProof="0" dirty="0"/>
+              <a:rPr lang="en-GB" noProof="0" dirty="0"/>
+              <a:t>Comparing Results</a:t>
+            </a:r>
           </a:p>
         </p:txBody>
       </p:sp>
-      <p:sp>
-        <p:nvSpPr>
-          <p:cNvPr id="3" name="Inhaltsplatzhalter 2">
-            <a:extLst>
-              <a:ext uri="{FF2B5EF4-FFF2-40B4-BE49-F238E27FC236}">
-                <a16:creationId xmlns:a16="http://schemas.microsoft.com/office/drawing/2014/main" id="{8AD58956-5262-874A-D14C-A8A4AE461A31}"/>
-              </a:ext>
-            </a:extLst>
-          </p:cNvPr>
-          <p:cNvSpPr>
-            <a:spLocks noGrp="1"/>
-          </p:cNvSpPr>
-          <p:nvPr>
-            <p:ph idx="1"/>
-          </p:nvPr>
-        </p:nvSpPr>
-        <p:spPr/>
-        <p:txBody>
-          <a:bodyPr/>
-          <a:lstStyle/>
-          <a:p>
-            <a:pPr marL="0" indent="0">
-              <a:buNone/>
-            </a:pPr>
-            <a:r>
-              <a:rPr lang="en-GB" b="1" dirty="0"/>
-              <a:t>Comparison of times</a:t>
-            </a:r>
-          </a:p>
-          <a:p>
-            <a:r>
-              <a:rPr lang="en-GB" dirty="0" err="1"/>
-              <a:t>DrawAnalyzer</a:t>
-            </a:r>
-            <a:r>
-              <a:rPr lang="en-GB" dirty="0"/>
-              <a:t> with depth 1 takes on average 90times longer than the naïve Algorithm</a:t>
-            </a:r>
-          </a:p>
-          <a:p>
-            <a:r>
-              <a:rPr lang="en-GB" dirty="0" err="1"/>
-              <a:t>DrawAnalyzer</a:t>
-            </a:r>
-            <a:r>
-              <a:rPr lang="en-GB" dirty="0"/>
-              <a:t> with depth 2 takes  ~3500times longer on average</a:t>
-            </a:r>
-          </a:p>
-          <a:p>
-            <a:endParaRPr lang="en-GB" dirty="0"/>
-          </a:p>
-          <a:p>
-            <a:pPr marL="0" indent="0">
-              <a:buNone/>
-            </a:pPr>
-            <a:r>
-              <a:rPr lang="en-GB" b="1" dirty="0" err="1"/>
-              <a:t>Copmarison</a:t>
-            </a:r>
-            <a:r>
-              <a:rPr lang="en-GB" b="1" dirty="0"/>
-              <a:t> of TODO</a:t>
-            </a:r>
-          </a:p>
-          <a:p>
-            <a:endParaRPr lang="en-GB" dirty="0"/>
-          </a:p>
-          <a:p>
-            <a:endParaRPr lang="en-GB" dirty="0"/>
-          </a:p>
-          <a:p>
-            <a:endParaRPr lang="en-GB" dirty="0"/>
-          </a:p>
-          <a:p>
-            <a:endParaRPr lang="en-GB" noProof="0" dirty="0"/>
-          </a:p>
-        </p:txBody>
-      </p:sp>
+      <mc:AlternateContent xmlns:mc="http://schemas.openxmlformats.org/markup-compatibility/2006">
+        <mc:Choice xmlns:a14="http://schemas.microsoft.com/office/drawing/2010/main" Requires="a14">
+          <p:sp>
+            <p:nvSpPr>
+              <p:cNvPr id="3" name="Inhaltsplatzhalter 2">
+                <a:extLst>
+                  <a:ext uri="{FF2B5EF4-FFF2-40B4-BE49-F238E27FC236}">
+                    <a16:creationId xmlns:a16="http://schemas.microsoft.com/office/drawing/2014/main" id="{8AD58956-5262-874A-D14C-A8A4AE461A31}"/>
+                  </a:ext>
+                </a:extLst>
+              </p:cNvPr>
+              <p:cNvSpPr>
+                <a:spLocks noGrp="1"/>
+              </p:cNvSpPr>
+              <p:nvPr>
+                <p:ph idx="1"/>
+              </p:nvPr>
+            </p:nvSpPr>
+            <p:spPr/>
+            <p:txBody>
+              <a:bodyPr/>
+              <a:lstStyle/>
+              <a:p>
+                <a:pPr marL="0" indent="0">
+                  <a:buNone/>
+                </a:pPr>
+                <a:r>
+                  <a:rPr lang="en-GB" b="1" dirty="0"/>
+                  <a:t>Comparison of times</a:t>
+                </a:r>
+              </a:p>
+              <a:p>
+                <a:r>
+                  <a:rPr lang="en-GB" dirty="0"/>
+                  <a:t>The naïve Algorithm takes an average of </a:t>
+                </a:r>
+                <a14:m>
+                  <m:oMath xmlns:m="http://schemas.openxmlformats.org/officeDocument/2006/math">
+                    <m:r>
+                      <a:rPr lang="en-GB" i="1" dirty="0" smtClean="0">
+                        <a:latin typeface="Cambria Math" panose="02040503050406030204" pitchFamily="18" charset="0"/>
+                      </a:rPr>
+                      <m:t>3∗</m:t>
+                    </m:r>
+                    <m:sSup>
+                      <m:sSupPr>
+                        <m:ctrlPr>
+                          <a:rPr lang="en-GB" i="1" dirty="0" smtClean="0">
+                            <a:latin typeface="Cambria Math" panose="02040503050406030204" pitchFamily="18" charset="0"/>
+                          </a:rPr>
+                        </m:ctrlPr>
+                      </m:sSupPr>
+                      <m:e>
+                        <m:r>
+                          <a:rPr lang="de-CH" b="0" i="1" dirty="0" smtClean="0">
+                            <a:latin typeface="Cambria Math" panose="02040503050406030204" pitchFamily="18" charset="0"/>
+                          </a:rPr>
+                          <m:t>10</m:t>
+                        </m:r>
+                      </m:e>
+                      <m:sup>
+                        <m:r>
+                          <a:rPr lang="de-CH" b="0" i="1" dirty="0" smtClean="0">
+                            <a:latin typeface="Cambria Math" panose="02040503050406030204" pitchFamily="18" charset="0"/>
+                          </a:rPr>
+                          <m:t>−3</m:t>
+                        </m:r>
+                      </m:sup>
+                    </m:sSup>
+                    <m:r>
+                      <a:rPr lang="en-GB" i="1" dirty="0" smtClean="0">
+                        <a:latin typeface="Cambria Math" panose="02040503050406030204" pitchFamily="18" charset="0"/>
+                      </a:rPr>
+                      <m:t>𝑠</m:t>
+                    </m:r>
+                  </m:oMath>
+                </a14:m>
+                <a:r>
+                  <a:rPr lang="en-GB" dirty="0"/>
+                  <a:t> per draw</a:t>
+                </a:r>
+              </a:p>
+              <a:p>
+                <a:r>
+                  <a:rPr lang="en-GB" dirty="0" err="1"/>
+                  <a:t>DrawAnalyzer</a:t>
+                </a:r>
+                <a:r>
+                  <a:rPr lang="en-GB" dirty="0"/>
+                  <a:t> with depth 1 takes an average of </a:t>
+                </a:r>
+                <a14:m>
+                  <m:oMath xmlns:m="http://schemas.openxmlformats.org/officeDocument/2006/math">
+                    <m:r>
+                      <a:rPr lang="en-GB" i="1" dirty="0" smtClean="0">
+                        <a:latin typeface="Cambria Math" panose="02040503050406030204" pitchFamily="18" charset="0"/>
+                      </a:rPr>
+                      <m:t>0.3</m:t>
+                    </m:r>
+                    <m:r>
+                      <a:rPr lang="en-GB" i="1" dirty="0" smtClean="0">
+                        <a:latin typeface="Cambria Math" panose="02040503050406030204" pitchFamily="18" charset="0"/>
+                      </a:rPr>
+                      <m:t>𝑠</m:t>
+                    </m:r>
+                  </m:oMath>
+                </a14:m>
+                <a:r>
+                  <a:rPr lang="en-GB" dirty="0"/>
+                  <a:t> per draw</a:t>
+                </a:r>
+              </a:p>
+              <a:p>
+                <a:r>
+                  <a:rPr lang="en-GB" dirty="0" err="1"/>
+                  <a:t>DrawAnalyzer</a:t>
+                </a:r>
+                <a:r>
+                  <a:rPr lang="en-GB" dirty="0"/>
+                  <a:t> with depth 2 takes an average of </a:t>
+                </a:r>
+                <a14:m>
+                  <m:oMath xmlns:m="http://schemas.openxmlformats.org/officeDocument/2006/math">
+                    <m:r>
+                      <a:rPr lang="en-GB" i="1" dirty="0" smtClean="0">
+                        <a:latin typeface="Cambria Math" panose="02040503050406030204" pitchFamily="18" charset="0"/>
+                      </a:rPr>
+                      <m:t>11.7</m:t>
+                    </m:r>
+                    <m:r>
+                      <a:rPr lang="en-GB" i="1" dirty="0" smtClean="0">
+                        <a:latin typeface="Cambria Math" panose="02040503050406030204" pitchFamily="18" charset="0"/>
+                      </a:rPr>
+                      <m:t>𝑠</m:t>
+                    </m:r>
+                  </m:oMath>
+                </a14:m>
+                <a:r>
+                  <a:rPr lang="en-GB" dirty="0"/>
+                  <a:t> per draw</a:t>
+                </a:r>
+              </a:p>
+              <a:p>
+                <a:endParaRPr lang="en-GB" dirty="0"/>
+              </a:p>
+              <a:p>
+                <a:r>
+                  <a:rPr lang="en-GB" dirty="0" err="1"/>
+                  <a:t>DrawAnalyzer</a:t>
+                </a:r>
+                <a:r>
+                  <a:rPr lang="en-GB" dirty="0"/>
+                  <a:t> with depth 1 takes on average 90times longer than the naïve Algorithm</a:t>
+                </a:r>
+              </a:p>
+              <a:p>
+                <a:r>
+                  <a:rPr lang="en-GB" dirty="0" err="1"/>
+                  <a:t>DrawAnalyzer</a:t>
+                </a:r>
+                <a:r>
+                  <a:rPr lang="en-GB" dirty="0"/>
+                  <a:t> with depth 2 takes  ~3500times longer on average</a:t>
+                </a:r>
+              </a:p>
+              <a:p>
+                <a:endParaRPr lang="en-GB" dirty="0"/>
+              </a:p>
+              <a:p>
+                <a:endParaRPr lang="en-GB" dirty="0"/>
+              </a:p>
+              <a:p>
+                <a:pPr marL="0" indent="0">
+                  <a:buNone/>
+                </a:pPr>
+                <a:endParaRPr lang="en-GB" b="1" dirty="0"/>
+              </a:p>
+              <a:p>
+                <a:endParaRPr lang="en-GB" b="1" dirty="0"/>
+              </a:p>
+              <a:p>
+                <a:endParaRPr lang="en-GB" dirty="0"/>
+              </a:p>
+              <a:p>
+                <a:endParaRPr lang="en-GB" dirty="0"/>
+              </a:p>
+              <a:p>
+                <a:endParaRPr lang="en-GB" dirty="0"/>
+              </a:p>
+              <a:p>
+                <a:endParaRPr lang="en-GB" noProof="0" dirty="0"/>
+              </a:p>
+            </p:txBody>
+          </p:sp>
+        </mc:Choice>
+        <mc:Fallback>
+          <p:sp>
+            <p:nvSpPr>
+              <p:cNvPr id="3" name="Inhaltsplatzhalter 2">
+                <a:extLst>
+                  <a:ext uri="{FF2B5EF4-FFF2-40B4-BE49-F238E27FC236}">
+                    <a16:creationId xmlns:a16="http://schemas.microsoft.com/office/drawing/2014/main" id="{8AD58956-5262-874A-D14C-A8A4AE461A31}"/>
+                  </a:ext>
+                </a:extLst>
+              </p:cNvPr>
+              <p:cNvSpPr>
+                <a:spLocks noGrp="1" noRot="1" noChangeAspect="1" noMove="1" noResize="1" noEditPoints="1" noAdjustHandles="1" noChangeArrowheads="1" noChangeShapeType="1" noTextEdit="1"/>
+              </p:cNvSpPr>
+              <p:nvPr>
+                <p:ph idx="1"/>
+              </p:nvPr>
+            </p:nvSpPr>
+            <p:spPr>
+              <a:blipFill>
+                <a:blip r:embed="rId2"/>
+                <a:stretch>
+                  <a:fillRect l="-1307" t="-1695"/>
+                </a:stretch>
+              </a:blipFill>
+            </p:spPr>
+            <p:txBody>
+              <a:bodyPr/>
+              <a:lstStyle/>
+              <a:p>
+                <a:r>
+                  <a:rPr lang="de-CH">
+                    <a:noFill/>
+                  </a:rPr>
+                  <a:t> </a:t>
+                </a:r>
+              </a:p>
+            </p:txBody>
+          </p:sp>
+        </mc:Fallback>
+      </mc:AlternateContent>
       <p:sp>
         <p:nvSpPr>
           <p:cNvPr id="4" name="Datumsplatzhalter 3">
@@ -14482,7 +14633,7 @@
         <p:cNvPr id="1" name="">
           <a:extLst>
             <a:ext uri="{FF2B5EF4-FFF2-40B4-BE49-F238E27FC236}">
-              <a16:creationId xmlns:a16="http://schemas.microsoft.com/office/drawing/2014/main" id="{C2DF2747-55E4-7C11-C377-BB9DAE2B545D}"/>
+              <a16:creationId xmlns:a16="http://schemas.microsoft.com/office/drawing/2014/main" id="{8CD89600-A073-F903-41E0-076A9C515330}"/>
             </a:ext>
           </a:extLst>
         </p:cNvPr>
@@ -14502,7 +14653,7 @@
           <p:cNvPr id="2" name="Titel 1">
             <a:extLst>
               <a:ext uri="{FF2B5EF4-FFF2-40B4-BE49-F238E27FC236}">
-                <a16:creationId xmlns:a16="http://schemas.microsoft.com/office/drawing/2014/main" id="{DAE658BC-A55F-1F7F-65F9-A70A070D0F51}"/>
+                <a16:creationId xmlns:a16="http://schemas.microsoft.com/office/drawing/2014/main" id="{DC672B83-6B32-8FEC-07C2-94D98D874412}"/>
               </a:ext>
             </a:extLst>
           </p:cNvPr>
@@ -14519,10 +14670,9 @@
           <a:lstStyle/>
           <a:p>
             <a:r>
-              <a:rPr lang="en-GB" dirty="0"/>
-              <a:t>Discussion</a:t>
-            </a:r>
-            <a:endParaRPr lang="en-GB" noProof="0" dirty="0"/>
+              <a:rPr lang="en-GB" noProof="0" dirty="0"/>
+              <a:t>Comparing Results II</a:t>
+            </a:r>
           </a:p>
         </p:txBody>
       </p:sp>
@@ -14531,7 +14681,7 @@
           <p:cNvPr id="3" name="Inhaltsplatzhalter 2">
             <a:extLst>
               <a:ext uri="{FF2B5EF4-FFF2-40B4-BE49-F238E27FC236}">
-                <a16:creationId xmlns:a16="http://schemas.microsoft.com/office/drawing/2014/main" id="{AC387D30-7AA4-413A-EDC7-08277DC78C33}"/>
+                <a16:creationId xmlns:a16="http://schemas.microsoft.com/office/drawing/2014/main" id="{8F80E01B-E2B4-AA6B-39FA-5424D76E3ABA}"/>
               </a:ext>
             </a:extLst>
           </p:cNvPr>
@@ -14551,12 +14701,8 @@
               <a:buNone/>
             </a:pPr>
             <a:r>
-              <a:rPr lang="en-GB" b="1" dirty="0" err="1"/>
-              <a:t>Copmarison</a:t>
-            </a:r>
-            <a:r>
               <a:rPr lang="en-GB" b="1" dirty="0"/>
-              <a:t> of performance</a:t>
+              <a:t>Ready Hands reached</a:t>
             </a:r>
           </a:p>
           <a:p>
@@ -14597,30 +14743,43 @@
             <a:endParaRPr lang="en-GB" dirty="0"/>
           </a:p>
           <a:p>
+            <a:pPr marL="0" indent="0">
+              <a:buNone/>
+            </a:pPr>
+            <a:r>
+              <a:rPr lang="en-GB" b="1" dirty="0"/>
+              <a:t>Improving Shanten</a:t>
+            </a:r>
+          </a:p>
+          <a:p>
             <a:r>
               <a:rPr lang="en-GB" dirty="0"/>
-              <a:t>Shanten improves significantly earlier when using </a:t>
+              <a:t>The average </a:t>
+            </a:r>
+            <a:r>
+              <a:rPr lang="en-GB" b="1" i="1" dirty="0"/>
+              <a:t>Shanten</a:t>
+            </a:r>
+            <a:r>
+              <a:rPr lang="en-GB" dirty="0"/>
+              <a:t> per round improves significantly earlier when using </a:t>
             </a:r>
             <a:r>
               <a:rPr lang="en-GB" dirty="0" err="1"/>
               <a:t>DrawAnalyzer</a:t>
             </a:r>
-            <a:endParaRPr lang="en-GB" dirty="0"/>
-          </a:p>
-          <a:p>
-            <a:endParaRPr lang="en-GB" dirty="0"/>
-          </a:p>
-          <a:p>
-            <a:endParaRPr lang="en-GB" dirty="0"/>
-          </a:p>
-          <a:p>
-            <a:endParaRPr lang="en-GB" dirty="0"/>
-          </a:p>
-          <a:p>
-            <a:endParaRPr lang="en-GB" dirty="0"/>
-          </a:p>
-          <a:p>
-            <a:endParaRPr lang="en-GB" noProof="0" dirty="0"/>
+            <a:r>
+              <a:rPr lang="en-GB" dirty="0"/>
+              <a:t> of either depth, which implies faster </a:t>
+            </a:r>
+            <a:r>
+              <a:rPr lang="en-GB" b="1" i="1" dirty="0"/>
+              <a:t>ready Hand </a:t>
+            </a:r>
+            <a:r>
+              <a:rPr lang="en-GB" dirty="0"/>
+              <a:t>due to better decisions.</a:t>
+            </a:r>
           </a:p>
         </p:txBody>
       </p:sp>
@@ -14629,7 +14788,7 @@
           <p:cNvPr id="4" name="Datumsplatzhalter 3">
             <a:extLst>
               <a:ext uri="{FF2B5EF4-FFF2-40B4-BE49-F238E27FC236}">
-                <a16:creationId xmlns:a16="http://schemas.microsoft.com/office/drawing/2014/main" id="{5FAE4BEE-4477-8792-5B10-2534E33E8FEF}"/>
+                <a16:creationId xmlns:a16="http://schemas.microsoft.com/office/drawing/2014/main" id="{38BC1AF4-5F12-BCA5-48D3-4EA5CFB65D98}"/>
               </a:ext>
             </a:extLst>
           </p:cNvPr>
@@ -14645,7 +14804,7 @@
           <a:bodyPr/>
           <a:lstStyle/>
           <a:p>
-            <a:fld id="{D5CE5686-0170-47AF-9B8A-7DF387E652FA}" type="datetime1">
+            <a:fld id="{3883C902-160B-4538-99A8-1486892643D4}" type="datetime1">
               <a:rPr lang="en-GB" noProof="0" smtClean="0"/>
               <a:t>30/06/2025</a:t>
             </a:fld>
@@ -14658,7 +14817,7 @@
           <p:cNvPr id="6" name="Foliennummernplatzhalter 5">
             <a:extLst>
               <a:ext uri="{FF2B5EF4-FFF2-40B4-BE49-F238E27FC236}">
-                <a16:creationId xmlns:a16="http://schemas.microsoft.com/office/drawing/2014/main" id="{C370AD5B-DC15-F8E6-E8CA-CCFA3A37D2B0}"/>
+                <a16:creationId xmlns:a16="http://schemas.microsoft.com/office/drawing/2014/main" id="{32B2132C-573F-F8D4-B928-DD570F5FE014}"/>
               </a:ext>
             </a:extLst>
           </p:cNvPr>
@@ -14684,27 +14843,28 @@
       </p:sp>
       <p:graphicFrame>
         <p:nvGraphicFramePr>
-          <p:cNvPr id="5" name="Diagramm 4">
+          <p:cNvPr id="8" name="Bildplatzhalter 7">
             <a:extLst>
               <a:ext uri="{FF2B5EF4-FFF2-40B4-BE49-F238E27FC236}">
-                <a16:creationId xmlns:a16="http://schemas.microsoft.com/office/drawing/2014/main" id="{76A8B8D3-011B-E666-3B34-561680BD4CB5}"/>
+                <a16:creationId xmlns:a16="http://schemas.microsoft.com/office/drawing/2014/main" id="{28351E47-D6D0-1928-41CA-CD5559E52946}"/>
               </a:ext>
             </a:extLst>
           </p:cNvPr>
           <p:cNvGraphicFramePr>
-            <a:graphicFrameLocks/>
+            <a:graphicFrameLocks noGrp="1"/>
           </p:cNvGraphicFramePr>
           <p:nvPr>
+            <p:ph type="pic" sz="quarter" idx="13"/>
             <p:extLst>
               <p:ext uri="{D42A27DB-BD31-4B8C-83A1-F6EECF244321}">
-                <p14:modId xmlns:p14="http://schemas.microsoft.com/office/powerpoint/2010/main" val="3611715184"/>
+                <p14:modId xmlns:p14="http://schemas.microsoft.com/office/powerpoint/2010/main" val="1442385305"/>
               </p:ext>
             </p:extLst>
           </p:nvPr>
         </p:nvGraphicFramePr>
         <p:xfrm>
-          <a:off x="7479344" y="3300552"/>
-          <a:ext cx="4490089" cy="2726283"/>
+          <a:off x="731838" y="1412875"/>
+          <a:ext cx="5040312" cy="4859338"/>
         </p:xfrm>
         <a:graphic>
           <a:graphicData uri="http://schemas.openxmlformats.org/drawingml/2006/chart">
@@ -14715,7 +14875,7 @@
     </p:spTree>
     <p:extLst>
       <p:ext uri="{BB962C8B-B14F-4D97-AF65-F5344CB8AC3E}">
-        <p14:creationId xmlns:p14="http://schemas.microsoft.com/office/powerpoint/2010/main" val="154638504"/>
+        <p14:creationId xmlns:p14="http://schemas.microsoft.com/office/powerpoint/2010/main" val="3390480347"/>
       </p:ext>
     </p:extLst>
   </p:cSld>
@@ -14733,7 +14893,7 @@
         <p:cNvPr id="1" name="">
           <a:extLst>
             <a:ext uri="{FF2B5EF4-FFF2-40B4-BE49-F238E27FC236}">
-              <a16:creationId xmlns:a16="http://schemas.microsoft.com/office/drawing/2014/main" id="{2029D442-2416-584D-504C-D08E136769AB}"/>
+              <a16:creationId xmlns:a16="http://schemas.microsoft.com/office/drawing/2014/main" id="{A6BBB84F-6F0A-0A9B-274A-FCD2CC08ED08}"/>
             </a:ext>
           </a:extLst>
         </p:cNvPr>
@@ -14753,7 +14913,7 @@
           <p:cNvPr id="2" name="Titel 1">
             <a:extLst>
               <a:ext uri="{FF2B5EF4-FFF2-40B4-BE49-F238E27FC236}">
-                <a16:creationId xmlns:a16="http://schemas.microsoft.com/office/drawing/2014/main" id="{027D669F-A8AD-AD92-CFC7-CE852071B410}"/>
+                <a16:creationId xmlns:a16="http://schemas.microsoft.com/office/drawing/2014/main" id="{3CBD6810-4EDB-F96A-2490-4B81264E27CB}"/>
               </a:ext>
             </a:extLst>
           </p:cNvPr>
@@ -14771,7 +14931,7 @@
           <a:p>
             <a:r>
               <a:rPr lang="en-GB" dirty="0"/>
-              <a:t>Discussion</a:t>
+              <a:t>Comparing Results III</a:t>
             </a:r>
             <a:endParaRPr lang="en-GB" noProof="0" dirty="0"/>
           </a:p>
@@ -14782,7 +14942,7 @@
           <p:cNvPr id="3" name="Inhaltsplatzhalter 2">
             <a:extLst>
               <a:ext uri="{FF2B5EF4-FFF2-40B4-BE49-F238E27FC236}">
-                <a16:creationId xmlns:a16="http://schemas.microsoft.com/office/drawing/2014/main" id="{02B45AE8-EBDB-2879-4C92-5168BCA36CED}"/>
+                <a16:creationId xmlns:a16="http://schemas.microsoft.com/office/drawing/2014/main" id="{EFB23DC7-7523-5CAF-1DDF-6619464D0CBF}"/>
               </a:ext>
             </a:extLst>
           </p:cNvPr>
@@ -14802,39 +14962,65 @@
               <a:buNone/>
             </a:pPr>
             <a:r>
-              <a:rPr lang="en-GB" b="1" dirty="0" err="1"/>
-              <a:t>Copmarison</a:t>
-            </a:r>
-            <a:r>
               <a:rPr lang="en-GB" b="1" dirty="0"/>
-              <a:t> of performance</a:t>
-            </a:r>
-          </a:p>
-          <a:p>
-            <a:r>
-              <a:rPr lang="en-GB" dirty="0"/>
-              <a:t>Ready hands are reached earlier when using </a:t>
-            </a:r>
-            <a:r>
-              <a:rPr lang="en-GB" dirty="0" err="1"/>
+              <a:t>Ready Hands are reached more consistent</a:t>
+            </a:r>
+          </a:p>
+          <a:p>
+            <a:pPr marL="0" indent="0">
+              <a:buNone/>
+            </a:pPr>
+            <a:r>
+              <a:rPr lang="en-GB" noProof="0" dirty="0"/>
+              <a:t>In this unadjusted Diagram we see that </a:t>
+            </a:r>
+            <a:r>
+              <a:rPr lang="en-GB" noProof="0" dirty="0" err="1"/>
               <a:t>DrawAnalyzer</a:t>
             </a:r>
-            <a:endParaRPr lang="en-GB" dirty="0"/>
-          </a:p>
-          <a:p>
-            <a:endParaRPr lang="en-GB" dirty="0"/>
-          </a:p>
-          <a:p>
-            <a:endParaRPr lang="en-GB" dirty="0"/>
-          </a:p>
-          <a:p>
-            <a:endParaRPr lang="en-GB" dirty="0"/>
-          </a:p>
-          <a:p>
-            <a:endParaRPr lang="en-GB" dirty="0"/>
-          </a:p>
-          <a:p>
-            <a:endParaRPr lang="en-GB" noProof="0" dirty="0"/>
+            <a:r>
+              <a:rPr lang="en-GB" noProof="0" dirty="0"/>
+              <a:t> for depth1 clearly outperforms our naïve algorithm</a:t>
+            </a:r>
+          </a:p>
+        </p:txBody>
+      </p:sp>
+      <p:sp>
+        <p:nvSpPr>
+          <p:cNvPr id="15" name="Inhaltsplatzhalter 14">
+            <a:extLst>
+              <a:ext uri="{FF2B5EF4-FFF2-40B4-BE49-F238E27FC236}">
+                <a16:creationId xmlns:a16="http://schemas.microsoft.com/office/drawing/2014/main" id="{1870E0F8-8A7A-65DE-D46C-2EBCFC315C72}"/>
+              </a:ext>
+            </a:extLst>
+          </p:cNvPr>
+          <p:cNvSpPr>
+            <a:spLocks noGrp="1"/>
+          </p:cNvSpPr>
+          <p:nvPr>
+            <p:ph idx="15"/>
+          </p:nvPr>
+        </p:nvSpPr>
+        <p:spPr/>
+        <p:txBody>
+          <a:bodyPr/>
+          <a:lstStyle/>
+          <a:p>
+            <a:pPr marL="0" indent="0">
+              <a:buNone/>
+            </a:pPr>
+            <a:r>
+              <a:rPr lang="en-GB" noProof="0" dirty="0"/>
+              <a:t>Here we have adjusted the Diagram for </a:t>
+            </a:r>
+            <a:r>
+              <a:rPr lang="en-GB" noProof="0" dirty="0" err="1"/>
+              <a:t>DrawAnalyzer</a:t>
+            </a:r>
+            <a:r>
+              <a:rPr lang="en-GB" noProof="0" dirty="0"/>
+              <a:t> with depth 2. We also see a trend here that it would perform significantly better than the other two algorithms. </a:t>
+            </a:r>
           </a:p>
         </p:txBody>
       </p:sp>
@@ -14843,7 +15029,7 @@
           <p:cNvPr id="4" name="Datumsplatzhalter 3">
             <a:extLst>
               <a:ext uri="{FF2B5EF4-FFF2-40B4-BE49-F238E27FC236}">
-                <a16:creationId xmlns:a16="http://schemas.microsoft.com/office/drawing/2014/main" id="{81A03420-6871-52B0-9CB4-0F27E0C47D1F}"/>
+                <a16:creationId xmlns:a16="http://schemas.microsoft.com/office/drawing/2014/main" id="{EE9333E8-FC93-270B-1C5A-426E1EB50236}"/>
               </a:ext>
             </a:extLst>
           </p:cNvPr>
@@ -14859,7 +15045,7 @@
           <a:bodyPr/>
           <a:lstStyle/>
           <a:p>
-            <a:fld id="{D5CE5686-0170-47AF-9B8A-7DF387E652FA}" type="datetime1">
+            <a:fld id="{C32F3C7F-0C5F-4A18-A13A-CAEFDEB56FA0}" type="datetime1">
               <a:rPr lang="en-GB" noProof="0" smtClean="0"/>
               <a:t>30/06/2025</a:t>
             </a:fld>
@@ -14872,7 +15058,7 @@
           <p:cNvPr id="6" name="Foliennummernplatzhalter 5">
             <a:extLst>
               <a:ext uri="{FF2B5EF4-FFF2-40B4-BE49-F238E27FC236}">
-                <a16:creationId xmlns:a16="http://schemas.microsoft.com/office/drawing/2014/main" id="{96D192F7-32F1-5B7D-8713-ACBC9CFCD472}"/>
+                <a16:creationId xmlns:a16="http://schemas.microsoft.com/office/drawing/2014/main" id="{5C17EEFE-31A4-EB1B-7482-51D63A9DE2AE}"/>
               </a:ext>
             </a:extLst>
           </p:cNvPr>
@@ -14898,27 +15084,28 @@
       </p:sp>
       <p:graphicFrame>
         <p:nvGraphicFramePr>
-          <p:cNvPr id="7" name="Diagramm 6">
+          <p:cNvPr id="8" name="Bildplatzhalter 7">
             <a:extLst>
               <a:ext uri="{FF2B5EF4-FFF2-40B4-BE49-F238E27FC236}">
-                <a16:creationId xmlns:a16="http://schemas.microsoft.com/office/drawing/2014/main" id="{5039DBF8-4C6A-2653-F743-BC85F41D06DD}"/>
+                <a16:creationId xmlns:a16="http://schemas.microsoft.com/office/drawing/2014/main" id="{8DDEDE87-3374-20DA-B723-A5117B66F422}"/>
               </a:ext>
             </a:extLst>
           </p:cNvPr>
           <p:cNvGraphicFramePr>
-            <a:graphicFrameLocks/>
+            <a:graphicFrameLocks noGrp="1"/>
           </p:cNvGraphicFramePr>
           <p:nvPr>
+            <p:ph type="pic" sz="quarter" idx="13"/>
             <p:extLst>
               <p:ext uri="{D42A27DB-BD31-4B8C-83A1-F6EECF244321}">
-                <p14:modId xmlns:p14="http://schemas.microsoft.com/office/powerpoint/2010/main" val="1613264926"/>
+                <p14:modId xmlns:p14="http://schemas.microsoft.com/office/powerpoint/2010/main" val="830093415"/>
               </p:ext>
             </p:extLst>
           </p:nvPr>
         </p:nvGraphicFramePr>
         <p:xfrm>
-          <a:off x="1272359" y="2644957"/>
-          <a:ext cx="4546962" cy="2800168"/>
+          <a:off x="731838" y="1412875"/>
+          <a:ext cx="5256212" cy="3419475"/>
         </p:xfrm>
         <a:graphic>
           <a:graphicData uri="http://schemas.openxmlformats.org/drawingml/2006/chart">
@@ -14928,27 +15115,28 @@
       </p:graphicFrame>
       <p:graphicFrame>
         <p:nvGraphicFramePr>
-          <p:cNvPr id="8" name="Diagramm 7">
+          <p:cNvPr id="12" name="Bildplatzhalter 11">
             <a:extLst>
               <a:ext uri="{FF2B5EF4-FFF2-40B4-BE49-F238E27FC236}">
-                <a16:creationId xmlns:a16="http://schemas.microsoft.com/office/drawing/2014/main" id="{F04D631D-BC67-D8FA-AE01-77DCCFB95158}"/>
+                <a16:creationId xmlns:a16="http://schemas.microsoft.com/office/drawing/2014/main" id="{42DB1755-652E-E878-19FB-164FA6EEDFDC}"/>
               </a:ext>
             </a:extLst>
           </p:cNvPr>
           <p:cNvGraphicFramePr>
-            <a:graphicFrameLocks/>
+            <a:graphicFrameLocks noGrp="1"/>
           </p:cNvGraphicFramePr>
           <p:nvPr>
+            <p:ph type="pic" sz="quarter" idx="14"/>
             <p:extLst>
               <p:ext uri="{D42A27DB-BD31-4B8C-83A1-F6EECF244321}">
-                <p14:modId xmlns:p14="http://schemas.microsoft.com/office/powerpoint/2010/main" val="289537451"/>
+                <p14:modId xmlns:p14="http://schemas.microsoft.com/office/powerpoint/2010/main" val="2480355665"/>
               </p:ext>
             </p:extLst>
           </p:nvPr>
         </p:nvGraphicFramePr>
         <p:xfrm>
-          <a:off x="6372681" y="2701925"/>
-          <a:ext cx="4572000" cy="2743200"/>
+          <a:off x="6203950" y="1412875"/>
+          <a:ext cx="5256213" cy="3419475"/>
         </p:xfrm>
         <a:graphic>
           <a:graphicData uri="http://schemas.openxmlformats.org/drawingml/2006/chart">
@@ -14959,7 +15147,7 @@
     </p:spTree>
     <p:extLst>
       <p:ext uri="{BB962C8B-B14F-4D97-AF65-F5344CB8AC3E}">
-        <p14:creationId xmlns:p14="http://schemas.microsoft.com/office/powerpoint/2010/main" val="761838795"/>
+        <p14:creationId xmlns:p14="http://schemas.microsoft.com/office/powerpoint/2010/main" val="2729804538"/>
       </p:ext>
     </p:extLst>
   </p:cSld>
@@ -14970,6 +15158,221 @@
 </file>
 
 <file path=ppt/slides/slide14.xml><?xml version="1.0" encoding="utf-8"?>
+<p:sld xmlns:a="http://schemas.openxmlformats.org/drawingml/2006/main" xmlns:r="http://schemas.openxmlformats.org/officeDocument/2006/relationships" xmlns:p="http://schemas.openxmlformats.org/presentationml/2006/main">
+  <p:cSld>
+    <p:spTree>
+      <p:nvGrpSpPr>
+        <p:cNvPr id="1" name="">
+          <a:extLst>
+            <a:ext uri="{FF2B5EF4-FFF2-40B4-BE49-F238E27FC236}">
+              <a16:creationId xmlns:a16="http://schemas.microsoft.com/office/drawing/2014/main" id="{899690C0-E4BB-50D2-15DD-B334F0863D2F}"/>
+            </a:ext>
+          </a:extLst>
+        </p:cNvPr>
+        <p:cNvGrpSpPr/>
+        <p:nvPr/>
+      </p:nvGrpSpPr>
+      <p:grpSpPr>
+        <a:xfrm>
+          <a:off x="0" y="0"/>
+          <a:ext cx="0" cy="0"/>
+          <a:chOff x="0" y="0"/>
+          <a:chExt cx="0" cy="0"/>
+        </a:xfrm>
+      </p:grpSpPr>
+      <p:sp>
+        <p:nvSpPr>
+          <p:cNvPr id="2" name="Titel 1">
+            <a:extLst>
+              <a:ext uri="{FF2B5EF4-FFF2-40B4-BE49-F238E27FC236}">
+                <a16:creationId xmlns:a16="http://schemas.microsoft.com/office/drawing/2014/main" id="{5A231094-B90D-32F0-0E79-77B27683586B}"/>
+              </a:ext>
+            </a:extLst>
+          </p:cNvPr>
+          <p:cNvSpPr>
+            <a:spLocks noGrp="1"/>
+          </p:cNvSpPr>
+          <p:nvPr>
+            <p:ph type="title"/>
+          </p:nvPr>
+        </p:nvSpPr>
+        <p:spPr/>
+        <p:txBody>
+          <a:bodyPr/>
+          <a:lstStyle/>
+          <a:p>
+            <a:r>
+              <a:rPr lang="en-GB" noProof="0" dirty="0"/>
+              <a:t>Discussion</a:t>
+            </a:r>
+          </a:p>
+        </p:txBody>
+      </p:sp>
+      <p:sp>
+        <p:nvSpPr>
+          <p:cNvPr id="3" name="Inhaltsplatzhalter 2">
+            <a:extLst>
+              <a:ext uri="{FF2B5EF4-FFF2-40B4-BE49-F238E27FC236}">
+                <a16:creationId xmlns:a16="http://schemas.microsoft.com/office/drawing/2014/main" id="{189135C2-B339-CB63-34F3-AB2827D97234}"/>
+              </a:ext>
+            </a:extLst>
+          </p:cNvPr>
+          <p:cNvSpPr>
+            <a:spLocks noGrp="1"/>
+          </p:cNvSpPr>
+          <p:nvPr>
+            <p:ph idx="1"/>
+          </p:nvPr>
+        </p:nvSpPr>
+        <p:spPr/>
+        <p:txBody>
+          <a:bodyPr/>
+          <a:lstStyle/>
+          <a:p>
+            <a:r>
+              <a:rPr lang="en-GB" dirty="0"/>
+              <a:t>We improve the success rate from ~11% to &gt;20% even with depth 1 of </a:t>
+            </a:r>
+            <a:r>
+              <a:rPr lang="en-GB" dirty="0" err="1"/>
+              <a:t>DrawAnalyzer</a:t>
+            </a:r>
+            <a:r>
+              <a:rPr lang="en-GB" dirty="0"/>
+              <a:t> practically doubling it at the cost of factor 90 in terms of calculation time</a:t>
+            </a:r>
+          </a:p>
+          <a:p>
+            <a:r>
+              <a:rPr lang="en-GB" dirty="0"/>
+              <a:t>With higher depth of </a:t>
+            </a:r>
+            <a:r>
+              <a:rPr lang="en-GB" dirty="0" err="1"/>
+              <a:t>DrawAnalyzer</a:t>
+            </a:r>
+            <a:r>
+              <a:rPr lang="en-GB" dirty="0"/>
+              <a:t> the performance seems to be improved even more; towards 30% success rate but with a cost of roughly factor 3500, which seems to be </a:t>
+            </a:r>
+            <a:r>
+              <a:rPr lang="en-GB" dirty="0" err="1"/>
+              <a:t>inproportionate</a:t>
+            </a:r>
+            <a:r>
+              <a:rPr lang="en-GB" dirty="0"/>
+              <a:t>.</a:t>
+            </a:r>
+          </a:p>
+          <a:p>
+            <a:r>
+              <a:rPr lang="en-GB" dirty="0" err="1"/>
+              <a:t>DrawAnalyzer</a:t>
+            </a:r>
+            <a:r>
+              <a:rPr lang="en-GB" dirty="0"/>
+              <a:t> with depth 1 seems to be the current best solution in terms of usability, because the </a:t>
+            </a:r>
+            <a:r>
+              <a:rPr lang="en-GB" dirty="0" err="1"/>
+              <a:t>DrawAnalyzer</a:t>
+            </a:r>
+            <a:r>
+              <a:rPr lang="en-GB" dirty="0"/>
+              <a:t> with depth 2 takes to long to calculate. </a:t>
+            </a:r>
+            <a:r>
+              <a:rPr lang="en-GB"/>
+              <a:t>(TODO)</a:t>
+            </a:r>
+            <a:endParaRPr lang="en-GB" dirty="0"/>
+          </a:p>
+          <a:p>
+            <a:endParaRPr lang="en-GB" dirty="0"/>
+          </a:p>
+          <a:p>
+            <a:endParaRPr lang="en-GB" dirty="0"/>
+          </a:p>
+          <a:p>
+            <a:endParaRPr lang="en-GB" dirty="0"/>
+          </a:p>
+          <a:p>
+            <a:endParaRPr lang="en-GB" noProof="0" dirty="0"/>
+          </a:p>
+        </p:txBody>
+      </p:sp>
+      <p:sp>
+        <p:nvSpPr>
+          <p:cNvPr id="4" name="Datumsplatzhalter 3">
+            <a:extLst>
+              <a:ext uri="{FF2B5EF4-FFF2-40B4-BE49-F238E27FC236}">
+                <a16:creationId xmlns:a16="http://schemas.microsoft.com/office/drawing/2014/main" id="{C8EB38FA-47C4-7CCF-C36B-41E9A015F5E4}"/>
+              </a:ext>
+            </a:extLst>
+          </p:cNvPr>
+          <p:cNvSpPr>
+            <a:spLocks noGrp="1"/>
+          </p:cNvSpPr>
+          <p:nvPr>
+            <p:ph type="dt" sz="half" idx="10"/>
+          </p:nvPr>
+        </p:nvSpPr>
+        <p:spPr/>
+        <p:txBody>
+          <a:bodyPr/>
+          <a:lstStyle/>
+          <a:p>
+            <a:fld id="{D5CE5686-0170-47AF-9B8A-7DF387E652FA}" type="datetime1">
+              <a:rPr lang="en-GB" noProof="0" smtClean="0"/>
+              <a:t>30/06/2025</a:t>
+            </a:fld>
+            <a:endParaRPr lang="en-GB" noProof="0" dirty="0"/>
+          </a:p>
+        </p:txBody>
+      </p:sp>
+      <p:sp>
+        <p:nvSpPr>
+          <p:cNvPr id="6" name="Foliennummernplatzhalter 5">
+            <a:extLst>
+              <a:ext uri="{FF2B5EF4-FFF2-40B4-BE49-F238E27FC236}">
+                <a16:creationId xmlns:a16="http://schemas.microsoft.com/office/drawing/2014/main" id="{CC84A70A-73D3-0823-3613-472BCDF3BD36}"/>
+              </a:ext>
+            </a:extLst>
+          </p:cNvPr>
+          <p:cNvSpPr>
+            <a:spLocks noGrp="1"/>
+          </p:cNvSpPr>
+          <p:nvPr>
+            <p:ph type="sldNum" sz="quarter" idx="12"/>
+          </p:nvPr>
+        </p:nvSpPr>
+        <p:spPr/>
+        <p:txBody>
+          <a:bodyPr/>
+          <a:lstStyle/>
+          <a:p>
+            <a:fld id="{5ACA52AF-F19D-405C-AD5F-7D94B96A5CC3}" type="slidenum">
+              <a:rPr lang="en-GB" noProof="0" smtClean="0"/>
+              <a:t>14</a:t>
+            </a:fld>
+            <a:endParaRPr lang="en-GB" noProof="0" dirty="0"/>
+          </a:p>
+        </p:txBody>
+      </p:sp>
+    </p:spTree>
+    <p:extLst>
+      <p:ext uri="{BB962C8B-B14F-4D97-AF65-F5344CB8AC3E}">
+        <p14:creationId xmlns:p14="http://schemas.microsoft.com/office/powerpoint/2010/main" val="1284524655"/>
+      </p:ext>
+    </p:extLst>
+  </p:cSld>
+  <p:clrMapOvr>
+    <a:masterClrMapping/>
+  </p:clrMapOvr>
+</p:sld>
+</file>
+
+<file path=ppt/slides/slide15.xml><?xml version="1.0" encoding="utf-8"?>
 <p:sld xmlns:a="http://schemas.openxmlformats.org/drawingml/2006/main" xmlns:r="http://schemas.openxmlformats.org/officeDocument/2006/relationships" xmlns:p="http://schemas.openxmlformats.org/presentationml/2006/main">
   <p:cSld>
     <p:spTree>
@@ -15109,7 +15512,7 @@
           <a:p>
             <a:fld id="{5ACA52AF-F19D-405C-AD5F-7D94B96A5CC3}" type="slidenum">
               <a:rPr lang="en-GB" noProof="0" smtClean="0"/>
-              <a:t>14</a:t>
+              <a:t>15</a:t>
             </a:fld>
             <a:endParaRPr lang="en-GB" noProof="0" dirty="0"/>
           </a:p>
@@ -15128,7 +15531,7 @@
 </p:sld>
 </file>
 
-<file path=ppt/slides/slide15.xml><?xml version="1.0" encoding="utf-8"?>
+<file path=ppt/slides/slide16.xml><?xml version="1.0" encoding="utf-8"?>
 <p:sld xmlns:a="http://schemas.openxmlformats.org/drawingml/2006/main" xmlns:r="http://schemas.openxmlformats.org/officeDocument/2006/relationships" xmlns:p="http://schemas.openxmlformats.org/presentationml/2006/main">
   <p:cSld>
     <p:spTree>
@@ -15276,7 +15679,7 @@
           <a:p>
             <a:fld id="{5ACA52AF-F19D-405C-AD5F-7D94B96A5CC3}" type="slidenum">
               <a:rPr lang="en-GB" noProof="0" smtClean="0"/>
-              <a:t>15</a:t>
+              <a:t>16</a:t>
             </a:fld>
             <a:endParaRPr lang="en-GB" noProof="0" dirty="0"/>
           </a:p>
@@ -15286,152 +15689,6 @@
     <p:extLst>
       <p:ext uri="{BB962C8B-B14F-4D97-AF65-F5344CB8AC3E}">
         <p14:creationId xmlns:p14="http://schemas.microsoft.com/office/powerpoint/2010/main" val="3283055365"/>
-      </p:ext>
-    </p:extLst>
-  </p:cSld>
-  <p:clrMapOvr>
-    <a:masterClrMapping/>
-  </p:clrMapOvr>
-</p:sld>
-</file>
-
-<file path=ppt/slides/slide16.xml><?xml version="1.0" encoding="utf-8"?>
-<p:sld xmlns:a="http://schemas.openxmlformats.org/drawingml/2006/main" xmlns:r="http://schemas.openxmlformats.org/officeDocument/2006/relationships" xmlns:p="http://schemas.openxmlformats.org/presentationml/2006/main">
-  <p:cSld>
-    <p:spTree>
-      <p:nvGrpSpPr>
-        <p:cNvPr id="1" name=""/>
-        <p:cNvGrpSpPr/>
-        <p:nvPr/>
-      </p:nvGrpSpPr>
-      <p:grpSpPr>
-        <a:xfrm>
-          <a:off x="0" y="0"/>
-          <a:ext cx="0" cy="0"/>
-          <a:chOff x="0" y="0"/>
-          <a:chExt cx="0" cy="0"/>
-        </a:xfrm>
-      </p:grpSpPr>
-      <p:sp>
-        <p:nvSpPr>
-          <p:cNvPr id="2" name="Titel 1">
-            <a:extLst>
-              <a:ext uri="{FF2B5EF4-FFF2-40B4-BE49-F238E27FC236}">
-                <a16:creationId xmlns:a16="http://schemas.microsoft.com/office/drawing/2014/main" id="{E470912C-A9BB-730A-1C5C-79260D071DEB}"/>
-              </a:ext>
-            </a:extLst>
-          </p:cNvPr>
-          <p:cNvSpPr>
-            <a:spLocks noGrp="1"/>
-          </p:cNvSpPr>
-          <p:nvPr>
-            <p:ph type="title"/>
-          </p:nvPr>
-        </p:nvSpPr>
-        <p:spPr/>
-        <p:txBody>
-          <a:bodyPr/>
-          <a:lstStyle/>
-          <a:p>
-            <a:r>
-              <a:rPr lang="de-CH" dirty="0"/>
-              <a:t>ALLES HIERNACH SIND FOLIEN ZUM KOPIEREN; DA SIE FORMATVORLAGEN DER ETH SIND; LÖSCHEN VOR DER ABGABE!!!!</a:t>
-            </a:r>
-          </a:p>
-        </p:txBody>
-      </p:sp>
-      <p:sp>
-        <p:nvSpPr>
-          <p:cNvPr id="3" name="Datumsplatzhalter 2">
-            <a:extLst>
-              <a:ext uri="{FF2B5EF4-FFF2-40B4-BE49-F238E27FC236}">
-                <a16:creationId xmlns:a16="http://schemas.microsoft.com/office/drawing/2014/main" id="{A07AC870-CC7D-B621-E50B-B2E333AD1C46}"/>
-              </a:ext>
-            </a:extLst>
-          </p:cNvPr>
-          <p:cNvSpPr>
-            <a:spLocks noGrp="1"/>
-          </p:cNvSpPr>
-          <p:nvPr>
-            <p:ph type="dt" sz="half" idx="10"/>
-          </p:nvPr>
-        </p:nvSpPr>
-        <p:spPr/>
-        <p:txBody>
-          <a:bodyPr/>
-          <a:lstStyle/>
-          <a:p>
-            <a:fld id="{6C4EAFE7-317E-4912-B75C-DD6945F82242}" type="datetime1">
-              <a:rPr lang="de-CH" noProof="0" smtClean="0"/>
-              <a:t>30.06.2025</a:t>
-            </a:fld>
-            <a:endParaRPr lang="de-CH" noProof="0"/>
-          </a:p>
-        </p:txBody>
-      </p:sp>
-      <p:sp>
-        <p:nvSpPr>
-          <p:cNvPr id="4" name="Fußzeilenplatzhalter 3">
-            <a:extLst>
-              <a:ext uri="{FF2B5EF4-FFF2-40B4-BE49-F238E27FC236}">
-                <a16:creationId xmlns:a16="http://schemas.microsoft.com/office/drawing/2014/main" id="{31C31D73-65BB-1334-5FBE-25A4B3CA2483}"/>
-              </a:ext>
-            </a:extLst>
-          </p:cNvPr>
-          <p:cNvSpPr>
-            <a:spLocks noGrp="1"/>
-          </p:cNvSpPr>
-          <p:nvPr>
-            <p:ph type="ftr" sz="quarter" idx="11"/>
-          </p:nvPr>
-        </p:nvSpPr>
-        <p:spPr/>
-        <p:txBody>
-          <a:bodyPr/>
-          <a:lstStyle/>
-          <a:p>
-            <a:r>
-              <a:rPr lang="de-DE" noProof="0"/>
-              <a:t>Organisationseinheit verbal</a:t>
-            </a:r>
-            <a:endParaRPr lang="de-CH" noProof="0"/>
-          </a:p>
-        </p:txBody>
-      </p:sp>
-      <p:sp>
-        <p:nvSpPr>
-          <p:cNvPr id="5" name="Foliennummernplatzhalter 4">
-            <a:extLst>
-              <a:ext uri="{FF2B5EF4-FFF2-40B4-BE49-F238E27FC236}">
-                <a16:creationId xmlns:a16="http://schemas.microsoft.com/office/drawing/2014/main" id="{27D305E4-3421-3F2C-FF97-E9B4D5A7F26A}"/>
-              </a:ext>
-            </a:extLst>
-          </p:cNvPr>
-          <p:cNvSpPr>
-            <a:spLocks noGrp="1"/>
-          </p:cNvSpPr>
-          <p:nvPr>
-            <p:ph type="sldNum" sz="quarter" idx="12"/>
-          </p:nvPr>
-        </p:nvSpPr>
-        <p:spPr/>
-        <p:txBody>
-          <a:bodyPr/>
-          <a:lstStyle/>
-          <a:p>
-            <a:fld id="{5ACA52AF-F19D-405C-AD5F-7D94B96A5CC3}" type="slidenum">
-              <a:rPr lang="de-CH" noProof="0" smtClean="0"/>
-              <a:pPr/>
-              <a:t>16</a:t>
-            </a:fld>
-            <a:endParaRPr lang="de-CH" noProof="0"/>
-          </a:p>
-        </p:txBody>
-      </p:sp>
-    </p:spTree>
-    <p:extLst>
-      <p:ext uri="{BB962C8B-B14F-4D97-AF65-F5344CB8AC3E}">
-        <p14:creationId xmlns:p14="http://schemas.microsoft.com/office/powerpoint/2010/main" val="3346068434"/>
       </p:ext>
     </p:extLst>
   </p:cSld>
@@ -15460,10 +15717,38 @@
       </p:grpSpPr>
       <p:sp>
         <p:nvSpPr>
-          <p:cNvPr id="4" name="Datumsplatzhalter 3">
+          <p:cNvPr id="2" name="Titel 1">
             <a:extLst>
               <a:ext uri="{FF2B5EF4-FFF2-40B4-BE49-F238E27FC236}">
-                <a16:creationId xmlns:a16="http://schemas.microsoft.com/office/drawing/2014/main" id="{094858D9-4110-A208-0AEE-6153D2484097}"/>
+                <a16:creationId xmlns:a16="http://schemas.microsoft.com/office/drawing/2014/main" id="{E470912C-A9BB-730A-1C5C-79260D071DEB}"/>
+              </a:ext>
+            </a:extLst>
+          </p:cNvPr>
+          <p:cNvSpPr>
+            <a:spLocks noGrp="1"/>
+          </p:cNvSpPr>
+          <p:nvPr>
+            <p:ph type="title"/>
+          </p:nvPr>
+        </p:nvSpPr>
+        <p:spPr/>
+        <p:txBody>
+          <a:bodyPr/>
+          <a:lstStyle/>
+          <a:p>
+            <a:r>
+              <a:rPr lang="de-CH" dirty="0"/>
+              <a:t>ALLES HIERNACH SIND FOLIEN ZUM KOPIEREN; DA SIE FORMATVORLAGEN DER ETH SIND; LÖSCHEN VOR DER ABGABE!!!!</a:t>
+            </a:r>
+          </a:p>
+        </p:txBody>
+      </p:sp>
+      <p:sp>
+        <p:nvSpPr>
+          <p:cNvPr id="3" name="Datumsplatzhalter 2">
+            <a:extLst>
+              <a:ext uri="{FF2B5EF4-FFF2-40B4-BE49-F238E27FC236}">
+                <a16:creationId xmlns:a16="http://schemas.microsoft.com/office/drawing/2014/main" id="{A07AC870-CC7D-B621-E50B-B2E333AD1C46}"/>
               </a:ext>
             </a:extLst>
           </p:cNvPr>
@@ -15479,7 +15764,7 @@
           <a:bodyPr/>
           <a:lstStyle/>
           <a:p>
-            <a:fld id="{3E1B9425-7348-43E2-B0E9-6A2A48F5FA8A}" type="datetime1">
+            <a:fld id="{6C4EAFE7-317E-4912-B75C-DD6945F82242}" type="datetime1">
               <a:rPr lang="de-CH" noProof="0" smtClean="0"/>
               <a:t>30.06.2025</a:t>
             </a:fld>
@@ -15489,10 +15774,10 @@
       </p:sp>
       <p:sp>
         <p:nvSpPr>
-          <p:cNvPr id="5" name="Fußzeilenplatzhalter 4">
+          <p:cNvPr id="4" name="Fußzeilenplatzhalter 3">
             <a:extLst>
               <a:ext uri="{FF2B5EF4-FFF2-40B4-BE49-F238E27FC236}">
-                <a16:creationId xmlns:a16="http://schemas.microsoft.com/office/drawing/2014/main" id="{BE985930-BD8C-A159-0666-B362BBC3C635}"/>
+                <a16:creationId xmlns:a16="http://schemas.microsoft.com/office/drawing/2014/main" id="{31C31D73-65BB-1334-5FBE-25A4B3CA2483}"/>
               </a:ext>
             </a:extLst>
           </p:cNvPr>
@@ -15518,10 +15803,10 @@
       </p:sp>
       <p:sp>
         <p:nvSpPr>
-          <p:cNvPr id="6" name="Foliennummernplatzhalter 5">
+          <p:cNvPr id="5" name="Foliennummernplatzhalter 4">
             <a:extLst>
               <a:ext uri="{FF2B5EF4-FFF2-40B4-BE49-F238E27FC236}">
-                <a16:creationId xmlns:a16="http://schemas.microsoft.com/office/drawing/2014/main" id="{6A5505F6-FA15-A346-7276-AF6D3F2D7B39}"/>
+                <a16:creationId xmlns:a16="http://schemas.microsoft.com/office/drawing/2014/main" id="{27D305E4-3421-3F2C-FF97-E9B4D5A7F26A}"/>
               </a:ext>
             </a:extLst>
           </p:cNvPr>
@@ -15539,7 +15824,125 @@
           <a:p>
             <a:fld id="{5ACA52AF-F19D-405C-AD5F-7D94B96A5CC3}" type="slidenum">
               <a:rPr lang="de-CH" noProof="0" smtClean="0"/>
+              <a:pPr/>
               <a:t>17</a:t>
+            </a:fld>
+            <a:endParaRPr lang="de-CH" noProof="0"/>
+          </a:p>
+        </p:txBody>
+      </p:sp>
+    </p:spTree>
+    <p:extLst>
+      <p:ext uri="{BB962C8B-B14F-4D97-AF65-F5344CB8AC3E}">
+        <p14:creationId xmlns:p14="http://schemas.microsoft.com/office/powerpoint/2010/main" val="3346068434"/>
+      </p:ext>
+    </p:extLst>
+  </p:cSld>
+  <p:clrMapOvr>
+    <a:masterClrMapping/>
+  </p:clrMapOvr>
+</p:sld>
+</file>
+
+<file path=ppt/slides/slide18.xml><?xml version="1.0" encoding="utf-8"?>
+<p:sld xmlns:a="http://schemas.openxmlformats.org/drawingml/2006/main" xmlns:r="http://schemas.openxmlformats.org/officeDocument/2006/relationships" xmlns:p="http://schemas.openxmlformats.org/presentationml/2006/main">
+  <p:cSld>
+    <p:spTree>
+      <p:nvGrpSpPr>
+        <p:cNvPr id="1" name=""/>
+        <p:cNvGrpSpPr/>
+        <p:nvPr/>
+      </p:nvGrpSpPr>
+      <p:grpSpPr>
+        <a:xfrm>
+          <a:off x="0" y="0"/>
+          <a:ext cx="0" cy="0"/>
+          <a:chOff x="0" y="0"/>
+          <a:chExt cx="0" cy="0"/>
+        </a:xfrm>
+      </p:grpSpPr>
+      <p:sp>
+        <p:nvSpPr>
+          <p:cNvPr id="4" name="Datumsplatzhalter 3">
+            <a:extLst>
+              <a:ext uri="{FF2B5EF4-FFF2-40B4-BE49-F238E27FC236}">
+                <a16:creationId xmlns:a16="http://schemas.microsoft.com/office/drawing/2014/main" id="{094858D9-4110-A208-0AEE-6153D2484097}"/>
+              </a:ext>
+            </a:extLst>
+          </p:cNvPr>
+          <p:cNvSpPr>
+            <a:spLocks noGrp="1"/>
+          </p:cNvSpPr>
+          <p:nvPr>
+            <p:ph type="dt" sz="half" idx="10"/>
+          </p:nvPr>
+        </p:nvSpPr>
+        <p:spPr/>
+        <p:txBody>
+          <a:bodyPr/>
+          <a:lstStyle/>
+          <a:p>
+            <a:fld id="{3E1B9425-7348-43E2-B0E9-6A2A48F5FA8A}" type="datetime1">
+              <a:rPr lang="de-CH" noProof="0" smtClean="0"/>
+              <a:t>30.06.2025</a:t>
+            </a:fld>
+            <a:endParaRPr lang="de-CH" noProof="0"/>
+          </a:p>
+        </p:txBody>
+      </p:sp>
+      <p:sp>
+        <p:nvSpPr>
+          <p:cNvPr id="5" name="Fußzeilenplatzhalter 4">
+            <a:extLst>
+              <a:ext uri="{FF2B5EF4-FFF2-40B4-BE49-F238E27FC236}">
+                <a16:creationId xmlns:a16="http://schemas.microsoft.com/office/drawing/2014/main" id="{BE985930-BD8C-A159-0666-B362BBC3C635}"/>
+              </a:ext>
+            </a:extLst>
+          </p:cNvPr>
+          <p:cNvSpPr>
+            <a:spLocks noGrp="1"/>
+          </p:cNvSpPr>
+          <p:nvPr>
+            <p:ph type="ftr" sz="quarter" idx="11"/>
+          </p:nvPr>
+        </p:nvSpPr>
+        <p:spPr/>
+        <p:txBody>
+          <a:bodyPr/>
+          <a:lstStyle/>
+          <a:p>
+            <a:r>
+              <a:rPr lang="de-DE" noProof="0"/>
+              <a:t>Organisationseinheit verbal</a:t>
+            </a:r>
+            <a:endParaRPr lang="de-CH" noProof="0"/>
+          </a:p>
+        </p:txBody>
+      </p:sp>
+      <p:sp>
+        <p:nvSpPr>
+          <p:cNvPr id="6" name="Foliennummernplatzhalter 5">
+            <a:extLst>
+              <a:ext uri="{FF2B5EF4-FFF2-40B4-BE49-F238E27FC236}">
+                <a16:creationId xmlns:a16="http://schemas.microsoft.com/office/drawing/2014/main" id="{6A5505F6-FA15-A346-7276-AF6D3F2D7B39}"/>
+              </a:ext>
+            </a:extLst>
+          </p:cNvPr>
+          <p:cNvSpPr>
+            <a:spLocks noGrp="1"/>
+          </p:cNvSpPr>
+          <p:nvPr>
+            <p:ph type="sldNum" sz="quarter" idx="12"/>
+          </p:nvPr>
+        </p:nvSpPr>
+        <p:spPr/>
+        <p:txBody>
+          <a:bodyPr/>
+          <a:lstStyle/>
+          <a:p>
+            <a:fld id="{5ACA52AF-F19D-405C-AD5F-7D94B96A5CC3}" type="slidenum">
+              <a:rPr lang="de-CH" noProof="0" smtClean="0"/>
+              <a:t>18</a:t>
             </a:fld>
             <a:endParaRPr lang="de-CH" noProof="0"/>
           </a:p>
@@ -17187,7 +17590,7 @@
 </p:sld>
 </file>
 
-<file path=ppt/slides/slide18.xml><?xml version="1.0" encoding="utf-8"?>
+<file path=ppt/slides/slide19.xml><?xml version="1.0" encoding="utf-8"?>
 <p:sld xmlns:a="http://schemas.openxmlformats.org/drawingml/2006/main" xmlns:r="http://schemas.openxmlformats.org/officeDocument/2006/relationships" xmlns:p="http://schemas.openxmlformats.org/presentationml/2006/main">
   <p:cSld>
     <p:spTree>
@@ -17291,7 +17694,7 @@
           <a:p>
             <a:fld id="{5ACA52AF-F19D-405C-AD5F-7D94B96A5CC3}" type="slidenum">
               <a:rPr lang="de-CH" noProof="0" smtClean="0"/>
-              <a:t>18</a:t>
+              <a:t>19</a:t>
             </a:fld>
             <a:endParaRPr lang="de-CH" noProof="0"/>
           </a:p>
@@ -18187,239 +18590,6 @@
 </p:sld>
 </file>
 
-<file path=ppt/slides/slide19.xml><?xml version="1.0" encoding="utf-8"?>
-<p:sld xmlns:a="http://schemas.openxmlformats.org/drawingml/2006/main" xmlns:r="http://schemas.openxmlformats.org/officeDocument/2006/relationships" xmlns:p="http://schemas.openxmlformats.org/presentationml/2006/main">
-  <p:cSld>
-    <p:spTree>
-      <p:nvGrpSpPr>
-        <p:cNvPr id="1" name=""/>
-        <p:cNvGrpSpPr/>
-        <p:nvPr/>
-      </p:nvGrpSpPr>
-      <p:grpSpPr>
-        <a:xfrm>
-          <a:off x="0" y="0"/>
-          <a:ext cx="0" cy="0"/>
-          <a:chOff x="0" y="0"/>
-          <a:chExt cx="0" cy="0"/>
-        </a:xfrm>
-      </p:grpSpPr>
-      <p:sp>
-        <p:nvSpPr>
-          <p:cNvPr id="2" name="Titel 1">
-            <a:extLst>
-              <a:ext uri="{FF2B5EF4-FFF2-40B4-BE49-F238E27FC236}">
-                <a16:creationId xmlns:a16="http://schemas.microsoft.com/office/drawing/2014/main" id="{B2FE22A1-56F7-4FF9-8A90-D307E67331DC}"/>
-              </a:ext>
-            </a:extLst>
-          </p:cNvPr>
-          <p:cNvSpPr>
-            <a:spLocks noGrp="1"/>
-          </p:cNvSpPr>
-          <p:nvPr>
-            <p:ph type="title"/>
-          </p:nvPr>
-        </p:nvSpPr>
-        <p:spPr/>
-        <p:txBody>
-          <a:bodyPr/>
-          <a:lstStyle/>
-          <a:p>
-            <a:r>
-              <a:rPr lang="en-GB" noProof="0" dirty="0"/>
-              <a:t>Hier </a:t>
-            </a:r>
-            <a:r>
-              <a:rPr lang="en-GB" noProof="0" dirty="0" err="1"/>
-              <a:t>steht</a:t>
-            </a:r>
-            <a:r>
-              <a:rPr lang="en-GB" noProof="0" dirty="0"/>
-              <a:t> der </a:t>
-            </a:r>
-            <a:r>
-              <a:rPr lang="en-GB" noProof="0" dirty="0" err="1"/>
-              <a:t>Folientitel</a:t>
-            </a:r>
-            <a:endParaRPr lang="en-GB" noProof="0" dirty="0"/>
-          </a:p>
-        </p:txBody>
-      </p:sp>
-      <p:sp>
-        <p:nvSpPr>
-          <p:cNvPr id="3" name="Inhaltsplatzhalter 2">
-            <a:extLst>
-              <a:ext uri="{FF2B5EF4-FFF2-40B4-BE49-F238E27FC236}">
-                <a16:creationId xmlns:a16="http://schemas.microsoft.com/office/drawing/2014/main" id="{56BD7DC3-17C3-4B09-9D8E-F143A82B205E}"/>
-              </a:ext>
-            </a:extLst>
-          </p:cNvPr>
-          <p:cNvSpPr>
-            <a:spLocks noGrp="1"/>
-          </p:cNvSpPr>
-          <p:nvPr>
-            <p:ph idx="1"/>
-          </p:nvPr>
-        </p:nvSpPr>
-        <p:spPr/>
-        <p:txBody>
-          <a:bodyPr/>
-          <a:lstStyle/>
-          <a:p>
-            <a:r>
-              <a:rPr lang="en-GB" noProof="0" dirty="0" err="1"/>
-              <a:t>Textplatzhalter</a:t>
-            </a:r>
-            <a:r>
-              <a:rPr lang="en-GB" noProof="0" dirty="0"/>
-              <a:t> </a:t>
-            </a:r>
-            <a:r>
-              <a:rPr lang="en-GB" noProof="0" dirty="0" err="1"/>
-              <a:t>haben</a:t>
-            </a:r>
-            <a:r>
-              <a:rPr lang="en-GB" noProof="0" dirty="0"/>
-              <a:t> </a:t>
-            </a:r>
-            <a:r>
-              <a:rPr lang="en-GB" noProof="0" dirty="0" err="1"/>
-              <a:t>als</a:t>
-            </a:r>
-            <a:r>
-              <a:rPr lang="en-GB" noProof="0" dirty="0"/>
-              <a:t> Standard </a:t>
-            </a:r>
-            <a:r>
-              <a:rPr lang="en-GB" noProof="0" dirty="0" err="1"/>
-              <a:t>Bulletpoints</a:t>
-            </a:r>
-            <a:r>
-              <a:rPr lang="en-GB" noProof="0" dirty="0"/>
-              <a:t>. Um </a:t>
-            </a:r>
-            <a:r>
-              <a:rPr lang="en-GB" noProof="0" dirty="0" err="1"/>
-              <a:t>diese</a:t>
-            </a:r>
-            <a:r>
-              <a:rPr lang="en-GB" noProof="0" dirty="0"/>
-              <a:t> </a:t>
-            </a:r>
-            <a:r>
-              <a:rPr lang="en-GB" noProof="0" dirty="0" err="1"/>
-              <a:t>zu</a:t>
-            </a:r>
-            <a:r>
-              <a:rPr lang="en-GB" noProof="0" dirty="0"/>
-              <a:t> </a:t>
-            </a:r>
-            <a:r>
-              <a:rPr lang="en-GB" noProof="0" dirty="0" err="1"/>
-              <a:t>entfernen</a:t>
-            </a:r>
-            <a:r>
-              <a:rPr lang="en-GB" noProof="0" dirty="0"/>
-              <a:t> </a:t>
-            </a:r>
-            <a:r>
-              <a:rPr lang="en-GB" noProof="0" dirty="0" err="1"/>
-              <a:t>drücken</a:t>
-            </a:r>
-            <a:r>
-              <a:rPr lang="en-GB" noProof="0" dirty="0"/>
-              <a:t> Sie </a:t>
-            </a:r>
-            <a:r>
-              <a:rPr lang="en-GB" noProof="0" dirty="0" err="1"/>
-              <a:t>vor</a:t>
-            </a:r>
-            <a:r>
-              <a:rPr lang="en-GB" noProof="0" dirty="0"/>
-              <a:t> der </a:t>
-            </a:r>
-            <a:r>
-              <a:rPr lang="en-GB" noProof="0" dirty="0" err="1"/>
-              <a:t>Texteingabe</a:t>
-            </a:r>
-            <a:r>
-              <a:rPr lang="en-GB" noProof="0" dirty="0"/>
-              <a:t> die Backspace Taste.</a:t>
-            </a:r>
-          </a:p>
-        </p:txBody>
-      </p:sp>
-      <p:sp>
-        <p:nvSpPr>
-          <p:cNvPr id="4" name="Datumsplatzhalter 3">
-            <a:extLst>
-              <a:ext uri="{FF2B5EF4-FFF2-40B4-BE49-F238E27FC236}">
-                <a16:creationId xmlns:a16="http://schemas.microsoft.com/office/drawing/2014/main" id="{C6DB7874-B99C-4F6D-A86D-EA0EE8CA0B16}"/>
-              </a:ext>
-            </a:extLst>
-          </p:cNvPr>
-          <p:cNvSpPr>
-            <a:spLocks noGrp="1"/>
-          </p:cNvSpPr>
-          <p:nvPr>
-            <p:ph type="dt" sz="half" idx="10"/>
-          </p:nvPr>
-        </p:nvSpPr>
-        <p:spPr/>
-        <p:txBody>
-          <a:bodyPr/>
-          <a:lstStyle/>
-          <a:p>
-            <a:fld id="{D5CE5686-0170-47AF-9B8A-7DF387E652FA}" type="datetime1">
-              <a:rPr lang="en-GB" noProof="0" smtClean="0"/>
-              <a:t>30/06/2025</a:t>
-            </a:fld>
-            <a:endParaRPr lang="en-GB" noProof="0" dirty="0"/>
-          </a:p>
-        </p:txBody>
-      </p:sp>
-      <p:sp>
-        <p:nvSpPr>
-          <p:cNvPr id="6" name="Foliennummernplatzhalter 5">
-            <a:extLst>
-              <a:ext uri="{FF2B5EF4-FFF2-40B4-BE49-F238E27FC236}">
-                <a16:creationId xmlns:a16="http://schemas.microsoft.com/office/drawing/2014/main" id="{9620278B-D74F-421E-A3BD-EC66D58377A7}"/>
-              </a:ext>
-            </a:extLst>
-          </p:cNvPr>
-          <p:cNvSpPr>
-            <a:spLocks noGrp="1"/>
-          </p:cNvSpPr>
-          <p:nvPr>
-            <p:ph type="sldNum" sz="quarter" idx="12"/>
-          </p:nvPr>
-        </p:nvSpPr>
-        <p:spPr/>
-        <p:txBody>
-          <a:bodyPr/>
-          <a:lstStyle/>
-          <a:p>
-            <a:fld id="{5ACA52AF-F19D-405C-AD5F-7D94B96A5CC3}" type="slidenum">
-              <a:rPr lang="en-GB" noProof="0" smtClean="0"/>
-              <a:t>19</a:t>
-            </a:fld>
-            <a:endParaRPr lang="en-GB" noProof="0" dirty="0"/>
-          </a:p>
-        </p:txBody>
-      </p:sp>
-    </p:spTree>
-    <p:extLst>
-      <p:ext uri="{BB962C8B-B14F-4D97-AF65-F5344CB8AC3E}">
-        <p14:creationId xmlns:p14="http://schemas.microsoft.com/office/powerpoint/2010/main" val="1777112693"/>
-      </p:ext>
-    </p:extLst>
-  </p:cSld>
-  <p:clrMapOvr>
-    <a:masterClrMapping/>
-  </p:clrMapOvr>
-</p:sld>
-</file>
-
 <file path=ppt/slides/slide2.xml><?xml version="1.0" encoding="utf-8"?>
 <p:sld xmlns:a="http://schemas.openxmlformats.org/drawingml/2006/main" xmlns:r="http://schemas.openxmlformats.org/officeDocument/2006/relationships" xmlns:p="http://schemas.openxmlformats.org/presentationml/2006/main">
   <p:cSld>
@@ -18642,7 +18812,7 @@
           <p:cNvPr id="2" name="Titel 1">
             <a:extLst>
               <a:ext uri="{FF2B5EF4-FFF2-40B4-BE49-F238E27FC236}">
-                <a16:creationId xmlns:a16="http://schemas.microsoft.com/office/drawing/2014/main" id="{9FF31ECF-EF04-4AAA-9A8E-583E3D217F33}"/>
+                <a16:creationId xmlns:a16="http://schemas.microsoft.com/office/drawing/2014/main" id="{B2FE22A1-56F7-4FF9-8A90-D307E67331DC}"/>
               </a:ext>
             </a:extLst>
           </p:cNvPr>
@@ -18683,7 +18853,7 @@
           <p:cNvPr id="3" name="Inhaltsplatzhalter 2">
             <a:extLst>
               <a:ext uri="{FF2B5EF4-FFF2-40B4-BE49-F238E27FC236}">
-                <a16:creationId xmlns:a16="http://schemas.microsoft.com/office/drawing/2014/main" id="{9EE0A683-618F-4D75-846F-0DB536B4E502}"/>
+                <a16:creationId xmlns:a16="http://schemas.microsoft.com/office/drawing/2014/main" id="{56BD7DC3-17C3-4B09-9D8E-F143A82B205E}"/>
               </a:ext>
             </a:extLst>
           </p:cNvPr>
@@ -18699,45 +18869,9 @@
           <a:bodyPr/>
           <a:lstStyle/>
           <a:p>
-            <a:pPr marL="0" indent="0">
-              <a:buNone/>
-            </a:pPr>
-            <a:r>
-              <a:rPr lang="en-GB" b="1" noProof="0" dirty="0" err="1"/>
-              <a:t>Zwischenüberschrift</a:t>
-            </a:r>
-            <a:r>
-              <a:rPr lang="en-GB" b="1" noProof="0" dirty="0"/>
-              <a:t> (optional)</a:t>
-            </a:r>
-          </a:p>
-          <a:p>
-            <a:pPr marL="0" indent="0">
-              <a:buNone/>
-            </a:pPr>
-            <a:r>
-              <a:rPr lang="en-GB" noProof="0" dirty="0"/>
-              <a:t>Lorem ipsum </a:t>
-            </a:r>
             <a:r>
               <a:rPr lang="en-GB" noProof="0" dirty="0" err="1"/>
-              <a:t>dolor</a:t>
-            </a:r>
-            <a:r>
-              <a:rPr lang="en-GB" noProof="0" dirty="0"/>
-              <a:t> sit </a:t>
-            </a:r>
-            <a:r>
-              <a:rPr lang="en-GB" noProof="0" dirty="0" err="1"/>
-              <a:t>amet</a:t>
-            </a:r>
-            <a:r>
-              <a:rPr lang="en-GB" noProof="0" dirty="0"/>
-              <a:t>, </a:t>
-            </a:r>
-            <a:r>
-              <a:rPr lang="en-GB" noProof="0" dirty="0" err="1"/>
-              <a:t>consectetur</a:t>
+              <a:t>Textplatzhalter</a:t>
             </a:r>
             <a:r>
               <a:rPr lang="en-GB" noProof="0" dirty="0"/>
@@ -18745,7 +18879,7 @@
             </a:r>
             <a:r>
               <a:rPr lang="en-GB" noProof="0" dirty="0" err="1"/>
-              <a:t>adipiscing</a:t>
+              <a:t>haben</a:t>
             </a:r>
             <a:r>
               <a:rPr lang="en-GB" noProof="0" dirty="0"/>
@@ -18753,23 +18887,23 @@
             </a:r>
             <a:r>
               <a:rPr lang="en-GB" noProof="0" dirty="0" err="1"/>
-              <a:t>elit</a:t>
+              <a:t>als</a:t>
             </a:r>
             <a:r>
               <a:rPr lang="en-GB" noProof="0" dirty="0"/>
-              <a:t>, </a:t>
+              <a:t> Standard </a:t>
             </a:r>
             <a:r>
               <a:rPr lang="en-GB" noProof="0" dirty="0" err="1"/>
-              <a:t>sed</a:t>
+              <a:t>Bulletpoints</a:t>
             </a:r>
             <a:r>
               <a:rPr lang="en-GB" noProof="0" dirty="0"/>
-              <a:t> do </a:t>
+              <a:t>. Um </a:t>
             </a:r>
             <a:r>
               <a:rPr lang="en-GB" noProof="0" dirty="0" err="1"/>
-              <a:t>eiusmod</a:t>
+              <a:t>diese</a:t>
             </a:r>
             <a:r>
               <a:rPr lang="en-GB" noProof="0" dirty="0"/>
@@ -18777,7 +18911,7 @@
             </a:r>
             <a:r>
               <a:rPr lang="en-GB" noProof="0" dirty="0" err="1"/>
-              <a:t>tempor</a:t>
+              <a:t>zu</a:t>
             </a:r>
             <a:r>
               <a:rPr lang="en-GB" noProof="0" dirty="0"/>
@@ -18785,7 +18919,7 @@
             </a:r>
             <a:r>
               <a:rPr lang="en-GB" noProof="0" dirty="0" err="1"/>
-              <a:t>incididunt</a:t>
+              <a:t>entfernen</a:t>
             </a:r>
             <a:r>
               <a:rPr lang="en-GB" noProof="0" dirty="0"/>
@@ -18793,355 +18927,27 @@
             </a:r>
             <a:r>
               <a:rPr lang="en-GB" noProof="0" dirty="0" err="1"/>
-              <a:t>ut</a:t>
+              <a:t>drücken</a:t>
             </a:r>
             <a:r>
               <a:rPr lang="en-GB" noProof="0" dirty="0"/>
-              <a:t> labore et dolore magna </a:t>
+              <a:t> Sie </a:t>
             </a:r>
             <a:r>
               <a:rPr lang="en-GB" noProof="0" dirty="0" err="1"/>
-              <a:t>aliqua</a:t>
+              <a:t>vor</a:t>
             </a:r>
             <a:r>
               <a:rPr lang="en-GB" noProof="0" dirty="0"/>
-              <a:t>. Ut </a:t>
+              <a:t> der </a:t>
             </a:r>
             <a:r>
               <a:rPr lang="en-GB" noProof="0" dirty="0" err="1"/>
-              <a:t>enim</a:t>
+              <a:t>Texteingabe</a:t>
             </a:r>
             <a:r>
               <a:rPr lang="en-GB" noProof="0" dirty="0"/>
-              <a:t> ad minim </a:t>
-            </a:r>
-            <a:r>
-              <a:rPr lang="en-GB" noProof="0" dirty="0" err="1"/>
-              <a:t>veniam</a:t>
-            </a:r>
-            <a:r>
-              <a:rPr lang="en-GB" noProof="0" dirty="0"/>
-              <a:t>, </a:t>
-            </a:r>
-            <a:r>
-              <a:rPr lang="en-GB" noProof="0" dirty="0" err="1"/>
-              <a:t>quis</a:t>
-            </a:r>
-            <a:r>
-              <a:rPr lang="en-GB" noProof="0" dirty="0"/>
-              <a:t> </a:t>
-            </a:r>
-            <a:r>
-              <a:rPr lang="en-GB" noProof="0" dirty="0" err="1"/>
-              <a:t>nostrud</a:t>
-            </a:r>
-            <a:r>
-              <a:rPr lang="en-GB" noProof="0" dirty="0"/>
-              <a:t> exercitation </a:t>
-            </a:r>
-            <a:r>
-              <a:rPr lang="en-GB" noProof="0" dirty="0" err="1"/>
-              <a:t>ullamco</a:t>
-            </a:r>
-            <a:r>
-              <a:rPr lang="en-GB" noProof="0" dirty="0"/>
-              <a:t> </a:t>
-            </a:r>
-            <a:r>
-              <a:rPr lang="en-GB" noProof="0" dirty="0" err="1"/>
-              <a:t>laboris</a:t>
-            </a:r>
-            <a:r>
-              <a:rPr lang="en-GB" noProof="0" dirty="0"/>
-              <a:t> nisi </a:t>
-            </a:r>
-            <a:r>
-              <a:rPr lang="en-GB" noProof="0" dirty="0" err="1"/>
-              <a:t>ut</a:t>
-            </a:r>
-            <a:r>
-              <a:rPr lang="en-GB" noProof="0" dirty="0"/>
-              <a:t> </a:t>
-            </a:r>
-            <a:r>
-              <a:rPr lang="en-GB" noProof="0" dirty="0" err="1"/>
-              <a:t>aliquip</a:t>
-            </a:r>
-            <a:r>
-              <a:rPr lang="en-GB" noProof="0" dirty="0"/>
-              <a:t> ex </a:t>
-            </a:r>
-            <a:r>
-              <a:rPr lang="en-GB" noProof="0" dirty="0" err="1"/>
-              <a:t>ea</a:t>
-            </a:r>
-            <a:r>
-              <a:rPr lang="en-GB" noProof="0" dirty="0"/>
-              <a:t> </a:t>
-            </a:r>
-            <a:r>
-              <a:rPr lang="en-GB" noProof="0" dirty="0" err="1"/>
-              <a:t>commodo</a:t>
-            </a:r>
-            <a:r>
-              <a:rPr lang="en-GB" noProof="0" dirty="0"/>
-              <a:t> </a:t>
-            </a:r>
-            <a:r>
-              <a:rPr lang="en-GB" noProof="0" dirty="0" err="1"/>
-              <a:t>equat</a:t>
-            </a:r>
-            <a:r>
-              <a:rPr lang="en-GB" noProof="0" dirty="0"/>
-              <a:t>. Duis </a:t>
-            </a:r>
-            <a:r>
-              <a:rPr lang="en-GB" noProof="0" dirty="0" err="1"/>
-              <a:t>aute</a:t>
-            </a:r>
-            <a:r>
-              <a:rPr lang="en-GB" noProof="0" dirty="0"/>
-              <a:t> </a:t>
-            </a:r>
-            <a:r>
-              <a:rPr lang="en-GB" noProof="0" dirty="0" err="1"/>
-              <a:t>irure</a:t>
-            </a:r>
-            <a:r>
-              <a:rPr lang="en-GB" noProof="0" dirty="0"/>
-              <a:t> </a:t>
-            </a:r>
-            <a:r>
-              <a:rPr lang="en-GB" noProof="0" dirty="0" err="1"/>
-              <a:t>dolor</a:t>
-            </a:r>
-            <a:r>
-              <a:rPr lang="en-GB" noProof="0" dirty="0"/>
-              <a:t> in </a:t>
-            </a:r>
-            <a:r>
-              <a:rPr lang="en-GB" noProof="0" dirty="0" err="1"/>
-              <a:t>reprehenderit</a:t>
-            </a:r>
-            <a:r>
-              <a:rPr lang="en-GB" noProof="0" dirty="0"/>
-              <a:t> in </a:t>
-            </a:r>
-            <a:r>
-              <a:rPr lang="en-GB" noProof="0" dirty="0" err="1"/>
-              <a:t>voluptate</a:t>
-            </a:r>
-            <a:r>
-              <a:rPr lang="en-GB" noProof="0" dirty="0"/>
-              <a:t> </a:t>
-            </a:r>
-            <a:r>
-              <a:rPr lang="en-GB" noProof="0" dirty="0" err="1"/>
-              <a:t>velit</a:t>
-            </a:r>
-            <a:r>
-              <a:rPr lang="en-GB" noProof="0" dirty="0"/>
-              <a:t> </a:t>
-            </a:r>
-            <a:r>
-              <a:rPr lang="en-GB" noProof="0" dirty="0" err="1"/>
-              <a:t>esse</a:t>
-            </a:r>
-            <a:r>
-              <a:rPr lang="en-GB" noProof="0" dirty="0"/>
-              <a:t> </a:t>
-            </a:r>
-            <a:r>
-              <a:rPr lang="en-GB" noProof="0" dirty="0" err="1"/>
-              <a:t>cillum</a:t>
-            </a:r>
-            <a:r>
-              <a:rPr lang="en-GB" noProof="0" dirty="0"/>
-              <a:t> dolore </a:t>
-            </a:r>
-            <a:r>
-              <a:rPr lang="en-GB" noProof="0" dirty="0" err="1"/>
-              <a:t>eu</a:t>
-            </a:r>
-            <a:r>
-              <a:rPr lang="en-GB" noProof="0" dirty="0"/>
-              <a:t> </a:t>
-            </a:r>
-            <a:r>
-              <a:rPr lang="en-GB" noProof="0" dirty="0" err="1"/>
-              <a:t>fugiat</a:t>
-            </a:r>
-            <a:r>
-              <a:rPr lang="en-GB" noProof="0" dirty="0"/>
-              <a:t> </a:t>
-            </a:r>
-            <a:r>
-              <a:rPr lang="en-GB" noProof="0" dirty="0" err="1"/>
-              <a:t>nulla</a:t>
-            </a:r>
-            <a:r>
-              <a:rPr lang="en-GB" noProof="0" dirty="0"/>
-              <a:t> </a:t>
-            </a:r>
-            <a:r>
-              <a:rPr lang="en-GB" noProof="0" dirty="0" err="1"/>
-              <a:t>pariatur</a:t>
-            </a:r>
-            <a:r>
-              <a:rPr lang="en-GB" noProof="0" dirty="0"/>
-              <a:t>. </a:t>
-            </a:r>
-            <a:r>
-              <a:rPr lang="en-GB" noProof="0" dirty="0" err="1"/>
-              <a:t>Excepteur</a:t>
-            </a:r>
-            <a:r>
-              <a:rPr lang="en-GB" noProof="0" dirty="0"/>
-              <a:t> </a:t>
-            </a:r>
-            <a:r>
-              <a:rPr lang="en-GB" noProof="0" dirty="0" err="1"/>
-              <a:t>sint</a:t>
-            </a:r>
-            <a:r>
-              <a:rPr lang="en-GB" noProof="0" dirty="0"/>
-              <a:t> </a:t>
-            </a:r>
-            <a:r>
-              <a:rPr lang="en-GB" noProof="0" dirty="0" err="1"/>
-              <a:t>occaecat</a:t>
-            </a:r>
-            <a:r>
-              <a:rPr lang="en-GB" noProof="0" dirty="0"/>
-              <a:t> </a:t>
-            </a:r>
-            <a:r>
-              <a:rPr lang="en-GB" noProof="0" dirty="0" err="1"/>
-              <a:t>cupidatat</a:t>
-            </a:r>
-            <a:r>
-              <a:rPr lang="en-GB" noProof="0" dirty="0"/>
-              <a:t> non </a:t>
-            </a:r>
-            <a:r>
-              <a:rPr lang="en-GB" noProof="0" dirty="0" err="1"/>
-              <a:t>proident</a:t>
-            </a:r>
-            <a:r>
-              <a:rPr lang="en-GB" noProof="0" dirty="0"/>
-              <a:t>, sunt in culpa qui </a:t>
-            </a:r>
-            <a:r>
-              <a:rPr lang="en-GB" noProof="0" dirty="0" err="1"/>
-              <a:t>officia</a:t>
-            </a:r>
-            <a:r>
-              <a:rPr lang="en-GB" noProof="0" dirty="0"/>
-              <a:t> </a:t>
-            </a:r>
-            <a:r>
-              <a:rPr lang="en-GB" noProof="0" dirty="0" err="1"/>
-              <a:t>deserunt</a:t>
-            </a:r>
-            <a:r>
-              <a:rPr lang="en-GB" noProof="0" dirty="0"/>
-              <a:t> </a:t>
-            </a:r>
-            <a:r>
-              <a:rPr lang="en-GB" noProof="0" dirty="0" err="1"/>
-              <a:t>mollit</a:t>
-            </a:r>
-            <a:r>
-              <a:rPr lang="en-GB" noProof="0" dirty="0"/>
-              <a:t> </a:t>
-            </a:r>
-            <a:r>
-              <a:rPr lang="en-GB" noProof="0" dirty="0" err="1"/>
-              <a:t>anim</a:t>
-            </a:r>
-            <a:r>
-              <a:rPr lang="en-GB" noProof="0" dirty="0"/>
-              <a:t> id </a:t>
-            </a:r>
-            <a:r>
-              <a:rPr lang="en-GB" noProof="0" dirty="0" err="1"/>
-              <a:t>est</a:t>
-            </a:r>
-            <a:r>
-              <a:rPr lang="en-GB" noProof="0" dirty="0"/>
-              <a:t> </a:t>
-            </a:r>
-            <a:r>
-              <a:rPr lang="en-GB" noProof="0" dirty="0" err="1"/>
-              <a:t>laborum</a:t>
-            </a:r>
-            <a:r>
-              <a:rPr lang="en-GB" noProof="0" dirty="0"/>
-              <a:t>. Ut </a:t>
-            </a:r>
-            <a:r>
-              <a:rPr lang="en-GB" noProof="0" dirty="0" err="1"/>
-              <a:t>enim</a:t>
-            </a:r>
-            <a:r>
-              <a:rPr lang="en-GB" noProof="0" dirty="0"/>
-              <a:t> ad minim </a:t>
-            </a:r>
-            <a:r>
-              <a:rPr lang="en-GB" noProof="0" dirty="0" err="1"/>
-              <a:t>veniam</a:t>
-            </a:r>
-            <a:r>
-              <a:rPr lang="en-GB" noProof="0" dirty="0"/>
-              <a:t>, </a:t>
-            </a:r>
-            <a:r>
-              <a:rPr lang="en-GB" noProof="0" dirty="0" err="1"/>
-              <a:t>quis</a:t>
-            </a:r>
-            <a:r>
-              <a:rPr lang="en-GB" noProof="0" dirty="0"/>
-              <a:t> </a:t>
-            </a:r>
-            <a:r>
-              <a:rPr lang="en-GB" noProof="0" dirty="0" err="1"/>
-              <a:t>nostrud</a:t>
-            </a:r>
-            <a:r>
-              <a:rPr lang="en-GB" noProof="0" dirty="0"/>
-              <a:t> exercitation </a:t>
-            </a:r>
-            <a:r>
-              <a:rPr lang="en-GB" noProof="0" dirty="0" err="1"/>
-              <a:t>ullamco</a:t>
-            </a:r>
-            <a:r>
-              <a:rPr lang="en-GB" noProof="0" dirty="0"/>
-              <a:t> </a:t>
-            </a:r>
-            <a:r>
-              <a:rPr lang="en-GB" noProof="0" dirty="0" err="1"/>
-              <a:t>laboris</a:t>
-            </a:r>
-            <a:r>
-              <a:rPr lang="en-GB" noProof="0" dirty="0"/>
-              <a:t> nisi </a:t>
-            </a:r>
-            <a:r>
-              <a:rPr lang="en-GB" noProof="0" dirty="0" err="1"/>
-              <a:t>ut</a:t>
-            </a:r>
-            <a:r>
-              <a:rPr lang="en-GB" noProof="0" dirty="0"/>
-              <a:t> </a:t>
-            </a:r>
-            <a:r>
-              <a:rPr lang="en-GB" noProof="0" dirty="0" err="1"/>
-              <a:t>aliquip</a:t>
-            </a:r>
-            <a:r>
-              <a:rPr lang="en-GB" noProof="0" dirty="0"/>
-              <a:t> ex.</a:t>
+              <a:t> die Backspace Taste.</a:t>
             </a:r>
           </a:p>
         </p:txBody>
@@ -19151,7 +18957,7 @@
           <p:cNvPr id="4" name="Datumsplatzhalter 3">
             <a:extLst>
               <a:ext uri="{FF2B5EF4-FFF2-40B4-BE49-F238E27FC236}">
-                <a16:creationId xmlns:a16="http://schemas.microsoft.com/office/drawing/2014/main" id="{44DAA5A3-8CEF-4027-9289-B60138CD16A2}"/>
+                <a16:creationId xmlns:a16="http://schemas.microsoft.com/office/drawing/2014/main" id="{C6DB7874-B99C-4F6D-A86D-EA0EE8CA0B16}"/>
               </a:ext>
             </a:extLst>
           </p:cNvPr>
@@ -19167,7 +18973,7 @@
           <a:bodyPr/>
           <a:lstStyle/>
           <a:p>
-            <a:fld id="{8D93BFA6-70D2-4653-B5CB-D3376F3BFAE7}" type="datetime1">
+            <a:fld id="{D5CE5686-0170-47AF-9B8A-7DF387E652FA}" type="datetime1">
               <a:rPr lang="en-GB" noProof="0" smtClean="0"/>
               <a:t>30/06/2025</a:t>
             </a:fld>
@@ -19180,7 +18986,7 @@
           <p:cNvPr id="6" name="Foliennummernplatzhalter 5">
             <a:extLst>
               <a:ext uri="{FF2B5EF4-FFF2-40B4-BE49-F238E27FC236}">
-                <a16:creationId xmlns:a16="http://schemas.microsoft.com/office/drawing/2014/main" id="{5C9B1E27-9E06-4598-A6EF-3BCBC8D0152F}"/>
+                <a16:creationId xmlns:a16="http://schemas.microsoft.com/office/drawing/2014/main" id="{9620278B-D74F-421E-A3BD-EC66D58377A7}"/>
               </a:ext>
             </a:extLst>
           </p:cNvPr>
@@ -19207,7 +19013,7 @@
     </p:spTree>
     <p:extLst>
       <p:ext uri="{BB962C8B-B14F-4D97-AF65-F5344CB8AC3E}">
-        <p14:creationId xmlns:p14="http://schemas.microsoft.com/office/powerpoint/2010/main" val="294303585"/>
+        <p14:creationId xmlns:p14="http://schemas.microsoft.com/office/powerpoint/2010/main" val="1777112693"/>
       </p:ext>
     </p:extLst>
   </p:cSld>
@@ -19239,7 +19045,7 @@
           <p:cNvPr id="2" name="Titel 1">
             <a:extLst>
               <a:ext uri="{FF2B5EF4-FFF2-40B4-BE49-F238E27FC236}">
-                <a16:creationId xmlns:a16="http://schemas.microsoft.com/office/drawing/2014/main" id="{41DF9D96-1AFA-40BA-BAE5-8D745FEC2462}"/>
+                <a16:creationId xmlns:a16="http://schemas.microsoft.com/office/drawing/2014/main" id="{9FF31ECF-EF04-4AAA-9A8E-583E3D217F33}"/>
               </a:ext>
             </a:extLst>
           </p:cNvPr>
@@ -19280,7 +19086,7 @@
           <p:cNvPr id="3" name="Inhaltsplatzhalter 2">
             <a:extLst>
               <a:ext uri="{FF2B5EF4-FFF2-40B4-BE49-F238E27FC236}">
-                <a16:creationId xmlns:a16="http://schemas.microsoft.com/office/drawing/2014/main" id="{5D30C9CD-6F3E-4243-AF8B-598CBE0FFE30}"/>
+                <a16:creationId xmlns:a16="http://schemas.microsoft.com/office/drawing/2014/main" id="{9EE0A683-618F-4D75-846F-0DB536B4E502}"/>
               </a:ext>
             </a:extLst>
           </p:cNvPr>
@@ -19309,6 +19115,9 @@
             </a:r>
           </a:p>
           <a:p>
+            <a:pPr marL="0" indent="0">
+              <a:buNone/>
+            </a:pPr>
             <a:r>
               <a:rPr lang="en-GB" noProof="0" dirty="0"/>
               <a:t>Lorem ipsum </a:t>
@@ -19431,13 +19240,11 @@
             </a:r>
             <a:r>
               <a:rPr lang="en-GB" noProof="0" dirty="0"/>
-              <a:t> exercitation.</a:t>
-            </a:r>
-          </a:p>
-          <a:p>
+              <a:t> exercitation </a:t>
+            </a:r>
             <a:r>
               <a:rPr lang="en-GB" noProof="0" dirty="0" err="1"/>
-              <a:t>Ullamco</a:t>
+              <a:t>ullamco</a:t>
             </a:r>
             <a:r>
               <a:rPr lang="en-GB" noProof="0" dirty="0"/>
@@ -19625,13 +19432,7 @@
             </a:r>
             <a:r>
               <a:rPr lang="en-GB" noProof="0" dirty="0"/>
-              <a:t>.</a:t>
-            </a:r>
-          </a:p>
-          <a:p>
-            <a:r>
-              <a:rPr lang="en-GB" noProof="0" dirty="0"/>
-              <a:t>Sunt in culpa qui </a:t>
+              <a:t>, sunt in culpa qui </a:t>
             </a:r>
             <a:r>
               <a:rPr lang="en-GB" noProof="0" dirty="0" err="1"/>
@@ -19743,45 +19544,8 @@
             </a:r>
             <a:r>
               <a:rPr lang="en-GB" noProof="0" dirty="0"/>
-              <a:t> ex in </a:t>
-            </a:r>
-            <a:r>
-              <a:rPr lang="en-GB" noProof="0" dirty="0" err="1"/>
-              <a:t>reprehenderit</a:t>
-            </a:r>
-            <a:r>
-              <a:rPr lang="en-GB" noProof="0" dirty="0"/>
-              <a:t> in </a:t>
-            </a:r>
-            <a:r>
-              <a:rPr lang="en-GB" noProof="0" dirty="0" err="1"/>
-              <a:t>voluptate</a:t>
-            </a:r>
-            <a:r>
-              <a:rPr lang="en-GB" noProof="0" dirty="0"/>
-              <a:t> </a:t>
-            </a:r>
-            <a:r>
-              <a:rPr lang="en-GB" noProof="0" dirty="0" err="1"/>
-              <a:t>velit</a:t>
-            </a:r>
-            <a:r>
-              <a:rPr lang="en-GB" noProof="0" dirty="0"/>
-              <a:t> </a:t>
-            </a:r>
-            <a:r>
-              <a:rPr lang="en-GB" noProof="0" dirty="0" err="1"/>
-              <a:t>esse</a:t>
-            </a:r>
-            <a:r>
-              <a:rPr lang="en-GB" noProof="0" dirty="0"/>
-              <a:t> </a:t>
-            </a:r>
-            <a:r>
-              <a:rPr lang="en-GB" noProof="0" dirty="0" err="1"/>
-              <a:t>cillum</a:t>
-            </a:r>
-            <a:endParaRPr lang="en-GB" noProof="0" dirty="0"/>
+              <a:t> ex.</a:t>
+            </a:r>
           </a:p>
         </p:txBody>
       </p:sp>
@@ -19790,7 +19554,7 @@
           <p:cNvPr id="4" name="Datumsplatzhalter 3">
             <a:extLst>
               <a:ext uri="{FF2B5EF4-FFF2-40B4-BE49-F238E27FC236}">
-                <a16:creationId xmlns:a16="http://schemas.microsoft.com/office/drawing/2014/main" id="{3E5DECAF-74B9-42C9-91F9-16811C11DDD9}"/>
+                <a16:creationId xmlns:a16="http://schemas.microsoft.com/office/drawing/2014/main" id="{44DAA5A3-8CEF-4027-9289-B60138CD16A2}"/>
               </a:ext>
             </a:extLst>
           </p:cNvPr>
@@ -19806,7 +19570,7 @@
           <a:bodyPr/>
           <a:lstStyle/>
           <a:p>
-            <a:fld id="{255C2D81-634A-41B2-966F-5B8C1282A848}" type="datetime1">
+            <a:fld id="{8D93BFA6-70D2-4653-B5CB-D3376F3BFAE7}" type="datetime1">
               <a:rPr lang="en-GB" noProof="0" smtClean="0"/>
               <a:t>30/06/2025</a:t>
             </a:fld>
@@ -19819,7 +19583,7 @@
           <p:cNvPr id="6" name="Foliennummernplatzhalter 5">
             <a:extLst>
               <a:ext uri="{FF2B5EF4-FFF2-40B4-BE49-F238E27FC236}">
-                <a16:creationId xmlns:a16="http://schemas.microsoft.com/office/drawing/2014/main" id="{92390BB4-CA1A-4AB3-997F-BC93DE23C7B5}"/>
+                <a16:creationId xmlns:a16="http://schemas.microsoft.com/office/drawing/2014/main" id="{5C9B1E27-9E06-4598-A6EF-3BCBC8D0152F}"/>
               </a:ext>
             </a:extLst>
           </p:cNvPr>
@@ -19846,7 +19610,7 @@
     </p:spTree>
     <p:extLst>
       <p:ext uri="{BB962C8B-B14F-4D97-AF65-F5344CB8AC3E}">
-        <p14:creationId xmlns:p14="http://schemas.microsoft.com/office/powerpoint/2010/main" val="2463831729"/>
+        <p14:creationId xmlns:p14="http://schemas.microsoft.com/office/powerpoint/2010/main" val="294303585"/>
       </p:ext>
     </p:extLst>
   </p:cSld>
@@ -19878,7 +19642,7 @@
           <p:cNvPr id="2" name="Titel 1">
             <a:extLst>
               <a:ext uri="{FF2B5EF4-FFF2-40B4-BE49-F238E27FC236}">
-                <a16:creationId xmlns:a16="http://schemas.microsoft.com/office/drawing/2014/main" id="{306C7DC3-2470-4708-A950-F7F2B6DA929E}"/>
+                <a16:creationId xmlns:a16="http://schemas.microsoft.com/office/drawing/2014/main" id="{41DF9D96-1AFA-40BA-BAE5-8D745FEC2462}"/>
               </a:ext>
             </a:extLst>
           </p:cNvPr>
@@ -19919,7 +19683,7 @@
           <p:cNvPr id="3" name="Inhaltsplatzhalter 2">
             <a:extLst>
               <a:ext uri="{FF2B5EF4-FFF2-40B4-BE49-F238E27FC236}">
-                <a16:creationId xmlns:a16="http://schemas.microsoft.com/office/drawing/2014/main" id="{8F039987-0BC5-4753-9A7E-3FA3EECBCB9E}"/>
+                <a16:creationId xmlns:a16="http://schemas.microsoft.com/office/drawing/2014/main" id="{5D30C9CD-6F3E-4243-AF8B-598CBE0FFE30}"/>
               </a:ext>
             </a:extLst>
           </p:cNvPr>
@@ -19978,7 +19742,289 @@
             </a:r>
             <a:r>
               <a:rPr lang="en-GB" noProof="0" dirty="0" err="1"/>
-              <a:t>adipis</a:t>
+              <a:t>adipiscing</a:t>
+            </a:r>
+            <a:r>
+              <a:rPr lang="en-GB" noProof="0" dirty="0"/>
+              <a:t> </a:t>
+            </a:r>
+            <a:r>
+              <a:rPr lang="en-GB" noProof="0" dirty="0" err="1"/>
+              <a:t>elit</a:t>
+            </a:r>
+            <a:r>
+              <a:rPr lang="en-GB" noProof="0" dirty="0"/>
+              <a:t>, </a:t>
+            </a:r>
+            <a:r>
+              <a:rPr lang="en-GB" noProof="0" dirty="0" err="1"/>
+              <a:t>sed</a:t>
+            </a:r>
+            <a:r>
+              <a:rPr lang="en-GB" noProof="0" dirty="0"/>
+              <a:t> do </a:t>
+            </a:r>
+            <a:r>
+              <a:rPr lang="en-GB" noProof="0" dirty="0" err="1"/>
+              <a:t>eiusmod</a:t>
+            </a:r>
+            <a:r>
+              <a:rPr lang="en-GB" noProof="0" dirty="0"/>
+              <a:t> </a:t>
+            </a:r>
+            <a:r>
+              <a:rPr lang="en-GB" noProof="0" dirty="0" err="1"/>
+              <a:t>tempor</a:t>
+            </a:r>
+            <a:r>
+              <a:rPr lang="en-GB" noProof="0" dirty="0"/>
+              <a:t> </a:t>
+            </a:r>
+            <a:r>
+              <a:rPr lang="en-GB" noProof="0" dirty="0" err="1"/>
+              <a:t>incididunt</a:t>
+            </a:r>
+            <a:r>
+              <a:rPr lang="en-GB" noProof="0" dirty="0"/>
+              <a:t> </a:t>
+            </a:r>
+            <a:r>
+              <a:rPr lang="en-GB" noProof="0" dirty="0" err="1"/>
+              <a:t>ut</a:t>
+            </a:r>
+            <a:r>
+              <a:rPr lang="en-GB" noProof="0" dirty="0"/>
+              <a:t> labore et dolore magna </a:t>
+            </a:r>
+            <a:r>
+              <a:rPr lang="en-GB" noProof="0" dirty="0" err="1"/>
+              <a:t>aliqua</a:t>
+            </a:r>
+            <a:r>
+              <a:rPr lang="en-GB" noProof="0" dirty="0"/>
+              <a:t>. Ut </a:t>
+            </a:r>
+            <a:r>
+              <a:rPr lang="en-GB" noProof="0" dirty="0" err="1"/>
+              <a:t>enim</a:t>
+            </a:r>
+            <a:r>
+              <a:rPr lang="en-GB" noProof="0" dirty="0"/>
+              <a:t> ad minim </a:t>
+            </a:r>
+            <a:r>
+              <a:rPr lang="en-GB" noProof="0" dirty="0" err="1"/>
+              <a:t>veniam</a:t>
+            </a:r>
+            <a:r>
+              <a:rPr lang="en-GB" noProof="0" dirty="0"/>
+              <a:t>, </a:t>
+            </a:r>
+            <a:r>
+              <a:rPr lang="en-GB" noProof="0" dirty="0" err="1"/>
+              <a:t>quis</a:t>
+            </a:r>
+            <a:r>
+              <a:rPr lang="en-GB" noProof="0" dirty="0"/>
+              <a:t> </a:t>
+            </a:r>
+            <a:r>
+              <a:rPr lang="en-GB" noProof="0" dirty="0" err="1"/>
+              <a:t>nostrud</a:t>
+            </a:r>
+            <a:r>
+              <a:rPr lang="en-GB" noProof="0" dirty="0"/>
+              <a:t> exercitation.</a:t>
+            </a:r>
+          </a:p>
+          <a:p>
+            <a:r>
+              <a:rPr lang="en-GB" noProof="0" dirty="0" err="1"/>
+              <a:t>Ullamco</a:t>
+            </a:r>
+            <a:r>
+              <a:rPr lang="en-GB" noProof="0" dirty="0"/>
+              <a:t> </a:t>
+            </a:r>
+            <a:r>
+              <a:rPr lang="en-GB" noProof="0" dirty="0" err="1"/>
+              <a:t>laboris</a:t>
+            </a:r>
+            <a:r>
+              <a:rPr lang="en-GB" noProof="0" dirty="0"/>
+              <a:t> nisi </a:t>
+            </a:r>
+            <a:r>
+              <a:rPr lang="en-GB" noProof="0" dirty="0" err="1"/>
+              <a:t>ut</a:t>
+            </a:r>
+            <a:r>
+              <a:rPr lang="en-GB" noProof="0" dirty="0"/>
+              <a:t> </a:t>
+            </a:r>
+            <a:r>
+              <a:rPr lang="en-GB" noProof="0" dirty="0" err="1"/>
+              <a:t>aliquip</a:t>
+            </a:r>
+            <a:r>
+              <a:rPr lang="en-GB" noProof="0" dirty="0"/>
+              <a:t> ex </a:t>
+            </a:r>
+            <a:r>
+              <a:rPr lang="en-GB" noProof="0" dirty="0" err="1"/>
+              <a:t>ea</a:t>
+            </a:r>
+            <a:r>
+              <a:rPr lang="en-GB" noProof="0" dirty="0"/>
+              <a:t> </a:t>
+            </a:r>
+            <a:r>
+              <a:rPr lang="en-GB" noProof="0" dirty="0" err="1"/>
+              <a:t>commodo</a:t>
+            </a:r>
+            <a:r>
+              <a:rPr lang="en-GB" noProof="0" dirty="0"/>
+              <a:t> </a:t>
+            </a:r>
+            <a:r>
+              <a:rPr lang="en-GB" noProof="0" dirty="0" err="1"/>
+              <a:t>equat</a:t>
+            </a:r>
+            <a:r>
+              <a:rPr lang="en-GB" noProof="0" dirty="0"/>
+              <a:t>. Duis </a:t>
+            </a:r>
+            <a:r>
+              <a:rPr lang="en-GB" noProof="0" dirty="0" err="1"/>
+              <a:t>aute</a:t>
+            </a:r>
+            <a:r>
+              <a:rPr lang="en-GB" noProof="0" dirty="0"/>
+              <a:t> </a:t>
+            </a:r>
+            <a:r>
+              <a:rPr lang="en-GB" noProof="0" dirty="0" err="1"/>
+              <a:t>irure</a:t>
+            </a:r>
+            <a:r>
+              <a:rPr lang="en-GB" noProof="0" dirty="0"/>
+              <a:t> </a:t>
+            </a:r>
+            <a:r>
+              <a:rPr lang="en-GB" noProof="0" dirty="0" err="1"/>
+              <a:t>dolor</a:t>
+            </a:r>
+            <a:r>
+              <a:rPr lang="en-GB" noProof="0" dirty="0"/>
+              <a:t> in </a:t>
+            </a:r>
+            <a:r>
+              <a:rPr lang="en-GB" noProof="0" dirty="0" err="1"/>
+              <a:t>reprehenderit</a:t>
+            </a:r>
+            <a:r>
+              <a:rPr lang="en-GB" noProof="0" dirty="0"/>
+              <a:t> in </a:t>
+            </a:r>
+            <a:r>
+              <a:rPr lang="en-GB" noProof="0" dirty="0" err="1"/>
+              <a:t>voluptate</a:t>
+            </a:r>
+            <a:r>
+              <a:rPr lang="en-GB" noProof="0" dirty="0"/>
+              <a:t> </a:t>
+            </a:r>
+            <a:r>
+              <a:rPr lang="en-GB" noProof="0" dirty="0" err="1"/>
+              <a:t>velit</a:t>
+            </a:r>
+            <a:r>
+              <a:rPr lang="en-GB" noProof="0" dirty="0"/>
+              <a:t> </a:t>
+            </a:r>
+            <a:r>
+              <a:rPr lang="en-GB" noProof="0" dirty="0" err="1"/>
+              <a:t>esse</a:t>
+            </a:r>
+            <a:r>
+              <a:rPr lang="en-GB" noProof="0" dirty="0"/>
+              <a:t> </a:t>
+            </a:r>
+            <a:r>
+              <a:rPr lang="en-GB" noProof="0" dirty="0" err="1"/>
+              <a:t>cillum</a:t>
+            </a:r>
+            <a:r>
+              <a:rPr lang="en-GB" noProof="0" dirty="0"/>
+              <a:t> dolore </a:t>
+            </a:r>
+            <a:r>
+              <a:rPr lang="en-GB" noProof="0" dirty="0" err="1"/>
+              <a:t>eu</a:t>
+            </a:r>
+            <a:r>
+              <a:rPr lang="en-GB" noProof="0" dirty="0"/>
+              <a:t> </a:t>
+            </a:r>
+            <a:r>
+              <a:rPr lang="en-GB" noProof="0" dirty="0" err="1"/>
+              <a:t>fugiat</a:t>
+            </a:r>
+            <a:r>
+              <a:rPr lang="en-GB" noProof="0" dirty="0"/>
+              <a:t> </a:t>
+            </a:r>
+            <a:r>
+              <a:rPr lang="en-GB" noProof="0" dirty="0" err="1"/>
+              <a:t>nulla</a:t>
+            </a:r>
+            <a:r>
+              <a:rPr lang="en-GB" noProof="0" dirty="0"/>
+              <a:t> </a:t>
+            </a:r>
+            <a:r>
+              <a:rPr lang="en-GB" noProof="0" dirty="0" err="1"/>
+              <a:t>pariatur</a:t>
+            </a:r>
+            <a:r>
+              <a:rPr lang="en-GB" noProof="0" dirty="0"/>
+              <a:t>. </a:t>
+            </a:r>
+            <a:r>
+              <a:rPr lang="en-GB" noProof="0" dirty="0" err="1"/>
+              <a:t>Excepteur</a:t>
+            </a:r>
+            <a:r>
+              <a:rPr lang="en-GB" noProof="0" dirty="0"/>
+              <a:t> </a:t>
+            </a:r>
+            <a:r>
+              <a:rPr lang="en-GB" noProof="0" dirty="0" err="1"/>
+              <a:t>sint</a:t>
+            </a:r>
+            <a:r>
+              <a:rPr lang="en-GB" noProof="0" dirty="0"/>
+              <a:t> </a:t>
+            </a:r>
+            <a:r>
+              <a:rPr lang="en-GB" noProof="0" dirty="0" err="1"/>
+              <a:t>occaecat</a:t>
+            </a:r>
+            <a:r>
+              <a:rPr lang="en-GB" noProof="0" dirty="0"/>
+              <a:t> </a:t>
+            </a:r>
+            <a:r>
+              <a:rPr lang="en-GB" noProof="0" dirty="0" err="1"/>
+              <a:t>cupidatat</a:t>
+            </a:r>
+            <a:r>
+              <a:rPr lang="en-GB" noProof="0" dirty="0"/>
+              <a:t> non </a:t>
+            </a:r>
+            <a:r>
+              <a:rPr lang="en-GB" noProof="0" dirty="0" err="1"/>
+              <a:t>proident</a:t>
             </a:r>
             <a:r>
               <a:rPr lang="en-GB" noProof="0" dirty="0"/>
@@ -19986,22 +20032,69 @@
             </a:r>
           </a:p>
           <a:p>
-            <a:pPr lvl="1"/>
             <a:r>
               <a:rPr lang="en-GB" noProof="0" dirty="0"/>
-              <a:t>Lorem ipsum </a:t>
+              <a:t>Sunt in culpa qui </a:t>
             </a:r>
             <a:r>
               <a:rPr lang="en-GB" noProof="0" dirty="0" err="1"/>
-              <a:t>dolor</a:t>
+              <a:t>officia</a:t>
             </a:r>
             <a:r>
               <a:rPr lang="en-GB" noProof="0" dirty="0"/>
-              <a:t> sit </a:t>
+              <a:t> </a:t>
             </a:r>
             <a:r>
               <a:rPr lang="en-GB" noProof="0" dirty="0" err="1"/>
-              <a:t>amet</a:t>
+              <a:t>deserunt</a:t>
+            </a:r>
+            <a:r>
+              <a:rPr lang="en-GB" noProof="0" dirty="0"/>
+              <a:t> </a:t>
+            </a:r>
+            <a:r>
+              <a:rPr lang="en-GB" noProof="0" dirty="0" err="1"/>
+              <a:t>mollit</a:t>
+            </a:r>
+            <a:r>
+              <a:rPr lang="en-GB" noProof="0" dirty="0"/>
+              <a:t> </a:t>
+            </a:r>
+            <a:r>
+              <a:rPr lang="en-GB" noProof="0" dirty="0" err="1"/>
+              <a:t>anim</a:t>
+            </a:r>
+            <a:r>
+              <a:rPr lang="en-GB" noProof="0" dirty="0"/>
+              <a:t> id </a:t>
+            </a:r>
+            <a:r>
+              <a:rPr lang="en-GB" noProof="0" dirty="0" err="1"/>
+              <a:t>est</a:t>
+            </a:r>
+            <a:r>
+              <a:rPr lang="en-GB" noProof="0" dirty="0"/>
+              <a:t> </a:t>
+            </a:r>
+            <a:r>
+              <a:rPr lang="en-GB" noProof="0" dirty="0" err="1"/>
+              <a:t>laborum</a:t>
+            </a:r>
+            <a:r>
+              <a:rPr lang="en-GB" noProof="0" dirty="0"/>
+              <a:t>. Ut </a:t>
+            </a:r>
+            <a:r>
+              <a:rPr lang="en-GB" noProof="0" dirty="0" err="1"/>
+              <a:t>enim</a:t>
+            </a:r>
+            <a:r>
+              <a:rPr lang="en-GB" noProof="0" dirty="0"/>
+              <a:t> ad minim </a:t>
+            </a:r>
+            <a:r>
+              <a:rPr lang="en-GB" noProof="0" dirty="0" err="1"/>
+              <a:t>veniam</a:t>
             </a:r>
             <a:r>
               <a:rPr lang="en-GB" noProof="0" dirty="0"/>
@@ -20009,7 +20102,7 @@
             </a:r>
             <a:r>
               <a:rPr lang="en-GB" noProof="0" dirty="0" err="1"/>
-              <a:t>consectetur</a:t>
+              <a:t>quis</a:t>
             </a:r>
             <a:r>
               <a:rPr lang="en-GB" noProof="0" dirty="0"/>
@@ -20021,14 +20114,11 @@
             </a:r>
             <a:r>
               <a:rPr lang="en-GB" noProof="0" dirty="0"/>
-              <a:t>.</a:t>
-            </a:r>
-          </a:p>
-          <a:p>
-            <a:pPr lvl="1"/>
+              <a:t> exercitation </a:t>
+            </a:r>
             <a:r>
               <a:rPr lang="en-GB" noProof="0" dirty="0" err="1"/>
-              <a:t>Tempor</a:t>
+              <a:t>ullamco</a:t>
             </a:r>
             <a:r>
               <a:rPr lang="en-GB" noProof="0" dirty="0"/>
@@ -20036,7 +20126,15 @@
             </a:r>
             <a:r>
               <a:rPr lang="en-GB" noProof="0" dirty="0" err="1"/>
-              <a:t>incididunt</a:t>
+              <a:t>laboris</a:t>
+            </a:r>
+            <a:r>
+              <a:rPr lang="en-GB" noProof="0" dirty="0"/>
+              <a:t> nisi </a:t>
+            </a:r>
+            <a:r>
+              <a:rPr lang="en-GB" noProof="0" dirty="0" err="1"/>
+              <a:t>ut</a:t>
             </a:r>
             <a:r>
               <a:rPr lang="en-GB" noProof="0" dirty="0"/>
@@ -20044,7 +20142,23 @@
             </a:r>
             <a:r>
               <a:rPr lang="en-GB" noProof="0" dirty="0" err="1"/>
-              <a:t>incididunt</a:t>
+              <a:t>aliquip</a:t>
+            </a:r>
+            <a:r>
+              <a:rPr lang="en-GB" noProof="0" dirty="0"/>
+              <a:t> ex in </a:t>
+            </a:r>
+            <a:r>
+              <a:rPr lang="en-GB" noProof="0" dirty="0" err="1"/>
+              <a:t>reprehenderit</a:t>
+            </a:r>
+            <a:r>
+              <a:rPr lang="en-GB" noProof="0" dirty="0"/>
+              <a:t> in </a:t>
+            </a:r>
+            <a:r>
+              <a:rPr lang="en-GB" noProof="0" dirty="0" err="1"/>
+              <a:t>voluptate</a:t>
             </a:r>
             <a:r>
               <a:rPr lang="en-GB" noProof="0" dirty="0"/>
@@ -20052,46 +20166,7 @@
             </a:r>
             <a:r>
               <a:rPr lang="en-GB" noProof="0" dirty="0" err="1"/>
-              <a:t>ut</a:t>
-            </a:r>
-            <a:r>
-              <a:rPr lang="en-GB" noProof="0" dirty="0"/>
-              <a:t> labore et dolore magna </a:t>
-            </a:r>
-            <a:r>
-              <a:rPr lang="en-GB" noProof="0" dirty="0" err="1"/>
-              <a:t>aliqua</a:t>
-            </a:r>
-            <a:r>
-              <a:rPr lang="en-GB" noProof="0" dirty="0"/>
-              <a:t>. </a:t>
-            </a:r>
-            <a:br>
-              <a:rPr lang="en-GB" noProof="0" dirty="0"/>
-            </a:br>
-            <a:r>
-              <a:rPr lang="en-GB" noProof="0" dirty="0"/>
-              <a:t>Ut </a:t>
-            </a:r>
-            <a:r>
-              <a:rPr lang="en-GB" noProof="0" dirty="0" err="1"/>
-              <a:t>enim</a:t>
-            </a:r>
-            <a:r>
-              <a:rPr lang="en-GB" noProof="0" dirty="0"/>
-              <a:t> ad minim </a:t>
-            </a:r>
-            <a:r>
-              <a:rPr lang="en-GB" noProof="0" dirty="0" err="1"/>
-              <a:t>veniam</a:t>
-            </a:r>
-            <a:r>
-              <a:rPr lang="en-GB" noProof="0" dirty="0"/>
-              <a:t>, </a:t>
-            </a:r>
-            <a:r>
-              <a:rPr lang="en-GB" noProof="0" dirty="0" err="1"/>
-              <a:t>quis</a:t>
+              <a:t>velit</a:t>
             </a:r>
             <a:r>
               <a:rPr lang="en-GB" noProof="0" dirty="0"/>
@@ -20099,37 +20174,7 @@
             </a:r>
             <a:r>
               <a:rPr lang="en-GB" noProof="0" dirty="0" err="1"/>
-              <a:t>nostrud</a:t>
-            </a:r>
-            <a:r>
-              <a:rPr lang="en-GB" noProof="0" dirty="0"/>
-              <a:t> exercitation.</a:t>
-            </a:r>
-          </a:p>
-          <a:p>
-            <a:r>
-              <a:rPr lang="en-GB" noProof="0" dirty="0"/>
-              <a:t>Lorem ipsum </a:t>
-            </a:r>
-            <a:r>
-              <a:rPr lang="en-GB" noProof="0" dirty="0" err="1"/>
-              <a:t>dolor</a:t>
-            </a:r>
-            <a:r>
-              <a:rPr lang="en-GB" noProof="0" dirty="0"/>
-              <a:t> sit </a:t>
-            </a:r>
-            <a:r>
-              <a:rPr lang="en-GB" noProof="0" dirty="0" err="1"/>
-              <a:t>amet</a:t>
-            </a:r>
-            <a:r>
-              <a:rPr lang="en-GB" noProof="0" dirty="0"/>
-              <a:t>, </a:t>
-            </a:r>
-            <a:r>
-              <a:rPr lang="en-GB" noProof="0" dirty="0" err="1"/>
-              <a:t>consectetur</a:t>
+              <a:t>esse</a:t>
             </a:r>
             <a:r>
               <a:rPr lang="en-GB" noProof="0" dirty="0"/>
@@ -20137,245 +20182,9 @@
             </a:r>
             <a:r>
               <a:rPr lang="en-GB" noProof="0" dirty="0" err="1"/>
-              <a:t>adipis</a:t>
-            </a:r>
-            <a:r>
-              <a:rPr lang="en-GB" noProof="0" dirty="0"/>
-              <a:t>.</a:t>
-            </a:r>
-          </a:p>
-          <a:p>
-            <a:pPr lvl="1"/>
-            <a:r>
-              <a:rPr lang="en-GB" noProof="0" dirty="0"/>
-              <a:t>Ut </a:t>
-            </a:r>
-            <a:r>
-              <a:rPr lang="en-GB" noProof="0" dirty="0" err="1"/>
-              <a:t>enim</a:t>
-            </a:r>
-            <a:r>
-              <a:rPr lang="en-GB" noProof="0" dirty="0"/>
-              <a:t> ad minim </a:t>
-            </a:r>
-            <a:r>
-              <a:rPr lang="en-GB" noProof="0" dirty="0" err="1"/>
-              <a:t>veniam</a:t>
-            </a:r>
-            <a:r>
-              <a:rPr lang="en-GB" noProof="0" dirty="0"/>
-              <a:t>, </a:t>
-            </a:r>
-            <a:r>
-              <a:rPr lang="en-GB" noProof="0" dirty="0" err="1"/>
-              <a:t>quis</a:t>
-            </a:r>
-            <a:r>
-              <a:rPr lang="en-GB" noProof="0" dirty="0"/>
-              <a:t> </a:t>
-            </a:r>
-            <a:r>
-              <a:rPr lang="en-GB" noProof="0" dirty="0" err="1"/>
-              <a:t>nostrud</a:t>
-            </a:r>
-            <a:r>
-              <a:rPr lang="en-GB" noProof="0" dirty="0"/>
-              <a:t> exercitation. </a:t>
-            </a:r>
-          </a:p>
-          <a:p>
-            <a:pPr lvl="1"/>
-            <a:r>
-              <a:rPr lang="en-GB" noProof="0" dirty="0" err="1"/>
-              <a:t>Tempor</a:t>
-            </a:r>
-            <a:r>
-              <a:rPr lang="en-GB" noProof="0" dirty="0"/>
-              <a:t> </a:t>
-            </a:r>
-            <a:r>
-              <a:rPr lang="en-GB" noProof="0" dirty="0" err="1"/>
-              <a:t>incididunt</a:t>
-            </a:r>
-            <a:r>
-              <a:rPr lang="en-GB" noProof="0" dirty="0"/>
-              <a:t> </a:t>
-            </a:r>
-            <a:r>
-              <a:rPr lang="en-GB" noProof="0" dirty="0" err="1"/>
-              <a:t>incididunt</a:t>
-            </a:r>
-            <a:r>
-              <a:rPr lang="en-GB" noProof="0" dirty="0"/>
-              <a:t> </a:t>
-            </a:r>
-            <a:r>
-              <a:rPr lang="en-GB" noProof="0" dirty="0" err="1"/>
-              <a:t>ut</a:t>
-            </a:r>
-            <a:r>
-              <a:rPr lang="en-GB" noProof="0" dirty="0"/>
-              <a:t> labore.</a:t>
-            </a:r>
-          </a:p>
-          <a:p>
-            <a:r>
-              <a:rPr lang="en-GB" noProof="0" dirty="0"/>
-              <a:t>Lorem ipsum </a:t>
-            </a:r>
-            <a:r>
-              <a:rPr lang="en-GB" noProof="0" dirty="0" err="1"/>
-              <a:t>dolor</a:t>
-            </a:r>
-            <a:r>
-              <a:rPr lang="en-GB" noProof="0" dirty="0"/>
-              <a:t> sit </a:t>
-            </a:r>
-            <a:r>
-              <a:rPr lang="en-GB" noProof="0" dirty="0" err="1"/>
-              <a:t>amet</a:t>
-            </a:r>
-            <a:r>
-              <a:rPr lang="en-GB" noProof="0" dirty="0"/>
-              <a:t>, </a:t>
-            </a:r>
-            <a:r>
-              <a:rPr lang="en-GB" noProof="0" dirty="0" err="1"/>
-              <a:t>consectetur</a:t>
-            </a:r>
-            <a:r>
-              <a:rPr lang="en-GB" noProof="0" dirty="0"/>
-              <a:t> </a:t>
-            </a:r>
-            <a:r>
-              <a:rPr lang="en-GB" noProof="0" dirty="0" err="1"/>
-              <a:t>adipis</a:t>
-            </a:r>
-            <a:r>
-              <a:rPr lang="en-GB" noProof="0" dirty="0"/>
-              <a:t>.</a:t>
-            </a:r>
-          </a:p>
-          <a:p>
-            <a:pPr lvl="1"/>
-            <a:r>
-              <a:rPr lang="en-GB" noProof="0" dirty="0" err="1"/>
-              <a:t>Tempor</a:t>
-            </a:r>
-            <a:r>
-              <a:rPr lang="en-GB" noProof="0" dirty="0"/>
-              <a:t> </a:t>
-            </a:r>
-            <a:r>
-              <a:rPr lang="en-GB" noProof="0" dirty="0" err="1"/>
-              <a:t>incididunt</a:t>
-            </a:r>
-            <a:r>
-              <a:rPr lang="en-GB" noProof="0" dirty="0"/>
-              <a:t> </a:t>
-            </a:r>
-            <a:r>
-              <a:rPr lang="en-GB" noProof="0" dirty="0" err="1"/>
-              <a:t>incididunt</a:t>
-            </a:r>
-            <a:r>
-              <a:rPr lang="en-GB" noProof="0" dirty="0"/>
-              <a:t> </a:t>
-            </a:r>
-            <a:r>
-              <a:rPr lang="en-GB" noProof="0" dirty="0" err="1"/>
-              <a:t>ut</a:t>
-            </a:r>
-            <a:r>
-              <a:rPr lang="en-GB" noProof="0" dirty="0"/>
-              <a:t> labore et dolore magna </a:t>
-            </a:r>
-            <a:r>
-              <a:rPr lang="en-GB" noProof="0" dirty="0" err="1"/>
-              <a:t>veniam</a:t>
-            </a:r>
-            <a:r>
-              <a:rPr lang="en-GB" noProof="0" dirty="0"/>
-              <a:t>. </a:t>
-            </a:r>
-            <a:br>
-              <a:rPr lang="en-GB" noProof="0" dirty="0"/>
-            </a:br>
-            <a:r>
-              <a:rPr lang="en-GB" noProof="0" dirty="0"/>
-              <a:t>Ut </a:t>
-            </a:r>
-            <a:r>
-              <a:rPr lang="en-GB" noProof="0" dirty="0" err="1"/>
-              <a:t>enim</a:t>
-            </a:r>
-            <a:r>
-              <a:rPr lang="en-GB" noProof="0" dirty="0"/>
-              <a:t> ad minim </a:t>
-            </a:r>
-            <a:r>
-              <a:rPr lang="en-GB" noProof="0" dirty="0" err="1"/>
-              <a:t>veniam</a:t>
-            </a:r>
-            <a:r>
-              <a:rPr lang="en-GB" noProof="0" dirty="0"/>
-              <a:t>, </a:t>
-            </a:r>
-            <a:r>
-              <a:rPr lang="en-GB" noProof="0" dirty="0" err="1"/>
-              <a:t>quis</a:t>
-            </a:r>
-            <a:r>
-              <a:rPr lang="en-GB" noProof="0" dirty="0"/>
-              <a:t> </a:t>
-            </a:r>
-            <a:r>
-              <a:rPr lang="en-GB" noProof="0" dirty="0" err="1"/>
-              <a:t>nostrud</a:t>
-            </a:r>
-            <a:r>
-              <a:rPr lang="en-GB" noProof="0" dirty="0"/>
-              <a:t> exercitation. </a:t>
-            </a:r>
-          </a:p>
-          <a:p>
-            <a:pPr lvl="1"/>
-            <a:r>
-              <a:rPr lang="en-GB" noProof="0" dirty="0"/>
-              <a:t>Lorem ipsum </a:t>
-            </a:r>
-            <a:r>
-              <a:rPr lang="en-GB" noProof="0" dirty="0" err="1"/>
-              <a:t>dolor</a:t>
-            </a:r>
-            <a:r>
-              <a:rPr lang="en-GB" noProof="0" dirty="0"/>
-              <a:t> sit </a:t>
-            </a:r>
-            <a:r>
-              <a:rPr lang="en-GB" noProof="0" dirty="0" err="1"/>
-              <a:t>amet</a:t>
-            </a:r>
-            <a:r>
-              <a:rPr lang="en-GB" noProof="0" dirty="0"/>
-              <a:t>, </a:t>
-            </a:r>
-            <a:r>
-              <a:rPr lang="en-GB" noProof="0" dirty="0" err="1"/>
-              <a:t>consectetur</a:t>
-            </a:r>
-            <a:r>
-              <a:rPr lang="en-GB" noProof="0" dirty="0"/>
-              <a:t> </a:t>
-            </a:r>
-            <a:r>
-              <a:rPr lang="en-GB" noProof="0" dirty="0" err="1"/>
-              <a:t>nostrud</a:t>
-            </a:r>
-            <a:r>
-              <a:rPr lang="en-GB" noProof="0" dirty="0"/>
-              <a:t>.</a:t>
-            </a:r>
+              <a:t>cillum</a:t>
+            </a:r>
+            <a:endParaRPr lang="en-GB" noProof="0" dirty="0"/>
           </a:p>
         </p:txBody>
       </p:sp>
@@ -20384,7 +20193,7 @@
           <p:cNvPr id="4" name="Datumsplatzhalter 3">
             <a:extLst>
               <a:ext uri="{FF2B5EF4-FFF2-40B4-BE49-F238E27FC236}">
-                <a16:creationId xmlns:a16="http://schemas.microsoft.com/office/drawing/2014/main" id="{0E5C9AAA-EE1E-4108-BF00-BDB560A7EF58}"/>
+                <a16:creationId xmlns:a16="http://schemas.microsoft.com/office/drawing/2014/main" id="{3E5DECAF-74B9-42C9-91F9-16811C11DDD9}"/>
               </a:ext>
             </a:extLst>
           </p:cNvPr>
@@ -20400,7 +20209,7 @@
           <a:bodyPr/>
           <a:lstStyle/>
           <a:p>
-            <a:fld id="{688E238B-19C1-43CC-B369-032B8A600BC8}" type="datetime1">
+            <a:fld id="{255C2D81-634A-41B2-966F-5B8C1282A848}" type="datetime1">
               <a:rPr lang="en-GB" noProof="0" smtClean="0"/>
               <a:t>30/06/2025</a:t>
             </a:fld>
@@ -20413,7 +20222,7 @@
           <p:cNvPr id="6" name="Foliennummernplatzhalter 5">
             <a:extLst>
               <a:ext uri="{FF2B5EF4-FFF2-40B4-BE49-F238E27FC236}">
-                <a16:creationId xmlns:a16="http://schemas.microsoft.com/office/drawing/2014/main" id="{C726B961-5611-4E48-81E9-C811AD8DD168}"/>
+                <a16:creationId xmlns:a16="http://schemas.microsoft.com/office/drawing/2014/main" id="{92390BB4-CA1A-4AB3-997F-BC93DE23C7B5}"/>
               </a:ext>
             </a:extLst>
           </p:cNvPr>
@@ -20440,7 +20249,7 @@
     </p:spTree>
     <p:extLst>
       <p:ext uri="{BB962C8B-B14F-4D97-AF65-F5344CB8AC3E}">
-        <p14:creationId xmlns:p14="http://schemas.microsoft.com/office/powerpoint/2010/main" val="710272398"/>
+        <p14:creationId xmlns:p14="http://schemas.microsoft.com/office/powerpoint/2010/main" val="2463831729"/>
       </p:ext>
     </p:extLst>
   </p:cSld>
@@ -20472,7 +20281,7 @@
           <p:cNvPr id="2" name="Titel 1">
             <a:extLst>
               <a:ext uri="{FF2B5EF4-FFF2-40B4-BE49-F238E27FC236}">
-                <a16:creationId xmlns:a16="http://schemas.microsoft.com/office/drawing/2014/main" id="{CCD79B13-3C6D-410C-8179-6B3490718B07}"/>
+                <a16:creationId xmlns:a16="http://schemas.microsoft.com/office/drawing/2014/main" id="{306C7DC3-2470-4708-A950-F7F2B6DA929E}"/>
               </a:ext>
             </a:extLst>
           </p:cNvPr>
@@ -20513,7 +20322,7 @@
           <p:cNvPr id="3" name="Inhaltsplatzhalter 2">
             <a:extLst>
               <a:ext uri="{FF2B5EF4-FFF2-40B4-BE49-F238E27FC236}">
-                <a16:creationId xmlns:a16="http://schemas.microsoft.com/office/drawing/2014/main" id="{DD1C6779-ACCD-4204-B972-A9B2595451EA}"/>
+                <a16:creationId xmlns:a16="http://schemas.microsoft.com/office/drawing/2014/main" id="{8F039987-0BC5-4753-9A7E-3FA3EECBCB9E}"/>
               </a:ext>
             </a:extLst>
           </p:cNvPr>
@@ -20529,6 +20338,19 @@
           <a:bodyPr/>
           <a:lstStyle/>
           <a:p>
+            <a:pPr marL="0" indent="0">
+              <a:buNone/>
+            </a:pPr>
+            <a:r>
+              <a:rPr lang="en-GB" b="1" noProof="0" dirty="0" err="1"/>
+              <a:t>Zwischenüberschrift</a:t>
+            </a:r>
+            <a:r>
+              <a:rPr lang="en-GB" b="1" noProof="0" dirty="0"/>
+              <a:t> (optional)</a:t>
+            </a:r>
+          </a:p>
+          <a:p>
             <a:r>
               <a:rPr lang="en-GB" noProof="0" dirty="0"/>
               <a:t>Lorem ipsum </a:t>
@@ -20559,7 +20381,38 @@
             </a:r>
             <a:r>
               <a:rPr lang="en-GB" noProof="0" dirty="0" err="1"/>
-              <a:t>adipiscing</a:t>
+              <a:t>adipis</a:t>
+            </a:r>
+            <a:r>
+              <a:rPr lang="en-GB" noProof="0" dirty="0"/>
+              <a:t>.</a:t>
+            </a:r>
+          </a:p>
+          <a:p>
+            <a:pPr lvl="1"/>
+            <a:r>
+              <a:rPr lang="en-GB" noProof="0" dirty="0"/>
+              <a:t>Lorem ipsum </a:t>
+            </a:r>
+            <a:r>
+              <a:rPr lang="en-GB" noProof="0" dirty="0" err="1"/>
+              <a:t>dolor</a:t>
+            </a:r>
+            <a:r>
+              <a:rPr lang="en-GB" noProof="0" dirty="0"/>
+              <a:t> sit </a:t>
+            </a:r>
+            <a:r>
+              <a:rPr lang="en-GB" noProof="0" dirty="0" err="1"/>
+              <a:t>amet</a:t>
+            </a:r>
+            <a:r>
+              <a:rPr lang="en-GB" noProof="0" dirty="0"/>
+              <a:t>, </a:t>
+            </a:r>
+            <a:r>
+              <a:rPr lang="en-GB" noProof="0" dirty="0" err="1"/>
+              <a:t>consectetur</a:t>
             </a:r>
             <a:r>
               <a:rPr lang="en-GB" noProof="0" dirty="0"/>
@@ -20567,7 +20420,73 @@
             </a:r>
             <a:r>
               <a:rPr lang="en-GB" noProof="0" dirty="0" err="1"/>
-              <a:t>elit</a:t>
+              <a:t>nostrud</a:t>
+            </a:r>
+            <a:r>
+              <a:rPr lang="en-GB" noProof="0" dirty="0"/>
+              <a:t>.</a:t>
+            </a:r>
+          </a:p>
+          <a:p>
+            <a:pPr lvl="1"/>
+            <a:r>
+              <a:rPr lang="en-GB" noProof="0" dirty="0" err="1"/>
+              <a:t>Tempor</a:t>
+            </a:r>
+            <a:r>
+              <a:rPr lang="en-GB" noProof="0" dirty="0"/>
+              <a:t> </a:t>
+            </a:r>
+            <a:r>
+              <a:rPr lang="en-GB" noProof="0" dirty="0" err="1"/>
+              <a:t>incididunt</a:t>
+            </a:r>
+            <a:r>
+              <a:rPr lang="en-GB" noProof="0" dirty="0"/>
+              <a:t> </a:t>
+            </a:r>
+            <a:r>
+              <a:rPr lang="en-GB" noProof="0" dirty="0" err="1"/>
+              <a:t>incididunt</a:t>
+            </a:r>
+            <a:r>
+              <a:rPr lang="en-GB" noProof="0" dirty="0"/>
+              <a:t> </a:t>
+            </a:r>
+            <a:r>
+              <a:rPr lang="en-GB" noProof="0" dirty="0" err="1"/>
+              <a:t>ut</a:t>
+            </a:r>
+            <a:r>
+              <a:rPr lang="en-GB" noProof="0" dirty="0"/>
+              <a:t> labore et dolore magna </a:t>
+            </a:r>
+            <a:r>
+              <a:rPr lang="en-GB" noProof="0" dirty="0" err="1"/>
+              <a:t>aliqua</a:t>
+            </a:r>
+            <a:r>
+              <a:rPr lang="en-GB" noProof="0" dirty="0"/>
+              <a:t>. </a:t>
+            </a:r>
+            <a:br>
+              <a:rPr lang="en-GB" noProof="0" dirty="0"/>
+            </a:br>
+            <a:r>
+              <a:rPr lang="en-GB" noProof="0" dirty="0"/>
+              <a:t>Ut </a:t>
+            </a:r>
+            <a:r>
+              <a:rPr lang="en-GB" noProof="0" dirty="0" err="1"/>
+              <a:t>enim</a:t>
+            </a:r>
+            <a:r>
+              <a:rPr lang="en-GB" noProof="0" dirty="0"/>
+              <a:t> ad minim </a:t>
+            </a:r>
+            <a:r>
+              <a:rPr lang="en-GB" noProof="0" dirty="0" err="1"/>
+              <a:t>veniam</a:t>
             </a:r>
             <a:r>
               <a:rPr lang="en-GB" noProof="0" dirty="0"/>
@@ -20575,15 +20494,7 @@
             </a:r>
             <a:r>
               <a:rPr lang="en-GB" noProof="0" dirty="0" err="1"/>
-              <a:t>sed</a:t>
-            </a:r>
-            <a:r>
-              <a:rPr lang="en-GB" noProof="0" dirty="0"/>
-              <a:t> do </a:t>
-            </a:r>
-            <a:r>
-              <a:rPr lang="en-GB" noProof="0" dirty="0" err="1"/>
-              <a:t>eiusmod</a:t>
+              <a:t>quis</a:t>
             </a:r>
             <a:r>
               <a:rPr lang="en-GB" noProof="0" dirty="0"/>
@@ -20591,7 +20502,37 @@
             </a:r>
             <a:r>
               <a:rPr lang="en-GB" noProof="0" dirty="0" err="1"/>
-              <a:t>tempor</a:t>
+              <a:t>nostrud</a:t>
+            </a:r>
+            <a:r>
+              <a:rPr lang="en-GB" noProof="0" dirty="0"/>
+              <a:t> exercitation.</a:t>
+            </a:r>
+          </a:p>
+          <a:p>
+            <a:r>
+              <a:rPr lang="en-GB" noProof="0" dirty="0"/>
+              <a:t>Lorem ipsum </a:t>
+            </a:r>
+            <a:r>
+              <a:rPr lang="en-GB" noProof="0" dirty="0" err="1"/>
+              <a:t>dolor</a:t>
+            </a:r>
+            <a:r>
+              <a:rPr lang="en-GB" noProof="0" dirty="0"/>
+              <a:t> sit </a:t>
+            </a:r>
+            <a:r>
+              <a:rPr lang="en-GB" noProof="0" dirty="0" err="1"/>
+              <a:t>amet</a:t>
+            </a:r>
+            <a:r>
+              <a:rPr lang="en-GB" noProof="0" dirty="0"/>
+              <a:t>, </a:t>
+            </a:r>
+            <a:r>
+              <a:rPr lang="en-GB" noProof="0" dirty="0" err="1"/>
+              <a:t>consectetur</a:t>
             </a:r>
             <a:r>
               <a:rPr lang="en-GB" noProof="0" dirty="0"/>
@@ -20599,7 +20540,38 @@
             </a:r>
             <a:r>
               <a:rPr lang="en-GB" noProof="0" dirty="0" err="1"/>
-              <a:t>incididunt</a:t>
+              <a:t>adipis</a:t>
+            </a:r>
+            <a:r>
+              <a:rPr lang="en-GB" noProof="0" dirty="0"/>
+              <a:t>.</a:t>
+            </a:r>
+          </a:p>
+          <a:p>
+            <a:pPr lvl="1"/>
+            <a:r>
+              <a:rPr lang="en-GB" noProof="0" dirty="0"/>
+              <a:t>Ut </a:t>
+            </a:r>
+            <a:r>
+              <a:rPr lang="en-GB" noProof="0" dirty="0" err="1"/>
+              <a:t>enim</a:t>
+            </a:r>
+            <a:r>
+              <a:rPr lang="en-GB" noProof="0" dirty="0"/>
+              <a:t> ad minim </a:t>
+            </a:r>
+            <a:r>
+              <a:rPr lang="en-GB" noProof="0" dirty="0" err="1"/>
+              <a:t>veniam</a:t>
+            </a:r>
+            <a:r>
+              <a:rPr lang="en-GB" noProof="0" dirty="0"/>
+              <a:t>, </a:t>
+            </a:r>
+            <a:r>
+              <a:rPr lang="en-GB" noProof="0" dirty="0" err="1"/>
+              <a:t>quis</a:t>
             </a:r>
             <a:r>
               <a:rPr lang="en-GB" noProof="0" dirty="0"/>
@@ -20607,6 +20579,114 @@
             </a:r>
             <a:r>
               <a:rPr lang="en-GB" noProof="0" dirty="0" err="1"/>
+              <a:t>nostrud</a:t>
+            </a:r>
+            <a:r>
+              <a:rPr lang="en-GB" noProof="0" dirty="0"/>
+              <a:t> exercitation. </a:t>
+            </a:r>
+          </a:p>
+          <a:p>
+            <a:pPr lvl="1"/>
+            <a:r>
+              <a:rPr lang="en-GB" noProof="0" dirty="0" err="1"/>
+              <a:t>Tempor</a:t>
+            </a:r>
+            <a:r>
+              <a:rPr lang="en-GB" noProof="0" dirty="0"/>
+              <a:t> </a:t>
+            </a:r>
+            <a:r>
+              <a:rPr lang="en-GB" noProof="0" dirty="0" err="1"/>
+              <a:t>incididunt</a:t>
+            </a:r>
+            <a:r>
+              <a:rPr lang="en-GB" noProof="0" dirty="0"/>
+              <a:t> </a:t>
+            </a:r>
+            <a:r>
+              <a:rPr lang="en-GB" noProof="0" dirty="0" err="1"/>
+              <a:t>incididunt</a:t>
+            </a:r>
+            <a:r>
+              <a:rPr lang="en-GB" noProof="0" dirty="0"/>
+              <a:t> </a:t>
+            </a:r>
+            <a:r>
+              <a:rPr lang="en-GB" noProof="0" dirty="0" err="1"/>
+              <a:t>ut</a:t>
+            </a:r>
+            <a:r>
+              <a:rPr lang="en-GB" noProof="0" dirty="0"/>
+              <a:t> labore.</a:t>
+            </a:r>
+          </a:p>
+          <a:p>
+            <a:r>
+              <a:rPr lang="en-GB" noProof="0" dirty="0"/>
+              <a:t>Lorem ipsum </a:t>
+            </a:r>
+            <a:r>
+              <a:rPr lang="en-GB" noProof="0" dirty="0" err="1"/>
+              <a:t>dolor</a:t>
+            </a:r>
+            <a:r>
+              <a:rPr lang="en-GB" noProof="0" dirty="0"/>
+              <a:t> sit </a:t>
+            </a:r>
+            <a:r>
+              <a:rPr lang="en-GB" noProof="0" dirty="0" err="1"/>
+              <a:t>amet</a:t>
+            </a:r>
+            <a:r>
+              <a:rPr lang="en-GB" noProof="0" dirty="0"/>
+              <a:t>, </a:t>
+            </a:r>
+            <a:r>
+              <a:rPr lang="en-GB" noProof="0" dirty="0" err="1"/>
+              <a:t>consectetur</a:t>
+            </a:r>
+            <a:r>
+              <a:rPr lang="en-GB" noProof="0" dirty="0"/>
+              <a:t> </a:t>
+            </a:r>
+            <a:r>
+              <a:rPr lang="en-GB" noProof="0" dirty="0" err="1"/>
+              <a:t>adipis</a:t>
+            </a:r>
+            <a:r>
+              <a:rPr lang="en-GB" noProof="0" dirty="0"/>
+              <a:t>.</a:t>
+            </a:r>
+          </a:p>
+          <a:p>
+            <a:pPr lvl="1"/>
+            <a:r>
+              <a:rPr lang="en-GB" noProof="0" dirty="0" err="1"/>
+              <a:t>Tempor</a:t>
+            </a:r>
+            <a:r>
+              <a:rPr lang="en-GB" noProof="0" dirty="0"/>
+              <a:t> </a:t>
+            </a:r>
+            <a:r>
+              <a:rPr lang="en-GB" noProof="0" dirty="0" err="1"/>
+              <a:t>incididunt</a:t>
+            </a:r>
+            <a:r>
+              <a:rPr lang="en-GB" noProof="0" dirty="0"/>
+              <a:t> </a:t>
+            </a:r>
+            <a:r>
+              <a:rPr lang="en-GB" noProof="0" dirty="0" err="1"/>
+              <a:t>incididunt</a:t>
+            </a:r>
+            <a:r>
+              <a:rPr lang="en-GB" noProof="0" dirty="0"/>
+              <a:t> </a:t>
+            </a:r>
+            <a:r>
+              <a:rPr lang="en-GB" noProof="0" dirty="0" err="1"/>
               <a:t>ut</a:t>
             </a:r>
             <a:r>
@@ -20615,11 +20695,18 @@
             </a:r>
             <a:r>
               <a:rPr lang="en-GB" noProof="0" dirty="0" err="1"/>
-              <a:t>aliqua</a:t>
+              <a:t>veniam</a:t>
             </a:r>
             <a:r>
               <a:rPr lang="en-GB" noProof="0" dirty="0"/>
-              <a:t>. Ut </a:t>
+              <a:t>. </a:t>
+            </a:r>
+            <a:br>
+              <a:rPr lang="en-GB" noProof="0" dirty="0"/>
+            </a:br>
+            <a:r>
+              <a:rPr lang="en-GB" noProof="0" dirty="0"/>
+              <a:t>Ut </a:t>
             </a:r>
             <a:r>
               <a:rPr lang="en-GB" noProof="0" dirty="0" err="1"/>
@@ -20651,11 +20738,34 @@
             </a:r>
             <a:r>
               <a:rPr lang="en-GB" noProof="0" dirty="0"/>
-              <a:t> exercitation </a:t>
+              <a:t> exercitation. </a:t>
+            </a:r>
+          </a:p>
+          <a:p>
+            <a:pPr lvl="1"/>
+            <a:r>
+              <a:rPr lang="en-GB" noProof="0" dirty="0"/>
+              <a:t>Lorem ipsum </a:t>
             </a:r>
             <a:r>
               <a:rPr lang="en-GB" noProof="0" dirty="0" err="1"/>
-              <a:t>ullamco</a:t>
+              <a:t>dolor</a:t>
+            </a:r>
+            <a:r>
+              <a:rPr lang="en-GB" noProof="0" dirty="0"/>
+              <a:t> sit </a:t>
+            </a:r>
+            <a:r>
+              <a:rPr lang="en-GB" noProof="0" dirty="0" err="1"/>
+              <a:t>amet</a:t>
+            </a:r>
+            <a:r>
+              <a:rPr lang="en-GB" noProof="0" dirty="0"/>
+              <a:t>, </a:t>
+            </a:r>
+            <a:r>
+              <a:rPr lang="en-GB" noProof="0" dirty="0" err="1"/>
+              <a:t>consectetur</a:t>
             </a:r>
             <a:r>
               <a:rPr lang="en-GB" noProof="0" dirty="0"/>
@@ -20663,404 +20773,21 @@
             </a:r>
             <a:r>
               <a:rPr lang="en-GB" noProof="0" dirty="0" err="1"/>
-              <a:t>laboris</a:t>
+              <a:t>nostrud</a:t>
             </a:r>
             <a:r>
               <a:rPr lang="en-GB" noProof="0" dirty="0"/>
-              <a:t> nisi </a:t>
-            </a:r>
-            <a:r>
-              <a:rPr lang="en-GB" noProof="0" dirty="0" err="1"/>
-              <a:t>ut</a:t>
-            </a:r>
-            <a:r>
-              <a:rPr lang="en-GB" noProof="0" dirty="0"/>
-              <a:t> </a:t>
-            </a:r>
-            <a:r>
-              <a:rPr lang="en-GB" noProof="0" dirty="0" err="1"/>
-              <a:t>aliquip</a:t>
-            </a:r>
-            <a:r>
-              <a:rPr lang="en-GB" noProof="0" dirty="0"/>
-              <a:t> ex </a:t>
-            </a:r>
-            <a:r>
-              <a:rPr lang="en-GB" noProof="0" dirty="0" err="1"/>
-              <a:t>ea</a:t>
-            </a:r>
-            <a:r>
-              <a:rPr lang="en-GB" noProof="0" dirty="0"/>
-              <a:t> </a:t>
-            </a:r>
-            <a:r>
-              <a:rPr lang="en-GB" noProof="0" dirty="0" err="1"/>
-              <a:t>commodo</a:t>
-            </a:r>
-            <a:r>
-              <a:rPr lang="en-GB" noProof="0" dirty="0"/>
-              <a:t> </a:t>
-            </a:r>
-            <a:r>
-              <a:rPr lang="en-GB" noProof="0" dirty="0" err="1"/>
-              <a:t>equat</a:t>
-            </a:r>
-            <a:r>
-              <a:rPr lang="en-GB" noProof="0" dirty="0"/>
-              <a:t>. </a:t>
-            </a:r>
-          </a:p>
-          <a:p>
-            <a:r>
-              <a:rPr lang="en-GB" noProof="0" dirty="0"/>
-              <a:t>Ut </a:t>
-            </a:r>
-            <a:r>
-              <a:rPr lang="en-GB" noProof="0" dirty="0" err="1"/>
-              <a:t>enim</a:t>
-            </a:r>
-            <a:r>
-              <a:rPr lang="en-GB" noProof="0" dirty="0"/>
-              <a:t> ad minim </a:t>
-            </a:r>
-            <a:r>
-              <a:rPr lang="en-GB" noProof="0" dirty="0" err="1"/>
-              <a:t>veniam</a:t>
-            </a:r>
-            <a:r>
-              <a:rPr lang="en-GB" noProof="0" dirty="0"/>
-              <a:t>, </a:t>
-            </a:r>
-            <a:r>
-              <a:rPr lang="en-GB" noProof="0" dirty="0" err="1"/>
-              <a:t>quis</a:t>
-            </a:r>
-            <a:r>
-              <a:rPr lang="en-GB" noProof="0" dirty="0"/>
-              <a:t> </a:t>
-            </a:r>
-            <a:r>
-              <a:rPr lang="en-GB" noProof="0" dirty="0" err="1"/>
-              <a:t>nostrud</a:t>
-            </a:r>
-            <a:r>
-              <a:rPr lang="en-GB" noProof="0" dirty="0"/>
-              <a:t> exercitation </a:t>
-            </a:r>
-            <a:r>
-              <a:rPr lang="en-GB" noProof="0" dirty="0" err="1"/>
-              <a:t>ullamco</a:t>
-            </a:r>
-            <a:r>
-              <a:rPr lang="en-GB" noProof="0" dirty="0"/>
-              <a:t> </a:t>
-            </a:r>
-            <a:r>
-              <a:rPr lang="en-GB" noProof="0" dirty="0" err="1"/>
-              <a:t>laboris</a:t>
-            </a:r>
-            <a:r>
-              <a:rPr lang="en-GB" noProof="0" dirty="0"/>
-              <a:t> nisi </a:t>
-            </a:r>
-            <a:r>
-              <a:rPr lang="en-GB" noProof="0" dirty="0" err="1"/>
-              <a:t>ut</a:t>
-            </a:r>
-            <a:r>
-              <a:rPr lang="en-GB" noProof="0" dirty="0"/>
-              <a:t> </a:t>
-            </a:r>
-            <a:r>
-              <a:rPr lang="en-GB" noProof="0" dirty="0" err="1"/>
-              <a:t>aliquip</a:t>
-            </a:r>
-            <a:r>
-              <a:rPr lang="en-GB" noProof="0" dirty="0"/>
-              <a:t> ex </a:t>
-            </a:r>
-            <a:r>
-              <a:rPr lang="en-GB" noProof="0" dirty="0" err="1"/>
-              <a:t>ea</a:t>
-            </a:r>
-            <a:r>
-              <a:rPr lang="en-GB" noProof="0" dirty="0"/>
-              <a:t> </a:t>
-            </a:r>
-            <a:r>
-              <a:rPr lang="en-GB" noProof="0" dirty="0" err="1"/>
-              <a:t>commodo</a:t>
-            </a:r>
-            <a:r>
-              <a:rPr lang="en-GB" noProof="0" dirty="0"/>
-              <a:t> </a:t>
-            </a:r>
-            <a:r>
-              <a:rPr lang="en-GB" noProof="0" dirty="0" err="1"/>
-              <a:t>equat</a:t>
-            </a:r>
-            <a:r>
-              <a:rPr lang="en-GB" noProof="0" dirty="0"/>
-              <a:t>. Duis </a:t>
-            </a:r>
-            <a:r>
-              <a:rPr lang="en-GB" noProof="0" dirty="0" err="1"/>
-              <a:t>aute</a:t>
-            </a:r>
-            <a:r>
-              <a:rPr lang="en-GB" noProof="0" dirty="0"/>
-              <a:t> </a:t>
-            </a:r>
-            <a:r>
-              <a:rPr lang="en-GB" noProof="0" dirty="0" err="1"/>
-              <a:t>irure</a:t>
-            </a:r>
-            <a:r>
-              <a:rPr lang="en-GB" noProof="0" dirty="0"/>
-              <a:t> </a:t>
-            </a:r>
-            <a:r>
-              <a:rPr lang="en-GB" noProof="0" dirty="0" err="1"/>
-              <a:t>dolor</a:t>
-            </a:r>
-            <a:r>
-              <a:rPr lang="en-GB" noProof="0" dirty="0"/>
-              <a:t> in </a:t>
-            </a:r>
-            <a:r>
-              <a:rPr lang="en-GB" noProof="0" dirty="0" err="1"/>
-              <a:t>reprehenderit</a:t>
-            </a:r>
-            <a:r>
-              <a:rPr lang="en-GB" noProof="0" dirty="0"/>
-              <a:t> in </a:t>
-            </a:r>
-            <a:r>
-              <a:rPr lang="en-GB" noProof="0" dirty="0" err="1"/>
-              <a:t>voluptate</a:t>
-            </a:r>
-            <a:r>
-              <a:rPr lang="en-GB" noProof="0" dirty="0"/>
-              <a:t> </a:t>
-            </a:r>
-            <a:r>
-              <a:rPr lang="en-GB" noProof="0" dirty="0" err="1"/>
-              <a:t>velit</a:t>
-            </a:r>
-            <a:r>
-              <a:rPr lang="en-GB" noProof="0" dirty="0"/>
-              <a:t> </a:t>
-            </a:r>
-            <a:r>
-              <a:rPr lang="en-GB" noProof="0" dirty="0" err="1"/>
-              <a:t>esse</a:t>
-            </a:r>
-            <a:r>
-              <a:rPr lang="en-GB" noProof="0" dirty="0"/>
-              <a:t> </a:t>
-            </a:r>
-            <a:r>
-              <a:rPr lang="en-GB" noProof="0" dirty="0" err="1"/>
-              <a:t>cillum</a:t>
-            </a:r>
-            <a:r>
-              <a:rPr lang="en-GB" noProof="0" dirty="0"/>
-              <a:t> dolore.</a:t>
-            </a:r>
-          </a:p>
-          <a:p>
-            <a:r>
-              <a:rPr lang="en-GB" noProof="0" dirty="0" err="1"/>
-              <a:t>Excepteur</a:t>
-            </a:r>
-            <a:r>
-              <a:rPr lang="en-GB" noProof="0" dirty="0"/>
-              <a:t> </a:t>
-            </a:r>
-            <a:r>
-              <a:rPr lang="en-GB" noProof="0" dirty="0" err="1"/>
-              <a:t>sint</a:t>
-            </a:r>
-            <a:r>
-              <a:rPr lang="en-GB" noProof="0" dirty="0"/>
-              <a:t> </a:t>
-            </a:r>
-            <a:r>
-              <a:rPr lang="en-GB" noProof="0" dirty="0" err="1"/>
-              <a:t>occaecat</a:t>
-            </a:r>
-            <a:r>
-              <a:rPr lang="en-GB" noProof="0" dirty="0"/>
-              <a:t> </a:t>
-            </a:r>
-            <a:r>
-              <a:rPr lang="en-GB" noProof="0" dirty="0" err="1"/>
-              <a:t>cupidatat</a:t>
-            </a:r>
-            <a:r>
-              <a:rPr lang="en-GB" noProof="0" dirty="0"/>
-              <a:t> non </a:t>
-            </a:r>
-            <a:r>
-              <a:rPr lang="en-GB" noProof="0" dirty="0" err="1"/>
-              <a:t>proident</a:t>
-            </a:r>
-            <a:r>
-              <a:rPr lang="en-GB" noProof="0" dirty="0"/>
-              <a:t>, sunt in culpa qui </a:t>
-            </a:r>
-            <a:r>
-              <a:rPr lang="en-GB" noProof="0" dirty="0" err="1"/>
-              <a:t>officia</a:t>
-            </a:r>
-            <a:r>
-              <a:rPr lang="en-GB" noProof="0" dirty="0"/>
-              <a:t> </a:t>
-            </a:r>
-            <a:r>
-              <a:rPr lang="en-GB" noProof="0" dirty="0" err="1"/>
-              <a:t>deserunt</a:t>
-            </a:r>
-            <a:r>
-              <a:rPr lang="en-GB" noProof="0" dirty="0"/>
-              <a:t> </a:t>
-            </a:r>
-            <a:r>
-              <a:rPr lang="en-GB" noProof="0" dirty="0" err="1"/>
-              <a:t>mollit</a:t>
-            </a:r>
-            <a:r>
-              <a:rPr lang="en-GB" noProof="0" dirty="0"/>
-              <a:t> </a:t>
-            </a:r>
-            <a:r>
-              <a:rPr lang="en-GB" noProof="0" dirty="0" err="1"/>
-              <a:t>anim</a:t>
-            </a:r>
-            <a:r>
-              <a:rPr lang="en-GB" noProof="0" dirty="0"/>
-              <a:t> id </a:t>
-            </a:r>
-            <a:r>
-              <a:rPr lang="en-GB" noProof="0" dirty="0" err="1"/>
-              <a:t>est</a:t>
-            </a:r>
-            <a:r>
-              <a:rPr lang="en-GB" noProof="0" dirty="0"/>
-              <a:t> </a:t>
-            </a:r>
-            <a:r>
-              <a:rPr lang="en-GB" noProof="0" dirty="0" err="1"/>
-              <a:t>laborum</a:t>
-            </a:r>
-            <a:r>
-              <a:rPr lang="en-GB" noProof="0" dirty="0"/>
-              <a:t>. Ut </a:t>
-            </a:r>
-            <a:r>
-              <a:rPr lang="en-GB" noProof="0" dirty="0" err="1"/>
-              <a:t>enim</a:t>
-            </a:r>
-            <a:r>
-              <a:rPr lang="en-GB" noProof="0" dirty="0"/>
-              <a:t> ad minim </a:t>
-            </a:r>
-            <a:r>
-              <a:rPr lang="en-GB" noProof="0" dirty="0" err="1"/>
-              <a:t>veniam</a:t>
-            </a:r>
-            <a:r>
-              <a:rPr lang="en-GB" noProof="0" dirty="0"/>
-              <a:t>, </a:t>
-            </a:r>
-            <a:r>
-              <a:rPr lang="en-GB" noProof="0" dirty="0" err="1"/>
-              <a:t>quis</a:t>
-            </a:r>
-            <a:r>
-              <a:rPr lang="en-GB" noProof="0" dirty="0"/>
-              <a:t> </a:t>
-            </a:r>
-            <a:r>
-              <a:rPr lang="en-GB" noProof="0" dirty="0" err="1"/>
-              <a:t>nostrud</a:t>
-            </a:r>
-            <a:r>
-              <a:rPr lang="en-GB" noProof="0" dirty="0"/>
-              <a:t> exercitation </a:t>
-            </a:r>
-            <a:r>
-              <a:rPr lang="en-GB" noProof="0" dirty="0" err="1"/>
-              <a:t>ullamco</a:t>
-            </a:r>
-            <a:r>
-              <a:rPr lang="en-GB" noProof="0" dirty="0"/>
-              <a:t> </a:t>
-            </a:r>
-            <a:r>
-              <a:rPr lang="en-GB" noProof="0" dirty="0" err="1"/>
-              <a:t>laboris</a:t>
-            </a:r>
-            <a:r>
-              <a:rPr lang="en-GB" noProof="0" dirty="0"/>
-              <a:t> nisi </a:t>
-            </a:r>
-            <a:r>
-              <a:rPr lang="en-GB" noProof="0" dirty="0" err="1"/>
-              <a:t>ut</a:t>
-            </a:r>
-            <a:r>
-              <a:rPr lang="en-GB" noProof="0" dirty="0"/>
-              <a:t> </a:t>
-            </a:r>
-            <a:r>
-              <a:rPr lang="en-GB" noProof="0" dirty="0" err="1"/>
-              <a:t>aliquip</a:t>
-            </a:r>
-            <a:r>
-              <a:rPr lang="en-GB" noProof="0" dirty="0"/>
-              <a:t> ex.</a:t>
+              <a:t>.</a:t>
             </a:r>
           </a:p>
         </p:txBody>
       </p:sp>
-      <p:pic>
-        <p:nvPicPr>
-          <p:cNvPr id="13" name="Bildplatzhalter 12" descr="Ein Bild, das Gebäude, hängend, Fahrrad, sitzend enthält.&#10;&#10;Automatisch generierte Beschreibung">
-            <a:extLst>
-              <a:ext uri="{FF2B5EF4-FFF2-40B4-BE49-F238E27FC236}">
-                <a16:creationId xmlns:a16="http://schemas.microsoft.com/office/drawing/2014/main" id="{B5969189-6505-437E-803B-998CD9CEF141}"/>
-              </a:ext>
-            </a:extLst>
-          </p:cNvPr>
-          <p:cNvPicPr>
-            <a:picLocks noGrp="1" noChangeAspect="1"/>
-          </p:cNvPicPr>
-          <p:nvPr>
-            <p:ph type="pic" sz="quarter" idx="13"/>
-          </p:nvPr>
-        </p:nvPicPr>
-        <p:blipFill>
-          <a:blip r:embed="rId2">
-            <a:extLst>
-              <a:ext uri="{28A0092B-C50C-407E-A947-70E740481C1C}">
-                <a14:useLocalDpi xmlns:a14="http://schemas.microsoft.com/office/drawing/2010/main" val="0"/>
-              </a:ext>
-            </a:extLst>
-          </a:blip>
-          <a:srcRect l="526" r="526"/>
-          <a:stretch>
-            <a:fillRect/>
-          </a:stretch>
-        </p:blipFill>
-        <p:spPr/>
-      </p:pic>
       <p:sp>
         <p:nvSpPr>
           <p:cNvPr id="4" name="Datumsplatzhalter 3">
             <a:extLst>
               <a:ext uri="{FF2B5EF4-FFF2-40B4-BE49-F238E27FC236}">
-                <a16:creationId xmlns:a16="http://schemas.microsoft.com/office/drawing/2014/main" id="{E561EB33-26DA-4BFB-9717-A85E7FB5C915}"/>
+                <a16:creationId xmlns:a16="http://schemas.microsoft.com/office/drawing/2014/main" id="{0E5C9AAA-EE1E-4108-BF00-BDB560A7EF58}"/>
               </a:ext>
             </a:extLst>
           </p:cNvPr>
@@ -21076,7 +20803,7 @@
           <a:bodyPr/>
           <a:lstStyle/>
           <a:p>
-            <a:fld id="{3883C902-160B-4538-99A8-1486892643D4}" type="datetime1">
+            <a:fld id="{688E238B-19C1-43CC-B369-032B8A600BC8}" type="datetime1">
               <a:rPr lang="en-GB" noProof="0" smtClean="0"/>
               <a:t>30/06/2025</a:t>
             </a:fld>
@@ -21089,7 +20816,7 @@
           <p:cNvPr id="6" name="Foliennummernplatzhalter 5">
             <a:extLst>
               <a:ext uri="{FF2B5EF4-FFF2-40B4-BE49-F238E27FC236}">
-                <a16:creationId xmlns:a16="http://schemas.microsoft.com/office/drawing/2014/main" id="{3F2CD38D-E3F5-46D6-96B1-4BEB06DA84C2}"/>
+                <a16:creationId xmlns:a16="http://schemas.microsoft.com/office/drawing/2014/main" id="{C726B961-5611-4E48-81E9-C811AD8DD168}"/>
               </a:ext>
             </a:extLst>
           </p:cNvPr>
@@ -21116,7 +20843,7 @@
     </p:spTree>
     <p:extLst>
       <p:ext uri="{BB962C8B-B14F-4D97-AF65-F5344CB8AC3E}">
-        <p14:creationId xmlns:p14="http://schemas.microsoft.com/office/powerpoint/2010/main" val="3328173493"/>
+        <p14:creationId xmlns:p14="http://schemas.microsoft.com/office/powerpoint/2010/main" val="710272398"/>
       </p:ext>
     </p:extLst>
   </p:cSld>
@@ -21148,7 +20875,7 @@
           <p:cNvPr id="2" name="Titel 1">
             <a:extLst>
               <a:ext uri="{FF2B5EF4-FFF2-40B4-BE49-F238E27FC236}">
-                <a16:creationId xmlns:a16="http://schemas.microsoft.com/office/drawing/2014/main" id="{E37DD576-086D-4B8E-8EA7-96DBD842881D}"/>
+                <a16:creationId xmlns:a16="http://schemas.microsoft.com/office/drawing/2014/main" id="{CCD79B13-3C6D-410C-8179-6B3490718B07}"/>
               </a:ext>
             </a:extLst>
           </p:cNvPr>
@@ -21189,7 +20916,7 @@
           <p:cNvPr id="3" name="Inhaltsplatzhalter 2">
             <a:extLst>
               <a:ext uri="{FF2B5EF4-FFF2-40B4-BE49-F238E27FC236}">
-                <a16:creationId xmlns:a16="http://schemas.microsoft.com/office/drawing/2014/main" id="{D432D83E-24ED-4BAB-928B-65865CDB074E}"/>
+                <a16:creationId xmlns:a16="http://schemas.microsoft.com/office/drawing/2014/main" id="{DD1C6779-ACCD-4204-B972-A9B2595451EA}"/>
               </a:ext>
             </a:extLst>
           </p:cNvPr>
@@ -21205,29 +20932,9 @@
           <a:bodyPr/>
           <a:lstStyle/>
           <a:p>
-            <a:pPr marL="0" indent="0">
-              <a:buNone/>
-            </a:pPr>
-            <a:r>
-              <a:rPr lang="en-GB" b="1" noProof="0" dirty="0" err="1"/>
-              <a:t>Kombination</a:t>
-            </a:r>
-            <a:r>
-              <a:rPr lang="en-GB" b="1" noProof="0" dirty="0"/>
-              <a:t> Bild und Text</a:t>
-            </a:r>
-          </a:p>
-          <a:p>
-            <a:pPr marL="0" indent="0">
-              <a:buNone/>
-            </a:pPr>
-            <a:r>
-              <a:rPr lang="en-GB" noProof="0" dirty="0" err="1"/>
-              <a:t>Lauftext</a:t>
-            </a:r>
             <a:r>
               <a:rPr lang="en-GB" noProof="0" dirty="0"/>
-              <a:t>. Lorem ipsum </a:t>
+              <a:t>Lorem ipsum </a:t>
             </a:r>
             <a:r>
               <a:rPr lang="en-GB" noProof="0" dirty="0" err="1"/>
@@ -21291,42 +20998,441 @@
             </a:r>
             <a:r>
               <a:rPr lang="en-GB" noProof="0" dirty="0"/>
-              <a:t>.</a:t>
-            </a:r>
-          </a:p>
-        </p:txBody>
-      </p:sp>
-      <p:sp>
-        <p:nvSpPr>
-          <p:cNvPr id="15" name="Inhaltsplatzhalter 14">
-            <a:extLst>
-              <a:ext uri="{FF2B5EF4-FFF2-40B4-BE49-F238E27FC236}">
-                <a16:creationId xmlns:a16="http://schemas.microsoft.com/office/drawing/2014/main" id="{FCF71FFE-CA66-4F13-988C-CC5FD6C24A3A}"/>
-              </a:ext>
-            </a:extLst>
-          </p:cNvPr>
-          <p:cNvSpPr>
-            <a:spLocks noGrp="1"/>
-          </p:cNvSpPr>
-          <p:nvPr>
-            <p:ph idx="15"/>
-          </p:nvPr>
-        </p:nvSpPr>
-        <p:spPr/>
-        <p:txBody>
-          <a:bodyPr/>
-          <a:lstStyle/>
-          <a:p>
-            <a:endParaRPr lang="en-GB" noProof="0" dirty="0"/>
+              <a:t> </a:t>
+            </a:r>
+            <a:r>
+              <a:rPr lang="en-GB" noProof="0" dirty="0" err="1"/>
+              <a:t>incididunt</a:t>
+            </a:r>
+            <a:r>
+              <a:rPr lang="en-GB" noProof="0" dirty="0"/>
+              <a:t> </a:t>
+            </a:r>
+            <a:r>
+              <a:rPr lang="en-GB" noProof="0" dirty="0" err="1"/>
+              <a:t>ut</a:t>
+            </a:r>
+            <a:r>
+              <a:rPr lang="en-GB" noProof="0" dirty="0"/>
+              <a:t> labore et dolore magna </a:t>
+            </a:r>
+            <a:r>
+              <a:rPr lang="en-GB" noProof="0" dirty="0" err="1"/>
+              <a:t>aliqua</a:t>
+            </a:r>
+            <a:r>
+              <a:rPr lang="en-GB" noProof="0" dirty="0"/>
+              <a:t>. Ut </a:t>
+            </a:r>
+            <a:r>
+              <a:rPr lang="en-GB" noProof="0" dirty="0" err="1"/>
+              <a:t>enim</a:t>
+            </a:r>
+            <a:r>
+              <a:rPr lang="en-GB" noProof="0" dirty="0"/>
+              <a:t> ad minim </a:t>
+            </a:r>
+            <a:r>
+              <a:rPr lang="en-GB" noProof="0" dirty="0" err="1"/>
+              <a:t>veniam</a:t>
+            </a:r>
+            <a:r>
+              <a:rPr lang="en-GB" noProof="0" dirty="0"/>
+              <a:t>, </a:t>
+            </a:r>
+            <a:r>
+              <a:rPr lang="en-GB" noProof="0" dirty="0" err="1"/>
+              <a:t>quis</a:t>
+            </a:r>
+            <a:r>
+              <a:rPr lang="en-GB" noProof="0" dirty="0"/>
+              <a:t> </a:t>
+            </a:r>
+            <a:r>
+              <a:rPr lang="en-GB" noProof="0" dirty="0" err="1"/>
+              <a:t>nostrud</a:t>
+            </a:r>
+            <a:r>
+              <a:rPr lang="en-GB" noProof="0" dirty="0"/>
+              <a:t> exercitation </a:t>
+            </a:r>
+            <a:r>
+              <a:rPr lang="en-GB" noProof="0" dirty="0" err="1"/>
+              <a:t>ullamco</a:t>
+            </a:r>
+            <a:r>
+              <a:rPr lang="en-GB" noProof="0" dirty="0"/>
+              <a:t> </a:t>
+            </a:r>
+            <a:r>
+              <a:rPr lang="en-GB" noProof="0" dirty="0" err="1"/>
+              <a:t>laboris</a:t>
+            </a:r>
+            <a:r>
+              <a:rPr lang="en-GB" noProof="0" dirty="0"/>
+              <a:t> nisi </a:t>
+            </a:r>
+            <a:r>
+              <a:rPr lang="en-GB" noProof="0" dirty="0" err="1"/>
+              <a:t>ut</a:t>
+            </a:r>
+            <a:r>
+              <a:rPr lang="en-GB" noProof="0" dirty="0"/>
+              <a:t> </a:t>
+            </a:r>
+            <a:r>
+              <a:rPr lang="en-GB" noProof="0" dirty="0" err="1"/>
+              <a:t>aliquip</a:t>
+            </a:r>
+            <a:r>
+              <a:rPr lang="en-GB" noProof="0" dirty="0"/>
+              <a:t> ex </a:t>
+            </a:r>
+            <a:r>
+              <a:rPr lang="en-GB" noProof="0" dirty="0" err="1"/>
+              <a:t>ea</a:t>
+            </a:r>
+            <a:r>
+              <a:rPr lang="en-GB" noProof="0" dirty="0"/>
+              <a:t> </a:t>
+            </a:r>
+            <a:r>
+              <a:rPr lang="en-GB" noProof="0" dirty="0" err="1"/>
+              <a:t>commodo</a:t>
+            </a:r>
+            <a:r>
+              <a:rPr lang="en-GB" noProof="0" dirty="0"/>
+              <a:t> </a:t>
+            </a:r>
+            <a:r>
+              <a:rPr lang="en-GB" noProof="0" dirty="0" err="1"/>
+              <a:t>equat</a:t>
+            </a:r>
+            <a:r>
+              <a:rPr lang="en-GB" noProof="0" dirty="0"/>
+              <a:t>. </a:t>
+            </a:r>
+          </a:p>
+          <a:p>
+            <a:r>
+              <a:rPr lang="en-GB" noProof="0" dirty="0"/>
+              <a:t>Ut </a:t>
+            </a:r>
+            <a:r>
+              <a:rPr lang="en-GB" noProof="0" dirty="0" err="1"/>
+              <a:t>enim</a:t>
+            </a:r>
+            <a:r>
+              <a:rPr lang="en-GB" noProof="0" dirty="0"/>
+              <a:t> ad minim </a:t>
+            </a:r>
+            <a:r>
+              <a:rPr lang="en-GB" noProof="0" dirty="0" err="1"/>
+              <a:t>veniam</a:t>
+            </a:r>
+            <a:r>
+              <a:rPr lang="en-GB" noProof="0" dirty="0"/>
+              <a:t>, </a:t>
+            </a:r>
+            <a:r>
+              <a:rPr lang="en-GB" noProof="0" dirty="0" err="1"/>
+              <a:t>quis</a:t>
+            </a:r>
+            <a:r>
+              <a:rPr lang="en-GB" noProof="0" dirty="0"/>
+              <a:t> </a:t>
+            </a:r>
+            <a:r>
+              <a:rPr lang="en-GB" noProof="0" dirty="0" err="1"/>
+              <a:t>nostrud</a:t>
+            </a:r>
+            <a:r>
+              <a:rPr lang="en-GB" noProof="0" dirty="0"/>
+              <a:t> exercitation </a:t>
+            </a:r>
+            <a:r>
+              <a:rPr lang="en-GB" noProof="0" dirty="0" err="1"/>
+              <a:t>ullamco</a:t>
+            </a:r>
+            <a:r>
+              <a:rPr lang="en-GB" noProof="0" dirty="0"/>
+              <a:t> </a:t>
+            </a:r>
+            <a:r>
+              <a:rPr lang="en-GB" noProof="0" dirty="0" err="1"/>
+              <a:t>laboris</a:t>
+            </a:r>
+            <a:r>
+              <a:rPr lang="en-GB" noProof="0" dirty="0"/>
+              <a:t> nisi </a:t>
+            </a:r>
+            <a:r>
+              <a:rPr lang="en-GB" noProof="0" dirty="0" err="1"/>
+              <a:t>ut</a:t>
+            </a:r>
+            <a:r>
+              <a:rPr lang="en-GB" noProof="0" dirty="0"/>
+              <a:t> </a:t>
+            </a:r>
+            <a:r>
+              <a:rPr lang="en-GB" noProof="0" dirty="0" err="1"/>
+              <a:t>aliquip</a:t>
+            </a:r>
+            <a:r>
+              <a:rPr lang="en-GB" noProof="0" dirty="0"/>
+              <a:t> ex </a:t>
+            </a:r>
+            <a:r>
+              <a:rPr lang="en-GB" noProof="0" dirty="0" err="1"/>
+              <a:t>ea</a:t>
+            </a:r>
+            <a:r>
+              <a:rPr lang="en-GB" noProof="0" dirty="0"/>
+              <a:t> </a:t>
+            </a:r>
+            <a:r>
+              <a:rPr lang="en-GB" noProof="0" dirty="0" err="1"/>
+              <a:t>commodo</a:t>
+            </a:r>
+            <a:r>
+              <a:rPr lang="en-GB" noProof="0" dirty="0"/>
+              <a:t> </a:t>
+            </a:r>
+            <a:r>
+              <a:rPr lang="en-GB" noProof="0" dirty="0" err="1"/>
+              <a:t>equat</a:t>
+            </a:r>
+            <a:r>
+              <a:rPr lang="en-GB" noProof="0" dirty="0"/>
+              <a:t>. Duis </a:t>
+            </a:r>
+            <a:r>
+              <a:rPr lang="en-GB" noProof="0" dirty="0" err="1"/>
+              <a:t>aute</a:t>
+            </a:r>
+            <a:r>
+              <a:rPr lang="en-GB" noProof="0" dirty="0"/>
+              <a:t> </a:t>
+            </a:r>
+            <a:r>
+              <a:rPr lang="en-GB" noProof="0" dirty="0" err="1"/>
+              <a:t>irure</a:t>
+            </a:r>
+            <a:r>
+              <a:rPr lang="en-GB" noProof="0" dirty="0"/>
+              <a:t> </a:t>
+            </a:r>
+            <a:r>
+              <a:rPr lang="en-GB" noProof="0" dirty="0" err="1"/>
+              <a:t>dolor</a:t>
+            </a:r>
+            <a:r>
+              <a:rPr lang="en-GB" noProof="0" dirty="0"/>
+              <a:t> in </a:t>
+            </a:r>
+            <a:r>
+              <a:rPr lang="en-GB" noProof="0" dirty="0" err="1"/>
+              <a:t>reprehenderit</a:t>
+            </a:r>
+            <a:r>
+              <a:rPr lang="en-GB" noProof="0" dirty="0"/>
+              <a:t> in </a:t>
+            </a:r>
+            <a:r>
+              <a:rPr lang="en-GB" noProof="0" dirty="0" err="1"/>
+              <a:t>voluptate</a:t>
+            </a:r>
+            <a:r>
+              <a:rPr lang="en-GB" noProof="0" dirty="0"/>
+              <a:t> </a:t>
+            </a:r>
+            <a:r>
+              <a:rPr lang="en-GB" noProof="0" dirty="0" err="1"/>
+              <a:t>velit</a:t>
+            </a:r>
+            <a:r>
+              <a:rPr lang="en-GB" noProof="0" dirty="0"/>
+              <a:t> </a:t>
+            </a:r>
+            <a:r>
+              <a:rPr lang="en-GB" noProof="0" dirty="0" err="1"/>
+              <a:t>esse</a:t>
+            </a:r>
+            <a:r>
+              <a:rPr lang="en-GB" noProof="0" dirty="0"/>
+              <a:t> </a:t>
+            </a:r>
+            <a:r>
+              <a:rPr lang="en-GB" noProof="0" dirty="0" err="1"/>
+              <a:t>cillum</a:t>
+            </a:r>
+            <a:r>
+              <a:rPr lang="en-GB" noProof="0" dirty="0"/>
+              <a:t> dolore.</a:t>
+            </a:r>
+          </a:p>
+          <a:p>
+            <a:r>
+              <a:rPr lang="en-GB" noProof="0" dirty="0" err="1"/>
+              <a:t>Excepteur</a:t>
+            </a:r>
+            <a:r>
+              <a:rPr lang="en-GB" noProof="0" dirty="0"/>
+              <a:t> </a:t>
+            </a:r>
+            <a:r>
+              <a:rPr lang="en-GB" noProof="0" dirty="0" err="1"/>
+              <a:t>sint</a:t>
+            </a:r>
+            <a:r>
+              <a:rPr lang="en-GB" noProof="0" dirty="0"/>
+              <a:t> </a:t>
+            </a:r>
+            <a:r>
+              <a:rPr lang="en-GB" noProof="0" dirty="0" err="1"/>
+              <a:t>occaecat</a:t>
+            </a:r>
+            <a:r>
+              <a:rPr lang="en-GB" noProof="0" dirty="0"/>
+              <a:t> </a:t>
+            </a:r>
+            <a:r>
+              <a:rPr lang="en-GB" noProof="0" dirty="0" err="1"/>
+              <a:t>cupidatat</a:t>
+            </a:r>
+            <a:r>
+              <a:rPr lang="en-GB" noProof="0" dirty="0"/>
+              <a:t> non </a:t>
+            </a:r>
+            <a:r>
+              <a:rPr lang="en-GB" noProof="0" dirty="0" err="1"/>
+              <a:t>proident</a:t>
+            </a:r>
+            <a:r>
+              <a:rPr lang="en-GB" noProof="0" dirty="0"/>
+              <a:t>, sunt in culpa qui </a:t>
+            </a:r>
+            <a:r>
+              <a:rPr lang="en-GB" noProof="0" dirty="0" err="1"/>
+              <a:t>officia</a:t>
+            </a:r>
+            <a:r>
+              <a:rPr lang="en-GB" noProof="0" dirty="0"/>
+              <a:t> </a:t>
+            </a:r>
+            <a:r>
+              <a:rPr lang="en-GB" noProof="0" dirty="0" err="1"/>
+              <a:t>deserunt</a:t>
+            </a:r>
+            <a:r>
+              <a:rPr lang="en-GB" noProof="0" dirty="0"/>
+              <a:t> </a:t>
+            </a:r>
+            <a:r>
+              <a:rPr lang="en-GB" noProof="0" dirty="0" err="1"/>
+              <a:t>mollit</a:t>
+            </a:r>
+            <a:r>
+              <a:rPr lang="en-GB" noProof="0" dirty="0"/>
+              <a:t> </a:t>
+            </a:r>
+            <a:r>
+              <a:rPr lang="en-GB" noProof="0" dirty="0" err="1"/>
+              <a:t>anim</a:t>
+            </a:r>
+            <a:r>
+              <a:rPr lang="en-GB" noProof="0" dirty="0"/>
+              <a:t> id </a:t>
+            </a:r>
+            <a:r>
+              <a:rPr lang="en-GB" noProof="0" dirty="0" err="1"/>
+              <a:t>est</a:t>
+            </a:r>
+            <a:r>
+              <a:rPr lang="en-GB" noProof="0" dirty="0"/>
+              <a:t> </a:t>
+            </a:r>
+            <a:r>
+              <a:rPr lang="en-GB" noProof="0" dirty="0" err="1"/>
+              <a:t>laborum</a:t>
+            </a:r>
+            <a:r>
+              <a:rPr lang="en-GB" noProof="0" dirty="0"/>
+              <a:t>. Ut </a:t>
+            </a:r>
+            <a:r>
+              <a:rPr lang="en-GB" noProof="0" dirty="0" err="1"/>
+              <a:t>enim</a:t>
+            </a:r>
+            <a:r>
+              <a:rPr lang="en-GB" noProof="0" dirty="0"/>
+              <a:t> ad minim </a:t>
+            </a:r>
+            <a:r>
+              <a:rPr lang="en-GB" noProof="0" dirty="0" err="1"/>
+              <a:t>veniam</a:t>
+            </a:r>
+            <a:r>
+              <a:rPr lang="en-GB" noProof="0" dirty="0"/>
+              <a:t>, </a:t>
+            </a:r>
+            <a:r>
+              <a:rPr lang="en-GB" noProof="0" dirty="0" err="1"/>
+              <a:t>quis</a:t>
+            </a:r>
+            <a:r>
+              <a:rPr lang="en-GB" noProof="0" dirty="0"/>
+              <a:t> </a:t>
+            </a:r>
+            <a:r>
+              <a:rPr lang="en-GB" noProof="0" dirty="0" err="1"/>
+              <a:t>nostrud</a:t>
+            </a:r>
+            <a:r>
+              <a:rPr lang="en-GB" noProof="0" dirty="0"/>
+              <a:t> exercitation </a:t>
+            </a:r>
+            <a:r>
+              <a:rPr lang="en-GB" noProof="0" dirty="0" err="1"/>
+              <a:t>ullamco</a:t>
+            </a:r>
+            <a:r>
+              <a:rPr lang="en-GB" noProof="0" dirty="0"/>
+              <a:t> </a:t>
+            </a:r>
+            <a:r>
+              <a:rPr lang="en-GB" noProof="0" dirty="0" err="1"/>
+              <a:t>laboris</a:t>
+            </a:r>
+            <a:r>
+              <a:rPr lang="en-GB" noProof="0" dirty="0"/>
+              <a:t> nisi </a:t>
+            </a:r>
+            <a:r>
+              <a:rPr lang="en-GB" noProof="0" dirty="0" err="1"/>
+              <a:t>ut</a:t>
+            </a:r>
+            <a:r>
+              <a:rPr lang="en-GB" noProof="0" dirty="0"/>
+              <a:t> </a:t>
+            </a:r>
+            <a:r>
+              <a:rPr lang="en-GB" noProof="0" dirty="0" err="1"/>
+              <a:t>aliquip</a:t>
+            </a:r>
+            <a:r>
+              <a:rPr lang="en-GB" noProof="0" dirty="0"/>
+              <a:t> ex.</a:t>
+            </a:r>
           </a:p>
         </p:txBody>
       </p:sp>
       <p:pic>
         <p:nvPicPr>
-          <p:cNvPr id="25" name="Bildplatzhalter 24" descr="Ein Bild, das drinnen, Person, stehend, Gebäude enthält.&#10;&#10;Automatisch generierte Beschreibung">
+          <p:cNvPr id="13" name="Bildplatzhalter 12" descr="Ein Bild, das Gebäude, hängend, Fahrrad, sitzend enthält.&#10;&#10;Automatisch generierte Beschreibung">
             <a:extLst>
               <a:ext uri="{FF2B5EF4-FFF2-40B4-BE49-F238E27FC236}">
-                <a16:creationId xmlns:a16="http://schemas.microsoft.com/office/drawing/2014/main" id="{CD3BE92B-899D-4B9F-8994-5D652B37B074}"/>
+                <a16:creationId xmlns:a16="http://schemas.microsoft.com/office/drawing/2014/main" id="{B5969189-6505-437E-803B-998CD9CEF141}"/>
               </a:ext>
             </a:extLst>
           </p:cNvPr>
@@ -21337,7 +21443,7 @@
             <p:ph type="pic" sz="quarter" idx="13"/>
           </p:nvPr>
         </p:nvPicPr>
-        <p:blipFill rotWithShape="1">
+        <p:blipFill>
           <a:blip r:embed="rId2">
             <a:extLst>
               <a:ext uri="{28A0092B-C50C-407E-A947-70E740481C1C}">
@@ -21345,41 +21451,7 @@
               </a:ext>
             </a:extLst>
           </a:blip>
-          <a:srcRect l="2656"/>
-          <a:stretch/>
-        </p:blipFill>
-        <p:spPr>
-          <a:xfrm>
-            <a:off x="731838" y="1412875"/>
-            <a:ext cx="5256000" cy="3420000"/>
-          </a:xfrm>
-        </p:spPr>
-      </p:pic>
-      <p:pic>
-        <p:nvPicPr>
-          <p:cNvPr id="27" name="Bildplatzhalter 26" descr="Ein Bild, das Gebäude, Person, Mann, sitzend enthält.&#10;&#10;Automatisch generierte Beschreibung">
-            <a:extLst>
-              <a:ext uri="{FF2B5EF4-FFF2-40B4-BE49-F238E27FC236}">
-                <a16:creationId xmlns:a16="http://schemas.microsoft.com/office/drawing/2014/main" id="{CA3839ED-5229-40EB-B896-D93F17E58AC3}"/>
-              </a:ext>
-            </a:extLst>
-          </p:cNvPr>
-          <p:cNvPicPr>
-            <a:picLocks noGrp="1" noChangeAspect="1"/>
-          </p:cNvPicPr>
-          <p:nvPr>
-            <p:ph type="pic" sz="quarter" idx="14"/>
-          </p:nvPr>
-        </p:nvPicPr>
-        <p:blipFill>
-          <a:blip r:embed="rId3">
-            <a:extLst>
-              <a:ext uri="{28A0092B-C50C-407E-A947-70E740481C1C}">
-                <a14:useLocalDpi xmlns:a14="http://schemas.microsoft.com/office/drawing/2010/main" val="0"/>
-              </a:ext>
-            </a:extLst>
-          </a:blip>
-          <a:srcRect l="127" r="127"/>
+          <a:srcRect l="526" r="526"/>
           <a:stretch>
             <a:fillRect/>
           </a:stretch>
@@ -21391,7 +21463,7 @@
           <p:cNvPr id="4" name="Datumsplatzhalter 3">
             <a:extLst>
               <a:ext uri="{FF2B5EF4-FFF2-40B4-BE49-F238E27FC236}">
-                <a16:creationId xmlns:a16="http://schemas.microsoft.com/office/drawing/2014/main" id="{4C113A63-4145-4707-821A-FA76EE3B17E3}"/>
+                <a16:creationId xmlns:a16="http://schemas.microsoft.com/office/drawing/2014/main" id="{E561EB33-26DA-4BFB-9717-A85E7FB5C915}"/>
               </a:ext>
             </a:extLst>
           </p:cNvPr>
@@ -21407,7 +21479,7 @@
           <a:bodyPr/>
           <a:lstStyle/>
           <a:p>
-            <a:fld id="{C32F3C7F-0C5F-4A18-A13A-CAEFDEB56FA0}" type="datetime1">
+            <a:fld id="{3883C902-160B-4538-99A8-1486892643D4}" type="datetime1">
               <a:rPr lang="en-GB" noProof="0" smtClean="0"/>
               <a:t>30/06/2025</a:t>
             </a:fld>
@@ -21420,7 +21492,7 @@
           <p:cNvPr id="6" name="Foliennummernplatzhalter 5">
             <a:extLst>
               <a:ext uri="{FF2B5EF4-FFF2-40B4-BE49-F238E27FC236}">
-                <a16:creationId xmlns:a16="http://schemas.microsoft.com/office/drawing/2014/main" id="{C6B5D301-0255-4560-B6D4-207099C6C812}"/>
+                <a16:creationId xmlns:a16="http://schemas.microsoft.com/office/drawing/2014/main" id="{3F2CD38D-E3F5-46D6-96B1-4BEB06DA84C2}"/>
               </a:ext>
             </a:extLst>
           </p:cNvPr>
@@ -21447,7 +21519,7 @@
     </p:spTree>
     <p:extLst>
       <p:ext uri="{BB962C8B-B14F-4D97-AF65-F5344CB8AC3E}">
-        <p14:creationId xmlns:p14="http://schemas.microsoft.com/office/powerpoint/2010/main" val="3072940504"/>
+        <p14:creationId xmlns:p14="http://schemas.microsoft.com/office/powerpoint/2010/main" val="3328173493"/>
       </p:ext>
     </p:extLst>
   </p:cSld>
@@ -21479,7 +21551,7 @@
           <p:cNvPr id="2" name="Titel 1">
             <a:extLst>
               <a:ext uri="{FF2B5EF4-FFF2-40B4-BE49-F238E27FC236}">
-                <a16:creationId xmlns:a16="http://schemas.microsoft.com/office/drawing/2014/main" id="{28D967E9-D721-4AAB-B1BE-E191FA614D70}"/>
+                <a16:creationId xmlns:a16="http://schemas.microsoft.com/office/drawing/2014/main" id="{E37DD576-086D-4B8E-8EA7-96DBD842881D}"/>
               </a:ext>
             </a:extLst>
           </p:cNvPr>
@@ -21511,49 +21583,6 @@
               <a:rPr lang="en-GB" noProof="0" dirty="0" err="1"/>
               <a:t>Folientitel</a:t>
             </a:r>
-            <a:r>
-              <a:rPr lang="en-GB" noProof="0" dirty="0"/>
-              <a:t>,</a:t>
-            </a:r>
-            <a:br>
-              <a:rPr lang="en-GB" noProof="0" dirty="0"/>
-            </a:br>
-            <a:r>
-              <a:rPr lang="en-GB" noProof="0" dirty="0" err="1"/>
-              <a:t>ggf</a:t>
-            </a:r>
-            <a:r>
-              <a:rPr lang="en-GB" noProof="0" dirty="0"/>
-              <a:t>. </a:t>
-            </a:r>
-            <a:r>
-              <a:rPr lang="en-GB" noProof="0" dirty="0" err="1"/>
-              <a:t>auch</a:t>
-            </a:r>
-            <a:r>
-              <a:rPr lang="en-GB" noProof="0" dirty="0"/>
-              <a:t> </a:t>
-            </a:r>
-            <a:r>
-              <a:rPr lang="en-GB" noProof="0" dirty="0" err="1"/>
-              <a:t>über</a:t>
-            </a:r>
-            <a:r>
-              <a:rPr lang="en-GB" noProof="0" dirty="0"/>
-              <a:t> </a:t>
-            </a:r>
-            <a:r>
-              <a:rPr lang="en-GB" noProof="0" dirty="0" err="1"/>
-              <a:t>zwei</a:t>
-            </a:r>
-            <a:r>
-              <a:rPr lang="en-GB" noProof="0" dirty="0"/>
-              <a:t> </a:t>
-            </a:r>
-            <a:r>
-              <a:rPr lang="en-GB" noProof="0" dirty="0" err="1"/>
-              <a:t>Zeilen</a:t>
-            </a:r>
             <a:endParaRPr lang="en-GB" noProof="0" dirty="0"/>
           </a:p>
         </p:txBody>
@@ -21563,7 +21592,7 @@
           <p:cNvPr id="3" name="Inhaltsplatzhalter 2">
             <a:extLst>
               <a:ext uri="{FF2B5EF4-FFF2-40B4-BE49-F238E27FC236}">
-                <a16:creationId xmlns:a16="http://schemas.microsoft.com/office/drawing/2014/main" id="{5DC67D2E-7487-43A9-B734-0DEEE96D6BCF}"/>
+                <a16:creationId xmlns:a16="http://schemas.microsoft.com/office/drawing/2014/main" id="{D432D83E-24ED-4BAB-928B-65865CDB074E}"/>
               </a:ext>
             </a:extLst>
           </p:cNvPr>
@@ -21665,73 +21694,42 @@
             </a:r>
             <a:r>
               <a:rPr lang="en-GB" noProof="0" dirty="0"/>
-              <a:t> </a:t>
-            </a:r>
-            <a:r>
-              <a:rPr lang="en-GB" noProof="0" dirty="0" err="1"/>
-              <a:t>incididunt</a:t>
-            </a:r>
-            <a:r>
-              <a:rPr lang="en-GB" noProof="0" dirty="0"/>
-              <a:t> </a:t>
-            </a:r>
-            <a:r>
-              <a:rPr lang="en-GB" noProof="0" dirty="0" err="1"/>
-              <a:t>ut</a:t>
-            </a:r>
-            <a:r>
-              <a:rPr lang="en-GB" noProof="0" dirty="0"/>
-              <a:t> labore et dolore magna </a:t>
-            </a:r>
-            <a:r>
-              <a:rPr lang="en-GB" noProof="0" dirty="0" err="1"/>
-              <a:t>aliqua</a:t>
-            </a:r>
-            <a:r>
-              <a:rPr lang="en-GB" noProof="0" dirty="0"/>
-              <a:t>. Ut </a:t>
-            </a:r>
-            <a:r>
-              <a:rPr lang="en-GB" noProof="0" dirty="0" err="1"/>
-              <a:t>enim</a:t>
-            </a:r>
-            <a:r>
-              <a:rPr lang="en-GB" noProof="0" dirty="0"/>
-              <a:t> ad minim </a:t>
-            </a:r>
-            <a:r>
-              <a:rPr lang="en-GB" noProof="0" dirty="0" err="1"/>
-              <a:t>veniam</a:t>
-            </a:r>
-            <a:r>
-              <a:rPr lang="en-GB" noProof="0" dirty="0"/>
-              <a:t>, </a:t>
-            </a:r>
-            <a:r>
-              <a:rPr lang="en-GB" noProof="0" dirty="0" err="1"/>
-              <a:t>quis</a:t>
-            </a:r>
-            <a:r>
-              <a:rPr lang="en-GB" noProof="0" dirty="0"/>
-              <a:t> </a:t>
-            </a:r>
-            <a:r>
-              <a:rPr lang="en-GB" noProof="0" dirty="0" err="1"/>
-              <a:t>nostrud</a:t>
-            </a:r>
-            <a:r>
-              <a:rPr lang="en-GB" noProof="0" dirty="0"/>
-              <a:t> exercitation</a:t>
-            </a:r>
+              <a:t>.</a:t>
+            </a:r>
+          </a:p>
+        </p:txBody>
+      </p:sp>
+      <p:sp>
+        <p:nvSpPr>
+          <p:cNvPr id="15" name="Inhaltsplatzhalter 14">
+            <a:extLst>
+              <a:ext uri="{FF2B5EF4-FFF2-40B4-BE49-F238E27FC236}">
+                <a16:creationId xmlns:a16="http://schemas.microsoft.com/office/drawing/2014/main" id="{FCF71FFE-CA66-4F13-988C-CC5FD6C24A3A}"/>
+              </a:ext>
+            </a:extLst>
+          </p:cNvPr>
+          <p:cNvSpPr>
+            <a:spLocks noGrp="1"/>
+          </p:cNvSpPr>
+          <p:nvPr>
+            <p:ph idx="15"/>
+          </p:nvPr>
+        </p:nvSpPr>
+        <p:spPr/>
+        <p:txBody>
+          <a:bodyPr/>
+          <a:lstStyle/>
+          <a:p>
+            <a:endParaRPr lang="en-GB" noProof="0" dirty="0"/>
           </a:p>
         </p:txBody>
       </p:sp>
       <p:pic>
         <p:nvPicPr>
-          <p:cNvPr id="27" name="Bildplatzhalter 26" descr="Ein Bild, das Fenster, Person, drinnen, suchend enthält.&#10;&#10;Automatisch generierte Beschreibung">
+          <p:cNvPr id="25" name="Bildplatzhalter 24" descr="Ein Bild, das drinnen, Person, stehend, Gebäude enthält.&#10;&#10;Automatisch generierte Beschreibung">
             <a:extLst>
               <a:ext uri="{FF2B5EF4-FFF2-40B4-BE49-F238E27FC236}">
-                <a16:creationId xmlns:a16="http://schemas.microsoft.com/office/drawing/2014/main" id="{43ED9C4A-9DF2-40BA-831C-963F88C39E5B}"/>
+                <a16:creationId xmlns:a16="http://schemas.microsoft.com/office/drawing/2014/main" id="{CD3BE92B-899D-4B9F-8994-5D652B37B074}"/>
               </a:ext>
             </a:extLst>
           </p:cNvPr>
@@ -21742,7 +21740,7 @@
             <p:ph type="pic" sz="quarter" idx="13"/>
           </p:nvPr>
         </p:nvPicPr>
-        <p:blipFill>
+        <p:blipFill rotWithShape="1">
           <a:blip r:embed="rId2">
             <a:extLst>
               <a:ext uri="{28A0092B-C50C-407E-A947-70E740481C1C}">
@@ -21750,19 +21748,22 @@
               </a:ext>
             </a:extLst>
           </a:blip>
-          <a:srcRect l="489" r="489"/>
-          <a:stretch>
-            <a:fillRect/>
-          </a:stretch>
+          <a:srcRect l="2656"/>
+          <a:stretch/>
         </p:blipFill>
-        <p:spPr/>
+        <p:spPr>
+          <a:xfrm>
+            <a:off x="731838" y="1412875"/>
+            <a:ext cx="5256000" cy="3420000"/>
+          </a:xfrm>
+        </p:spPr>
       </p:pic>
       <p:pic>
         <p:nvPicPr>
-          <p:cNvPr id="23" name="Bildplatzhalter 22" descr="Ein Bild, das drinnen, Tisch, Tasse, sitzend enthält.&#10;&#10;Automatisch generierte Beschreibung">
+          <p:cNvPr id="27" name="Bildplatzhalter 26" descr="Ein Bild, das Gebäude, Person, Mann, sitzend enthält.&#10;&#10;Automatisch generierte Beschreibung">
             <a:extLst>
               <a:ext uri="{FF2B5EF4-FFF2-40B4-BE49-F238E27FC236}">
-                <a16:creationId xmlns:a16="http://schemas.microsoft.com/office/drawing/2014/main" id="{1928DBF4-6834-46AD-8176-8523F4E3E0F4}"/>
+                <a16:creationId xmlns:a16="http://schemas.microsoft.com/office/drawing/2014/main" id="{CA3839ED-5229-40EB-B896-D93F17E58AC3}"/>
               </a:ext>
             </a:extLst>
           </p:cNvPr>
@@ -21770,10 +21771,10 @@
             <a:picLocks noGrp="1" noChangeAspect="1"/>
           </p:cNvPicPr>
           <p:nvPr>
-            <p:ph type="pic" sz="quarter" idx="17"/>
+            <p:ph type="pic" sz="quarter" idx="14"/>
           </p:nvPr>
         </p:nvPicPr>
-        <p:blipFill rotWithShape="1">
+        <p:blipFill>
           <a:blip r:embed="rId3">
             <a:extLst>
               <a:ext uri="{28A0092B-C50C-407E-A947-70E740481C1C}">
@@ -21781,41 +21782,7 @@
               </a:ext>
             </a:extLst>
           </a:blip>
-          <a:srcRect l="234" r="2403"/>
-          <a:stretch/>
-        </p:blipFill>
-        <p:spPr>
-          <a:xfrm>
-            <a:off x="4385999" y="1414800"/>
-            <a:ext cx="3420000" cy="2484000"/>
-          </a:xfrm>
-        </p:spPr>
-      </p:pic>
-      <p:pic>
-        <p:nvPicPr>
-          <p:cNvPr id="25" name="Bildplatzhalter 24" descr="Ein Bild, das Person, Mann, drinnen, Kühlschrank enthält.&#10;&#10;Automatisch generierte Beschreibung">
-            <a:extLst>
-              <a:ext uri="{FF2B5EF4-FFF2-40B4-BE49-F238E27FC236}">
-                <a16:creationId xmlns:a16="http://schemas.microsoft.com/office/drawing/2014/main" id="{91999250-CA9F-48D7-8A50-D3D4BC00F9B8}"/>
-              </a:ext>
-            </a:extLst>
-          </p:cNvPr>
-          <p:cNvPicPr>
-            <a:picLocks noGrp="1" noChangeAspect="1"/>
-          </p:cNvPicPr>
-          <p:nvPr>
-            <p:ph type="pic" sz="quarter" idx="16"/>
-          </p:nvPr>
-        </p:nvPicPr>
-        <p:blipFill>
-          <a:blip r:embed="rId4">
-            <a:extLst>
-              <a:ext uri="{28A0092B-C50C-407E-A947-70E740481C1C}">
-                <a14:useLocalDpi xmlns:a14="http://schemas.microsoft.com/office/drawing/2010/main" val="0"/>
-              </a:ext>
-            </a:extLst>
-          </a:blip>
-          <a:srcRect l="252" r="252"/>
+          <a:srcRect l="127" r="127"/>
           <a:stretch>
             <a:fillRect/>
           </a:stretch>
@@ -21827,7 +21794,7 @@
           <p:cNvPr id="4" name="Datumsplatzhalter 3">
             <a:extLst>
               <a:ext uri="{FF2B5EF4-FFF2-40B4-BE49-F238E27FC236}">
-                <a16:creationId xmlns:a16="http://schemas.microsoft.com/office/drawing/2014/main" id="{1EDD72CB-F104-4DE7-8E0E-740091A208E7}"/>
+                <a16:creationId xmlns:a16="http://schemas.microsoft.com/office/drawing/2014/main" id="{4C113A63-4145-4707-821A-FA76EE3B17E3}"/>
               </a:ext>
             </a:extLst>
           </p:cNvPr>
@@ -21843,7 +21810,7 @@
           <a:bodyPr/>
           <a:lstStyle/>
           <a:p>
-            <a:fld id="{C346C403-2363-42FC-8982-6D08D86AEC82}" type="datetime1">
+            <a:fld id="{C32F3C7F-0C5F-4A18-A13A-CAEFDEB56FA0}" type="datetime1">
               <a:rPr lang="en-GB" noProof="0" smtClean="0"/>
               <a:t>30/06/2025</a:t>
             </a:fld>
@@ -21856,7 +21823,7 @@
           <p:cNvPr id="6" name="Foliennummernplatzhalter 5">
             <a:extLst>
               <a:ext uri="{FF2B5EF4-FFF2-40B4-BE49-F238E27FC236}">
-                <a16:creationId xmlns:a16="http://schemas.microsoft.com/office/drawing/2014/main" id="{5985790D-0071-457D-86B5-CFCB0B92A18F}"/>
+                <a16:creationId xmlns:a16="http://schemas.microsoft.com/office/drawing/2014/main" id="{C6B5D301-0255-4560-B6D4-207099C6C812}"/>
               </a:ext>
             </a:extLst>
           </p:cNvPr>
@@ -21883,7 +21850,7 @@
     </p:spTree>
     <p:extLst>
       <p:ext uri="{BB962C8B-B14F-4D97-AF65-F5344CB8AC3E}">
-        <p14:creationId xmlns:p14="http://schemas.microsoft.com/office/powerpoint/2010/main" val="1032210412"/>
+        <p14:creationId xmlns:p14="http://schemas.microsoft.com/office/powerpoint/2010/main" val="3072940504"/>
       </p:ext>
     </p:extLst>
   </p:cSld>
@@ -21915,7 +21882,7 @@
           <p:cNvPr id="2" name="Titel 1">
             <a:extLst>
               <a:ext uri="{FF2B5EF4-FFF2-40B4-BE49-F238E27FC236}">
-                <a16:creationId xmlns:a16="http://schemas.microsoft.com/office/drawing/2014/main" id="{A7CA13FE-7A13-4ED3-8196-74CAF963149C}"/>
+                <a16:creationId xmlns:a16="http://schemas.microsoft.com/office/drawing/2014/main" id="{28D967E9-D721-4AAB-B1BE-E191FA614D70}"/>
               </a:ext>
             </a:extLst>
           </p:cNvPr>
@@ -21947,6 +21914,49 @@
               <a:rPr lang="en-GB" noProof="0" dirty="0" err="1"/>
               <a:t>Folientitel</a:t>
             </a:r>
+            <a:r>
+              <a:rPr lang="en-GB" noProof="0" dirty="0"/>
+              <a:t>,</a:t>
+            </a:r>
+            <a:br>
+              <a:rPr lang="en-GB" noProof="0" dirty="0"/>
+            </a:br>
+            <a:r>
+              <a:rPr lang="en-GB" noProof="0" dirty="0" err="1"/>
+              <a:t>ggf</a:t>
+            </a:r>
+            <a:r>
+              <a:rPr lang="en-GB" noProof="0" dirty="0"/>
+              <a:t>. </a:t>
+            </a:r>
+            <a:r>
+              <a:rPr lang="en-GB" noProof="0" dirty="0" err="1"/>
+              <a:t>auch</a:t>
+            </a:r>
+            <a:r>
+              <a:rPr lang="en-GB" noProof="0" dirty="0"/>
+              <a:t> </a:t>
+            </a:r>
+            <a:r>
+              <a:rPr lang="en-GB" noProof="0" dirty="0" err="1"/>
+              <a:t>über</a:t>
+            </a:r>
+            <a:r>
+              <a:rPr lang="en-GB" noProof="0" dirty="0"/>
+              <a:t> </a:t>
+            </a:r>
+            <a:r>
+              <a:rPr lang="en-GB" noProof="0" dirty="0" err="1"/>
+              <a:t>zwei</a:t>
+            </a:r>
+            <a:r>
+              <a:rPr lang="en-GB" noProof="0" dirty="0"/>
+              <a:t> </a:t>
+            </a:r>
+            <a:r>
+              <a:rPr lang="en-GB" noProof="0" dirty="0" err="1"/>
+              <a:t>Zeilen</a:t>
+            </a:r>
             <a:endParaRPr lang="en-GB" noProof="0" dirty="0"/>
           </a:p>
         </p:txBody>
@@ -21956,7 +21966,7 @@
           <p:cNvPr id="3" name="Inhaltsplatzhalter 2">
             <a:extLst>
               <a:ext uri="{FF2B5EF4-FFF2-40B4-BE49-F238E27FC236}">
-                <a16:creationId xmlns:a16="http://schemas.microsoft.com/office/drawing/2014/main" id="{E7FD6150-4476-428E-BB61-724E0142D925}"/>
+                <a16:creationId xmlns:a16="http://schemas.microsoft.com/office/drawing/2014/main" id="{5DC67D2E-7487-43A9-B734-0DEEE96D6BCF}"/>
               </a:ext>
             </a:extLst>
           </p:cNvPr>
@@ -21972,6 +21982,399 @@
           <a:bodyPr/>
           <a:lstStyle/>
           <a:p>
+            <a:pPr marL="0" indent="0">
+              <a:buNone/>
+            </a:pPr>
+            <a:r>
+              <a:rPr lang="en-GB" b="1" noProof="0" dirty="0" err="1"/>
+              <a:t>Kombination</a:t>
+            </a:r>
+            <a:r>
+              <a:rPr lang="en-GB" b="1" noProof="0" dirty="0"/>
+              <a:t> Bild und Text</a:t>
+            </a:r>
+          </a:p>
+          <a:p>
+            <a:pPr marL="0" indent="0">
+              <a:buNone/>
+            </a:pPr>
+            <a:r>
+              <a:rPr lang="en-GB" noProof="0" dirty="0" err="1"/>
+              <a:t>Lauftext</a:t>
+            </a:r>
+            <a:r>
+              <a:rPr lang="en-GB" noProof="0" dirty="0"/>
+              <a:t>. Lorem ipsum </a:t>
+            </a:r>
+            <a:r>
+              <a:rPr lang="en-GB" noProof="0" dirty="0" err="1"/>
+              <a:t>dolor</a:t>
+            </a:r>
+            <a:r>
+              <a:rPr lang="en-GB" noProof="0" dirty="0"/>
+              <a:t> sit </a:t>
+            </a:r>
+            <a:r>
+              <a:rPr lang="en-GB" noProof="0" dirty="0" err="1"/>
+              <a:t>amet</a:t>
+            </a:r>
+            <a:r>
+              <a:rPr lang="en-GB" noProof="0" dirty="0"/>
+              <a:t>, </a:t>
+            </a:r>
+            <a:r>
+              <a:rPr lang="en-GB" noProof="0" dirty="0" err="1"/>
+              <a:t>consectetur</a:t>
+            </a:r>
+            <a:r>
+              <a:rPr lang="en-GB" noProof="0" dirty="0"/>
+              <a:t> </a:t>
+            </a:r>
+            <a:r>
+              <a:rPr lang="en-GB" noProof="0" dirty="0" err="1"/>
+              <a:t>adipiscing</a:t>
+            </a:r>
+            <a:r>
+              <a:rPr lang="en-GB" noProof="0" dirty="0"/>
+              <a:t> </a:t>
+            </a:r>
+            <a:r>
+              <a:rPr lang="en-GB" noProof="0" dirty="0" err="1"/>
+              <a:t>elit</a:t>
+            </a:r>
+            <a:r>
+              <a:rPr lang="en-GB" noProof="0" dirty="0"/>
+              <a:t>, </a:t>
+            </a:r>
+            <a:r>
+              <a:rPr lang="en-GB" noProof="0" dirty="0" err="1"/>
+              <a:t>sed</a:t>
+            </a:r>
+            <a:r>
+              <a:rPr lang="en-GB" noProof="0" dirty="0"/>
+              <a:t> do </a:t>
+            </a:r>
+            <a:r>
+              <a:rPr lang="en-GB" noProof="0" dirty="0" err="1"/>
+              <a:t>eiusmod</a:t>
+            </a:r>
+            <a:r>
+              <a:rPr lang="en-GB" noProof="0" dirty="0"/>
+              <a:t> </a:t>
+            </a:r>
+            <a:r>
+              <a:rPr lang="en-GB" noProof="0" dirty="0" err="1"/>
+              <a:t>tempor</a:t>
+            </a:r>
+            <a:r>
+              <a:rPr lang="en-GB" noProof="0" dirty="0"/>
+              <a:t> </a:t>
+            </a:r>
+            <a:r>
+              <a:rPr lang="en-GB" noProof="0" dirty="0" err="1"/>
+              <a:t>incididunt</a:t>
+            </a:r>
+            <a:r>
+              <a:rPr lang="en-GB" noProof="0" dirty="0"/>
+              <a:t> </a:t>
+            </a:r>
+            <a:r>
+              <a:rPr lang="en-GB" noProof="0" dirty="0" err="1"/>
+              <a:t>ut</a:t>
+            </a:r>
+            <a:r>
+              <a:rPr lang="en-GB" noProof="0" dirty="0"/>
+              <a:t> labore et dolore magna </a:t>
+            </a:r>
+            <a:r>
+              <a:rPr lang="en-GB" noProof="0" dirty="0" err="1"/>
+              <a:t>aliqua</a:t>
+            </a:r>
+            <a:r>
+              <a:rPr lang="en-GB" noProof="0" dirty="0"/>
+              <a:t>. Ut </a:t>
+            </a:r>
+            <a:r>
+              <a:rPr lang="en-GB" noProof="0" dirty="0" err="1"/>
+              <a:t>enim</a:t>
+            </a:r>
+            <a:r>
+              <a:rPr lang="en-GB" noProof="0" dirty="0"/>
+              <a:t> ad minim </a:t>
+            </a:r>
+            <a:r>
+              <a:rPr lang="en-GB" noProof="0" dirty="0" err="1"/>
+              <a:t>veniam</a:t>
+            </a:r>
+            <a:r>
+              <a:rPr lang="en-GB" noProof="0" dirty="0"/>
+              <a:t>, </a:t>
+            </a:r>
+            <a:r>
+              <a:rPr lang="en-GB" noProof="0" dirty="0" err="1"/>
+              <a:t>quis</a:t>
+            </a:r>
+            <a:r>
+              <a:rPr lang="en-GB" noProof="0" dirty="0"/>
+              <a:t> </a:t>
+            </a:r>
+            <a:r>
+              <a:rPr lang="en-GB" noProof="0" dirty="0" err="1"/>
+              <a:t>nostrud</a:t>
+            </a:r>
+            <a:r>
+              <a:rPr lang="en-GB" noProof="0" dirty="0"/>
+              <a:t> exercitation</a:t>
+            </a:r>
+          </a:p>
+        </p:txBody>
+      </p:sp>
+      <p:pic>
+        <p:nvPicPr>
+          <p:cNvPr id="27" name="Bildplatzhalter 26" descr="Ein Bild, das Fenster, Person, drinnen, suchend enthält.&#10;&#10;Automatisch generierte Beschreibung">
+            <a:extLst>
+              <a:ext uri="{FF2B5EF4-FFF2-40B4-BE49-F238E27FC236}">
+                <a16:creationId xmlns:a16="http://schemas.microsoft.com/office/drawing/2014/main" id="{43ED9C4A-9DF2-40BA-831C-963F88C39E5B}"/>
+              </a:ext>
+            </a:extLst>
+          </p:cNvPr>
+          <p:cNvPicPr>
+            <a:picLocks noGrp="1" noChangeAspect="1"/>
+          </p:cNvPicPr>
+          <p:nvPr>
+            <p:ph type="pic" sz="quarter" idx="13"/>
+          </p:nvPr>
+        </p:nvPicPr>
+        <p:blipFill>
+          <a:blip r:embed="rId2">
+            <a:extLst>
+              <a:ext uri="{28A0092B-C50C-407E-A947-70E740481C1C}">
+                <a14:useLocalDpi xmlns:a14="http://schemas.microsoft.com/office/drawing/2010/main" val="0"/>
+              </a:ext>
+            </a:extLst>
+          </a:blip>
+          <a:srcRect l="489" r="489"/>
+          <a:stretch>
+            <a:fillRect/>
+          </a:stretch>
+        </p:blipFill>
+        <p:spPr/>
+      </p:pic>
+      <p:pic>
+        <p:nvPicPr>
+          <p:cNvPr id="23" name="Bildplatzhalter 22" descr="Ein Bild, das drinnen, Tisch, Tasse, sitzend enthält.&#10;&#10;Automatisch generierte Beschreibung">
+            <a:extLst>
+              <a:ext uri="{FF2B5EF4-FFF2-40B4-BE49-F238E27FC236}">
+                <a16:creationId xmlns:a16="http://schemas.microsoft.com/office/drawing/2014/main" id="{1928DBF4-6834-46AD-8176-8523F4E3E0F4}"/>
+              </a:ext>
+            </a:extLst>
+          </p:cNvPr>
+          <p:cNvPicPr>
+            <a:picLocks noGrp="1" noChangeAspect="1"/>
+          </p:cNvPicPr>
+          <p:nvPr>
+            <p:ph type="pic" sz="quarter" idx="17"/>
+          </p:nvPr>
+        </p:nvPicPr>
+        <p:blipFill rotWithShape="1">
+          <a:blip r:embed="rId3">
+            <a:extLst>
+              <a:ext uri="{28A0092B-C50C-407E-A947-70E740481C1C}">
+                <a14:useLocalDpi xmlns:a14="http://schemas.microsoft.com/office/drawing/2010/main" val="0"/>
+              </a:ext>
+            </a:extLst>
+          </a:blip>
+          <a:srcRect l="234" r="2403"/>
+          <a:stretch/>
+        </p:blipFill>
+        <p:spPr>
+          <a:xfrm>
+            <a:off x="4385999" y="1414800"/>
+            <a:ext cx="3420000" cy="2484000"/>
+          </a:xfrm>
+        </p:spPr>
+      </p:pic>
+      <p:pic>
+        <p:nvPicPr>
+          <p:cNvPr id="25" name="Bildplatzhalter 24" descr="Ein Bild, das Person, Mann, drinnen, Kühlschrank enthält.&#10;&#10;Automatisch generierte Beschreibung">
+            <a:extLst>
+              <a:ext uri="{FF2B5EF4-FFF2-40B4-BE49-F238E27FC236}">
+                <a16:creationId xmlns:a16="http://schemas.microsoft.com/office/drawing/2014/main" id="{91999250-CA9F-48D7-8A50-D3D4BC00F9B8}"/>
+              </a:ext>
+            </a:extLst>
+          </p:cNvPr>
+          <p:cNvPicPr>
+            <a:picLocks noGrp="1" noChangeAspect="1"/>
+          </p:cNvPicPr>
+          <p:nvPr>
+            <p:ph type="pic" sz="quarter" idx="16"/>
+          </p:nvPr>
+        </p:nvPicPr>
+        <p:blipFill>
+          <a:blip r:embed="rId4">
+            <a:extLst>
+              <a:ext uri="{28A0092B-C50C-407E-A947-70E740481C1C}">
+                <a14:useLocalDpi xmlns:a14="http://schemas.microsoft.com/office/drawing/2010/main" val="0"/>
+              </a:ext>
+            </a:extLst>
+          </a:blip>
+          <a:srcRect l="252" r="252"/>
+          <a:stretch>
+            <a:fillRect/>
+          </a:stretch>
+        </p:blipFill>
+        <p:spPr/>
+      </p:pic>
+      <p:sp>
+        <p:nvSpPr>
+          <p:cNvPr id="4" name="Datumsplatzhalter 3">
+            <a:extLst>
+              <a:ext uri="{FF2B5EF4-FFF2-40B4-BE49-F238E27FC236}">
+                <a16:creationId xmlns:a16="http://schemas.microsoft.com/office/drawing/2014/main" id="{1EDD72CB-F104-4DE7-8E0E-740091A208E7}"/>
+              </a:ext>
+            </a:extLst>
+          </p:cNvPr>
+          <p:cNvSpPr>
+            <a:spLocks noGrp="1"/>
+          </p:cNvSpPr>
+          <p:nvPr>
+            <p:ph type="dt" sz="half" idx="10"/>
+          </p:nvPr>
+        </p:nvSpPr>
+        <p:spPr/>
+        <p:txBody>
+          <a:bodyPr/>
+          <a:lstStyle/>
+          <a:p>
+            <a:fld id="{C346C403-2363-42FC-8982-6D08D86AEC82}" type="datetime1">
+              <a:rPr lang="en-GB" noProof="0" smtClean="0"/>
+              <a:t>30/06/2025</a:t>
+            </a:fld>
+            <a:endParaRPr lang="en-GB" noProof="0" dirty="0"/>
+          </a:p>
+        </p:txBody>
+      </p:sp>
+      <p:sp>
+        <p:nvSpPr>
+          <p:cNvPr id="6" name="Foliennummernplatzhalter 5">
+            <a:extLst>
+              <a:ext uri="{FF2B5EF4-FFF2-40B4-BE49-F238E27FC236}">
+                <a16:creationId xmlns:a16="http://schemas.microsoft.com/office/drawing/2014/main" id="{5985790D-0071-457D-86B5-CFCB0B92A18F}"/>
+              </a:ext>
+            </a:extLst>
+          </p:cNvPr>
+          <p:cNvSpPr>
+            <a:spLocks noGrp="1"/>
+          </p:cNvSpPr>
+          <p:nvPr>
+            <p:ph type="sldNum" sz="quarter" idx="12"/>
+          </p:nvPr>
+        </p:nvSpPr>
+        <p:spPr/>
+        <p:txBody>
+          <a:bodyPr/>
+          <a:lstStyle/>
+          <a:p>
+            <a:fld id="{5ACA52AF-F19D-405C-AD5F-7D94B96A5CC3}" type="slidenum">
+              <a:rPr lang="en-GB" noProof="0" smtClean="0"/>
+              <a:t>26</a:t>
+            </a:fld>
+            <a:endParaRPr lang="en-GB" noProof="0" dirty="0"/>
+          </a:p>
+        </p:txBody>
+      </p:sp>
+    </p:spTree>
+    <p:extLst>
+      <p:ext uri="{BB962C8B-B14F-4D97-AF65-F5344CB8AC3E}">
+        <p14:creationId xmlns:p14="http://schemas.microsoft.com/office/powerpoint/2010/main" val="1032210412"/>
+      </p:ext>
+    </p:extLst>
+  </p:cSld>
+  <p:clrMapOvr>
+    <a:masterClrMapping/>
+  </p:clrMapOvr>
+</p:sld>
+</file>
+
+<file path=ppt/slides/slide27.xml><?xml version="1.0" encoding="utf-8"?>
+<p:sld xmlns:a="http://schemas.openxmlformats.org/drawingml/2006/main" xmlns:r="http://schemas.openxmlformats.org/officeDocument/2006/relationships" xmlns:p="http://schemas.openxmlformats.org/presentationml/2006/main">
+  <p:cSld>
+    <p:spTree>
+      <p:nvGrpSpPr>
+        <p:cNvPr id="1" name=""/>
+        <p:cNvGrpSpPr/>
+        <p:nvPr/>
+      </p:nvGrpSpPr>
+      <p:grpSpPr>
+        <a:xfrm>
+          <a:off x="0" y="0"/>
+          <a:ext cx="0" cy="0"/>
+          <a:chOff x="0" y="0"/>
+          <a:chExt cx="0" cy="0"/>
+        </a:xfrm>
+      </p:grpSpPr>
+      <p:sp>
+        <p:nvSpPr>
+          <p:cNvPr id="2" name="Titel 1">
+            <a:extLst>
+              <a:ext uri="{FF2B5EF4-FFF2-40B4-BE49-F238E27FC236}">
+                <a16:creationId xmlns:a16="http://schemas.microsoft.com/office/drawing/2014/main" id="{A7CA13FE-7A13-4ED3-8196-74CAF963149C}"/>
+              </a:ext>
+            </a:extLst>
+          </p:cNvPr>
+          <p:cNvSpPr>
+            <a:spLocks noGrp="1"/>
+          </p:cNvSpPr>
+          <p:nvPr>
+            <p:ph type="title"/>
+          </p:nvPr>
+        </p:nvSpPr>
+        <p:spPr/>
+        <p:txBody>
+          <a:bodyPr/>
+          <a:lstStyle/>
+          <a:p>
+            <a:r>
+              <a:rPr lang="en-GB" noProof="0" dirty="0"/>
+              <a:t>Hier </a:t>
+            </a:r>
+            <a:r>
+              <a:rPr lang="en-GB" noProof="0" dirty="0" err="1"/>
+              <a:t>steht</a:t>
+            </a:r>
+            <a:r>
+              <a:rPr lang="en-GB" noProof="0" dirty="0"/>
+              <a:t> der </a:t>
+            </a:r>
+            <a:r>
+              <a:rPr lang="en-GB" noProof="0" dirty="0" err="1"/>
+              <a:t>Folientitel</a:t>
+            </a:r>
+            <a:endParaRPr lang="en-GB" noProof="0" dirty="0"/>
+          </a:p>
+        </p:txBody>
+      </p:sp>
+      <p:sp>
+        <p:nvSpPr>
+          <p:cNvPr id="3" name="Inhaltsplatzhalter 2">
+            <a:extLst>
+              <a:ext uri="{FF2B5EF4-FFF2-40B4-BE49-F238E27FC236}">
+                <a16:creationId xmlns:a16="http://schemas.microsoft.com/office/drawing/2014/main" id="{E7FD6150-4476-428E-BB61-724E0142D925}"/>
+              </a:ext>
+            </a:extLst>
+          </p:cNvPr>
+          <p:cNvSpPr>
+            <a:spLocks noGrp="1"/>
+          </p:cNvSpPr>
+          <p:nvPr>
+            <p:ph idx="1"/>
+          </p:nvPr>
+        </p:nvSpPr>
+        <p:spPr/>
+        <p:txBody>
+          <a:bodyPr/>
+          <a:lstStyle/>
+          <a:p>
             <a:r>
               <a:rPr lang="en-GB" noProof="0" dirty="0"/>
               <a:t>Titel der </a:t>
@@ -22000,7 +22403,7 @@
             <p:ph type="tbl" sz="quarter" idx="13"/>
             <p:extLst>
               <p:ext uri="{D42A27DB-BD31-4B8C-83A1-F6EECF244321}">
-                <p14:modId xmlns:p14="http://schemas.microsoft.com/office/powerpoint/2010/main" val="3383696258"/>
+                <p14:modId xmlns:p14="http://schemas.microsoft.com/office/powerpoint/2010/main" val="3846199686"/>
               </p:ext>
             </p:extLst>
           </p:nvPr>
@@ -23397,7 +23800,7 @@
           <a:p>
             <a:fld id="{5ACA52AF-F19D-405C-AD5F-7D94B96A5CC3}" type="slidenum">
               <a:rPr lang="en-GB" noProof="0" smtClean="0"/>
-              <a:t>26</a:t>
+              <a:t>27</a:t>
             </a:fld>
             <a:endParaRPr lang="en-GB" noProof="0" dirty="0"/>
           </a:p>
@@ -24220,8 +24623,8 @@
           </a:p>
         </p:txBody>
       </p:sp>
-      <mc:AlternateContent xmlns:mc="http://schemas.openxmlformats.org/markup-compatibility/2006">
-        <mc:Choice xmlns:a14="http://schemas.microsoft.com/office/drawing/2010/main" Requires="a14">
+      <mc:AlternateContent xmlns:mc="http://schemas.openxmlformats.org/markup-compatibility/2006" xmlns:a14="http://schemas.microsoft.com/office/drawing/2010/main">
+        <mc:Choice Requires="a14">
           <p:sp>
             <p:nvSpPr>
               <p:cNvPr id="3" name="Inhaltsplatzhalter 2">
@@ -24444,7 +24847,7 @@
             </p:txBody>
           </p:sp>
         </mc:Choice>
-        <mc:Fallback>
+        <mc:Fallback xmlns="">
           <p:sp>
             <p:nvSpPr>
               <p:cNvPr id="3" name="Inhaltsplatzhalter 2">
@@ -25126,8 +25529,16 @@
           <a:lstStyle/>
           <a:p>
             <a:r>
+              <a:rPr lang="en-GB" dirty="0"/>
+              <a:t>Results: N</a:t>
+            </a:r>
+            <a:r>
+              <a:rPr lang="en-GB" noProof="0" dirty="0" err="1"/>
+              <a:t>aïve</a:t>
+            </a:r>
+            <a:r>
               <a:rPr lang="en-GB" noProof="0" dirty="0"/>
-              <a:t>Performance of the naïve Algorithm</a:t>
+              <a:t> Algorithm</a:t>
             </a:r>
           </a:p>
         </p:txBody>
@@ -27917,7 +28328,7 @@
           <a:p>
             <a:r>
               <a:rPr lang="en-GB" noProof="0" dirty="0"/>
-              <a:t>Performance of </a:t>
+              <a:t>Results: </a:t>
             </a:r>
             <a:r>
               <a:rPr lang="en-GB" noProof="0" dirty="0" err="1"/>

--- a/ProjectPresentation_asadikovic_jlyrer.pptx
+++ b/ProjectPresentation_asadikovic_jlyrer.pptx
@@ -5,10 +5,10 @@
     <p:sldMasterId id="2147483648" r:id="rId1"/>
   </p:sldMasterIdLst>
   <p:notesMasterIdLst>
-    <p:notesMasterId r:id="rId32"/>
+    <p:notesMasterId r:id="rId30"/>
   </p:notesMasterIdLst>
   <p:handoutMasterIdLst>
-    <p:handoutMasterId r:id="rId33"/>
+    <p:handoutMasterId r:id="rId31"/>
   </p:handoutMasterIdLst>
   <p:sldIdLst>
     <p:sldId id="256" r:id="rId2"/>
@@ -18,29 +18,27 @@
     <p:sldId id="302" r:id="rId6"/>
     <p:sldId id="277" r:id="rId7"/>
     <p:sldId id="303" r:id="rId8"/>
-    <p:sldId id="301" r:id="rId9"/>
-    <p:sldId id="284" r:id="rId10"/>
-    <p:sldId id="292" r:id="rId11"/>
-    <p:sldId id="293" r:id="rId12"/>
-    <p:sldId id="294" r:id="rId13"/>
-    <p:sldId id="295" r:id="rId14"/>
-    <p:sldId id="296" r:id="rId15"/>
-    <p:sldId id="299" r:id="rId16"/>
-    <p:sldId id="298" r:id="rId17"/>
-    <p:sldId id="300" r:id="rId18"/>
-    <p:sldId id="290" r:id="rId19"/>
-    <p:sldId id="291" r:id="rId20"/>
-    <p:sldId id="282" r:id="rId21"/>
-    <p:sldId id="285" r:id="rId22"/>
-    <p:sldId id="286" r:id="rId23"/>
-    <p:sldId id="263" r:id="rId24"/>
-    <p:sldId id="265" r:id="rId25"/>
-    <p:sldId id="267" r:id="rId26"/>
-    <p:sldId id="262" r:id="rId27"/>
-    <p:sldId id="271" r:id="rId28"/>
-    <p:sldId id="272" r:id="rId29"/>
-    <p:sldId id="273" r:id="rId30"/>
-    <p:sldId id="274" r:id="rId31"/>
+    <p:sldId id="284" r:id="rId9"/>
+    <p:sldId id="292" r:id="rId10"/>
+    <p:sldId id="293" r:id="rId11"/>
+    <p:sldId id="294" r:id="rId12"/>
+    <p:sldId id="295" r:id="rId13"/>
+    <p:sldId id="304" r:id="rId14"/>
+    <p:sldId id="299" r:id="rId15"/>
+    <p:sldId id="298" r:id="rId16"/>
+    <p:sldId id="300" r:id="rId17"/>
+    <p:sldId id="290" r:id="rId18"/>
+    <p:sldId id="282" r:id="rId19"/>
+    <p:sldId id="285" r:id="rId20"/>
+    <p:sldId id="286" r:id="rId21"/>
+    <p:sldId id="263" r:id="rId22"/>
+    <p:sldId id="265" r:id="rId23"/>
+    <p:sldId id="267" r:id="rId24"/>
+    <p:sldId id="262" r:id="rId25"/>
+    <p:sldId id="271" r:id="rId26"/>
+    <p:sldId id="272" r:id="rId27"/>
+    <p:sldId id="273" r:id="rId28"/>
+    <p:sldId id="274" r:id="rId29"/>
   </p:sldIdLst>
   <p:sldSz cx="12192000" cy="6858000"/>
   <p:notesSz cx="6858000" cy="9144000"/>
@@ -162,6 +160,611 @@
 </file>
 
 <file path=ppt/charts/chart1.xml><?xml version="1.0" encoding="utf-8"?>
+<c:chartSpace xmlns:c="http://schemas.openxmlformats.org/drawingml/2006/chart" xmlns:a="http://schemas.openxmlformats.org/drawingml/2006/main" xmlns:r="http://schemas.openxmlformats.org/officeDocument/2006/relationships" xmlns:c16r2="http://schemas.microsoft.com/office/drawing/2015/06/chart">
+  <c:date1904 val="0"/>
+  <c:lang val="de-DE"/>
+  <c:roundedCorners val="0"/>
+  <mc:AlternateContent xmlns:mc="http://schemas.openxmlformats.org/markup-compatibility/2006">
+    <mc:Choice xmlns:c14="http://schemas.microsoft.com/office/drawing/2007/8/2/chart" Requires="c14">
+      <c14:style val="102"/>
+    </mc:Choice>
+    <mc:Fallback>
+      <c:style val="2"/>
+    </mc:Fallback>
+  </mc:AlternateContent>
+  <c:chart>
+    <c:title>
+      <c:tx>
+        <c:rich>
+          <a:bodyPr rot="0" spcFirstLastPara="1" vertOverflow="ellipsis" vert="horz" wrap="square" anchor="ctr" anchorCtr="1"/>
+          <a:lstStyle/>
+          <a:p>
+            <a:pPr>
+              <a:defRPr sz="1600" b="1" i="0" u="none" strike="noStrike" kern="1200" cap="all" spc="120" normalizeH="0" baseline="0">
+                <a:solidFill>
+                  <a:schemeClr val="tx1">
+                    <a:lumMod val="65000"/>
+                    <a:lumOff val="35000"/>
+                  </a:schemeClr>
+                </a:solidFill>
+                <a:latin typeface="+mn-lt"/>
+                <a:ea typeface="+mn-ea"/>
+                <a:cs typeface="+mn-cs"/>
+              </a:defRPr>
+            </a:pPr>
+            <a:r>
+              <a:rPr lang="de-CH"/>
+              <a:t>Runtime</a:t>
+            </a:r>
+            <a:r>
+              <a:rPr lang="de-CH" baseline="0"/>
+              <a:t> per round divided by avg runtime of Algo</a:t>
+            </a:r>
+            <a:endParaRPr lang="de-CH"/>
+          </a:p>
+        </c:rich>
+      </c:tx>
+      <c:overlay val="0"/>
+      <c:spPr>
+        <a:noFill/>
+        <a:ln>
+          <a:noFill/>
+        </a:ln>
+        <a:effectLst/>
+      </c:spPr>
+      <c:txPr>
+        <a:bodyPr rot="0" spcFirstLastPara="1" vertOverflow="ellipsis" vert="horz" wrap="square" anchor="ctr" anchorCtr="1"/>
+        <a:lstStyle/>
+        <a:p>
+          <a:pPr>
+            <a:defRPr sz="1600" b="1" i="0" u="none" strike="noStrike" kern="1200" cap="all" spc="120" normalizeH="0" baseline="0">
+              <a:solidFill>
+                <a:schemeClr val="tx1">
+                  <a:lumMod val="65000"/>
+                  <a:lumOff val="35000"/>
+                </a:schemeClr>
+              </a:solidFill>
+              <a:latin typeface="+mn-lt"/>
+              <a:ea typeface="+mn-ea"/>
+              <a:cs typeface="+mn-cs"/>
+            </a:defRPr>
+          </a:pPr>
+          <a:endParaRPr lang="de-CH"/>
+        </a:p>
+      </c:txPr>
+    </c:title>
+    <c:autoTitleDeleted val="0"/>
+    <c:plotArea>
+      <c:layout/>
+      <c:lineChart>
+        <c:grouping val="standard"/>
+        <c:varyColors val="0"/>
+        <c:ser>
+          <c:idx val="0"/>
+          <c:order val="0"/>
+          <c:tx>
+            <c:strRef>
+              <c:f>Tabelle1!$A$40</c:f>
+              <c:strCache>
+                <c:ptCount val="1"/>
+                <c:pt idx="0">
+                  <c:v>Naive Algorithm</c:v>
+                </c:pt>
+              </c:strCache>
+            </c:strRef>
+          </c:tx>
+          <c:spPr>
+            <a:ln w="22225" cap="rnd">
+              <a:solidFill>
+                <a:schemeClr val="accent1"/>
+              </a:solidFill>
+              <a:round/>
+            </a:ln>
+            <a:effectLst/>
+          </c:spPr>
+          <c:marker>
+            <c:symbol val="diamond"/>
+            <c:size val="6"/>
+            <c:spPr>
+              <a:solidFill>
+                <a:schemeClr val="accent1"/>
+              </a:solidFill>
+              <a:ln w="9525">
+                <a:solidFill>
+                  <a:schemeClr val="accent1"/>
+                </a:solidFill>
+                <a:round/>
+              </a:ln>
+              <a:effectLst/>
+            </c:spPr>
+          </c:marker>
+          <c:val>
+            <c:numRef>
+              <c:f>Tabelle1!$B$40:$S$40</c:f>
+              <c:numCache>
+                <c:formatCode>General</c:formatCode>
+                <c:ptCount val="18"/>
+                <c:pt idx="0">
+                  <c:v>0</c:v>
+                </c:pt>
+                <c:pt idx="1">
+                  <c:v>0.32389796093858925</c:v>
+                </c:pt>
+                <c:pt idx="2">
+                  <c:v>0.38204890471699404</c:v>
+                </c:pt>
+                <c:pt idx="3">
+                  <c:v>0.47578930760481475</c:v>
+                </c:pt>
+                <c:pt idx="4">
+                  <c:v>0.53595368760745254</c:v>
+                </c:pt>
+                <c:pt idx="5">
+                  <c:v>0.69568627043503584</c:v>
+                </c:pt>
+                <c:pt idx="6">
+                  <c:v>0.79850890341065395</c:v>
+                </c:pt>
+                <c:pt idx="7">
+                  <c:v>0.93726207198224243</c:v>
+                </c:pt>
+                <c:pt idx="8">
+                  <c:v>0.95800022227502146</c:v>
+                </c:pt>
+                <c:pt idx="9">
+                  <c:v>1.0580059158984432</c:v>
+                </c:pt>
+                <c:pt idx="10">
+                  <c:v>1.2285206543081673</c:v>
+                </c:pt>
+                <c:pt idx="11">
+                  <c:v>1.4162933471503047</c:v>
+                </c:pt>
+                <c:pt idx="12">
+                  <c:v>1.3326945595295969</c:v>
+                </c:pt>
+                <c:pt idx="13">
+                  <c:v>1.6292270113597365</c:v>
+                </c:pt>
+                <c:pt idx="14">
+                  <c:v>1.6326847608255877</c:v>
+                </c:pt>
+                <c:pt idx="15">
+                  <c:v>1.6921509420691005</c:v>
+                </c:pt>
+                <c:pt idx="16">
+                  <c:v>1.95435856654865</c:v>
+                </c:pt>
+                <c:pt idx="17">
+                  <c:v>0.94891691333963113</c:v>
+                </c:pt>
+              </c:numCache>
+            </c:numRef>
+          </c:val>
+          <c:smooth val="0"/>
+          <c:extLst>
+            <c:ext xmlns:c16="http://schemas.microsoft.com/office/drawing/2014/chart" uri="{C3380CC4-5D6E-409C-BE32-E72D297353CC}">
+              <c16:uniqueId val="{00000000-1478-437E-9AB1-93028409757A}"/>
+            </c:ext>
+          </c:extLst>
+        </c:ser>
+        <c:ser>
+          <c:idx val="1"/>
+          <c:order val="1"/>
+          <c:tx>
+            <c:strRef>
+              <c:f>Tabelle1!$A$41</c:f>
+              <c:strCache>
+                <c:ptCount val="1"/>
+                <c:pt idx="0">
+                  <c:v>DrawAnalyzer Depth1</c:v>
+                </c:pt>
+              </c:strCache>
+            </c:strRef>
+          </c:tx>
+          <c:spPr>
+            <a:ln w="22225" cap="rnd">
+              <a:solidFill>
+                <a:schemeClr val="accent2"/>
+              </a:solidFill>
+              <a:round/>
+            </a:ln>
+            <a:effectLst/>
+          </c:spPr>
+          <c:marker>
+            <c:symbol val="square"/>
+            <c:size val="6"/>
+            <c:spPr>
+              <a:solidFill>
+                <a:schemeClr val="accent2"/>
+              </a:solidFill>
+              <a:ln w="9525">
+                <a:solidFill>
+                  <a:schemeClr val="accent2"/>
+                </a:solidFill>
+                <a:round/>
+              </a:ln>
+              <a:effectLst/>
+            </c:spPr>
+          </c:marker>
+          <c:val>
+            <c:numRef>
+              <c:f>Tabelle1!$B$41:$S$41</c:f>
+              <c:numCache>
+                <c:formatCode>0.00E+00</c:formatCode>
+                <c:ptCount val="18"/>
+                <c:pt idx="0">
+                  <c:v>3.7774880472386075E-5</c:v>
+                </c:pt>
+                <c:pt idx="1">
+                  <c:v>8.1976016635954219E-2</c:v>
+                </c:pt>
+                <c:pt idx="2">
+                  <c:v>0.14171919780271811</c:v>
+                </c:pt>
+                <c:pt idx="3">
+                  <c:v>0.26193627443164985</c:v>
+                </c:pt>
+                <c:pt idx="4">
+                  <c:v>0.37296881197740306</c:v>
+                </c:pt>
+                <c:pt idx="5">
+                  <c:v>0.52063933047022026</c:v>
+                </c:pt>
+                <c:pt idx="6">
+                  <c:v>0.70645211632022109</c:v>
+                </c:pt>
+                <c:pt idx="7">
+                  <c:v>0.86903951837703342</c:v>
+                </c:pt>
+                <c:pt idx="8">
+                  <c:v>1.0703601159161655</c:v>
+                </c:pt>
+                <c:pt idx="9">
+                  <c:v>1.2516262495533619</c:v>
+                </c:pt>
+                <c:pt idx="10">
+                  <c:v>1.4215366089989476</c:v>
+                </c:pt>
+                <c:pt idx="11">
+                  <c:v>1.4701837920149146</c:v>
+                </c:pt>
+                <c:pt idx="12">
+                  <c:v>1.6246033009589973</c:v>
+                </c:pt>
+                <c:pt idx="13">
+                  <c:v>1.6465435767013883</c:v>
+                </c:pt>
+                <c:pt idx="14">
+                  <c:v>1.7493337907953272</c:v>
+                </c:pt>
+                <c:pt idx="15">
+                  <c:v>1.8466068597868461</c:v>
+                </c:pt>
+                <c:pt idx="16">
+                  <c:v>2.0362804587226426</c:v>
+                </c:pt>
+                <c:pt idx="17">
+                  <c:v>0.928156205655713</c:v>
+                </c:pt>
+              </c:numCache>
+            </c:numRef>
+          </c:val>
+          <c:smooth val="0"/>
+          <c:extLst>
+            <c:ext xmlns:c16="http://schemas.microsoft.com/office/drawing/2014/chart" uri="{C3380CC4-5D6E-409C-BE32-E72D297353CC}">
+              <c16:uniqueId val="{00000001-1478-437E-9AB1-93028409757A}"/>
+            </c:ext>
+          </c:extLst>
+        </c:ser>
+        <c:ser>
+          <c:idx val="2"/>
+          <c:order val="2"/>
+          <c:tx>
+            <c:strRef>
+              <c:f>Tabelle1!$A$42</c:f>
+              <c:strCache>
+                <c:ptCount val="1"/>
+                <c:pt idx="0">
+                  <c:v>DrawAnalyzer Depth2</c:v>
+                </c:pt>
+              </c:strCache>
+            </c:strRef>
+          </c:tx>
+          <c:spPr>
+            <a:ln w="22225" cap="rnd">
+              <a:solidFill>
+                <a:schemeClr val="accent3"/>
+              </a:solidFill>
+              <a:round/>
+            </a:ln>
+            <a:effectLst/>
+          </c:spPr>
+          <c:marker>
+            <c:symbol val="triangle"/>
+            <c:size val="6"/>
+            <c:spPr>
+              <a:solidFill>
+                <a:schemeClr val="accent3"/>
+              </a:solidFill>
+              <a:ln w="9525">
+                <a:solidFill>
+                  <a:schemeClr val="accent3"/>
+                </a:solidFill>
+                <a:round/>
+              </a:ln>
+              <a:effectLst/>
+            </c:spPr>
+          </c:marker>
+          <c:val>
+            <c:numRef>
+              <c:f>Tabelle1!$B$42:$S$42</c:f>
+              <c:numCache>
+                <c:formatCode>General</c:formatCode>
+                <c:ptCount val="18"/>
+                <c:pt idx="0">
+                  <c:v>2.7031068824703213E-4</c:v>
+                </c:pt>
+                <c:pt idx="1">
+                  <c:v>7.1219111377717123E-2</c:v>
+                </c:pt>
+                <c:pt idx="2">
+                  <c:v>0.1517306826278883</c:v>
+                </c:pt>
+                <c:pt idx="3">
+                  <c:v>0.21965763698775723</c:v>
+                </c:pt>
+                <c:pt idx="4">
+                  <c:v>0.40768070040553683</c:v>
+                </c:pt>
+                <c:pt idx="5">
+                  <c:v>0.66744233375764461</c:v>
+                </c:pt>
+                <c:pt idx="6">
+                  <c:v>0.85487393111841814</c:v>
+                </c:pt>
+                <c:pt idx="7">
+                  <c:v>1.143023568800241</c:v>
+                </c:pt>
+                <c:pt idx="8">
+                  <c:v>1.1789767968152987</c:v>
+                </c:pt>
+                <c:pt idx="9">
+                  <c:v>1.4443463996921997</c:v>
+                </c:pt>
+                <c:pt idx="10">
+                  <c:v>1.4301501005580433</c:v>
+                </c:pt>
+                <c:pt idx="11">
+                  <c:v>1.7026318227620392</c:v>
+                </c:pt>
+                <c:pt idx="12">
+                  <c:v>1.6836221494700661</c:v>
+                </c:pt>
+                <c:pt idx="13">
+                  <c:v>1.9608037053066194</c:v>
+                </c:pt>
+                <c:pt idx="14">
+                  <c:v>2.3551638222469644</c:v>
+                </c:pt>
+                <c:pt idx="15">
+                  <c:v>1.5958542098550887</c:v>
+                </c:pt>
+                <c:pt idx="16">
+                  <c:v>1.0980132303532262</c:v>
+                </c:pt>
+                <c:pt idx="17">
+                  <c:v>3.4539487177118335E-2</c:v>
+                </c:pt>
+              </c:numCache>
+            </c:numRef>
+          </c:val>
+          <c:smooth val="0"/>
+          <c:extLst>
+            <c:ext xmlns:c16="http://schemas.microsoft.com/office/drawing/2014/chart" uri="{C3380CC4-5D6E-409C-BE32-E72D297353CC}">
+              <c16:uniqueId val="{00000002-1478-437E-9AB1-93028409757A}"/>
+            </c:ext>
+          </c:extLst>
+        </c:ser>
+        <c:dLbls>
+          <c:showLegendKey val="0"/>
+          <c:showVal val="0"/>
+          <c:showCatName val="0"/>
+          <c:showSerName val="0"/>
+          <c:showPercent val="0"/>
+          <c:showBubbleSize val="0"/>
+        </c:dLbls>
+        <c:marker val="1"/>
+        <c:smooth val="0"/>
+        <c:axId val="1959897151"/>
+        <c:axId val="1959882751"/>
+      </c:lineChart>
+      <c:catAx>
+        <c:axId val="1959897151"/>
+        <c:scaling>
+          <c:orientation val="minMax"/>
+        </c:scaling>
+        <c:delete val="0"/>
+        <c:axPos val="b"/>
+        <c:majorGridlines>
+          <c:spPr>
+            <a:ln w="9525" cap="flat" cmpd="sng" algn="ctr">
+              <a:solidFill>
+                <a:schemeClr val="tx1">
+                  <a:lumMod val="15000"/>
+                  <a:lumOff val="85000"/>
+                </a:schemeClr>
+              </a:solidFill>
+              <a:round/>
+            </a:ln>
+            <a:effectLst/>
+          </c:spPr>
+        </c:majorGridlines>
+        <c:majorTickMark val="none"/>
+        <c:minorTickMark val="none"/>
+        <c:tickLblPos val="nextTo"/>
+        <c:spPr>
+          <a:noFill/>
+          <a:ln w="9525" cap="flat" cmpd="sng" algn="ctr">
+            <a:solidFill>
+              <a:schemeClr val="tx1">
+                <a:lumMod val="15000"/>
+                <a:lumOff val="85000"/>
+              </a:schemeClr>
+            </a:solidFill>
+            <a:round/>
+          </a:ln>
+          <a:effectLst/>
+        </c:spPr>
+        <c:txPr>
+          <a:bodyPr rot="-60000000" spcFirstLastPara="1" vertOverflow="ellipsis" vert="horz" wrap="square" anchor="ctr" anchorCtr="1"/>
+          <a:lstStyle/>
+          <a:p>
+            <a:pPr>
+              <a:defRPr sz="800" b="0" i="0" u="none" strike="noStrike" kern="1200" cap="all" spc="120" normalizeH="0" baseline="0">
+                <a:solidFill>
+                  <a:schemeClr val="tx1">
+                    <a:lumMod val="65000"/>
+                    <a:lumOff val="35000"/>
+                  </a:schemeClr>
+                </a:solidFill>
+                <a:latin typeface="+mn-lt"/>
+                <a:ea typeface="+mn-ea"/>
+                <a:cs typeface="+mn-cs"/>
+              </a:defRPr>
+            </a:pPr>
+            <a:endParaRPr lang="de-DE"/>
+          </a:p>
+        </c:txPr>
+        <c:crossAx val="1959882751"/>
+        <c:crosses val="autoZero"/>
+        <c:auto val="1"/>
+        <c:lblAlgn val="ctr"/>
+        <c:lblOffset val="100"/>
+        <c:noMultiLvlLbl val="0"/>
+      </c:catAx>
+      <c:valAx>
+        <c:axId val="1959882751"/>
+        <c:scaling>
+          <c:orientation val="minMax"/>
+        </c:scaling>
+        <c:delete val="0"/>
+        <c:axPos val="l"/>
+        <c:numFmt formatCode="General" sourceLinked="1"/>
+        <c:majorTickMark val="none"/>
+        <c:minorTickMark val="none"/>
+        <c:tickLblPos val="nextTo"/>
+        <c:spPr>
+          <a:noFill/>
+          <a:ln w="9525" cap="flat" cmpd="sng" algn="ctr">
+            <a:solidFill>
+              <a:schemeClr val="dk1">
+                <a:lumMod val="15000"/>
+                <a:lumOff val="85000"/>
+              </a:schemeClr>
+            </a:solidFill>
+            <a:round/>
+          </a:ln>
+          <a:effectLst/>
+        </c:spPr>
+        <c:txPr>
+          <a:bodyPr rot="-60000000" spcFirstLastPara="1" vertOverflow="ellipsis" vert="horz" wrap="square" anchor="ctr" anchorCtr="1"/>
+          <a:lstStyle/>
+          <a:p>
+            <a:pPr>
+              <a:defRPr sz="900" b="0" i="0" u="none" strike="noStrike" kern="1200" baseline="0">
+                <a:solidFill>
+                  <a:schemeClr val="tx1">
+                    <a:lumMod val="65000"/>
+                    <a:lumOff val="35000"/>
+                  </a:schemeClr>
+                </a:solidFill>
+                <a:latin typeface="+mn-lt"/>
+                <a:ea typeface="+mn-ea"/>
+                <a:cs typeface="+mn-cs"/>
+              </a:defRPr>
+            </a:pPr>
+            <a:endParaRPr lang="de-DE"/>
+          </a:p>
+        </c:txPr>
+        <c:crossAx val="1959897151"/>
+        <c:crosses val="autoZero"/>
+        <c:crossBetween val="between"/>
+      </c:valAx>
+      <c:spPr>
+        <a:noFill/>
+        <a:ln>
+          <a:noFill/>
+        </a:ln>
+        <a:effectLst/>
+      </c:spPr>
+    </c:plotArea>
+    <c:legend>
+      <c:legendPos val="t"/>
+      <c:overlay val="0"/>
+      <c:spPr>
+        <a:noFill/>
+        <a:ln>
+          <a:noFill/>
+        </a:ln>
+        <a:effectLst/>
+      </c:spPr>
+      <c:txPr>
+        <a:bodyPr rot="0" spcFirstLastPara="1" vertOverflow="ellipsis" vert="horz" wrap="square" anchor="ctr" anchorCtr="1"/>
+        <a:lstStyle/>
+        <a:p>
+          <a:pPr>
+            <a:defRPr sz="900" b="0" i="0" u="none" strike="noStrike" kern="1200" baseline="0">
+              <a:solidFill>
+                <a:schemeClr val="tx1">
+                  <a:lumMod val="65000"/>
+                  <a:lumOff val="35000"/>
+                </a:schemeClr>
+              </a:solidFill>
+              <a:latin typeface="+mn-lt"/>
+              <a:ea typeface="+mn-ea"/>
+              <a:cs typeface="+mn-cs"/>
+            </a:defRPr>
+          </a:pPr>
+          <a:endParaRPr lang="de-DE"/>
+        </a:p>
+      </c:txPr>
+    </c:legend>
+    <c:plotVisOnly val="1"/>
+    <c:dispBlanksAs val="gap"/>
+    <c:extLst>
+      <c:ext xmlns:c16r3="http://schemas.microsoft.com/office/drawing/2017/03/chart" uri="{56B9EC1D-385E-4148-901F-78D8002777C0}">
+        <c16r3:dataDisplayOptions16>
+          <c16r3:dispNaAsBlank val="1"/>
+        </c16r3:dataDisplayOptions16>
+      </c:ext>
+    </c:extLst>
+    <c:showDLblsOverMax val="0"/>
+  </c:chart>
+  <c:spPr>
+    <a:noFill/>
+    <a:ln>
+      <a:noFill/>
+    </a:ln>
+    <a:effectLst/>
+  </c:spPr>
+  <c:txPr>
+    <a:bodyPr/>
+    <a:lstStyle/>
+    <a:p>
+      <a:pPr>
+        <a:defRPr/>
+      </a:pPr>
+      <a:endParaRPr lang="de-DE"/>
+    </a:p>
+  </c:txPr>
+  <c:externalData r:id="rId3">
+    <c:autoUpdate val="0"/>
+  </c:externalData>
+</c:chartSpace>
+</file>
+
+<file path=ppt/charts/chart2.xml><?xml version="1.0" encoding="utf-8"?>
 <c:chartSpace xmlns:c="http://schemas.openxmlformats.org/drawingml/2006/chart" xmlns:a="http://schemas.openxmlformats.org/drawingml/2006/main" xmlns:r="http://schemas.openxmlformats.org/officeDocument/2006/relationships" xmlns:c16r2="http://schemas.microsoft.com/office/drawing/2015/06/chart">
   <c:date1904 val="0"/>
   <c:lang val="de-DE"/>
@@ -761,7 +1364,7 @@
 </c:chartSpace>
 </file>
 
-<file path=ppt/charts/chart2.xml><?xml version="1.0" encoding="utf-8"?>
+<file path=ppt/charts/chart3.xml><?xml version="1.0" encoding="utf-8"?>
 <c:chartSpace xmlns:c="http://schemas.openxmlformats.org/drawingml/2006/chart" xmlns:a="http://schemas.openxmlformats.org/drawingml/2006/main" xmlns:r="http://schemas.openxmlformats.org/officeDocument/2006/relationships" xmlns:c16r2="http://schemas.microsoft.com/office/drawing/2015/06/chart">
   <c:date1904 val="0"/>
   <c:lang val="de-DE"/>
@@ -1361,7 +1964,7 @@
 </c:chartSpace>
 </file>
 
-<file path=ppt/charts/chart3.xml><?xml version="1.0" encoding="utf-8"?>
+<file path=ppt/charts/chart4.xml><?xml version="1.0" encoding="utf-8"?>
 <c:chartSpace xmlns:c="http://schemas.openxmlformats.org/drawingml/2006/chart" xmlns:a="http://schemas.openxmlformats.org/drawingml/2006/main" xmlns:r="http://schemas.openxmlformats.org/officeDocument/2006/relationships" xmlns:c16r2="http://schemas.microsoft.com/office/drawing/2015/06/chart">
   <c:date1904 val="0"/>
   <c:lang val="de-DE"/>
@@ -1967,10 +2570,13 @@
 </file>
 
 <file path=ppt/charts/colors1.xml><?xml version="1.0" encoding="utf-8"?>
-<cs:colorStyle xmlns:cs="http://schemas.microsoft.com/office/drawing/2012/chartStyle" xmlns:a="http://schemas.openxmlformats.org/drawingml/2006/main" meth="cycle" id="11">
+<cs:colorStyle xmlns:cs="http://schemas.microsoft.com/office/drawing/2012/chartStyle" xmlns:a="http://schemas.openxmlformats.org/drawingml/2006/main" meth="cycle" id="10">
   <a:schemeClr val="accent1"/>
+  <a:schemeClr val="accent2"/>
   <a:schemeClr val="accent3"/>
+  <a:schemeClr val="accent4"/>
   <a:schemeClr val="accent5"/>
+  <a:schemeClr val="accent6"/>
   <cs:variation/>
   <cs:variation>
     <a:lumMod val="60000"/>
@@ -2041,6 +2647,43 @@
 </file>
 
 <file path=ppt/charts/colors3.xml><?xml version="1.0" encoding="utf-8"?>
+<cs:colorStyle xmlns:cs="http://schemas.microsoft.com/office/drawing/2012/chartStyle" xmlns:a="http://schemas.openxmlformats.org/drawingml/2006/main" meth="cycle" id="11">
+  <a:schemeClr val="accent1"/>
+  <a:schemeClr val="accent3"/>
+  <a:schemeClr val="accent5"/>
+  <cs:variation/>
+  <cs:variation>
+    <a:lumMod val="60000"/>
+  </cs:variation>
+  <cs:variation>
+    <a:lumMod val="80000"/>
+    <a:lumOff val="20000"/>
+  </cs:variation>
+  <cs:variation>
+    <a:lumMod val="80000"/>
+  </cs:variation>
+  <cs:variation>
+    <a:lumMod val="60000"/>
+    <a:lumOff val="40000"/>
+  </cs:variation>
+  <cs:variation>
+    <a:lumMod val="50000"/>
+  </cs:variation>
+  <cs:variation>
+    <a:lumMod val="70000"/>
+    <a:lumOff val="30000"/>
+  </cs:variation>
+  <cs:variation>
+    <a:lumMod val="70000"/>
+  </cs:variation>
+  <cs:variation>
+    <a:lumMod val="50000"/>
+    <a:lumOff val="50000"/>
+  </cs:variation>
+</cs:colorStyle>
+</file>
+
+<file path=ppt/charts/colors4.xml><?xml version="1.0" encoding="utf-8"?>
 <cs:colorStyle xmlns:cs="http://schemas.microsoft.com/office/drawing/2012/chartStyle" xmlns:a="http://schemas.openxmlformats.org/drawingml/2006/main" meth="cycle" id="11">
   <a:schemeClr val="accent1"/>
   <a:schemeClr val="accent3"/>
@@ -3120,6 +3763,527 @@
 </file>
 
 <file path=ppt/charts/style3.xml><?xml version="1.0" encoding="utf-8"?>
+<cs:chartStyle xmlns:cs="http://schemas.microsoft.com/office/drawing/2012/chartStyle" xmlns:a="http://schemas.openxmlformats.org/drawingml/2006/main" id="239">
+  <cs:axisTitle>
+    <cs:lnRef idx="0"/>
+    <cs:fillRef idx="0"/>
+    <cs:effectRef idx="0"/>
+    <cs:fontRef idx="minor">
+      <a:schemeClr val="tx1">
+        <a:lumMod val="65000"/>
+        <a:lumOff val="35000"/>
+      </a:schemeClr>
+    </cs:fontRef>
+    <cs:defRPr sz="900" kern="1200" cap="all"/>
+  </cs:axisTitle>
+  <cs:categoryAxis>
+    <cs:lnRef idx="0"/>
+    <cs:fillRef idx="0"/>
+    <cs:effectRef idx="0"/>
+    <cs:fontRef idx="minor">
+      <a:schemeClr val="tx1">
+        <a:lumMod val="65000"/>
+        <a:lumOff val="35000"/>
+      </a:schemeClr>
+    </cs:fontRef>
+    <cs:spPr>
+      <a:ln w="9525" cap="flat" cmpd="sng" algn="ctr">
+        <a:solidFill>
+          <a:schemeClr val="tx1">
+            <a:lumMod val="15000"/>
+            <a:lumOff val="85000"/>
+          </a:schemeClr>
+        </a:solidFill>
+        <a:round/>
+      </a:ln>
+    </cs:spPr>
+    <cs:defRPr sz="800" kern="1200" cap="all" spc="120" normalizeH="0" baseline="0"/>
+  </cs:categoryAxis>
+  <cs:chartArea mods="allowNoFillOverride allowNoLineOverride">
+    <cs:lnRef idx="0"/>
+    <cs:fillRef idx="0"/>
+    <cs:effectRef idx="0"/>
+    <cs:fontRef idx="minor">
+      <a:schemeClr val="dk1"/>
+    </cs:fontRef>
+    <cs:spPr>
+      <a:solidFill>
+        <a:schemeClr val="lt1"/>
+      </a:solidFill>
+      <a:ln w="9525" cap="flat" cmpd="sng" algn="ctr">
+        <a:solidFill>
+          <a:schemeClr val="tx1">
+            <a:lumMod val="15000"/>
+            <a:lumOff val="85000"/>
+          </a:schemeClr>
+        </a:solidFill>
+        <a:round/>
+      </a:ln>
+    </cs:spPr>
+    <cs:defRPr sz="900" kern="1200"/>
+  </cs:chartArea>
+  <cs:dataLabel>
+    <cs:lnRef idx="0"/>
+    <cs:fillRef idx="0"/>
+    <cs:effectRef idx="0"/>
+    <cs:fontRef idx="minor">
+      <a:schemeClr val="tx1">
+        <a:lumMod val="50000"/>
+        <a:lumOff val="50000"/>
+      </a:schemeClr>
+    </cs:fontRef>
+    <cs:defRPr sz="900" b="0" i="0" u="none" strike="noStrike" kern="1200" baseline="0"/>
+  </cs:dataLabel>
+  <cs:dataLabelCallout>
+    <cs:lnRef idx="0"/>
+    <cs:fillRef idx="0"/>
+    <cs:effectRef idx="0"/>
+    <cs:fontRef idx="minor">
+      <a:schemeClr val="dk1">
+        <a:lumMod val="65000"/>
+        <a:lumOff val="35000"/>
+      </a:schemeClr>
+    </cs:fontRef>
+    <cs:spPr>
+      <a:solidFill>
+        <a:schemeClr val="lt1"/>
+      </a:solidFill>
+      <a:ln>
+        <a:solidFill>
+          <a:schemeClr val="dk1">
+            <a:lumMod val="25000"/>
+            <a:lumOff val="75000"/>
+          </a:schemeClr>
+        </a:solidFill>
+      </a:ln>
+    </cs:spPr>
+    <cs:defRPr sz="900" kern="1200"/>
+    <cs:bodyPr rot="0" spcFirstLastPara="1" vertOverflow="clip" horzOverflow="clip" vert="horz" wrap="square" lIns="36576" tIns="18288" rIns="36576" bIns="18288" anchor="ctr" anchorCtr="1">
+      <a:spAutoFit/>
+    </cs:bodyPr>
+  </cs:dataLabelCallout>
+  <cs:dataPoint>
+    <cs:lnRef idx="0"/>
+    <cs:fillRef idx="0">
+      <cs:styleClr val="auto"/>
+    </cs:fillRef>
+    <cs:effectRef idx="0"/>
+    <cs:fontRef idx="minor">
+      <a:schemeClr val="dk1"/>
+    </cs:fontRef>
+    <cs:spPr>
+      <a:solidFill>
+        <a:schemeClr val="phClr"/>
+      </a:solidFill>
+    </cs:spPr>
+  </cs:dataPoint>
+  <cs:dataPoint3D>
+    <cs:lnRef idx="0"/>
+    <cs:fillRef idx="0">
+      <cs:styleClr val="auto"/>
+    </cs:fillRef>
+    <cs:effectRef idx="0"/>
+    <cs:fontRef idx="minor">
+      <a:schemeClr val="dk1"/>
+    </cs:fontRef>
+    <cs:spPr>
+      <a:solidFill>
+        <a:schemeClr val="phClr"/>
+      </a:solidFill>
+    </cs:spPr>
+  </cs:dataPoint3D>
+  <cs:dataPointLine>
+    <cs:lnRef idx="0">
+      <cs:styleClr val="auto"/>
+    </cs:lnRef>
+    <cs:fillRef idx="0"/>
+    <cs:effectRef idx="0"/>
+    <cs:fontRef idx="minor">
+      <a:schemeClr val="dk1"/>
+    </cs:fontRef>
+    <cs:spPr>
+      <a:ln w="22225" cap="rnd">
+        <a:solidFill>
+          <a:schemeClr val="phClr"/>
+        </a:solidFill>
+        <a:round/>
+      </a:ln>
+    </cs:spPr>
+  </cs:dataPointLine>
+  <cs:dataPointMarker>
+    <cs:lnRef idx="0">
+      <cs:styleClr val="auto"/>
+    </cs:lnRef>
+    <cs:fillRef idx="0">
+      <cs:styleClr val="auto"/>
+    </cs:fillRef>
+    <cs:effectRef idx="0"/>
+    <cs:fontRef idx="minor">
+      <a:schemeClr val="dk1"/>
+    </cs:fontRef>
+    <cs:spPr>
+      <a:solidFill>
+        <a:schemeClr val="phClr"/>
+      </a:solidFill>
+      <a:ln w="9525">
+        <a:solidFill>
+          <a:schemeClr val="phClr"/>
+        </a:solidFill>
+        <a:round/>
+      </a:ln>
+    </cs:spPr>
+  </cs:dataPointMarker>
+  <cs:dataPointMarkerLayout size="6"/>
+  <cs:dataPointWireframe>
+    <cs:lnRef idx="0">
+      <cs:styleClr val="auto"/>
+    </cs:lnRef>
+    <cs:fillRef idx="0"/>
+    <cs:effectRef idx="0"/>
+    <cs:fontRef idx="minor">
+      <a:schemeClr val="dk1"/>
+    </cs:fontRef>
+    <cs:spPr>
+      <a:ln w="9525" cap="rnd">
+        <a:solidFill>
+          <a:schemeClr val="phClr"/>
+        </a:solidFill>
+        <a:round/>
+      </a:ln>
+    </cs:spPr>
+  </cs:dataPointWireframe>
+  <cs:dataTable>
+    <cs:lnRef idx="0"/>
+    <cs:fillRef idx="0"/>
+    <cs:effectRef idx="0"/>
+    <cs:fontRef idx="minor">
+      <a:schemeClr val="tx1">
+        <a:lumMod val="65000"/>
+        <a:lumOff val="35000"/>
+      </a:schemeClr>
+    </cs:fontRef>
+    <cs:spPr>
+      <a:ln w="9525">
+        <a:solidFill>
+          <a:schemeClr val="tx1">
+            <a:lumMod val="15000"/>
+            <a:lumOff val="85000"/>
+          </a:schemeClr>
+        </a:solidFill>
+      </a:ln>
+    </cs:spPr>
+    <cs:defRPr sz="900" kern="1200"/>
+  </cs:dataTable>
+  <cs:downBar>
+    <cs:lnRef idx="0"/>
+    <cs:fillRef idx="0"/>
+    <cs:effectRef idx="0"/>
+    <cs:fontRef idx="minor">
+      <a:schemeClr val="dk1"/>
+    </cs:fontRef>
+    <cs:spPr>
+      <a:solidFill>
+        <a:schemeClr val="dk1">
+          <a:lumMod val="75000"/>
+          <a:lumOff val="25000"/>
+        </a:schemeClr>
+      </a:solidFill>
+      <a:ln w="9525">
+        <a:solidFill>
+          <a:schemeClr val="tx1">
+            <a:lumMod val="15000"/>
+            <a:lumOff val="85000"/>
+          </a:schemeClr>
+        </a:solidFill>
+      </a:ln>
+    </cs:spPr>
+  </cs:downBar>
+  <cs:dropLine>
+    <cs:lnRef idx="0"/>
+    <cs:fillRef idx="0"/>
+    <cs:effectRef idx="0"/>
+    <cs:fontRef idx="minor">
+      <a:schemeClr val="dk1"/>
+    </cs:fontRef>
+    <cs:spPr>
+      <a:ln w="9525">
+        <a:solidFill>
+          <a:schemeClr val="tx1">
+            <a:lumMod val="35000"/>
+            <a:lumOff val="65000"/>
+          </a:schemeClr>
+        </a:solidFill>
+      </a:ln>
+    </cs:spPr>
+  </cs:dropLine>
+  <cs:errorBar>
+    <cs:lnRef idx="0"/>
+    <cs:fillRef idx="0"/>
+    <cs:effectRef idx="0"/>
+    <cs:fontRef idx="minor">
+      <a:schemeClr val="dk1"/>
+    </cs:fontRef>
+    <cs:spPr>
+      <a:ln w="9525">
+        <a:solidFill>
+          <a:schemeClr val="tx1">
+            <a:lumMod val="65000"/>
+            <a:lumOff val="35000"/>
+          </a:schemeClr>
+        </a:solidFill>
+        <a:round/>
+      </a:ln>
+    </cs:spPr>
+  </cs:errorBar>
+  <cs:floor>
+    <cs:lnRef idx="0"/>
+    <cs:fillRef idx="0"/>
+    <cs:effectRef idx="0"/>
+    <cs:fontRef idx="minor">
+      <a:schemeClr val="dk1"/>
+    </cs:fontRef>
+  </cs:floor>
+  <cs:gridlineMajor>
+    <cs:lnRef idx="0"/>
+    <cs:fillRef idx="0"/>
+    <cs:effectRef idx="0"/>
+    <cs:fontRef idx="minor">
+      <a:schemeClr val="dk1"/>
+    </cs:fontRef>
+    <cs:spPr>
+      <a:ln w="9525" cap="flat" cmpd="sng" algn="ctr">
+        <a:solidFill>
+          <a:schemeClr val="tx1">
+            <a:lumMod val="15000"/>
+            <a:lumOff val="85000"/>
+          </a:schemeClr>
+        </a:solidFill>
+        <a:round/>
+      </a:ln>
+    </cs:spPr>
+  </cs:gridlineMajor>
+  <cs:gridlineMinor>
+    <cs:lnRef idx="0"/>
+    <cs:fillRef idx="0"/>
+    <cs:effectRef idx="0"/>
+    <cs:fontRef idx="minor">
+      <a:schemeClr val="dk1"/>
+    </cs:fontRef>
+    <cs:spPr>
+      <a:ln>
+        <a:solidFill>
+          <a:schemeClr val="tx1">
+            <a:lumMod val="5000"/>
+            <a:lumOff val="95000"/>
+          </a:schemeClr>
+        </a:solidFill>
+      </a:ln>
+    </cs:spPr>
+  </cs:gridlineMinor>
+  <cs:hiLoLine>
+    <cs:lnRef idx="0"/>
+    <cs:fillRef idx="0"/>
+    <cs:effectRef idx="0"/>
+    <cs:fontRef idx="minor">
+      <a:schemeClr val="dk1"/>
+    </cs:fontRef>
+    <cs:spPr>
+      <a:ln w="9525">
+        <a:solidFill>
+          <a:schemeClr val="tx1">
+            <a:lumMod val="50000"/>
+            <a:lumOff val="50000"/>
+          </a:schemeClr>
+        </a:solidFill>
+      </a:ln>
+    </cs:spPr>
+  </cs:hiLoLine>
+  <cs:leaderLine>
+    <cs:lnRef idx="0"/>
+    <cs:fillRef idx="0"/>
+    <cs:effectRef idx="0"/>
+    <cs:fontRef idx="minor">
+      <a:schemeClr val="dk1"/>
+    </cs:fontRef>
+    <cs:spPr>
+      <a:ln w="9525">
+        <a:solidFill>
+          <a:schemeClr val="tx1">
+            <a:lumMod val="35000"/>
+            <a:lumOff val="65000"/>
+          </a:schemeClr>
+        </a:solidFill>
+      </a:ln>
+    </cs:spPr>
+  </cs:leaderLine>
+  <cs:legend>
+    <cs:lnRef idx="0"/>
+    <cs:fillRef idx="0"/>
+    <cs:effectRef idx="0"/>
+    <cs:fontRef idx="minor">
+      <a:schemeClr val="tx1">
+        <a:lumMod val="65000"/>
+        <a:lumOff val="35000"/>
+      </a:schemeClr>
+    </cs:fontRef>
+    <cs:defRPr sz="900" kern="1200"/>
+  </cs:legend>
+  <cs:plotArea mods="allowNoFillOverride allowNoLineOverride">
+    <cs:lnRef idx="0"/>
+    <cs:fillRef idx="0"/>
+    <cs:effectRef idx="0"/>
+    <cs:fontRef idx="minor">
+      <a:schemeClr val="dk1"/>
+    </cs:fontRef>
+  </cs:plotArea>
+  <cs:plotArea3D mods="allowNoFillOverride allowNoLineOverride">
+    <cs:lnRef idx="0"/>
+    <cs:fillRef idx="0"/>
+    <cs:effectRef idx="0"/>
+    <cs:fontRef idx="minor">
+      <a:schemeClr val="dk1"/>
+    </cs:fontRef>
+  </cs:plotArea3D>
+  <cs:seriesAxis>
+    <cs:lnRef idx="0"/>
+    <cs:fillRef idx="0"/>
+    <cs:effectRef idx="0"/>
+    <cs:fontRef idx="minor">
+      <a:schemeClr val="tx1">
+        <a:lumMod val="65000"/>
+        <a:lumOff val="35000"/>
+      </a:schemeClr>
+    </cs:fontRef>
+    <cs:spPr>
+      <a:ln w="9525" cap="flat" cmpd="sng" algn="ctr">
+        <a:solidFill>
+          <a:schemeClr val="tx1">
+            <a:lumMod val="15000"/>
+            <a:lumOff val="85000"/>
+          </a:schemeClr>
+        </a:solidFill>
+        <a:round/>
+      </a:ln>
+    </cs:spPr>
+    <cs:defRPr sz="900" kern="1200"/>
+  </cs:seriesAxis>
+  <cs:seriesLine>
+    <cs:lnRef idx="0"/>
+    <cs:fillRef idx="0"/>
+    <cs:effectRef idx="0"/>
+    <cs:fontRef idx="minor">
+      <a:schemeClr val="dk1"/>
+    </cs:fontRef>
+    <cs:spPr>
+      <a:ln w="9525">
+        <a:solidFill>
+          <a:schemeClr val="tx1">
+            <a:lumMod val="35000"/>
+            <a:lumOff val="65000"/>
+          </a:schemeClr>
+        </a:solidFill>
+        <a:round/>
+      </a:ln>
+    </cs:spPr>
+  </cs:seriesLine>
+  <cs:title>
+    <cs:lnRef idx="0"/>
+    <cs:fillRef idx="0"/>
+    <cs:effectRef idx="0"/>
+    <cs:fontRef idx="minor">
+      <a:schemeClr val="tx1">
+        <a:lumMod val="65000"/>
+        <a:lumOff val="35000"/>
+      </a:schemeClr>
+    </cs:fontRef>
+    <cs:defRPr sz="1600" b="1" kern="1200" cap="all" spc="120" normalizeH="0" baseline="0"/>
+  </cs:title>
+  <cs:trendline>
+    <cs:lnRef idx="0">
+      <cs:styleClr val="auto"/>
+    </cs:lnRef>
+    <cs:fillRef idx="0"/>
+    <cs:effectRef idx="0"/>
+    <cs:fontRef idx="minor">
+      <a:schemeClr val="dk1"/>
+    </cs:fontRef>
+    <cs:spPr>
+      <a:ln w="19050" cap="rnd">
+        <a:solidFill>
+          <a:schemeClr val="phClr"/>
+        </a:solidFill>
+        <a:prstDash val="sysDash"/>
+      </a:ln>
+    </cs:spPr>
+  </cs:trendline>
+  <cs:trendlineLabel>
+    <cs:lnRef idx="0"/>
+    <cs:fillRef idx="0"/>
+    <cs:effectRef idx="0"/>
+    <cs:fontRef idx="minor">
+      <a:schemeClr val="tx1">
+        <a:lumMod val="65000"/>
+        <a:lumOff val="35000"/>
+      </a:schemeClr>
+    </cs:fontRef>
+    <cs:defRPr sz="800" kern="1200"/>
+  </cs:trendlineLabel>
+  <cs:upBar>
+    <cs:lnRef idx="0"/>
+    <cs:fillRef idx="0"/>
+    <cs:effectRef idx="0"/>
+    <cs:fontRef idx="minor">
+      <a:schemeClr val="dk1"/>
+    </cs:fontRef>
+    <cs:spPr>
+      <a:solidFill>
+        <a:schemeClr val="lt1"/>
+      </a:solidFill>
+      <a:ln w="9525">
+        <a:solidFill>
+          <a:schemeClr val="tx1">
+            <a:lumMod val="65000"/>
+            <a:lumOff val="35000"/>
+          </a:schemeClr>
+        </a:solidFill>
+      </a:ln>
+    </cs:spPr>
+  </cs:upBar>
+  <cs:valueAxis>
+    <cs:lnRef idx="0"/>
+    <cs:fillRef idx="0"/>
+    <cs:effectRef idx="0"/>
+    <cs:fontRef idx="minor">
+      <a:schemeClr val="tx1">
+        <a:lumMod val="65000"/>
+        <a:lumOff val="35000"/>
+      </a:schemeClr>
+    </cs:fontRef>
+    <cs:spPr>
+      <a:ln w="9525" cap="flat" cmpd="sng" algn="ctr">
+        <a:solidFill>
+          <a:schemeClr val="dk1">
+            <a:lumMod val="15000"/>
+            <a:lumOff val="85000"/>
+          </a:schemeClr>
+        </a:solidFill>
+        <a:round/>
+      </a:ln>
+    </cs:spPr>
+    <cs:defRPr sz="900" kern="1200"/>
+  </cs:valueAxis>
+  <cs:wall>
+    <cs:lnRef idx="0"/>
+    <cs:fillRef idx="0"/>
+    <cs:effectRef idx="0"/>
+    <cs:fontRef idx="minor">
+      <a:schemeClr val="dk1"/>
+    </cs:fontRef>
+  </cs:wall>
+</cs:chartStyle>
+</file>
+
+<file path=ppt/charts/style4.xml><?xml version="1.0" encoding="utf-8"?>
 <cs:chartStyle xmlns:cs="http://schemas.microsoft.com/office/drawing/2012/chartStyle" xmlns:a="http://schemas.openxmlformats.org/drawingml/2006/main" id="239">
   <cs:axisTitle>
     <cs:lnRef idx="0"/>
@@ -11508,247 +12672,6 @@
         <p:cNvPr id="1" name="">
           <a:extLst>
             <a:ext uri="{FF2B5EF4-FFF2-40B4-BE49-F238E27FC236}">
-              <a16:creationId xmlns:a16="http://schemas.microsoft.com/office/drawing/2014/main" id="{5F5CCFD2-8FB4-6A31-CC99-C356EAE370EE}"/>
-            </a:ext>
-          </a:extLst>
-        </p:cNvPr>
-        <p:cNvGrpSpPr/>
-        <p:nvPr/>
-      </p:nvGrpSpPr>
-      <p:grpSpPr>
-        <a:xfrm>
-          <a:off x="0" y="0"/>
-          <a:ext cx="0" cy="0"/>
-          <a:chOff x="0" y="0"/>
-          <a:chExt cx="0" cy="0"/>
-        </a:xfrm>
-      </p:grpSpPr>
-      <p:sp>
-        <p:nvSpPr>
-          <p:cNvPr id="2" name="Titel 1">
-            <a:extLst>
-              <a:ext uri="{FF2B5EF4-FFF2-40B4-BE49-F238E27FC236}">
-                <a16:creationId xmlns:a16="http://schemas.microsoft.com/office/drawing/2014/main" id="{0623A469-E174-DB8E-C6FB-47DFC49403B1}"/>
-              </a:ext>
-            </a:extLst>
-          </p:cNvPr>
-          <p:cNvSpPr>
-            <a:spLocks noGrp="1"/>
-          </p:cNvSpPr>
-          <p:nvPr>
-            <p:ph type="title"/>
-          </p:nvPr>
-        </p:nvSpPr>
-        <p:spPr/>
-        <p:txBody>
-          <a:bodyPr/>
-          <a:lstStyle/>
-          <a:p>
-            <a:r>
-              <a:rPr lang="en-GB" noProof="0" dirty="0"/>
-              <a:t>How we want to measure our optimization</a:t>
-            </a:r>
-          </a:p>
-        </p:txBody>
-      </p:sp>
-      <p:sp>
-        <p:nvSpPr>
-          <p:cNvPr id="3" name="Inhaltsplatzhalter 2">
-            <a:extLst>
-              <a:ext uri="{FF2B5EF4-FFF2-40B4-BE49-F238E27FC236}">
-                <a16:creationId xmlns:a16="http://schemas.microsoft.com/office/drawing/2014/main" id="{705D3443-44D1-D2AC-84C4-19BEF43DC502}"/>
-              </a:ext>
-            </a:extLst>
-          </p:cNvPr>
-          <p:cNvSpPr>
-            <a:spLocks noGrp="1"/>
-          </p:cNvSpPr>
-          <p:nvPr>
-            <p:ph idx="1"/>
-          </p:nvPr>
-        </p:nvSpPr>
-        <p:spPr/>
-        <p:txBody>
-          <a:bodyPr/>
-          <a:lstStyle/>
-          <a:p>
-            <a:r>
-              <a:rPr lang="en-GB" dirty="0"/>
-              <a:t>We run 1000 Games on our naïve Algorithm</a:t>
-            </a:r>
-          </a:p>
-          <a:p>
-            <a:r>
-              <a:rPr lang="en-GB" dirty="0"/>
-              <a:t>We run 1000 Games on </a:t>
-            </a:r>
-            <a:r>
-              <a:rPr lang="en-GB" dirty="0" err="1"/>
-              <a:t>DrawAnalyzer</a:t>
-            </a:r>
-            <a:r>
-              <a:rPr lang="en-GB" dirty="0"/>
-              <a:t> with depth 1</a:t>
-            </a:r>
-          </a:p>
-          <a:p>
-            <a:r>
-              <a:rPr lang="en-GB" dirty="0"/>
-              <a:t>We run 100 Games on </a:t>
-            </a:r>
-            <a:r>
-              <a:rPr lang="en-GB" dirty="0" err="1"/>
-              <a:t>DrawAnalyzer</a:t>
-            </a:r>
-            <a:r>
-              <a:rPr lang="en-GB" dirty="0"/>
-              <a:t> with depth 2</a:t>
-            </a:r>
-          </a:p>
-          <a:p>
-            <a:endParaRPr lang="en-GB" dirty="0"/>
-          </a:p>
-          <a:p>
-            <a:r>
-              <a:rPr lang="en-GB" dirty="0"/>
-              <a:t>We measure the time it takes to draw per round</a:t>
-            </a:r>
-          </a:p>
-          <a:p>
-            <a:r>
-              <a:rPr lang="en-GB" dirty="0"/>
-              <a:t>We measure the average Shanten per round</a:t>
-            </a:r>
-          </a:p>
-          <a:p>
-            <a:r>
-              <a:rPr lang="en-GB" dirty="0"/>
-              <a:t>We measure in what round a Game is won (if at all)</a:t>
-            </a:r>
-          </a:p>
-          <a:p>
-            <a:endParaRPr lang="en-GB" dirty="0"/>
-          </a:p>
-          <a:p>
-            <a:r>
-              <a:rPr lang="en-GB" dirty="0"/>
-              <a:t>We run this on the same PC with the following specs:</a:t>
-            </a:r>
-          </a:p>
-          <a:p>
-            <a:r>
-              <a:rPr lang="de-CH" dirty="0"/>
-              <a:t>2th Gen Intel(R) Core(TM) i5-12600K (16 CPUs), ~3.7GHz 32GB Ram NVIDIA </a:t>
-            </a:r>
-            <a:r>
-              <a:rPr lang="de-CH" dirty="0" err="1"/>
-              <a:t>GeForceRTX</a:t>
-            </a:r>
-            <a:r>
-              <a:rPr lang="de-CH" dirty="0"/>
-              <a:t> 2060</a:t>
-            </a:r>
-            <a:endParaRPr lang="en-GB" dirty="0"/>
-          </a:p>
-          <a:p>
-            <a:endParaRPr lang="en-GB" dirty="0"/>
-          </a:p>
-          <a:p>
-            <a:endParaRPr lang="en-GB" dirty="0"/>
-          </a:p>
-          <a:p>
-            <a:endParaRPr lang="en-GB" dirty="0"/>
-          </a:p>
-          <a:p>
-            <a:endParaRPr lang="en-GB" dirty="0"/>
-          </a:p>
-          <a:p>
-            <a:endParaRPr lang="en-GB" dirty="0"/>
-          </a:p>
-          <a:p>
-            <a:endParaRPr lang="en-GB" noProof="0" dirty="0"/>
-          </a:p>
-        </p:txBody>
-      </p:sp>
-      <p:sp>
-        <p:nvSpPr>
-          <p:cNvPr id="4" name="Datumsplatzhalter 3">
-            <a:extLst>
-              <a:ext uri="{FF2B5EF4-FFF2-40B4-BE49-F238E27FC236}">
-                <a16:creationId xmlns:a16="http://schemas.microsoft.com/office/drawing/2014/main" id="{AEC9817E-FDAC-1875-63D6-2D4828B45421}"/>
-              </a:ext>
-            </a:extLst>
-          </p:cNvPr>
-          <p:cNvSpPr>
-            <a:spLocks noGrp="1"/>
-          </p:cNvSpPr>
-          <p:nvPr>
-            <p:ph type="dt" sz="half" idx="10"/>
-          </p:nvPr>
-        </p:nvSpPr>
-        <p:spPr/>
-        <p:txBody>
-          <a:bodyPr/>
-          <a:lstStyle/>
-          <a:p>
-            <a:fld id="{D5CE5686-0170-47AF-9B8A-7DF387E652FA}" type="datetime1">
-              <a:rPr lang="en-GB" noProof="0" smtClean="0"/>
-              <a:t>01/07/2025</a:t>
-            </a:fld>
-            <a:endParaRPr lang="en-GB" noProof="0" dirty="0"/>
-          </a:p>
-        </p:txBody>
-      </p:sp>
-      <p:sp>
-        <p:nvSpPr>
-          <p:cNvPr id="6" name="Foliennummernplatzhalter 5">
-            <a:extLst>
-              <a:ext uri="{FF2B5EF4-FFF2-40B4-BE49-F238E27FC236}">
-                <a16:creationId xmlns:a16="http://schemas.microsoft.com/office/drawing/2014/main" id="{E9895EF9-9C93-9FFA-C023-CB892C6561C1}"/>
-              </a:ext>
-            </a:extLst>
-          </p:cNvPr>
-          <p:cNvSpPr>
-            <a:spLocks noGrp="1"/>
-          </p:cNvSpPr>
-          <p:nvPr>
-            <p:ph type="sldNum" sz="quarter" idx="12"/>
-          </p:nvPr>
-        </p:nvSpPr>
-        <p:spPr/>
-        <p:txBody>
-          <a:bodyPr/>
-          <a:lstStyle/>
-          <a:p>
-            <a:fld id="{5ACA52AF-F19D-405C-AD5F-7D94B96A5CC3}" type="slidenum">
-              <a:rPr lang="en-GB" noProof="0" smtClean="0"/>
-              <a:t>10</a:t>
-            </a:fld>
-            <a:endParaRPr lang="en-GB" noProof="0" dirty="0"/>
-          </a:p>
-        </p:txBody>
-      </p:sp>
-    </p:spTree>
-    <p:extLst>
-      <p:ext uri="{BB962C8B-B14F-4D97-AF65-F5344CB8AC3E}">
-        <p14:creationId xmlns:p14="http://schemas.microsoft.com/office/powerpoint/2010/main" val="3505557306"/>
-      </p:ext>
-    </p:extLst>
-  </p:cSld>
-  <p:clrMapOvr>
-    <a:masterClrMapping/>
-  </p:clrMapOvr>
-</p:sld>
-</file>
-
-<file path=ppt/slides/slide11.xml><?xml version="1.0" encoding="utf-8"?>
-<p:sld xmlns:a="http://schemas.openxmlformats.org/drawingml/2006/main" xmlns:r="http://schemas.openxmlformats.org/officeDocument/2006/relationships" xmlns:p="http://schemas.openxmlformats.org/presentationml/2006/main">
-  <p:cSld>
-    <p:spTree>
-      <p:nvGrpSpPr>
-        <p:cNvPr id="1" name="">
-          <a:extLst>
-            <a:ext uri="{FF2B5EF4-FFF2-40B4-BE49-F238E27FC236}">
               <a16:creationId xmlns:a16="http://schemas.microsoft.com/office/drawing/2014/main" id="{1F301DAC-F723-4581-D900-03020C3D0DD0}"/>
             </a:ext>
           </a:extLst>
@@ -14520,7 +15443,7 @@
           <a:p>
             <a:fld id="{5ACA52AF-F19D-405C-AD5F-7D94B96A5CC3}" type="slidenum">
               <a:rPr lang="en-GB" noProof="0" smtClean="0"/>
-              <a:t>11</a:t>
+              <a:t>10</a:t>
             </a:fld>
             <a:endParaRPr lang="en-GB" noProof="0" dirty="0"/>
           </a:p>
@@ -14539,7 +15462,7 @@
 </p:sld>
 </file>
 
-<file path=ppt/slides/slide12.xml><?xml version="1.0" encoding="utf-8"?>
+<file path=ppt/slides/slide11.xml><?xml version="1.0" encoding="utf-8"?>
 <p:sld xmlns:a="http://schemas.openxmlformats.org/drawingml/2006/main" xmlns:r="http://schemas.openxmlformats.org/officeDocument/2006/relationships" xmlns:p="http://schemas.openxmlformats.org/presentationml/2006/main">
   <p:cSld>
     <p:spTree>
@@ -14585,15 +15508,7 @@
           <a:p>
             <a:r>
               <a:rPr lang="en-GB" noProof="0" dirty="0"/>
-              <a:t>Results: </a:t>
-            </a:r>
-            <a:r>
-              <a:rPr lang="en-GB" noProof="0" dirty="0" err="1"/>
-              <a:t>DrawAnalyzer</a:t>
-            </a:r>
-            <a:r>
-              <a:rPr lang="en-GB" noProof="0" dirty="0"/>
-              <a:t> with depth 1</a:t>
+              <a:t>Results: DrawAnalyzer with depth 1</a:t>
             </a:r>
           </a:p>
         </p:txBody>
@@ -14621,15 +15536,7 @@
           <a:p>
             <a:r>
               <a:rPr lang="en-GB" dirty="0"/>
-              <a:t>1000 Games of </a:t>
-            </a:r>
-            <a:r>
-              <a:rPr lang="en-GB" dirty="0" err="1"/>
-              <a:t>DrawAnalyzer</a:t>
-            </a:r>
-            <a:r>
-              <a:rPr lang="en-GB" dirty="0"/>
-              <a:t> with depth 1</a:t>
+              <a:t>1000 Games of DrawAnalyzer with depth 1</a:t>
             </a:r>
             <a:endParaRPr lang="en-GB" noProof="0" dirty="0"/>
           </a:p>
@@ -17287,7 +18194,7 @@
           <a:p>
             <a:fld id="{5ACA52AF-F19D-405C-AD5F-7D94B96A5CC3}" type="slidenum">
               <a:rPr lang="en-GB" noProof="0" smtClean="0"/>
-              <a:t>12</a:t>
+              <a:t>11</a:t>
             </a:fld>
             <a:endParaRPr lang="en-GB" noProof="0" dirty="0"/>
           </a:p>
@@ -17306,7 +18213,7 @@
 </p:sld>
 </file>
 
-<file path=ppt/slides/slide13.xml><?xml version="1.0" encoding="utf-8"?>
+<file path=ppt/slides/slide12.xml><?xml version="1.0" encoding="utf-8"?>
 <p:sld xmlns:a="http://schemas.openxmlformats.org/drawingml/2006/main" xmlns:r="http://schemas.openxmlformats.org/officeDocument/2006/relationships" xmlns:p="http://schemas.openxmlformats.org/presentationml/2006/main">
   <p:cSld>
     <p:spTree>
@@ -17359,12 +18266,8 @@
               <a:t>: </a:t>
             </a:r>
             <a:r>
-              <a:rPr lang="en-GB" noProof="0" dirty="0" err="1"/>
-              <a:t>DrawAnalyzer</a:t>
-            </a:r>
-            <a:r>
               <a:rPr lang="en-GB" noProof="0" dirty="0"/>
-              <a:t> with depth 2</a:t>
+              <a:t>DrawAnalyzer with depth 2</a:t>
             </a:r>
           </a:p>
         </p:txBody>
@@ -17392,15 +18295,7 @@
           <a:p>
             <a:r>
               <a:rPr lang="en-GB" dirty="0"/>
-              <a:t>100 Games of </a:t>
-            </a:r>
-            <a:r>
-              <a:rPr lang="en-GB" dirty="0" err="1"/>
-              <a:t>DrawAnalyzer</a:t>
-            </a:r>
-            <a:r>
-              <a:rPr lang="en-GB" dirty="0"/>
-              <a:t> with depth 2</a:t>
+              <a:t>100 Games of DrawAnalyzer with depth 2</a:t>
             </a:r>
             <a:endParaRPr lang="en-GB" noProof="0" dirty="0"/>
           </a:p>
@@ -20058,7 +20953,7 @@
           <a:p>
             <a:fld id="{5ACA52AF-F19D-405C-AD5F-7D94B96A5CC3}" type="slidenum">
               <a:rPr lang="en-GB" noProof="0" smtClean="0"/>
-              <a:t>13</a:t>
+              <a:t>12</a:t>
             </a:fld>
             <a:endParaRPr lang="en-GB" noProof="0" dirty="0"/>
           </a:p>
@@ -20077,7 +20972,7 @@
 </p:sld>
 </file>
 
-<file path=ppt/slides/slide14.xml><?xml version="1.0" encoding="utf-8"?>
+<file path=ppt/slides/slide13.xml><?xml version="1.0" encoding="utf-8"?>
 <p:sld xmlns:a="http://schemas.openxmlformats.org/drawingml/2006/main" xmlns:r="http://schemas.openxmlformats.org/officeDocument/2006/relationships" xmlns:p="http://schemas.openxmlformats.org/presentationml/2006/main">
   <p:cSld>
     <p:spTree>
@@ -20085,7 +20980,7 @@
         <p:cNvPr id="1" name="">
           <a:extLst>
             <a:ext uri="{FF2B5EF4-FFF2-40B4-BE49-F238E27FC236}">
-              <a16:creationId xmlns:a16="http://schemas.microsoft.com/office/drawing/2014/main" id="{FCFFDE5C-233D-CFA3-5ADC-ECA9378EE8D9}"/>
+              <a16:creationId xmlns:a16="http://schemas.microsoft.com/office/drawing/2014/main" id="{BBDA6B81-0036-92EE-0FFF-9C3810FBDF48}"/>
             </a:ext>
           </a:extLst>
         </p:cNvPr>
@@ -20105,7 +21000,7 @@
           <p:cNvPr id="2" name="Titel 1">
             <a:extLst>
               <a:ext uri="{FF2B5EF4-FFF2-40B4-BE49-F238E27FC236}">
-                <a16:creationId xmlns:a16="http://schemas.microsoft.com/office/drawing/2014/main" id="{683708E5-4267-A58D-A4B8-34C25D209522}"/>
+                <a16:creationId xmlns:a16="http://schemas.microsoft.com/office/drawing/2014/main" id="{3984D7A0-4514-4963-DEDB-4AACF9BE3E20}"/>
               </a:ext>
             </a:extLst>
           </p:cNvPr>
@@ -20122,20 +21017,21 @@
           <a:lstStyle/>
           <a:p>
             <a:r>
-              <a:rPr lang="en-GB" noProof="0" dirty="0"/>
+              <a:rPr lang="en-GB" dirty="0"/>
               <a:t>Comparing Results</a:t>
             </a:r>
+            <a:endParaRPr lang="en-GB" noProof="0" dirty="0"/>
           </a:p>
         </p:txBody>
       </p:sp>
-      <mc:AlternateContent xmlns:mc="http://schemas.openxmlformats.org/markup-compatibility/2006" xmlns:a14="http://schemas.microsoft.com/office/drawing/2010/main">
-        <mc:Choice Requires="a14">
+      <mc:AlternateContent xmlns:mc="http://schemas.openxmlformats.org/markup-compatibility/2006">
+        <mc:Choice xmlns:a14="http://schemas.microsoft.com/office/drawing/2010/main" Requires="a14">
           <p:sp>
             <p:nvSpPr>
               <p:cNvPr id="3" name="Inhaltsplatzhalter 2">
                 <a:extLst>
                   <a:ext uri="{FF2B5EF4-FFF2-40B4-BE49-F238E27FC236}">
-                    <a16:creationId xmlns:a16="http://schemas.microsoft.com/office/drawing/2014/main" id="{8AD58956-5262-874A-D14C-A8A4AE461A31}"/>
+                    <a16:creationId xmlns:a16="http://schemas.microsoft.com/office/drawing/2014/main" id="{B74BD5E3-15B5-447E-7160-EA040C794077}"/>
                   </a:ext>
                 </a:extLst>
               </p:cNvPr>
@@ -20148,7 +21044,9 @@
             </p:nvSpPr>
             <p:spPr/>
             <p:txBody>
-              <a:bodyPr/>
+              <a:bodyPr>
+                <a:normAutofit lnSpcReduction="10000"/>
+              </a:bodyPr>
               <a:lstStyle/>
               <a:p>
                 <a:pPr marL="0" indent="0">
@@ -20167,7 +21065,7 @@
                 <a14:m>
                   <m:oMath xmlns:m="http://schemas.openxmlformats.org/officeDocument/2006/math">
                     <m:r>
-                      <a:rPr lang="en-GB" i="1" dirty="0" smtClean="0">
+                      <a:rPr lang="en-GB" i="1" dirty="0">
                         <a:latin typeface="Cambria Math" panose="02040503050406030204" pitchFamily="18" charset="0"/>
                       </a:rPr>
                       <m:t>3∗</m:t>
@@ -20175,14 +21073,14 @@
                     <m:sSup>
                       <m:sSupPr>
                         <m:ctrlPr>
-                          <a:rPr lang="en-GB" i="1" dirty="0" smtClean="0">
+                          <a:rPr lang="en-GB" i="1" dirty="0">
                             <a:latin typeface="Cambria Math" panose="02040503050406030204" pitchFamily="18" charset="0"/>
                           </a:rPr>
                         </m:ctrlPr>
                       </m:sSupPr>
                       <m:e>
                         <m:r>
-                          <a:rPr lang="de-CH" b="0" i="1" dirty="0" smtClean="0">
+                          <a:rPr lang="de-CH" i="1" dirty="0">
                             <a:latin typeface="Cambria Math" panose="02040503050406030204" pitchFamily="18" charset="0"/>
                           </a:rPr>
                           <m:t>10</m:t>
@@ -20190,7 +21088,7 @@
                       </m:e>
                       <m:sup>
                         <m:r>
-                          <a:rPr lang="de-CH" b="0" i="1" dirty="0" smtClean="0">
+                          <a:rPr lang="de-CH" i="1" dirty="0">
                             <a:latin typeface="Cambria Math" panose="02040503050406030204" pitchFamily="18" charset="0"/>
                           </a:rPr>
                           <m:t>−3</m:t>
@@ -20198,7 +21096,7 @@
                       </m:sup>
                     </m:sSup>
                     <m:r>
-                      <a:rPr lang="en-GB" i="1" dirty="0" smtClean="0">
+                      <a:rPr lang="en-GB" i="1" dirty="0">
                         <a:latin typeface="Cambria Math" panose="02040503050406030204" pitchFamily="18" charset="0"/>
                       </a:rPr>
                       <m:t>𝑠</m:t>
@@ -20212,23 +21110,19 @@
               </a:p>
               <a:p>
                 <a:r>
-                  <a:rPr lang="en-GB" dirty="0" err="1"/>
-                  <a:t>DrawAnalyzer</a:t>
-                </a:r>
-                <a:r>
                   <a:rPr lang="en-GB" dirty="0"/>
-                  <a:t> with depth 1 takes an average of </a:t>
+                  <a:t>DrawAnalyzer with depth 1 takes an average of </a:t>
                 </a:r>
                 <a14:m>
                   <m:oMath xmlns:m="http://schemas.openxmlformats.org/officeDocument/2006/math">
                     <m:r>
-                      <a:rPr lang="en-GB" i="1" dirty="0" smtClean="0">
+                      <a:rPr lang="en-GB" i="1" dirty="0">
                         <a:latin typeface="Cambria Math" panose="02040503050406030204" pitchFamily="18" charset="0"/>
                       </a:rPr>
                       <m:t>0.3</m:t>
                     </m:r>
                     <m:r>
-                      <a:rPr lang="en-GB" i="1" dirty="0" smtClean="0">
+                      <a:rPr lang="en-GB" i="1" dirty="0">
                         <a:latin typeface="Cambria Math" panose="02040503050406030204" pitchFamily="18" charset="0"/>
                       </a:rPr>
                       <m:t>𝑠</m:t>
@@ -20242,23 +21136,19 @@
               </a:p>
               <a:p>
                 <a:r>
-                  <a:rPr lang="en-GB" dirty="0" err="1"/>
-                  <a:t>DrawAnalyzer</a:t>
-                </a:r>
-                <a:r>
                   <a:rPr lang="en-GB" dirty="0"/>
-                  <a:t> with depth 2 takes an average of </a:t>
+                  <a:t>DrawAnalyzer with depth 2 takes an average of </a:t>
                 </a:r>
                 <a14:m>
                   <m:oMath xmlns:m="http://schemas.openxmlformats.org/officeDocument/2006/math">
                     <m:r>
-                      <a:rPr lang="en-GB" i="1" dirty="0" smtClean="0">
+                      <a:rPr lang="en-GB" i="1" dirty="0">
                         <a:latin typeface="Cambria Math" panose="02040503050406030204" pitchFamily="18" charset="0"/>
                       </a:rPr>
                       <m:t>11.7</m:t>
                     </m:r>
                     <m:r>
-                      <a:rPr lang="en-GB" i="1" dirty="0" smtClean="0">
+                      <a:rPr lang="en-GB" i="1" dirty="0">
                         <a:latin typeface="Cambria Math" panose="02040503050406030204" pitchFamily="18" charset="0"/>
                       </a:rPr>
                       <m:t>𝑠</m:t>
@@ -20275,61 +21165,35 @@
               </a:p>
               <a:p>
                 <a:r>
-                  <a:rPr lang="en-GB" dirty="0" err="1"/>
-                  <a:t>DrawAnalyzer</a:t>
-                </a:r>
-                <a:r>
                   <a:rPr lang="en-GB" dirty="0"/>
-                  <a:t> with depth 1 takes on average 90times longer than the naïve Algorithm</a:t>
+                  <a:t>DrawAnalyzer with depth 1 takes on average 90times longer than the naïve algorithm</a:t>
                 </a:r>
               </a:p>
               <a:p>
                 <a:r>
-                  <a:rPr lang="en-GB" dirty="0" err="1"/>
-                  <a:t>DrawAnalyzer</a:t>
-                </a:r>
-                <a:r>
                   <a:rPr lang="en-GB" dirty="0"/>
-                  <a:t> with depth 2 takes  ~3500times longer on average</a:t>
+                  <a:t>DrawAnalyzer with depth 2 takes  ~3500times longer than the naïve algorithm on average</a:t>
                 </a:r>
               </a:p>
               <a:p>
                 <a:endParaRPr lang="en-GB" dirty="0"/>
               </a:p>
               <a:p>
-                <a:endParaRPr lang="en-GB" dirty="0"/>
-              </a:p>
-              <a:p>
-                <a:pPr marL="0" indent="0">
-                  <a:buNone/>
-                </a:pPr>
-                <a:endParaRPr lang="en-GB" b="1" dirty="0"/>
-              </a:p>
-              <a:p>
-                <a:endParaRPr lang="en-GB" b="1" dirty="0"/>
-              </a:p>
-              <a:p>
-                <a:endParaRPr lang="en-GB" dirty="0"/>
-              </a:p>
-              <a:p>
-                <a:endParaRPr lang="en-GB" dirty="0"/>
-              </a:p>
-              <a:p>
-                <a:endParaRPr lang="en-GB" dirty="0"/>
-              </a:p>
-              <a:p>
-                <a:endParaRPr lang="en-GB" noProof="0" dirty="0"/>
+                <a:r>
+                  <a:rPr lang="en-GB" dirty="0"/>
+                  <a:t>Runtimes tend to be longer the more the game progresses, unless in the last few rounds</a:t>
+                </a:r>
               </a:p>
             </p:txBody>
           </p:sp>
         </mc:Choice>
-        <mc:Fallback xmlns="">
+        <mc:Fallback>
           <p:sp>
             <p:nvSpPr>
               <p:cNvPr id="3" name="Inhaltsplatzhalter 2">
                 <a:extLst>
                   <a:ext uri="{FF2B5EF4-FFF2-40B4-BE49-F238E27FC236}">
-                    <a16:creationId xmlns:a16="http://schemas.microsoft.com/office/drawing/2014/main" id="{8AD58956-5262-874A-D14C-A8A4AE461A31}"/>
+                    <a16:creationId xmlns:a16="http://schemas.microsoft.com/office/drawing/2014/main" id="{B74BD5E3-15B5-447E-7160-EA040C794077}"/>
                   </a:ext>
                 </a:extLst>
               </p:cNvPr>
@@ -20344,7 +21208,7 @@
               <a:blipFill>
                 <a:blip r:embed="rId2"/>
                 <a:stretch>
-                  <a:fillRect l="-1307" t="-1695"/>
+                  <a:fillRect l="-2784" t="-2133" r="-116" b="-125"/>
                 </a:stretch>
               </a:blipFill>
             </p:spPr>
@@ -20368,7 +21232,7 @@
           <p:cNvPr id="4" name="Datumsplatzhalter 3">
             <a:extLst>
               <a:ext uri="{FF2B5EF4-FFF2-40B4-BE49-F238E27FC236}">
-                <a16:creationId xmlns:a16="http://schemas.microsoft.com/office/drawing/2014/main" id="{EB400939-E474-B4CE-ECD2-7BA102C58790}"/>
+                <a16:creationId xmlns:a16="http://schemas.microsoft.com/office/drawing/2014/main" id="{8CD0039F-7866-C8DC-EB44-F3D292C5C828}"/>
               </a:ext>
             </a:extLst>
           </p:cNvPr>
@@ -20384,7 +21248,7 @@
           <a:bodyPr/>
           <a:lstStyle/>
           <a:p>
-            <a:fld id="{D5CE5686-0170-47AF-9B8A-7DF387E652FA}" type="datetime1">
+            <a:fld id="{3883C902-160B-4538-99A8-1486892643D4}" type="datetime1">
               <a:rPr lang="en-GB" noProof="0" smtClean="0"/>
               <a:t>01/07/2025</a:t>
             </a:fld>
@@ -20397,7 +21261,7 @@
           <p:cNvPr id="6" name="Foliennummernplatzhalter 5">
             <a:extLst>
               <a:ext uri="{FF2B5EF4-FFF2-40B4-BE49-F238E27FC236}">
-                <a16:creationId xmlns:a16="http://schemas.microsoft.com/office/drawing/2014/main" id="{F610F5F1-1C55-AA21-6DF3-C74C9FF7F863}"/>
+                <a16:creationId xmlns:a16="http://schemas.microsoft.com/office/drawing/2014/main" id="{1210E24E-2B98-D468-75FE-6B0D1E17CCA3}"/>
               </a:ext>
             </a:extLst>
           </p:cNvPr>
@@ -20415,16 +21279,42 @@
           <a:p>
             <a:fld id="{5ACA52AF-F19D-405C-AD5F-7D94B96A5CC3}" type="slidenum">
               <a:rPr lang="en-GB" noProof="0" smtClean="0"/>
-              <a:t>14</a:t>
+              <a:t>13</a:t>
             </a:fld>
             <a:endParaRPr lang="en-GB" noProof="0" dirty="0"/>
           </a:p>
         </p:txBody>
       </p:sp>
+      <p:graphicFrame>
+        <p:nvGraphicFramePr>
+          <p:cNvPr id="8" name="Bildplatzhalter 7">
+            <a:extLst>
+              <a:ext uri="{FF2B5EF4-FFF2-40B4-BE49-F238E27FC236}">
+                <a16:creationId xmlns:a16="http://schemas.microsoft.com/office/drawing/2014/main" id="{F5FC24AD-BF5C-25E6-27E4-686A0DE0C681}"/>
+              </a:ext>
+            </a:extLst>
+          </p:cNvPr>
+          <p:cNvGraphicFramePr>
+            <a:graphicFrameLocks noGrp="1"/>
+          </p:cNvGraphicFramePr>
+          <p:nvPr>
+            <p:ph type="pic" sz="quarter" idx="13"/>
+          </p:nvPr>
+        </p:nvGraphicFramePr>
+        <p:xfrm>
+          <a:off x="731838" y="1412875"/>
+          <a:ext cx="5040312" cy="4859338"/>
+        </p:xfrm>
+        <a:graphic>
+          <a:graphicData uri="http://schemas.openxmlformats.org/drawingml/2006/chart">
+            <c:chart xmlns:c="http://schemas.openxmlformats.org/drawingml/2006/chart" xmlns:r="http://schemas.openxmlformats.org/officeDocument/2006/relationships" r:id="rId3"/>
+          </a:graphicData>
+        </a:graphic>
+      </p:graphicFrame>
     </p:spTree>
     <p:extLst>
       <p:ext uri="{BB962C8B-B14F-4D97-AF65-F5344CB8AC3E}">
-        <p14:creationId xmlns:p14="http://schemas.microsoft.com/office/powerpoint/2010/main" val="1907468132"/>
+        <p14:creationId xmlns:p14="http://schemas.microsoft.com/office/powerpoint/2010/main" val="605824585"/>
       </p:ext>
     </p:extLst>
   </p:cSld>
@@ -20434,7 +21324,7 @@
 </p:sld>
 </file>
 
-<file path=ppt/slides/slide15.xml><?xml version="1.0" encoding="utf-8"?>
+<file path=ppt/slides/slide14.xml><?xml version="1.0" encoding="utf-8"?>
 <p:sld xmlns:a="http://schemas.openxmlformats.org/drawingml/2006/main" xmlns:r="http://schemas.openxmlformats.org/officeDocument/2006/relationships" xmlns:p="http://schemas.openxmlformats.org/presentationml/2006/main">
   <p:cSld>
     <p:spTree>
@@ -20523,29 +21413,13 @@
           <a:p>
             <a:r>
               <a:rPr lang="en-GB" dirty="0"/>
-              <a:t>With the </a:t>
-            </a:r>
-            <a:r>
-              <a:rPr lang="en-GB" dirty="0" err="1"/>
-              <a:t>DrawAnalyzer</a:t>
-            </a:r>
+              <a:t>With the DrawAnalyzer depth 1 ~20% of rounds end in a ready Hand</a:t>
+            </a:r>
+          </a:p>
+          <a:p>
             <a:r>
               <a:rPr lang="en-GB" dirty="0"/>
-              <a:t> depth 1 ~20% of rounds end in a ready Hand</a:t>
-            </a:r>
-          </a:p>
-          <a:p>
-            <a:r>
-              <a:rPr lang="en-GB" dirty="0"/>
-              <a:t>With the </a:t>
-            </a:r>
-            <a:r>
-              <a:rPr lang="en-GB" dirty="0" err="1"/>
-              <a:t>DrawAnalyzer</a:t>
-            </a:r>
-            <a:r>
-              <a:rPr lang="en-GB" dirty="0"/>
-              <a:t> depth 2 ~30% of rounds end in a ready Hand</a:t>
+              <a:t>With the DrawAnalyzer depth 2 ~30% of rounds end in a ready Hand</a:t>
             </a:r>
           </a:p>
           <a:p>
@@ -20571,15 +21445,7 @@
             </a:r>
             <a:r>
               <a:rPr lang="en-GB" dirty="0"/>
-              <a:t> per round improves significantly earlier when using </a:t>
-            </a:r>
-            <a:r>
-              <a:rPr lang="en-GB" dirty="0" err="1"/>
-              <a:t>DrawAnalyzer</a:t>
-            </a:r>
-            <a:r>
-              <a:rPr lang="en-GB" dirty="0"/>
-              <a:t> of either depth, which implies faster </a:t>
+              <a:t> per round improves significantly earlier when using DrawAnalyzer of either depth, which implies faster </a:t>
             </a:r>
             <a:r>
               <a:rPr lang="en-GB" b="1" i="1" dirty="0"/>
@@ -20644,7 +21510,7 @@
           <a:p>
             <a:fld id="{5ACA52AF-F19D-405C-AD5F-7D94B96A5CC3}" type="slidenum">
               <a:rPr lang="en-GB" noProof="0" smtClean="0"/>
-              <a:t>15</a:t>
+              <a:t>14</a:t>
             </a:fld>
             <a:endParaRPr lang="en-GB" noProof="0" dirty="0"/>
           </a:p>
@@ -20694,7 +21560,7 @@
 </p:sld>
 </file>
 
-<file path=ppt/slides/slide16.xml><?xml version="1.0" encoding="utf-8"?>
+<file path=ppt/slides/slide15.xml><?xml version="1.0" encoding="utf-8"?>
 <p:sld xmlns:a="http://schemas.openxmlformats.org/drawingml/2006/main" xmlns:r="http://schemas.openxmlformats.org/officeDocument/2006/relationships" xmlns:p="http://schemas.openxmlformats.org/presentationml/2006/main">
   <p:cSld>
     <p:spTree>
@@ -20781,15 +21647,7 @@
             </a:pPr>
             <a:r>
               <a:rPr lang="en-GB" noProof="0" dirty="0"/>
-              <a:t>In this unadjusted Diagram we see that </a:t>
-            </a:r>
-            <a:r>
-              <a:rPr lang="en-GB" noProof="0" dirty="0" err="1"/>
-              <a:t>DrawAnalyzer</a:t>
-            </a:r>
-            <a:r>
-              <a:rPr lang="en-GB" noProof="0" dirty="0"/>
-              <a:t> for depth1 clearly outperforms our naïve algorithm</a:t>
+              <a:t>In this unadjusted Diagram we see that DrawAnalyzer for depth1 clearly outperforms our naïve algorithm</a:t>
             </a:r>
           </a:p>
         </p:txBody>
@@ -20820,15 +21678,7 @@
             </a:pPr>
             <a:r>
               <a:rPr lang="en-GB" noProof="0" dirty="0"/>
-              <a:t>Here we have adjusted the Diagram for </a:t>
-            </a:r>
-            <a:r>
-              <a:rPr lang="en-GB" noProof="0" dirty="0" err="1"/>
-              <a:t>DrawAnalyzer</a:t>
-            </a:r>
-            <a:r>
-              <a:rPr lang="en-GB" noProof="0" dirty="0"/>
-              <a:t> with depth 2. We also see a trend here that it would perform significantly better than the other two algorithms. </a:t>
+              <a:t>Here we have adjusted the Diagram for DrawAnalyzer with depth 2. We also see a trend here that it would perform significantly better than the other two algorithms. </a:t>
             </a:r>
           </a:p>
         </p:txBody>
@@ -20885,7 +21735,7 @@
           <a:p>
             <a:fld id="{5ACA52AF-F19D-405C-AD5F-7D94B96A5CC3}" type="slidenum">
               <a:rPr lang="en-GB" noProof="0" smtClean="0"/>
-              <a:t>16</a:t>
+              <a:t>15</a:t>
             </a:fld>
             <a:endParaRPr lang="en-GB" noProof="0" dirty="0"/>
           </a:p>
@@ -20966,7 +21816,7 @@
 </p:sld>
 </file>
 
-<file path=ppt/slides/slide17.xml><?xml version="1.0" encoding="utf-8"?>
+<file path=ppt/slides/slide16.xml><?xml version="1.0" encoding="utf-8"?>
 <p:sld xmlns:a="http://schemas.openxmlformats.org/drawingml/2006/main" xmlns:r="http://schemas.openxmlformats.org/officeDocument/2006/relationships" xmlns:p="http://schemas.openxmlformats.org/presentationml/2006/main">
   <p:cSld>
     <p:spTree>
@@ -21012,7 +21862,7 @@
           <a:p>
             <a:r>
               <a:rPr lang="en-GB" noProof="0" dirty="0"/>
-              <a:t>Discussion</a:t>
+              <a:t>Discussion and Conclusion</a:t>
             </a:r>
           </a:p>
         </p:txBody>
@@ -21040,61 +21890,32 @@
           <a:p>
             <a:r>
               <a:rPr lang="en-GB" dirty="0"/>
-              <a:t>We improve the success rate from ~11% to &gt;20% even with depth 1 of </a:t>
-            </a:r>
-            <a:r>
-              <a:rPr lang="en-GB" dirty="0" err="1"/>
-              <a:t>DrawAnalyzer</a:t>
-            </a:r>
+              <a:t>We improve the success rate from ~11% to &gt;20% even with depth 1 of DrawAnalyzer practically doubling it at the cost of factor 90 in terms of calculation time</a:t>
+            </a:r>
+          </a:p>
+          <a:p>
             <a:r>
               <a:rPr lang="en-GB" dirty="0"/>
-              <a:t> practically doubling it at the cost of factor 90 in terms of calculation time</a:t>
+              <a:t>With higher depth of DrawAnalyzer the performance seems to be improved even more; towards 30% success rate but with a cost of roughly factor 3500, which seems to be unproportionate.</a:t>
             </a:r>
           </a:p>
           <a:p>
             <a:r>
               <a:rPr lang="en-GB" dirty="0"/>
-              <a:t>With higher depth of </a:t>
-            </a:r>
-            <a:r>
-              <a:rPr lang="en-GB" dirty="0" err="1"/>
-              <a:t>DrawAnalyzer</a:t>
-            </a:r>
+              <a:t>We see that the calculation time for DrawAnalyzer improves in the last few rounds because the depth is capped by the remaining tiles on the stack.</a:t>
+            </a:r>
+          </a:p>
+          <a:p>
             <a:r>
               <a:rPr lang="en-GB" dirty="0"/>
-              <a:t> the performance seems to be improved even more; towards 30% success rate but with a cost of roughly factor 3500, which seems to be </a:t>
-            </a:r>
-            <a:r>
-              <a:rPr lang="en-GB" dirty="0" err="1"/>
-              <a:t>inproportionate</a:t>
-            </a:r>
+              <a:t>Shanten gets improved earlier in the game with both iterations of DrawAnalyzer, which shows that the algorithm constantly performs better and makes better decisions.</a:t>
+            </a:r>
+          </a:p>
+          <a:p>
             <a:r>
               <a:rPr lang="en-GB" dirty="0"/>
-              <a:t>.</a:t>
-            </a:r>
-          </a:p>
-          <a:p>
-            <a:r>
-              <a:rPr lang="en-GB" dirty="0" err="1"/>
-              <a:t>DrawAnalyzer</a:t>
-            </a:r>
-            <a:r>
-              <a:rPr lang="en-GB" dirty="0"/>
-              <a:t> with depth 1 seems to be the current best solution in terms of usability, because the </a:t>
-            </a:r>
-            <a:r>
-              <a:rPr lang="en-GB" dirty="0" err="1"/>
-              <a:t>DrawAnalyzer</a:t>
-            </a:r>
-            <a:r>
-              <a:rPr lang="en-GB" dirty="0"/>
-              <a:t> with depth 2 takes to long to calculate. </a:t>
-            </a:r>
-            <a:r>
-              <a:rPr lang="en-GB"/>
-              <a:t>(TODO)</a:t>
-            </a:r>
-            <a:endParaRPr lang="en-GB" dirty="0"/>
+              <a:t>DrawAnalyzer with depth 1 seems to be the current best solution in terms of usability, because the DrawAnalyzer with depth 2 takes to long to calculate.</a:t>
+            </a:r>
           </a:p>
           <a:p>
             <a:endParaRPr lang="en-GB" dirty="0"/>
@@ -21162,7 +21983,7 @@
           <a:p>
             <a:fld id="{5ACA52AF-F19D-405C-AD5F-7D94B96A5CC3}" type="slidenum">
               <a:rPr lang="en-GB" noProof="0" smtClean="0"/>
-              <a:t>17</a:t>
+              <a:t>16</a:t>
             </a:fld>
             <a:endParaRPr lang="en-GB" noProof="0" dirty="0"/>
           </a:p>
@@ -21181,7 +22002,7 @@
 </p:sld>
 </file>
 
-<file path=ppt/slides/slide18.xml><?xml version="1.0" encoding="utf-8"?>
+<file path=ppt/slides/slide17.xml><?xml version="1.0" encoding="utf-8"?>
 <p:sld xmlns:a="http://schemas.openxmlformats.org/drawingml/2006/main" xmlns:r="http://schemas.openxmlformats.org/officeDocument/2006/relationships" xmlns:p="http://schemas.openxmlformats.org/presentationml/2006/main">
   <p:cSld>
     <p:spTree>
@@ -21226,9 +22047,10 @@
           <a:lstStyle/>
           <a:p>
             <a:r>
-              <a:rPr lang="en-GB" noProof="0" dirty="0"/>
-              <a:t>GitHub</a:t>
-            </a:r>
+              <a:rPr lang="en-GB" dirty="0"/>
+              <a:t>Links</a:t>
+            </a:r>
+            <a:endParaRPr lang="en-GB" noProof="0" dirty="0"/>
           </a:p>
         </p:txBody>
       </p:sp>
@@ -21253,11 +22075,47 @@
           <a:bodyPr/>
           <a:lstStyle/>
           <a:p>
+            <a:pPr marL="0" indent="0">
+              <a:buNone/>
+            </a:pPr>
+            <a:r>
+              <a:rPr lang="en-GB" dirty="0"/>
+              <a:t>GitHub</a:t>
+            </a:r>
+            <a:endParaRPr lang="en-GB" dirty="0">
+              <a:hlinkClick r:id="rId2"/>
+            </a:endParaRPr>
+          </a:p>
+          <a:p>
             <a:r>
               <a:rPr lang="en-GB" dirty="0">
                 <a:hlinkClick r:id="rId2"/>
               </a:rPr>
               <a:t>https://github.com/adidell01/MahjongOptimization</a:t>
+            </a:r>
+            <a:endParaRPr lang="en-GB" dirty="0"/>
+          </a:p>
+          <a:p>
+            <a:pPr marL="0" indent="0">
+              <a:buNone/>
+            </a:pPr>
+            <a:endParaRPr lang="en-GB" dirty="0"/>
+          </a:p>
+          <a:p>
+            <a:pPr marL="0" indent="0">
+              <a:buNone/>
+            </a:pPr>
+            <a:r>
+              <a:rPr lang="en-GB" dirty="0"/>
+              <a:t>Image1</a:t>
+            </a:r>
+          </a:p>
+          <a:p>
+            <a:r>
+              <a:rPr lang="en-GB" dirty="0">
+                <a:hlinkClick r:id="rId3"/>
+              </a:rPr>
+              <a:t>https://www.tatlerasia.com/lifestyle/entertainment/hk-mahjong-beginners-guide-how-to-play</a:t>
             </a:r>
             <a:endParaRPr lang="en-GB" dirty="0"/>
           </a:p>
@@ -21321,7 +22179,7 @@
           <a:p>
             <a:fld id="{5ACA52AF-F19D-405C-AD5F-7D94B96A5CC3}" type="slidenum">
               <a:rPr lang="en-GB" noProof="0" smtClean="0"/>
-              <a:t>18</a:t>
+              <a:t>17</a:t>
             </a:fld>
             <a:endParaRPr lang="en-GB" noProof="0" dirty="0"/>
           </a:p>
@@ -21340,406 +22198,7 @@
 </p:sld>
 </file>
 
-<file path=ppt/slides/slide19.xml><?xml version="1.0" encoding="utf-8"?>
-<p:sld xmlns:a="http://schemas.openxmlformats.org/drawingml/2006/main" xmlns:r="http://schemas.openxmlformats.org/officeDocument/2006/relationships" xmlns:p="http://schemas.openxmlformats.org/presentationml/2006/main">
-  <p:cSld>
-    <p:spTree>
-      <p:nvGrpSpPr>
-        <p:cNvPr id="1" name="">
-          <a:extLst>
-            <a:ext uri="{FF2B5EF4-FFF2-40B4-BE49-F238E27FC236}">
-              <a16:creationId xmlns:a16="http://schemas.microsoft.com/office/drawing/2014/main" id="{4A3C0DF7-15F7-A99E-370D-2C11690AC2DC}"/>
-            </a:ext>
-          </a:extLst>
-        </p:cNvPr>
-        <p:cNvGrpSpPr/>
-        <p:nvPr/>
-      </p:nvGrpSpPr>
-      <p:grpSpPr>
-        <a:xfrm>
-          <a:off x="0" y="0"/>
-          <a:ext cx="0" cy="0"/>
-          <a:chOff x="0" y="0"/>
-          <a:chExt cx="0" cy="0"/>
-        </a:xfrm>
-      </p:grpSpPr>
-      <p:sp>
-        <p:nvSpPr>
-          <p:cNvPr id="2" name="Titel 1">
-            <a:extLst>
-              <a:ext uri="{FF2B5EF4-FFF2-40B4-BE49-F238E27FC236}">
-                <a16:creationId xmlns:a16="http://schemas.microsoft.com/office/drawing/2014/main" id="{D93458B9-75DC-D11E-821A-A3491AB9D587}"/>
-              </a:ext>
-            </a:extLst>
-          </p:cNvPr>
-          <p:cNvSpPr>
-            <a:spLocks noGrp="1"/>
-          </p:cNvSpPr>
-          <p:nvPr>
-            <p:ph type="title"/>
-          </p:nvPr>
-        </p:nvSpPr>
-        <p:spPr/>
-        <p:txBody>
-          <a:bodyPr/>
-          <a:lstStyle/>
-          <a:p>
-            <a:r>
-              <a:rPr lang="en-GB" dirty="0"/>
-              <a:t>References</a:t>
-            </a:r>
-            <a:endParaRPr lang="en-GB" noProof="0" dirty="0"/>
-          </a:p>
-        </p:txBody>
-      </p:sp>
-      <p:sp>
-        <p:nvSpPr>
-          <p:cNvPr id="3" name="Inhaltsplatzhalter 2">
-            <a:extLst>
-              <a:ext uri="{FF2B5EF4-FFF2-40B4-BE49-F238E27FC236}">
-                <a16:creationId xmlns:a16="http://schemas.microsoft.com/office/drawing/2014/main" id="{52B95EBD-2AA9-EC27-9EA1-A528A6C165AB}"/>
-              </a:ext>
-            </a:extLst>
-          </p:cNvPr>
-          <p:cNvSpPr>
-            <a:spLocks noGrp="1"/>
-          </p:cNvSpPr>
-          <p:nvPr>
-            <p:ph idx="1"/>
-          </p:nvPr>
-        </p:nvSpPr>
-        <p:spPr/>
-        <p:txBody>
-          <a:bodyPr/>
-          <a:lstStyle/>
-          <a:p>
-            <a:r>
-              <a:rPr lang="en-GB" dirty="0"/>
-              <a:t>Image1: </a:t>
-            </a:r>
-            <a:r>
-              <a:rPr lang="en-GB" dirty="0">
-                <a:hlinkClick r:id="rId2"/>
-              </a:rPr>
-              <a:t>https://www.tatlerasia.com/lifestyle/entertainment/hk-mahjong-beginners-guide-how-to-play</a:t>
-            </a:r>
-            <a:endParaRPr lang="en-GB" dirty="0"/>
-          </a:p>
-          <a:p>
-            <a:endParaRPr lang="en-GB" dirty="0"/>
-          </a:p>
-          <a:p>
-            <a:endParaRPr lang="en-GB" dirty="0"/>
-          </a:p>
-          <a:p>
-            <a:endParaRPr lang="en-GB" noProof="0" dirty="0"/>
-          </a:p>
-        </p:txBody>
-      </p:sp>
-      <p:sp>
-        <p:nvSpPr>
-          <p:cNvPr id="4" name="Datumsplatzhalter 3">
-            <a:extLst>
-              <a:ext uri="{FF2B5EF4-FFF2-40B4-BE49-F238E27FC236}">
-                <a16:creationId xmlns:a16="http://schemas.microsoft.com/office/drawing/2014/main" id="{230618BD-D7EE-EE0A-D936-6DF1F7D0246F}"/>
-              </a:ext>
-            </a:extLst>
-          </p:cNvPr>
-          <p:cNvSpPr>
-            <a:spLocks noGrp="1"/>
-          </p:cNvSpPr>
-          <p:nvPr>
-            <p:ph type="dt" sz="half" idx="10"/>
-          </p:nvPr>
-        </p:nvSpPr>
-        <p:spPr/>
-        <p:txBody>
-          <a:bodyPr/>
-          <a:lstStyle/>
-          <a:p>
-            <a:fld id="{D5CE5686-0170-47AF-9B8A-7DF387E652FA}" type="datetime1">
-              <a:rPr lang="en-GB" noProof="0" smtClean="0"/>
-              <a:t>01/07/2025</a:t>
-            </a:fld>
-            <a:endParaRPr lang="en-GB" noProof="0" dirty="0"/>
-          </a:p>
-        </p:txBody>
-      </p:sp>
-      <p:sp>
-        <p:nvSpPr>
-          <p:cNvPr id="6" name="Foliennummernplatzhalter 5">
-            <a:extLst>
-              <a:ext uri="{FF2B5EF4-FFF2-40B4-BE49-F238E27FC236}">
-                <a16:creationId xmlns:a16="http://schemas.microsoft.com/office/drawing/2014/main" id="{9F018E93-A7F9-0902-00BC-4F4A6574BEDE}"/>
-              </a:ext>
-            </a:extLst>
-          </p:cNvPr>
-          <p:cNvSpPr>
-            <a:spLocks noGrp="1"/>
-          </p:cNvSpPr>
-          <p:nvPr>
-            <p:ph type="sldNum" sz="quarter" idx="12"/>
-          </p:nvPr>
-        </p:nvSpPr>
-        <p:spPr/>
-        <p:txBody>
-          <a:bodyPr/>
-          <a:lstStyle/>
-          <a:p>
-            <a:fld id="{5ACA52AF-F19D-405C-AD5F-7D94B96A5CC3}" type="slidenum">
-              <a:rPr lang="en-GB" noProof="0" smtClean="0"/>
-              <a:t>19</a:t>
-            </a:fld>
-            <a:endParaRPr lang="en-GB" noProof="0" dirty="0"/>
-          </a:p>
-        </p:txBody>
-      </p:sp>
-    </p:spTree>
-    <p:extLst>
-      <p:ext uri="{BB962C8B-B14F-4D97-AF65-F5344CB8AC3E}">
-        <p14:creationId xmlns:p14="http://schemas.microsoft.com/office/powerpoint/2010/main" val="3283055365"/>
-      </p:ext>
-    </p:extLst>
-  </p:cSld>
-  <p:clrMapOvr>
-    <a:masterClrMapping/>
-  </p:clrMapOvr>
-</p:sld>
-</file>
-
-<file path=ppt/slides/slide2.xml><?xml version="1.0" encoding="utf-8"?>
-<p:sld xmlns:a="http://schemas.openxmlformats.org/drawingml/2006/main" xmlns:r="http://schemas.openxmlformats.org/officeDocument/2006/relationships" xmlns:p="http://schemas.openxmlformats.org/presentationml/2006/main">
-  <p:cSld>
-    <p:spTree>
-      <p:nvGrpSpPr>
-        <p:cNvPr id="1" name="">
-          <a:extLst>
-            <a:ext uri="{FF2B5EF4-FFF2-40B4-BE49-F238E27FC236}">
-              <a16:creationId xmlns:a16="http://schemas.microsoft.com/office/drawing/2014/main" id="{7CAA0F69-B740-B41F-4998-127A835C81EA}"/>
-            </a:ext>
-          </a:extLst>
-        </p:cNvPr>
-        <p:cNvGrpSpPr/>
-        <p:nvPr/>
-      </p:nvGrpSpPr>
-      <p:grpSpPr>
-        <a:xfrm>
-          <a:off x="0" y="0"/>
-          <a:ext cx="0" cy="0"/>
-          <a:chOff x="0" y="0"/>
-          <a:chExt cx="0" cy="0"/>
-        </a:xfrm>
-      </p:grpSpPr>
-      <p:sp>
-        <p:nvSpPr>
-          <p:cNvPr id="2" name="Titel 1">
-            <a:extLst>
-              <a:ext uri="{FF2B5EF4-FFF2-40B4-BE49-F238E27FC236}">
-                <a16:creationId xmlns:a16="http://schemas.microsoft.com/office/drawing/2014/main" id="{FCC42CCC-470A-F577-5BAC-4D58D2EC288C}"/>
-              </a:ext>
-            </a:extLst>
-          </p:cNvPr>
-          <p:cNvSpPr>
-            <a:spLocks noGrp="1"/>
-          </p:cNvSpPr>
-          <p:nvPr>
-            <p:ph type="title"/>
-          </p:nvPr>
-        </p:nvSpPr>
-        <p:spPr/>
-        <p:txBody>
-          <a:bodyPr/>
-          <a:lstStyle/>
-          <a:p>
-            <a:r>
-              <a:rPr lang="en-GB" dirty="0"/>
-              <a:t>Introduction: Problem description TODO</a:t>
-            </a:r>
-            <a:endParaRPr lang="en-GB" noProof="0" dirty="0"/>
-          </a:p>
-        </p:txBody>
-      </p:sp>
-      <p:sp>
-        <p:nvSpPr>
-          <p:cNvPr id="3" name="Inhaltsplatzhalter 2">
-            <a:extLst>
-              <a:ext uri="{FF2B5EF4-FFF2-40B4-BE49-F238E27FC236}">
-                <a16:creationId xmlns:a16="http://schemas.microsoft.com/office/drawing/2014/main" id="{5546D21F-21FC-F240-CB61-B6358C4666F7}"/>
-              </a:ext>
-            </a:extLst>
-          </p:cNvPr>
-          <p:cNvSpPr>
-            <a:spLocks noGrp="1"/>
-          </p:cNvSpPr>
-          <p:nvPr>
-            <p:ph idx="1"/>
-          </p:nvPr>
-        </p:nvSpPr>
-        <p:spPr>
-          <a:xfrm>
-            <a:off x="731837" y="917575"/>
-            <a:ext cx="10728325" cy="4680000"/>
-          </a:xfrm>
-        </p:spPr>
-        <p:txBody>
-          <a:bodyPr/>
-          <a:lstStyle/>
-          <a:p>
-            <a:r>
-              <a:rPr lang="en-GB" dirty="0"/>
-              <a:t>Japanese Mahjong (</a:t>
-            </a:r>
-            <a:r>
-              <a:rPr lang="en-GB" dirty="0" err="1"/>
-              <a:t>a.k.a</a:t>
-            </a:r>
-            <a:r>
-              <a:rPr lang="en-GB" dirty="0"/>
-              <a:t> </a:t>
-            </a:r>
-            <a:r>
-              <a:rPr lang="en-GB" dirty="0" err="1"/>
-              <a:t>Richii</a:t>
-            </a:r>
-            <a:r>
-              <a:rPr lang="en-GB" dirty="0"/>
-              <a:t> Mahjong) is a very complex game with a lot of rules and mechanics</a:t>
-            </a:r>
-          </a:p>
-          <a:p>
-            <a:r>
-              <a:rPr lang="en-GB" dirty="0"/>
-              <a:t>For the sake of simplicity, we will reduce the game to the following rulesets: At the start of the game, we put 14 Tiles aside and the 4 players draw 13 Tiles each. On a players turn, that player draws a Tile and then discards one if he does not have a winning hand yet. A winning hand consists of 4 groups of three Tiles (sequences of the same </a:t>
-            </a:r>
-            <a:r>
-              <a:rPr lang="en-GB" dirty="0" err="1"/>
-              <a:t>color</a:t>
-            </a:r>
-            <a:r>
-              <a:rPr lang="en-GB" dirty="0"/>
-              <a:t> or identical Tiles) and a pair of identical Tiles. </a:t>
-            </a:r>
-          </a:p>
-          <a:p>
-            <a:r>
-              <a:rPr lang="en-GB" dirty="0"/>
-              <a:t>Our goal: Given a random Hand consisting of 14 Tiles which all have a colour and a value, find the best Tile to discard and reach a winning hand. </a:t>
-            </a:r>
-          </a:p>
-          <a:p>
-            <a:r>
-              <a:rPr lang="en-GB" dirty="0"/>
-              <a:t>Tiles can either be grouped into Sequences or Groups of equals and when a Tile belongs to multiple groups, we need to decide which grouping is more beneficial for the Hand.</a:t>
-            </a:r>
-          </a:p>
-          <a:p>
-            <a:r>
-              <a:rPr lang="en-GB" dirty="0"/>
-              <a:t>Based on the unknown Tiles in the Stack we would like to take the probability of drawing a certain Tile into consideration</a:t>
-            </a:r>
-          </a:p>
-          <a:p>
-            <a:r>
-              <a:rPr lang="en-GB" dirty="0"/>
-              <a:t>Our Optimization only covers a part of the real Japanese Mahjong, we do not consider things like </a:t>
-            </a:r>
-            <a:r>
-              <a:rPr lang="en-GB" dirty="0" err="1"/>
-              <a:t>ron</a:t>
-            </a:r>
-            <a:r>
-              <a:rPr lang="en-GB" dirty="0"/>
-              <a:t> (a Player completing their Hand with </a:t>
-            </a:r>
-            <a:r>
-              <a:rPr lang="en-GB" dirty="0" err="1"/>
-              <a:t>anothers</a:t>
-            </a:r>
-            <a:r>
-              <a:rPr lang="en-GB" dirty="0"/>
-              <a:t> discard) or the other players winning.</a:t>
-            </a:r>
-          </a:p>
-          <a:p>
-            <a:endParaRPr lang="en-GB" dirty="0"/>
-          </a:p>
-          <a:p>
-            <a:endParaRPr lang="en-GB" noProof="0" dirty="0"/>
-          </a:p>
-        </p:txBody>
-      </p:sp>
-      <p:sp>
-        <p:nvSpPr>
-          <p:cNvPr id="4" name="Datumsplatzhalter 3">
-            <a:extLst>
-              <a:ext uri="{FF2B5EF4-FFF2-40B4-BE49-F238E27FC236}">
-                <a16:creationId xmlns:a16="http://schemas.microsoft.com/office/drawing/2014/main" id="{78040141-A597-F6A7-CE8E-3FCBCACC1209}"/>
-              </a:ext>
-            </a:extLst>
-          </p:cNvPr>
-          <p:cNvSpPr>
-            <a:spLocks noGrp="1"/>
-          </p:cNvSpPr>
-          <p:nvPr>
-            <p:ph type="dt" sz="half" idx="10"/>
-          </p:nvPr>
-        </p:nvSpPr>
-        <p:spPr/>
-        <p:txBody>
-          <a:bodyPr/>
-          <a:lstStyle/>
-          <a:p>
-            <a:fld id="{D5CE5686-0170-47AF-9B8A-7DF387E652FA}" type="datetime1">
-              <a:rPr lang="en-GB" noProof="0" smtClean="0"/>
-              <a:t>01/07/2025</a:t>
-            </a:fld>
-            <a:endParaRPr lang="en-GB" noProof="0" dirty="0"/>
-          </a:p>
-        </p:txBody>
-      </p:sp>
-      <p:sp>
-        <p:nvSpPr>
-          <p:cNvPr id="6" name="Foliennummernplatzhalter 5">
-            <a:extLst>
-              <a:ext uri="{FF2B5EF4-FFF2-40B4-BE49-F238E27FC236}">
-                <a16:creationId xmlns:a16="http://schemas.microsoft.com/office/drawing/2014/main" id="{A891314A-ACF5-1C73-C98B-7930EFC8B567}"/>
-              </a:ext>
-            </a:extLst>
-          </p:cNvPr>
-          <p:cNvSpPr>
-            <a:spLocks noGrp="1"/>
-          </p:cNvSpPr>
-          <p:nvPr>
-            <p:ph type="sldNum" sz="quarter" idx="12"/>
-          </p:nvPr>
-        </p:nvSpPr>
-        <p:spPr/>
-        <p:txBody>
-          <a:bodyPr/>
-          <a:lstStyle/>
-          <a:p>
-            <a:fld id="{5ACA52AF-F19D-405C-AD5F-7D94B96A5CC3}" type="slidenum">
-              <a:rPr lang="en-GB" noProof="0" smtClean="0"/>
-              <a:t>2</a:t>
-            </a:fld>
-            <a:endParaRPr lang="en-GB" noProof="0" dirty="0"/>
-          </a:p>
-        </p:txBody>
-      </p:sp>
-    </p:spTree>
-    <p:extLst>
-      <p:ext uri="{BB962C8B-B14F-4D97-AF65-F5344CB8AC3E}">
-        <p14:creationId xmlns:p14="http://schemas.microsoft.com/office/powerpoint/2010/main" val="2271481637"/>
-      </p:ext>
-    </p:extLst>
-  </p:cSld>
-  <p:clrMapOvr>
-    <a:masterClrMapping/>
-  </p:clrMapOvr>
-</p:sld>
-</file>
-
-<file path=ppt/slides/slide20.xml><?xml version="1.0" encoding="utf-8"?>
+<file path=ppt/slides/slide18.xml><?xml version="1.0" encoding="utf-8"?>
 <p:sld xmlns:a="http://schemas.openxmlformats.org/drawingml/2006/main" xmlns:r="http://schemas.openxmlformats.org/officeDocument/2006/relationships" xmlns:p="http://schemas.openxmlformats.org/presentationml/2006/main">
   <p:cSld>
     <p:spTree>
@@ -21866,7 +22325,7 @@
             <a:fld id="{5ACA52AF-F19D-405C-AD5F-7D94B96A5CC3}" type="slidenum">
               <a:rPr lang="de-CH" noProof="0" smtClean="0"/>
               <a:pPr/>
-              <a:t>20</a:t>
+              <a:t>18</a:t>
             </a:fld>
             <a:endParaRPr lang="de-CH" noProof="0"/>
           </a:p>
@@ -21885,7 +22344,7 @@
 </p:sld>
 </file>
 
-<file path=ppt/slides/slide21.xml><?xml version="1.0" encoding="utf-8"?>
+<file path=ppt/slides/slide19.xml><?xml version="1.0" encoding="utf-8"?>
 <p:sld xmlns:a="http://schemas.openxmlformats.org/drawingml/2006/main" xmlns:r="http://schemas.openxmlformats.org/officeDocument/2006/relationships" xmlns:p="http://schemas.openxmlformats.org/presentationml/2006/main">
   <p:cSld>
     <p:spTree>
@@ -21983,7 +22442,7 @@
           <a:p>
             <a:fld id="{5ACA52AF-F19D-405C-AD5F-7D94B96A5CC3}" type="slidenum">
               <a:rPr lang="de-CH" noProof="0" smtClean="0"/>
-              <a:t>21</a:t>
+              <a:t>19</a:t>
             </a:fld>
             <a:endParaRPr lang="de-CH" noProof="0"/>
           </a:p>
@@ -23631,7 +24090,223 @@
 </p:sld>
 </file>
 
-<file path=ppt/slides/slide22.xml><?xml version="1.0" encoding="utf-8"?>
+<file path=ppt/slides/slide2.xml><?xml version="1.0" encoding="utf-8"?>
+<p:sld xmlns:a="http://schemas.openxmlformats.org/drawingml/2006/main" xmlns:r="http://schemas.openxmlformats.org/officeDocument/2006/relationships" xmlns:p="http://schemas.openxmlformats.org/presentationml/2006/main">
+  <p:cSld>
+    <p:spTree>
+      <p:nvGrpSpPr>
+        <p:cNvPr id="1" name="">
+          <a:extLst>
+            <a:ext uri="{FF2B5EF4-FFF2-40B4-BE49-F238E27FC236}">
+              <a16:creationId xmlns:a16="http://schemas.microsoft.com/office/drawing/2014/main" id="{7CAA0F69-B740-B41F-4998-127A835C81EA}"/>
+            </a:ext>
+          </a:extLst>
+        </p:cNvPr>
+        <p:cNvGrpSpPr/>
+        <p:nvPr/>
+      </p:nvGrpSpPr>
+      <p:grpSpPr>
+        <a:xfrm>
+          <a:off x="0" y="0"/>
+          <a:ext cx="0" cy="0"/>
+          <a:chOff x="0" y="0"/>
+          <a:chExt cx="0" cy="0"/>
+        </a:xfrm>
+      </p:grpSpPr>
+      <p:sp>
+        <p:nvSpPr>
+          <p:cNvPr id="2" name="Titel 1">
+            <a:extLst>
+              <a:ext uri="{FF2B5EF4-FFF2-40B4-BE49-F238E27FC236}">
+                <a16:creationId xmlns:a16="http://schemas.microsoft.com/office/drawing/2014/main" id="{FCC42CCC-470A-F577-5BAC-4D58D2EC288C}"/>
+              </a:ext>
+            </a:extLst>
+          </p:cNvPr>
+          <p:cNvSpPr>
+            <a:spLocks noGrp="1"/>
+          </p:cNvSpPr>
+          <p:nvPr>
+            <p:ph type="title"/>
+          </p:nvPr>
+        </p:nvSpPr>
+        <p:spPr/>
+        <p:txBody>
+          <a:bodyPr/>
+          <a:lstStyle/>
+          <a:p>
+            <a:r>
+              <a:rPr lang="en-GB" dirty="0"/>
+              <a:t>Introduction: Problem description</a:t>
+            </a:r>
+            <a:endParaRPr lang="en-GB" noProof="0" dirty="0"/>
+          </a:p>
+        </p:txBody>
+      </p:sp>
+      <p:sp>
+        <p:nvSpPr>
+          <p:cNvPr id="3" name="Inhaltsplatzhalter 2">
+            <a:extLst>
+              <a:ext uri="{FF2B5EF4-FFF2-40B4-BE49-F238E27FC236}">
+                <a16:creationId xmlns:a16="http://schemas.microsoft.com/office/drawing/2014/main" id="{5546D21F-21FC-F240-CB61-B6358C4666F7}"/>
+              </a:ext>
+            </a:extLst>
+          </p:cNvPr>
+          <p:cNvSpPr>
+            <a:spLocks noGrp="1"/>
+          </p:cNvSpPr>
+          <p:nvPr>
+            <p:ph idx="1"/>
+          </p:nvPr>
+        </p:nvSpPr>
+        <p:spPr>
+          <a:xfrm>
+            <a:off x="731837" y="1202055"/>
+            <a:ext cx="10728325" cy="4680000"/>
+          </a:xfrm>
+        </p:spPr>
+        <p:txBody>
+          <a:bodyPr/>
+          <a:lstStyle/>
+          <a:p>
+            <a:r>
+              <a:rPr lang="en-GB" dirty="0"/>
+              <a:t>Japanese Mahjong (</a:t>
+            </a:r>
+            <a:r>
+              <a:rPr lang="en-GB" dirty="0" err="1"/>
+              <a:t>a.k.a</a:t>
+            </a:r>
+            <a:r>
+              <a:rPr lang="en-GB" dirty="0"/>
+              <a:t> </a:t>
+            </a:r>
+            <a:r>
+              <a:rPr lang="en-GB" dirty="0" err="1"/>
+              <a:t>Richii</a:t>
+            </a:r>
+            <a:r>
+              <a:rPr lang="en-GB" dirty="0"/>
+              <a:t> Mahjong) is a very complex game with a lot of rules and mechanics</a:t>
+            </a:r>
+          </a:p>
+          <a:p>
+            <a:r>
+              <a:rPr lang="en-GB" dirty="0"/>
+              <a:t>For the sake of simplicity, we will reduce the game to the following rulesets: At the start of the game, we put 14 Tiles aside and the 4 players draw 13 Tiles each. On a players turn, that player draws a Tile and then discards one if he does not have a winning hand yet. A winning hand consists of 4 groups of three Tiles (sequences of the same colour or identical Tiles) and a pair of identical Tiles. </a:t>
+            </a:r>
+          </a:p>
+          <a:p>
+            <a:r>
+              <a:rPr lang="en-GB" dirty="0"/>
+              <a:t>Our goal: Given a random Hand consisting of 14 Tiles which all have a colour and a value, find the best Tile to discard and reach a winning hand. </a:t>
+            </a:r>
+          </a:p>
+          <a:p>
+            <a:r>
+              <a:rPr lang="en-GB" dirty="0"/>
+              <a:t>Tiles can either be grouped into Sequences or Groups of equals and when a Tile belongs to multiple groups, we need to decide which grouping is more beneficial for the Hand.</a:t>
+            </a:r>
+          </a:p>
+          <a:p>
+            <a:r>
+              <a:rPr lang="en-GB" dirty="0"/>
+              <a:t>Based on the unknown Tiles in the Stack we would like to take the probability of drawing a certain Tile into consideration</a:t>
+            </a:r>
+          </a:p>
+          <a:p>
+            <a:r>
+              <a:rPr lang="en-GB" dirty="0"/>
+              <a:t>Our Optimization only covers a part of the real Japanese Mahjong, we do not consider things like </a:t>
+            </a:r>
+            <a:r>
+              <a:rPr lang="en-GB" dirty="0" err="1"/>
+              <a:t>ron</a:t>
+            </a:r>
+            <a:r>
+              <a:rPr lang="en-GB" dirty="0"/>
+              <a:t> (a Player completing their Hand with another's discard) or the other players winning.</a:t>
+            </a:r>
+          </a:p>
+          <a:p>
+            <a:endParaRPr lang="en-GB" dirty="0"/>
+          </a:p>
+          <a:p>
+            <a:endParaRPr lang="en-GB" noProof="0" dirty="0"/>
+          </a:p>
+        </p:txBody>
+      </p:sp>
+      <p:sp>
+        <p:nvSpPr>
+          <p:cNvPr id="4" name="Datumsplatzhalter 3">
+            <a:extLst>
+              <a:ext uri="{FF2B5EF4-FFF2-40B4-BE49-F238E27FC236}">
+                <a16:creationId xmlns:a16="http://schemas.microsoft.com/office/drawing/2014/main" id="{78040141-A597-F6A7-CE8E-3FCBCACC1209}"/>
+              </a:ext>
+            </a:extLst>
+          </p:cNvPr>
+          <p:cNvSpPr>
+            <a:spLocks noGrp="1"/>
+          </p:cNvSpPr>
+          <p:nvPr>
+            <p:ph type="dt" sz="half" idx="10"/>
+          </p:nvPr>
+        </p:nvSpPr>
+        <p:spPr/>
+        <p:txBody>
+          <a:bodyPr/>
+          <a:lstStyle/>
+          <a:p>
+            <a:fld id="{D5CE5686-0170-47AF-9B8A-7DF387E652FA}" type="datetime1">
+              <a:rPr lang="en-GB" noProof="0" smtClean="0"/>
+              <a:t>01/07/2025</a:t>
+            </a:fld>
+            <a:endParaRPr lang="en-GB" noProof="0" dirty="0"/>
+          </a:p>
+        </p:txBody>
+      </p:sp>
+      <p:sp>
+        <p:nvSpPr>
+          <p:cNvPr id="6" name="Foliennummernplatzhalter 5">
+            <a:extLst>
+              <a:ext uri="{FF2B5EF4-FFF2-40B4-BE49-F238E27FC236}">
+                <a16:creationId xmlns:a16="http://schemas.microsoft.com/office/drawing/2014/main" id="{A891314A-ACF5-1C73-C98B-7930EFC8B567}"/>
+              </a:ext>
+            </a:extLst>
+          </p:cNvPr>
+          <p:cNvSpPr>
+            <a:spLocks noGrp="1"/>
+          </p:cNvSpPr>
+          <p:nvPr>
+            <p:ph type="sldNum" sz="quarter" idx="12"/>
+          </p:nvPr>
+        </p:nvSpPr>
+        <p:spPr/>
+        <p:txBody>
+          <a:bodyPr/>
+          <a:lstStyle/>
+          <a:p>
+            <a:fld id="{5ACA52AF-F19D-405C-AD5F-7D94B96A5CC3}" type="slidenum">
+              <a:rPr lang="en-GB" noProof="0" smtClean="0"/>
+              <a:t>2</a:t>
+            </a:fld>
+            <a:endParaRPr lang="en-GB" noProof="0" dirty="0"/>
+          </a:p>
+        </p:txBody>
+      </p:sp>
+    </p:spTree>
+    <p:extLst>
+      <p:ext uri="{BB962C8B-B14F-4D97-AF65-F5344CB8AC3E}">
+        <p14:creationId xmlns:p14="http://schemas.microsoft.com/office/powerpoint/2010/main" val="2271481637"/>
+      </p:ext>
+    </p:extLst>
+  </p:cSld>
+  <p:clrMapOvr>
+    <a:masterClrMapping/>
+  </p:clrMapOvr>
+</p:sld>
+</file>
+
+<file path=ppt/slides/slide20.xml><?xml version="1.0" encoding="utf-8"?>
 <p:sld xmlns:a="http://schemas.openxmlformats.org/drawingml/2006/main" xmlns:r="http://schemas.openxmlformats.org/officeDocument/2006/relationships" xmlns:p="http://schemas.openxmlformats.org/presentationml/2006/main">
   <p:cSld>
     <p:spTree>
@@ -23735,7 +24410,7 @@
           <a:p>
             <a:fld id="{5ACA52AF-F19D-405C-AD5F-7D94B96A5CC3}" type="slidenum">
               <a:rPr lang="de-CH" noProof="0" smtClean="0"/>
-              <a:t>22</a:t>
+              <a:t>20</a:t>
             </a:fld>
             <a:endParaRPr lang="de-CH" noProof="0"/>
           </a:p>
@@ -24631,7 +25306,7 @@
 </p:sld>
 </file>
 
-<file path=ppt/slides/slide23.xml><?xml version="1.0" encoding="utf-8"?>
+<file path=ppt/slides/slide21.xml><?xml version="1.0" encoding="utf-8"?>
 <p:sld xmlns:a="http://schemas.openxmlformats.org/drawingml/2006/main" xmlns:r="http://schemas.openxmlformats.org/officeDocument/2006/relationships" xmlns:p="http://schemas.openxmlformats.org/presentationml/2006/main">
   <p:cSld>
     <p:spTree>
@@ -24845,7 +25520,7 @@
           <a:p>
             <a:fld id="{5ACA52AF-F19D-405C-AD5F-7D94B96A5CC3}" type="slidenum">
               <a:rPr lang="en-GB" noProof="0" smtClean="0"/>
-              <a:t>23</a:t>
+              <a:t>21</a:t>
             </a:fld>
             <a:endParaRPr lang="en-GB" noProof="0" dirty="0"/>
           </a:p>
@@ -24864,7 +25539,7 @@
 </p:sld>
 </file>
 
-<file path=ppt/slides/slide24.xml><?xml version="1.0" encoding="utf-8"?>
+<file path=ppt/slides/slide22.xml><?xml version="1.0" encoding="utf-8"?>
 <p:sld xmlns:a="http://schemas.openxmlformats.org/drawingml/2006/main" xmlns:r="http://schemas.openxmlformats.org/officeDocument/2006/relationships" xmlns:p="http://schemas.openxmlformats.org/presentationml/2006/main">
   <p:cSld>
     <p:spTree>
@@ -25442,7 +26117,7 @@
           <a:p>
             <a:fld id="{5ACA52AF-F19D-405C-AD5F-7D94B96A5CC3}" type="slidenum">
               <a:rPr lang="en-GB" noProof="0" smtClean="0"/>
-              <a:t>24</a:t>
+              <a:t>22</a:t>
             </a:fld>
             <a:endParaRPr lang="en-GB" noProof="0" dirty="0"/>
           </a:p>
@@ -25461,7 +26136,7 @@
 </p:sld>
 </file>
 
-<file path=ppt/slides/slide25.xml><?xml version="1.0" encoding="utf-8"?>
+<file path=ppt/slides/slide23.xml><?xml version="1.0" encoding="utf-8"?>
 <p:sld xmlns:a="http://schemas.openxmlformats.org/drawingml/2006/main" xmlns:r="http://schemas.openxmlformats.org/officeDocument/2006/relationships" xmlns:p="http://schemas.openxmlformats.org/presentationml/2006/main">
   <p:cSld>
     <p:spTree>
@@ -26081,7 +26756,7 @@
           <a:p>
             <a:fld id="{5ACA52AF-F19D-405C-AD5F-7D94B96A5CC3}" type="slidenum">
               <a:rPr lang="en-GB" noProof="0" smtClean="0"/>
-              <a:t>25</a:t>
+              <a:t>23</a:t>
             </a:fld>
             <a:endParaRPr lang="en-GB" noProof="0" dirty="0"/>
           </a:p>
@@ -26100,7 +26775,7 @@
 </p:sld>
 </file>
 
-<file path=ppt/slides/slide26.xml><?xml version="1.0" encoding="utf-8"?>
+<file path=ppt/slides/slide24.xml><?xml version="1.0" encoding="utf-8"?>
 <p:sld xmlns:a="http://schemas.openxmlformats.org/drawingml/2006/main" xmlns:r="http://schemas.openxmlformats.org/officeDocument/2006/relationships" xmlns:p="http://schemas.openxmlformats.org/presentationml/2006/main">
   <p:cSld>
     <p:spTree>
@@ -26675,7 +27350,7 @@
           <a:p>
             <a:fld id="{5ACA52AF-F19D-405C-AD5F-7D94B96A5CC3}" type="slidenum">
               <a:rPr lang="en-GB" noProof="0" smtClean="0"/>
-              <a:t>26</a:t>
+              <a:t>24</a:t>
             </a:fld>
             <a:endParaRPr lang="en-GB" noProof="0" dirty="0"/>
           </a:p>
@@ -26694,7 +27369,7 @@
 </p:sld>
 </file>
 
-<file path=ppt/slides/slide27.xml><?xml version="1.0" encoding="utf-8"?>
+<file path=ppt/slides/slide25.xml><?xml version="1.0" encoding="utf-8"?>
 <p:sld xmlns:a="http://schemas.openxmlformats.org/drawingml/2006/main" xmlns:r="http://schemas.openxmlformats.org/officeDocument/2006/relationships" xmlns:p="http://schemas.openxmlformats.org/presentationml/2006/main">
   <p:cSld>
     <p:spTree>
@@ -27351,7 +28026,7 @@
           <a:p>
             <a:fld id="{5ACA52AF-F19D-405C-AD5F-7D94B96A5CC3}" type="slidenum">
               <a:rPr lang="en-GB" noProof="0" smtClean="0"/>
-              <a:t>27</a:t>
+              <a:t>25</a:t>
             </a:fld>
             <a:endParaRPr lang="en-GB" noProof="0" dirty="0"/>
           </a:p>
@@ -27370,7 +28045,7 @@
 </p:sld>
 </file>
 
-<file path=ppt/slides/slide28.xml><?xml version="1.0" encoding="utf-8"?>
+<file path=ppt/slides/slide26.xml><?xml version="1.0" encoding="utf-8"?>
 <p:sld xmlns:a="http://schemas.openxmlformats.org/drawingml/2006/main" xmlns:r="http://schemas.openxmlformats.org/officeDocument/2006/relationships" xmlns:p="http://schemas.openxmlformats.org/presentationml/2006/main">
   <p:cSld>
     <p:spTree>
@@ -27682,7 +28357,7 @@
           <a:p>
             <a:fld id="{5ACA52AF-F19D-405C-AD5F-7D94B96A5CC3}" type="slidenum">
               <a:rPr lang="en-GB" noProof="0" smtClean="0"/>
-              <a:t>28</a:t>
+              <a:t>26</a:t>
             </a:fld>
             <a:endParaRPr lang="en-GB" noProof="0" dirty="0"/>
           </a:p>
@@ -27701,7 +28376,7 @@
 </p:sld>
 </file>
 
-<file path=ppt/slides/slide29.xml><?xml version="1.0" encoding="utf-8"?>
+<file path=ppt/slides/slide27.xml><?xml version="1.0" encoding="utf-8"?>
 <p:sld xmlns:a="http://schemas.openxmlformats.org/drawingml/2006/main" xmlns:r="http://schemas.openxmlformats.org/officeDocument/2006/relationships" xmlns:p="http://schemas.openxmlformats.org/presentationml/2006/main">
   <p:cSld>
     <p:spTree>
@@ -28118,7 +28793,7 @@
           <a:p>
             <a:fld id="{5ACA52AF-F19D-405C-AD5F-7D94B96A5CC3}" type="slidenum">
               <a:rPr lang="en-GB" noProof="0" smtClean="0"/>
-              <a:t>29</a:t>
+              <a:t>27</a:t>
             </a:fld>
             <a:endParaRPr lang="en-GB" noProof="0" dirty="0"/>
           </a:p>
@@ -28128,6 +28803,1529 @@
     <p:extLst>
       <p:ext uri="{BB962C8B-B14F-4D97-AF65-F5344CB8AC3E}">
         <p14:creationId xmlns:p14="http://schemas.microsoft.com/office/powerpoint/2010/main" val="1032210412"/>
+      </p:ext>
+    </p:extLst>
+  </p:cSld>
+  <p:clrMapOvr>
+    <a:masterClrMapping/>
+  </p:clrMapOvr>
+</p:sld>
+</file>
+
+<file path=ppt/slides/slide28.xml><?xml version="1.0" encoding="utf-8"?>
+<p:sld xmlns:a="http://schemas.openxmlformats.org/drawingml/2006/main" xmlns:r="http://schemas.openxmlformats.org/officeDocument/2006/relationships" xmlns:p="http://schemas.openxmlformats.org/presentationml/2006/main">
+  <p:cSld>
+    <p:spTree>
+      <p:nvGrpSpPr>
+        <p:cNvPr id="1" name=""/>
+        <p:cNvGrpSpPr/>
+        <p:nvPr/>
+      </p:nvGrpSpPr>
+      <p:grpSpPr>
+        <a:xfrm>
+          <a:off x="0" y="0"/>
+          <a:ext cx="0" cy="0"/>
+          <a:chOff x="0" y="0"/>
+          <a:chExt cx="0" cy="0"/>
+        </a:xfrm>
+      </p:grpSpPr>
+      <p:sp>
+        <p:nvSpPr>
+          <p:cNvPr id="2" name="Titel 1">
+            <a:extLst>
+              <a:ext uri="{FF2B5EF4-FFF2-40B4-BE49-F238E27FC236}">
+                <a16:creationId xmlns:a16="http://schemas.microsoft.com/office/drawing/2014/main" id="{A7CA13FE-7A13-4ED3-8196-74CAF963149C}"/>
+              </a:ext>
+            </a:extLst>
+          </p:cNvPr>
+          <p:cNvSpPr>
+            <a:spLocks noGrp="1"/>
+          </p:cNvSpPr>
+          <p:nvPr>
+            <p:ph type="title"/>
+          </p:nvPr>
+        </p:nvSpPr>
+        <p:spPr/>
+        <p:txBody>
+          <a:bodyPr/>
+          <a:lstStyle/>
+          <a:p>
+            <a:r>
+              <a:rPr lang="en-GB" noProof="0" dirty="0"/>
+              <a:t>Hier </a:t>
+            </a:r>
+            <a:r>
+              <a:rPr lang="en-GB" noProof="0" dirty="0" err="1"/>
+              <a:t>steht</a:t>
+            </a:r>
+            <a:r>
+              <a:rPr lang="en-GB" noProof="0" dirty="0"/>
+              <a:t> der </a:t>
+            </a:r>
+            <a:r>
+              <a:rPr lang="en-GB" noProof="0" dirty="0" err="1"/>
+              <a:t>Folientitel</a:t>
+            </a:r>
+            <a:endParaRPr lang="en-GB" noProof="0" dirty="0"/>
+          </a:p>
+        </p:txBody>
+      </p:sp>
+      <p:sp>
+        <p:nvSpPr>
+          <p:cNvPr id="3" name="Inhaltsplatzhalter 2">
+            <a:extLst>
+              <a:ext uri="{FF2B5EF4-FFF2-40B4-BE49-F238E27FC236}">
+                <a16:creationId xmlns:a16="http://schemas.microsoft.com/office/drawing/2014/main" id="{E7FD6150-4476-428E-BB61-724E0142D925}"/>
+              </a:ext>
+            </a:extLst>
+          </p:cNvPr>
+          <p:cNvSpPr>
+            <a:spLocks noGrp="1"/>
+          </p:cNvSpPr>
+          <p:nvPr>
+            <p:ph idx="1"/>
+          </p:nvPr>
+        </p:nvSpPr>
+        <p:spPr/>
+        <p:txBody>
+          <a:bodyPr/>
+          <a:lstStyle/>
+          <a:p>
+            <a:r>
+              <a:rPr lang="en-GB" noProof="0" dirty="0"/>
+              <a:t>Titel der </a:t>
+            </a:r>
+            <a:r>
+              <a:rPr lang="en-GB" noProof="0" dirty="0" err="1"/>
+              <a:t>Tabelle</a:t>
+            </a:r>
+            <a:endParaRPr lang="en-GB" noProof="0" dirty="0"/>
+          </a:p>
+        </p:txBody>
+      </p:sp>
+      <p:graphicFrame>
+        <p:nvGraphicFramePr>
+          <p:cNvPr id="10" name="Tabelle 10">
+            <a:extLst>
+              <a:ext uri="{FF2B5EF4-FFF2-40B4-BE49-F238E27FC236}">
+                <a16:creationId xmlns:a16="http://schemas.microsoft.com/office/drawing/2014/main" id="{7E7EE0D9-F96C-4F09-9F41-32C62A5A6547}"/>
+              </a:ext>
+            </a:extLst>
+          </p:cNvPr>
+          <p:cNvGraphicFramePr>
+            <a:graphicFrameLocks noGrp="1"/>
+          </p:cNvGraphicFramePr>
+          <p:nvPr>
+            <p:ph type="tbl" sz="quarter" idx="13"/>
+            <p:extLst>
+              <p:ext uri="{D42A27DB-BD31-4B8C-83A1-F6EECF244321}">
+                <p14:modId xmlns:p14="http://schemas.microsoft.com/office/powerpoint/2010/main" val="3846199686"/>
+              </p:ext>
+            </p:extLst>
+          </p:nvPr>
+        </p:nvGraphicFramePr>
+        <p:xfrm>
+          <a:off x="731838" y="2062163"/>
+          <a:ext cx="8784000" cy="2268000"/>
+        </p:xfrm>
+        <a:graphic>
+          <a:graphicData uri="http://schemas.openxmlformats.org/drawingml/2006/table">
+            <a:tbl>
+              <a:tblPr firstRow="1" bandRow="1">
+                <a:tableStyleId>{9D7B26C5-4107-4FEC-AEDC-1716B250A1EF}</a:tableStyleId>
+              </a:tblPr>
+              <a:tblGrid>
+                <a:gridCol w="3600000">
+                  <a:extLst>
+                    <a:ext uri="{9D8B030D-6E8A-4147-A177-3AD203B41FA5}">
+                      <a16:colId xmlns:a16="http://schemas.microsoft.com/office/drawing/2014/main" val="4203801519"/>
+                    </a:ext>
+                  </a:extLst>
+                </a:gridCol>
+                <a:gridCol w="1296000">
+                  <a:extLst>
+                    <a:ext uri="{9D8B030D-6E8A-4147-A177-3AD203B41FA5}">
+                      <a16:colId xmlns:a16="http://schemas.microsoft.com/office/drawing/2014/main" val="740495432"/>
+                    </a:ext>
+                  </a:extLst>
+                </a:gridCol>
+                <a:gridCol w="1296000">
+                  <a:extLst>
+                    <a:ext uri="{9D8B030D-6E8A-4147-A177-3AD203B41FA5}">
+                      <a16:colId xmlns:a16="http://schemas.microsoft.com/office/drawing/2014/main" val="3080648808"/>
+                    </a:ext>
+                  </a:extLst>
+                </a:gridCol>
+                <a:gridCol w="1296000">
+                  <a:extLst>
+                    <a:ext uri="{9D8B030D-6E8A-4147-A177-3AD203B41FA5}">
+                      <a16:colId xmlns:a16="http://schemas.microsoft.com/office/drawing/2014/main" val="3595204828"/>
+                    </a:ext>
+                  </a:extLst>
+                </a:gridCol>
+                <a:gridCol w="1296000">
+                  <a:extLst>
+                    <a:ext uri="{9D8B030D-6E8A-4147-A177-3AD203B41FA5}">
+                      <a16:colId xmlns:a16="http://schemas.microsoft.com/office/drawing/2014/main" val="3488753729"/>
+                    </a:ext>
+                  </a:extLst>
+                </a:gridCol>
+              </a:tblGrid>
+              <a:tr h="324000">
+                <a:tc>
+                  <a:txBody>
+                    <a:bodyPr/>
+                    <a:lstStyle/>
+                    <a:p>
+                      <a:r>
+                        <a:rPr lang="en-GB" sz="1400" noProof="0" dirty="0" err="1"/>
+                        <a:t>Spaltenüberschrift</a:t>
+                      </a:r>
+                      <a:endParaRPr lang="en-GB" sz="1400" noProof="0" dirty="0"/>
+                    </a:p>
+                  </a:txBody>
+                  <a:tcPr marL="0" marR="72000" marT="0" marB="0" anchor="ctr">
+                    <a:lnT w="12700" cmpd="sng">
+                      <a:noFill/>
+                    </a:lnT>
+                    <a:lnB w="12700" cap="flat" cmpd="sng" algn="ctr">
+                      <a:solidFill>
+                        <a:schemeClr val="tx1"/>
+                      </a:solidFill>
+                      <a:prstDash val="solid"/>
+                      <a:round/>
+                      <a:headEnd type="none" w="med" len="med"/>
+                      <a:tailEnd type="none" w="med" len="med"/>
+                    </a:lnB>
+                  </a:tcPr>
+                </a:tc>
+                <a:tc>
+                  <a:txBody>
+                    <a:bodyPr/>
+                    <a:lstStyle/>
+                    <a:p>
+                      <a:pPr algn="r"/>
+                      <a:r>
+                        <a:rPr lang="en-GB" sz="1400" noProof="0" dirty="0"/>
+                        <a:t>2021</a:t>
+                      </a:r>
+                    </a:p>
+                  </a:txBody>
+                  <a:tcPr marL="0" marR="72000" marT="0" marB="0" anchor="ctr">
+                    <a:lnT w="12700" cmpd="sng">
+                      <a:noFill/>
+                    </a:lnT>
+                    <a:lnB w="12700" cap="flat" cmpd="sng" algn="ctr">
+                      <a:solidFill>
+                        <a:schemeClr val="tx1"/>
+                      </a:solidFill>
+                      <a:prstDash val="solid"/>
+                      <a:round/>
+                      <a:headEnd type="none" w="med" len="med"/>
+                      <a:tailEnd type="none" w="med" len="med"/>
+                    </a:lnB>
+                  </a:tcPr>
+                </a:tc>
+                <a:tc>
+                  <a:txBody>
+                    <a:bodyPr/>
+                    <a:lstStyle/>
+                    <a:p>
+                      <a:pPr algn="r"/>
+                      <a:r>
+                        <a:rPr lang="en-GB" sz="1400" noProof="0" dirty="0"/>
+                        <a:t>2020</a:t>
+                      </a:r>
+                    </a:p>
+                  </a:txBody>
+                  <a:tcPr marL="0" marR="72000" marT="0" marB="0" anchor="ctr">
+                    <a:lnT w="12700" cmpd="sng">
+                      <a:noFill/>
+                    </a:lnT>
+                  </a:tcPr>
+                </a:tc>
+                <a:tc>
+                  <a:txBody>
+                    <a:bodyPr/>
+                    <a:lstStyle/>
+                    <a:p>
+                      <a:pPr algn="r"/>
+                      <a:r>
+                        <a:rPr lang="en-GB" sz="1400" noProof="0" dirty="0"/>
+                        <a:t>2019</a:t>
+                      </a:r>
+                    </a:p>
+                  </a:txBody>
+                  <a:tcPr marL="0" marR="72000" marT="0" marB="0" anchor="ctr">
+                    <a:lnT w="12700" cmpd="sng">
+                      <a:noFill/>
+                    </a:lnT>
+                  </a:tcPr>
+                </a:tc>
+                <a:tc>
+                  <a:txBody>
+                    <a:bodyPr/>
+                    <a:lstStyle/>
+                    <a:p>
+                      <a:pPr algn="r"/>
+                      <a:r>
+                        <a:rPr lang="en-GB" sz="1400" noProof="0" dirty="0"/>
+                        <a:t>2018</a:t>
+                      </a:r>
+                    </a:p>
+                  </a:txBody>
+                  <a:tcPr marL="0" marR="72000" marT="0" marB="0" anchor="ctr">
+                    <a:lnT w="12700" cmpd="sng">
+                      <a:noFill/>
+                    </a:lnT>
+                  </a:tcPr>
+                </a:tc>
+                <a:extLst>
+                  <a:ext uri="{0D108BD9-81ED-4DB2-BD59-A6C34878D82A}">
+                    <a16:rowId xmlns:a16="http://schemas.microsoft.com/office/drawing/2014/main" val="2457665754"/>
+                  </a:ext>
+                </a:extLst>
+              </a:tr>
+              <a:tr h="324000">
+                <a:tc>
+                  <a:txBody>
+                    <a:bodyPr/>
+                    <a:lstStyle/>
+                    <a:p>
+                      <a:r>
+                        <a:rPr lang="en-GB" sz="1400" noProof="0" dirty="0"/>
+                        <a:t>Lorem ipsum </a:t>
+                      </a:r>
+                      <a:r>
+                        <a:rPr lang="en-GB" sz="1400" noProof="0" dirty="0" err="1"/>
+                        <a:t>dolor</a:t>
+                      </a:r>
+                      <a:endParaRPr lang="en-GB" sz="1400" noProof="0" dirty="0"/>
+                    </a:p>
+                  </a:txBody>
+                  <a:tcPr marL="0" marR="72000" marT="0" marB="0" anchor="ctr">
+                    <a:lnT w="12700" cap="flat" cmpd="sng" algn="ctr">
+                      <a:solidFill>
+                        <a:schemeClr val="tx1"/>
+                      </a:solidFill>
+                      <a:prstDash val="solid"/>
+                      <a:round/>
+                      <a:headEnd type="none" w="med" len="med"/>
+                      <a:tailEnd type="none" w="med" len="med"/>
+                    </a:lnT>
+                    <a:lnB w="6350" cap="flat" cmpd="sng" algn="ctr">
+                      <a:solidFill>
+                        <a:schemeClr val="tx1"/>
+                      </a:solidFill>
+                      <a:prstDash val="solid"/>
+                      <a:round/>
+                      <a:headEnd type="none" w="med" len="med"/>
+                      <a:tailEnd type="none" w="med" len="med"/>
+                    </a:lnB>
+                    <a:solidFill>
+                      <a:schemeClr val="bg1"/>
+                    </a:solidFill>
+                  </a:tcPr>
+                </a:tc>
+                <a:tc>
+                  <a:txBody>
+                    <a:bodyPr/>
+                    <a:lstStyle/>
+                    <a:p>
+                      <a:pPr algn="r"/>
+                      <a:r>
+                        <a:rPr lang="en-GB" sz="1400" noProof="0" dirty="0"/>
+                        <a:t>1606</a:t>
+                      </a:r>
+                    </a:p>
+                  </a:txBody>
+                  <a:tcPr marL="0" marR="72000" marT="0" marB="0" anchor="ctr">
+                    <a:lnT w="12700" cap="flat" cmpd="sng" algn="ctr">
+                      <a:solidFill>
+                        <a:schemeClr val="tx1"/>
+                      </a:solidFill>
+                      <a:prstDash val="solid"/>
+                      <a:round/>
+                      <a:headEnd type="none" w="med" len="med"/>
+                      <a:tailEnd type="none" w="med" len="med"/>
+                    </a:lnT>
+                    <a:lnB w="6350" cap="flat" cmpd="sng" algn="ctr">
+                      <a:solidFill>
+                        <a:schemeClr val="tx1"/>
+                      </a:solidFill>
+                      <a:prstDash val="solid"/>
+                      <a:round/>
+                      <a:headEnd type="none" w="med" len="med"/>
+                      <a:tailEnd type="none" w="med" len="med"/>
+                    </a:lnB>
+                    <a:solidFill>
+                      <a:schemeClr val="accent2">
+                        <a:alpha val="14902"/>
+                      </a:schemeClr>
+                    </a:solidFill>
+                  </a:tcPr>
+                </a:tc>
+                <a:tc>
+                  <a:txBody>
+                    <a:bodyPr/>
+                    <a:lstStyle/>
+                    <a:p>
+                      <a:pPr algn="r"/>
+                      <a:r>
+                        <a:rPr lang="en-GB" sz="1400" noProof="0" dirty="0"/>
+                        <a:t>1678</a:t>
+                      </a:r>
+                    </a:p>
+                  </a:txBody>
+                  <a:tcPr marL="0" marR="72000" marT="0" marB="0" anchor="ctr">
+                    <a:lnB w="6350" cap="flat" cmpd="sng" algn="ctr">
+                      <a:solidFill>
+                        <a:schemeClr val="tx1"/>
+                      </a:solidFill>
+                      <a:prstDash val="solid"/>
+                      <a:round/>
+                      <a:headEnd type="none" w="med" len="med"/>
+                      <a:tailEnd type="none" w="med" len="med"/>
+                    </a:lnB>
+                    <a:solidFill>
+                      <a:schemeClr val="bg1"/>
+                    </a:solidFill>
+                  </a:tcPr>
+                </a:tc>
+                <a:tc>
+                  <a:txBody>
+                    <a:bodyPr/>
+                    <a:lstStyle/>
+                    <a:p>
+                      <a:pPr algn="r"/>
+                      <a:r>
+                        <a:rPr lang="en-GB" sz="1400" noProof="0" dirty="0"/>
+                        <a:t>2072</a:t>
+                      </a:r>
+                    </a:p>
+                  </a:txBody>
+                  <a:tcPr marL="0" marR="72000" marT="0" marB="0" anchor="ctr">
+                    <a:lnB w="6350" cap="flat" cmpd="sng" algn="ctr">
+                      <a:solidFill>
+                        <a:schemeClr val="tx1"/>
+                      </a:solidFill>
+                      <a:prstDash val="solid"/>
+                      <a:round/>
+                      <a:headEnd type="none" w="med" len="med"/>
+                      <a:tailEnd type="none" w="med" len="med"/>
+                    </a:lnB>
+                    <a:solidFill>
+                      <a:schemeClr val="accent2">
+                        <a:alpha val="14902"/>
+                      </a:schemeClr>
+                    </a:solidFill>
+                  </a:tcPr>
+                </a:tc>
+                <a:tc>
+                  <a:txBody>
+                    <a:bodyPr/>
+                    <a:lstStyle/>
+                    <a:p>
+                      <a:pPr algn="r"/>
+                      <a:r>
+                        <a:rPr lang="en-GB" sz="1400" noProof="0" dirty="0"/>
+                        <a:t>2196</a:t>
+                      </a:r>
+                    </a:p>
+                  </a:txBody>
+                  <a:tcPr marL="0" marR="72000" marT="0" marB="0" anchor="ctr">
+                    <a:lnB w="6350" cap="flat" cmpd="sng" algn="ctr">
+                      <a:solidFill>
+                        <a:schemeClr val="tx1"/>
+                      </a:solidFill>
+                      <a:prstDash val="solid"/>
+                      <a:round/>
+                      <a:headEnd type="none" w="med" len="med"/>
+                      <a:tailEnd type="none" w="med" len="med"/>
+                    </a:lnB>
+                    <a:solidFill>
+                      <a:schemeClr val="bg1"/>
+                    </a:solidFill>
+                  </a:tcPr>
+                </a:tc>
+                <a:extLst>
+                  <a:ext uri="{0D108BD9-81ED-4DB2-BD59-A6C34878D82A}">
+                    <a16:rowId xmlns:a16="http://schemas.microsoft.com/office/drawing/2014/main" val="341457593"/>
+                  </a:ext>
+                </a:extLst>
+              </a:tr>
+              <a:tr h="324000">
+                <a:tc>
+                  <a:txBody>
+                    <a:bodyPr/>
+                    <a:lstStyle/>
+                    <a:p>
+                      <a:r>
+                        <a:rPr lang="en-GB" sz="1400" noProof="0" dirty="0" err="1"/>
+                        <a:t>Excepteur</a:t>
+                      </a:r>
+                      <a:r>
+                        <a:rPr lang="en-GB" sz="1400" noProof="0" dirty="0"/>
+                        <a:t> </a:t>
+                      </a:r>
+                      <a:r>
+                        <a:rPr lang="en-GB" sz="1400" noProof="0" dirty="0" err="1"/>
+                        <a:t>sint</a:t>
+                      </a:r>
+                      <a:r>
+                        <a:rPr lang="en-GB" sz="1400" noProof="0" dirty="0"/>
+                        <a:t> </a:t>
+                      </a:r>
+                      <a:r>
+                        <a:rPr lang="en-GB" sz="1400" noProof="0" dirty="0" err="1"/>
+                        <a:t>occaecat</a:t>
+                      </a:r>
+                      <a:endParaRPr lang="en-GB" sz="1400" noProof="0" dirty="0"/>
+                    </a:p>
+                  </a:txBody>
+                  <a:tcPr marL="0" marR="72000" marT="0" marB="0" anchor="ctr">
+                    <a:lnT w="6350" cap="flat" cmpd="sng" algn="ctr">
+                      <a:solidFill>
+                        <a:schemeClr val="tx1"/>
+                      </a:solidFill>
+                      <a:prstDash val="solid"/>
+                      <a:round/>
+                      <a:headEnd type="none" w="med" len="med"/>
+                      <a:tailEnd type="none" w="med" len="med"/>
+                    </a:lnT>
+                    <a:lnB w="6350" cap="flat" cmpd="sng" algn="ctr">
+                      <a:solidFill>
+                        <a:schemeClr val="tx1"/>
+                      </a:solidFill>
+                      <a:prstDash val="solid"/>
+                      <a:round/>
+                      <a:headEnd type="none" w="med" len="med"/>
+                      <a:tailEnd type="none" w="med" len="med"/>
+                    </a:lnB>
+                    <a:solidFill>
+                      <a:schemeClr val="bg1"/>
+                    </a:solidFill>
+                  </a:tcPr>
+                </a:tc>
+                <a:tc>
+                  <a:txBody>
+                    <a:bodyPr/>
+                    <a:lstStyle/>
+                    <a:p>
+                      <a:pPr algn="r"/>
+                      <a:r>
+                        <a:rPr lang="en-GB" sz="1400" noProof="0" dirty="0"/>
+                        <a:t>373</a:t>
+                      </a:r>
+                    </a:p>
+                  </a:txBody>
+                  <a:tcPr marL="0" marR="72000" marT="0" marB="0" anchor="ctr">
+                    <a:lnT w="6350" cap="flat" cmpd="sng" algn="ctr">
+                      <a:solidFill>
+                        <a:schemeClr val="tx1"/>
+                      </a:solidFill>
+                      <a:prstDash val="solid"/>
+                      <a:round/>
+                      <a:headEnd type="none" w="med" len="med"/>
+                      <a:tailEnd type="none" w="med" len="med"/>
+                    </a:lnT>
+                    <a:lnB w="6350" cap="flat" cmpd="sng" algn="ctr">
+                      <a:solidFill>
+                        <a:schemeClr val="tx1"/>
+                      </a:solidFill>
+                      <a:prstDash val="solid"/>
+                      <a:round/>
+                      <a:headEnd type="none" w="med" len="med"/>
+                      <a:tailEnd type="none" w="med" len="med"/>
+                    </a:lnB>
+                    <a:solidFill>
+                      <a:schemeClr val="accent2">
+                        <a:alpha val="14902"/>
+                      </a:schemeClr>
+                    </a:solidFill>
+                  </a:tcPr>
+                </a:tc>
+                <a:tc>
+                  <a:txBody>
+                    <a:bodyPr/>
+                    <a:lstStyle/>
+                    <a:p>
+                      <a:pPr algn="r"/>
+                      <a:r>
+                        <a:rPr lang="en-GB" sz="1400" noProof="0" dirty="0"/>
+                        <a:t>281</a:t>
+                      </a:r>
+                    </a:p>
+                  </a:txBody>
+                  <a:tcPr marL="0" marR="72000" marT="0" marB="0" anchor="ctr">
+                    <a:lnT w="6350" cap="flat" cmpd="sng" algn="ctr">
+                      <a:solidFill>
+                        <a:schemeClr val="tx1"/>
+                      </a:solidFill>
+                      <a:prstDash val="solid"/>
+                      <a:round/>
+                      <a:headEnd type="none" w="med" len="med"/>
+                      <a:tailEnd type="none" w="med" len="med"/>
+                    </a:lnT>
+                    <a:lnB w="6350" cap="flat" cmpd="sng" algn="ctr">
+                      <a:solidFill>
+                        <a:schemeClr val="tx1"/>
+                      </a:solidFill>
+                      <a:prstDash val="solid"/>
+                      <a:round/>
+                      <a:headEnd type="none" w="med" len="med"/>
+                      <a:tailEnd type="none" w="med" len="med"/>
+                    </a:lnB>
+                    <a:solidFill>
+                      <a:schemeClr val="bg1"/>
+                    </a:solidFill>
+                  </a:tcPr>
+                </a:tc>
+                <a:tc>
+                  <a:txBody>
+                    <a:bodyPr/>
+                    <a:lstStyle/>
+                    <a:p>
+                      <a:pPr algn="r"/>
+                      <a:r>
+                        <a:rPr lang="en-GB" sz="1400" noProof="0" dirty="0"/>
+                        <a:t>381</a:t>
+                      </a:r>
+                    </a:p>
+                  </a:txBody>
+                  <a:tcPr marL="0" marR="72000" marT="0" marB="0" anchor="ctr">
+                    <a:lnT w="6350" cap="flat" cmpd="sng" algn="ctr">
+                      <a:solidFill>
+                        <a:schemeClr val="tx1"/>
+                      </a:solidFill>
+                      <a:prstDash val="solid"/>
+                      <a:round/>
+                      <a:headEnd type="none" w="med" len="med"/>
+                      <a:tailEnd type="none" w="med" len="med"/>
+                    </a:lnT>
+                    <a:lnB w="6350" cap="flat" cmpd="sng" algn="ctr">
+                      <a:solidFill>
+                        <a:schemeClr val="tx1"/>
+                      </a:solidFill>
+                      <a:prstDash val="solid"/>
+                      <a:round/>
+                      <a:headEnd type="none" w="med" len="med"/>
+                      <a:tailEnd type="none" w="med" len="med"/>
+                    </a:lnB>
+                    <a:solidFill>
+                      <a:schemeClr val="accent2">
+                        <a:alpha val="14902"/>
+                      </a:schemeClr>
+                    </a:solidFill>
+                  </a:tcPr>
+                </a:tc>
+                <a:tc>
+                  <a:txBody>
+                    <a:bodyPr/>
+                    <a:lstStyle/>
+                    <a:p>
+                      <a:pPr algn="r"/>
+                      <a:r>
+                        <a:rPr lang="en-GB" sz="1400" noProof="0" dirty="0"/>
+                        <a:t>410</a:t>
+                      </a:r>
+                    </a:p>
+                  </a:txBody>
+                  <a:tcPr marL="0" marR="72000" marT="0" marB="0" anchor="ctr">
+                    <a:lnT w="6350" cap="flat" cmpd="sng" algn="ctr">
+                      <a:solidFill>
+                        <a:schemeClr val="tx1"/>
+                      </a:solidFill>
+                      <a:prstDash val="solid"/>
+                      <a:round/>
+                      <a:headEnd type="none" w="med" len="med"/>
+                      <a:tailEnd type="none" w="med" len="med"/>
+                    </a:lnT>
+                    <a:lnB w="6350" cap="flat" cmpd="sng" algn="ctr">
+                      <a:solidFill>
+                        <a:schemeClr val="tx1"/>
+                      </a:solidFill>
+                      <a:prstDash val="solid"/>
+                      <a:round/>
+                      <a:headEnd type="none" w="med" len="med"/>
+                      <a:tailEnd type="none" w="med" len="med"/>
+                    </a:lnB>
+                    <a:solidFill>
+                      <a:schemeClr val="bg1"/>
+                    </a:solidFill>
+                  </a:tcPr>
+                </a:tc>
+                <a:extLst>
+                  <a:ext uri="{0D108BD9-81ED-4DB2-BD59-A6C34878D82A}">
+                    <a16:rowId xmlns:a16="http://schemas.microsoft.com/office/drawing/2014/main" val="3696018661"/>
+                  </a:ext>
+                </a:extLst>
+              </a:tr>
+              <a:tr h="324000">
+                <a:tc>
+                  <a:txBody>
+                    <a:bodyPr/>
+                    <a:lstStyle/>
+                    <a:p>
+                      <a:r>
+                        <a:rPr lang="en-GB" sz="1400" noProof="0" dirty="0"/>
+                        <a:t>Ut </a:t>
+                      </a:r>
+                      <a:r>
+                        <a:rPr lang="en-GB" sz="1400" noProof="0" dirty="0" err="1"/>
+                        <a:t>enim</a:t>
+                      </a:r>
+                      <a:r>
+                        <a:rPr lang="en-GB" sz="1400" noProof="0" dirty="0"/>
+                        <a:t> ad minim </a:t>
+                      </a:r>
+                      <a:r>
+                        <a:rPr lang="en-GB" sz="1400" noProof="0" dirty="0" err="1"/>
+                        <a:t>veniam</a:t>
+                      </a:r>
+                      <a:endParaRPr lang="en-GB" sz="1400" noProof="0" dirty="0"/>
+                    </a:p>
+                  </a:txBody>
+                  <a:tcPr marL="0" marR="72000" marT="0" marB="0" anchor="ctr">
+                    <a:lnT w="6350" cap="flat" cmpd="sng" algn="ctr">
+                      <a:solidFill>
+                        <a:schemeClr val="tx1"/>
+                      </a:solidFill>
+                      <a:prstDash val="solid"/>
+                      <a:round/>
+                      <a:headEnd type="none" w="med" len="med"/>
+                      <a:tailEnd type="none" w="med" len="med"/>
+                    </a:lnT>
+                    <a:lnB w="6350" cap="flat" cmpd="sng" algn="ctr">
+                      <a:solidFill>
+                        <a:schemeClr val="tx1"/>
+                      </a:solidFill>
+                      <a:prstDash val="solid"/>
+                      <a:round/>
+                      <a:headEnd type="none" w="med" len="med"/>
+                      <a:tailEnd type="none" w="med" len="med"/>
+                    </a:lnB>
+                    <a:solidFill>
+                      <a:schemeClr val="bg1"/>
+                    </a:solidFill>
+                  </a:tcPr>
+                </a:tc>
+                <a:tc>
+                  <a:txBody>
+                    <a:bodyPr/>
+                    <a:lstStyle/>
+                    <a:p>
+                      <a:pPr algn="r"/>
+                      <a:r>
+                        <a:rPr lang="en-GB" sz="1400" noProof="0" dirty="0"/>
+                        <a:t>537</a:t>
+                      </a:r>
+                    </a:p>
+                  </a:txBody>
+                  <a:tcPr marL="0" marR="72000" marT="0" marB="0" anchor="ctr">
+                    <a:lnT w="6350" cap="flat" cmpd="sng" algn="ctr">
+                      <a:solidFill>
+                        <a:schemeClr val="tx1"/>
+                      </a:solidFill>
+                      <a:prstDash val="solid"/>
+                      <a:round/>
+                      <a:headEnd type="none" w="med" len="med"/>
+                      <a:tailEnd type="none" w="med" len="med"/>
+                    </a:lnT>
+                    <a:lnB w="6350" cap="flat" cmpd="sng" algn="ctr">
+                      <a:solidFill>
+                        <a:schemeClr val="tx1"/>
+                      </a:solidFill>
+                      <a:prstDash val="solid"/>
+                      <a:round/>
+                      <a:headEnd type="none" w="med" len="med"/>
+                      <a:tailEnd type="none" w="med" len="med"/>
+                    </a:lnB>
+                    <a:solidFill>
+                      <a:schemeClr val="accent2">
+                        <a:alpha val="14902"/>
+                      </a:schemeClr>
+                    </a:solidFill>
+                  </a:tcPr>
+                </a:tc>
+                <a:tc>
+                  <a:txBody>
+                    <a:bodyPr/>
+                    <a:lstStyle/>
+                    <a:p>
+                      <a:pPr algn="r"/>
+                      <a:r>
+                        <a:rPr lang="en-GB" sz="1400" noProof="0" dirty="0"/>
+                        <a:t>607</a:t>
+                      </a:r>
+                    </a:p>
+                  </a:txBody>
+                  <a:tcPr marL="0" marR="72000" marT="0" marB="0" anchor="ctr">
+                    <a:lnT w="6350" cap="flat" cmpd="sng" algn="ctr">
+                      <a:solidFill>
+                        <a:schemeClr val="tx1"/>
+                      </a:solidFill>
+                      <a:prstDash val="solid"/>
+                      <a:round/>
+                      <a:headEnd type="none" w="med" len="med"/>
+                      <a:tailEnd type="none" w="med" len="med"/>
+                    </a:lnT>
+                    <a:lnB w="6350" cap="flat" cmpd="sng" algn="ctr">
+                      <a:solidFill>
+                        <a:schemeClr val="tx1"/>
+                      </a:solidFill>
+                      <a:prstDash val="solid"/>
+                      <a:round/>
+                      <a:headEnd type="none" w="med" len="med"/>
+                      <a:tailEnd type="none" w="med" len="med"/>
+                    </a:lnB>
+                    <a:solidFill>
+                      <a:schemeClr val="bg1"/>
+                    </a:solidFill>
+                  </a:tcPr>
+                </a:tc>
+                <a:tc>
+                  <a:txBody>
+                    <a:bodyPr/>
+                    <a:lstStyle/>
+                    <a:p>
+                      <a:pPr algn="r"/>
+                      <a:r>
+                        <a:rPr lang="en-GB" sz="1400" noProof="0" dirty="0"/>
+                        <a:t>733</a:t>
+                      </a:r>
+                    </a:p>
+                  </a:txBody>
+                  <a:tcPr marL="0" marR="72000" marT="0" marB="0" anchor="ctr">
+                    <a:lnT w="6350" cap="flat" cmpd="sng" algn="ctr">
+                      <a:solidFill>
+                        <a:schemeClr val="tx1"/>
+                      </a:solidFill>
+                      <a:prstDash val="solid"/>
+                      <a:round/>
+                      <a:headEnd type="none" w="med" len="med"/>
+                      <a:tailEnd type="none" w="med" len="med"/>
+                    </a:lnT>
+                    <a:lnB w="6350" cap="flat" cmpd="sng" algn="ctr">
+                      <a:solidFill>
+                        <a:schemeClr val="tx1"/>
+                      </a:solidFill>
+                      <a:prstDash val="solid"/>
+                      <a:round/>
+                      <a:headEnd type="none" w="med" len="med"/>
+                      <a:tailEnd type="none" w="med" len="med"/>
+                    </a:lnB>
+                    <a:solidFill>
+                      <a:schemeClr val="accent2">
+                        <a:alpha val="14902"/>
+                      </a:schemeClr>
+                    </a:solidFill>
+                  </a:tcPr>
+                </a:tc>
+                <a:tc>
+                  <a:txBody>
+                    <a:bodyPr/>
+                    <a:lstStyle/>
+                    <a:p>
+                      <a:pPr algn="r"/>
+                      <a:r>
+                        <a:rPr lang="en-GB" sz="1400" noProof="0" dirty="0"/>
+                        <a:t>786</a:t>
+                      </a:r>
+                    </a:p>
+                  </a:txBody>
+                  <a:tcPr marL="0" marR="72000" marT="0" marB="0" anchor="ctr">
+                    <a:lnT w="6350" cap="flat" cmpd="sng" algn="ctr">
+                      <a:solidFill>
+                        <a:schemeClr val="tx1"/>
+                      </a:solidFill>
+                      <a:prstDash val="solid"/>
+                      <a:round/>
+                      <a:headEnd type="none" w="med" len="med"/>
+                      <a:tailEnd type="none" w="med" len="med"/>
+                    </a:lnT>
+                    <a:lnB w="6350" cap="flat" cmpd="sng" algn="ctr">
+                      <a:solidFill>
+                        <a:schemeClr val="tx1"/>
+                      </a:solidFill>
+                      <a:prstDash val="solid"/>
+                      <a:round/>
+                      <a:headEnd type="none" w="med" len="med"/>
+                      <a:tailEnd type="none" w="med" len="med"/>
+                    </a:lnB>
+                    <a:solidFill>
+                      <a:schemeClr val="bg1"/>
+                    </a:solidFill>
+                  </a:tcPr>
+                </a:tc>
+                <a:extLst>
+                  <a:ext uri="{0D108BD9-81ED-4DB2-BD59-A6C34878D82A}">
+                    <a16:rowId xmlns:a16="http://schemas.microsoft.com/office/drawing/2014/main" val="3015627213"/>
+                  </a:ext>
+                </a:extLst>
+              </a:tr>
+              <a:tr h="324000">
+                <a:tc>
+                  <a:txBody>
+                    <a:bodyPr/>
+                    <a:lstStyle/>
+                    <a:p>
+                      <a:r>
+                        <a:rPr lang="en-GB" sz="1400" noProof="0" dirty="0" err="1"/>
+                        <a:t>Nostrud</a:t>
+                      </a:r>
+                      <a:r>
+                        <a:rPr lang="en-GB" sz="1400" noProof="0" dirty="0"/>
+                        <a:t> exercitation</a:t>
+                      </a:r>
+                    </a:p>
+                  </a:txBody>
+                  <a:tcPr marL="0" marR="72000" marT="0" marB="0" anchor="ctr">
+                    <a:lnT w="6350" cap="flat" cmpd="sng" algn="ctr">
+                      <a:solidFill>
+                        <a:schemeClr val="tx1"/>
+                      </a:solidFill>
+                      <a:prstDash val="solid"/>
+                      <a:round/>
+                      <a:headEnd type="none" w="med" len="med"/>
+                      <a:tailEnd type="none" w="med" len="med"/>
+                    </a:lnT>
+                    <a:lnB w="6350" cap="flat" cmpd="sng" algn="ctr">
+                      <a:solidFill>
+                        <a:schemeClr val="tx1"/>
+                      </a:solidFill>
+                      <a:prstDash val="solid"/>
+                      <a:round/>
+                      <a:headEnd type="none" w="med" len="med"/>
+                      <a:tailEnd type="none" w="med" len="med"/>
+                    </a:lnB>
+                    <a:solidFill>
+                      <a:schemeClr val="bg1"/>
+                    </a:solidFill>
+                  </a:tcPr>
+                </a:tc>
+                <a:tc>
+                  <a:txBody>
+                    <a:bodyPr/>
+                    <a:lstStyle/>
+                    <a:p>
+                      <a:pPr algn="r"/>
+                      <a:r>
+                        <a:rPr lang="en-GB" sz="1400" noProof="0" dirty="0"/>
+                        <a:t>365</a:t>
+                      </a:r>
+                    </a:p>
+                  </a:txBody>
+                  <a:tcPr marL="0" marR="72000" marT="0" marB="0" anchor="ctr">
+                    <a:lnT w="6350" cap="flat" cmpd="sng" algn="ctr">
+                      <a:solidFill>
+                        <a:schemeClr val="tx1"/>
+                      </a:solidFill>
+                      <a:prstDash val="solid"/>
+                      <a:round/>
+                      <a:headEnd type="none" w="med" len="med"/>
+                      <a:tailEnd type="none" w="med" len="med"/>
+                    </a:lnT>
+                    <a:lnB w="6350" cap="flat" cmpd="sng" algn="ctr">
+                      <a:solidFill>
+                        <a:schemeClr val="tx1"/>
+                      </a:solidFill>
+                      <a:prstDash val="solid"/>
+                      <a:round/>
+                      <a:headEnd type="none" w="med" len="med"/>
+                      <a:tailEnd type="none" w="med" len="med"/>
+                    </a:lnB>
+                    <a:solidFill>
+                      <a:schemeClr val="accent2">
+                        <a:alpha val="14902"/>
+                      </a:schemeClr>
+                    </a:solidFill>
+                  </a:tcPr>
+                </a:tc>
+                <a:tc>
+                  <a:txBody>
+                    <a:bodyPr/>
+                    <a:lstStyle/>
+                    <a:p>
+                      <a:pPr algn="r"/>
+                      <a:r>
+                        <a:rPr lang="en-GB" sz="1400" noProof="0" dirty="0"/>
+                        <a:t>425</a:t>
+                      </a:r>
+                    </a:p>
+                  </a:txBody>
+                  <a:tcPr marL="0" marR="72000" marT="0" marB="0" anchor="ctr">
+                    <a:lnT w="6350" cap="flat" cmpd="sng" algn="ctr">
+                      <a:solidFill>
+                        <a:schemeClr val="tx1"/>
+                      </a:solidFill>
+                      <a:prstDash val="solid"/>
+                      <a:round/>
+                      <a:headEnd type="none" w="med" len="med"/>
+                      <a:tailEnd type="none" w="med" len="med"/>
+                    </a:lnT>
+                    <a:lnB w="6350" cap="flat" cmpd="sng" algn="ctr">
+                      <a:solidFill>
+                        <a:schemeClr val="tx1"/>
+                      </a:solidFill>
+                      <a:prstDash val="solid"/>
+                      <a:round/>
+                      <a:headEnd type="none" w="med" len="med"/>
+                      <a:tailEnd type="none" w="med" len="med"/>
+                    </a:lnB>
+                    <a:solidFill>
+                      <a:schemeClr val="bg1"/>
+                    </a:solidFill>
+                  </a:tcPr>
+                </a:tc>
+                <a:tc>
+                  <a:txBody>
+                    <a:bodyPr/>
+                    <a:lstStyle/>
+                    <a:p>
+                      <a:pPr algn="r"/>
+                      <a:r>
+                        <a:rPr lang="en-GB" sz="1400" noProof="0" dirty="0"/>
+                        <a:t>506</a:t>
+                      </a:r>
+                    </a:p>
+                  </a:txBody>
+                  <a:tcPr marL="0" marR="72000" marT="0" marB="0" anchor="ctr">
+                    <a:lnT w="6350" cap="flat" cmpd="sng" algn="ctr">
+                      <a:solidFill>
+                        <a:schemeClr val="tx1"/>
+                      </a:solidFill>
+                      <a:prstDash val="solid"/>
+                      <a:round/>
+                      <a:headEnd type="none" w="med" len="med"/>
+                      <a:tailEnd type="none" w="med" len="med"/>
+                    </a:lnT>
+                    <a:lnB w="6350" cap="flat" cmpd="sng" algn="ctr">
+                      <a:solidFill>
+                        <a:schemeClr val="tx1"/>
+                      </a:solidFill>
+                      <a:prstDash val="solid"/>
+                      <a:round/>
+                      <a:headEnd type="none" w="med" len="med"/>
+                      <a:tailEnd type="none" w="med" len="med"/>
+                    </a:lnB>
+                    <a:solidFill>
+                      <a:schemeClr val="accent2">
+                        <a:alpha val="14902"/>
+                      </a:schemeClr>
+                    </a:solidFill>
+                  </a:tcPr>
+                </a:tc>
+                <a:tc>
+                  <a:txBody>
+                    <a:bodyPr/>
+                    <a:lstStyle/>
+                    <a:p>
+                      <a:pPr algn="r"/>
+                      <a:r>
+                        <a:rPr lang="en-GB" sz="1400" noProof="0" dirty="0"/>
+                        <a:t>559</a:t>
+                      </a:r>
+                    </a:p>
+                  </a:txBody>
+                  <a:tcPr marL="0" marR="72000" marT="0" marB="0" anchor="ctr">
+                    <a:lnT w="6350" cap="flat" cmpd="sng" algn="ctr">
+                      <a:solidFill>
+                        <a:schemeClr val="tx1"/>
+                      </a:solidFill>
+                      <a:prstDash val="solid"/>
+                      <a:round/>
+                      <a:headEnd type="none" w="med" len="med"/>
+                      <a:tailEnd type="none" w="med" len="med"/>
+                    </a:lnT>
+                    <a:lnB w="6350" cap="flat" cmpd="sng" algn="ctr">
+                      <a:solidFill>
+                        <a:schemeClr val="tx1"/>
+                      </a:solidFill>
+                      <a:prstDash val="solid"/>
+                      <a:round/>
+                      <a:headEnd type="none" w="med" len="med"/>
+                      <a:tailEnd type="none" w="med" len="med"/>
+                    </a:lnB>
+                    <a:solidFill>
+                      <a:schemeClr val="bg1"/>
+                    </a:solidFill>
+                  </a:tcPr>
+                </a:tc>
+                <a:extLst>
+                  <a:ext uri="{0D108BD9-81ED-4DB2-BD59-A6C34878D82A}">
+                    <a16:rowId xmlns:a16="http://schemas.microsoft.com/office/drawing/2014/main" val="4037119490"/>
+                  </a:ext>
+                </a:extLst>
+              </a:tr>
+              <a:tr h="324000">
+                <a:tc>
+                  <a:txBody>
+                    <a:bodyPr/>
+                    <a:lstStyle/>
+                    <a:p>
+                      <a:r>
+                        <a:rPr lang="en-GB" sz="1400" noProof="0" dirty="0" err="1"/>
+                        <a:t>Consectetur</a:t>
+                      </a:r>
+                      <a:r>
+                        <a:rPr lang="en-GB" sz="1400" noProof="0" dirty="0"/>
+                        <a:t> </a:t>
+                      </a:r>
+                      <a:r>
+                        <a:rPr lang="en-GB" sz="1400" noProof="0" dirty="0" err="1"/>
+                        <a:t>adipiscing</a:t>
+                      </a:r>
+                      <a:r>
+                        <a:rPr lang="en-GB" sz="1400" noProof="0" dirty="0"/>
+                        <a:t> </a:t>
+                      </a:r>
+                      <a:r>
+                        <a:rPr lang="en-GB" sz="1400" noProof="0" dirty="0" err="1"/>
+                        <a:t>elit</a:t>
+                      </a:r>
+                      <a:endParaRPr lang="en-GB" sz="1400" noProof="0" dirty="0"/>
+                    </a:p>
+                  </a:txBody>
+                  <a:tcPr marL="0" marR="72000" marT="0" marB="0" anchor="ctr">
+                    <a:lnT w="6350" cap="flat" cmpd="sng" algn="ctr">
+                      <a:solidFill>
+                        <a:schemeClr val="tx1"/>
+                      </a:solidFill>
+                      <a:prstDash val="solid"/>
+                      <a:round/>
+                      <a:headEnd type="none" w="med" len="med"/>
+                      <a:tailEnd type="none" w="med" len="med"/>
+                    </a:lnT>
+                    <a:lnB w="6350" cap="flat" cmpd="sng" algn="ctr">
+                      <a:solidFill>
+                        <a:schemeClr val="tx1"/>
+                      </a:solidFill>
+                      <a:prstDash val="solid"/>
+                      <a:round/>
+                      <a:headEnd type="none" w="med" len="med"/>
+                      <a:tailEnd type="none" w="med" len="med"/>
+                    </a:lnB>
+                    <a:solidFill>
+                      <a:schemeClr val="bg1"/>
+                    </a:solidFill>
+                  </a:tcPr>
+                </a:tc>
+                <a:tc>
+                  <a:txBody>
+                    <a:bodyPr/>
+                    <a:lstStyle/>
+                    <a:p>
+                      <a:pPr algn="r"/>
+                      <a:r>
+                        <a:rPr lang="en-GB" sz="1400" noProof="0" dirty="0"/>
+                        <a:t>318</a:t>
+                      </a:r>
+                    </a:p>
+                  </a:txBody>
+                  <a:tcPr marL="0" marR="72000" marT="0" marB="0" anchor="ctr">
+                    <a:lnT w="6350" cap="flat" cmpd="sng" algn="ctr">
+                      <a:solidFill>
+                        <a:schemeClr val="tx1"/>
+                      </a:solidFill>
+                      <a:prstDash val="solid"/>
+                      <a:round/>
+                      <a:headEnd type="none" w="med" len="med"/>
+                      <a:tailEnd type="none" w="med" len="med"/>
+                    </a:lnT>
+                    <a:lnB w="6350" cap="flat" cmpd="sng" algn="ctr">
+                      <a:solidFill>
+                        <a:schemeClr val="tx1"/>
+                      </a:solidFill>
+                      <a:prstDash val="solid"/>
+                      <a:round/>
+                      <a:headEnd type="none" w="med" len="med"/>
+                      <a:tailEnd type="none" w="med" len="med"/>
+                    </a:lnB>
+                    <a:solidFill>
+                      <a:schemeClr val="accent2">
+                        <a:alpha val="14902"/>
+                      </a:schemeClr>
+                    </a:solidFill>
+                  </a:tcPr>
+                </a:tc>
+                <a:tc>
+                  <a:txBody>
+                    <a:bodyPr/>
+                    <a:lstStyle/>
+                    <a:p>
+                      <a:pPr algn="r"/>
+                      <a:r>
+                        <a:rPr lang="en-GB" sz="1400" noProof="0" dirty="0"/>
+                        <a:t>349</a:t>
+                      </a:r>
+                    </a:p>
+                  </a:txBody>
+                  <a:tcPr marL="0" marR="72000" marT="0" marB="0" anchor="ctr">
+                    <a:lnT w="6350" cap="flat" cmpd="sng" algn="ctr">
+                      <a:solidFill>
+                        <a:schemeClr val="tx1"/>
+                      </a:solidFill>
+                      <a:prstDash val="solid"/>
+                      <a:round/>
+                      <a:headEnd type="none" w="med" len="med"/>
+                      <a:tailEnd type="none" w="med" len="med"/>
+                    </a:lnT>
+                    <a:lnB w="6350" cap="flat" cmpd="sng" algn="ctr">
+                      <a:solidFill>
+                        <a:schemeClr val="tx1"/>
+                      </a:solidFill>
+                      <a:prstDash val="solid"/>
+                      <a:round/>
+                      <a:headEnd type="none" w="med" len="med"/>
+                      <a:tailEnd type="none" w="med" len="med"/>
+                    </a:lnB>
+                    <a:solidFill>
+                      <a:schemeClr val="bg1"/>
+                    </a:solidFill>
+                  </a:tcPr>
+                </a:tc>
+                <a:tc>
+                  <a:txBody>
+                    <a:bodyPr/>
+                    <a:lstStyle/>
+                    <a:p>
+                      <a:pPr algn="r"/>
+                      <a:r>
+                        <a:rPr lang="en-GB" sz="1400" noProof="0" dirty="0"/>
+                        <a:t>355</a:t>
+                      </a:r>
+                    </a:p>
+                  </a:txBody>
+                  <a:tcPr marL="0" marR="72000" marT="0" marB="0" anchor="ctr">
+                    <a:lnT w="6350" cap="flat" cmpd="sng" algn="ctr">
+                      <a:solidFill>
+                        <a:schemeClr val="tx1"/>
+                      </a:solidFill>
+                      <a:prstDash val="solid"/>
+                      <a:round/>
+                      <a:headEnd type="none" w="med" len="med"/>
+                      <a:tailEnd type="none" w="med" len="med"/>
+                    </a:lnT>
+                    <a:lnB w="6350" cap="flat" cmpd="sng" algn="ctr">
+                      <a:solidFill>
+                        <a:schemeClr val="tx1"/>
+                      </a:solidFill>
+                      <a:prstDash val="solid"/>
+                      <a:round/>
+                      <a:headEnd type="none" w="med" len="med"/>
+                      <a:tailEnd type="none" w="med" len="med"/>
+                    </a:lnB>
+                    <a:solidFill>
+                      <a:schemeClr val="accent2">
+                        <a:alpha val="14902"/>
+                      </a:schemeClr>
+                    </a:solidFill>
+                  </a:tcPr>
+                </a:tc>
+                <a:tc>
+                  <a:txBody>
+                    <a:bodyPr/>
+                    <a:lstStyle/>
+                    <a:p>
+                      <a:pPr algn="r"/>
+                      <a:r>
+                        <a:rPr lang="en-GB" sz="1400" noProof="0" dirty="0"/>
+                        <a:t>359</a:t>
+                      </a:r>
+                    </a:p>
+                  </a:txBody>
+                  <a:tcPr marL="0" marR="72000" marT="0" marB="0" anchor="ctr">
+                    <a:lnT w="6350" cap="flat" cmpd="sng" algn="ctr">
+                      <a:solidFill>
+                        <a:schemeClr val="tx1"/>
+                      </a:solidFill>
+                      <a:prstDash val="solid"/>
+                      <a:round/>
+                      <a:headEnd type="none" w="med" len="med"/>
+                      <a:tailEnd type="none" w="med" len="med"/>
+                    </a:lnT>
+                    <a:lnB w="6350" cap="flat" cmpd="sng" algn="ctr">
+                      <a:solidFill>
+                        <a:schemeClr val="tx1"/>
+                      </a:solidFill>
+                      <a:prstDash val="solid"/>
+                      <a:round/>
+                      <a:headEnd type="none" w="med" len="med"/>
+                      <a:tailEnd type="none" w="med" len="med"/>
+                    </a:lnB>
+                    <a:solidFill>
+                      <a:schemeClr val="bg1"/>
+                    </a:solidFill>
+                  </a:tcPr>
+                </a:tc>
+                <a:extLst>
+                  <a:ext uri="{0D108BD9-81ED-4DB2-BD59-A6C34878D82A}">
+                    <a16:rowId xmlns:a16="http://schemas.microsoft.com/office/drawing/2014/main" val="3243906409"/>
+                  </a:ext>
+                </a:extLst>
+              </a:tr>
+              <a:tr h="324000">
+                <a:tc>
+                  <a:txBody>
+                    <a:bodyPr/>
+                    <a:lstStyle/>
+                    <a:p>
+                      <a:r>
+                        <a:rPr lang="en-GB" sz="1400" noProof="0" dirty="0"/>
+                        <a:t>Nim ad minim </a:t>
+                      </a:r>
+                      <a:r>
+                        <a:rPr lang="en-GB" sz="1400" noProof="0" dirty="0" err="1"/>
+                        <a:t>veniam</a:t>
+                      </a:r>
+                      <a:endParaRPr lang="en-GB" sz="1400" noProof="0" dirty="0"/>
+                    </a:p>
+                  </a:txBody>
+                  <a:tcPr marL="0" marR="72000" marT="0" marB="0" anchor="ctr">
+                    <a:lnT w="6350" cap="flat" cmpd="sng" algn="ctr">
+                      <a:solidFill>
+                        <a:schemeClr val="tx1"/>
+                      </a:solidFill>
+                      <a:prstDash val="solid"/>
+                      <a:round/>
+                      <a:headEnd type="none" w="med" len="med"/>
+                      <a:tailEnd type="none" w="med" len="med"/>
+                    </a:lnT>
+                    <a:lnB w="6350" cap="flat" cmpd="sng" algn="ctr">
+                      <a:solidFill>
+                        <a:schemeClr val="tx1"/>
+                      </a:solidFill>
+                      <a:prstDash val="solid"/>
+                      <a:round/>
+                      <a:headEnd type="none" w="med" len="med"/>
+                      <a:tailEnd type="none" w="med" len="med"/>
+                    </a:lnB>
+                    <a:solidFill>
+                      <a:schemeClr val="bg1"/>
+                    </a:solidFill>
+                  </a:tcPr>
+                </a:tc>
+                <a:tc>
+                  <a:txBody>
+                    <a:bodyPr/>
+                    <a:lstStyle/>
+                    <a:p>
+                      <a:pPr algn="r"/>
+                      <a:r>
+                        <a:rPr lang="en-GB" sz="1400" noProof="0" dirty="0"/>
+                        <a:t>13</a:t>
+                      </a:r>
+                    </a:p>
+                  </a:txBody>
+                  <a:tcPr marL="0" marR="72000" marT="0" marB="0" anchor="ctr">
+                    <a:lnT w="6350" cap="flat" cmpd="sng" algn="ctr">
+                      <a:solidFill>
+                        <a:schemeClr val="tx1"/>
+                      </a:solidFill>
+                      <a:prstDash val="solid"/>
+                      <a:round/>
+                      <a:headEnd type="none" w="med" len="med"/>
+                      <a:tailEnd type="none" w="med" len="med"/>
+                    </a:lnT>
+                    <a:lnB w="6350" cap="flat" cmpd="sng" algn="ctr">
+                      <a:solidFill>
+                        <a:schemeClr val="tx1"/>
+                      </a:solidFill>
+                      <a:prstDash val="solid"/>
+                      <a:round/>
+                      <a:headEnd type="none" w="med" len="med"/>
+                      <a:tailEnd type="none" w="med" len="med"/>
+                    </a:lnB>
+                    <a:solidFill>
+                      <a:schemeClr val="accent2">
+                        <a:alpha val="14902"/>
+                      </a:schemeClr>
+                    </a:solidFill>
+                  </a:tcPr>
+                </a:tc>
+                <a:tc>
+                  <a:txBody>
+                    <a:bodyPr/>
+                    <a:lstStyle/>
+                    <a:p>
+                      <a:pPr algn="r"/>
+                      <a:r>
+                        <a:rPr lang="en-GB" sz="1400" noProof="0" dirty="0"/>
+                        <a:t>16</a:t>
+                      </a:r>
+                    </a:p>
+                  </a:txBody>
+                  <a:tcPr marL="0" marR="72000" marT="0" marB="0" anchor="ctr">
+                    <a:lnT w="6350" cap="flat" cmpd="sng" algn="ctr">
+                      <a:solidFill>
+                        <a:schemeClr val="tx1"/>
+                      </a:solidFill>
+                      <a:prstDash val="solid"/>
+                      <a:round/>
+                      <a:headEnd type="none" w="med" len="med"/>
+                      <a:tailEnd type="none" w="med" len="med"/>
+                    </a:lnT>
+                    <a:lnB w="6350" cap="flat" cmpd="sng" algn="ctr">
+                      <a:solidFill>
+                        <a:schemeClr val="tx1"/>
+                      </a:solidFill>
+                      <a:prstDash val="solid"/>
+                      <a:round/>
+                      <a:headEnd type="none" w="med" len="med"/>
+                      <a:tailEnd type="none" w="med" len="med"/>
+                    </a:lnB>
+                    <a:solidFill>
+                      <a:schemeClr val="bg1"/>
+                    </a:solidFill>
+                  </a:tcPr>
+                </a:tc>
+                <a:tc>
+                  <a:txBody>
+                    <a:bodyPr/>
+                    <a:lstStyle/>
+                    <a:p>
+                      <a:pPr algn="r"/>
+                      <a:r>
+                        <a:rPr lang="en-GB" sz="1400" noProof="0" dirty="0"/>
+                        <a:t>97</a:t>
+                      </a:r>
+                    </a:p>
+                  </a:txBody>
+                  <a:tcPr marL="0" marR="72000" marT="0" marB="0" anchor="ctr">
+                    <a:lnT w="6350" cap="flat" cmpd="sng" algn="ctr">
+                      <a:solidFill>
+                        <a:schemeClr val="tx1"/>
+                      </a:solidFill>
+                      <a:prstDash val="solid"/>
+                      <a:round/>
+                      <a:headEnd type="none" w="med" len="med"/>
+                      <a:tailEnd type="none" w="med" len="med"/>
+                    </a:lnT>
+                    <a:lnB w="6350" cap="flat" cmpd="sng" algn="ctr">
+                      <a:solidFill>
+                        <a:schemeClr val="tx1"/>
+                      </a:solidFill>
+                      <a:prstDash val="solid"/>
+                      <a:round/>
+                      <a:headEnd type="none" w="med" len="med"/>
+                      <a:tailEnd type="none" w="med" len="med"/>
+                    </a:lnB>
+                    <a:solidFill>
+                      <a:schemeClr val="accent2">
+                        <a:alpha val="14902"/>
+                      </a:schemeClr>
+                    </a:solidFill>
+                  </a:tcPr>
+                </a:tc>
+                <a:tc>
+                  <a:txBody>
+                    <a:bodyPr/>
+                    <a:lstStyle/>
+                    <a:p>
+                      <a:pPr algn="r"/>
+                      <a:r>
+                        <a:rPr lang="en-GB" sz="1400" noProof="0" dirty="0"/>
+                        <a:t>82</a:t>
+                      </a:r>
+                    </a:p>
+                  </a:txBody>
+                  <a:tcPr marL="0" marR="72000" marT="0" marB="0" anchor="ctr">
+                    <a:lnT w="6350" cap="flat" cmpd="sng" algn="ctr">
+                      <a:solidFill>
+                        <a:schemeClr val="tx1"/>
+                      </a:solidFill>
+                      <a:prstDash val="solid"/>
+                      <a:round/>
+                      <a:headEnd type="none" w="med" len="med"/>
+                      <a:tailEnd type="none" w="med" len="med"/>
+                    </a:lnT>
+                    <a:lnB w="6350" cap="flat" cmpd="sng" algn="ctr">
+                      <a:solidFill>
+                        <a:schemeClr val="tx1"/>
+                      </a:solidFill>
+                      <a:prstDash val="solid"/>
+                      <a:round/>
+                      <a:headEnd type="none" w="med" len="med"/>
+                      <a:tailEnd type="none" w="med" len="med"/>
+                    </a:lnB>
+                    <a:solidFill>
+                      <a:schemeClr val="bg1"/>
+                    </a:solidFill>
+                  </a:tcPr>
+                </a:tc>
+                <a:extLst>
+                  <a:ext uri="{0D108BD9-81ED-4DB2-BD59-A6C34878D82A}">
+                    <a16:rowId xmlns:a16="http://schemas.microsoft.com/office/drawing/2014/main" val="461168459"/>
+                  </a:ext>
+                </a:extLst>
+              </a:tr>
+            </a:tbl>
+          </a:graphicData>
+        </a:graphic>
+      </p:graphicFrame>
+      <p:sp>
+        <p:nvSpPr>
+          <p:cNvPr id="4" name="Datumsplatzhalter 3">
+            <a:extLst>
+              <a:ext uri="{FF2B5EF4-FFF2-40B4-BE49-F238E27FC236}">
+                <a16:creationId xmlns:a16="http://schemas.microsoft.com/office/drawing/2014/main" id="{D787F48E-4D49-40AE-A9FC-A27213E0B0E5}"/>
+              </a:ext>
+            </a:extLst>
+          </p:cNvPr>
+          <p:cNvSpPr>
+            <a:spLocks noGrp="1"/>
+          </p:cNvSpPr>
+          <p:nvPr>
+            <p:ph type="dt" sz="half" idx="10"/>
+          </p:nvPr>
+        </p:nvSpPr>
+        <p:spPr/>
+        <p:txBody>
+          <a:bodyPr/>
+          <a:lstStyle/>
+          <a:p>
+            <a:fld id="{7260A9D5-8325-4620-96F6-FB312AC6FB66}" type="datetime1">
+              <a:rPr lang="en-GB" noProof="0" smtClean="0"/>
+              <a:t>01/07/2025</a:t>
+            </a:fld>
+            <a:endParaRPr lang="en-GB" noProof="0" dirty="0"/>
+          </a:p>
+        </p:txBody>
+      </p:sp>
+      <p:sp>
+        <p:nvSpPr>
+          <p:cNvPr id="6" name="Foliennummernplatzhalter 5">
+            <a:extLst>
+              <a:ext uri="{FF2B5EF4-FFF2-40B4-BE49-F238E27FC236}">
+                <a16:creationId xmlns:a16="http://schemas.microsoft.com/office/drawing/2014/main" id="{08DF25AC-71F5-49EF-B424-0872223A925D}"/>
+              </a:ext>
+            </a:extLst>
+          </p:cNvPr>
+          <p:cNvSpPr>
+            <a:spLocks noGrp="1"/>
+          </p:cNvSpPr>
+          <p:nvPr>
+            <p:ph type="sldNum" sz="quarter" idx="12"/>
+          </p:nvPr>
+        </p:nvSpPr>
+        <p:spPr/>
+        <p:txBody>
+          <a:bodyPr/>
+          <a:lstStyle/>
+          <a:p>
+            <a:fld id="{5ACA52AF-F19D-405C-AD5F-7D94B96A5CC3}" type="slidenum">
+              <a:rPr lang="en-GB" noProof="0" smtClean="0"/>
+              <a:t>28</a:t>
+            </a:fld>
+            <a:endParaRPr lang="en-GB" noProof="0" dirty="0"/>
+          </a:p>
+        </p:txBody>
+      </p:sp>
+    </p:spTree>
+    <p:extLst>
+      <p:ext uri="{BB962C8B-B14F-4D97-AF65-F5344CB8AC3E}">
+        <p14:creationId xmlns:p14="http://schemas.microsoft.com/office/powerpoint/2010/main" val="852670894"/>
       </p:ext>
     </p:extLst>
   </p:cSld>
@@ -28189,8 +30387,8 @@
           </a:p>
         </p:txBody>
       </p:sp>
-      <mc:AlternateContent xmlns:mc="http://schemas.openxmlformats.org/markup-compatibility/2006" xmlns:a14="http://schemas.microsoft.com/office/drawing/2010/main">
-        <mc:Choice Requires="a14">
+      <mc:AlternateContent xmlns:mc="http://schemas.openxmlformats.org/markup-compatibility/2006">
+        <mc:Choice xmlns:a14="http://schemas.microsoft.com/office/drawing/2010/main" Requires="a14">
           <p:sp>
             <p:nvSpPr>
               <p:cNvPr id="3" name="Inhaltsplatzhalter 2">
@@ -28592,7 +30790,7 @@
                 </a:r>
                 <a:r>
                   <a:rPr lang="en-GB" dirty="0"/>
-                  <a:t> consists of 13 Tiles and such that the next draw could complete it to a </a:t>
+                  <a:t> consists of 13 Tiles such that the next draw could complete it to a </a:t>
                 </a:r>
                 <a:r>
                   <a:rPr lang="en-GB" b="1" i="1" dirty="0"/>
@@ -28615,7 +30813,7 @@
             </p:txBody>
           </p:sp>
         </mc:Choice>
-        <mc:Fallback xmlns="">
+        <mc:Fallback>
           <p:sp>
             <p:nvSpPr>
               <p:cNvPr id="3" name="Inhaltsplatzhalter 2">
@@ -28726,1529 +30924,6 @@
 </p:sld>
 </file>
 
-<file path=ppt/slides/slide30.xml><?xml version="1.0" encoding="utf-8"?>
-<p:sld xmlns:a="http://schemas.openxmlformats.org/drawingml/2006/main" xmlns:r="http://schemas.openxmlformats.org/officeDocument/2006/relationships" xmlns:p="http://schemas.openxmlformats.org/presentationml/2006/main">
-  <p:cSld>
-    <p:spTree>
-      <p:nvGrpSpPr>
-        <p:cNvPr id="1" name=""/>
-        <p:cNvGrpSpPr/>
-        <p:nvPr/>
-      </p:nvGrpSpPr>
-      <p:grpSpPr>
-        <a:xfrm>
-          <a:off x="0" y="0"/>
-          <a:ext cx="0" cy="0"/>
-          <a:chOff x="0" y="0"/>
-          <a:chExt cx="0" cy="0"/>
-        </a:xfrm>
-      </p:grpSpPr>
-      <p:sp>
-        <p:nvSpPr>
-          <p:cNvPr id="2" name="Titel 1">
-            <a:extLst>
-              <a:ext uri="{FF2B5EF4-FFF2-40B4-BE49-F238E27FC236}">
-                <a16:creationId xmlns:a16="http://schemas.microsoft.com/office/drawing/2014/main" id="{A7CA13FE-7A13-4ED3-8196-74CAF963149C}"/>
-              </a:ext>
-            </a:extLst>
-          </p:cNvPr>
-          <p:cNvSpPr>
-            <a:spLocks noGrp="1"/>
-          </p:cNvSpPr>
-          <p:nvPr>
-            <p:ph type="title"/>
-          </p:nvPr>
-        </p:nvSpPr>
-        <p:spPr/>
-        <p:txBody>
-          <a:bodyPr/>
-          <a:lstStyle/>
-          <a:p>
-            <a:r>
-              <a:rPr lang="en-GB" noProof="0" dirty="0"/>
-              <a:t>Hier </a:t>
-            </a:r>
-            <a:r>
-              <a:rPr lang="en-GB" noProof="0" dirty="0" err="1"/>
-              <a:t>steht</a:t>
-            </a:r>
-            <a:r>
-              <a:rPr lang="en-GB" noProof="0" dirty="0"/>
-              <a:t> der </a:t>
-            </a:r>
-            <a:r>
-              <a:rPr lang="en-GB" noProof="0" dirty="0" err="1"/>
-              <a:t>Folientitel</a:t>
-            </a:r>
-            <a:endParaRPr lang="en-GB" noProof="0" dirty="0"/>
-          </a:p>
-        </p:txBody>
-      </p:sp>
-      <p:sp>
-        <p:nvSpPr>
-          <p:cNvPr id="3" name="Inhaltsplatzhalter 2">
-            <a:extLst>
-              <a:ext uri="{FF2B5EF4-FFF2-40B4-BE49-F238E27FC236}">
-                <a16:creationId xmlns:a16="http://schemas.microsoft.com/office/drawing/2014/main" id="{E7FD6150-4476-428E-BB61-724E0142D925}"/>
-              </a:ext>
-            </a:extLst>
-          </p:cNvPr>
-          <p:cNvSpPr>
-            <a:spLocks noGrp="1"/>
-          </p:cNvSpPr>
-          <p:nvPr>
-            <p:ph idx="1"/>
-          </p:nvPr>
-        </p:nvSpPr>
-        <p:spPr/>
-        <p:txBody>
-          <a:bodyPr/>
-          <a:lstStyle/>
-          <a:p>
-            <a:r>
-              <a:rPr lang="en-GB" noProof="0" dirty="0"/>
-              <a:t>Titel der </a:t>
-            </a:r>
-            <a:r>
-              <a:rPr lang="en-GB" noProof="0" dirty="0" err="1"/>
-              <a:t>Tabelle</a:t>
-            </a:r>
-            <a:endParaRPr lang="en-GB" noProof="0" dirty="0"/>
-          </a:p>
-        </p:txBody>
-      </p:sp>
-      <p:graphicFrame>
-        <p:nvGraphicFramePr>
-          <p:cNvPr id="10" name="Tabelle 10">
-            <a:extLst>
-              <a:ext uri="{FF2B5EF4-FFF2-40B4-BE49-F238E27FC236}">
-                <a16:creationId xmlns:a16="http://schemas.microsoft.com/office/drawing/2014/main" id="{7E7EE0D9-F96C-4F09-9F41-32C62A5A6547}"/>
-              </a:ext>
-            </a:extLst>
-          </p:cNvPr>
-          <p:cNvGraphicFramePr>
-            <a:graphicFrameLocks noGrp="1"/>
-          </p:cNvGraphicFramePr>
-          <p:nvPr>
-            <p:ph type="tbl" sz="quarter" idx="13"/>
-            <p:extLst>
-              <p:ext uri="{D42A27DB-BD31-4B8C-83A1-F6EECF244321}">
-                <p14:modId xmlns:p14="http://schemas.microsoft.com/office/powerpoint/2010/main" val="3846199686"/>
-              </p:ext>
-            </p:extLst>
-          </p:nvPr>
-        </p:nvGraphicFramePr>
-        <p:xfrm>
-          <a:off x="731838" y="2062163"/>
-          <a:ext cx="8784000" cy="2268000"/>
-        </p:xfrm>
-        <a:graphic>
-          <a:graphicData uri="http://schemas.openxmlformats.org/drawingml/2006/table">
-            <a:tbl>
-              <a:tblPr firstRow="1" bandRow="1">
-                <a:tableStyleId>{9D7B26C5-4107-4FEC-AEDC-1716B250A1EF}</a:tableStyleId>
-              </a:tblPr>
-              <a:tblGrid>
-                <a:gridCol w="3600000">
-                  <a:extLst>
-                    <a:ext uri="{9D8B030D-6E8A-4147-A177-3AD203B41FA5}">
-                      <a16:colId xmlns:a16="http://schemas.microsoft.com/office/drawing/2014/main" val="4203801519"/>
-                    </a:ext>
-                  </a:extLst>
-                </a:gridCol>
-                <a:gridCol w="1296000">
-                  <a:extLst>
-                    <a:ext uri="{9D8B030D-6E8A-4147-A177-3AD203B41FA5}">
-                      <a16:colId xmlns:a16="http://schemas.microsoft.com/office/drawing/2014/main" val="740495432"/>
-                    </a:ext>
-                  </a:extLst>
-                </a:gridCol>
-                <a:gridCol w="1296000">
-                  <a:extLst>
-                    <a:ext uri="{9D8B030D-6E8A-4147-A177-3AD203B41FA5}">
-                      <a16:colId xmlns:a16="http://schemas.microsoft.com/office/drawing/2014/main" val="3080648808"/>
-                    </a:ext>
-                  </a:extLst>
-                </a:gridCol>
-                <a:gridCol w="1296000">
-                  <a:extLst>
-                    <a:ext uri="{9D8B030D-6E8A-4147-A177-3AD203B41FA5}">
-                      <a16:colId xmlns:a16="http://schemas.microsoft.com/office/drawing/2014/main" val="3595204828"/>
-                    </a:ext>
-                  </a:extLst>
-                </a:gridCol>
-                <a:gridCol w="1296000">
-                  <a:extLst>
-                    <a:ext uri="{9D8B030D-6E8A-4147-A177-3AD203B41FA5}">
-                      <a16:colId xmlns:a16="http://schemas.microsoft.com/office/drawing/2014/main" val="3488753729"/>
-                    </a:ext>
-                  </a:extLst>
-                </a:gridCol>
-              </a:tblGrid>
-              <a:tr h="324000">
-                <a:tc>
-                  <a:txBody>
-                    <a:bodyPr/>
-                    <a:lstStyle/>
-                    <a:p>
-                      <a:r>
-                        <a:rPr lang="en-GB" sz="1400" noProof="0" dirty="0" err="1"/>
-                        <a:t>Spaltenüberschrift</a:t>
-                      </a:r>
-                      <a:endParaRPr lang="en-GB" sz="1400" noProof="0" dirty="0"/>
-                    </a:p>
-                  </a:txBody>
-                  <a:tcPr marL="0" marR="72000" marT="0" marB="0" anchor="ctr">
-                    <a:lnT w="12700" cmpd="sng">
-                      <a:noFill/>
-                    </a:lnT>
-                    <a:lnB w="12700" cap="flat" cmpd="sng" algn="ctr">
-                      <a:solidFill>
-                        <a:schemeClr val="tx1"/>
-                      </a:solidFill>
-                      <a:prstDash val="solid"/>
-                      <a:round/>
-                      <a:headEnd type="none" w="med" len="med"/>
-                      <a:tailEnd type="none" w="med" len="med"/>
-                    </a:lnB>
-                  </a:tcPr>
-                </a:tc>
-                <a:tc>
-                  <a:txBody>
-                    <a:bodyPr/>
-                    <a:lstStyle/>
-                    <a:p>
-                      <a:pPr algn="r"/>
-                      <a:r>
-                        <a:rPr lang="en-GB" sz="1400" noProof="0" dirty="0"/>
-                        <a:t>2021</a:t>
-                      </a:r>
-                    </a:p>
-                  </a:txBody>
-                  <a:tcPr marL="0" marR="72000" marT="0" marB="0" anchor="ctr">
-                    <a:lnT w="12700" cmpd="sng">
-                      <a:noFill/>
-                    </a:lnT>
-                    <a:lnB w="12700" cap="flat" cmpd="sng" algn="ctr">
-                      <a:solidFill>
-                        <a:schemeClr val="tx1"/>
-                      </a:solidFill>
-                      <a:prstDash val="solid"/>
-                      <a:round/>
-                      <a:headEnd type="none" w="med" len="med"/>
-                      <a:tailEnd type="none" w="med" len="med"/>
-                    </a:lnB>
-                  </a:tcPr>
-                </a:tc>
-                <a:tc>
-                  <a:txBody>
-                    <a:bodyPr/>
-                    <a:lstStyle/>
-                    <a:p>
-                      <a:pPr algn="r"/>
-                      <a:r>
-                        <a:rPr lang="en-GB" sz="1400" noProof="0" dirty="0"/>
-                        <a:t>2020</a:t>
-                      </a:r>
-                    </a:p>
-                  </a:txBody>
-                  <a:tcPr marL="0" marR="72000" marT="0" marB="0" anchor="ctr">
-                    <a:lnT w="12700" cmpd="sng">
-                      <a:noFill/>
-                    </a:lnT>
-                  </a:tcPr>
-                </a:tc>
-                <a:tc>
-                  <a:txBody>
-                    <a:bodyPr/>
-                    <a:lstStyle/>
-                    <a:p>
-                      <a:pPr algn="r"/>
-                      <a:r>
-                        <a:rPr lang="en-GB" sz="1400" noProof="0" dirty="0"/>
-                        <a:t>2019</a:t>
-                      </a:r>
-                    </a:p>
-                  </a:txBody>
-                  <a:tcPr marL="0" marR="72000" marT="0" marB="0" anchor="ctr">
-                    <a:lnT w="12700" cmpd="sng">
-                      <a:noFill/>
-                    </a:lnT>
-                  </a:tcPr>
-                </a:tc>
-                <a:tc>
-                  <a:txBody>
-                    <a:bodyPr/>
-                    <a:lstStyle/>
-                    <a:p>
-                      <a:pPr algn="r"/>
-                      <a:r>
-                        <a:rPr lang="en-GB" sz="1400" noProof="0" dirty="0"/>
-                        <a:t>2018</a:t>
-                      </a:r>
-                    </a:p>
-                  </a:txBody>
-                  <a:tcPr marL="0" marR="72000" marT="0" marB="0" anchor="ctr">
-                    <a:lnT w="12700" cmpd="sng">
-                      <a:noFill/>
-                    </a:lnT>
-                  </a:tcPr>
-                </a:tc>
-                <a:extLst>
-                  <a:ext uri="{0D108BD9-81ED-4DB2-BD59-A6C34878D82A}">
-                    <a16:rowId xmlns:a16="http://schemas.microsoft.com/office/drawing/2014/main" val="2457665754"/>
-                  </a:ext>
-                </a:extLst>
-              </a:tr>
-              <a:tr h="324000">
-                <a:tc>
-                  <a:txBody>
-                    <a:bodyPr/>
-                    <a:lstStyle/>
-                    <a:p>
-                      <a:r>
-                        <a:rPr lang="en-GB" sz="1400" noProof="0" dirty="0"/>
-                        <a:t>Lorem ipsum </a:t>
-                      </a:r>
-                      <a:r>
-                        <a:rPr lang="en-GB" sz="1400" noProof="0" dirty="0" err="1"/>
-                        <a:t>dolor</a:t>
-                      </a:r>
-                      <a:endParaRPr lang="en-GB" sz="1400" noProof="0" dirty="0"/>
-                    </a:p>
-                  </a:txBody>
-                  <a:tcPr marL="0" marR="72000" marT="0" marB="0" anchor="ctr">
-                    <a:lnT w="12700" cap="flat" cmpd="sng" algn="ctr">
-                      <a:solidFill>
-                        <a:schemeClr val="tx1"/>
-                      </a:solidFill>
-                      <a:prstDash val="solid"/>
-                      <a:round/>
-                      <a:headEnd type="none" w="med" len="med"/>
-                      <a:tailEnd type="none" w="med" len="med"/>
-                    </a:lnT>
-                    <a:lnB w="6350" cap="flat" cmpd="sng" algn="ctr">
-                      <a:solidFill>
-                        <a:schemeClr val="tx1"/>
-                      </a:solidFill>
-                      <a:prstDash val="solid"/>
-                      <a:round/>
-                      <a:headEnd type="none" w="med" len="med"/>
-                      <a:tailEnd type="none" w="med" len="med"/>
-                    </a:lnB>
-                    <a:solidFill>
-                      <a:schemeClr val="bg1"/>
-                    </a:solidFill>
-                  </a:tcPr>
-                </a:tc>
-                <a:tc>
-                  <a:txBody>
-                    <a:bodyPr/>
-                    <a:lstStyle/>
-                    <a:p>
-                      <a:pPr algn="r"/>
-                      <a:r>
-                        <a:rPr lang="en-GB" sz="1400" noProof="0" dirty="0"/>
-                        <a:t>1606</a:t>
-                      </a:r>
-                    </a:p>
-                  </a:txBody>
-                  <a:tcPr marL="0" marR="72000" marT="0" marB="0" anchor="ctr">
-                    <a:lnT w="12700" cap="flat" cmpd="sng" algn="ctr">
-                      <a:solidFill>
-                        <a:schemeClr val="tx1"/>
-                      </a:solidFill>
-                      <a:prstDash val="solid"/>
-                      <a:round/>
-                      <a:headEnd type="none" w="med" len="med"/>
-                      <a:tailEnd type="none" w="med" len="med"/>
-                    </a:lnT>
-                    <a:lnB w="6350" cap="flat" cmpd="sng" algn="ctr">
-                      <a:solidFill>
-                        <a:schemeClr val="tx1"/>
-                      </a:solidFill>
-                      <a:prstDash val="solid"/>
-                      <a:round/>
-                      <a:headEnd type="none" w="med" len="med"/>
-                      <a:tailEnd type="none" w="med" len="med"/>
-                    </a:lnB>
-                    <a:solidFill>
-                      <a:schemeClr val="accent2">
-                        <a:alpha val="14902"/>
-                      </a:schemeClr>
-                    </a:solidFill>
-                  </a:tcPr>
-                </a:tc>
-                <a:tc>
-                  <a:txBody>
-                    <a:bodyPr/>
-                    <a:lstStyle/>
-                    <a:p>
-                      <a:pPr algn="r"/>
-                      <a:r>
-                        <a:rPr lang="en-GB" sz="1400" noProof="0" dirty="0"/>
-                        <a:t>1678</a:t>
-                      </a:r>
-                    </a:p>
-                  </a:txBody>
-                  <a:tcPr marL="0" marR="72000" marT="0" marB="0" anchor="ctr">
-                    <a:lnB w="6350" cap="flat" cmpd="sng" algn="ctr">
-                      <a:solidFill>
-                        <a:schemeClr val="tx1"/>
-                      </a:solidFill>
-                      <a:prstDash val="solid"/>
-                      <a:round/>
-                      <a:headEnd type="none" w="med" len="med"/>
-                      <a:tailEnd type="none" w="med" len="med"/>
-                    </a:lnB>
-                    <a:solidFill>
-                      <a:schemeClr val="bg1"/>
-                    </a:solidFill>
-                  </a:tcPr>
-                </a:tc>
-                <a:tc>
-                  <a:txBody>
-                    <a:bodyPr/>
-                    <a:lstStyle/>
-                    <a:p>
-                      <a:pPr algn="r"/>
-                      <a:r>
-                        <a:rPr lang="en-GB" sz="1400" noProof="0" dirty="0"/>
-                        <a:t>2072</a:t>
-                      </a:r>
-                    </a:p>
-                  </a:txBody>
-                  <a:tcPr marL="0" marR="72000" marT="0" marB="0" anchor="ctr">
-                    <a:lnB w="6350" cap="flat" cmpd="sng" algn="ctr">
-                      <a:solidFill>
-                        <a:schemeClr val="tx1"/>
-                      </a:solidFill>
-                      <a:prstDash val="solid"/>
-                      <a:round/>
-                      <a:headEnd type="none" w="med" len="med"/>
-                      <a:tailEnd type="none" w="med" len="med"/>
-                    </a:lnB>
-                    <a:solidFill>
-                      <a:schemeClr val="accent2">
-                        <a:alpha val="14902"/>
-                      </a:schemeClr>
-                    </a:solidFill>
-                  </a:tcPr>
-                </a:tc>
-                <a:tc>
-                  <a:txBody>
-                    <a:bodyPr/>
-                    <a:lstStyle/>
-                    <a:p>
-                      <a:pPr algn="r"/>
-                      <a:r>
-                        <a:rPr lang="en-GB" sz="1400" noProof="0" dirty="0"/>
-                        <a:t>2196</a:t>
-                      </a:r>
-                    </a:p>
-                  </a:txBody>
-                  <a:tcPr marL="0" marR="72000" marT="0" marB="0" anchor="ctr">
-                    <a:lnB w="6350" cap="flat" cmpd="sng" algn="ctr">
-                      <a:solidFill>
-                        <a:schemeClr val="tx1"/>
-                      </a:solidFill>
-                      <a:prstDash val="solid"/>
-                      <a:round/>
-                      <a:headEnd type="none" w="med" len="med"/>
-                      <a:tailEnd type="none" w="med" len="med"/>
-                    </a:lnB>
-                    <a:solidFill>
-                      <a:schemeClr val="bg1"/>
-                    </a:solidFill>
-                  </a:tcPr>
-                </a:tc>
-                <a:extLst>
-                  <a:ext uri="{0D108BD9-81ED-4DB2-BD59-A6C34878D82A}">
-                    <a16:rowId xmlns:a16="http://schemas.microsoft.com/office/drawing/2014/main" val="341457593"/>
-                  </a:ext>
-                </a:extLst>
-              </a:tr>
-              <a:tr h="324000">
-                <a:tc>
-                  <a:txBody>
-                    <a:bodyPr/>
-                    <a:lstStyle/>
-                    <a:p>
-                      <a:r>
-                        <a:rPr lang="en-GB" sz="1400" noProof="0" dirty="0" err="1"/>
-                        <a:t>Excepteur</a:t>
-                      </a:r>
-                      <a:r>
-                        <a:rPr lang="en-GB" sz="1400" noProof="0" dirty="0"/>
-                        <a:t> </a:t>
-                      </a:r>
-                      <a:r>
-                        <a:rPr lang="en-GB" sz="1400" noProof="0" dirty="0" err="1"/>
-                        <a:t>sint</a:t>
-                      </a:r>
-                      <a:r>
-                        <a:rPr lang="en-GB" sz="1400" noProof="0" dirty="0"/>
-                        <a:t> </a:t>
-                      </a:r>
-                      <a:r>
-                        <a:rPr lang="en-GB" sz="1400" noProof="0" dirty="0" err="1"/>
-                        <a:t>occaecat</a:t>
-                      </a:r>
-                      <a:endParaRPr lang="en-GB" sz="1400" noProof="0" dirty="0"/>
-                    </a:p>
-                  </a:txBody>
-                  <a:tcPr marL="0" marR="72000" marT="0" marB="0" anchor="ctr">
-                    <a:lnT w="6350" cap="flat" cmpd="sng" algn="ctr">
-                      <a:solidFill>
-                        <a:schemeClr val="tx1"/>
-                      </a:solidFill>
-                      <a:prstDash val="solid"/>
-                      <a:round/>
-                      <a:headEnd type="none" w="med" len="med"/>
-                      <a:tailEnd type="none" w="med" len="med"/>
-                    </a:lnT>
-                    <a:lnB w="6350" cap="flat" cmpd="sng" algn="ctr">
-                      <a:solidFill>
-                        <a:schemeClr val="tx1"/>
-                      </a:solidFill>
-                      <a:prstDash val="solid"/>
-                      <a:round/>
-                      <a:headEnd type="none" w="med" len="med"/>
-                      <a:tailEnd type="none" w="med" len="med"/>
-                    </a:lnB>
-                    <a:solidFill>
-                      <a:schemeClr val="bg1"/>
-                    </a:solidFill>
-                  </a:tcPr>
-                </a:tc>
-                <a:tc>
-                  <a:txBody>
-                    <a:bodyPr/>
-                    <a:lstStyle/>
-                    <a:p>
-                      <a:pPr algn="r"/>
-                      <a:r>
-                        <a:rPr lang="en-GB" sz="1400" noProof="0" dirty="0"/>
-                        <a:t>373</a:t>
-                      </a:r>
-                    </a:p>
-                  </a:txBody>
-                  <a:tcPr marL="0" marR="72000" marT="0" marB="0" anchor="ctr">
-                    <a:lnT w="6350" cap="flat" cmpd="sng" algn="ctr">
-                      <a:solidFill>
-                        <a:schemeClr val="tx1"/>
-                      </a:solidFill>
-                      <a:prstDash val="solid"/>
-                      <a:round/>
-                      <a:headEnd type="none" w="med" len="med"/>
-                      <a:tailEnd type="none" w="med" len="med"/>
-                    </a:lnT>
-                    <a:lnB w="6350" cap="flat" cmpd="sng" algn="ctr">
-                      <a:solidFill>
-                        <a:schemeClr val="tx1"/>
-                      </a:solidFill>
-                      <a:prstDash val="solid"/>
-                      <a:round/>
-                      <a:headEnd type="none" w="med" len="med"/>
-                      <a:tailEnd type="none" w="med" len="med"/>
-                    </a:lnB>
-                    <a:solidFill>
-                      <a:schemeClr val="accent2">
-                        <a:alpha val="14902"/>
-                      </a:schemeClr>
-                    </a:solidFill>
-                  </a:tcPr>
-                </a:tc>
-                <a:tc>
-                  <a:txBody>
-                    <a:bodyPr/>
-                    <a:lstStyle/>
-                    <a:p>
-                      <a:pPr algn="r"/>
-                      <a:r>
-                        <a:rPr lang="en-GB" sz="1400" noProof="0" dirty="0"/>
-                        <a:t>281</a:t>
-                      </a:r>
-                    </a:p>
-                  </a:txBody>
-                  <a:tcPr marL="0" marR="72000" marT="0" marB="0" anchor="ctr">
-                    <a:lnT w="6350" cap="flat" cmpd="sng" algn="ctr">
-                      <a:solidFill>
-                        <a:schemeClr val="tx1"/>
-                      </a:solidFill>
-                      <a:prstDash val="solid"/>
-                      <a:round/>
-                      <a:headEnd type="none" w="med" len="med"/>
-                      <a:tailEnd type="none" w="med" len="med"/>
-                    </a:lnT>
-                    <a:lnB w="6350" cap="flat" cmpd="sng" algn="ctr">
-                      <a:solidFill>
-                        <a:schemeClr val="tx1"/>
-                      </a:solidFill>
-                      <a:prstDash val="solid"/>
-                      <a:round/>
-                      <a:headEnd type="none" w="med" len="med"/>
-                      <a:tailEnd type="none" w="med" len="med"/>
-                    </a:lnB>
-                    <a:solidFill>
-                      <a:schemeClr val="bg1"/>
-                    </a:solidFill>
-                  </a:tcPr>
-                </a:tc>
-                <a:tc>
-                  <a:txBody>
-                    <a:bodyPr/>
-                    <a:lstStyle/>
-                    <a:p>
-                      <a:pPr algn="r"/>
-                      <a:r>
-                        <a:rPr lang="en-GB" sz="1400" noProof="0" dirty="0"/>
-                        <a:t>381</a:t>
-                      </a:r>
-                    </a:p>
-                  </a:txBody>
-                  <a:tcPr marL="0" marR="72000" marT="0" marB="0" anchor="ctr">
-                    <a:lnT w="6350" cap="flat" cmpd="sng" algn="ctr">
-                      <a:solidFill>
-                        <a:schemeClr val="tx1"/>
-                      </a:solidFill>
-                      <a:prstDash val="solid"/>
-                      <a:round/>
-                      <a:headEnd type="none" w="med" len="med"/>
-                      <a:tailEnd type="none" w="med" len="med"/>
-                    </a:lnT>
-                    <a:lnB w="6350" cap="flat" cmpd="sng" algn="ctr">
-                      <a:solidFill>
-                        <a:schemeClr val="tx1"/>
-                      </a:solidFill>
-                      <a:prstDash val="solid"/>
-                      <a:round/>
-                      <a:headEnd type="none" w="med" len="med"/>
-                      <a:tailEnd type="none" w="med" len="med"/>
-                    </a:lnB>
-                    <a:solidFill>
-                      <a:schemeClr val="accent2">
-                        <a:alpha val="14902"/>
-                      </a:schemeClr>
-                    </a:solidFill>
-                  </a:tcPr>
-                </a:tc>
-                <a:tc>
-                  <a:txBody>
-                    <a:bodyPr/>
-                    <a:lstStyle/>
-                    <a:p>
-                      <a:pPr algn="r"/>
-                      <a:r>
-                        <a:rPr lang="en-GB" sz="1400" noProof="0" dirty="0"/>
-                        <a:t>410</a:t>
-                      </a:r>
-                    </a:p>
-                  </a:txBody>
-                  <a:tcPr marL="0" marR="72000" marT="0" marB="0" anchor="ctr">
-                    <a:lnT w="6350" cap="flat" cmpd="sng" algn="ctr">
-                      <a:solidFill>
-                        <a:schemeClr val="tx1"/>
-                      </a:solidFill>
-                      <a:prstDash val="solid"/>
-                      <a:round/>
-                      <a:headEnd type="none" w="med" len="med"/>
-                      <a:tailEnd type="none" w="med" len="med"/>
-                    </a:lnT>
-                    <a:lnB w="6350" cap="flat" cmpd="sng" algn="ctr">
-                      <a:solidFill>
-                        <a:schemeClr val="tx1"/>
-                      </a:solidFill>
-                      <a:prstDash val="solid"/>
-                      <a:round/>
-                      <a:headEnd type="none" w="med" len="med"/>
-                      <a:tailEnd type="none" w="med" len="med"/>
-                    </a:lnB>
-                    <a:solidFill>
-                      <a:schemeClr val="bg1"/>
-                    </a:solidFill>
-                  </a:tcPr>
-                </a:tc>
-                <a:extLst>
-                  <a:ext uri="{0D108BD9-81ED-4DB2-BD59-A6C34878D82A}">
-                    <a16:rowId xmlns:a16="http://schemas.microsoft.com/office/drawing/2014/main" val="3696018661"/>
-                  </a:ext>
-                </a:extLst>
-              </a:tr>
-              <a:tr h="324000">
-                <a:tc>
-                  <a:txBody>
-                    <a:bodyPr/>
-                    <a:lstStyle/>
-                    <a:p>
-                      <a:r>
-                        <a:rPr lang="en-GB" sz="1400" noProof="0" dirty="0"/>
-                        <a:t>Ut </a:t>
-                      </a:r>
-                      <a:r>
-                        <a:rPr lang="en-GB" sz="1400" noProof="0" dirty="0" err="1"/>
-                        <a:t>enim</a:t>
-                      </a:r>
-                      <a:r>
-                        <a:rPr lang="en-GB" sz="1400" noProof="0" dirty="0"/>
-                        <a:t> ad minim </a:t>
-                      </a:r>
-                      <a:r>
-                        <a:rPr lang="en-GB" sz="1400" noProof="0" dirty="0" err="1"/>
-                        <a:t>veniam</a:t>
-                      </a:r>
-                      <a:endParaRPr lang="en-GB" sz="1400" noProof="0" dirty="0"/>
-                    </a:p>
-                  </a:txBody>
-                  <a:tcPr marL="0" marR="72000" marT="0" marB="0" anchor="ctr">
-                    <a:lnT w="6350" cap="flat" cmpd="sng" algn="ctr">
-                      <a:solidFill>
-                        <a:schemeClr val="tx1"/>
-                      </a:solidFill>
-                      <a:prstDash val="solid"/>
-                      <a:round/>
-                      <a:headEnd type="none" w="med" len="med"/>
-                      <a:tailEnd type="none" w="med" len="med"/>
-                    </a:lnT>
-                    <a:lnB w="6350" cap="flat" cmpd="sng" algn="ctr">
-                      <a:solidFill>
-                        <a:schemeClr val="tx1"/>
-                      </a:solidFill>
-                      <a:prstDash val="solid"/>
-                      <a:round/>
-                      <a:headEnd type="none" w="med" len="med"/>
-                      <a:tailEnd type="none" w="med" len="med"/>
-                    </a:lnB>
-                    <a:solidFill>
-                      <a:schemeClr val="bg1"/>
-                    </a:solidFill>
-                  </a:tcPr>
-                </a:tc>
-                <a:tc>
-                  <a:txBody>
-                    <a:bodyPr/>
-                    <a:lstStyle/>
-                    <a:p>
-                      <a:pPr algn="r"/>
-                      <a:r>
-                        <a:rPr lang="en-GB" sz="1400" noProof="0" dirty="0"/>
-                        <a:t>537</a:t>
-                      </a:r>
-                    </a:p>
-                  </a:txBody>
-                  <a:tcPr marL="0" marR="72000" marT="0" marB="0" anchor="ctr">
-                    <a:lnT w="6350" cap="flat" cmpd="sng" algn="ctr">
-                      <a:solidFill>
-                        <a:schemeClr val="tx1"/>
-                      </a:solidFill>
-                      <a:prstDash val="solid"/>
-                      <a:round/>
-                      <a:headEnd type="none" w="med" len="med"/>
-                      <a:tailEnd type="none" w="med" len="med"/>
-                    </a:lnT>
-                    <a:lnB w="6350" cap="flat" cmpd="sng" algn="ctr">
-                      <a:solidFill>
-                        <a:schemeClr val="tx1"/>
-                      </a:solidFill>
-                      <a:prstDash val="solid"/>
-                      <a:round/>
-                      <a:headEnd type="none" w="med" len="med"/>
-                      <a:tailEnd type="none" w="med" len="med"/>
-                    </a:lnB>
-                    <a:solidFill>
-                      <a:schemeClr val="accent2">
-                        <a:alpha val="14902"/>
-                      </a:schemeClr>
-                    </a:solidFill>
-                  </a:tcPr>
-                </a:tc>
-                <a:tc>
-                  <a:txBody>
-                    <a:bodyPr/>
-                    <a:lstStyle/>
-                    <a:p>
-                      <a:pPr algn="r"/>
-                      <a:r>
-                        <a:rPr lang="en-GB" sz="1400" noProof="0" dirty="0"/>
-                        <a:t>607</a:t>
-                      </a:r>
-                    </a:p>
-                  </a:txBody>
-                  <a:tcPr marL="0" marR="72000" marT="0" marB="0" anchor="ctr">
-                    <a:lnT w="6350" cap="flat" cmpd="sng" algn="ctr">
-                      <a:solidFill>
-                        <a:schemeClr val="tx1"/>
-                      </a:solidFill>
-                      <a:prstDash val="solid"/>
-                      <a:round/>
-                      <a:headEnd type="none" w="med" len="med"/>
-                      <a:tailEnd type="none" w="med" len="med"/>
-                    </a:lnT>
-                    <a:lnB w="6350" cap="flat" cmpd="sng" algn="ctr">
-                      <a:solidFill>
-                        <a:schemeClr val="tx1"/>
-                      </a:solidFill>
-                      <a:prstDash val="solid"/>
-                      <a:round/>
-                      <a:headEnd type="none" w="med" len="med"/>
-                      <a:tailEnd type="none" w="med" len="med"/>
-                    </a:lnB>
-                    <a:solidFill>
-                      <a:schemeClr val="bg1"/>
-                    </a:solidFill>
-                  </a:tcPr>
-                </a:tc>
-                <a:tc>
-                  <a:txBody>
-                    <a:bodyPr/>
-                    <a:lstStyle/>
-                    <a:p>
-                      <a:pPr algn="r"/>
-                      <a:r>
-                        <a:rPr lang="en-GB" sz="1400" noProof="0" dirty="0"/>
-                        <a:t>733</a:t>
-                      </a:r>
-                    </a:p>
-                  </a:txBody>
-                  <a:tcPr marL="0" marR="72000" marT="0" marB="0" anchor="ctr">
-                    <a:lnT w="6350" cap="flat" cmpd="sng" algn="ctr">
-                      <a:solidFill>
-                        <a:schemeClr val="tx1"/>
-                      </a:solidFill>
-                      <a:prstDash val="solid"/>
-                      <a:round/>
-                      <a:headEnd type="none" w="med" len="med"/>
-                      <a:tailEnd type="none" w="med" len="med"/>
-                    </a:lnT>
-                    <a:lnB w="6350" cap="flat" cmpd="sng" algn="ctr">
-                      <a:solidFill>
-                        <a:schemeClr val="tx1"/>
-                      </a:solidFill>
-                      <a:prstDash val="solid"/>
-                      <a:round/>
-                      <a:headEnd type="none" w="med" len="med"/>
-                      <a:tailEnd type="none" w="med" len="med"/>
-                    </a:lnB>
-                    <a:solidFill>
-                      <a:schemeClr val="accent2">
-                        <a:alpha val="14902"/>
-                      </a:schemeClr>
-                    </a:solidFill>
-                  </a:tcPr>
-                </a:tc>
-                <a:tc>
-                  <a:txBody>
-                    <a:bodyPr/>
-                    <a:lstStyle/>
-                    <a:p>
-                      <a:pPr algn="r"/>
-                      <a:r>
-                        <a:rPr lang="en-GB" sz="1400" noProof="0" dirty="0"/>
-                        <a:t>786</a:t>
-                      </a:r>
-                    </a:p>
-                  </a:txBody>
-                  <a:tcPr marL="0" marR="72000" marT="0" marB="0" anchor="ctr">
-                    <a:lnT w="6350" cap="flat" cmpd="sng" algn="ctr">
-                      <a:solidFill>
-                        <a:schemeClr val="tx1"/>
-                      </a:solidFill>
-                      <a:prstDash val="solid"/>
-                      <a:round/>
-                      <a:headEnd type="none" w="med" len="med"/>
-                      <a:tailEnd type="none" w="med" len="med"/>
-                    </a:lnT>
-                    <a:lnB w="6350" cap="flat" cmpd="sng" algn="ctr">
-                      <a:solidFill>
-                        <a:schemeClr val="tx1"/>
-                      </a:solidFill>
-                      <a:prstDash val="solid"/>
-                      <a:round/>
-                      <a:headEnd type="none" w="med" len="med"/>
-                      <a:tailEnd type="none" w="med" len="med"/>
-                    </a:lnB>
-                    <a:solidFill>
-                      <a:schemeClr val="bg1"/>
-                    </a:solidFill>
-                  </a:tcPr>
-                </a:tc>
-                <a:extLst>
-                  <a:ext uri="{0D108BD9-81ED-4DB2-BD59-A6C34878D82A}">
-                    <a16:rowId xmlns:a16="http://schemas.microsoft.com/office/drawing/2014/main" val="3015627213"/>
-                  </a:ext>
-                </a:extLst>
-              </a:tr>
-              <a:tr h="324000">
-                <a:tc>
-                  <a:txBody>
-                    <a:bodyPr/>
-                    <a:lstStyle/>
-                    <a:p>
-                      <a:r>
-                        <a:rPr lang="en-GB" sz="1400" noProof="0" dirty="0" err="1"/>
-                        <a:t>Nostrud</a:t>
-                      </a:r>
-                      <a:r>
-                        <a:rPr lang="en-GB" sz="1400" noProof="0" dirty="0"/>
-                        <a:t> exercitation</a:t>
-                      </a:r>
-                    </a:p>
-                  </a:txBody>
-                  <a:tcPr marL="0" marR="72000" marT="0" marB="0" anchor="ctr">
-                    <a:lnT w="6350" cap="flat" cmpd="sng" algn="ctr">
-                      <a:solidFill>
-                        <a:schemeClr val="tx1"/>
-                      </a:solidFill>
-                      <a:prstDash val="solid"/>
-                      <a:round/>
-                      <a:headEnd type="none" w="med" len="med"/>
-                      <a:tailEnd type="none" w="med" len="med"/>
-                    </a:lnT>
-                    <a:lnB w="6350" cap="flat" cmpd="sng" algn="ctr">
-                      <a:solidFill>
-                        <a:schemeClr val="tx1"/>
-                      </a:solidFill>
-                      <a:prstDash val="solid"/>
-                      <a:round/>
-                      <a:headEnd type="none" w="med" len="med"/>
-                      <a:tailEnd type="none" w="med" len="med"/>
-                    </a:lnB>
-                    <a:solidFill>
-                      <a:schemeClr val="bg1"/>
-                    </a:solidFill>
-                  </a:tcPr>
-                </a:tc>
-                <a:tc>
-                  <a:txBody>
-                    <a:bodyPr/>
-                    <a:lstStyle/>
-                    <a:p>
-                      <a:pPr algn="r"/>
-                      <a:r>
-                        <a:rPr lang="en-GB" sz="1400" noProof="0" dirty="0"/>
-                        <a:t>365</a:t>
-                      </a:r>
-                    </a:p>
-                  </a:txBody>
-                  <a:tcPr marL="0" marR="72000" marT="0" marB="0" anchor="ctr">
-                    <a:lnT w="6350" cap="flat" cmpd="sng" algn="ctr">
-                      <a:solidFill>
-                        <a:schemeClr val="tx1"/>
-                      </a:solidFill>
-                      <a:prstDash val="solid"/>
-                      <a:round/>
-                      <a:headEnd type="none" w="med" len="med"/>
-                      <a:tailEnd type="none" w="med" len="med"/>
-                    </a:lnT>
-                    <a:lnB w="6350" cap="flat" cmpd="sng" algn="ctr">
-                      <a:solidFill>
-                        <a:schemeClr val="tx1"/>
-                      </a:solidFill>
-                      <a:prstDash val="solid"/>
-                      <a:round/>
-                      <a:headEnd type="none" w="med" len="med"/>
-                      <a:tailEnd type="none" w="med" len="med"/>
-                    </a:lnB>
-                    <a:solidFill>
-                      <a:schemeClr val="accent2">
-                        <a:alpha val="14902"/>
-                      </a:schemeClr>
-                    </a:solidFill>
-                  </a:tcPr>
-                </a:tc>
-                <a:tc>
-                  <a:txBody>
-                    <a:bodyPr/>
-                    <a:lstStyle/>
-                    <a:p>
-                      <a:pPr algn="r"/>
-                      <a:r>
-                        <a:rPr lang="en-GB" sz="1400" noProof="0" dirty="0"/>
-                        <a:t>425</a:t>
-                      </a:r>
-                    </a:p>
-                  </a:txBody>
-                  <a:tcPr marL="0" marR="72000" marT="0" marB="0" anchor="ctr">
-                    <a:lnT w="6350" cap="flat" cmpd="sng" algn="ctr">
-                      <a:solidFill>
-                        <a:schemeClr val="tx1"/>
-                      </a:solidFill>
-                      <a:prstDash val="solid"/>
-                      <a:round/>
-                      <a:headEnd type="none" w="med" len="med"/>
-                      <a:tailEnd type="none" w="med" len="med"/>
-                    </a:lnT>
-                    <a:lnB w="6350" cap="flat" cmpd="sng" algn="ctr">
-                      <a:solidFill>
-                        <a:schemeClr val="tx1"/>
-                      </a:solidFill>
-                      <a:prstDash val="solid"/>
-                      <a:round/>
-                      <a:headEnd type="none" w="med" len="med"/>
-                      <a:tailEnd type="none" w="med" len="med"/>
-                    </a:lnB>
-                    <a:solidFill>
-                      <a:schemeClr val="bg1"/>
-                    </a:solidFill>
-                  </a:tcPr>
-                </a:tc>
-                <a:tc>
-                  <a:txBody>
-                    <a:bodyPr/>
-                    <a:lstStyle/>
-                    <a:p>
-                      <a:pPr algn="r"/>
-                      <a:r>
-                        <a:rPr lang="en-GB" sz="1400" noProof="0" dirty="0"/>
-                        <a:t>506</a:t>
-                      </a:r>
-                    </a:p>
-                  </a:txBody>
-                  <a:tcPr marL="0" marR="72000" marT="0" marB="0" anchor="ctr">
-                    <a:lnT w="6350" cap="flat" cmpd="sng" algn="ctr">
-                      <a:solidFill>
-                        <a:schemeClr val="tx1"/>
-                      </a:solidFill>
-                      <a:prstDash val="solid"/>
-                      <a:round/>
-                      <a:headEnd type="none" w="med" len="med"/>
-                      <a:tailEnd type="none" w="med" len="med"/>
-                    </a:lnT>
-                    <a:lnB w="6350" cap="flat" cmpd="sng" algn="ctr">
-                      <a:solidFill>
-                        <a:schemeClr val="tx1"/>
-                      </a:solidFill>
-                      <a:prstDash val="solid"/>
-                      <a:round/>
-                      <a:headEnd type="none" w="med" len="med"/>
-                      <a:tailEnd type="none" w="med" len="med"/>
-                    </a:lnB>
-                    <a:solidFill>
-                      <a:schemeClr val="accent2">
-                        <a:alpha val="14902"/>
-                      </a:schemeClr>
-                    </a:solidFill>
-                  </a:tcPr>
-                </a:tc>
-                <a:tc>
-                  <a:txBody>
-                    <a:bodyPr/>
-                    <a:lstStyle/>
-                    <a:p>
-                      <a:pPr algn="r"/>
-                      <a:r>
-                        <a:rPr lang="en-GB" sz="1400" noProof="0" dirty="0"/>
-                        <a:t>559</a:t>
-                      </a:r>
-                    </a:p>
-                  </a:txBody>
-                  <a:tcPr marL="0" marR="72000" marT="0" marB="0" anchor="ctr">
-                    <a:lnT w="6350" cap="flat" cmpd="sng" algn="ctr">
-                      <a:solidFill>
-                        <a:schemeClr val="tx1"/>
-                      </a:solidFill>
-                      <a:prstDash val="solid"/>
-                      <a:round/>
-                      <a:headEnd type="none" w="med" len="med"/>
-                      <a:tailEnd type="none" w="med" len="med"/>
-                    </a:lnT>
-                    <a:lnB w="6350" cap="flat" cmpd="sng" algn="ctr">
-                      <a:solidFill>
-                        <a:schemeClr val="tx1"/>
-                      </a:solidFill>
-                      <a:prstDash val="solid"/>
-                      <a:round/>
-                      <a:headEnd type="none" w="med" len="med"/>
-                      <a:tailEnd type="none" w="med" len="med"/>
-                    </a:lnB>
-                    <a:solidFill>
-                      <a:schemeClr val="bg1"/>
-                    </a:solidFill>
-                  </a:tcPr>
-                </a:tc>
-                <a:extLst>
-                  <a:ext uri="{0D108BD9-81ED-4DB2-BD59-A6C34878D82A}">
-                    <a16:rowId xmlns:a16="http://schemas.microsoft.com/office/drawing/2014/main" val="4037119490"/>
-                  </a:ext>
-                </a:extLst>
-              </a:tr>
-              <a:tr h="324000">
-                <a:tc>
-                  <a:txBody>
-                    <a:bodyPr/>
-                    <a:lstStyle/>
-                    <a:p>
-                      <a:r>
-                        <a:rPr lang="en-GB" sz="1400" noProof="0" dirty="0" err="1"/>
-                        <a:t>Consectetur</a:t>
-                      </a:r>
-                      <a:r>
-                        <a:rPr lang="en-GB" sz="1400" noProof="0" dirty="0"/>
-                        <a:t> </a:t>
-                      </a:r>
-                      <a:r>
-                        <a:rPr lang="en-GB" sz="1400" noProof="0" dirty="0" err="1"/>
-                        <a:t>adipiscing</a:t>
-                      </a:r>
-                      <a:r>
-                        <a:rPr lang="en-GB" sz="1400" noProof="0" dirty="0"/>
-                        <a:t> </a:t>
-                      </a:r>
-                      <a:r>
-                        <a:rPr lang="en-GB" sz="1400" noProof="0" dirty="0" err="1"/>
-                        <a:t>elit</a:t>
-                      </a:r>
-                      <a:endParaRPr lang="en-GB" sz="1400" noProof="0" dirty="0"/>
-                    </a:p>
-                  </a:txBody>
-                  <a:tcPr marL="0" marR="72000" marT="0" marB="0" anchor="ctr">
-                    <a:lnT w="6350" cap="flat" cmpd="sng" algn="ctr">
-                      <a:solidFill>
-                        <a:schemeClr val="tx1"/>
-                      </a:solidFill>
-                      <a:prstDash val="solid"/>
-                      <a:round/>
-                      <a:headEnd type="none" w="med" len="med"/>
-                      <a:tailEnd type="none" w="med" len="med"/>
-                    </a:lnT>
-                    <a:lnB w="6350" cap="flat" cmpd="sng" algn="ctr">
-                      <a:solidFill>
-                        <a:schemeClr val="tx1"/>
-                      </a:solidFill>
-                      <a:prstDash val="solid"/>
-                      <a:round/>
-                      <a:headEnd type="none" w="med" len="med"/>
-                      <a:tailEnd type="none" w="med" len="med"/>
-                    </a:lnB>
-                    <a:solidFill>
-                      <a:schemeClr val="bg1"/>
-                    </a:solidFill>
-                  </a:tcPr>
-                </a:tc>
-                <a:tc>
-                  <a:txBody>
-                    <a:bodyPr/>
-                    <a:lstStyle/>
-                    <a:p>
-                      <a:pPr algn="r"/>
-                      <a:r>
-                        <a:rPr lang="en-GB" sz="1400" noProof="0" dirty="0"/>
-                        <a:t>318</a:t>
-                      </a:r>
-                    </a:p>
-                  </a:txBody>
-                  <a:tcPr marL="0" marR="72000" marT="0" marB="0" anchor="ctr">
-                    <a:lnT w="6350" cap="flat" cmpd="sng" algn="ctr">
-                      <a:solidFill>
-                        <a:schemeClr val="tx1"/>
-                      </a:solidFill>
-                      <a:prstDash val="solid"/>
-                      <a:round/>
-                      <a:headEnd type="none" w="med" len="med"/>
-                      <a:tailEnd type="none" w="med" len="med"/>
-                    </a:lnT>
-                    <a:lnB w="6350" cap="flat" cmpd="sng" algn="ctr">
-                      <a:solidFill>
-                        <a:schemeClr val="tx1"/>
-                      </a:solidFill>
-                      <a:prstDash val="solid"/>
-                      <a:round/>
-                      <a:headEnd type="none" w="med" len="med"/>
-                      <a:tailEnd type="none" w="med" len="med"/>
-                    </a:lnB>
-                    <a:solidFill>
-                      <a:schemeClr val="accent2">
-                        <a:alpha val="14902"/>
-                      </a:schemeClr>
-                    </a:solidFill>
-                  </a:tcPr>
-                </a:tc>
-                <a:tc>
-                  <a:txBody>
-                    <a:bodyPr/>
-                    <a:lstStyle/>
-                    <a:p>
-                      <a:pPr algn="r"/>
-                      <a:r>
-                        <a:rPr lang="en-GB" sz="1400" noProof="0" dirty="0"/>
-                        <a:t>349</a:t>
-                      </a:r>
-                    </a:p>
-                  </a:txBody>
-                  <a:tcPr marL="0" marR="72000" marT="0" marB="0" anchor="ctr">
-                    <a:lnT w="6350" cap="flat" cmpd="sng" algn="ctr">
-                      <a:solidFill>
-                        <a:schemeClr val="tx1"/>
-                      </a:solidFill>
-                      <a:prstDash val="solid"/>
-                      <a:round/>
-                      <a:headEnd type="none" w="med" len="med"/>
-                      <a:tailEnd type="none" w="med" len="med"/>
-                    </a:lnT>
-                    <a:lnB w="6350" cap="flat" cmpd="sng" algn="ctr">
-                      <a:solidFill>
-                        <a:schemeClr val="tx1"/>
-                      </a:solidFill>
-                      <a:prstDash val="solid"/>
-                      <a:round/>
-                      <a:headEnd type="none" w="med" len="med"/>
-                      <a:tailEnd type="none" w="med" len="med"/>
-                    </a:lnB>
-                    <a:solidFill>
-                      <a:schemeClr val="bg1"/>
-                    </a:solidFill>
-                  </a:tcPr>
-                </a:tc>
-                <a:tc>
-                  <a:txBody>
-                    <a:bodyPr/>
-                    <a:lstStyle/>
-                    <a:p>
-                      <a:pPr algn="r"/>
-                      <a:r>
-                        <a:rPr lang="en-GB" sz="1400" noProof="0" dirty="0"/>
-                        <a:t>355</a:t>
-                      </a:r>
-                    </a:p>
-                  </a:txBody>
-                  <a:tcPr marL="0" marR="72000" marT="0" marB="0" anchor="ctr">
-                    <a:lnT w="6350" cap="flat" cmpd="sng" algn="ctr">
-                      <a:solidFill>
-                        <a:schemeClr val="tx1"/>
-                      </a:solidFill>
-                      <a:prstDash val="solid"/>
-                      <a:round/>
-                      <a:headEnd type="none" w="med" len="med"/>
-                      <a:tailEnd type="none" w="med" len="med"/>
-                    </a:lnT>
-                    <a:lnB w="6350" cap="flat" cmpd="sng" algn="ctr">
-                      <a:solidFill>
-                        <a:schemeClr val="tx1"/>
-                      </a:solidFill>
-                      <a:prstDash val="solid"/>
-                      <a:round/>
-                      <a:headEnd type="none" w="med" len="med"/>
-                      <a:tailEnd type="none" w="med" len="med"/>
-                    </a:lnB>
-                    <a:solidFill>
-                      <a:schemeClr val="accent2">
-                        <a:alpha val="14902"/>
-                      </a:schemeClr>
-                    </a:solidFill>
-                  </a:tcPr>
-                </a:tc>
-                <a:tc>
-                  <a:txBody>
-                    <a:bodyPr/>
-                    <a:lstStyle/>
-                    <a:p>
-                      <a:pPr algn="r"/>
-                      <a:r>
-                        <a:rPr lang="en-GB" sz="1400" noProof="0" dirty="0"/>
-                        <a:t>359</a:t>
-                      </a:r>
-                    </a:p>
-                  </a:txBody>
-                  <a:tcPr marL="0" marR="72000" marT="0" marB="0" anchor="ctr">
-                    <a:lnT w="6350" cap="flat" cmpd="sng" algn="ctr">
-                      <a:solidFill>
-                        <a:schemeClr val="tx1"/>
-                      </a:solidFill>
-                      <a:prstDash val="solid"/>
-                      <a:round/>
-                      <a:headEnd type="none" w="med" len="med"/>
-                      <a:tailEnd type="none" w="med" len="med"/>
-                    </a:lnT>
-                    <a:lnB w="6350" cap="flat" cmpd="sng" algn="ctr">
-                      <a:solidFill>
-                        <a:schemeClr val="tx1"/>
-                      </a:solidFill>
-                      <a:prstDash val="solid"/>
-                      <a:round/>
-                      <a:headEnd type="none" w="med" len="med"/>
-                      <a:tailEnd type="none" w="med" len="med"/>
-                    </a:lnB>
-                    <a:solidFill>
-                      <a:schemeClr val="bg1"/>
-                    </a:solidFill>
-                  </a:tcPr>
-                </a:tc>
-                <a:extLst>
-                  <a:ext uri="{0D108BD9-81ED-4DB2-BD59-A6C34878D82A}">
-                    <a16:rowId xmlns:a16="http://schemas.microsoft.com/office/drawing/2014/main" val="3243906409"/>
-                  </a:ext>
-                </a:extLst>
-              </a:tr>
-              <a:tr h="324000">
-                <a:tc>
-                  <a:txBody>
-                    <a:bodyPr/>
-                    <a:lstStyle/>
-                    <a:p>
-                      <a:r>
-                        <a:rPr lang="en-GB" sz="1400" noProof="0" dirty="0"/>
-                        <a:t>Nim ad minim </a:t>
-                      </a:r>
-                      <a:r>
-                        <a:rPr lang="en-GB" sz="1400" noProof="0" dirty="0" err="1"/>
-                        <a:t>veniam</a:t>
-                      </a:r>
-                      <a:endParaRPr lang="en-GB" sz="1400" noProof="0" dirty="0"/>
-                    </a:p>
-                  </a:txBody>
-                  <a:tcPr marL="0" marR="72000" marT="0" marB="0" anchor="ctr">
-                    <a:lnT w="6350" cap="flat" cmpd="sng" algn="ctr">
-                      <a:solidFill>
-                        <a:schemeClr val="tx1"/>
-                      </a:solidFill>
-                      <a:prstDash val="solid"/>
-                      <a:round/>
-                      <a:headEnd type="none" w="med" len="med"/>
-                      <a:tailEnd type="none" w="med" len="med"/>
-                    </a:lnT>
-                    <a:lnB w="6350" cap="flat" cmpd="sng" algn="ctr">
-                      <a:solidFill>
-                        <a:schemeClr val="tx1"/>
-                      </a:solidFill>
-                      <a:prstDash val="solid"/>
-                      <a:round/>
-                      <a:headEnd type="none" w="med" len="med"/>
-                      <a:tailEnd type="none" w="med" len="med"/>
-                    </a:lnB>
-                    <a:solidFill>
-                      <a:schemeClr val="bg1"/>
-                    </a:solidFill>
-                  </a:tcPr>
-                </a:tc>
-                <a:tc>
-                  <a:txBody>
-                    <a:bodyPr/>
-                    <a:lstStyle/>
-                    <a:p>
-                      <a:pPr algn="r"/>
-                      <a:r>
-                        <a:rPr lang="en-GB" sz="1400" noProof="0" dirty="0"/>
-                        <a:t>13</a:t>
-                      </a:r>
-                    </a:p>
-                  </a:txBody>
-                  <a:tcPr marL="0" marR="72000" marT="0" marB="0" anchor="ctr">
-                    <a:lnT w="6350" cap="flat" cmpd="sng" algn="ctr">
-                      <a:solidFill>
-                        <a:schemeClr val="tx1"/>
-                      </a:solidFill>
-                      <a:prstDash val="solid"/>
-                      <a:round/>
-                      <a:headEnd type="none" w="med" len="med"/>
-                      <a:tailEnd type="none" w="med" len="med"/>
-                    </a:lnT>
-                    <a:lnB w="6350" cap="flat" cmpd="sng" algn="ctr">
-                      <a:solidFill>
-                        <a:schemeClr val="tx1"/>
-                      </a:solidFill>
-                      <a:prstDash val="solid"/>
-                      <a:round/>
-                      <a:headEnd type="none" w="med" len="med"/>
-                      <a:tailEnd type="none" w="med" len="med"/>
-                    </a:lnB>
-                    <a:solidFill>
-                      <a:schemeClr val="accent2">
-                        <a:alpha val="14902"/>
-                      </a:schemeClr>
-                    </a:solidFill>
-                  </a:tcPr>
-                </a:tc>
-                <a:tc>
-                  <a:txBody>
-                    <a:bodyPr/>
-                    <a:lstStyle/>
-                    <a:p>
-                      <a:pPr algn="r"/>
-                      <a:r>
-                        <a:rPr lang="en-GB" sz="1400" noProof="0" dirty="0"/>
-                        <a:t>16</a:t>
-                      </a:r>
-                    </a:p>
-                  </a:txBody>
-                  <a:tcPr marL="0" marR="72000" marT="0" marB="0" anchor="ctr">
-                    <a:lnT w="6350" cap="flat" cmpd="sng" algn="ctr">
-                      <a:solidFill>
-                        <a:schemeClr val="tx1"/>
-                      </a:solidFill>
-                      <a:prstDash val="solid"/>
-                      <a:round/>
-                      <a:headEnd type="none" w="med" len="med"/>
-                      <a:tailEnd type="none" w="med" len="med"/>
-                    </a:lnT>
-                    <a:lnB w="6350" cap="flat" cmpd="sng" algn="ctr">
-                      <a:solidFill>
-                        <a:schemeClr val="tx1"/>
-                      </a:solidFill>
-                      <a:prstDash val="solid"/>
-                      <a:round/>
-                      <a:headEnd type="none" w="med" len="med"/>
-                      <a:tailEnd type="none" w="med" len="med"/>
-                    </a:lnB>
-                    <a:solidFill>
-                      <a:schemeClr val="bg1"/>
-                    </a:solidFill>
-                  </a:tcPr>
-                </a:tc>
-                <a:tc>
-                  <a:txBody>
-                    <a:bodyPr/>
-                    <a:lstStyle/>
-                    <a:p>
-                      <a:pPr algn="r"/>
-                      <a:r>
-                        <a:rPr lang="en-GB" sz="1400" noProof="0" dirty="0"/>
-                        <a:t>97</a:t>
-                      </a:r>
-                    </a:p>
-                  </a:txBody>
-                  <a:tcPr marL="0" marR="72000" marT="0" marB="0" anchor="ctr">
-                    <a:lnT w="6350" cap="flat" cmpd="sng" algn="ctr">
-                      <a:solidFill>
-                        <a:schemeClr val="tx1"/>
-                      </a:solidFill>
-                      <a:prstDash val="solid"/>
-                      <a:round/>
-                      <a:headEnd type="none" w="med" len="med"/>
-                      <a:tailEnd type="none" w="med" len="med"/>
-                    </a:lnT>
-                    <a:lnB w="6350" cap="flat" cmpd="sng" algn="ctr">
-                      <a:solidFill>
-                        <a:schemeClr val="tx1"/>
-                      </a:solidFill>
-                      <a:prstDash val="solid"/>
-                      <a:round/>
-                      <a:headEnd type="none" w="med" len="med"/>
-                      <a:tailEnd type="none" w="med" len="med"/>
-                    </a:lnB>
-                    <a:solidFill>
-                      <a:schemeClr val="accent2">
-                        <a:alpha val="14902"/>
-                      </a:schemeClr>
-                    </a:solidFill>
-                  </a:tcPr>
-                </a:tc>
-                <a:tc>
-                  <a:txBody>
-                    <a:bodyPr/>
-                    <a:lstStyle/>
-                    <a:p>
-                      <a:pPr algn="r"/>
-                      <a:r>
-                        <a:rPr lang="en-GB" sz="1400" noProof="0" dirty="0"/>
-                        <a:t>82</a:t>
-                      </a:r>
-                    </a:p>
-                  </a:txBody>
-                  <a:tcPr marL="0" marR="72000" marT="0" marB="0" anchor="ctr">
-                    <a:lnT w="6350" cap="flat" cmpd="sng" algn="ctr">
-                      <a:solidFill>
-                        <a:schemeClr val="tx1"/>
-                      </a:solidFill>
-                      <a:prstDash val="solid"/>
-                      <a:round/>
-                      <a:headEnd type="none" w="med" len="med"/>
-                      <a:tailEnd type="none" w="med" len="med"/>
-                    </a:lnT>
-                    <a:lnB w="6350" cap="flat" cmpd="sng" algn="ctr">
-                      <a:solidFill>
-                        <a:schemeClr val="tx1"/>
-                      </a:solidFill>
-                      <a:prstDash val="solid"/>
-                      <a:round/>
-                      <a:headEnd type="none" w="med" len="med"/>
-                      <a:tailEnd type="none" w="med" len="med"/>
-                    </a:lnB>
-                    <a:solidFill>
-                      <a:schemeClr val="bg1"/>
-                    </a:solidFill>
-                  </a:tcPr>
-                </a:tc>
-                <a:extLst>
-                  <a:ext uri="{0D108BD9-81ED-4DB2-BD59-A6C34878D82A}">
-                    <a16:rowId xmlns:a16="http://schemas.microsoft.com/office/drawing/2014/main" val="461168459"/>
-                  </a:ext>
-                </a:extLst>
-              </a:tr>
-            </a:tbl>
-          </a:graphicData>
-        </a:graphic>
-      </p:graphicFrame>
-      <p:sp>
-        <p:nvSpPr>
-          <p:cNvPr id="4" name="Datumsplatzhalter 3">
-            <a:extLst>
-              <a:ext uri="{FF2B5EF4-FFF2-40B4-BE49-F238E27FC236}">
-                <a16:creationId xmlns:a16="http://schemas.microsoft.com/office/drawing/2014/main" id="{D787F48E-4D49-40AE-A9FC-A27213E0B0E5}"/>
-              </a:ext>
-            </a:extLst>
-          </p:cNvPr>
-          <p:cNvSpPr>
-            <a:spLocks noGrp="1"/>
-          </p:cNvSpPr>
-          <p:nvPr>
-            <p:ph type="dt" sz="half" idx="10"/>
-          </p:nvPr>
-        </p:nvSpPr>
-        <p:spPr/>
-        <p:txBody>
-          <a:bodyPr/>
-          <a:lstStyle/>
-          <a:p>
-            <a:fld id="{7260A9D5-8325-4620-96F6-FB312AC6FB66}" type="datetime1">
-              <a:rPr lang="en-GB" noProof="0" smtClean="0"/>
-              <a:t>01/07/2025</a:t>
-            </a:fld>
-            <a:endParaRPr lang="en-GB" noProof="0" dirty="0"/>
-          </a:p>
-        </p:txBody>
-      </p:sp>
-      <p:sp>
-        <p:nvSpPr>
-          <p:cNvPr id="6" name="Foliennummernplatzhalter 5">
-            <a:extLst>
-              <a:ext uri="{FF2B5EF4-FFF2-40B4-BE49-F238E27FC236}">
-                <a16:creationId xmlns:a16="http://schemas.microsoft.com/office/drawing/2014/main" id="{08DF25AC-71F5-49EF-B424-0872223A925D}"/>
-              </a:ext>
-            </a:extLst>
-          </p:cNvPr>
-          <p:cNvSpPr>
-            <a:spLocks noGrp="1"/>
-          </p:cNvSpPr>
-          <p:nvPr>
-            <p:ph type="sldNum" sz="quarter" idx="12"/>
-          </p:nvPr>
-        </p:nvSpPr>
-        <p:spPr/>
-        <p:txBody>
-          <a:bodyPr/>
-          <a:lstStyle/>
-          <a:p>
-            <a:fld id="{5ACA52AF-F19D-405C-AD5F-7D94B96A5CC3}" type="slidenum">
-              <a:rPr lang="en-GB" noProof="0" smtClean="0"/>
-              <a:t>30</a:t>
-            </a:fld>
-            <a:endParaRPr lang="en-GB" noProof="0" dirty="0"/>
-          </a:p>
-        </p:txBody>
-      </p:sp>
-    </p:spTree>
-    <p:extLst>
-      <p:ext uri="{BB962C8B-B14F-4D97-AF65-F5344CB8AC3E}">
-        <p14:creationId xmlns:p14="http://schemas.microsoft.com/office/powerpoint/2010/main" val="852670894"/>
-      </p:ext>
-    </p:extLst>
-  </p:cSld>
-  <p:clrMapOvr>
-    <a:masterClrMapping/>
-  </p:clrMapOvr>
-</p:sld>
-</file>
-
 <file path=ppt/slides/slide4.xml><?xml version="1.0" encoding="utf-8"?>
 <p:sld xmlns:a="http://schemas.openxmlformats.org/drawingml/2006/main" xmlns:r="http://schemas.openxmlformats.org/officeDocument/2006/relationships" xmlns:p="http://schemas.openxmlformats.org/presentationml/2006/main">
   <p:cSld>
@@ -30295,7 +30970,7 @@
           <a:p>
             <a:r>
               <a:rPr lang="en-GB" dirty="0"/>
-              <a:t>Introduction: The naïve Algorithm</a:t>
+              <a:t>The naïve Algorithm</a:t>
             </a:r>
             <a:endParaRPr lang="en-GB" noProof="0" dirty="0"/>
           </a:p>
@@ -30510,18 +31185,14 @@
           <a:p>
             <a:r>
               <a:rPr lang="en-GB" dirty="0"/>
-              <a:t>Introduction: The </a:t>
-            </a:r>
-            <a:r>
-              <a:rPr lang="en-GB" dirty="0" err="1"/>
-              <a:t>DrawAnalyzer</a:t>
+              <a:t>The DrawAnalyzer Algorithm</a:t>
             </a:r>
             <a:endParaRPr lang="en-GB" noProof="0" dirty="0"/>
           </a:p>
         </p:txBody>
       </p:sp>
-      <mc:AlternateContent xmlns:mc="http://schemas.openxmlformats.org/markup-compatibility/2006">
-        <mc:Choice xmlns:a14="http://schemas.microsoft.com/office/drawing/2010/main" Requires="a14">
+      <mc:AlternateContent xmlns:mc="http://schemas.openxmlformats.org/markup-compatibility/2006" xmlns:a14="http://schemas.microsoft.com/office/drawing/2010/main">
+        <mc:Choice Requires="a14">
           <p:sp>
             <p:nvSpPr>
               <p:cNvPr id="3" name="Inhaltsplatzhalter 2">
@@ -30629,7 +31300,7 @@
             </p:txBody>
           </p:sp>
         </mc:Choice>
-        <mc:Fallback>
+        <mc:Fallback xmlns="">
           <p:sp>
             <p:nvSpPr>
               <p:cNvPr id="3" name="Inhaltsplatzhalter 2">
@@ -30786,14 +31457,14 @@
           <a:p>
             <a:r>
               <a:rPr lang="en-GB" dirty="0"/>
-              <a:t>Introduction: Our introduced Graph</a:t>
+              <a:t>The DrawAnalyzer Graph</a:t>
             </a:r>
             <a:endParaRPr lang="en-GB" noProof="0" dirty="0"/>
           </a:p>
         </p:txBody>
       </p:sp>
-      <mc:AlternateContent xmlns:mc="http://schemas.openxmlformats.org/markup-compatibility/2006">
-        <mc:Choice xmlns:a14="http://schemas.microsoft.com/office/drawing/2010/main" Requires="a14">
+      <mc:AlternateContent xmlns:mc="http://schemas.openxmlformats.org/markup-compatibility/2006" xmlns:a14="http://schemas.microsoft.com/office/drawing/2010/main">
+        <mc:Choice Requires="a14">
           <p:sp>
             <p:nvSpPr>
               <p:cNvPr id="3" name="Inhaltsplatzhalter 2">
@@ -31129,7 +31800,7 @@
             </p:txBody>
           </p:sp>
         </mc:Choice>
-        <mc:Fallback>
+        <mc:Fallback xmlns="">
           <p:sp>
             <p:nvSpPr>
               <p:cNvPr id="3" name="Inhaltsplatzhalter 2">
@@ -31286,14 +31957,14 @@
           <a:p>
             <a:r>
               <a:rPr lang="en-GB" dirty="0"/>
-              <a:t>Introduction: Our introduced Graph</a:t>
+              <a:t>DrawAnalyzer best discard</a:t>
             </a:r>
             <a:endParaRPr lang="en-GB" noProof="0" dirty="0"/>
           </a:p>
         </p:txBody>
       </p:sp>
-      <mc:AlternateContent xmlns:mc="http://schemas.openxmlformats.org/markup-compatibility/2006">
-        <mc:Choice xmlns:a14="http://schemas.microsoft.com/office/drawing/2010/main" Requires="a14">
+      <mc:AlternateContent xmlns:mc="http://schemas.openxmlformats.org/markup-compatibility/2006" xmlns:a14="http://schemas.microsoft.com/office/drawing/2010/main">
+        <mc:Choice Requires="a14">
           <p:sp>
             <p:nvSpPr>
               <p:cNvPr id="3" name="Inhaltsplatzhalter 2">
@@ -31854,7 +32525,7 @@
             </p:txBody>
           </p:sp>
         </mc:Choice>
-        <mc:Fallback>
+        <mc:Fallback xmlns="">
           <p:sp>
             <p:nvSpPr>
               <p:cNvPr id="3" name="Inhaltsplatzhalter 2">
@@ -31966,439 +32637,6 @@
 </file>
 
 <file path=ppt/slides/slide8.xml><?xml version="1.0" encoding="utf-8"?>
-<p:sld xmlns:a="http://schemas.openxmlformats.org/drawingml/2006/main" xmlns:r="http://schemas.openxmlformats.org/officeDocument/2006/relationships" xmlns:p="http://schemas.openxmlformats.org/presentationml/2006/main">
-  <p:cSld>
-    <p:spTree>
-      <p:nvGrpSpPr>
-        <p:cNvPr id="1" name="">
-          <a:extLst>
-            <a:ext uri="{FF2B5EF4-FFF2-40B4-BE49-F238E27FC236}">
-              <a16:creationId xmlns:a16="http://schemas.microsoft.com/office/drawing/2014/main" id="{2453AB61-0ABC-C776-52FB-A86A979E722E}"/>
-            </a:ext>
-          </a:extLst>
-        </p:cNvPr>
-        <p:cNvGrpSpPr/>
-        <p:nvPr/>
-      </p:nvGrpSpPr>
-      <p:grpSpPr>
-        <a:xfrm>
-          <a:off x="0" y="0"/>
-          <a:ext cx="0" cy="0"/>
-          <a:chOff x="0" y="0"/>
-          <a:chExt cx="0" cy="0"/>
-        </a:xfrm>
-      </p:grpSpPr>
-      <p:sp>
-        <p:nvSpPr>
-          <p:cNvPr id="2" name="Titel 1">
-            <a:extLst>
-              <a:ext uri="{FF2B5EF4-FFF2-40B4-BE49-F238E27FC236}">
-                <a16:creationId xmlns:a16="http://schemas.microsoft.com/office/drawing/2014/main" id="{AA764501-1585-1329-A40B-1EF74F0743C3}"/>
-              </a:ext>
-            </a:extLst>
-          </p:cNvPr>
-          <p:cNvSpPr>
-            <a:spLocks noGrp="1"/>
-          </p:cNvSpPr>
-          <p:nvPr>
-            <p:ph type="title"/>
-          </p:nvPr>
-        </p:nvSpPr>
-        <p:spPr/>
-        <p:txBody>
-          <a:bodyPr/>
-          <a:lstStyle/>
-          <a:p>
-            <a:r>
-              <a:rPr lang="en-GB" dirty="0"/>
-              <a:t>Introduction: Our introduced Graph II TODO</a:t>
-            </a:r>
-            <a:endParaRPr lang="en-GB" noProof="0" dirty="0"/>
-          </a:p>
-        </p:txBody>
-      </p:sp>
-      <mc:AlternateContent xmlns:mc="http://schemas.openxmlformats.org/markup-compatibility/2006" xmlns:a14="http://schemas.microsoft.com/office/drawing/2010/main">
-        <mc:Choice Requires="a14">
-          <p:sp>
-            <p:nvSpPr>
-              <p:cNvPr id="3" name="Inhaltsplatzhalter 2">
-                <a:extLst>
-                  <a:ext uri="{FF2B5EF4-FFF2-40B4-BE49-F238E27FC236}">
-                    <a16:creationId xmlns:a16="http://schemas.microsoft.com/office/drawing/2014/main" id="{19AAA9D0-A8B9-5117-2D2C-39DA85C82425}"/>
-                  </a:ext>
-                </a:extLst>
-              </p:cNvPr>
-              <p:cNvSpPr>
-                <a:spLocks noGrp="1"/>
-              </p:cNvSpPr>
-              <p:nvPr>
-                <p:ph idx="1"/>
-              </p:nvPr>
-            </p:nvSpPr>
-            <p:spPr/>
-            <p:txBody>
-              <a:bodyPr/>
-              <a:lstStyle/>
-              <a:p>
-                <a:pPr marL="0" indent="0">
-                  <a:buNone/>
-                </a:pPr>
-                <a:r>
-                  <a:rPr lang="en-GB" b="1" dirty="0"/>
-                  <a:t>Runtime</a:t>
-                </a:r>
-              </a:p>
-              <a:p>
-                <a:r>
-                  <a:rPr lang="en-GB" dirty="0"/>
-                  <a:t>A Draw should take </a:t>
-                </a:r>
-                <a14:m>
-                  <m:oMath xmlns:m="http://schemas.openxmlformats.org/officeDocument/2006/math">
-                    <m:r>
-                      <a:rPr lang="en-GB" i="1" dirty="0" smtClean="0">
-                        <a:latin typeface="Cambria Math" panose="02040503050406030204" pitchFamily="18" charset="0"/>
-                      </a:rPr>
-                      <m:t>𝑂</m:t>
-                    </m:r>
-                    <m:r>
-                      <a:rPr lang="en-GB" i="1" dirty="0" smtClean="0">
-                        <a:latin typeface="Cambria Math" panose="02040503050406030204" pitchFamily="18" charset="0"/>
-                      </a:rPr>
-                      <m:t>(14+</m:t>
-                    </m:r>
-                    <m:r>
-                      <a:rPr lang="en-GB" i="1" dirty="0" smtClean="0">
-                        <a:latin typeface="Cambria Math" panose="02040503050406030204" pitchFamily="18" charset="0"/>
-                      </a:rPr>
-                      <m:t>𝑛</m:t>
-                    </m:r>
-                    <m:r>
-                      <a:rPr lang="en-GB" i="1" dirty="0" smtClean="0">
-                        <a:latin typeface="Cambria Math" panose="02040503050406030204" pitchFamily="18" charset="0"/>
-                      </a:rPr>
-                      <m:t>) = </m:t>
-                    </m:r>
-                    <m:r>
-                      <a:rPr lang="en-GB" i="1" dirty="0" smtClean="0">
-                        <a:latin typeface="Cambria Math" panose="02040503050406030204" pitchFamily="18" charset="0"/>
-                      </a:rPr>
-                      <m:t>𝑂</m:t>
-                    </m:r>
-                    <m:r>
-                      <a:rPr lang="en-GB" i="1" dirty="0" smtClean="0">
-                        <a:latin typeface="Cambria Math" panose="02040503050406030204" pitchFamily="18" charset="0"/>
-                      </a:rPr>
-                      <m:t>(</m:t>
-                    </m:r>
-                    <m:r>
-                      <a:rPr lang="en-GB" i="1" dirty="0" smtClean="0">
-                        <a:latin typeface="Cambria Math" panose="02040503050406030204" pitchFamily="18" charset="0"/>
-                      </a:rPr>
-                      <m:t>𝑛</m:t>
-                    </m:r>
-                    <m:r>
-                      <a:rPr lang="en-GB" i="1" dirty="0" smtClean="0">
-                        <a:latin typeface="Cambria Math" panose="02040503050406030204" pitchFamily="18" charset="0"/>
-                      </a:rPr>
-                      <m:t>) </m:t>
-                    </m:r>
-                  </m:oMath>
-                </a14:m>
-                <a:r>
-                  <a:rPr lang="en-GB" dirty="0"/>
-                  <a:t>time with our algorithm, where </a:t>
-                </a:r>
-                <a14:m>
-                  <m:oMath xmlns:m="http://schemas.openxmlformats.org/officeDocument/2006/math">
-                    <m:r>
-                      <a:rPr lang="en-GB" i="1" dirty="0" smtClean="0">
-                        <a:latin typeface="Cambria Math" panose="02040503050406030204" pitchFamily="18" charset="0"/>
-                      </a:rPr>
-                      <m:t>𝑛</m:t>
-                    </m:r>
-                    <m:r>
-                      <a:rPr lang="en-GB" i="1" dirty="0" smtClean="0">
-                        <a:latin typeface="Cambria Math" panose="02040503050406030204" pitchFamily="18" charset="0"/>
-                      </a:rPr>
-                      <m:t>=</m:t>
-                    </m:r>
-                    <m:r>
-                      <a:rPr lang="en-GB" i="1" dirty="0" smtClean="0">
-                        <a:latin typeface="Cambria Math" panose="02040503050406030204" pitchFamily="18" charset="0"/>
-                      </a:rPr>
-                      <m:t>𝑑𝑒𝑝𝑡h</m:t>
-                    </m:r>
-                    <m:r>
-                      <a:rPr lang="en-GB" i="1" dirty="0" smtClean="0">
-                        <a:latin typeface="Cambria Math" panose="02040503050406030204" pitchFamily="18" charset="0"/>
-                      </a:rPr>
-                      <m:t> </m:t>
-                    </m:r>
-                    <m:r>
-                      <a:rPr lang="en-GB" i="1" dirty="0" smtClean="0">
-                        <a:latin typeface="Cambria Math" panose="02040503050406030204" pitchFamily="18" charset="0"/>
-                      </a:rPr>
-                      <m:t>𝑜𝑓</m:t>
-                    </m:r>
-                    <m:r>
-                      <a:rPr lang="en-GB" i="1" dirty="0" smtClean="0">
-                        <a:latin typeface="Cambria Math" panose="02040503050406030204" pitchFamily="18" charset="0"/>
-                      </a:rPr>
-                      <m:t> </m:t>
-                    </m:r>
-                    <m:r>
-                      <a:rPr lang="en-GB" i="1" dirty="0" smtClean="0">
-                        <a:latin typeface="Cambria Math" panose="02040503050406030204" pitchFamily="18" charset="0"/>
-                      </a:rPr>
-                      <m:t>𝐺𝑟𝑎𝑝h</m:t>
-                    </m:r>
-                  </m:oMath>
-                </a14:m>
-                <a:endParaRPr lang="de-CH" dirty="0"/>
-              </a:p>
-              <a:p>
-                <a:r>
-                  <a:rPr lang="en-GB" dirty="0" err="1"/>
-                  <a:t>setShanten</a:t>
-                </a:r>
-                <a:r>
-                  <a:rPr lang="en-GB" dirty="0"/>
-                  <a:t> runs in </a:t>
-                </a:r>
-                <a14:m>
-                  <m:oMath xmlns:m="http://schemas.openxmlformats.org/officeDocument/2006/math">
-                    <m:r>
-                      <a:rPr lang="en-GB" i="1" dirty="0" smtClean="0">
-                        <a:latin typeface="Cambria Math" panose="02040503050406030204" pitchFamily="18" charset="0"/>
-                      </a:rPr>
-                      <m:t>𝑂</m:t>
-                    </m:r>
-                    <m:r>
-                      <a:rPr lang="en-GB" i="1" dirty="0" smtClean="0">
-                        <a:latin typeface="Cambria Math" panose="02040503050406030204" pitchFamily="18" charset="0"/>
-                      </a:rPr>
-                      <m:t>(</m:t>
-                    </m:r>
-                    <m:sSup>
-                      <m:sSupPr>
-                        <m:ctrlPr>
-                          <a:rPr lang="en-GB" i="1" dirty="0" smtClean="0">
-                            <a:latin typeface="Cambria Math" panose="02040503050406030204" pitchFamily="18" charset="0"/>
-                          </a:rPr>
-                        </m:ctrlPr>
-                      </m:sSupPr>
-                      <m:e>
-                        <m:r>
-                          <a:rPr lang="de-CH" b="0" i="1" dirty="0" smtClean="0">
-                            <a:latin typeface="Cambria Math" panose="02040503050406030204" pitchFamily="18" charset="0"/>
-                          </a:rPr>
-                          <m:t>𝑛</m:t>
-                        </m:r>
-                      </m:e>
-                      <m:sup>
-                        <m:r>
-                          <a:rPr lang="de-CH" b="0" i="1" dirty="0" smtClean="0">
-                            <a:latin typeface="Cambria Math" panose="02040503050406030204" pitchFamily="18" charset="0"/>
-                          </a:rPr>
-                          <m:t>16</m:t>
-                        </m:r>
-                      </m:sup>
-                    </m:sSup>
-                    <m:r>
-                      <a:rPr lang="de-CH" b="0" i="1" dirty="0" smtClean="0">
-                        <a:latin typeface="Cambria Math" panose="02040503050406030204" pitchFamily="18" charset="0"/>
-                      </a:rPr>
-                      <m:t>)</m:t>
-                    </m:r>
-                  </m:oMath>
-                </a14:m>
-                <a:endParaRPr lang="en-GB" dirty="0"/>
-              </a:p>
-              <a:p>
-                <a:r>
-                  <a:rPr lang="en-GB" dirty="0" err="1"/>
-                  <a:t>generateGraph</a:t>
-                </a:r>
-                <a:r>
-                  <a:rPr lang="en-GB" dirty="0"/>
-                  <a:t> and </a:t>
-                </a:r>
-                <a:r>
-                  <a:rPr lang="en-GB" dirty="0" err="1"/>
-                  <a:t>getBestDiscard</a:t>
-                </a:r>
-                <a:r>
-                  <a:rPr lang="en-GB" dirty="0"/>
-                  <a:t> both have a runtime of </a:t>
-                </a:r>
-                <a14:m>
-                  <m:oMath xmlns:m="http://schemas.openxmlformats.org/officeDocument/2006/math">
-                    <m:r>
-                      <a:rPr lang="en-GB" i="1" dirty="0" smtClean="0">
-                        <a:latin typeface="Cambria Math" panose="02040503050406030204" pitchFamily="18" charset="0"/>
-                      </a:rPr>
-                      <m:t>𝑂</m:t>
-                    </m:r>
-                    <m:r>
-                      <a:rPr lang="en-GB" i="1" dirty="0" smtClean="0">
-                        <a:latin typeface="Cambria Math" panose="02040503050406030204" pitchFamily="18" charset="0"/>
-                      </a:rPr>
-                      <m:t>(</m:t>
-                    </m:r>
-                    <m:r>
-                      <a:rPr lang="en-GB" i="1" dirty="0" smtClean="0">
-                        <a:latin typeface="Cambria Math" panose="02040503050406030204" pitchFamily="18" charset="0"/>
-                      </a:rPr>
-                      <m:t>𝑛</m:t>
-                    </m:r>
-                    <m:r>
-                      <a:rPr lang="en-GB" i="1" dirty="0" smtClean="0">
-                        <a:latin typeface="Cambria Math" panose="02040503050406030204" pitchFamily="18" charset="0"/>
-                      </a:rPr>
-                      <m:t>!)</m:t>
-                    </m:r>
-                  </m:oMath>
-                </a14:m>
-                <a:r>
-                  <a:rPr lang="en-GB" dirty="0"/>
-                  <a:t> TODO: wend </a:t>
-                </a:r>
-                <a:r>
-                  <a:rPr lang="en-GB" dirty="0" err="1"/>
-                  <a:t>mer</a:t>
-                </a:r>
-                <a:r>
-                  <a:rPr lang="en-GB" dirty="0"/>
-                  <a:t> das </a:t>
-                </a:r>
-                <a:r>
-                  <a:rPr lang="en-GB" dirty="0" err="1"/>
-                  <a:t>wück</a:t>
-                </a:r>
-                <a:r>
-                  <a:rPr lang="en-GB" dirty="0"/>
-                  <a:t>?</a:t>
-                </a:r>
-              </a:p>
-              <a:p>
-                <a:endParaRPr lang="en-GB" noProof="0" dirty="0"/>
-              </a:p>
-            </p:txBody>
-          </p:sp>
-        </mc:Choice>
-        <mc:Fallback xmlns="">
-          <p:sp>
-            <p:nvSpPr>
-              <p:cNvPr id="3" name="Inhaltsplatzhalter 2">
-                <a:extLst>
-                  <a:ext uri="{FF2B5EF4-FFF2-40B4-BE49-F238E27FC236}">
-                    <a16:creationId xmlns:a16="http://schemas.microsoft.com/office/drawing/2014/main" id="{19AAA9D0-A8B9-5117-2D2C-39DA85C82425}"/>
-                  </a:ext>
-                </a:extLst>
-              </p:cNvPr>
-              <p:cNvSpPr>
-                <a:spLocks noGrp="1" noRot="1" noChangeAspect="1" noMove="1" noResize="1" noEditPoints="1" noAdjustHandles="1" noChangeArrowheads="1" noChangeShapeType="1" noTextEdit="1"/>
-              </p:cNvSpPr>
-              <p:nvPr>
-                <p:ph idx="1"/>
-              </p:nvPr>
-            </p:nvSpPr>
-            <p:spPr>
-              <a:blipFill>
-                <a:blip r:embed="rId2"/>
-                <a:stretch>
-                  <a:fillRect l="-1307" t="-1695"/>
-                </a:stretch>
-              </a:blipFill>
-            </p:spPr>
-            <p:txBody>
-              <a:bodyPr/>
-              <a:lstStyle/>
-              <a:p>
-                <a:r>
-                  <a:rPr lang="de-CH">
-                    <a:noFill/>
-                  </a:rPr>
-                  <a:t> </a:t>
-                </a:r>
-              </a:p>
-            </p:txBody>
-          </p:sp>
-        </mc:Fallback>
-      </mc:AlternateContent>
-      <p:sp>
-        <p:nvSpPr>
-          <p:cNvPr id="4" name="Datumsplatzhalter 3">
-            <a:extLst>
-              <a:ext uri="{FF2B5EF4-FFF2-40B4-BE49-F238E27FC236}">
-                <a16:creationId xmlns:a16="http://schemas.microsoft.com/office/drawing/2014/main" id="{177089CC-3A06-F41F-175B-A6B7F1765F4E}"/>
-              </a:ext>
-            </a:extLst>
-          </p:cNvPr>
-          <p:cNvSpPr>
-            <a:spLocks noGrp="1"/>
-          </p:cNvSpPr>
-          <p:nvPr>
-            <p:ph type="dt" sz="half" idx="10"/>
-          </p:nvPr>
-        </p:nvSpPr>
-        <p:spPr/>
-        <p:txBody>
-          <a:bodyPr/>
-          <a:lstStyle/>
-          <a:p>
-            <a:fld id="{D5CE5686-0170-47AF-9B8A-7DF387E652FA}" type="datetime1">
-              <a:rPr lang="en-GB" noProof="0" smtClean="0"/>
-              <a:t>01/07/2025</a:t>
-            </a:fld>
-            <a:endParaRPr lang="en-GB" noProof="0" dirty="0"/>
-          </a:p>
-        </p:txBody>
-      </p:sp>
-      <p:sp>
-        <p:nvSpPr>
-          <p:cNvPr id="6" name="Foliennummernplatzhalter 5">
-            <a:extLst>
-              <a:ext uri="{FF2B5EF4-FFF2-40B4-BE49-F238E27FC236}">
-                <a16:creationId xmlns:a16="http://schemas.microsoft.com/office/drawing/2014/main" id="{FF3EEE3F-770A-D40C-2398-06E1A1BB0B54}"/>
-              </a:ext>
-            </a:extLst>
-          </p:cNvPr>
-          <p:cNvSpPr>
-            <a:spLocks noGrp="1"/>
-          </p:cNvSpPr>
-          <p:nvPr>
-            <p:ph type="sldNum" sz="quarter" idx="12"/>
-          </p:nvPr>
-        </p:nvSpPr>
-        <p:spPr/>
-        <p:txBody>
-          <a:bodyPr/>
-          <a:lstStyle/>
-          <a:p>
-            <a:fld id="{5ACA52AF-F19D-405C-AD5F-7D94B96A5CC3}" type="slidenum">
-              <a:rPr lang="en-GB" noProof="0" smtClean="0"/>
-              <a:t>8</a:t>
-            </a:fld>
-            <a:endParaRPr lang="en-GB" noProof="0" dirty="0"/>
-          </a:p>
-        </p:txBody>
-      </p:sp>
-    </p:spTree>
-    <p:extLst>
-      <p:ext uri="{BB962C8B-B14F-4D97-AF65-F5344CB8AC3E}">
-        <p14:creationId xmlns:p14="http://schemas.microsoft.com/office/powerpoint/2010/main" val="611239893"/>
-      </p:ext>
-    </p:extLst>
-  </p:cSld>
-  <p:clrMapOvr>
-    <a:masterClrMapping/>
-  </p:clrMapOvr>
-</p:sld>
-</file>
-
-<file path=ppt/slides/slide9.xml><?xml version="1.0" encoding="utf-8"?>
 <p:sld xmlns:a="http://schemas.openxmlformats.org/drawingml/2006/main" xmlns:r="http://schemas.openxmlformats.org/officeDocument/2006/relationships" xmlns:p="http://schemas.openxmlformats.org/presentationml/2006/main">
   <p:cSld>
     <p:spTree>
@@ -32474,7 +32712,7 @@
           <a:p>
             <a:r>
               <a:rPr lang="en-GB" dirty="0"/>
-              <a:t>Introduction: Our introduced Graph III</a:t>
+              <a:t>DrawAnalyzer visualization</a:t>
             </a:r>
             <a:endParaRPr lang="en-GB" noProof="0" dirty="0"/>
           </a:p>
@@ -32634,7 +32872,7 @@
           <a:p>
             <a:fld id="{5ACA52AF-F19D-405C-AD5F-7D94B96A5CC3}" type="slidenum">
               <a:rPr lang="en-GB" noProof="0" smtClean="0"/>
-              <a:t>9</a:t>
+              <a:t>8</a:t>
             </a:fld>
             <a:endParaRPr lang="en-GB" noProof="0" dirty="0"/>
           </a:p>
@@ -32674,6 +32912,250 @@
     <p:extLst>
       <p:ext uri="{BB962C8B-B14F-4D97-AF65-F5344CB8AC3E}">
         <p14:creationId xmlns:p14="http://schemas.microsoft.com/office/powerpoint/2010/main" val="3255167968"/>
+      </p:ext>
+    </p:extLst>
+  </p:cSld>
+  <p:clrMapOvr>
+    <a:masterClrMapping/>
+  </p:clrMapOvr>
+</p:sld>
+</file>
+
+<file path=ppt/slides/slide9.xml><?xml version="1.0" encoding="utf-8"?>
+<p:sld xmlns:a="http://schemas.openxmlformats.org/drawingml/2006/main" xmlns:r="http://schemas.openxmlformats.org/officeDocument/2006/relationships" xmlns:p="http://schemas.openxmlformats.org/presentationml/2006/main">
+  <p:cSld>
+    <p:spTree>
+      <p:nvGrpSpPr>
+        <p:cNvPr id="1" name="">
+          <a:extLst>
+            <a:ext uri="{FF2B5EF4-FFF2-40B4-BE49-F238E27FC236}">
+              <a16:creationId xmlns:a16="http://schemas.microsoft.com/office/drawing/2014/main" id="{5F5CCFD2-8FB4-6A31-CC99-C356EAE370EE}"/>
+            </a:ext>
+          </a:extLst>
+        </p:cNvPr>
+        <p:cNvGrpSpPr/>
+        <p:nvPr/>
+      </p:nvGrpSpPr>
+      <p:grpSpPr>
+        <a:xfrm>
+          <a:off x="0" y="0"/>
+          <a:ext cx="0" cy="0"/>
+          <a:chOff x="0" y="0"/>
+          <a:chExt cx="0" cy="0"/>
+        </a:xfrm>
+      </p:grpSpPr>
+      <p:sp>
+        <p:nvSpPr>
+          <p:cNvPr id="2" name="Titel 1">
+            <a:extLst>
+              <a:ext uri="{FF2B5EF4-FFF2-40B4-BE49-F238E27FC236}">
+                <a16:creationId xmlns:a16="http://schemas.microsoft.com/office/drawing/2014/main" id="{0623A469-E174-DB8E-C6FB-47DFC49403B1}"/>
+              </a:ext>
+            </a:extLst>
+          </p:cNvPr>
+          <p:cNvSpPr>
+            <a:spLocks noGrp="1"/>
+          </p:cNvSpPr>
+          <p:nvPr>
+            <p:ph type="title"/>
+          </p:nvPr>
+        </p:nvSpPr>
+        <p:spPr/>
+        <p:txBody>
+          <a:bodyPr/>
+          <a:lstStyle/>
+          <a:p>
+            <a:r>
+              <a:rPr lang="en-GB" dirty="0"/>
+              <a:t>How we compare the Algorithms</a:t>
+            </a:r>
+            <a:endParaRPr lang="en-GB" noProof="0" dirty="0"/>
+          </a:p>
+        </p:txBody>
+      </p:sp>
+      <p:sp>
+        <p:nvSpPr>
+          <p:cNvPr id="3" name="Inhaltsplatzhalter 2">
+            <a:extLst>
+              <a:ext uri="{FF2B5EF4-FFF2-40B4-BE49-F238E27FC236}">
+                <a16:creationId xmlns:a16="http://schemas.microsoft.com/office/drawing/2014/main" id="{705D3443-44D1-D2AC-84C4-19BEF43DC502}"/>
+              </a:ext>
+            </a:extLst>
+          </p:cNvPr>
+          <p:cNvSpPr>
+            <a:spLocks noGrp="1"/>
+          </p:cNvSpPr>
+          <p:nvPr>
+            <p:ph idx="1"/>
+          </p:nvPr>
+        </p:nvSpPr>
+        <p:spPr/>
+        <p:txBody>
+          <a:bodyPr/>
+          <a:lstStyle/>
+          <a:p>
+            <a:pPr marL="0" indent="0">
+              <a:buNone/>
+            </a:pPr>
+            <a:r>
+              <a:rPr lang="en-GB" b="1" dirty="0"/>
+              <a:t>How much data</a:t>
+            </a:r>
+          </a:p>
+          <a:p>
+            <a:r>
+              <a:rPr lang="en-GB" dirty="0"/>
+              <a:t>We run 1000 Games on our naïve Algorithm and on DrawAnalyzer with depth 1</a:t>
+            </a:r>
+          </a:p>
+          <a:p>
+            <a:r>
+              <a:rPr lang="en-GB" dirty="0"/>
+              <a:t>We run 100 Games on DrawAnalyzer with depth 2 because it takes significantly longer</a:t>
+            </a:r>
+          </a:p>
+          <a:p>
+            <a:pPr marL="0" indent="0">
+              <a:buNone/>
+            </a:pPr>
+            <a:endParaRPr lang="en-GB" dirty="0"/>
+          </a:p>
+          <a:p>
+            <a:pPr marL="0" indent="0">
+              <a:buNone/>
+            </a:pPr>
+            <a:r>
+              <a:rPr lang="en-GB" b="1" dirty="0"/>
+              <a:t>Significant measurements</a:t>
+            </a:r>
+          </a:p>
+          <a:p>
+            <a:r>
+              <a:rPr lang="en-GB" dirty="0"/>
+              <a:t>We measure the time it takes to draw per round</a:t>
+            </a:r>
+          </a:p>
+          <a:p>
+            <a:r>
+              <a:rPr lang="en-GB" dirty="0"/>
+              <a:t>We measure the average Shanten per round</a:t>
+            </a:r>
+          </a:p>
+          <a:p>
+            <a:r>
+              <a:rPr lang="en-GB" dirty="0"/>
+              <a:t>We measure in what round a Game is won (if at all)</a:t>
+            </a:r>
+          </a:p>
+          <a:p>
+            <a:endParaRPr lang="en-GB" dirty="0"/>
+          </a:p>
+          <a:p>
+            <a:pPr marL="0" indent="0">
+              <a:buNone/>
+            </a:pPr>
+            <a:r>
+              <a:rPr lang="en-GB" b="1" dirty="0"/>
+              <a:t>Machine Specifics</a:t>
+            </a:r>
+          </a:p>
+          <a:p>
+            <a:r>
+              <a:rPr lang="de-CH" dirty="0"/>
+              <a:t>2th Gen Intel(R) Core(TM) i5-12600K (16 CPUs), ~3.7GHz 32GB Ram NVIDIA </a:t>
+            </a:r>
+            <a:r>
+              <a:rPr lang="de-CH" dirty="0" err="1"/>
+              <a:t>GeForceRTX</a:t>
+            </a:r>
+            <a:r>
+              <a:rPr lang="de-CH" dirty="0"/>
+              <a:t> 2060</a:t>
+            </a:r>
+            <a:endParaRPr lang="en-GB" dirty="0"/>
+          </a:p>
+          <a:p>
+            <a:endParaRPr lang="en-GB" dirty="0"/>
+          </a:p>
+          <a:p>
+            <a:endParaRPr lang="en-GB" dirty="0"/>
+          </a:p>
+          <a:p>
+            <a:endParaRPr lang="en-GB" dirty="0"/>
+          </a:p>
+          <a:p>
+            <a:endParaRPr lang="en-GB" dirty="0"/>
+          </a:p>
+          <a:p>
+            <a:endParaRPr lang="en-GB" dirty="0"/>
+          </a:p>
+          <a:p>
+            <a:endParaRPr lang="en-GB" noProof="0" dirty="0"/>
+          </a:p>
+        </p:txBody>
+      </p:sp>
+      <p:sp>
+        <p:nvSpPr>
+          <p:cNvPr id="4" name="Datumsplatzhalter 3">
+            <a:extLst>
+              <a:ext uri="{FF2B5EF4-FFF2-40B4-BE49-F238E27FC236}">
+                <a16:creationId xmlns:a16="http://schemas.microsoft.com/office/drawing/2014/main" id="{AEC9817E-FDAC-1875-63D6-2D4828B45421}"/>
+              </a:ext>
+            </a:extLst>
+          </p:cNvPr>
+          <p:cNvSpPr>
+            <a:spLocks noGrp="1"/>
+          </p:cNvSpPr>
+          <p:nvPr>
+            <p:ph type="dt" sz="half" idx="10"/>
+          </p:nvPr>
+        </p:nvSpPr>
+        <p:spPr/>
+        <p:txBody>
+          <a:bodyPr/>
+          <a:lstStyle/>
+          <a:p>
+            <a:fld id="{D5CE5686-0170-47AF-9B8A-7DF387E652FA}" type="datetime1">
+              <a:rPr lang="en-GB" noProof="0" smtClean="0"/>
+              <a:t>01/07/2025</a:t>
+            </a:fld>
+            <a:endParaRPr lang="en-GB" noProof="0" dirty="0"/>
+          </a:p>
+        </p:txBody>
+      </p:sp>
+      <p:sp>
+        <p:nvSpPr>
+          <p:cNvPr id="6" name="Foliennummernplatzhalter 5">
+            <a:extLst>
+              <a:ext uri="{FF2B5EF4-FFF2-40B4-BE49-F238E27FC236}">
+                <a16:creationId xmlns:a16="http://schemas.microsoft.com/office/drawing/2014/main" id="{E9895EF9-9C93-9FFA-C023-CB892C6561C1}"/>
+              </a:ext>
+            </a:extLst>
+          </p:cNvPr>
+          <p:cNvSpPr>
+            <a:spLocks noGrp="1"/>
+          </p:cNvSpPr>
+          <p:nvPr>
+            <p:ph type="sldNum" sz="quarter" idx="12"/>
+          </p:nvPr>
+        </p:nvSpPr>
+        <p:spPr/>
+        <p:txBody>
+          <a:bodyPr/>
+          <a:lstStyle/>
+          <a:p>
+            <a:fld id="{5ACA52AF-F19D-405C-AD5F-7D94B96A5CC3}" type="slidenum">
+              <a:rPr lang="en-GB" noProof="0" smtClean="0"/>
+              <a:t>9</a:t>
+            </a:fld>
+            <a:endParaRPr lang="en-GB" noProof="0" dirty="0"/>
+          </a:p>
+        </p:txBody>
+      </p:sp>
+    </p:spTree>
+    <p:extLst>
+      <p:ext uri="{BB962C8B-B14F-4D97-AF65-F5344CB8AC3E}">
+        <p14:creationId xmlns:p14="http://schemas.microsoft.com/office/powerpoint/2010/main" val="3505557306"/>
       </p:ext>
     </p:extLst>
   </p:cSld>

--- a/ProjectPresentation_asadikovic_jlyrer.pptx
+++ b/ProjectPresentation_asadikovic_jlyrer.pptx
@@ -17,8 +17,8 @@
     <p:sldId id="289" r:id="rId5"/>
     <p:sldId id="302" r:id="rId6"/>
     <p:sldId id="277" r:id="rId7"/>
-    <p:sldId id="303" r:id="rId8"/>
-    <p:sldId id="284" r:id="rId9"/>
+    <p:sldId id="284" r:id="rId8"/>
+    <p:sldId id="303" r:id="rId9"/>
     <p:sldId id="292" r:id="rId10"/>
     <p:sldId id="293" r:id="rId11"/>
     <p:sldId id="294" r:id="rId12"/>
@@ -4898,7 +4898,7 @@
           <a:p>
             <a:fld id="{F68ABEA4-9216-4FDF-AAE1-D8632908A8EC}" type="datetimeFigureOut">
               <a:rPr lang="de-CH" smtClean="0"/>
-              <a:t>01.07.2025</a:t>
+              <a:t>17.07.2025</a:t>
             </a:fld>
             <a:endParaRPr lang="de-CH"/>
           </a:p>
@@ -5075,7 +5075,7 @@
           <a:p>
             <a:fld id="{4B78A90D-FE7E-41AF-B03D-808D82937CB9}" type="datetimeFigureOut">
               <a:rPr lang="de-CH" smtClean="0"/>
-              <a:t>01.07.2025</a:t>
+              <a:t>17.07.2025</a:t>
             </a:fld>
             <a:endParaRPr lang="de-CH"/>
           </a:p>
@@ -5803,7 +5803,7 @@
           <a:p>
             <a:fld id="{C47C2547-0B26-4181-9958-0F74634B97A1}" type="datetime1">
               <a:rPr lang="de-CH" noProof="0" smtClean="0"/>
-              <a:t>01.07.2025</a:t>
+              <a:t>17.07.2025</a:t>
             </a:fld>
             <a:endParaRPr lang="de-CH" noProof="0"/>
           </a:p>
@@ -5998,7 +5998,7 @@
           <a:p>
             <a:fld id="{4A533879-9C0F-4F94-919F-30B833E8871A}" type="datetime1">
               <a:rPr lang="de-CH" noProof="0" smtClean="0"/>
-              <a:t>01.07.2025</a:t>
+              <a:t>17.07.2025</a:t>
             </a:fld>
             <a:endParaRPr lang="de-CH" noProof="0"/>
           </a:p>
@@ -6285,7 +6285,7 @@
           <a:p>
             <a:fld id="{68EF82BE-DF56-4719-B180-C3B0D509F71F}" type="datetime1">
               <a:rPr lang="de-CH" noProof="0" smtClean="0"/>
-              <a:t>01.07.2025</a:t>
+              <a:t>17.07.2025</a:t>
             </a:fld>
             <a:endParaRPr lang="de-CH" noProof="0"/>
           </a:p>
@@ -6583,7 +6583,7 @@
           <a:p>
             <a:fld id="{3E1B9425-7348-43E2-B0E9-6A2A48F5FA8A}" type="datetime1">
               <a:rPr lang="de-CH" noProof="0" smtClean="0"/>
-              <a:t>01.07.2025</a:t>
+              <a:t>17.07.2025</a:t>
             </a:fld>
             <a:endParaRPr lang="de-CH" noProof="0"/>
           </a:p>
@@ -6983,7 +6983,7 @@
           <a:p>
             <a:fld id="{0F7782B2-018B-4FD3-AD95-2F64EDE0E9D6}" type="datetime1">
               <a:rPr lang="de-CH" noProof="0" smtClean="0"/>
-              <a:t>01.07.2025</a:t>
+              <a:t>17.07.2025</a:t>
             </a:fld>
             <a:endParaRPr lang="de-CH" noProof="0"/>
           </a:p>
@@ -7351,7 +7351,7 @@
           <a:p>
             <a:fld id="{D0A0FED0-443D-411A-B8E4-0668A8890EE3}" type="datetime1">
               <a:rPr lang="de-CH" noProof="0" smtClean="0"/>
-              <a:t>01.07.2025</a:t>
+              <a:t>17.07.2025</a:t>
             </a:fld>
             <a:endParaRPr lang="de-CH" noProof="0"/>
           </a:p>
@@ -9380,7 +9380,7 @@
           <a:p>
             <a:fld id="{1332D50A-E6CC-4D88-8908-F2129032F4C7}" type="datetime1">
               <a:rPr lang="de-CH" noProof="0" smtClean="0"/>
-              <a:t>01.07.2025</a:t>
+              <a:t>17.07.2025</a:t>
             </a:fld>
             <a:endParaRPr lang="de-CH" noProof="0"/>
           </a:p>
@@ -9623,7 +9623,7 @@
           <a:p>
             <a:fld id="{11B96697-4585-4368-989A-16003D150648}" type="datetime1">
               <a:rPr lang="de-CH" noProof="0" smtClean="0"/>
-              <a:t>01.07.2025</a:t>
+              <a:t>17.07.2025</a:t>
             </a:fld>
             <a:endParaRPr lang="de-CH" noProof="0"/>
           </a:p>
@@ -9871,7 +9871,7 @@
           <a:p>
             <a:fld id="{3A01E762-278A-4155-9BEB-7C2CB2386E92}" type="datetime1">
               <a:rPr lang="de-CH" noProof="0" smtClean="0"/>
-              <a:t>01.07.2025</a:t>
+              <a:t>17.07.2025</a:t>
             </a:fld>
             <a:endParaRPr lang="de-CH" noProof="0"/>
           </a:p>
@@ -10147,7 +10147,7 @@
           <a:p>
             <a:fld id="{6C4EAFE7-317E-4912-B75C-DD6945F82242}" type="datetime1">
               <a:rPr lang="de-CH" noProof="0" smtClean="0"/>
-              <a:t>01.07.2025</a:t>
+              <a:t>17.07.2025</a:t>
             </a:fld>
             <a:endParaRPr lang="de-CH" noProof="0"/>
           </a:p>
@@ -12078,7 +12078,7 @@
           <a:p>
             <a:fld id="{4A358CF3-A22A-46C1-A4E5-5810212466EF}" type="datetime1">
               <a:rPr lang="de-CH" noProof="0" smtClean="0"/>
-              <a:t>01.07.2025</a:t>
+              <a:t>17.07.2025</a:t>
             </a:fld>
             <a:endParaRPr lang="de-CH" noProof="0"/>
           </a:p>
@@ -15414,7 +15414,7 @@
           <a:p>
             <a:fld id="{7260A9D5-8325-4620-96F6-FB312AC6FB66}" type="datetime1">
               <a:rPr lang="en-GB" noProof="0" smtClean="0"/>
-              <a:t>01/07/2025</a:t>
+              <a:t>17/07/2025</a:t>
             </a:fld>
             <a:endParaRPr lang="en-GB" noProof="0" dirty="0"/>
           </a:p>
@@ -18165,7 +18165,7 @@
           <a:p>
             <a:fld id="{7260A9D5-8325-4620-96F6-FB312AC6FB66}" type="datetime1">
               <a:rPr lang="en-GB" noProof="0" smtClean="0"/>
-              <a:t>01/07/2025</a:t>
+              <a:t>17/07/2025</a:t>
             </a:fld>
             <a:endParaRPr lang="en-GB" noProof="0" dirty="0"/>
           </a:p>
@@ -20924,7 +20924,7 @@
           <a:p>
             <a:fld id="{7260A9D5-8325-4620-96F6-FB312AC6FB66}" type="datetime1">
               <a:rPr lang="en-GB" noProof="0" smtClean="0"/>
-              <a:t>01/07/2025</a:t>
+              <a:t>17/07/2025</a:t>
             </a:fld>
             <a:endParaRPr lang="en-GB" noProof="0" dirty="0"/>
           </a:p>
@@ -21024,8 +21024,8 @@
           </a:p>
         </p:txBody>
       </p:sp>
-      <mc:AlternateContent xmlns:mc="http://schemas.openxmlformats.org/markup-compatibility/2006">
-        <mc:Choice xmlns:a14="http://schemas.microsoft.com/office/drawing/2010/main" Requires="a14">
+      <mc:AlternateContent xmlns:mc="http://schemas.openxmlformats.org/markup-compatibility/2006" xmlns:a14="http://schemas.microsoft.com/office/drawing/2010/main">
+        <mc:Choice Requires="a14">
           <p:sp>
             <p:nvSpPr>
               <p:cNvPr id="3" name="Inhaltsplatzhalter 2">
@@ -21187,7 +21187,7 @@
             </p:txBody>
           </p:sp>
         </mc:Choice>
-        <mc:Fallback>
+        <mc:Fallback xmlns="">
           <p:sp>
             <p:nvSpPr>
               <p:cNvPr id="3" name="Inhaltsplatzhalter 2">
@@ -21250,7 +21250,7 @@
           <a:p>
             <a:fld id="{3883C902-160B-4538-99A8-1486892643D4}" type="datetime1">
               <a:rPr lang="en-GB" noProof="0" smtClean="0"/>
-              <a:t>01/07/2025</a:t>
+              <a:t>17/07/2025</a:t>
             </a:fld>
             <a:endParaRPr lang="en-GB" noProof="0" dirty="0"/>
           </a:p>
@@ -21481,7 +21481,7 @@
           <a:p>
             <a:fld id="{3883C902-160B-4538-99A8-1486892643D4}" type="datetime1">
               <a:rPr lang="en-GB" noProof="0" smtClean="0"/>
-              <a:t>01/07/2025</a:t>
+              <a:t>17/07/2025</a:t>
             </a:fld>
             <a:endParaRPr lang="en-GB" noProof="0" dirty="0"/>
           </a:p>
@@ -21706,7 +21706,7 @@
           <a:p>
             <a:fld id="{C32F3C7F-0C5F-4A18-A13A-CAEFDEB56FA0}" type="datetime1">
               <a:rPr lang="en-GB" noProof="0" smtClean="0"/>
-              <a:t>01/07/2025</a:t>
+              <a:t>17/07/2025</a:t>
             </a:fld>
             <a:endParaRPr lang="en-GB" noProof="0" dirty="0"/>
           </a:p>
@@ -21908,7 +21908,7 @@
           <a:p>
             <a:r>
               <a:rPr lang="en-GB" dirty="0"/>
-              <a:t>Shanten gets improved earlier in the game with both iterations of DrawAnalyzer, which shows that the algorithm constantly performs better and makes better decisions.</a:t>
+              <a:t>Shanten gets improved earlier in the game with both iterations of DrawAnalyzer, which shows that the algorithm constantly performs goal-oriented and makes good decisions throughout the game.</a:t>
             </a:r>
           </a:p>
           <a:p>
@@ -21954,7 +21954,7 @@
           <a:p>
             <a:fld id="{D5CE5686-0170-47AF-9B8A-7DF387E652FA}" type="datetime1">
               <a:rPr lang="en-GB" noProof="0" smtClean="0"/>
-              <a:t>01/07/2025</a:t>
+              <a:t>17/07/2025</a:t>
             </a:fld>
             <a:endParaRPr lang="en-GB" noProof="0" dirty="0"/>
           </a:p>
@@ -22150,7 +22150,7 @@
           <a:p>
             <a:fld id="{D5CE5686-0170-47AF-9B8A-7DF387E652FA}" type="datetime1">
               <a:rPr lang="en-GB" noProof="0" smtClean="0"/>
-              <a:t>01/07/2025</a:t>
+              <a:t>17/07/2025</a:t>
             </a:fld>
             <a:endParaRPr lang="en-GB" noProof="0" dirty="0"/>
           </a:p>
@@ -22266,7 +22266,7 @@
           <a:p>
             <a:fld id="{6C4EAFE7-317E-4912-B75C-DD6945F82242}" type="datetime1">
               <a:rPr lang="de-CH" noProof="0" smtClean="0"/>
-              <a:t>01.07.2025</a:t>
+              <a:t>17.07.2025</a:t>
             </a:fld>
             <a:endParaRPr lang="de-CH" noProof="0"/>
           </a:p>
@@ -22384,7 +22384,7 @@
           <a:p>
             <a:fld id="{3E1B9425-7348-43E2-B0E9-6A2A48F5FA8A}" type="datetime1">
               <a:rPr lang="de-CH" noProof="0" smtClean="0"/>
-              <a:t>01.07.2025</a:t>
+              <a:t>17.07.2025</a:t>
             </a:fld>
             <a:endParaRPr lang="de-CH" noProof="0"/>
           </a:p>
@@ -24174,14 +24174,6 @@
             </a:r>
             <a:r>
               <a:rPr lang="en-GB" dirty="0" err="1"/>
-              <a:t>a.k.a</a:t>
-            </a:r>
-            <a:r>
-              <a:rPr lang="en-GB" dirty="0"/>
-              <a:t> </a:t>
-            </a:r>
-            <a:r>
-              <a:rPr lang="en-GB" dirty="0" err="1"/>
               <a:t>Richii</a:t>
             </a:r>
             <a:r>
@@ -24216,7 +24208,7 @@
           <a:p>
             <a:r>
               <a:rPr lang="en-GB" dirty="0"/>
-              <a:t>Our Optimization only covers a part of the real Japanese Mahjong, we do not consider things like </a:t>
+              <a:t>Our Optimization only covers a part of the real Japanese Mahjong, We do not consider things like </a:t>
             </a:r>
             <a:r>
               <a:rPr lang="en-GB" dirty="0" err="1"/>
@@ -24258,7 +24250,7 @@
           <a:p>
             <a:fld id="{D5CE5686-0170-47AF-9B8A-7DF387E652FA}" type="datetime1">
               <a:rPr lang="en-GB" noProof="0" smtClean="0"/>
-              <a:t>01/07/2025</a:t>
+              <a:t>17/07/2025</a:t>
             </a:fld>
             <a:endParaRPr lang="en-GB" noProof="0" dirty="0"/>
           </a:p>
@@ -24352,7 +24344,7 @@
           <a:p>
             <a:fld id="{3E1B9425-7348-43E2-B0E9-6A2A48F5FA8A}" type="datetime1">
               <a:rPr lang="de-CH" noProof="0" smtClean="0"/>
-              <a:t>01.07.2025</a:t>
+              <a:t>17.07.2025</a:t>
             </a:fld>
             <a:endParaRPr lang="de-CH" noProof="0"/>
           </a:p>
@@ -25491,7 +25483,7 @@
           <a:p>
             <a:fld id="{D5CE5686-0170-47AF-9B8A-7DF387E652FA}" type="datetime1">
               <a:rPr lang="en-GB" noProof="0" smtClean="0"/>
-              <a:t>01/07/2025</a:t>
+              <a:t>17/07/2025</a:t>
             </a:fld>
             <a:endParaRPr lang="en-GB" noProof="0" dirty="0"/>
           </a:p>
@@ -26088,7 +26080,7 @@
           <a:p>
             <a:fld id="{8D93BFA6-70D2-4653-B5CB-D3376F3BFAE7}" type="datetime1">
               <a:rPr lang="en-GB" noProof="0" smtClean="0"/>
-              <a:t>01/07/2025</a:t>
+              <a:t>17/07/2025</a:t>
             </a:fld>
             <a:endParaRPr lang="en-GB" noProof="0" dirty="0"/>
           </a:p>
@@ -26727,7 +26719,7 @@
           <a:p>
             <a:fld id="{255C2D81-634A-41B2-966F-5B8C1282A848}" type="datetime1">
               <a:rPr lang="en-GB" noProof="0" smtClean="0"/>
-              <a:t>01/07/2025</a:t>
+              <a:t>17/07/2025</a:t>
             </a:fld>
             <a:endParaRPr lang="en-GB" noProof="0" dirty="0"/>
           </a:p>
@@ -27321,7 +27313,7 @@
           <a:p>
             <a:fld id="{688E238B-19C1-43CC-B369-032B8A600BC8}" type="datetime1">
               <a:rPr lang="en-GB" noProof="0" smtClean="0"/>
-              <a:t>01/07/2025</a:t>
+              <a:t>17/07/2025</a:t>
             </a:fld>
             <a:endParaRPr lang="en-GB" noProof="0" dirty="0"/>
           </a:p>
@@ -27997,7 +27989,7 @@
           <a:p>
             <a:fld id="{3883C902-160B-4538-99A8-1486892643D4}" type="datetime1">
               <a:rPr lang="en-GB" noProof="0" smtClean="0"/>
-              <a:t>01/07/2025</a:t>
+              <a:t>17/07/2025</a:t>
             </a:fld>
             <a:endParaRPr lang="en-GB" noProof="0" dirty="0"/>
           </a:p>
@@ -28328,7 +28320,7 @@
           <a:p>
             <a:fld id="{C32F3C7F-0C5F-4A18-A13A-CAEFDEB56FA0}" type="datetime1">
               <a:rPr lang="en-GB" noProof="0" smtClean="0"/>
-              <a:t>01/07/2025</a:t>
+              <a:t>17/07/2025</a:t>
             </a:fld>
             <a:endParaRPr lang="en-GB" noProof="0" dirty="0"/>
           </a:p>
@@ -28764,7 +28756,7 @@
           <a:p>
             <a:fld id="{C346C403-2363-42FC-8982-6D08D86AEC82}" type="datetime1">
               <a:rPr lang="en-GB" noProof="0" smtClean="0"/>
-              <a:t>01/07/2025</a:t>
+              <a:t>17/07/2025</a:t>
             </a:fld>
             <a:endParaRPr lang="en-GB" noProof="0" dirty="0"/>
           </a:p>
@@ -30287,7 +30279,7 @@
           <a:p>
             <a:fld id="{7260A9D5-8325-4620-96F6-FB312AC6FB66}" type="datetime1">
               <a:rPr lang="en-GB" noProof="0" smtClean="0"/>
-              <a:t>01/07/2025</a:t>
+              <a:t>17/07/2025</a:t>
             </a:fld>
             <a:endParaRPr lang="en-GB" noProof="0" dirty="0"/>
           </a:p>
@@ -30767,21 +30759,6 @@
               <a:p>
                 <a:r>
                   <a:rPr lang="en-GB" dirty="0"/>
-                  <a:t>A</a:t>
-                </a:r>
-                <a:r>
-                  <a:rPr lang="en-GB" b="1" i="1" dirty="0"/>
-                  <a:t> winning Hand </a:t>
-                </a:r>
-                <a:r>
-                  <a:rPr lang="en-GB" dirty="0"/>
-                  <a:t>consists of 14 Tiles such that there are 4 Triples and one Pair</a:t>
-                </a:r>
-                <a:endParaRPr lang="en-GB" b="1" i="1" dirty="0"/>
-              </a:p>
-              <a:p>
-                <a:r>
-                  <a:rPr lang="en-GB" dirty="0"/>
                   <a:t>A </a:t>
                 </a:r>
                 <a:r>
@@ -30796,13 +30773,20 @@
                   <a:rPr lang="en-GB" b="1" i="1" dirty="0"/>
                   <a:t>winning Hand</a:t>
                 </a:r>
-                <a:endParaRPr lang="en-GB" dirty="0"/>
               </a:p>
               <a:p>
-                <a:pPr marL="266700" lvl="1" indent="0">
-                  <a:buNone/>
-                </a:pPr>
-                <a:endParaRPr lang="en-GB" dirty="0"/>
+                <a:r>
+                  <a:rPr lang="en-GB" dirty="0"/>
+                  <a:t>A</a:t>
+                </a:r>
+                <a:r>
+                  <a:rPr lang="en-GB" b="1" i="1" dirty="0"/>
+                  <a:t> winning Hand </a:t>
+                </a:r>
+                <a:r>
+                  <a:rPr lang="en-GB" dirty="0"/>
+                  <a:t>consists of 14 Tiles such that there are 4 Triples and one Pair</a:t>
+                </a:r>
               </a:p>
               <a:p>
                 <a:endParaRPr lang="en-GB" dirty="0"/>
@@ -30876,7 +30860,7 @@
           <a:p>
             <a:fld id="{D5CE5686-0170-47AF-9B8A-7DF387E652FA}" type="datetime1">
               <a:rPr lang="en-GB" noProof="0" smtClean="0"/>
-              <a:t>01/07/2025</a:t>
+              <a:t>17/07/2025</a:t>
             </a:fld>
             <a:endParaRPr lang="en-GB" noProof="0" dirty="0"/>
           </a:p>
@@ -31091,7 +31075,7 @@
           <a:p>
             <a:fld id="{D5CE5686-0170-47AF-9B8A-7DF387E652FA}" type="datetime1">
               <a:rPr lang="en-GB" noProof="0" smtClean="0"/>
-              <a:t>01/07/2025</a:t>
+              <a:t>17/07/2025</a:t>
             </a:fld>
             <a:endParaRPr lang="en-GB" noProof="0" dirty="0"/>
           </a:p>
@@ -31191,8 +31175,8 @@
           </a:p>
         </p:txBody>
       </p:sp>
-      <mc:AlternateContent xmlns:mc="http://schemas.openxmlformats.org/markup-compatibility/2006" xmlns:a14="http://schemas.microsoft.com/office/drawing/2010/main">
-        <mc:Choice Requires="a14">
+      <mc:AlternateContent xmlns:mc="http://schemas.openxmlformats.org/markup-compatibility/2006">
+        <mc:Choice xmlns:a14="http://schemas.microsoft.com/office/drawing/2010/main" Requires="a14">
           <p:sp>
             <p:nvSpPr>
               <p:cNvPr id="3" name="Inhaltsplatzhalter 2">
@@ -31251,7 +31235,15 @@
                 </a:r>
               </a:p>
               <a:p>
-                <a:pPr lvl="1"/>
+                <a:pPr marL="266700" lvl="1" indent="0">
+                  <a:buNone/>
+                </a:pPr>
+                <a:endParaRPr lang="en-GB" dirty="0"/>
+              </a:p>
+              <a:p>
+                <a:pPr marL="266700" lvl="1" indent="0">
+                  <a:buNone/>
+                </a:pPr>
                 <a:r>
                   <a:rPr lang="en-GB" dirty="0"/>
                   <a:t>Our goal is to…</a:t>
@@ -31300,7 +31292,7 @@
             </p:txBody>
           </p:sp>
         </mc:Choice>
-        <mc:Fallback xmlns="">
+        <mc:Fallback>
           <p:sp>
             <p:nvSpPr>
               <p:cNvPr id="3" name="Inhaltsplatzhalter 2">
@@ -31363,7 +31355,7 @@
           <a:p>
             <a:fld id="{D5CE5686-0170-47AF-9B8A-7DF387E652FA}" type="datetime1">
               <a:rPr lang="en-GB" noProof="0" smtClean="0"/>
-              <a:t>01/07/2025</a:t>
+              <a:t>17/07/2025</a:t>
             </a:fld>
             <a:endParaRPr lang="en-GB" noProof="0" dirty="0"/>
           </a:p>
@@ -31863,7 +31855,7 @@
           <a:p>
             <a:fld id="{D5CE5686-0170-47AF-9B8A-7DF387E652FA}" type="datetime1">
               <a:rPr lang="en-GB" noProof="0" smtClean="0"/>
-              <a:t>01/07/2025</a:t>
+              <a:t>17/07/2025</a:t>
             </a:fld>
             <a:endParaRPr lang="en-GB" noProof="0" dirty="0"/>
           </a:p>
@@ -31912,6 +31904,291 @@
 </file>
 
 <file path=ppt/slides/slide7.xml><?xml version="1.0" encoding="utf-8"?>
+<p:sld xmlns:a="http://schemas.openxmlformats.org/drawingml/2006/main" xmlns:r="http://schemas.openxmlformats.org/officeDocument/2006/relationships" xmlns:p="http://schemas.openxmlformats.org/presentationml/2006/main">
+  <p:cSld>
+    <p:spTree>
+      <p:nvGrpSpPr>
+        <p:cNvPr id="1" name="">
+          <a:extLst>
+            <a:ext uri="{FF2B5EF4-FFF2-40B4-BE49-F238E27FC236}">
+              <a16:creationId xmlns:a16="http://schemas.microsoft.com/office/drawing/2014/main" id="{0AB803F8-BD11-18D2-CE16-603FA84CBD1B}"/>
+            </a:ext>
+          </a:extLst>
+        </p:cNvPr>
+        <p:cNvGrpSpPr/>
+        <p:nvPr/>
+      </p:nvGrpSpPr>
+      <p:grpSpPr>
+        <a:xfrm>
+          <a:off x="0" y="0"/>
+          <a:ext cx="0" cy="0"/>
+          <a:chOff x="0" y="0"/>
+          <a:chExt cx="0" cy="0"/>
+        </a:xfrm>
+      </p:grpSpPr>
+      <p:pic>
+        <p:nvPicPr>
+          <p:cNvPr id="11" name="Grafik 10">
+            <a:extLst>
+              <a:ext uri="{FF2B5EF4-FFF2-40B4-BE49-F238E27FC236}">
+                <a16:creationId xmlns:a16="http://schemas.microsoft.com/office/drawing/2014/main" id="{232901C3-B0F7-734C-D47E-4973BE4AF646}"/>
+              </a:ext>
+            </a:extLst>
+          </p:cNvPr>
+          <p:cNvPicPr>
+            <a:picLocks noChangeAspect="1"/>
+          </p:cNvPicPr>
+          <p:nvPr/>
+        </p:nvPicPr>
+        <p:blipFill>
+          <a:blip r:embed="rId2"/>
+          <a:stretch>
+            <a:fillRect/>
+          </a:stretch>
+        </p:blipFill>
+        <p:spPr>
+          <a:xfrm>
+            <a:off x="6217874" y="1408995"/>
+            <a:ext cx="5242288" cy="3420000"/>
+          </a:xfrm>
+          <a:prstGeom prst="rect">
+            <a:avLst/>
+          </a:prstGeom>
+        </p:spPr>
+      </p:pic>
+      <p:sp>
+        <p:nvSpPr>
+          <p:cNvPr id="2" name="Titel 1">
+            <a:extLst>
+              <a:ext uri="{FF2B5EF4-FFF2-40B4-BE49-F238E27FC236}">
+                <a16:creationId xmlns:a16="http://schemas.microsoft.com/office/drawing/2014/main" id="{C556C664-1E1E-E64C-3F2B-4D9CA81DA822}"/>
+              </a:ext>
+            </a:extLst>
+          </p:cNvPr>
+          <p:cNvSpPr>
+            <a:spLocks noGrp="1"/>
+          </p:cNvSpPr>
+          <p:nvPr>
+            <p:ph type="title"/>
+          </p:nvPr>
+        </p:nvSpPr>
+        <p:spPr/>
+        <p:txBody>
+          <a:bodyPr/>
+          <a:lstStyle/>
+          <a:p>
+            <a:r>
+              <a:rPr lang="en-GB" dirty="0"/>
+              <a:t>DrawAnalyzer visualization</a:t>
+            </a:r>
+            <a:endParaRPr lang="en-GB" noProof="0" dirty="0"/>
+          </a:p>
+        </p:txBody>
+      </p:sp>
+      <p:sp>
+        <p:nvSpPr>
+          <p:cNvPr id="3" name="Inhaltsplatzhalter 2">
+            <a:extLst>
+              <a:ext uri="{FF2B5EF4-FFF2-40B4-BE49-F238E27FC236}">
+                <a16:creationId xmlns:a16="http://schemas.microsoft.com/office/drawing/2014/main" id="{0E6B6D7B-CBC5-440C-A207-95FCC720F6FF}"/>
+              </a:ext>
+            </a:extLst>
+          </p:cNvPr>
+          <p:cNvSpPr>
+            <a:spLocks noGrp="1"/>
+          </p:cNvSpPr>
+          <p:nvPr>
+            <p:ph idx="1"/>
+          </p:nvPr>
+        </p:nvSpPr>
+        <p:spPr/>
+        <p:txBody>
+          <a:bodyPr/>
+          <a:lstStyle/>
+          <a:p>
+            <a:pPr marL="0" indent="0">
+              <a:buNone/>
+            </a:pPr>
+            <a:r>
+              <a:rPr lang="en-GB" b="1" dirty="0"/>
+              <a:t>Example Graph with depth 2</a:t>
+            </a:r>
+          </a:p>
+          <a:p>
+            <a:pPr marL="0" indent="0">
+              <a:buNone/>
+            </a:pPr>
+            <a:r>
+              <a:rPr lang="en-GB" noProof="0" dirty="0"/>
+              <a:t>The c</a:t>
+            </a:r>
+            <a:r>
+              <a:rPr lang="en-GB" dirty="0" err="1"/>
+              <a:t>urrent</a:t>
+            </a:r>
+            <a:r>
+              <a:rPr lang="en-GB" dirty="0"/>
+              <a:t> </a:t>
+            </a:r>
+            <a:r>
+              <a:rPr lang="en-GB" dirty="0" err="1"/>
+              <a:t>Gamestate</a:t>
+            </a:r>
+            <a:r>
+              <a:rPr lang="en-GB" dirty="0"/>
+              <a:t> is connected to all 34 possible Tile-Draws, which in turn are connected to further draws.</a:t>
+            </a:r>
+            <a:endParaRPr lang="en-GB" noProof="0" dirty="0"/>
+          </a:p>
+        </p:txBody>
+      </p:sp>
+      <p:sp>
+        <p:nvSpPr>
+          <p:cNvPr id="15" name="Inhaltsplatzhalter 14">
+            <a:extLst>
+              <a:ext uri="{FF2B5EF4-FFF2-40B4-BE49-F238E27FC236}">
+                <a16:creationId xmlns:a16="http://schemas.microsoft.com/office/drawing/2014/main" id="{674A05C3-2F76-CC6A-9269-3A4EA3A6952B}"/>
+              </a:ext>
+            </a:extLst>
+          </p:cNvPr>
+          <p:cNvSpPr>
+            <a:spLocks noGrp="1"/>
+          </p:cNvSpPr>
+          <p:nvPr>
+            <p:ph idx="15"/>
+          </p:nvPr>
+        </p:nvSpPr>
+        <p:spPr/>
+        <p:txBody>
+          <a:bodyPr/>
+          <a:lstStyle/>
+          <a:p>
+            <a:pPr marL="0" indent="0">
+              <a:buNone/>
+            </a:pPr>
+            <a:r>
+              <a:rPr lang="en-GB" b="1" dirty="0"/>
+              <a:t>With some more Detail</a:t>
+            </a:r>
+            <a:endParaRPr lang="en-GB" dirty="0"/>
+          </a:p>
+          <a:p>
+            <a:pPr marL="0" indent="0">
+              <a:buNone/>
+            </a:pPr>
+            <a:r>
+              <a:rPr lang="en-GB" dirty="0" err="1"/>
+              <a:t>Gamestates</a:t>
+            </a:r>
+            <a:r>
+              <a:rPr lang="en-GB" dirty="0"/>
+              <a:t> that have had the same draws in a different order are considered as equal but more likely than other states.</a:t>
+            </a:r>
+          </a:p>
+        </p:txBody>
+      </p:sp>
+      <p:sp>
+        <p:nvSpPr>
+          <p:cNvPr id="4" name="Datumsplatzhalter 3">
+            <a:extLst>
+              <a:ext uri="{FF2B5EF4-FFF2-40B4-BE49-F238E27FC236}">
+                <a16:creationId xmlns:a16="http://schemas.microsoft.com/office/drawing/2014/main" id="{F455E9C9-AA0E-CABA-A6C8-BA43C8CA2EE6}"/>
+              </a:ext>
+            </a:extLst>
+          </p:cNvPr>
+          <p:cNvSpPr>
+            <a:spLocks noGrp="1"/>
+          </p:cNvSpPr>
+          <p:nvPr>
+            <p:ph type="dt" sz="half" idx="10"/>
+          </p:nvPr>
+        </p:nvSpPr>
+        <p:spPr/>
+        <p:txBody>
+          <a:bodyPr/>
+          <a:lstStyle/>
+          <a:p>
+            <a:fld id="{C32F3C7F-0C5F-4A18-A13A-CAEFDEB56FA0}" type="datetime1">
+              <a:rPr lang="en-GB" noProof="0" smtClean="0"/>
+              <a:t>17/07/2025</a:t>
+            </a:fld>
+            <a:endParaRPr lang="en-GB" noProof="0" dirty="0"/>
+          </a:p>
+        </p:txBody>
+      </p:sp>
+      <p:sp>
+        <p:nvSpPr>
+          <p:cNvPr id="6" name="Foliennummernplatzhalter 5">
+            <a:extLst>
+              <a:ext uri="{FF2B5EF4-FFF2-40B4-BE49-F238E27FC236}">
+                <a16:creationId xmlns:a16="http://schemas.microsoft.com/office/drawing/2014/main" id="{0ED116B1-FCE4-B192-4B4F-F9432852059E}"/>
+              </a:ext>
+            </a:extLst>
+          </p:cNvPr>
+          <p:cNvSpPr>
+            <a:spLocks noGrp="1"/>
+          </p:cNvSpPr>
+          <p:nvPr>
+            <p:ph type="sldNum" sz="quarter" idx="12"/>
+          </p:nvPr>
+        </p:nvSpPr>
+        <p:spPr/>
+        <p:txBody>
+          <a:bodyPr/>
+          <a:lstStyle/>
+          <a:p>
+            <a:fld id="{5ACA52AF-F19D-405C-AD5F-7D94B96A5CC3}" type="slidenum">
+              <a:rPr lang="en-GB" noProof="0" smtClean="0"/>
+              <a:t>7</a:t>
+            </a:fld>
+            <a:endParaRPr lang="en-GB" noProof="0" dirty="0"/>
+          </a:p>
+        </p:txBody>
+      </p:sp>
+      <p:pic>
+        <p:nvPicPr>
+          <p:cNvPr id="7" name="Grafik 6">
+            <a:extLst>
+              <a:ext uri="{FF2B5EF4-FFF2-40B4-BE49-F238E27FC236}">
+                <a16:creationId xmlns:a16="http://schemas.microsoft.com/office/drawing/2014/main" id="{5DA5D595-CF4A-3EC8-FD5F-55E9C8F4CBA1}"/>
+              </a:ext>
+            </a:extLst>
+          </p:cNvPr>
+          <p:cNvPicPr>
+            <a:picLocks noChangeAspect="1"/>
+          </p:cNvPicPr>
+          <p:nvPr/>
+        </p:nvPicPr>
+        <p:blipFill>
+          <a:blip r:embed="rId3"/>
+          <a:stretch>
+            <a:fillRect/>
+          </a:stretch>
+        </p:blipFill>
+        <p:spPr>
+          <a:xfrm>
+            <a:off x="731836" y="1412875"/>
+            <a:ext cx="4999113" cy="3453253"/>
+          </a:xfrm>
+          <a:prstGeom prst="rect">
+            <a:avLst/>
+          </a:prstGeom>
+        </p:spPr>
+      </p:pic>
+    </p:spTree>
+    <p:extLst>
+      <p:ext uri="{BB962C8B-B14F-4D97-AF65-F5344CB8AC3E}">
+        <p14:creationId xmlns:p14="http://schemas.microsoft.com/office/powerpoint/2010/main" val="3255167968"/>
+      </p:ext>
+    </p:extLst>
+  </p:cSld>
+  <p:clrMapOvr>
+    <a:masterClrMapping/>
+  </p:clrMapOvr>
+</p:sld>
+</file>
+
+<file path=ppt/slides/slide8.xml><?xml version="1.0" encoding="utf-8"?>
 <p:sld xmlns:a="http://schemas.openxmlformats.org/drawingml/2006/main" xmlns:r="http://schemas.openxmlformats.org/officeDocument/2006/relationships" xmlns:p="http://schemas.openxmlformats.org/presentationml/2006/main">
   <p:cSld>
     <p:spTree>
@@ -32588,7 +32865,7 @@
           <a:p>
             <a:fld id="{D5CE5686-0170-47AF-9B8A-7DF387E652FA}" type="datetime1">
               <a:rPr lang="en-GB" noProof="0" smtClean="0"/>
-              <a:t>01/07/2025</a:t>
+              <a:t>17/07/2025</a:t>
             </a:fld>
             <a:endParaRPr lang="en-GB" noProof="0" dirty="0"/>
           </a:p>
@@ -32617,7 +32894,7 @@
           <a:p>
             <a:fld id="{5ACA52AF-F19D-405C-AD5F-7D94B96A5CC3}" type="slidenum">
               <a:rPr lang="en-GB" noProof="0" smtClean="0"/>
-              <a:t>7</a:t>
+              <a:t>8</a:t>
             </a:fld>
             <a:endParaRPr lang="en-GB" noProof="0" dirty="0"/>
           </a:p>
@@ -32627,291 +32904,6 @@
     <p:extLst>
       <p:ext uri="{BB962C8B-B14F-4D97-AF65-F5344CB8AC3E}">
         <p14:creationId xmlns:p14="http://schemas.microsoft.com/office/powerpoint/2010/main" val="1227079278"/>
-      </p:ext>
-    </p:extLst>
-  </p:cSld>
-  <p:clrMapOvr>
-    <a:masterClrMapping/>
-  </p:clrMapOvr>
-</p:sld>
-</file>
-
-<file path=ppt/slides/slide8.xml><?xml version="1.0" encoding="utf-8"?>
-<p:sld xmlns:a="http://schemas.openxmlformats.org/drawingml/2006/main" xmlns:r="http://schemas.openxmlformats.org/officeDocument/2006/relationships" xmlns:p="http://schemas.openxmlformats.org/presentationml/2006/main">
-  <p:cSld>
-    <p:spTree>
-      <p:nvGrpSpPr>
-        <p:cNvPr id="1" name="">
-          <a:extLst>
-            <a:ext uri="{FF2B5EF4-FFF2-40B4-BE49-F238E27FC236}">
-              <a16:creationId xmlns:a16="http://schemas.microsoft.com/office/drawing/2014/main" id="{0AB803F8-BD11-18D2-CE16-603FA84CBD1B}"/>
-            </a:ext>
-          </a:extLst>
-        </p:cNvPr>
-        <p:cNvGrpSpPr/>
-        <p:nvPr/>
-      </p:nvGrpSpPr>
-      <p:grpSpPr>
-        <a:xfrm>
-          <a:off x="0" y="0"/>
-          <a:ext cx="0" cy="0"/>
-          <a:chOff x="0" y="0"/>
-          <a:chExt cx="0" cy="0"/>
-        </a:xfrm>
-      </p:grpSpPr>
-      <p:pic>
-        <p:nvPicPr>
-          <p:cNvPr id="11" name="Grafik 10">
-            <a:extLst>
-              <a:ext uri="{FF2B5EF4-FFF2-40B4-BE49-F238E27FC236}">
-                <a16:creationId xmlns:a16="http://schemas.microsoft.com/office/drawing/2014/main" id="{232901C3-B0F7-734C-D47E-4973BE4AF646}"/>
-              </a:ext>
-            </a:extLst>
-          </p:cNvPr>
-          <p:cNvPicPr>
-            <a:picLocks noChangeAspect="1"/>
-          </p:cNvPicPr>
-          <p:nvPr/>
-        </p:nvPicPr>
-        <p:blipFill>
-          <a:blip r:embed="rId2"/>
-          <a:stretch>
-            <a:fillRect/>
-          </a:stretch>
-        </p:blipFill>
-        <p:spPr>
-          <a:xfrm>
-            <a:off x="6217874" y="1408995"/>
-            <a:ext cx="5242288" cy="3420000"/>
-          </a:xfrm>
-          <a:prstGeom prst="rect">
-            <a:avLst/>
-          </a:prstGeom>
-        </p:spPr>
-      </p:pic>
-      <p:sp>
-        <p:nvSpPr>
-          <p:cNvPr id="2" name="Titel 1">
-            <a:extLst>
-              <a:ext uri="{FF2B5EF4-FFF2-40B4-BE49-F238E27FC236}">
-                <a16:creationId xmlns:a16="http://schemas.microsoft.com/office/drawing/2014/main" id="{C556C664-1E1E-E64C-3F2B-4D9CA81DA822}"/>
-              </a:ext>
-            </a:extLst>
-          </p:cNvPr>
-          <p:cNvSpPr>
-            <a:spLocks noGrp="1"/>
-          </p:cNvSpPr>
-          <p:nvPr>
-            <p:ph type="title"/>
-          </p:nvPr>
-        </p:nvSpPr>
-        <p:spPr/>
-        <p:txBody>
-          <a:bodyPr/>
-          <a:lstStyle/>
-          <a:p>
-            <a:r>
-              <a:rPr lang="en-GB" dirty="0"/>
-              <a:t>DrawAnalyzer visualization</a:t>
-            </a:r>
-            <a:endParaRPr lang="en-GB" noProof="0" dirty="0"/>
-          </a:p>
-        </p:txBody>
-      </p:sp>
-      <p:sp>
-        <p:nvSpPr>
-          <p:cNvPr id="3" name="Inhaltsplatzhalter 2">
-            <a:extLst>
-              <a:ext uri="{FF2B5EF4-FFF2-40B4-BE49-F238E27FC236}">
-                <a16:creationId xmlns:a16="http://schemas.microsoft.com/office/drawing/2014/main" id="{0E6B6D7B-CBC5-440C-A207-95FCC720F6FF}"/>
-              </a:ext>
-            </a:extLst>
-          </p:cNvPr>
-          <p:cNvSpPr>
-            <a:spLocks noGrp="1"/>
-          </p:cNvSpPr>
-          <p:nvPr>
-            <p:ph idx="1"/>
-          </p:nvPr>
-        </p:nvSpPr>
-        <p:spPr/>
-        <p:txBody>
-          <a:bodyPr/>
-          <a:lstStyle/>
-          <a:p>
-            <a:pPr marL="0" indent="0">
-              <a:buNone/>
-            </a:pPr>
-            <a:r>
-              <a:rPr lang="en-GB" b="1" dirty="0"/>
-              <a:t>Example Graph with depth 2</a:t>
-            </a:r>
-          </a:p>
-          <a:p>
-            <a:pPr marL="0" indent="0">
-              <a:buNone/>
-            </a:pPr>
-            <a:r>
-              <a:rPr lang="en-GB" noProof="0" dirty="0"/>
-              <a:t>The c</a:t>
-            </a:r>
-            <a:r>
-              <a:rPr lang="en-GB" dirty="0" err="1"/>
-              <a:t>urrent</a:t>
-            </a:r>
-            <a:r>
-              <a:rPr lang="en-GB" dirty="0"/>
-              <a:t> </a:t>
-            </a:r>
-            <a:r>
-              <a:rPr lang="en-GB" dirty="0" err="1"/>
-              <a:t>Gamestate</a:t>
-            </a:r>
-            <a:r>
-              <a:rPr lang="en-GB" dirty="0"/>
-              <a:t> is connected to all 34 possible Tile-Draws, which in turn are connected to further draws.</a:t>
-            </a:r>
-            <a:endParaRPr lang="en-GB" noProof="0" dirty="0"/>
-          </a:p>
-        </p:txBody>
-      </p:sp>
-      <p:sp>
-        <p:nvSpPr>
-          <p:cNvPr id="15" name="Inhaltsplatzhalter 14">
-            <a:extLst>
-              <a:ext uri="{FF2B5EF4-FFF2-40B4-BE49-F238E27FC236}">
-                <a16:creationId xmlns:a16="http://schemas.microsoft.com/office/drawing/2014/main" id="{674A05C3-2F76-CC6A-9269-3A4EA3A6952B}"/>
-              </a:ext>
-            </a:extLst>
-          </p:cNvPr>
-          <p:cNvSpPr>
-            <a:spLocks noGrp="1"/>
-          </p:cNvSpPr>
-          <p:nvPr>
-            <p:ph idx="15"/>
-          </p:nvPr>
-        </p:nvSpPr>
-        <p:spPr/>
-        <p:txBody>
-          <a:bodyPr/>
-          <a:lstStyle/>
-          <a:p>
-            <a:pPr marL="0" indent="0">
-              <a:buNone/>
-            </a:pPr>
-            <a:r>
-              <a:rPr lang="en-GB" b="1" dirty="0"/>
-              <a:t>With some more Detail</a:t>
-            </a:r>
-            <a:endParaRPr lang="en-GB" dirty="0"/>
-          </a:p>
-          <a:p>
-            <a:pPr marL="0" indent="0">
-              <a:buNone/>
-            </a:pPr>
-            <a:r>
-              <a:rPr lang="en-GB" dirty="0" err="1"/>
-              <a:t>Gamestates</a:t>
-            </a:r>
-            <a:r>
-              <a:rPr lang="en-GB" dirty="0"/>
-              <a:t> that have had the same draws in a different order are considered as equal but more likely than other states.</a:t>
-            </a:r>
-          </a:p>
-        </p:txBody>
-      </p:sp>
-      <p:sp>
-        <p:nvSpPr>
-          <p:cNvPr id="4" name="Datumsplatzhalter 3">
-            <a:extLst>
-              <a:ext uri="{FF2B5EF4-FFF2-40B4-BE49-F238E27FC236}">
-                <a16:creationId xmlns:a16="http://schemas.microsoft.com/office/drawing/2014/main" id="{F455E9C9-AA0E-CABA-A6C8-BA43C8CA2EE6}"/>
-              </a:ext>
-            </a:extLst>
-          </p:cNvPr>
-          <p:cNvSpPr>
-            <a:spLocks noGrp="1"/>
-          </p:cNvSpPr>
-          <p:nvPr>
-            <p:ph type="dt" sz="half" idx="10"/>
-          </p:nvPr>
-        </p:nvSpPr>
-        <p:spPr/>
-        <p:txBody>
-          <a:bodyPr/>
-          <a:lstStyle/>
-          <a:p>
-            <a:fld id="{C32F3C7F-0C5F-4A18-A13A-CAEFDEB56FA0}" type="datetime1">
-              <a:rPr lang="en-GB" noProof="0" smtClean="0"/>
-              <a:t>01/07/2025</a:t>
-            </a:fld>
-            <a:endParaRPr lang="en-GB" noProof="0" dirty="0"/>
-          </a:p>
-        </p:txBody>
-      </p:sp>
-      <p:sp>
-        <p:nvSpPr>
-          <p:cNvPr id="6" name="Foliennummernplatzhalter 5">
-            <a:extLst>
-              <a:ext uri="{FF2B5EF4-FFF2-40B4-BE49-F238E27FC236}">
-                <a16:creationId xmlns:a16="http://schemas.microsoft.com/office/drawing/2014/main" id="{0ED116B1-FCE4-B192-4B4F-F9432852059E}"/>
-              </a:ext>
-            </a:extLst>
-          </p:cNvPr>
-          <p:cNvSpPr>
-            <a:spLocks noGrp="1"/>
-          </p:cNvSpPr>
-          <p:nvPr>
-            <p:ph type="sldNum" sz="quarter" idx="12"/>
-          </p:nvPr>
-        </p:nvSpPr>
-        <p:spPr/>
-        <p:txBody>
-          <a:bodyPr/>
-          <a:lstStyle/>
-          <a:p>
-            <a:fld id="{5ACA52AF-F19D-405C-AD5F-7D94B96A5CC3}" type="slidenum">
-              <a:rPr lang="en-GB" noProof="0" smtClean="0"/>
-              <a:t>8</a:t>
-            </a:fld>
-            <a:endParaRPr lang="en-GB" noProof="0" dirty="0"/>
-          </a:p>
-        </p:txBody>
-      </p:sp>
-      <p:pic>
-        <p:nvPicPr>
-          <p:cNvPr id="7" name="Grafik 6">
-            <a:extLst>
-              <a:ext uri="{FF2B5EF4-FFF2-40B4-BE49-F238E27FC236}">
-                <a16:creationId xmlns:a16="http://schemas.microsoft.com/office/drawing/2014/main" id="{5DA5D595-CF4A-3EC8-FD5F-55E9C8F4CBA1}"/>
-              </a:ext>
-            </a:extLst>
-          </p:cNvPr>
-          <p:cNvPicPr>
-            <a:picLocks noChangeAspect="1"/>
-          </p:cNvPicPr>
-          <p:nvPr/>
-        </p:nvPicPr>
-        <p:blipFill>
-          <a:blip r:embed="rId3"/>
-          <a:stretch>
-            <a:fillRect/>
-          </a:stretch>
-        </p:blipFill>
-        <p:spPr>
-          <a:xfrm>
-            <a:off x="731836" y="1412875"/>
-            <a:ext cx="4999113" cy="3453253"/>
-          </a:xfrm>
-          <a:prstGeom prst="rect">
-            <a:avLst/>
-          </a:prstGeom>
-        </p:spPr>
-      </p:pic>
-    </p:spTree>
-    <p:extLst>
-      <p:ext uri="{BB962C8B-B14F-4D97-AF65-F5344CB8AC3E}">
-        <p14:creationId xmlns:p14="http://schemas.microsoft.com/office/powerpoint/2010/main" val="3255167968"/>
       </p:ext>
     </p:extLst>
   </p:cSld>
@@ -33117,7 +33109,7 @@
           <a:p>
             <a:fld id="{D5CE5686-0170-47AF-9B8A-7DF387E652FA}" type="datetime1">
               <a:rPr lang="en-GB" noProof="0" smtClean="0"/>
-              <a:t>01/07/2025</a:t>
+              <a:t>17/07/2025</a:t>
             </a:fld>
             <a:endParaRPr lang="en-GB" noProof="0" dirty="0"/>
           </a:p>

--- a/ProjectPresentation_asadikovic_jlyrer.pptx
+++ b/ProjectPresentation_asadikovic_jlyrer.pptx
@@ -5,10 +5,10 @@
     <p:sldMasterId id="2147483648" r:id="rId1"/>
   </p:sldMasterIdLst>
   <p:notesMasterIdLst>
-    <p:notesMasterId r:id="rId30"/>
+    <p:notesMasterId r:id="rId19"/>
   </p:notesMasterIdLst>
   <p:handoutMasterIdLst>
-    <p:handoutMasterId r:id="rId31"/>
+    <p:handoutMasterId r:id="rId20"/>
   </p:handoutMasterIdLst>
   <p:sldIdLst>
     <p:sldId id="256" r:id="rId2"/>
@@ -28,17 +28,6 @@
     <p:sldId id="298" r:id="rId16"/>
     <p:sldId id="300" r:id="rId17"/>
     <p:sldId id="290" r:id="rId18"/>
-    <p:sldId id="282" r:id="rId19"/>
-    <p:sldId id="285" r:id="rId20"/>
-    <p:sldId id="286" r:id="rId21"/>
-    <p:sldId id="263" r:id="rId22"/>
-    <p:sldId id="265" r:id="rId23"/>
-    <p:sldId id="267" r:id="rId24"/>
-    <p:sldId id="262" r:id="rId25"/>
-    <p:sldId id="271" r:id="rId26"/>
-    <p:sldId id="272" r:id="rId27"/>
-    <p:sldId id="273" r:id="rId28"/>
-    <p:sldId id="274" r:id="rId29"/>
   </p:sldIdLst>
   <p:sldSz cx="12192000" cy="6858000"/>
   <p:notesSz cx="6858000" cy="9144000"/>
@@ -4898,7 +4887,7 @@
           <a:p>
             <a:fld id="{F68ABEA4-9216-4FDF-AAE1-D8632908A8EC}" type="datetimeFigureOut">
               <a:rPr lang="de-CH" smtClean="0"/>
-              <a:t>17.07.2025</a:t>
+              <a:t>24.07.2025</a:t>
             </a:fld>
             <a:endParaRPr lang="de-CH"/>
           </a:p>
@@ -5075,7 +5064,7 @@
           <a:p>
             <a:fld id="{4B78A90D-FE7E-41AF-B03D-808D82937CB9}" type="datetimeFigureOut">
               <a:rPr lang="de-CH" smtClean="0"/>
-              <a:t>17.07.2025</a:t>
+              <a:t>24.07.2025</a:t>
             </a:fld>
             <a:endParaRPr lang="de-CH"/>
           </a:p>
@@ -5803,7 +5792,7 @@
           <a:p>
             <a:fld id="{C47C2547-0B26-4181-9958-0F74634B97A1}" type="datetime1">
               <a:rPr lang="de-CH" noProof="0" smtClean="0"/>
-              <a:t>17.07.2025</a:t>
+              <a:t>24.07.2025</a:t>
             </a:fld>
             <a:endParaRPr lang="de-CH" noProof="0"/>
           </a:p>
@@ -5998,7 +5987,7 @@
           <a:p>
             <a:fld id="{4A533879-9C0F-4F94-919F-30B833E8871A}" type="datetime1">
               <a:rPr lang="de-CH" noProof="0" smtClean="0"/>
-              <a:t>17.07.2025</a:t>
+              <a:t>24.07.2025</a:t>
             </a:fld>
             <a:endParaRPr lang="de-CH" noProof="0"/>
           </a:p>
@@ -6285,7 +6274,7 @@
           <a:p>
             <a:fld id="{68EF82BE-DF56-4719-B180-C3B0D509F71F}" type="datetime1">
               <a:rPr lang="de-CH" noProof="0" smtClean="0"/>
-              <a:t>17.07.2025</a:t>
+              <a:t>24.07.2025</a:t>
             </a:fld>
             <a:endParaRPr lang="de-CH" noProof="0"/>
           </a:p>
@@ -6583,7 +6572,7 @@
           <a:p>
             <a:fld id="{3E1B9425-7348-43E2-B0E9-6A2A48F5FA8A}" type="datetime1">
               <a:rPr lang="de-CH" noProof="0" smtClean="0"/>
-              <a:t>17.07.2025</a:t>
+              <a:t>24.07.2025</a:t>
             </a:fld>
             <a:endParaRPr lang="de-CH" noProof="0"/>
           </a:p>
@@ -6983,7 +6972,7 @@
           <a:p>
             <a:fld id="{0F7782B2-018B-4FD3-AD95-2F64EDE0E9D6}" type="datetime1">
               <a:rPr lang="de-CH" noProof="0" smtClean="0"/>
-              <a:t>17.07.2025</a:t>
+              <a:t>24.07.2025</a:t>
             </a:fld>
             <a:endParaRPr lang="de-CH" noProof="0"/>
           </a:p>
@@ -7351,7 +7340,7 @@
           <a:p>
             <a:fld id="{D0A0FED0-443D-411A-B8E4-0668A8890EE3}" type="datetime1">
               <a:rPr lang="de-CH" noProof="0" smtClean="0"/>
-              <a:t>17.07.2025</a:t>
+              <a:t>24.07.2025</a:t>
             </a:fld>
             <a:endParaRPr lang="de-CH" noProof="0"/>
           </a:p>
@@ -9380,7 +9369,7 @@
           <a:p>
             <a:fld id="{1332D50A-E6CC-4D88-8908-F2129032F4C7}" type="datetime1">
               <a:rPr lang="de-CH" noProof="0" smtClean="0"/>
-              <a:t>17.07.2025</a:t>
+              <a:t>24.07.2025</a:t>
             </a:fld>
             <a:endParaRPr lang="de-CH" noProof="0"/>
           </a:p>
@@ -9623,7 +9612,7 @@
           <a:p>
             <a:fld id="{11B96697-4585-4368-989A-16003D150648}" type="datetime1">
               <a:rPr lang="de-CH" noProof="0" smtClean="0"/>
-              <a:t>17.07.2025</a:t>
+              <a:t>24.07.2025</a:t>
             </a:fld>
             <a:endParaRPr lang="de-CH" noProof="0"/>
           </a:p>
@@ -9871,7 +9860,7 @@
           <a:p>
             <a:fld id="{3A01E762-278A-4155-9BEB-7C2CB2386E92}" type="datetime1">
               <a:rPr lang="de-CH" noProof="0" smtClean="0"/>
-              <a:t>17.07.2025</a:t>
+              <a:t>24.07.2025</a:t>
             </a:fld>
             <a:endParaRPr lang="de-CH" noProof="0"/>
           </a:p>
@@ -10147,7 +10136,7 @@
           <a:p>
             <a:fld id="{6C4EAFE7-317E-4912-B75C-DD6945F82242}" type="datetime1">
               <a:rPr lang="de-CH" noProof="0" smtClean="0"/>
-              <a:t>17.07.2025</a:t>
+              <a:t>24.07.2025</a:t>
             </a:fld>
             <a:endParaRPr lang="de-CH" noProof="0"/>
           </a:p>
@@ -12078,7 +12067,7 @@
           <a:p>
             <a:fld id="{4A358CF3-A22A-46C1-A4E5-5810212466EF}" type="datetime1">
               <a:rPr lang="de-CH" noProof="0" smtClean="0"/>
-              <a:t>17.07.2025</a:t>
+              <a:t>24.07.2025</a:t>
             </a:fld>
             <a:endParaRPr lang="de-CH" noProof="0"/>
           </a:p>
@@ -15414,7 +15403,7 @@
           <a:p>
             <a:fld id="{7260A9D5-8325-4620-96F6-FB312AC6FB66}" type="datetime1">
               <a:rPr lang="en-GB" noProof="0" smtClean="0"/>
-              <a:t>17/07/2025</a:t>
+              <a:t>24/07/2025</a:t>
             </a:fld>
             <a:endParaRPr lang="en-GB" noProof="0" dirty="0"/>
           </a:p>
@@ -18165,7 +18154,7 @@
           <a:p>
             <a:fld id="{7260A9D5-8325-4620-96F6-FB312AC6FB66}" type="datetime1">
               <a:rPr lang="en-GB" noProof="0" smtClean="0"/>
-              <a:t>17/07/2025</a:t>
+              <a:t>24/07/2025</a:t>
             </a:fld>
             <a:endParaRPr lang="en-GB" noProof="0" dirty="0"/>
           </a:p>
@@ -20924,7 +20913,7 @@
           <a:p>
             <a:fld id="{7260A9D5-8325-4620-96F6-FB312AC6FB66}" type="datetime1">
               <a:rPr lang="en-GB" noProof="0" smtClean="0"/>
-              <a:t>17/07/2025</a:t>
+              <a:t>24/07/2025</a:t>
             </a:fld>
             <a:endParaRPr lang="en-GB" noProof="0" dirty="0"/>
           </a:p>
@@ -21250,7 +21239,7 @@
           <a:p>
             <a:fld id="{3883C902-160B-4538-99A8-1486892643D4}" type="datetime1">
               <a:rPr lang="en-GB" noProof="0" smtClean="0"/>
-              <a:t>17/07/2025</a:t>
+              <a:t>24/07/2025</a:t>
             </a:fld>
             <a:endParaRPr lang="en-GB" noProof="0" dirty="0"/>
           </a:p>
@@ -21481,7 +21470,7 @@
           <a:p>
             <a:fld id="{3883C902-160B-4538-99A8-1486892643D4}" type="datetime1">
               <a:rPr lang="en-GB" noProof="0" smtClean="0"/>
-              <a:t>17/07/2025</a:t>
+              <a:t>24/07/2025</a:t>
             </a:fld>
             <a:endParaRPr lang="en-GB" noProof="0" dirty="0"/>
           </a:p>
@@ -21706,7 +21695,7 @@
           <a:p>
             <a:fld id="{C32F3C7F-0C5F-4A18-A13A-CAEFDEB56FA0}" type="datetime1">
               <a:rPr lang="en-GB" noProof="0" smtClean="0"/>
-              <a:t>17/07/2025</a:t>
+              <a:t>24/07/2025</a:t>
             </a:fld>
             <a:endParaRPr lang="en-GB" noProof="0" dirty="0"/>
           </a:p>
@@ -21954,7 +21943,7 @@
           <a:p>
             <a:fld id="{D5CE5686-0170-47AF-9B8A-7DF387E652FA}" type="datetime1">
               <a:rPr lang="en-GB" noProof="0" smtClean="0"/>
-              <a:t>17/07/2025</a:t>
+              <a:t>24/07/2025</a:t>
             </a:fld>
             <a:endParaRPr lang="en-GB" noProof="0" dirty="0"/>
           </a:p>
@@ -22150,7 +22139,7 @@
           <a:p>
             <a:fld id="{D5CE5686-0170-47AF-9B8A-7DF387E652FA}" type="datetime1">
               <a:rPr lang="en-GB" noProof="0" smtClean="0"/>
-              <a:t>17/07/2025</a:t>
+              <a:t>24/07/2025</a:t>
             </a:fld>
             <a:endParaRPr lang="en-GB" noProof="0" dirty="0"/>
           </a:p>
@@ -22189,1898 +22178,6 @@
     <p:extLst>
       <p:ext uri="{BB962C8B-B14F-4D97-AF65-F5344CB8AC3E}">
         <p14:creationId xmlns:p14="http://schemas.microsoft.com/office/powerpoint/2010/main" val="998863923"/>
-      </p:ext>
-    </p:extLst>
-  </p:cSld>
-  <p:clrMapOvr>
-    <a:masterClrMapping/>
-  </p:clrMapOvr>
-</p:sld>
-</file>
-
-<file path=ppt/slides/slide18.xml><?xml version="1.0" encoding="utf-8"?>
-<p:sld xmlns:a="http://schemas.openxmlformats.org/drawingml/2006/main" xmlns:r="http://schemas.openxmlformats.org/officeDocument/2006/relationships" xmlns:p="http://schemas.openxmlformats.org/presentationml/2006/main">
-  <p:cSld>
-    <p:spTree>
-      <p:nvGrpSpPr>
-        <p:cNvPr id="1" name=""/>
-        <p:cNvGrpSpPr/>
-        <p:nvPr/>
-      </p:nvGrpSpPr>
-      <p:grpSpPr>
-        <a:xfrm>
-          <a:off x="0" y="0"/>
-          <a:ext cx="0" cy="0"/>
-          <a:chOff x="0" y="0"/>
-          <a:chExt cx="0" cy="0"/>
-        </a:xfrm>
-      </p:grpSpPr>
-      <p:sp>
-        <p:nvSpPr>
-          <p:cNvPr id="2" name="Titel 1">
-            <a:extLst>
-              <a:ext uri="{FF2B5EF4-FFF2-40B4-BE49-F238E27FC236}">
-                <a16:creationId xmlns:a16="http://schemas.microsoft.com/office/drawing/2014/main" id="{E470912C-A9BB-730A-1C5C-79260D071DEB}"/>
-              </a:ext>
-            </a:extLst>
-          </p:cNvPr>
-          <p:cNvSpPr>
-            <a:spLocks noGrp="1"/>
-          </p:cNvSpPr>
-          <p:nvPr>
-            <p:ph type="title"/>
-          </p:nvPr>
-        </p:nvSpPr>
-        <p:spPr/>
-        <p:txBody>
-          <a:bodyPr/>
-          <a:lstStyle/>
-          <a:p>
-            <a:r>
-              <a:rPr lang="de-CH" dirty="0"/>
-              <a:t>ALLES HIERNACH SIND FOLIEN ZUM KOPIEREN; DA SIE FORMATVORLAGEN DER ETH SIND; LÖSCHEN VOR DER ABGABE!!!!</a:t>
-            </a:r>
-          </a:p>
-        </p:txBody>
-      </p:sp>
-      <p:sp>
-        <p:nvSpPr>
-          <p:cNvPr id="3" name="Datumsplatzhalter 2">
-            <a:extLst>
-              <a:ext uri="{FF2B5EF4-FFF2-40B4-BE49-F238E27FC236}">
-                <a16:creationId xmlns:a16="http://schemas.microsoft.com/office/drawing/2014/main" id="{A07AC870-CC7D-B621-E50B-B2E333AD1C46}"/>
-              </a:ext>
-            </a:extLst>
-          </p:cNvPr>
-          <p:cNvSpPr>
-            <a:spLocks noGrp="1"/>
-          </p:cNvSpPr>
-          <p:nvPr>
-            <p:ph type="dt" sz="half" idx="10"/>
-          </p:nvPr>
-        </p:nvSpPr>
-        <p:spPr/>
-        <p:txBody>
-          <a:bodyPr/>
-          <a:lstStyle/>
-          <a:p>
-            <a:fld id="{6C4EAFE7-317E-4912-B75C-DD6945F82242}" type="datetime1">
-              <a:rPr lang="de-CH" noProof="0" smtClean="0"/>
-              <a:t>17.07.2025</a:t>
-            </a:fld>
-            <a:endParaRPr lang="de-CH" noProof="0"/>
-          </a:p>
-        </p:txBody>
-      </p:sp>
-      <p:sp>
-        <p:nvSpPr>
-          <p:cNvPr id="4" name="Fußzeilenplatzhalter 3">
-            <a:extLst>
-              <a:ext uri="{FF2B5EF4-FFF2-40B4-BE49-F238E27FC236}">
-                <a16:creationId xmlns:a16="http://schemas.microsoft.com/office/drawing/2014/main" id="{31C31D73-65BB-1334-5FBE-25A4B3CA2483}"/>
-              </a:ext>
-            </a:extLst>
-          </p:cNvPr>
-          <p:cNvSpPr>
-            <a:spLocks noGrp="1"/>
-          </p:cNvSpPr>
-          <p:nvPr>
-            <p:ph type="ftr" sz="quarter" idx="11"/>
-          </p:nvPr>
-        </p:nvSpPr>
-        <p:spPr/>
-        <p:txBody>
-          <a:bodyPr/>
-          <a:lstStyle/>
-          <a:p>
-            <a:r>
-              <a:rPr lang="de-DE" noProof="0"/>
-              <a:t>Organisationseinheit verbal</a:t>
-            </a:r>
-            <a:endParaRPr lang="de-CH" noProof="0"/>
-          </a:p>
-        </p:txBody>
-      </p:sp>
-      <p:sp>
-        <p:nvSpPr>
-          <p:cNvPr id="5" name="Foliennummernplatzhalter 4">
-            <a:extLst>
-              <a:ext uri="{FF2B5EF4-FFF2-40B4-BE49-F238E27FC236}">
-                <a16:creationId xmlns:a16="http://schemas.microsoft.com/office/drawing/2014/main" id="{27D305E4-3421-3F2C-FF97-E9B4D5A7F26A}"/>
-              </a:ext>
-            </a:extLst>
-          </p:cNvPr>
-          <p:cNvSpPr>
-            <a:spLocks noGrp="1"/>
-          </p:cNvSpPr>
-          <p:nvPr>
-            <p:ph type="sldNum" sz="quarter" idx="12"/>
-          </p:nvPr>
-        </p:nvSpPr>
-        <p:spPr/>
-        <p:txBody>
-          <a:bodyPr/>
-          <a:lstStyle/>
-          <a:p>
-            <a:fld id="{5ACA52AF-F19D-405C-AD5F-7D94B96A5CC3}" type="slidenum">
-              <a:rPr lang="de-CH" noProof="0" smtClean="0"/>
-              <a:pPr/>
-              <a:t>18</a:t>
-            </a:fld>
-            <a:endParaRPr lang="de-CH" noProof="0"/>
-          </a:p>
-        </p:txBody>
-      </p:sp>
-    </p:spTree>
-    <p:extLst>
-      <p:ext uri="{BB962C8B-B14F-4D97-AF65-F5344CB8AC3E}">
-        <p14:creationId xmlns:p14="http://schemas.microsoft.com/office/powerpoint/2010/main" val="3346068434"/>
-      </p:ext>
-    </p:extLst>
-  </p:cSld>
-  <p:clrMapOvr>
-    <a:masterClrMapping/>
-  </p:clrMapOvr>
-</p:sld>
-</file>
-
-<file path=ppt/slides/slide19.xml><?xml version="1.0" encoding="utf-8"?>
-<p:sld xmlns:a="http://schemas.openxmlformats.org/drawingml/2006/main" xmlns:r="http://schemas.openxmlformats.org/officeDocument/2006/relationships" xmlns:p="http://schemas.openxmlformats.org/presentationml/2006/main">
-  <p:cSld>
-    <p:spTree>
-      <p:nvGrpSpPr>
-        <p:cNvPr id="1" name=""/>
-        <p:cNvGrpSpPr/>
-        <p:nvPr/>
-      </p:nvGrpSpPr>
-      <p:grpSpPr>
-        <a:xfrm>
-          <a:off x="0" y="0"/>
-          <a:ext cx="0" cy="0"/>
-          <a:chOff x="0" y="0"/>
-          <a:chExt cx="0" cy="0"/>
-        </a:xfrm>
-      </p:grpSpPr>
-      <p:sp>
-        <p:nvSpPr>
-          <p:cNvPr id="4" name="Datumsplatzhalter 3">
-            <a:extLst>
-              <a:ext uri="{FF2B5EF4-FFF2-40B4-BE49-F238E27FC236}">
-                <a16:creationId xmlns:a16="http://schemas.microsoft.com/office/drawing/2014/main" id="{094858D9-4110-A208-0AEE-6153D2484097}"/>
-              </a:ext>
-            </a:extLst>
-          </p:cNvPr>
-          <p:cNvSpPr>
-            <a:spLocks noGrp="1"/>
-          </p:cNvSpPr>
-          <p:nvPr>
-            <p:ph type="dt" sz="half" idx="10"/>
-          </p:nvPr>
-        </p:nvSpPr>
-        <p:spPr/>
-        <p:txBody>
-          <a:bodyPr/>
-          <a:lstStyle/>
-          <a:p>
-            <a:fld id="{3E1B9425-7348-43E2-B0E9-6A2A48F5FA8A}" type="datetime1">
-              <a:rPr lang="de-CH" noProof="0" smtClean="0"/>
-              <a:t>17.07.2025</a:t>
-            </a:fld>
-            <a:endParaRPr lang="de-CH" noProof="0"/>
-          </a:p>
-        </p:txBody>
-      </p:sp>
-      <p:sp>
-        <p:nvSpPr>
-          <p:cNvPr id="5" name="Fußzeilenplatzhalter 4">
-            <a:extLst>
-              <a:ext uri="{FF2B5EF4-FFF2-40B4-BE49-F238E27FC236}">
-                <a16:creationId xmlns:a16="http://schemas.microsoft.com/office/drawing/2014/main" id="{BE985930-BD8C-A159-0666-B362BBC3C635}"/>
-              </a:ext>
-            </a:extLst>
-          </p:cNvPr>
-          <p:cNvSpPr>
-            <a:spLocks noGrp="1"/>
-          </p:cNvSpPr>
-          <p:nvPr>
-            <p:ph type="ftr" sz="quarter" idx="11"/>
-          </p:nvPr>
-        </p:nvSpPr>
-        <p:spPr/>
-        <p:txBody>
-          <a:bodyPr/>
-          <a:lstStyle/>
-          <a:p>
-            <a:r>
-              <a:rPr lang="de-DE" noProof="0"/>
-              <a:t>Organisationseinheit verbal</a:t>
-            </a:r>
-            <a:endParaRPr lang="de-CH" noProof="0"/>
-          </a:p>
-        </p:txBody>
-      </p:sp>
-      <p:sp>
-        <p:nvSpPr>
-          <p:cNvPr id="6" name="Foliennummernplatzhalter 5">
-            <a:extLst>
-              <a:ext uri="{FF2B5EF4-FFF2-40B4-BE49-F238E27FC236}">
-                <a16:creationId xmlns:a16="http://schemas.microsoft.com/office/drawing/2014/main" id="{6A5505F6-FA15-A346-7276-AF6D3F2D7B39}"/>
-              </a:ext>
-            </a:extLst>
-          </p:cNvPr>
-          <p:cNvSpPr>
-            <a:spLocks noGrp="1"/>
-          </p:cNvSpPr>
-          <p:nvPr>
-            <p:ph type="sldNum" sz="quarter" idx="12"/>
-          </p:nvPr>
-        </p:nvSpPr>
-        <p:spPr/>
-        <p:txBody>
-          <a:bodyPr/>
-          <a:lstStyle/>
-          <a:p>
-            <a:fld id="{5ACA52AF-F19D-405C-AD5F-7D94B96A5CC3}" type="slidenum">
-              <a:rPr lang="de-CH" noProof="0" smtClean="0"/>
-              <a:t>19</a:t>
-            </a:fld>
-            <a:endParaRPr lang="de-CH" noProof="0"/>
-          </a:p>
-        </p:txBody>
-      </p:sp>
-      <p:sp>
-        <p:nvSpPr>
-          <p:cNvPr id="10" name="Ellipse 9">
-            <a:extLst>
-              <a:ext uri="{FF2B5EF4-FFF2-40B4-BE49-F238E27FC236}">
-                <a16:creationId xmlns:a16="http://schemas.microsoft.com/office/drawing/2014/main" id="{991E0059-4937-83F9-C9B1-58E4653C6816}"/>
-              </a:ext>
-            </a:extLst>
-          </p:cNvPr>
-          <p:cNvSpPr/>
-          <p:nvPr/>
-        </p:nvSpPr>
-        <p:spPr>
-          <a:xfrm>
-            <a:off x="643269" y="2443083"/>
-            <a:ext cx="1456661" cy="1453750"/>
-          </a:xfrm>
-          <a:prstGeom prst="ellipse">
-            <a:avLst/>
-          </a:prstGeom>
-          <a:solidFill>
-            <a:srgbClr val="0070C0"/>
-          </a:solidFill>
-        </p:spPr>
-        <p:style>
-          <a:lnRef idx="2">
-            <a:schemeClr val="accent1">
-              <a:shade val="15000"/>
-            </a:schemeClr>
-          </a:lnRef>
-          <a:fillRef idx="1">
-            <a:schemeClr val="accent1"/>
-          </a:fillRef>
-          <a:effectRef idx="0">
-            <a:schemeClr val="accent1"/>
-          </a:effectRef>
-          <a:fontRef idx="minor">
-            <a:schemeClr val="lt1"/>
-          </a:fontRef>
-        </p:style>
-        <p:txBody>
-          <a:bodyPr rtlCol="0" anchor="ctr"/>
-          <a:lstStyle/>
-          <a:p>
-            <a:pPr algn="ctr"/>
-            <a:endParaRPr lang="de-CH" dirty="0"/>
-          </a:p>
-        </p:txBody>
-      </p:sp>
-      <p:sp>
-        <p:nvSpPr>
-          <p:cNvPr id="11" name="Ellipse 10">
-            <a:extLst>
-              <a:ext uri="{FF2B5EF4-FFF2-40B4-BE49-F238E27FC236}">
-                <a16:creationId xmlns:a16="http://schemas.microsoft.com/office/drawing/2014/main" id="{E93B28B4-B1EB-1783-9990-8377E5D9F386}"/>
-              </a:ext>
-            </a:extLst>
-          </p:cNvPr>
-          <p:cNvSpPr/>
-          <p:nvPr/>
-        </p:nvSpPr>
-        <p:spPr>
-          <a:xfrm>
-            <a:off x="3831265" y="652477"/>
-            <a:ext cx="946298" cy="935666"/>
-          </a:xfrm>
-          <a:prstGeom prst="ellipse">
-            <a:avLst/>
-          </a:prstGeom>
-          <a:solidFill>
-            <a:srgbClr val="00B0F0"/>
-          </a:solidFill>
-        </p:spPr>
-        <p:style>
-          <a:lnRef idx="2">
-            <a:schemeClr val="accent1">
-              <a:shade val="15000"/>
-            </a:schemeClr>
-          </a:lnRef>
-          <a:fillRef idx="1">
-            <a:schemeClr val="accent1"/>
-          </a:fillRef>
-          <a:effectRef idx="0">
-            <a:schemeClr val="accent1"/>
-          </a:effectRef>
-          <a:fontRef idx="minor">
-            <a:schemeClr val="lt1"/>
-          </a:fontRef>
-        </p:style>
-        <p:txBody>
-          <a:bodyPr rtlCol="0" anchor="ctr"/>
-          <a:lstStyle/>
-          <a:p>
-            <a:pPr algn="ctr"/>
-            <a:endParaRPr lang="de-CH" dirty="0"/>
-          </a:p>
-        </p:txBody>
-      </p:sp>
-      <p:sp>
-        <p:nvSpPr>
-          <p:cNvPr id="12" name="Ellipse 11">
-            <a:extLst>
-              <a:ext uri="{FF2B5EF4-FFF2-40B4-BE49-F238E27FC236}">
-                <a16:creationId xmlns:a16="http://schemas.microsoft.com/office/drawing/2014/main" id="{F4A7B965-9982-466A-F03A-97EBE2B58CE0}"/>
-              </a:ext>
-            </a:extLst>
-          </p:cNvPr>
-          <p:cNvSpPr/>
-          <p:nvPr/>
-        </p:nvSpPr>
-        <p:spPr>
-          <a:xfrm>
-            <a:off x="3831267" y="1751651"/>
-            <a:ext cx="946298" cy="935666"/>
-          </a:xfrm>
-          <a:prstGeom prst="ellipse">
-            <a:avLst/>
-          </a:prstGeom>
-          <a:solidFill>
-            <a:srgbClr val="00B0F0"/>
-          </a:solidFill>
-        </p:spPr>
-        <p:style>
-          <a:lnRef idx="2">
-            <a:schemeClr val="accent1">
-              <a:shade val="15000"/>
-            </a:schemeClr>
-          </a:lnRef>
-          <a:fillRef idx="1">
-            <a:schemeClr val="accent1"/>
-          </a:fillRef>
-          <a:effectRef idx="0">
-            <a:schemeClr val="accent1"/>
-          </a:effectRef>
-          <a:fontRef idx="minor">
-            <a:schemeClr val="lt1"/>
-          </a:fontRef>
-        </p:style>
-        <p:txBody>
-          <a:bodyPr rtlCol="0" anchor="ctr"/>
-          <a:lstStyle/>
-          <a:p>
-            <a:pPr algn="ctr"/>
-            <a:endParaRPr lang="de-CH"/>
-          </a:p>
-        </p:txBody>
-      </p:sp>
-      <p:sp>
-        <p:nvSpPr>
-          <p:cNvPr id="13" name="Ellipse 12">
-            <a:extLst>
-              <a:ext uri="{FF2B5EF4-FFF2-40B4-BE49-F238E27FC236}">
-                <a16:creationId xmlns:a16="http://schemas.microsoft.com/office/drawing/2014/main" id="{305FF368-F3F1-D6E3-7E9E-0BCB5EBDD7E6}"/>
-              </a:ext>
-            </a:extLst>
-          </p:cNvPr>
-          <p:cNvSpPr/>
-          <p:nvPr/>
-        </p:nvSpPr>
-        <p:spPr>
-          <a:xfrm>
-            <a:off x="3831265" y="3849241"/>
-            <a:ext cx="946298" cy="935666"/>
-          </a:xfrm>
-          <a:prstGeom prst="ellipse">
-            <a:avLst/>
-          </a:prstGeom>
-          <a:solidFill>
-            <a:srgbClr val="00B0F0"/>
-          </a:solidFill>
-        </p:spPr>
-        <p:style>
-          <a:lnRef idx="2">
-            <a:schemeClr val="accent1">
-              <a:shade val="15000"/>
-            </a:schemeClr>
-          </a:lnRef>
-          <a:fillRef idx="1">
-            <a:schemeClr val="accent1"/>
-          </a:fillRef>
-          <a:effectRef idx="0">
-            <a:schemeClr val="accent1"/>
-          </a:effectRef>
-          <a:fontRef idx="minor">
-            <a:schemeClr val="lt1"/>
-          </a:fontRef>
-        </p:style>
-        <p:txBody>
-          <a:bodyPr rtlCol="0" anchor="ctr"/>
-          <a:lstStyle/>
-          <a:p>
-            <a:pPr algn="ctr"/>
-            <a:endParaRPr lang="de-CH"/>
-          </a:p>
-        </p:txBody>
-      </p:sp>
-      <p:sp>
-        <p:nvSpPr>
-          <p:cNvPr id="14" name="Ellipse 13">
-            <a:extLst>
-              <a:ext uri="{FF2B5EF4-FFF2-40B4-BE49-F238E27FC236}">
-                <a16:creationId xmlns:a16="http://schemas.microsoft.com/office/drawing/2014/main" id="{FE683AF1-C5A0-EA8C-F3C2-885CAF9D0F2C}"/>
-              </a:ext>
-            </a:extLst>
-          </p:cNvPr>
-          <p:cNvSpPr/>
-          <p:nvPr/>
-        </p:nvSpPr>
-        <p:spPr>
-          <a:xfrm>
-            <a:off x="3831265" y="4984836"/>
-            <a:ext cx="946298" cy="935666"/>
-          </a:xfrm>
-          <a:prstGeom prst="ellipse">
-            <a:avLst/>
-          </a:prstGeom>
-          <a:solidFill>
-            <a:srgbClr val="00B0F0"/>
-          </a:solidFill>
-        </p:spPr>
-        <p:style>
-          <a:lnRef idx="2">
-            <a:schemeClr val="accent1">
-              <a:shade val="15000"/>
-            </a:schemeClr>
-          </a:lnRef>
-          <a:fillRef idx="1">
-            <a:schemeClr val="accent1"/>
-          </a:fillRef>
-          <a:effectRef idx="0">
-            <a:schemeClr val="accent1"/>
-          </a:effectRef>
-          <a:fontRef idx="minor">
-            <a:schemeClr val="lt1"/>
-          </a:fontRef>
-        </p:style>
-        <p:txBody>
-          <a:bodyPr rtlCol="0" anchor="ctr"/>
-          <a:lstStyle/>
-          <a:p>
-            <a:pPr algn="ctr"/>
-            <a:endParaRPr lang="de-CH"/>
-          </a:p>
-        </p:txBody>
-      </p:sp>
-      <p:sp>
-        <p:nvSpPr>
-          <p:cNvPr id="15" name="Ellipse 14">
-            <a:extLst>
-              <a:ext uri="{FF2B5EF4-FFF2-40B4-BE49-F238E27FC236}">
-                <a16:creationId xmlns:a16="http://schemas.microsoft.com/office/drawing/2014/main" id="{D8DBEBFB-40E1-72F9-91A0-FE2332717802}"/>
-              </a:ext>
-            </a:extLst>
-          </p:cNvPr>
-          <p:cNvSpPr/>
-          <p:nvPr/>
-        </p:nvSpPr>
-        <p:spPr>
-          <a:xfrm>
-            <a:off x="7907078" y="1318437"/>
-            <a:ext cx="503275" cy="518084"/>
-          </a:xfrm>
-          <a:prstGeom prst="ellipse">
-            <a:avLst/>
-          </a:prstGeom>
-        </p:spPr>
-        <p:style>
-          <a:lnRef idx="2">
-            <a:schemeClr val="accent1">
-              <a:shade val="15000"/>
-            </a:schemeClr>
-          </a:lnRef>
-          <a:fillRef idx="1">
-            <a:schemeClr val="accent1"/>
-          </a:fillRef>
-          <a:effectRef idx="0">
-            <a:schemeClr val="accent1"/>
-          </a:effectRef>
-          <a:fontRef idx="minor">
-            <a:schemeClr val="lt1"/>
-          </a:fontRef>
-        </p:style>
-        <p:txBody>
-          <a:bodyPr rtlCol="0" anchor="ctr"/>
-          <a:lstStyle/>
-          <a:p>
-            <a:pPr algn="ctr"/>
-            <a:endParaRPr lang="de-CH"/>
-          </a:p>
-        </p:txBody>
-      </p:sp>
-      <p:sp>
-        <p:nvSpPr>
-          <p:cNvPr id="16" name="Ellipse 15">
-            <a:extLst>
-              <a:ext uri="{FF2B5EF4-FFF2-40B4-BE49-F238E27FC236}">
-                <a16:creationId xmlns:a16="http://schemas.microsoft.com/office/drawing/2014/main" id="{0F477615-B28F-1F4F-446F-77FFF0DE0EE6}"/>
-              </a:ext>
-            </a:extLst>
-          </p:cNvPr>
-          <p:cNvSpPr/>
-          <p:nvPr/>
-        </p:nvSpPr>
-        <p:spPr>
-          <a:xfrm>
-            <a:off x="7907078" y="2443083"/>
-            <a:ext cx="503275" cy="518084"/>
-          </a:xfrm>
-          <a:prstGeom prst="ellipse">
-            <a:avLst/>
-          </a:prstGeom>
-        </p:spPr>
-        <p:style>
-          <a:lnRef idx="2">
-            <a:schemeClr val="accent1">
-              <a:shade val="15000"/>
-            </a:schemeClr>
-          </a:lnRef>
-          <a:fillRef idx="1">
-            <a:schemeClr val="accent1"/>
-          </a:fillRef>
-          <a:effectRef idx="0">
-            <a:schemeClr val="accent1"/>
-          </a:effectRef>
-          <a:fontRef idx="minor">
-            <a:schemeClr val="lt1"/>
-          </a:fontRef>
-        </p:style>
-        <p:txBody>
-          <a:bodyPr rtlCol="0" anchor="ctr"/>
-          <a:lstStyle/>
-          <a:p>
-            <a:pPr algn="ctr"/>
-            <a:endParaRPr lang="de-CH"/>
-          </a:p>
-        </p:txBody>
-      </p:sp>
-      <p:sp>
-        <p:nvSpPr>
-          <p:cNvPr id="17" name="Ellipse 16">
-            <a:extLst>
-              <a:ext uri="{FF2B5EF4-FFF2-40B4-BE49-F238E27FC236}">
-                <a16:creationId xmlns:a16="http://schemas.microsoft.com/office/drawing/2014/main" id="{750DA696-3A91-51C8-D744-DF215C5F725B}"/>
-              </a:ext>
-            </a:extLst>
-          </p:cNvPr>
-          <p:cNvSpPr/>
-          <p:nvPr/>
-        </p:nvSpPr>
-        <p:spPr>
-          <a:xfrm>
-            <a:off x="7907078" y="4359920"/>
-            <a:ext cx="503275" cy="518084"/>
-          </a:xfrm>
-          <a:prstGeom prst="ellipse">
-            <a:avLst/>
-          </a:prstGeom>
-        </p:spPr>
-        <p:style>
-          <a:lnRef idx="2">
-            <a:schemeClr val="accent1">
-              <a:shade val="15000"/>
-            </a:schemeClr>
-          </a:lnRef>
-          <a:fillRef idx="1">
-            <a:schemeClr val="accent1"/>
-          </a:fillRef>
-          <a:effectRef idx="0">
-            <a:schemeClr val="accent1"/>
-          </a:effectRef>
-          <a:fontRef idx="minor">
-            <a:schemeClr val="lt1"/>
-          </a:fontRef>
-        </p:style>
-        <p:txBody>
-          <a:bodyPr rtlCol="0" anchor="ctr"/>
-          <a:lstStyle/>
-          <a:p>
-            <a:pPr algn="ctr"/>
-            <a:endParaRPr lang="de-CH"/>
-          </a:p>
-        </p:txBody>
-      </p:sp>
-      <p:sp>
-        <p:nvSpPr>
-          <p:cNvPr id="18" name="Ellipse 17">
-            <a:extLst>
-              <a:ext uri="{FF2B5EF4-FFF2-40B4-BE49-F238E27FC236}">
-                <a16:creationId xmlns:a16="http://schemas.microsoft.com/office/drawing/2014/main" id="{91BCCD6D-74B0-9FA6-0A61-6E3E4B4CB662}"/>
-              </a:ext>
-            </a:extLst>
-          </p:cNvPr>
-          <p:cNvSpPr/>
-          <p:nvPr/>
-        </p:nvSpPr>
-        <p:spPr>
-          <a:xfrm>
-            <a:off x="7907074" y="5559248"/>
-            <a:ext cx="503275" cy="518084"/>
-          </a:xfrm>
-          <a:prstGeom prst="ellipse">
-            <a:avLst/>
-          </a:prstGeom>
-        </p:spPr>
-        <p:style>
-          <a:lnRef idx="2">
-            <a:schemeClr val="accent1">
-              <a:shade val="15000"/>
-            </a:schemeClr>
-          </a:lnRef>
-          <a:fillRef idx="1">
-            <a:schemeClr val="accent1"/>
-          </a:fillRef>
-          <a:effectRef idx="0">
-            <a:schemeClr val="accent1"/>
-          </a:effectRef>
-          <a:fontRef idx="minor">
-            <a:schemeClr val="lt1"/>
-          </a:fontRef>
-        </p:style>
-        <p:txBody>
-          <a:bodyPr rtlCol="0" anchor="ctr"/>
-          <a:lstStyle/>
-          <a:p>
-            <a:pPr algn="ctr"/>
-            <a:endParaRPr lang="de-CH"/>
-          </a:p>
-        </p:txBody>
-      </p:sp>
-      <p:sp>
-        <p:nvSpPr>
-          <p:cNvPr id="19" name="Ellipse 18">
-            <a:extLst>
-              <a:ext uri="{FF2B5EF4-FFF2-40B4-BE49-F238E27FC236}">
-                <a16:creationId xmlns:a16="http://schemas.microsoft.com/office/drawing/2014/main" id="{354F14B9-2AB1-8E71-1356-38CB39FB7882}"/>
-              </a:ext>
-            </a:extLst>
-          </p:cNvPr>
-          <p:cNvSpPr/>
-          <p:nvPr/>
-        </p:nvSpPr>
-        <p:spPr>
-          <a:xfrm>
-            <a:off x="7907076" y="1880760"/>
-            <a:ext cx="503275" cy="518084"/>
-          </a:xfrm>
-          <a:prstGeom prst="ellipse">
-            <a:avLst/>
-          </a:prstGeom>
-        </p:spPr>
-        <p:style>
-          <a:lnRef idx="2">
-            <a:schemeClr val="accent1">
-              <a:shade val="15000"/>
-            </a:schemeClr>
-          </a:lnRef>
-          <a:fillRef idx="1">
-            <a:schemeClr val="accent1"/>
-          </a:fillRef>
-          <a:effectRef idx="0">
-            <a:schemeClr val="accent1"/>
-          </a:effectRef>
-          <a:fontRef idx="minor">
-            <a:schemeClr val="lt1"/>
-          </a:fontRef>
-        </p:style>
-        <p:txBody>
-          <a:bodyPr rtlCol="0" anchor="ctr"/>
-          <a:lstStyle/>
-          <a:p>
-            <a:pPr algn="ctr"/>
-            <a:endParaRPr lang="de-CH"/>
-          </a:p>
-        </p:txBody>
-      </p:sp>
-      <p:sp>
-        <p:nvSpPr>
-          <p:cNvPr id="20" name="Ellipse 19">
-            <a:extLst>
-              <a:ext uri="{FF2B5EF4-FFF2-40B4-BE49-F238E27FC236}">
-                <a16:creationId xmlns:a16="http://schemas.microsoft.com/office/drawing/2014/main" id="{FD4C7792-AF21-E5C0-3149-7050023146C3}"/>
-              </a:ext>
-            </a:extLst>
-          </p:cNvPr>
-          <p:cNvSpPr/>
-          <p:nvPr/>
-        </p:nvSpPr>
-        <p:spPr>
-          <a:xfrm>
-            <a:off x="7907074" y="772063"/>
-            <a:ext cx="503275" cy="518084"/>
-          </a:xfrm>
-          <a:prstGeom prst="ellipse">
-            <a:avLst/>
-          </a:prstGeom>
-        </p:spPr>
-        <p:style>
-          <a:lnRef idx="2">
-            <a:schemeClr val="accent1">
-              <a:shade val="15000"/>
-            </a:schemeClr>
-          </a:lnRef>
-          <a:fillRef idx="1">
-            <a:schemeClr val="accent1"/>
-          </a:fillRef>
-          <a:effectRef idx="0">
-            <a:schemeClr val="accent1"/>
-          </a:effectRef>
-          <a:fontRef idx="minor">
-            <a:schemeClr val="lt1"/>
-          </a:fontRef>
-        </p:style>
-        <p:txBody>
-          <a:bodyPr rtlCol="0" anchor="ctr"/>
-          <a:lstStyle/>
-          <a:p>
-            <a:pPr algn="ctr"/>
-            <a:endParaRPr lang="de-CH"/>
-          </a:p>
-        </p:txBody>
-      </p:sp>
-      <p:sp>
-        <p:nvSpPr>
-          <p:cNvPr id="21" name="Ellipse 20">
-            <a:extLst>
-              <a:ext uri="{FF2B5EF4-FFF2-40B4-BE49-F238E27FC236}">
-                <a16:creationId xmlns:a16="http://schemas.microsoft.com/office/drawing/2014/main" id="{14FAB518-99EA-C848-669B-0F14BF824B5B}"/>
-              </a:ext>
-            </a:extLst>
-          </p:cNvPr>
-          <p:cNvSpPr/>
-          <p:nvPr/>
-        </p:nvSpPr>
-        <p:spPr>
-          <a:xfrm>
-            <a:off x="7907074" y="3740036"/>
-            <a:ext cx="503275" cy="518084"/>
-          </a:xfrm>
-          <a:prstGeom prst="ellipse">
-            <a:avLst/>
-          </a:prstGeom>
-        </p:spPr>
-        <p:style>
-          <a:lnRef idx="2">
-            <a:schemeClr val="accent1">
-              <a:shade val="15000"/>
-            </a:schemeClr>
-          </a:lnRef>
-          <a:fillRef idx="1">
-            <a:schemeClr val="accent1"/>
-          </a:fillRef>
-          <a:effectRef idx="0">
-            <a:schemeClr val="accent1"/>
-          </a:effectRef>
-          <a:fontRef idx="minor">
-            <a:schemeClr val="lt1"/>
-          </a:fontRef>
-        </p:style>
-        <p:txBody>
-          <a:bodyPr rtlCol="0" anchor="ctr"/>
-          <a:lstStyle/>
-          <a:p>
-            <a:pPr algn="ctr"/>
-            <a:endParaRPr lang="de-CH"/>
-          </a:p>
-        </p:txBody>
-      </p:sp>
-      <p:sp>
-        <p:nvSpPr>
-          <p:cNvPr id="22" name="Ellipse 21">
-            <a:extLst>
-              <a:ext uri="{FF2B5EF4-FFF2-40B4-BE49-F238E27FC236}">
-                <a16:creationId xmlns:a16="http://schemas.microsoft.com/office/drawing/2014/main" id="{24E6BE5F-B0E9-17CC-C000-4E27EB88B02C}"/>
-              </a:ext>
-            </a:extLst>
-          </p:cNvPr>
-          <p:cNvSpPr/>
-          <p:nvPr/>
-        </p:nvSpPr>
-        <p:spPr>
-          <a:xfrm>
-            <a:off x="7907074" y="4959584"/>
-            <a:ext cx="503275" cy="518084"/>
-          </a:xfrm>
-          <a:prstGeom prst="ellipse">
-            <a:avLst/>
-          </a:prstGeom>
-        </p:spPr>
-        <p:style>
-          <a:lnRef idx="2">
-            <a:schemeClr val="accent1">
-              <a:shade val="15000"/>
-            </a:schemeClr>
-          </a:lnRef>
-          <a:fillRef idx="1">
-            <a:schemeClr val="accent1"/>
-          </a:fillRef>
-          <a:effectRef idx="0">
-            <a:schemeClr val="accent1"/>
-          </a:effectRef>
-          <a:fontRef idx="minor">
-            <a:schemeClr val="lt1"/>
-          </a:fontRef>
-        </p:style>
-        <p:txBody>
-          <a:bodyPr rtlCol="0" anchor="ctr"/>
-          <a:lstStyle/>
-          <a:p>
-            <a:pPr algn="ctr"/>
-            <a:endParaRPr lang="de-CH"/>
-          </a:p>
-        </p:txBody>
-      </p:sp>
-      <p:cxnSp>
-        <p:nvCxnSpPr>
-          <p:cNvPr id="24" name="Gerade Verbindung mit Pfeil 23">
-            <a:extLst>
-              <a:ext uri="{FF2B5EF4-FFF2-40B4-BE49-F238E27FC236}">
-                <a16:creationId xmlns:a16="http://schemas.microsoft.com/office/drawing/2014/main" id="{24BD5728-56EF-97C8-45F3-0E618ECA491F}"/>
-              </a:ext>
-            </a:extLst>
-          </p:cNvPr>
-          <p:cNvCxnSpPr>
-            <a:cxnSpLocks/>
-            <a:stCxn id="10" idx="6"/>
-            <a:endCxn id="11" idx="2"/>
-          </p:cNvCxnSpPr>
-          <p:nvPr/>
-        </p:nvCxnSpPr>
-        <p:spPr>
-          <a:xfrm flipV="1">
-            <a:off x="2099930" y="1120310"/>
-            <a:ext cx="1731335" cy="2049648"/>
-          </a:xfrm>
-          <a:prstGeom prst="straightConnector1">
-            <a:avLst/>
-          </a:prstGeom>
-          <a:ln>
-            <a:tailEnd type="triangle"/>
-          </a:ln>
-        </p:spPr>
-        <p:style>
-          <a:lnRef idx="1">
-            <a:schemeClr val="accent1"/>
-          </a:lnRef>
-          <a:fillRef idx="0">
-            <a:schemeClr val="accent1"/>
-          </a:fillRef>
-          <a:effectRef idx="0">
-            <a:schemeClr val="accent1"/>
-          </a:effectRef>
-          <a:fontRef idx="minor">
-            <a:schemeClr val="tx1"/>
-          </a:fontRef>
-        </p:style>
-      </p:cxnSp>
-      <p:cxnSp>
-        <p:nvCxnSpPr>
-          <p:cNvPr id="26" name="Gerade Verbindung mit Pfeil 25">
-            <a:extLst>
-              <a:ext uri="{FF2B5EF4-FFF2-40B4-BE49-F238E27FC236}">
-                <a16:creationId xmlns:a16="http://schemas.microsoft.com/office/drawing/2014/main" id="{0E2B3F83-6100-D49C-C7FB-01A98B1018AC}"/>
-              </a:ext>
-            </a:extLst>
-          </p:cNvPr>
-          <p:cNvCxnSpPr>
-            <a:cxnSpLocks/>
-            <a:stCxn id="10" idx="6"/>
-            <a:endCxn id="12" idx="2"/>
-          </p:cNvCxnSpPr>
-          <p:nvPr/>
-        </p:nvCxnSpPr>
-        <p:spPr>
-          <a:xfrm flipV="1">
-            <a:off x="2099930" y="2219484"/>
-            <a:ext cx="1731337" cy="950474"/>
-          </a:xfrm>
-          <a:prstGeom prst="straightConnector1">
-            <a:avLst/>
-          </a:prstGeom>
-          <a:ln>
-            <a:tailEnd type="triangle"/>
-          </a:ln>
-        </p:spPr>
-        <p:style>
-          <a:lnRef idx="1">
-            <a:schemeClr val="accent1"/>
-          </a:lnRef>
-          <a:fillRef idx="0">
-            <a:schemeClr val="accent1"/>
-          </a:fillRef>
-          <a:effectRef idx="0">
-            <a:schemeClr val="accent1"/>
-          </a:effectRef>
-          <a:fontRef idx="minor">
-            <a:schemeClr val="tx1"/>
-          </a:fontRef>
-        </p:style>
-      </p:cxnSp>
-      <p:cxnSp>
-        <p:nvCxnSpPr>
-          <p:cNvPr id="27" name="Gerade Verbindung mit Pfeil 26">
-            <a:extLst>
-              <a:ext uri="{FF2B5EF4-FFF2-40B4-BE49-F238E27FC236}">
-                <a16:creationId xmlns:a16="http://schemas.microsoft.com/office/drawing/2014/main" id="{19E0E0D3-771B-EBE9-D508-C5C79F099A2F}"/>
-              </a:ext>
-            </a:extLst>
-          </p:cNvPr>
-          <p:cNvCxnSpPr>
-            <a:cxnSpLocks/>
-            <a:stCxn id="10" idx="6"/>
-            <a:endCxn id="13" idx="2"/>
-          </p:cNvCxnSpPr>
-          <p:nvPr/>
-        </p:nvCxnSpPr>
-        <p:spPr>
-          <a:xfrm>
-            <a:off x="2099930" y="3169958"/>
-            <a:ext cx="1731335" cy="1147116"/>
-          </a:xfrm>
-          <a:prstGeom prst="straightConnector1">
-            <a:avLst/>
-          </a:prstGeom>
-          <a:ln>
-            <a:tailEnd type="triangle"/>
-          </a:ln>
-        </p:spPr>
-        <p:style>
-          <a:lnRef idx="1">
-            <a:schemeClr val="accent1"/>
-          </a:lnRef>
-          <a:fillRef idx="0">
-            <a:schemeClr val="accent1"/>
-          </a:fillRef>
-          <a:effectRef idx="0">
-            <a:schemeClr val="accent1"/>
-          </a:effectRef>
-          <a:fontRef idx="minor">
-            <a:schemeClr val="tx1"/>
-          </a:fontRef>
-        </p:style>
-      </p:cxnSp>
-      <p:cxnSp>
-        <p:nvCxnSpPr>
-          <p:cNvPr id="31" name="Gerade Verbindung mit Pfeil 30">
-            <a:extLst>
-              <a:ext uri="{FF2B5EF4-FFF2-40B4-BE49-F238E27FC236}">
-                <a16:creationId xmlns:a16="http://schemas.microsoft.com/office/drawing/2014/main" id="{110B1B50-2BE2-23A3-34F3-42E7ACDE3F2C}"/>
-              </a:ext>
-            </a:extLst>
-          </p:cNvPr>
-          <p:cNvCxnSpPr>
-            <a:cxnSpLocks/>
-            <a:stCxn id="10" idx="6"/>
-            <a:endCxn id="14" idx="2"/>
-          </p:cNvCxnSpPr>
-          <p:nvPr/>
-        </p:nvCxnSpPr>
-        <p:spPr>
-          <a:xfrm>
-            <a:off x="2099930" y="3169958"/>
-            <a:ext cx="1731335" cy="2282711"/>
-          </a:xfrm>
-          <a:prstGeom prst="straightConnector1">
-            <a:avLst/>
-          </a:prstGeom>
-          <a:ln>
-            <a:tailEnd type="triangle"/>
-          </a:ln>
-        </p:spPr>
-        <p:style>
-          <a:lnRef idx="1">
-            <a:schemeClr val="accent1"/>
-          </a:lnRef>
-          <a:fillRef idx="0">
-            <a:schemeClr val="accent1"/>
-          </a:fillRef>
-          <a:effectRef idx="0">
-            <a:schemeClr val="accent1"/>
-          </a:effectRef>
-          <a:fontRef idx="minor">
-            <a:schemeClr val="tx1"/>
-          </a:fontRef>
-        </p:style>
-      </p:cxnSp>
-      <p:cxnSp>
-        <p:nvCxnSpPr>
-          <p:cNvPr id="37" name="Gerade Verbindung mit Pfeil 36">
-            <a:extLst>
-              <a:ext uri="{FF2B5EF4-FFF2-40B4-BE49-F238E27FC236}">
-                <a16:creationId xmlns:a16="http://schemas.microsoft.com/office/drawing/2014/main" id="{AEDC574C-EE7C-06CE-AA84-C8E9559026CD}"/>
-              </a:ext>
-            </a:extLst>
-          </p:cNvPr>
-          <p:cNvCxnSpPr>
-            <a:cxnSpLocks/>
-            <a:stCxn id="10" idx="6"/>
-          </p:cNvCxnSpPr>
-          <p:nvPr/>
-        </p:nvCxnSpPr>
-        <p:spPr>
-          <a:xfrm flipV="1">
-            <a:off x="2099930" y="2786501"/>
-            <a:ext cx="1850426" cy="383457"/>
-          </a:xfrm>
-          <a:prstGeom prst="straightConnector1">
-            <a:avLst/>
-          </a:prstGeom>
-          <a:ln>
-            <a:prstDash val="sysDash"/>
-            <a:tailEnd type="triangle"/>
-          </a:ln>
-        </p:spPr>
-        <p:style>
-          <a:lnRef idx="1">
-            <a:schemeClr val="accent1"/>
-          </a:lnRef>
-          <a:fillRef idx="0">
-            <a:schemeClr val="accent1"/>
-          </a:fillRef>
-          <a:effectRef idx="0">
-            <a:schemeClr val="accent1"/>
-          </a:effectRef>
-          <a:fontRef idx="minor">
-            <a:schemeClr val="tx1"/>
-          </a:fontRef>
-        </p:style>
-      </p:cxnSp>
-      <p:cxnSp>
-        <p:nvCxnSpPr>
-          <p:cNvPr id="40" name="Gerade Verbindung mit Pfeil 39">
-            <a:extLst>
-              <a:ext uri="{FF2B5EF4-FFF2-40B4-BE49-F238E27FC236}">
-                <a16:creationId xmlns:a16="http://schemas.microsoft.com/office/drawing/2014/main" id="{6B3572AB-3EFA-0F5F-C249-801B0E8DF753}"/>
-              </a:ext>
-            </a:extLst>
-          </p:cNvPr>
-          <p:cNvCxnSpPr>
-            <a:cxnSpLocks/>
-            <a:stCxn id="10" idx="6"/>
-          </p:cNvCxnSpPr>
-          <p:nvPr/>
-        </p:nvCxnSpPr>
-        <p:spPr>
-          <a:xfrm>
-            <a:off x="2099930" y="3169958"/>
-            <a:ext cx="1850426" cy="0"/>
-          </a:xfrm>
-          <a:prstGeom prst="straightConnector1">
-            <a:avLst/>
-          </a:prstGeom>
-          <a:ln>
-            <a:prstDash val="sysDash"/>
-            <a:tailEnd type="triangle"/>
-          </a:ln>
-        </p:spPr>
-        <p:style>
-          <a:lnRef idx="1">
-            <a:schemeClr val="accent1"/>
-          </a:lnRef>
-          <a:fillRef idx="0">
-            <a:schemeClr val="accent1"/>
-          </a:fillRef>
-          <a:effectRef idx="0">
-            <a:schemeClr val="accent1"/>
-          </a:effectRef>
-          <a:fontRef idx="minor">
-            <a:schemeClr val="tx1"/>
-          </a:fontRef>
-        </p:style>
-      </p:cxnSp>
-      <p:cxnSp>
-        <p:nvCxnSpPr>
-          <p:cNvPr id="43" name="Gerade Verbindung mit Pfeil 42">
-            <a:extLst>
-              <a:ext uri="{FF2B5EF4-FFF2-40B4-BE49-F238E27FC236}">
-                <a16:creationId xmlns:a16="http://schemas.microsoft.com/office/drawing/2014/main" id="{1FF6C513-6C41-C843-14FA-9DCABB635DE0}"/>
-              </a:ext>
-            </a:extLst>
-          </p:cNvPr>
-          <p:cNvCxnSpPr>
-            <a:cxnSpLocks/>
-            <a:stCxn id="10" idx="6"/>
-          </p:cNvCxnSpPr>
-          <p:nvPr/>
-        </p:nvCxnSpPr>
-        <p:spPr>
-          <a:xfrm>
-            <a:off x="2099930" y="3169958"/>
-            <a:ext cx="1850426" cy="430772"/>
-          </a:xfrm>
-          <a:prstGeom prst="straightConnector1">
-            <a:avLst/>
-          </a:prstGeom>
-          <a:ln>
-            <a:prstDash val="sysDash"/>
-            <a:tailEnd type="triangle"/>
-          </a:ln>
-        </p:spPr>
-        <p:style>
-          <a:lnRef idx="1">
-            <a:schemeClr val="accent1"/>
-          </a:lnRef>
-          <a:fillRef idx="0">
-            <a:schemeClr val="accent1"/>
-          </a:fillRef>
-          <a:effectRef idx="0">
-            <a:schemeClr val="accent1"/>
-          </a:effectRef>
-          <a:fontRef idx="minor">
-            <a:schemeClr val="tx1"/>
-          </a:fontRef>
-        </p:style>
-      </p:cxnSp>
-      <p:sp>
-        <p:nvSpPr>
-          <p:cNvPr id="49" name="Ellipse 48">
-            <a:extLst>
-              <a:ext uri="{FF2B5EF4-FFF2-40B4-BE49-F238E27FC236}">
-                <a16:creationId xmlns:a16="http://schemas.microsoft.com/office/drawing/2014/main" id="{B8DA93F4-79C6-2687-3F65-DE6B86EC0DCA}"/>
-              </a:ext>
-            </a:extLst>
-          </p:cNvPr>
-          <p:cNvSpPr/>
-          <p:nvPr/>
-        </p:nvSpPr>
-        <p:spPr>
-          <a:xfrm>
-            <a:off x="4186922" y="2800828"/>
-            <a:ext cx="234983" cy="216001"/>
-          </a:xfrm>
-          <a:prstGeom prst="ellipse">
-            <a:avLst/>
-          </a:prstGeom>
-          <a:solidFill>
-            <a:srgbClr val="00B0F0"/>
-          </a:solidFill>
-        </p:spPr>
-        <p:style>
-          <a:lnRef idx="2">
-            <a:schemeClr val="accent1">
-              <a:shade val="15000"/>
-            </a:schemeClr>
-          </a:lnRef>
-          <a:fillRef idx="1">
-            <a:schemeClr val="accent1"/>
-          </a:fillRef>
-          <a:effectRef idx="0">
-            <a:schemeClr val="accent1"/>
-          </a:effectRef>
-          <a:fontRef idx="minor">
-            <a:schemeClr val="lt1"/>
-          </a:fontRef>
-        </p:style>
-        <p:txBody>
-          <a:bodyPr rtlCol="0" anchor="ctr"/>
-          <a:lstStyle/>
-          <a:p>
-            <a:pPr algn="ctr"/>
-            <a:endParaRPr lang="de-CH"/>
-          </a:p>
-        </p:txBody>
-      </p:sp>
-      <p:sp>
-        <p:nvSpPr>
-          <p:cNvPr id="50" name="Ellipse 49">
-            <a:extLst>
-              <a:ext uri="{FF2B5EF4-FFF2-40B4-BE49-F238E27FC236}">
-                <a16:creationId xmlns:a16="http://schemas.microsoft.com/office/drawing/2014/main" id="{C57A0279-8D75-82D3-3473-141891D0DE0A}"/>
-              </a:ext>
-            </a:extLst>
-          </p:cNvPr>
-          <p:cNvSpPr/>
-          <p:nvPr/>
-        </p:nvSpPr>
-        <p:spPr>
-          <a:xfrm>
-            <a:off x="4186922" y="3093665"/>
-            <a:ext cx="234983" cy="216001"/>
-          </a:xfrm>
-          <a:prstGeom prst="ellipse">
-            <a:avLst/>
-          </a:prstGeom>
-          <a:solidFill>
-            <a:srgbClr val="00B0F0"/>
-          </a:solidFill>
-        </p:spPr>
-        <p:style>
-          <a:lnRef idx="2">
-            <a:schemeClr val="accent1">
-              <a:shade val="15000"/>
-            </a:schemeClr>
-          </a:lnRef>
-          <a:fillRef idx="1">
-            <a:schemeClr val="accent1"/>
-          </a:fillRef>
-          <a:effectRef idx="0">
-            <a:schemeClr val="accent1"/>
-          </a:effectRef>
-          <a:fontRef idx="minor">
-            <a:schemeClr val="lt1"/>
-          </a:fontRef>
-        </p:style>
-        <p:txBody>
-          <a:bodyPr rtlCol="0" anchor="ctr"/>
-          <a:lstStyle/>
-          <a:p>
-            <a:pPr algn="ctr"/>
-            <a:endParaRPr lang="de-CH"/>
-          </a:p>
-        </p:txBody>
-      </p:sp>
-      <p:sp>
-        <p:nvSpPr>
-          <p:cNvPr id="51" name="Ellipse 50">
-            <a:extLst>
-              <a:ext uri="{FF2B5EF4-FFF2-40B4-BE49-F238E27FC236}">
-                <a16:creationId xmlns:a16="http://schemas.microsoft.com/office/drawing/2014/main" id="{4B05B080-0AFD-547E-EFE2-BD4746A8229C}"/>
-              </a:ext>
-            </a:extLst>
-          </p:cNvPr>
-          <p:cNvSpPr/>
-          <p:nvPr/>
-        </p:nvSpPr>
-        <p:spPr>
-          <a:xfrm>
-            <a:off x="4186922" y="3411728"/>
-            <a:ext cx="234983" cy="216001"/>
-          </a:xfrm>
-          <a:prstGeom prst="ellipse">
-            <a:avLst/>
-          </a:prstGeom>
-          <a:solidFill>
-            <a:srgbClr val="00B0F0"/>
-          </a:solidFill>
-        </p:spPr>
-        <p:style>
-          <a:lnRef idx="2">
-            <a:schemeClr val="accent1">
-              <a:shade val="15000"/>
-            </a:schemeClr>
-          </a:lnRef>
-          <a:fillRef idx="1">
-            <a:schemeClr val="accent1"/>
-          </a:fillRef>
-          <a:effectRef idx="0">
-            <a:schemeClr val="accent1"/>
-          </a:effectRef>
-          <a:fontRef idx="minor">
-            <a:schemeClr val="lt1"/>
-          </a:fontRef>
-        </p:style>
-        <p:txBody>
-          <a:bodyPr rtlCol="0" anchor="ctr"/>
-          <a:lstStyle/>
-          <a:p>
-            <a:pPr algn="ctr"/>
-            <a:endParaRPr lang="de-CH"/>
-          </a:p>
-        </p:txBody>
-      </p:sp>
-      <p:sp>
-        <p:nvSpPr>
-          <p:cNvPr id="52" name="Ellipse 51">
-            <a:extLst>
-              <a:ext uri="{FF2B5EF4-FFF2-40B4-BE49-F238E27FC236}">
-                <a16:creationId xmlns:a16="http://schemas.microsoft.com/office/drawing/2014/main" id="{BA33F31A-94F9-F829-5E5B-ABE26E533056}"/>
-              </a:ext>
-            </a:extLst>
-          </p:cNvPr>
-          <p:cNvSpPr/>
-          <p:nvPr/>
-        </p:nvSpPr>
-        <p:spPr>
-          <a:xfrm>
-            <a:off x="8067627" y="3035754"/>
-            <a:ext cx="182168" cy="152400"/>
-          </a:xfrm>
-          <a:prstGeom prst="ellipse">
-            <a:avLst/>
-          </a:prstGeom>
-        </p:spPr>
-        <p:style>
-          <a:lnRef idx="2">
-            <a:schemeClr val="accent1">
-              <a:shade val="15000"/>
-            </a:schemeClr>
-          </a:lnRef>
-          <a:fillRef idx="1">
-            <a:schemeClr val="accent1"/>
-          </a:fillRef>
-          <a:effectRef idx="0">
-            <a:schemeClr val="accent1"/>
-          </a:effectRef>
-          <a:fontRef idx="minor">
-            <a:schemeClr val="lt1"/>
-          </a:fontRef>
-        </p:style>
-        <p:txBody>
-          <a:bodyPr rtlCol="0" anchor="ctr"/>
-          <a:lstStyle/>
-          <a:p>
-            <a:pPr algn="ctr"/>
-            <a:endParaRPr lang="de-CH"/>
-          </a:p>
-        </p:txBody>
-      </p:sp>
-      <p:sp>
-        <p:nvSpPr>
-          <p:cNvPr id="53" name="Ellipse 52">
-            <a:extLst>
-              <a:ext uri="{FF2B5EF4-FFF2-40B4-BE49-F238E27FC236}">
-                <a16:creationId xmlns:a16="http://schemas.microsoft.com/office/drawing/2014/main" id="{1A92E8A9-C202-A279-D2B3-2A7E5A1DF203}"/>
-              </a:ext>
-            </a:extLst>
-          </p:cNvPr>
-          <p:cNvSpPr/>
-          <p:nvPr/>
-        </p:nvSpPr>
-        <p:spPr>
-          <a:xfrm>
-            <a:off x="8067627" y="3297075"/>
-            <a:ext cx="182168" cy="152400"/>
-          </a:xfrm>
-          <a:prstGeom prst="ellipse">
-            <a:avLst/>
-          </a:prstGeom>
-        </p:spPr>
-        <p:style>
-          <a:lnRef idx="2">
-            <a:schemeClr val="accent1">
-              <a:shade val="15000"/>
-            </a:schemeClr>
-          </a:lnRef>
-          <a:fillRef idx="1">
-            <a:schemeClr val="accent1"/>
-          </a:fillRef>
-          <a:effectRef idx="0">
-            <a:schemeClr val="accent1"/>
-          </a:effectRef>
-          <a:fontRef idx="minor">
-            <a:schemeClr val="lt1"/>
-          </a:fontRef>
-        </p:style>
-        <p:txBody>
-          <a:bodyPr rtlCol="0" anchor="ctr"/>
-          <a:lstStyle/>
-          <a:p>
-            <a:pPr algn="ctr"/>
-            <a:endParaRPr lang="de-CH"/>
-          </a:p>
-        </p:txBody>
-      </p:sp>
-      <p:sp>
-        <p:nvSpPr>
-          <p:cNvPr id="54" name="Ellipse 53">
-            <a:extLst>
-              <a:ext uri="{FF2B5EF4-FFF2-40B4-BE49-F238E27FC236}">
-                <a16:creationId xmlns:a16="http://schemas.microsoft.com/office/drawing/2014/main" id="{33810780-432C-9869-0432-6C593D9E8855}"/>
-              </a:ext>
-            </a:extLst>
-          </p:cNvPr>
-          <p:cNvSpPr/>
-          <p:nvPr/>
-        </p:nvSpPr>
-        <p:spPr>
-          <a:xfrm>
-            <a:off x="8067627" y="3531055"/>
-            <a:ext cx="182168" cy="152400"/>
-          </a:xfrm>
-          <a:prstGeom prst="ellipse">
-            <a:avLst/>
-          </a:prstGeom>
-        </p:spPr>
-        <p:style>
-          <a:lnRef idx="2">
-            <a:schemeClr val="accent1">
-              <a:shade val="15000"/>
-            </a:schemeClr>
-          </a:lnRef>
-          <a:fillRef idx="1">
-            <a:schemeClr val="accent1"/>
-          </a:fillRef>
-          <a:effectRef idx="0">
-            <a:schemeClr val="accent1"/>
-          </a:effectRef>
-          <a:fontRef idx="minor">
-            <a:schemeClr val="lt1"/>
-          </a:fontRef>
-        </p:style>
-        <p:txBody>
-          <a:bodyPr rtlCol="0" anchor="ctr"/>
-          <a:lstStyle/>
-          <a:p>
-            <a:pPr algn="ctr"/>
-            <a:endParaRPr lang="de-CH"/>
-          </a:p>
-        </p:txBody>
-      </p:sp>
-      <p:cxnSp>
-        <p:nvCxnSpPr>
-          <p:cNvPr id="56" name="Gerade Verbindung mit Pfeil 55">
-            <a:extLst>
-              <a:ext uri="{FF2B5EF4-FFF2-40B4-BE49-F238E27FC236}">
-                <a16:creationId xmlns:a16="http://schemas.microsoft.com/office/drawing/2014/main" id="{750D09F0-8AAC-EA34-07D2-29448A905856}"/>
-              </a:ext>
-            </a:extLst>
-          </p:cNvPr>
-          <p:cNvCxnSpPr>
-            <a:cxnSpLocks/>
-            <a:stCxn id="11" idx="6"/>
-            <a:endCxn id="20" idx="2"/>
-          </p:cNvCxnSpPr>
-          <p:nvPr/>
-        </p:nvCxnSpPr>
-        <p:spPr>
-          <a:xfrm flipV="1">
-            <a:off x="4777563" y="1031105"/>
-            <a:ext cx="3129511" cy="89205"/>
-          </a:xfrm>
-          <a:prstGeom prst="straightConnector1">
-            <a:avLst/>
-          </a:prstGeom>
-          <a:ln>
-            <a:tailEnd type="triangle"/>
-          </a:ln>
-        </p:spPr>
-        <p:style>
-          <a:lnRef idx="1">
-            <a:schemeClr val="accent1"/>
-          </a:lnRef>
-          <a:fillRef idx="0">
-            <a:schemeClr val="accent1"/>
-          </a:fillRef>
-          <a:effectRef idx="0">
-            <a:schemeClr val="accent1"/>
-          </a:effectRef>
-          <a:fontRef idx="minor">
-            <a:schemeClr val="tx1"/>
-          </a:fontRef>
-        </p:style>
-      </p:cxnSp>
-      <p:cxnSp>
-        <p:nvCxnSpPr>
-          <p:cNvPr id="59" name="Gerade Verbindung mit Pfeil 58">
-            <a:extLst>
-              <a:ext uri="{FF2B5EF4-FFF2-40B4-BE49-F238E27FC236}">
-                <a16:creationId xmlns:a16="http://schemas.microsoft.com/office/drawing/2014/main" id="{84A18E71-D3BA-C662-0A79-CD8AD12EFB1C}"/>
-              </a:ext>
-            </a:extLst>
-          </p:cNvPr>
-          <p:cNvCxnSpPr>
-            <a:cxnSpLocks/>
-            <a:stCxn id="11" idx="6"/>
-            <a:endCxn id="15" idx="2"/>
-          </p:cNvCxnSpPr>
-          <p:nvPr/>
-        </p:nvCxnSpPr>
-        <p:spPr>
-          <a:xfrm>
-            <a:off x="4777563" y="1120310"/>
-            <a:ext cx="3129515" cy="457169"/>
-          </a:xfrm>
-          <a:prstGeom prst="straightConnector1">
-            <a:avLst/>
-          </a:prstGeom>
-          <a:ln>
-            <a:tailEnd type="triangle"/>
-          </a:ln>
-        </p:spPr>
-        <p:style>
-          <a:lnRef idx="1">
-            <a:schemeClr val="accent1"/>
-          </a:lnRef>
-          <a:fillRef idx="0">
-            <a:schemeClr val="accent1"/>
-          </a:fillRef>
-          <a:effectRef idx="0">
-            <a:schemeClr val="accent1"/>
-          </a:effectRef>
-          <a:fontRef idx="minor">
-            <a:schemeClr val="tx1"/>
-          </a:fontRef>
-        </p:style>
-      </p:cxnSp>
-      <p:cxnSp>
-        <p:nvCxnSpPr>
-          <p:cNvPr id="65" name="Gerade Verbindung mit Pfeil 64">
-            <a:extLst>
-              <a:ext uri="{FF2B5EF4-FFF2-40B4-BE49-F238E27FC236}">
-                <a16:creationId xmlns:a16="http://schemas.microsoft.com/office/drawing/2014/main" id="{3935FD30-CAAD-A3E8-EA6B-883F8A0F0EA0}"/>
-              </a:ext>
-            </a:extLst>
-          </p:cNvPr>
-          <p:cNvCxnSpPr>
-            <a:cxnSpLocks/>
-            <a:stCxn id="12" idx="6"/>
-            <a:endCxn id="19" idx="2"/>
-          </p:cNvCxnSpPr>
-          <p:nvPr/>
-        </p:nvCxnSpPr>
-        <p:spPr>
-          <a:xfrm flipV="1">
-            <a:off x="4777565" y="2139802"/>
-            <a:ext cx="3129511" cy="79682"/>
-          </a:xfrm>
-          <a:prstGeom prst="straightConnector1">
-            <a:avLst/>
-          </a:prstGeom>
-          <a:ln>
-            <a:tailEnd type="triangle"/>
-          </a:ln>
-        </p:spPr>
-        <p:style>
-          <a:lnRef idx="1">
-            <a:schemeClr val="accent1"/>
-          </a:lnRef>
-          <a:fillRef idx="0">
-            <a:schemeClr val="accent1"/>
-          </a:fillRef>
-          <a:effectRef idx="0">
-            <a:schemeClr val="accent1"/>
-          </a:effectRef>
-          <a:fontRef idx="minor">
-            <a:schemeClr val="tx1"/>
-          </a:fontRef>
-        </p:style>
-      </p:cxnSp>
-      <p:cxnSp>
-        <p:nvCxnSpPr>
-          <p:cNvPr id="68" name="Gerade Verbindung mit Pfeil 67">
-            <a:extLst>
-              <a:ext uri="{FF2B5EF4-FFF2-40B4-BE49-F238E27FC236}">
-                <a16:creationId xmlns:a16="http://schemas.microsoft.com/office/drawing/2014/main" id="{6C193814-EB8D-C9C2-A107-BF267953EBCE}"/>
-              </a:ext>
-            </a:extLst>
-          </p:cNvPr>
-          <p:cNvCxnSpPr>
-            <a:cxnSpLocks/>
-            <a:stCxn id="11" idx="6"/>
-            <a:endCxn id="19" idx="2"/>
-          </p:cNvCxnSpPr>
-          <p:nvPr/>
-        </p:nvCxnSpPr>
-        <p:spPr>
-          <a:xfrm>
-            <a:off x="4777563" y="1120310"/>
-            <a:ext cx="3129513" cy="1019492"/>
-          </a:xfrm>
-          <a:prstGeom prst="straightConnector1">
-            <a:avLst/>
-          </a:prstGeom>
-          <a:ln>
-            <a:tailEnd type="triangle"/>
-          </a:ln>
-        </p:spPr>
-        <p:style>
-          <a:lnRef idx="1">
-            <a:schemeClr val="accent1"/>
-          </a:lnRef>
-          <a:fillRef idx="0">
-            <a:schemeClr val="accent1"/>
-          </a:fillRef>
-          <a:effectRef idx="0">
-            <a:schemeClr val="accent1"/>
-          </a:effectRef>
-          <a:fontRef idx="minor">
-            <a:schemeClr val="tx1"/>
-          </a:fontRef>
-        </p:style>
-      </p:cxnSp>
-      <p:cxnSp>
-        <p:nvCxnSpPr>
-          <p:cNvPr id="71" name="Gerade Verbindung mit Pfeil 70">
-            <a:extLst>
-              <a:ext uri="{FF2B5EF4-FFF2-40B4-BE49-F238E27FC236}">
-                <a16:creationId xmlns:a16="http://schemas.microsoft.com/office/drawing/2014/main" id="{7131099F-7491-4C3E-EC95-47D55A7AA847}"/>
-              </a:ext>
-            </a:extLst>
-          </p:cNvPr>
-          <p:cNvCxnSpPr>
-            <a:cxnSpLocks/>
-            <a:stCxn id="12" idx="6"/>
-            <a:endCxn id="16" idx="2"/>
-          </p:cNvCxnSpPr>
-          <p:nvPr/>
-        </p:nvCxnSpPr>
-        <p:spPr>
-          <a:xfrm>
-            <a:off x="4777565" y="2219484"/>
-            <a:ext cx="3129513" cy="482641"/>
-          </a:xfrm>
-          <a:prstGeom prst="straightConnector1">
-            <a:avLst/>
-          </a:prstGeom>
-          <a:ln>
-            <a:tailEnd type="triangle"/>
-          </a:ln>
-        </p:spPr>
-        <p:style>
-          <a:lnRef idx="1">
-            <a:schemeClr val="accent1"/>
-          </a:lnRef>
-          <a:fillRef idx="0">
-            <a:schemeClr val="accent1"/>
-          </a:fillRef>
-          <a:effectRef idx="0">
-            <a:schemeClr val="accent1"/>
-          </a:effectRef>
-          <a:fontRef idx="minor">
-            <a:schemeClr val="tx1"/>
-          </a:fontRef>
-        </p:style>
-      </p:cxnSp>
-      <p:cxnSp>
-        <p:nvCxnSpPr>
-          <p:cNvPr id="74" name="Gerade Verbindung mit Pfeil 73">
-            <a:extLst>
-              <a:ext uri="{FF2B5EF4-FFF2-40B4-BE49-F238E27FC236}">
-                <a16:creationId xmlns:a16="http://schemas.microsoft.com/office/drawing/2014/main" id="{0EB7078A-A07C-0DEB-C429-2591D4FB2633}"/>
-              </a:ext>
-            </a:extLst>
-          </p:cNvPr>
-          <p:cNvCxnSpPr>
-            <a:cxnSpLocks/>
-            <a:stCxn id="13" idx="6"/>
-            <a:endCxn id="21" idx="2"/>
-          </p:cNvCxnSpPr>
-          <p:nvPr/>
-        </p:nvCxnSpPr>
-        <p:spPr>
-          <a:xfrm flipV="1">
-            <a:off x="4777563" y="3999078"/>
-            <a:ext cx="3129511" cy="317996"/>
-          </a:xfrm>
-          <a:prstGeom prst="straightConnector1">
-            <a:avLst/>
-          </a:prstGeom>
-          <a:ln>
-            <a:tailEnd type="triangle"/>
-          </a:ln>
-        </p:spPr>
-        <p:style>
-          <a:lnRef idx="1">
-            <a:schemeClr val="accent1"/>
-          </a:lnRef>
-          <a:fillRef idx="0">
-            <a:schemeClr val="accent1"/>
-          </a:fillRef>
-          <a:effectRef idx="0">
-            <a:schemeClr val="accent1"/>
-          </a:effectRef>
-          <a:fontRef idx="minor">
-            <a:schemeClr val="tx1"/>
-          </a:fontRef>
-        </p:style>
-      </p:cxnSp>
-      <p:cxnSp>
-        <p:nvCxnSpPr>
-          <p:cNvPr id="77" name="Gerade Verbindung mit Pfeil 76">
-            <a:extLst>
-              <a:ext uri="{FF2B5EF4-FFF2-40B4-BE49-F238E27FC236}">
-                <a16:creationId xmlns:a16="http://schemas.microsoft.com/office/drawing/2014/main" id="{124AB21D-AE68-1D32-6B92-32B6768ABBEF}"/>
-              </a:ext>
-            </a:extLst>
-          </p:cNvPr>
-          <p:cNvCxnSpPr>
-            <a:cxnSpLocks/>
-            <a:stCxn id="13" idx="6"/>
-            <a:endCxn id="17" idx="2"/>
-          </p:cNvCxnSpPr>
-          <p:nvPr/>
-        </p:nvCxnSpPr>
-        <p:spPr>
-          <a:xfrm>
-            <a:off x="4777563" y="4317074"/>
-            <a:ext cx="3129515" cy="301888"/>
-          </a:xfrm>
-          <a:prstGeom prst="straightConnector1">
-            <a:avLst/>
-          </a:prstGeom>
-          <a:ln>
-            <a:tailEnd type="triangle"/>
-          </a:ln>
-        </p:spPr>
-        <p:style>
-          <a:lnRef idx="1">
-            <a:schemeClr val="accent1"/>
-          </a:lnRef>
-          <a:fillRef idx="0">
-            <a:schemeClr val="accent1"/>
-          </a:fillRef>
-          <a:effectRef idx="0">
-            <a:schemeClr val="accent1"/>
-          </a:effectRef>
-          <a:fontRef idx="minor">
-            <a:schemeClr val="tx1"/>
-          </a:fontRef>
-        </p:style>
-      </p:cxnSp>
-      <p:cxnSp>
-        <p:nvCxnSpPr>
-          <p:cNvPr id="80" name="Gerade Verbindung mit Pfeil 79">
-            <a:extLst>
-              <a:ext uri="{FF2B5EF4-FFF2-40B4-BE49-F238E27FC236}">
-                <a16:creationId xmlns:a16="http://schemas.microsoft.com/office/drawing/2014/main" id="{4B4A4FB3-190C-3561-9012-E26CF9339DC4}"/>
-              </a:ext>
-            </a:extLst>
-          </p:cNvPr>
-          <p:cNvCxnSpPr>
-            <a:cxnSpLocks/>
-            <a:stCxn id="13" idx="6"/>
-            <a:endCxn id="22" idx="2"/>
-          </p:cNvCxnSpPr>
-          <p:nvPr/>
-        </p:nvCxnSpPr>
-        <p:spPr>
-          <a:xfrm>
-            <a:off x="4777563" y="4317074"/>
-            <a:ext cx="3129511" cy="901552"/>
-          </a:xfrm>
-          <a:prstGeom prst="straightConnector1">
-            <a:avLst/>
-          </a:prstGeom>
-          <a:ln>
-            <a:tailEnd type="triangle"/>
-          </a:ln>
-        </p:spPr>
-        <p:style>
-          <a:lnRef idx="1">
-            <a:schemeClr val="accent1"/>
-          </a:lnRef>
-          <a:fillRef idx="0">
-            <a:schemeClr val="accent1"/>
-          </a:fillRef>
-          <a:effectRef idx="0">
-            <a:schemeClr val="accent1"/>
-          </a:effectRef>
-          <a:fontRef idx="minor">
-            <a:schemeClr val="tx1"/>
-          </a:fontRef>
-        </p:style>
-      </p:cxnSp>
-      <p:cxnSp>
-        <p:nvCxnSpPr>
-          <p:cNvPr id="83" name="Gerade Verbindung mit Pfeil 82">
-            <a:extLst>
-              <a:ext uri="{FF2B5EF4-FFF2-40B4-BE49-F238E27FC236}">
-                <a16:creationId xmlns:a16="http://schemas.microsoft.com/office/drawing/2014/main" id="{F5DE9157-B38C-DA88-8B9D-6A2A13C35335}"/>
-              </a:ext>
-            </a:extLst>
-          </p:cNvPr>
-          <p:cNvCxnSpPr>
-            <a:cxnSpLocks/>
-            <a:stCxn id="14" idx="6"/>
-            <a:endCxn id="17" idx="2"/>
-          </p:cNvCxnSpPr>
-          <p:nvPr/>
-        </p:nvCxnSpPr>
-        <p:spPr>
-          <a:xfrm flipV="1">
-            <a:off x="4777563" y="4618962"/>
-            <a:ext cx="3129515" cy="833707"/>
-          </a:xfrm>
-          <a:prstGeom prst="straightConnector1">
-            <a:avLst/>
-          </a:prstGeom>
-          <a:ln>
-            <a:tailEnd type="triangle"/>
-          </a:ln>
-        </p:spPr>
-        <p:style>
-          <a:lnRef idx="1">
-            <a:schemeClr val="accent1"/>
-          </a:lnRef>
-          <a:fillRef idx="0">
-            <a:schemeClr val="accent1"/>
-          </a:fillRef>
-          <a:effectRef idx="0">
-            <a:schemeClr val="accent1"/>
-          </a:effectRef>
-          <a:fontRef idx="minor">
-            <a:schemeClr val="tx1"/>
-          </a:fontRef>
-        </p:style>
-      </p:cxnSp>
-      <p:cxnSp>
-        <p:nvCxnSpPr>
-          <p:cNvPr id="86" name="Gerade Verbindung mit Pfeil 85">
-            <a:extLst>
-              <a:ext uri="{FF2B5EF4-FFF2-40B4-BE49-F238E27FC236}">
-                <a16:creationId xmlns:a16="http://schemas.microsoft.com/office/drawing/2014/main" id="{9414BAAF-2B18-935D-C8C1-F173704153A6}"/>
-              </a:ext>
-            </a:extLst>
-          </p:cNvPr>
-          <p:cNvCxnSpPr>
-            <a:cxnSpLocks/>
-            <a:stCxn id="14" idx="6"/>
-            <a:endCxn id="18" idx="2"/>
-          </p:cNvCxnSpPr>
-          <p:nvPr/>
-        </p:nvCxnSpPr>
-        <p:spPr>
-          <a:xfrm>
-            <a:off x="4777563" y="5452669"/>
-            <a:ext cx="3129511" cy="365621"/>
-          </a:xfrm>
-          <a:prstGeom prst="straightConnector1">
-            <a:avLst/>
-          </a:prstGeom>
-          <a:ln>
-            <a:tailEnd type="triangle"/>
-          </a:ln>
-        </p:spPr>
-        <p:style>
-          <a:lnRef idx="1">
-            <a:schemeClr val="accent1"/>
-          </a:lnRef>
-          <a:fillRef idx="0">
-            <a:schemeClr val="accent1"/>
-          </a:fillRef>
-          <a:effectRef idx="0">
-            <a:schemeClr val="accent1"/>
-          </a:effectRef>
-          <a:fontRef idx="minor">
-            <a:schemeClr val="tx1"/>
-          </a:fontRef>
-        </p:style>
-      </p:cxnSp>
-    </p:spTree>
-    <p:extLst>
-      <p:ext uri="{BB962C8B-B14F-4D97-AF65-F5344CB8AC3E}">
-        <p14:creationId xmlns:p14="http://schemas.microsoft.com/office/powerpoint/2010/main" val="4239706037"/>
       </p:ext>
     </p:extLst>
   </p:cSld>
@@ -24250,7 +22347,7 @@
           <a:p>
             <a:fld id="{D5CE5686-0170-47AF-9B8A-7DF387E652FA}" type="datetime1">
               <a:rPr lang="en-GB" noProof="0" smtClean="0"/>
-              <a:t>17/07/2025</a:t>
+              <a:t>24/07/2025</a:t>
             </a:fld>
             <a:endParaRPr lang="en-GB" noProof="0" dirty="0"/>
           </a:p>
@@ -24289,6035 +22386,6 @@
     <p:extLst>
       <p:ext uri="{BB962C8B-B14F-4D97-AF65-F5344CB8AC3E}">
         <p14:creationId xmlns:p14="http://schemas.microsoft.com/office/powerpoint/2010/main" val="2271481637"/>
-      </p:ext>
-    </p:extLst>
-  </p:cSld>
-  <p:clrMapOvr>
-    <a:masterClrMapping/>
-  </p:clrMapOvr>
-</p:sld>
-</file>
-
-<file path=ppt/slides/slide20.xml><?xml version="1.0" encoding="utf-8"?>
-<p:sld xmlns:a="http://schemas.openxmlformats.org/drawingml/2006/main" xmlns:r="http://schemas.openxmlformats.org/officeDocument/2006/relationships" xmlns:p="http://schemas.openxmlformats.org/presentationml/2006/main">
-  <p:cSld>
-    <p:spTree>
-      <p:nvGrpSpPr>
-        <p:cNvPr id="1" name="">
-          <a:extLst>
-            <a:ext uri="{FF2B5EF4-FFF2-40B4-BE49-F238E27FC236}">
-              <a16:creationId xmlns:a16="http://schemas.microsoft.com/office/drawing/2014/main" id="{9CB18B3F-DEDC-53F4-6D65-3C730FD36E71}"/>
-            </a:ext>
-          </a:extLst>
-        </p:cNvPr>
-        <p:cNvGrpSpPr/>
-        <p:nvPr/>
-      </p:nvGrpSpPr>
-      <p:grpSpPr>
-        <a:xfrm>
-          <a:off x="0" y="0"/>
-          <a:ext cx="0" cy="0"/>
-          <a:chOff x="0" y="0"/>
-          <a:chExt cx="0" cy="0"/>
-        </a:xfrm>
-      </p:grpSpPr>
-      <p:sp>
-        <p:nvSpPr>
-          <p:cNvPr id="4" name="Datumsplatzhalter 3">
-            <a:extLst>
-              <a:ext uri="{FF2B5EF4-FFF2-40B4-BE49-F238E27FC236}">
-                <a16:creationId xmlns:a16="http://schemas.microsoft.com/office/drawing/2014/main" id="{A8A28508-7290-37E5-DE9D-48C14C720A0E}"/>
-              </a:ext>
-            </a:extLst>
-          </p:cNvPr>
-          <p:cNvSpPr>
-            <a:spLocks noGrp="1"/>
-          </p:cNvSpPr>
-          <p:nvPr>
-            <p:ph type="dt" sz="half" idx="10"/>
-          </p:nvPr>
-        </p:nvSpPr>
-        <p:spPr/>
-        <p:txBody>
-          <a:bodyPr/>
-          <a:lstStyle/>
-          <a:p>
-            <a:fld id="{3E1B9425-7348-43E2-B0E9-6A2A48F5FA8A}" type="datetime1">
-              <a:rPr lang="de-CH" noProof="0" smtClean="0"/>
-              <a:t>17.07.2025</a:t>
-            </a:fld>
-            <a:endParaRPr lang="de-CH" noProof="0"/>
-          </a:p>
-        </p:txBody>
-      </p:sp>
-      <p:sp>
-        <p:nvSpPr>
-          <p:cNvPr id="5" name="Fußzeilenplatzhalter 4">
-            <a:extLst>
-              <a:ext uri="{FF2B5EF4-FFF2-40B4-BE49-F238E27FC236}">
-                <a16:creationId xmlns:a16="http://schemas.microsoft.com/office/drawing/2014/main" id="{3834D21E-34D5-E450-6DFC-B2B3B0968BC4}"/>
-              </a:ext>
-            </a:extLst>
-          </p:cNvPr>
-          <p:cNvSpPr>
-            <a:spLocks noGrp="1"/>
-          </p:cNvSpPr>
-          <p:nvPr>
-            <p:ph type="ftr" sz="quarter" idx="11"/>
-          </p:nvPr>
-        </p:nvSpPr>
-        <p:spPr/>
-        <p:txBody>
-          <a:bodyPr/>
-          <a:lstStyle/>
-          <a:p>
-            <a:r>
-              <a:rPr lang="de-DE" noProof="0"/>
-              <a:t>Organisationseinheit verbal</a:t>
-            </a:r>
-            <a:endParaRPr lang="de-CH" noProof="0"/>
-          </a:p>
-        </p:txBody>
-      </p:sp>
-      <p:sp>
-        <p:nvSpPr>
-          <p:cNvPr id="6" name="Foliennummernplatzhalter 5">
-            <a:extLst>
-              <a:ext uri="{FF2B5EF4-FFF2-40B4-BE49-F238E27FC236}">
-                <a16:creationId xmlns:a16="http://schemas.microsoft.com/office/drawing/2014/main" id="{B95F4F12-1045-7A83-81AF-FFA7FE6DFD83}"/>
-              </a:ext>
-            </a:extLst>
-          </p:cNvPr>
-          <p:cNvSpPr>
-            <a:spLocks noGrp="1"/>
-          </p:cNvSpPr>
-          <p:nvPr>
-            <p:ph type="sldNum" sz="quarter" idx="12"/>
-          </p:nvPr>
-        </p:nvSpPr>
-        <p:spPr/>
-        <p:txBody>
-          <a:bodyPr/>
-          <a:lstStyle/>
-          <a:p>
-            <a:fld id="{5ACA52AF-F19D-405C-AD5F-7D94B96A5CC3}" type="slidenum">
-              <a:rPr lang="de-CH" noProof="0" smtClean="0"/>
-              <a:t>20</a:t>
-            </a:fld>
-            <a:endParaRPr lang="de-CH" noProof="0"/>
-          </a:p>
-        </p:txBody>
-      </p:sp>
-      <p:sp>
-        <p:nvSpPr>
-          <p:cNvPr id="10" name="Ellipse 9">
-            <a:extLst>
-              <a:ext uri="{FF2B5EF4-FFF2-40B4-BE49-F238E27FC236}">
-                <a16:creationId xmlns:a16="http://schemas.microsoft.com/office/drawing/2014/main" id="{45B04174-A26C-6FC4-DEA9-1D7A7B36692A}"/>
-              </a:ext>
-            </a:extLst>
-          </p:cNvPr>
-          <p:cNvSpPr/>
-          <p:nvPr/>
-        </p:nvSpPr>
-        <p:spPr>
-          <a:xfrm>
-            <a:off x="643269" y="2443083"/>
-            <a:ext cx="1456661" cy="1453750"/>
-          </a:xfrm>
-          <a:prstGeom prst="ellipse">
-            <a:avLst/>
-          </a:prstGeom>
-          <a:solidFill>
-            <a:srgbClr val="0070C0"/>
-          </a:solidFill>
-        </p:spPr>
-        <p:style>
-          <a:lnRef idx="2">
-            <a:schemeClr val="accent1">
-              <a:shade val="15000"/>
-            </a:schemeClr>
-          </a:lnRef>
-          <a:fillRef idx="1">
-            <a:schemeClr val="accent1"/>
-          </a:fillRef>
-          <a:effectRef idx="0">
-            <a:schemeClr val="accent1"/>
-          </a:effectRef>
-          <a:fontRef idx="minor">
-            <a:schemeClr val="lt1"/>
-          </a:fontRef>
-        </p:style>
-        <p:txBody>
-          <a:bodyPr rtlCol="0" anchor="ctr"/>
-          <a:lstStyle/>
-          <a:p>
-            <a:pPr algn="ctr"/>
-            <a:endParaRPr lang="de-CH" dirty="0"/>
-          </a:p>
-        </p:txBody>
-      </p:sp>
-      <p:sp>
-        <p:nvSpPr>
-          <p:cNvPr id="13" name="Ellipse 12">
-            <a:extLst>
-              <a:ext uri="{FF2B5EF4-FFF2-40B4-BE49-F238E27FC236}">
-                <a16:creationId xmlns:a16="http://schemas.microsoft.com/office/drawing/2014/main" id="{B377CF0C-D3E9-534A-40C0-C53B3CB816F7}"/>
-              </a:ext>
-            </a:extLst>
-          </p:cNvPr>
-          <p:cNvSpPr/>
-          <p:nvPr/>
-        </p:nvSpPr>
-        <p:spPr>
-          <a:xfrm>
-            <a:off x="4052228" y="1478049"/>
-            <a:ext cx="946298" cy="935666"/>
-          </a:xfrm>
-          <a:prstGeom prst="ellipse">
-            <a:avLst/>
-          </a:prstGeom>
-          <a:solidFill>
-            <a:srgbClr val="00B0F0"/>
-          </a:solidFill>
-        </p:spPr>
-        <p:style>
-          <a:lnRef idx="2">
-            <a:schemeClr val="accent1">
-              <a:shade val="15000"/>
-            </a:schemeClr>
-          </a:lnRef>
-          <a:fillRef idx="1">
-            <a:schemeClr val="accent1"/>
-          </a:fillRef>
-          <a:effectRef idx="0">
-            <a:schemeClr val="accent1"/>
-          </a:effectRef>
-          <a:fontRef idx="minor">
-            <a:schemeClr val="lt1"/>
-          </a:fontRef>
-        </p:style>
-        <p:txBody>
-          <a:bodyPr rtlCol="0" anchor="ctr"/>
-          <a:lstStyle/>
-          <a:p>
-            <a:pPr algn="ctr"/>
-            <a:endParaRPr lang="de-CH"/>
-          </a:p>
-        </p:txBody>
-      </p:sp>
-      <p:sp>
-        <p:nvSpPr>
-          <p:cNvPr id="14" name="Ellipse 13">
-            <a:extLst>
-              <a:ext uri="{FF2B5EF4-FFF2-40B4-BE49-F238E27FC236}">
-                <a16:creationId xmlns:a16="http://schemas.microsoft.com/office/drawing/2014/main" id="{A3B3A2F6-1AB1-2366-7E4F-71E9D32483D2}"/>
-              </a:ext>
-            </a:extLst>
-          </p:cNvPr>
-          <p:cNvSpPr/>
-          <p:nvPr/>
-        </p:nvSpPr>
-        <p:spPr>
-          <a:xfrm>
-            <a:off x="4032946" y="3807568"/>
-            <a:ext cx="946298" cy="935666"/>
-          </a:xfrm>
-          <a:prstGeom prst="ellipse">
-            <a:avLst/>
-          </a:prstGeom>
-          <a:solidFill>
-            <a:srgbClr val="00B0F0"/>
-          </a:solidFill>
-        </p:spPr>
-        <p:style>
-          <a:lnRef idx="2">
-            <a:schemeClr val="accent1">
-              <a:shade val="15000"/>
-            </a:schemeClr>
-          </a:lnRef>
-          <a:fillRef idx="1">
-            <a:schemeClr val="accent1"/>
-          </a:fillRef>
-          <a:effectRef idx="0">
-            <a:schemeClr val="accent1"/>
-          </a:effectRef>
-          <a:fontRef idx="minor">
-            <a:schemeClr val="lt1"/>
-          </a:fontRef>
-        </p:style>
-        <p:txBody>
-          <a:bodyPr rtlCol="0" anchor="ctr"/>
-          <a:lstStyle/>
-          <a:p>
-            <a:pPr algn="ctr"/>
-            <a:endParaRPr lang="de-CH"/>
-          </a:p>
-        </p:txBody>
-      </p:sp>
-      <p:sp>
-        <p:nvSpPr>
-          <p:cNvPr id="17" name="Ellipse 16">
-            <a:extLst>
-              <a:ext uri="{FF2B5EF4-FFF2-40B4-BE49-F238E27FC236}">
-                <a16:creationId xmlns:a16="http://schemas.microsoft.com/office/drawing/2014/main" id="{88455986-33DE-C600-65CB-19AEBF18804B}"/>
-              </a:ext>
-            </a:extLst>
-          </p:cNvPr>
-          <p:cNvSpPr/>
-          <p:nvPr/>
-        </p:nvSpPr>
-        <p:spPr>
-          <a:xfrm>
-            <a:off x="7807822" y="3193176"/>
-            <a:ext cx="503275" cy="518084"/>
-          </a:xfrm>
-          <a:prstGeom prst="ellipse">
-            <a:avLst/>
-          </a:prstGeom>
-        </p:spPr>
-        <p:style>
-          <a:lnRef idx="2">
-            <a:schemeClr val="accent1">
-              <a:shade val="15000"/>
-            </a:schemeClr>
-          </a:lnRef>
-          <a:fillRef idx="1">
-            <a:schemeClr val="accent1"/>
-          </a:fillRef>
-          <a:effectRef idx="0">
-            <a:schemeClr val="accent1"/>
-          </a:effectRef>
-          <a:fontRef idx="minor">
-            <a:schemeClr val="lt1"/>
-          </a:fontRef>
-        </p:style>
-        <p:txBody>
-          <a:bodyPr rtlCol="0" anchor="ctr"/>
-          <a:lstStyle/>
-          <a:p>
-            <a:pPr algn="ctr"/>
-            <a:endParaRPr lang="de-CH"/>
-          </a:p>
-        </p:txBody>
-      </p:sp>
-      <p:sp>
-        <p:nvSpPr>
-          <p:cNvPr id="18" name="Ellipse 17">
-            <a:extLst>
-              <a:ext uri="{FF2B5EF4-FFF2-40B4-BE49-F238E27FC236}">
-                <a16:creationId xmlns:a16="http://schemas.microsoft.com/office/drawing/2014/main" id="{E66F9553-8958-3917-9481-CDE8CE4EA82F}"/>
-              </a:ext>
-            </a:extLst>
-          </p:cNvPr>
-          <p:cNvSpPr/>
-          <p:nvPr/>
-        </p:nvSpPr>
-        <p:spPr>
-          <a:xfrm>
-            <a:off x="7807822" y="4795820"/>
-            <a:ext cx="503275" cy="518084"/>
-          </a:xfrm>
-          <a:prstGeom prst="ellipse">
-            <a:avLst/>
-          </a:prstGeom>
-        </p:spPr>
-        <p:style>
-          <a:lnRef idx="2">
-            <a:schemeClr val="accent1">
-              <a:shade val="15000"/>
-            </a:schemeClr>
-          </a:lnRef>
-          <a:fillRef idx="1">
-            <a:schemeClr val="accent1"/>
-          </a:fillRef>
-          <a:effectRef idx="0">
-            <a:schemeClr val="accent1"/>
-          </a:effectRef>
-          <a:fontRef idx="minor">
-            <a:schemeClr val="lt1"/>
-          </a:fontRef>
-        </p:style>
-        <p:txBody>
-          <a:bodyPr rtlCol="0" anchor="ctr"/>
-          <a:lstStyle/>
-          <a:p>
-            <a:pPr algn="ctr"/>
-            <a:endParaRPr lang="de-CH"/>
-          </a:p>
-        </p:txBody>
-      </p:sp>
-      <p:sp>
-        <p:nvSpPr>
-          <p:cNvPr id="21" name="Ellipse 20">
-            <a:extLst>
-              <a:ext uri="{FF2B5EF4-FFF2-40B4-BE49-F238E27FC236}">
-                <a16:creationId xmlns:a16="http://schemas.microsoft.com/office/drawing/2014/main" id="{378B4942-2A2E-4A43-FFB1-85F07552D281}"/>
-              </a:ext>
-            </a:extLst>
-          </p:cNvPr>
-          <p:cNvSpPr/>
-          <p:nvPr/>
-        </p:nvSpPr>
-        <p:spPr>
-          <a:xfrm>
-            <a:off x="7800743" y="1007242"/>
-            <a:ext cx="503275" cy="518084"/>
-          </a:xfrm>
-          <a:prstGeom prst="ellipse">
-            <a:avLst/>
-          </a:prstGeom>
-        </p:spPr>
-        <p:style>
-          <a:lnRef idx="2">
-            <a:schemeClr val="accent1">
-              <a:shade val="15000"/>
-            </a:schemeClr>
-          </a:lnRef>
-          <a:fillRef idx="1">
-            <a:schemeClr val="accent1"/>
-          </a:fillRef>
-          <a:effectRef idx="0">
-            <a:schemeClr val="accent1"/>
-          </a:effectRef>
-          <a:fontRef idx="minor">
-            <a:schemeClr val="lt1"/>
-          </a:fontRef>
-        </p:style>
-        <p:txBody>
-          <a:bodyPr rtlCol="0" anchor="ctr"/>
-          <a:lstStyle/>
-          <a:p>
-            <a:pPr algn="ctr"/>
-            <a:endParaRPr lang="de-CH"/>
-          </a:p>
-        </p:txBody>
-      </p:sp>
-      <p:sp>
-        <p:nvSpPr>
-          <p:cNvPr id="22" name="Ellipse 21">
-            <a:extLst>
-              <a:ext uri="{FF2B5EF4-FFF2-40B4-BE49-F238E27FC236}">
-                <a16:creationId xmlns:a16="http://schemas.microsoft.com/office/drawing/2014/main" id="{DDE497F5-D74F-8E1D-32F6-0D16BCF14B0E}"/>
-              </a:ext>
-            </a:extLst>
-          </p:cNvPr>
-          <p:cNvSpPr/>
-          <p:nvPr/>
-        </p:nvSpPr>
-        <p:spPr>
-          <a:xfrm>
-            <a:off x="7800743" y="2077232"/>
-            <a:ext cx="503275" cy="518084"/>
-          </a:xfrm>
-          <a:prstGeom prst="ellipse">
-            <a:avLst/>
-          </a:prstGeom>
-        </p:spPr>
-        <p:style>
-          <a:lnRef idx="2">
-            <a:schemeClr val="accent1">
-              <a:shade val="15000"/>
-            </a:schemeClr>
-          </a:lnRef>
-          <a:fillRef idx="1">
-            <a:schemeClr val="accent1"/>
-          </a:fillRef>
-          <a:effectRef idx="0">
-            <a:schemeClr val="accent1"/>
-          </a:effectRef>
-          <a:fontRef idx="minor">
-            <a:schemeClr val="lt1"/>
-          </a:fontRef>
-        </p:style>
-        <p:txBody>
-          <a:bodyPr rtlCol="0" anchor="ctr"/>
-          <a:lstStyle/>
-          <a:p>
-            <a:pPr algn="ctr"/>
-            <a:endParaRPr lang="de-CH"/>
-          </a:p>
-        </p:txBody>
-      </p:sp>
-      <p:cxnSp>
-        <p:nvCxnSpPr>
-          <p:cNvPr id="27" name="Gerade Verbindung mit Pfeil 26">
-            <a:extLst>
-              <a:ext uri="{FF2B5EF4-FFF2-40B4-BE49-F238E27FC236}">
-                <a16:creationId xmlns:a16="http://schemas.microsoft.com/office/drawing/2014/main" id="{D355FF94-528D-9D3C-2D5B-A5FA63FD3BFD}"/>
-              </a:ext>
-            </a:extLst>
-          </p:cNvPr>
-          <p:cNvCxnSpPr>
-            <a:cxnSpLocks/>
-            <a:stCxn id="10" idx="6"/>
-            <a:endCxn id="13" idx="2"/>
-          </p:cNvCxnSpPr>
-          <p:nvPr/>
-        </p:nvCxnSpPr>
-        <p:spPr>
-          <a:xfrm flipV="1">
-            <a:off x="2099930" y="1945882"/>
-            <a:ext cx="1952298" cy="1224076"/>
-          </a:xfrm>
-          <a:prstGeom prst="straightConnector1">
-            <a:avLst/>
-          </a:prstGeom>
-          <a:ln>
-            <a:tailEnd type="triangle"/>
-          </a:ln>
-        </p:spPr>
-        <p:style>
-          <a:lnRef idx="1">
-            <a:schemeClr val="accent1"/>
-          </a:lnRef>
-          <a:fillRef idx="0">
-            <a:schemeClr val="accent1"/>
-          </a:fillRef>
-          <a:effectRef idx="0">
-            <a:schemeClr val="accent1"/>
-          </a:effectRef>
-          <a:fontRef idx="minor">
-            <a:schemeClr val="tx1"/>
-          </a:fontRef>
-        </p:style>
-      </p:cxnSp>
-      <p:cxnSp>
-        <p:nvCxnSpPr>
-          <p:cNvPr id="31" name="Gerade Verbindung mit Pfeil 30">
-            <a:extLst>
-              <a:ext uri="{FF2B5EF4-FFF2-40B4-BE49-F238E27FC236}">
-                <a16:creationId xmlns:a16="http://schemas.microsoft.com/office/drawing/2014/main" id="{34D105A8-B919-5F1A-DE6A-0326B3D2055A}"/>
-              </a:ext>
-            </a:extLst>
-          </p:cNvPr>
-          <p:cNvCxnSpPr>
-            <a:cxnSpLocks/>
-            <a:stCxn id="10" idx="6"/>
-            <a:endCxn id="14" idx="2"/>
-          </p:cNvCxnSpPr>
-          <p:nvPr/>
-        </p:nvCxnSpPr>
-        <p:spPr>
-          <a:xfrm>
-            <a:off x="2099930" y="3169958"/>
-            <a:ext cx="1933016" cy="1105443"/>
-          </a:xfrm>
-          <a:prstGeom prst="straightConnector1">
-            <a:avLst/>
-          </a:prstGeom>
-          <a:ln>
-            <a:tailEnd type="triangle"/>
-          </a:ln>
-        </p:spPr>
-        <p:style>
-          <a:lnRef idx="1">
-            <a:schemeClr val="accent1"/>
-          </a:lnRef>
-          <a:fillRef idx="0">
-            <a:schemeClr val="accent1"/>
-          </a:fillRef>
-          <a:effectRef idx="0">
-            <a:schemeClr val="accent1"/>
-          </a:effectRef>
-          <a:fontRef idx="minor">
-            <a:schemeClr val="tx1"/>
-          </a:fontRef>
-        </p:style>
-      </p:cxnSp>
-      <p:cxnSp>
-        <p:nvCxnSpPr>
-          <p:cNvPr id="74" name="Gerade Verbindung mit Pfeil 73">
-            <a:extLst>
-              <a:ext uri="{FF2B5EF4-FFF2-40B4-BE49-F238E27FC236}">
-                <a16:creationId xmlns:a16="http://schemas.microsoft.com/office/drawing/2014/main" id="{4C57F2B0-CE70-493D-AFD9-1585CAC7A702}"/>
-              </a:ext>
-            </a:extLst>
-          </p:cNvPr>
-          <p:cNvCxnSpPr>
-            <a:cxnSpLocks/>
-            <a:stCxn id="13" idx="6"/>
-            <a:endCxn id="21" idx="2"/>
-          </p:cNvCxnSpPr>
-          <p:nvPr/>
-        </p:nvCxnSpPr>
-        <p:spPr>
-          <a:xfrm flipV="1">
-            <a:off x="4998526" y="1266284"/>
-            <a:ext cx="2802217" cy="679598"/>
-          </a:xfrm>
-          <a:prstGeom prst="straightConnector1">
-            <a:avLst/>
-          </a:prstGeom>
-          <a:ln>
-            <a:tailEnd type="triangle"/>
-          </a:ln>
-        </p:spPr>
-        <p:style>
-          <a:lnRef idx="1">
-            <a:schemeClr val="accent1"/>
-          </a:lnRef>
-          <a:fillRef idx="0">
-            <a:schemeClr val="accent1"/>
-          </a:fillRef>
-          <a:effectRef idx="0">
-            <a:schemeClr val="accent1"/>
-          </a:effectRef>
-          <a:fontRef idx="minor">
-            <a:schemeClr val="tx1"/>
-          </a:fontRef>
-        </p:style>
-      </p:cxnSp>
-      <p:cxnSp>
-        <p:nvCxnSpPr>
-          <p:cNvPr id="77" name="Gerade Verbindung mit Pfeil 76">
-            <a:extLst>
-              <a:ext uri="{FF2B5EF4-FFF2-40B4-BE49-F238E27FC236}">
-                <a16:creationId xmlns:a16="http://schemas.microsoft.com/office/drawing/2014/main" id="{0BA85293-91E8-761F-4594-C0AF5AC758A3}"/>
-              </a:ext>
-            </a:extLst>
-          </p:cNvPr>
-          <p:cNvCxnSpPr>
-            <a:cxnSpLocks/>
-            <a:stCxn id="13" idx="6"/>
-            <a:endCxn id="17" idx="2"/>
-          </p:cNvCxnSpPr>
-          <p:nvPr/>
-        </p:nvCxnSpPr>
-        <p:spPr>
-          <a:xfrm>
-            <a:off x="4998526" y="1945882"/>
-            <a:ext cx="2809296" cy="1506336"/>
-          </a:xfrm>
-          <a:prstGeom prst="straightConnector1">
-            <a:avLst/>
-          </a:prstGeom>
-          <a:ln>
-            <a:tailEnd type="triangle"/>
-          </a:ln>
-        </p:spPr>
-        <p:style>
-          <a:lnRef idx="1">
-            <a:schemeClr val="accent1"/>
-          </a:lnRef>
-          <a:fillRef idx="0">
-            <a:schemeClr val="accent1"/>
-          </a:fillRef>
-          <a:effectRef idx="0">
-            <a:schemeClr val="accent1"/>
-          </a:effectRef>
-          <a:fontRef idx="minor">
-            <a:schemeClr val="tx1"/>
-          </a:fontRef>
-        </p:style>
-      </p:cxnSp>
-      <p:cxnSp>
-        <p:nvCxnSpPr>
-          <p:cNvPr id="80" name="Gerade Verbindung mit Pfeil 79">
-            <a:extLst>
-              <a:ext uri="{FF2B5EF4-FFF2-40B4-BE49-F238E27FC236}">
-                <a16:creationId xmlns:a16="http://schemas.microsoft.com/office/drawing/2014/main" id="{7699C121-2AF1-797E-E1C0-15458647421A}"/>
-              </a:ext>
-            </a:extLst>
-          </p:cNvPr>
-          <p:cNvCxnSpPr>
-            <a:cxnSpLocks/>
-            <a:stCxn id="13" idx="6"/>
-            <a:endCxn id="22" idx="2"/>
-          </p:cNvCxnSpPr>
-          <p:nvPr/>
-        </p:nvCxnSpPr>
-        <p:spPr>
-          <a:xfrm>
-            <a:off x="4998526" y="1945882"/>
-            <a:ext cx="2802217" cy="390392"/>
-          </a:xfrm>
-          <a:prstGeom prst="straightConnector1">
-            <a:avLst/>
-          </a:prstGeom>
-          <a:ln>
-            <a:tailEnd type="triangle"/>
-          </a:ln>
-        </p:spPr>
-        <p:style>
-          <a:lnRef idx="1">
-            <a:schemeClr val="accent1"/>
-          </a:lnRef>
-          <a:fillRef idx="0">
-            <a:schemeClr val="accent1"/>
-          </a:fillRef>
-          <a:effectRef idx="0">
-            <a:schemeClr val="accent1"/>
-          </a:effectRef>
-          <a:fontRef idx="minor">
-            <a:schemeClr val="tx1"/>
-          </a:fontRef>
-        </p:style>
-      </p:cxnSp>
-      <p:cxnSp>
-        <p:nvCxnSpPr>
-          <p:cNvPr id="83" name="Gerade Verbindung mit Pfeil 82">
-            <a:extLst>
-              <a:ext uri="{FF2B5EF4-FFF2-40B4-BE49-F238E27FC236}">
-                <a16:creationId xmlns:a16="http://schemas.microsoft.com/office/drawing/2014/main" id="{0EF0EACF-985C-BF28-C1C4-8204A2490799}"/>
-              </a:ext>
-            </a:extLst>
-          </p:cNvPr>
-          <p:cNvCxnSpPr>
-            <a:cxnSpLocks/>
-            <a:stCxn id="14" idx="6"/>
-            <a:endCxn id="17" idx="2"/>
-          </p:cNvCxnSpPr>
-          <p:nvPr/>
-        </p:nvCxnSpPr>
-        <p:spPr>
-          <a:xfrm flipV="1">
-            <a:off x="4979244" y="3452218"/>
-            <a:ext cx="2828578" cy="823183"/>
-          </a:xfrm>
-          <a:prstGeom prst="straightConnector1">
-            <a:avLst/>
-          </a:prstGeom>
-          <a:ln>
-            <a:tailEnd type="triangle"/>
-          </a:ln>
-        </p:spPr>
-        <p:style>
-          <a:lnRef idx="1">
-            <a:schemeClr val="accent1"/>
-          </a:lnRef>
-          <a:fillRef idx="0">
-            <a:schemeClr val="accent1"/>
-          </a:fillRef>
-          <a:effectRef idx="0">
-            <a:schemeClr val="accent1"/>
-          </a:effectRef>
-          <a:fontRef idx="minor">
-            <a:schemeClr val="tx1"/>
-          </a:fontRef>
-        </p:style>
-      </p:cxnSp>
-      <p:cxnSp>
-        <p:nvCxnSpPr>
-          <p:cNvPr id="86" name="Gerade Verbindung mit Pfeil 85">
-            <a:extLst>
-              <a:ext uri="{FF2B5EF4-FFF2-40B4-BE49-F238E27FC236}">
-                <a16:creationId xmlns:a16="http://schemas.microsoft.com/office/drawing/2014/main" id="{D9D475D2-D990-8412-678D-E0AD28B47378}"/>
-              </a:ext>
-            </a:extLst>
-          </p:cNvPr>
-          <p:cNvCxnSpPr>
-            <a:cxnSpLocks/>
-            <a:stCxn id="14" idx="6"/>
-            <a:endCxn id="18" idx="2"/>
-          </p:cNvCxnSpPr>
-          <p:nvPr/>
-        </p:nvCxnSpPr>
-        <p:spPr>
-          <a:xfrm>
-            <a:off x="4979244" y="4275401"/>
-            <a:ext cx="2828578" cy="779461"/>
-          </a:xfrm>
-          <a:prstGeom prst="straightConnector1">
-            <a:avLst/>
-          </a:prstGeom>
-          <a:ln>
-            <a:tailEnd type="triangle"/>
-          </a:ln>
-        </p:spPr>
-        <p:style>
-          <a:lnRef idx="1">
-            <a:schemeClr val="accent1"/>
-          </a:lnRef>
-          <a:fillRef idx="0">
-            <a:schemeClr val="accent1"/>
-          </a:fillRef>
-          <a:effectRef idx="0">
-            <a:schemeClr val="accent1"/>
-          </a:effectRef>
-          <a:fontRef idx="minor">
-            <a:schemeClr val="tx1"/>
-          </a:fontRef>
-        </p:style>
-      </p:cxnSp>
-      <p:sp>
-        <p:nvSpPr>
-          <p:cNvPr id="42" name="Textfeld 41">
-            <a:extLst>
-              <a:ext uri="{FF2B5EF4-FFF2-40B4-BE49-F238E27FC236}">
-                <a16:creationId xmlns:a16="http://schemas.microsoft.com/office/drawing/2014/main" id="{2BCD2F83-195B-E381-5A11-4719961E58D6}"/>
-              </a:ext>
-            </a:extLst>
-          </p:cNvPr>
-          <p:cNvSpPr txBox="1"/>
-          <p:nvPr/>
-        </p:nvSpPr>
-        <p:spPr>
-          <a:xfrm rot="19891740">
-            <a:off x="2415286" y="2151608"/>
-            <a:ext cx="1261884" cy="369332"/>
-          </a:xfrm>
-          <a:prstGeom prst="rect">
-            <a:avLst/>
-          </a:prstGeom>
-          <a:noFill/>
-        </p:spPr>
-        <p:txBody>
-          <a:bodyPr wrap="square" rtlCol="0">
-            <a:spAutoFit/>
-          </a:bodyPr>
-          <a:lstStyle/>
-          <a:p>
-            <a:r>
-              <a:rPr lang="de-CH" dirty="0"/>
-              <a:t>Draw (g,3)</a:t>
-            </a:r>
-          </a:p>
-        </p:txBody>
-      </p:sp>
-      <p:sp>
-        <p:nvSpPr>
-          <p:cNvPr id="44" name="Textfeld 43">
-            <a:extLst>
-              <a:ext uri="{FF2B5EF4-FFF2-40B4-BE49-F238E27FC236}">
-                <a16:creationId xmlns:a16="http://schemas.microsoft.com/office/drawing/2014/main" id="{AFBD17B0-6188-4B6A-D7DD-E1A51DB33A66}"/>
-              </a:ext>
-            </a:extLst>
-          </p:cNvPr>
-          <p:cNvSpPr txBox="1"/>
-          <p:nvPr/>
-        </p:nvSpPr>
-        <p:spPr>
-          <a:xfrm rot="20685291">
-            <a:off x="6283462" y="1130904"/>
-            <a:ext cx="1261884" cy="369332"/>
-          </a:xfrm>
-          <a:prstGeom prst="rect">
-            <a:avLst/>
-          </a:prstGeom>
-          <a:noFill/>
-        </p:spPr>
-        <p:txBody>
-          <a:bodyPr wrap="square" rtlCol="0">
-            <a:spAutoFit/>
-          </a:bodyPr>
-          <a:lstStyle/>
-          <a:p>
-            <a:r>
-              <a:rPr lang="de-CH" dirty="0"/>
-              <a:t>Draw (b,7)</a:t>
-            </a:r>
-          </a:p>
-        </p:txBody>
-      </p:sp>
-      <p:sp>
-        <p:nvSpPr>
-          <p:cNvPr id="45" name="Textfeld 44">
-            <a:extLst>
-              <a:ext uri="{FF2B5EF4-FFF2-40B4-BE49-F238E27FC236}">
-                <a16:creationId xmlns:a16="http://schemas.microsoft.com/office/drawing/2014/main" id="{39DBD81B-0382-5C64-ABE1-2D341760FB1C}"/>
-              </a:ext>
-            </a:extLst>
-          </p:cNvPr>
-          <p:cNvSpPr txBox="1"/>
-          <p:nvPr/>
-        </p:nvSpPr>
-        <p:spPr>
-          <a:xfrm rot="20663037">
-            <a:off x="5727822" y="3472125"/>
-            <a:ext cx="1261884" cy="369332"/>
-          </a:xfrm>
-          <a:prstGeom prst="rect">
-            <a:avLst/>
-          </a:prstGeom>
-          <a:noFill/>
-        </p:spPr>
-        <p:txBody>
-          <a:bodyPr wrap="square" rtlCol="0">
-            <a:spAutoFit/>
-          </a:bodyPr>
-          <a:lstStyle/>
-          <a:p>
-            <a:r>
-              <a:rPr lang="de-CH" dirty="0"/>
-              <a:t>Draw (g,3)</a:t>
-            </a:r>
-          </a:p>
-        </p:txBody>
-      </p:sp>
-      <p:sp>
-        <p:nvSpPr>
-          <p:cNvPr id="46" name="Textfeld 45">
-            <a:extLst>
-              <a:ext uri="{FF2B5EF4-FFF2-40B4-BE49-F238E27FC236}">
-                <a16:creationId xmlns:a16="http://schemas.microsoft.com/office/drawing/2014/main" id="{06F62F1D-96FD-EF75-CE50-0A7D3CF79BF1}"/>
-              </a:ext>
-            </a:extLst>
-          </p:cNvPr>
-          <p:cNvSpPr txBox="1"/>
-          <p:nvPr/>
-        </p:nvSpPr>
-        <p:spPr>
-          <a:xfrm rot="1707420">
-            <a:off x="6208176" y="2481305"/>
-            <a:ext cx="1197828" cy="369332"/>
-          </a:xfrm>
-          <a:prstGeom prst="rect">
-            <a:avLst/>
-          </a:prstGeom>
-          <a:noFill/>
-        </p:spPr>
-        <p:txBody>
-          <a:bodyPr wrap="square" rtlCol="0">
-            <a:spAutoFit/>
-          </a:bodyPr>
-          <a:lstStyle/>
-          <a:p>
-            <a:r>
-              <a:rPr lang="de-CH" dirty="0"/>
-              <a:t>Draw (r,5)</a:t>
-            </a:r>
-          </a:p>
-        </p:txBody>
-      </p:sp>
-      <p:sp>
-        <p:nvSpPr>
-          <p:cNvPr id="47" name="Textfeld 46">
-            <a:extLst>
-              <a:ext uri="{FF2B5EF4-FFF2-40B4-BE49-F238E27FC236}">
-                <a16:creationId xmlns:a16="http://schemas.microsoft.com/office/drawing/2014/main" id="{DE18EB7B-15A4-5DF3-A70E-C51C44A8AC92}"/>
-              </a:ext>
-            </a:extLst>
-          </p:cNvPr>
-          <p:cNvSpPr txBox="1"/>
-          <p:nvPr/>
-        </p:nvSpPr>
-        <p:spPr>
-          <a:xfrm rot="1636982">
-            <a:off x="2665922" y="3443679"/>
-            <a:ext cx="1197828" cy="369332"/>
-          </a:xfrm>
-          <a:prstGeom prst="rect">
-            <a:avLst/>
-          </a:prstGeom>
-          <a:noFill/>
-        </p:spPr>
-        <p:txBody>
-          <a:bodyPr wrap="square" rtlCol="0">
-            <a:spAutoFit/>
-          </a:bodyPr>
-          <a:lstStyle/>
-          <a:p>
-            <a:r>
-              <a:rPr lang="de-CH" dirty="0"/>
-              <a:t>Draw (r,5)</a:t>
-            </a:r>
-          </a:p>
-        </p:txBody>
-      </p:sp>
-      <p:sp>
-        <p:nvSpPr>
-          <p:cNvPr id="48" name="Textfeld 47">
-            <a:extLst>
-              <a:ext uri="{FF2B5EF4-FFF2-40B4-BE49-F238E27FC236}">
-                <a16:creationId xmlns:a16="http://schemas.microsoft.com/office/drawing/2014/main" id="{3AA3CECE-735C-2412-E6D2-AF5FA1ABE1A7}"/>
-              </a:ext>
-            </a:extLst>
-          </p:cNvPr>
-          <p:cNvSpPr txBox="1"/>
-          <p:nvPr/>
-        </p:nvSpPr>
-        <p:spPr>
-          <a:xfrm rot="1077767">
-            <a:off x="6109134" y="4363615"/>
-            <a:ext cx="1261884" cy="369332"/>
-          </a:xfrm>
-          <a:prstGeom prst="rect">
-            <a:avLst/>
-          </a:prstGeom>
-          <a:noFill/>
-        </p:spPr>
-        <p:txBody>
-          <a:bodyPr wrap="square" rtlCol="0">
-            <a:spAutoFit/>
-          </a:bodyPr>
-          <a:lstStyle/>
-          <a:p>
-            <a:r>
-              <a:rPr lang="de-CH" dirty="0"/>
-              <a:t>Draw (b,7)</a:t>
-            </a:r>
-          </a:p>
-        </p:txBody>
-      </p:sp>
-      <p:sp>
-        <p:nvSpPr>
-          <p:cNvPr id="55" name="Textfeld 54">
-            <a:extLst>
-              <a:ext uri="{FF2B5EF4-FFF2-40B4-BE49-F238E27FC236}">
-                <a16:creationId xmlns:a16="http://schemas.microsoft.com/office/drawing/2014/main" id="{4B18B0D7-53F3-25E6-4934-9B1F12D66269}"/>
-              </a:ext>
-            </a:extLst>
-          </p:cNvPr>
-          <p:cNvSpPr txBox="1"/>
-          <p:nvPr/>
-        </p:nvSpPr>
-        <p:spPr>
-          <a:xfrm rot="285275">
-            <a:off x="6296681" y="1858584"/>
-            <a:ext cx="1261884" cy="369332"/>
-          </a:xfrm>
-          <a:prstGeom prst="rect">
-            <a:avLst/>
-          </a:prstGeom>
-          <a:noFill/>
-        </p:spPr>
-        <p:txBody>
-          <a:bodyPr wrap="square" rtlCol="0">
-            <a:spAutoFit/>
-          </a:bodyPr>
-          <a:lstStyle/>
-          <a:p>
-            <a:r>
-              <a:rPr lang="de-CH" dirty="0"/>
-              <a:t>Draw (b,3)</a:t>
-            </a:r>
-          </a:p>
-        </p:txBody>
-      </p:sp>
-    </p:spTree>
-    <p:extLst>
-      <p:ext uri="{BB962C8B-B14F-4D97-AF65-F5344CB8AC3E}">
-        <p14:creationId xmlns:p14="http://schemas.microsoft.com/office/powerpoint/2010/main" val="1796310856"/>
-      </p:ext>
-    </p:extLst>
-  </p:cSld>
-  <p:clrMapOvr>
-    <a:masterClrMapping/>
-  </p:clrMapOvr>
-</p:sld>
-</file>
-
-<file path=ppt/slides/slide21.xml><?xml version="1.0" encoding="utf-8"?>
-<p:sld xmlns:a="http://schemas.openxmlformats.org/drawingml/2006/main" xmlns:r="http://schemas.openxmlformats.org/officeDocument/2006/relationships" xmlns:p="http://schemas.openxmlformats.org/presentationml/2006/main">
-  <p:cSld>
-    <p:spTree>
-      <p:nvGrpSpPr>
-        <p:cNvPr id="1" name=""/>
-        <p:cNvGrpSpPr/>
-        <p:nvPr/>
-      </p:nvGrpSpPr>
-      <p:grpSpPr>
-        <a:xfrm>
-          <a:off x="0" y="0"/>
-          <a:ext cx="0" cy="0"/>
-          <a:chOff x="0" y="0"/>
-          <a:chExt cx="0" cy="0"/>
-        </a:xfrm>
-      </p:grpSpPr>
-      <p:sp>
-        <p:nvSpPr>
-          <p:cNvPr id="2" name="Titel 1">
-            <a:extLst>
-              <a:ext uri="{FF2B5EF4-FFF2-40B4-BE49-F238E27FC236}">
-                <a16:creationId xmlns:a16="http://schemas.microsoft.com/office/drawing/2014/main" id="{B2FE22A1-56F7-4FF9-8A90-D307E67331DC}"/>
-              </a:ext>
-            </a:extLst>
-          </p:cNvPr>
-          <p:cNvSpPr>
-            <a:spLocks noGrp="1"/>
-          </p:cNvSpPr>
-          <p:nvPr>
-            <p:ph type="title"/>
-          </p:nvPr>
-        </p:nvSpPr>
-        <p:spPr/>
-        <p:txBody>
-          <a:bodyPr/>
-          <a:lstStyle/>
-          <a:p>
-            <a:r>
-              <a:rPr lang="en-GB" noProof="0" dirty="0"/>
-              <a:t>Hier </a:t>
-            </a:r>
-            <a:r>
-              <a:rPr lang="en-GB" noProof="0" dirty="0" err="1"/>
-              <a:t>steht</a:t>
-            </a:r>
-            <a:r>
-              <a:rPr lang="en-GB" noProof="0" dirty="0"/>
-              <a:t> der </a:t>
-            </a:r>
-            <a:r>
-              <a:rPr lang="en-GB" noProof="0" dirty="0" err="1"/>
-              <a:t>Folientitel</a:t>
-            </a:r>
-            <a:endParaRPr lang="en-GB" noProof="0" dirty="0"/>
-          </a:p>
-        </p:txBody>
-      </p:sp>
-      <p:sp>
-        <p:nvSpPr>
-          <p:cNvPr id="3" name="Inhaltsplatzhalter 2">
-            <a:extLst>
-              <a:ext uri="{FF2B5EF4-FFF2-40B4-BE49-F238E27FC236}">
-                <a16:creationId xmlns:a16="http://schemas.microsoft.com/office/drawing/2014/main" id="{56BD7DC3-17C3-4B09-9D8E-F143A82B205E}"/>
-              </a:ext>
-            </a:extLst>
-          </p:cNvPr>
-          <p:cNvSpPr>
-            <a:spLocks noGrp="1"/>
-          </p:cNvSpPr>
-          <p:nvPr>
-            <p:ph idx="1"/>
-          </p:nvPr>
-        </p:nvSpPr>
-        <p:spPr/>
-        <p:txBody>
-          <a:bodyPr/>
-          <a:lstStyle/>
-          <a:p>
-            <a:r>
-              <a:rPr lang="en-GB" noProof="0" dirty="0" err="1"/>
-              <a:t>Textplatzhalter</a:t>
-            </a:r>
-            <a:r>
-              <a:rPr lang="en-GB" noProof="0" dirty="0"/>
-              <a:t> </a:t>
-            </a:r>
-            <a:r>
-              <a:rPr lang="en-GB" noProof="0" dirty="0" err="1"/>
-              <a:t>haben</a:t>
-            </a:r>
-            <a:r>
-              <a:rPr lang="en-GB" noProof="0" dirty="0"/>
-              <a:t> </a:t>
-            </a:r>
-            <a:r>
-              <a:rPr lang="en-GB" noProof="0" dirty="0" err="1"/>
-              <a:t>als</a:t>
-            </a:r>
-            <a:r>
-              <a:rPr lang="en-GB" noProof="0" dirty="0"/>
-              <a:t> Standard </a:t>
-            </a:r>
-            <a:r>
-              <a:rPr lang="en-GB" noProof="0" dirty="0" err="1"/>
-              <a:t>Bulletpoints</a:t>
-            </a:r>
-            <a:r>
-              <a:rPr lang="en-GB" noProof="0" dirty="0"/>
-              <a:t>. Um </a:t>
-            </a:r>
-            <a:r>
-              <a:rPr lang="en-GB" noProof="0" dirty="0" err="1"/>
-              <a:t>diese</a:t>
-            </a:r>
-            <a:r>
-              <a:rPr lang="en-GB" noProof="0" dirty="0"/>
-              <a:t> </a:t>
-            </a:r>
-            <a:r>
-              <a:rPr lang="en-GB" noProof="0" dirty="0" err="1"/>
-              <a:t>zu</a:t>
-            </a:r>
-            <a:r>
-              <a:rPr lang="en-GB" noProof="0" dirty="0"/>
-              <a:t> </a:t>
-            </a:r>
-            <a:r>
-              <a:rPr lang="en-GB" noProof="0" dirty="0" err="1"/>
-              <a:t>entfernen</a:t>
-            </a:r>
-            <a:r>
-              <a:rPr lang="en-GB" noProof="0" dirty="0"/>
-              <a:t> </a:t>
-            </a:r>
-            <a:r>
-              <a:rPr lang="en-GB" noProof="0" dirty="0" err="1"/>
-              <a:t>drücken</a:t>
-            </a:r>
-            <a:r>
-              <a:rPr lang="en-GB" noProof="0" dirty="0"/>
-              <a:t> Sie </a:t>
-            </a:r>
-            <a:r>
-              <a:rPr lang="en-GB" noProof="0" dirty="0" err="1"/>
-              <a:t>vor</a:t>
-            </a:r>
-            <a:r>
-              <a:rPr lang="en-GB" noProof="0" dirty="0"/>
-              <a:t> der </a:t>
-            </a:r>
-            <a:r>
-              <a:rPr lang="en-GB" noProof="0" dirty="0" err="1"/>
-              <a:t>Texteingabe</a:t>
-            </a:r>
-            <a:r>
-              <a:rPr lang="en-GB" noProof="0" dirty="0"/>
-              <a:t> die Backspace Taste.</a:t>
-            </a:r>
-          </a:p>
-        </p:txBody>
-      </p:sp>
-      <p:sp>
-        <p:nvSpPr>
-          <p:cNvPr id="4" name="Datumsplatzhalter 3">
-            <a:extLst>
-              <a:ext uri="{FF2B5EF4-FFF2-40B4-BE49-F238E27FC236}">
-                <a16:creationId xmlns:a16="http://schemas.microsoft.com/office/drawing/2014/main" id="{C6DB7874-B99C-4F6D-A86D-EA0EE8CA0B16}"/>
-              </a:ext>
-            </a:extLst>
-          </p:cNvPr>
-          <p:cNvSpPr>
-            <a:spLocks noGrp="1"/>
-          </p:cNvSpPr>
-          <p:nvPr>
-            <p:ph type="dt" sz="half" idx="10"/>
-          </p:nvPr>
-        </p:nvSpPr>
-        <p:spPr/>
-        <p:txBody>
-          <a:bodyPr/>
-          <a:lstStyle/>
-          <a:p>
-            <a:fld id="{D5CE5686-0170-47AF-9B8A-7DF387E652FA}" type="datetime1">
-              <a:rPr lang="en-GB" noProof="0" smtClean="0"/>
-              <a:t>17/07/2025</a:t>
-            </a:fld>
-            <a:endParaRPr lang="en-GB" noProof="0" dirty="0"/>
-          </a:p>
-        </p:txBody>
-      </p:sp>
-      <p:sp>
-        <p:nvSpPr>
-          <p:cNvPr id="6" name="Foliennummernplatzhalter 5">
-            <a:extLst>
-              <a:ext uri="{FF2B5EF4-FFF2-40B4-BE49-F238E27FC236}">
-                <a16:creationId xmlns:a16="http://schemas.microsoft.com/office/drawing/2014/main" id="{9620278B-D74F-421E-A3BD-EC66D58377A7}"/>
-              </a:ext>
-            </a:extLst>
-          </p:cNvPr>
-          <p:cNvSpPr>
-            <a:spLocks noGrp="1"/>
-          </p:cNvSpPr>
-          <p:nvPr>
-            <p:ph type="sldNum" sz="quarter" idx="12"/>
-          </p:nvPr>
-        </p:nvSpPr>
-        <p:spPr/>
-        <p:txBody>
-          <a:bodyPr/>
-          <a:lstStyle/>
-          <a:p>
-            <a:fld id="{5ACA52AF-F19D-405C-AD5F-7D94B96A5CC3}" type="slidenum">
-              <a:rPr lang="en-GB" noProof="0" smtClean="0"/>
-              <a:t>21</a:t>
-            </a:fld>
-            <a:endParaRPr lang="en-GB" noProof="0" dirty="0"/>
-          </a:p>
-        </p:txBody>
-      </p:sp>
-    </p:spTree>
-    <p:extLst>
-      <p:ext uri="{BB962C8B-B14F-4D97-AF65-F5344CB8AC3E}">
-        <p14:creationId xmlns:p14="http://schemas.microsoft.com/office/powerpoint/2010/main" val="1777112693"/>
-      </p:ext>
-    </p:extLst>
-  </p:cSld>
-  <p:clrMapOvr>
-    <a:masterClrMapping/>
-  </p:clrMapOvr>
-</p:sld>
-</file>
-
-<file path=ppt/slides/slide22.xml><?xml version="1.0" encoding="utf-8"?>
-<p:sld xmlns:a="http://schemas.openxmlformats.org/drawingml/2006/main" xmlns:r="http://schemas.openxmlformats.org/officeDocument/2006/relationships" xmlns:p="http://schemas.openxmlformats.org/presentationml/2006/main">
-  <p:cSld>
-    <p:spTree>
-      <p:nvGrpSpPr>
-        <p:cNvPr id="1" name=""/>
-        <p:cNvGrpSpPr/>
-        <p:nvPr/>
-      </p:nvGrpSpPr>
-      <p:grpSpPr>
-        <a:xfrm>
-          <a:off x="0" y="0"/>
-          <a:ext cx="0" cy="0"/>
-          <a:chOff x="0" y="0"/>
-          <a:chExt cx="0" cy="0"/>
-        </a:xfrm>
-      </p:grpSpPr>
-      <p:sp>
-        <p:nvSpPr>
-          <p:cNvPr id="2" name="Titel 1">
-            <a:extLst>
-              <a:ext uri="{FF2B5EF4-FFF2-40B4-BE49-F238E27FC236}">
-                <a16:creationId xmlns:a16="http://schemas.microsoft.com/office/drawing/2014/main" id="{9FF31ECF-EF04-4AAA-9A8E-583E3D217F33}"/>
-              </a:ext>
-            </a:extLst>
-          </p:cNvPr>
-          <p:cNvSpPr>
-            <a:spLocks noGrp="1"/>
-          </p:cNvSpPr>
-          <p:nvPr>
-            <p:ph type="title"/>
-          </p:nvPr>
-        </p:nvSpPr>
-        <p:spPr/>
-        <p:txBody>
-          <a:bodyPr/>
-          <a:lstStyle/>
-          <a:p>
-            <a:r>
-              <a:rPr lang="en-GB" noProof="0" dirty="0"/>
-              <a:t>Hier </a:t>
-            </a:r>
-            <a:r>
-              <a:rPr lang="en-GB" noProof="0" dirty="0" err="1"/>
-              <a:t>steht</a:t>
-            </a:r>
-            <a:r>
-              <a:rPr lang="en-GB" noProof="0" dirty="0"/>
-              <a:t> der </a:t>
-            </a:r>
-            <a:r>
-              <a:rPr lang="en-GB" noProof="0" dirty="0" err="1"/>
-              <a:t>Folientitel</a:t>
-            </a:r>
-            <a:endParaRPr lang="en-GB" noProof="0" dirty="0"/>
-          </a:p>
-        </p:txBody>
-      </p:sp>
-      <p:sp>
-        <p:nvSpPr>
-          <p:cNvPr id="3" name="Inhaltsplatzhalter 2">
-            <a:extLst>
-              <a:ext uri="{FF2B5EF4-FFF2-40B4-BE49-F238E27FC236}">
-                <a16:creationId xmlns:a16="http://schemas.microsoft.com/office/drawing/2014/main" id="{9EE0A683-618F-4D75-846F-0DB536B4E502}"/>
-              </a:ext>
-            </a:extLst>
-          </p:cNvPr>
-          <p:cNvSpPr>
-            <a:spLocks noGrp="1"/>
-          </p:cNvSpPr>
-          <p:nvPr>
-            <p:ph idx="1"/>
-          </p:nvPr>
-        </p:nvSpPr>
-        <p:spPr/>
-        <p:txBody>
-          <a:bodyPr/>
-          <a:lstStyle/>
-          <a:p>
-            <a:pPr marL="0" indent="0">
-              <a:buNone/>
-            </a:pPr>
-            <a:r>
-              <a:rPr lang="en-GB" b="1" noProof="0" dirty="0" err="1"/>
-              <a:t>Zwischenüberschrift</a:t>
-            </a:r>
-            <a:r>
-              <a:rPr lang="en-GB" b="1" noProof="0" dirty="0"/>
-              <a:t> (optional)</a:t>
-            </a:r>
-          </a:p>
-          <a:p>
-            <a:pPr marL="0" indent="0">
-              <a:buNone/>
-            </a:pPr>
-            <a:r>
-              <a:rPr lang="en-GB" noProof="0" dirty="0"/>
-              <a:t>Lorem ipsum </a:t>
-            </a:r>
-            <a:r>
-              <a:rPr lang="en-GB" noProof="0" dirty="0" err="1"/>
-              <a:t>dolor</a:t>
-            </a:r>
-            <a:r>
-              <a:rPr lang="en-GB" noProof="0" dirty="0"/>
-              <a:t> sit </a:t>
-            </a:r>
-            <a:r>
-              <a:rPr lang="en-GB" noProof="0" dirty="0" err="1"/>
-              <a:t>amet</a:t>
-            </a:r>
-            <a:r>
-              <a:rPr lang="en-GB" noProof="0" dirty="0"/>
-              <a:t>, </a:t>
-            </a:r>
-            <a:r>
-              <a:rPr lang="en-GB" noProof="0" dirty="0" err="1"/>
-              <a:t>consectetur</a:t>
-            </a:r>
-            <a:r>
-              <a:rPr lang="en-GB" noProof="0" dirty="0"/>
-              <a:t> </a:t>
-            </a:r>
-            <a:r>
-              <a:rPr lang="en-GB" noProof="0" dirty="0" err="1"/>
-              <a:t>adipiscing</a:t>
-            </a:r>
-            <a:r>
-              <a:rPr lang="en-GB" noProof="0" dirty="0"/>
-              <a:t> </a:t>
-            </a:r>
-            <a:r>
-              <a:rPr lang="en-GB" noProof="0" dirty="0" err="1"/>
-              <a:t>elit</a:t>
-            </a:r>
-            <a:r>
-              <a:rPr lang="en-GB" noProof="0" dirty="0"/>
-              <a:t>, </a:t>
-            </a:r>
-            <a:r>
-              <a:rPr lang="en-GB" noProof="0" dirty="0" err="1"/>
-              <a:t>sed</a:t>
-            </a:r>
-            <a:r>
-              <a:rPr lang="en-GB" noProof="0" dirty="0"/>
-              <a:t> do </a:t>
-            </a:r>
-            <a:r>
-              <a:rPr lang="en-GB" noProof="0" dirty="0" err="1"/>
-              <a:t>eiusmod</a:t>
-            </a:r>
-            <a:r>
-              <a:rPr lang="en-GB" noProof="0" dirty="0"/>
-              <a:t> </a:t>
-            </a:r>
-            <a:r>
-              <a:rPr lang="en-GB" noProof="0" dirty="0" err="1"/>
-              <a:t>tempor</a:t>
-            </a:r>
-            <a:r>
-              <a:rPr lang="en-GB" noProof="0" dirty="0"/>
-              <a:t> </a:t>
-            </a:r>
-            <a:r>
-              <a:rPr lang="en-GB" noProof="0" dirty="0" err="1"/>
-              <a:t>incididunt</a:t>
-            </a:r>
-            <a:r>
-              <a:rPr lang="en-GB" noProof="0" dirty="0"/>
-              <a:t> </a:t>
-            </a:r>
-            <a:r>
-              <a:rPr lang="en-GB" noProof="0" dirty="0" err="1"/>
-              <a:t>ut</a:t>
-            </a:r>
-            <a:r>
-              <a:rPr lang="en-GB" noProof="0" dirty="0"/>
-              <a:t> labore et dolore magna </a:t>
-            </a:r>
-            <a:r>
-              <a:rPr lang="en-GB" noProof="0" dirty="0" err="1"/>
-              <a:t>aliqua</a:t>
-            </a:r>
-            <a:r>
-              <a:rPr lang="en-GB" noProof="0" dirty="0"/>
-              <a:t>. Ut </a:t>
-            </a:r>
-            <a:r>
-              <a:rPr lang="en-GB" noProof="0" dirty="0" err="1"/>
-              <a:t>enim</a:t>
-            </a:r>
-            <a:r>
-              <a:rPr lang="en-GB" noProof="0" dirty="0"/>
-              <a:t> ad minim </a:t>
-            </a:r>
-            <a:r>
-              <a:rPr lang="en-GB" noProof="0" dirty="0" err="1"/>
-              <a:t>veniam</a:t>
-            </a:r>
-            <a:r>
-              <a:rPr lang="en-GB" noProof="0" dirty="0"/>
-              <a:t>, </a:t>
-            </a:r>
-            <a:r>
-              <a:rPr lang="en-GB" noProof="0" dirty="0" err="1"/>
-              <a:t>quis</a:t>
-            </a:r>
-            <a:r>
-              <a:rPr lang="en-GB" noProof="0" dirty="0"/>
-              <a:t> </a:t>
-            </a:r>
-            <a:r>
-              <a:rPr lang="en-GB" noProof="0" dirty="0" err="1"/>
-              <a:t>nostrud</a:t>
-            </a:r>
-            <a:r>
-              <a:rPr lang="en-GB" noProof="0" dirty="0"/>
-              <a:t> exercitation </a:t>
-            </a:r>
-            <a:r>
-              <a:rPr lang="en-GB" noProof="0" dirty="0" err="1"/>
-              <a:t>ullamco</a:t>
-            </a:r>
-            <a:r>
-              <a:rPr lang="en-GB" noProof="0" dirty="0"/>
-              <a:t> </a:t>
-            </a:r>
-            <a:r>
-              <a:rPr lang="en-GB" noProof="0" dirty="0" err="1"/>
-              <a:t>laboris</a:t>
-            </a:r>
-            <a:r>
-              <a:rPr lang="en-GB" noProof="0" dirty="0"/>
-              <a:t> nisi </a:t>
-            </a:r>
-            <a:r>
-              <a:rPr lang="en-GB" noProof="0" dirty="0" err="1"/>
-              <a:t>ut</a:t>
-            </a:r>
-            <a:r>
-              <a:rPr lang="en-GB" noProof="0" dirty="0"/>
-              <a:t> </a:t>
-            </a:r>
-            <a:r>
-              <a:rPr lang="en-GB" noProof="0" dirty="0" err="1"/>
-              <a:t>aliquip</a:t>
-            </a:r>
-            <a:r>
-              <a:rPr lang="en-GB" noProof="0" dirty="0"/>
-              <a:t> ex </a:t>
-            </a:r>
-            <a:r>
-              <a:rPr lang="en-GB" noProof="0" dirty="0" err="1"/>
-              <a:t>ea</a:t>
-            </a:r>
-            <a:r>
-              <a:rPr lang="en-GB" noProof="0" dirty="0"/>
-              <a:t> </a:t>
-            </a:r>
-            <a:r>
-              <a:rPr lang="en-GB" noProof="0" dirty="0" err="1"/>
-              <a:t>commodo</a:t>
-            </a:r>
-            <a:r>
-              <a:rPr lang="en-GB" noProof="0" dirty="0"/>
-              <a:t> </a:t>
-            </a:r>
-            <a:r>
-              <a:rPr lang="en-GB" noProof="0" dirty="0" err="1"/>
-              <a:t>equat</a:t>
-            </a:r>
-            <a:r>
-              <a:rPr lang="en-GB" noProof="0" dirty="0"/>
-              <a:t>. Duis </a:t>
-            </a:r>
-            <a:r>
-              <a:rPr lang="en-GB" noProof="0" dirty="0" err="1"/>
-              <a:t>aute</a:t>
-            </a:r>
-            <a:r>
-              <a:rPr lang="en-GB" noProof="0" dirty="0"/>
-              <a:t> </a:t>
-            </a:r>
-            <a:r>
-              <a:rPr lang="en-GB" noProof="0" dirty="0" err="1"/>
-              <a:t>irure</a:t>
-            </a:r>
-            <a:r>
-              <a:rPr lang="en-GB" noProof="0" dirty="0"/>
-              <a:t> </a:t>
-            </a:r>
-            <a:r>
-              <a:rPr lang="en-GB" noProof="0" dirty="0" err="1"/>
-              <a:t>dolor</a:t>
-            </a:r>
-            <a:r>
-              <a:rPr lang="en-GB" noProof="0" dirty="0"/>
-              <a:t> in </a:t>
-            </a:r>
-            <a:r>
-              <a:rPr lang="en-GB" noProof="0" dirty="0" err="1"/>
-              <a:t>reprehenderit</a:t>
-            </a:r>
-            <a:r>
-              <a:rPr lang="en-GB" noProof="0" dirty="0"/>
-              <a:t> in </a:t>
-            </a:r>
-            <a:r>
-              <a:rPr lang="en-GB" noProof="0" dirty="0" err="1"/>
-              <a:t>voluptate</a:t>
-            </a:r>
-            <a:r>
-              <a:rPr lang="en-GB" noProof="0" dirty="0"/>
-              <a:t> </a:t>
-            </a:r>
-            <a:r>
-              <a:rPr lang="en-GB" noProof="0" dirty="0" err="1"/>
-              <a:t>velit</a:t>
-            </a:r>
-            <a:r>
-              <a:rPr lang="en-GB" noProof="0" dirty="0"/>
-              <a:t> </a:t>
-            </a:r>
-            <a:r>
-              <a:rPr lang="en-GB" noProof="0" dirty="0" err="1"/>
-              <a:t>esse</a:t>
-            </a:r>
-            <a:r>
-              <a:rPr lang="en-GB" noProof="0" dirty="0"/>
-              <a:t> </a:t>
-            </a:r>
-            <a:r>
-              <a:rPr lang="en-GB" noProof="0" dirty="0" err="1"/>
-              <a:t>cillum</a:t>
-            </a:r>
-            <a:r>
-              <a:rPr lang="en-GB" noProof="0" dirty="0"/>
-              <a:t> dolore </a:t>
-            </a:r>
-            <a:r>
-              <a:rPr lang="en-GB" noProof="0" dirty="0" err="1"/>
-              <a:t>eu</a:t>
-            </a:r>
-            <a:r>
-              <a:rPr lang="en-GB" noProof="0" dirty="0"/>
-              <a:t> </a:t>
-            </a:r>
-            <a:r>
-              <a:rPr lang="en-GB" noProof="0" dirty="0" err="1"/>
-              <a:t>fugiat</a:t>
-            </a:r>
-            <a:r>
-              <a:rPr lang="en-GB" noProof="0" dirty="0"/>
-              <a:t> </a:t>
-            </a:r>
-            <a:r>
-              <a:rPr lang="en-GB" noProof="0" dirty="0" err="1"/>
-              <a:t>nulla</a:t>
-            </a:r>
-            <a:r>
-              <a:rPr lang="en-GB" noProof="0" dirty="0"/>
-              <a:t> </a:t>
-            </a:r>
-            <a:r>
-              <a:rPr lang="en-GB" noProof="0" dirty="0" err="1"/>
-              <a:t>pariatur</a:t>
-            </a:r>
-            <a:r>
-              <a:rPr lang="en-GB" noProof="0" dirty="0"/>
-              <a:t>. </a:t>
-            </a:r>
-            <a:r>
-              <a:rPr lang="en-GB" noProof="0" dirty="0" err="1"/>
-              <a:t>Excepteur</a:t>
-            </a:r>
-            <a:r>
-              <a:rPr lang="en-GB" noProof="0" dirty="0"/>
-              <a:t> </a:t>
-            </a:r>
-            <a:r>
-              <a:rPr lang="en-GB" noProof="0" dirty="0" err="1"/>
-              <a:t>sint</a:t>
-            </a:r>
-            <a:r>
-              <a:rPr lang="en-GB" noProof="0" dirty="0"/>
-              <a:t> </a:t>
-            </a:r>
-            <a:r>
-              <a:rPr lang="en-GB" noProof="0" dirty="0" err="1"/>
-              <a:t>occaecat</a:t>
-            </a:r>
-            <a:r>
-              <a:rPr lang="en-GB" noProof="0" dirty="0"/>
-              <a:t> </a:t>
-            </a:r>
-            <a:r>
-              <a:rPr lang="en-GB" noProof="0" dirty="0" err="1"/>
-              <a:t>cupidatat</a:t>
-            </a:r>
-            <a:r>
-              <a:rPr lang="en-GB" noProof="0" dirty="0"/>
-              <a:t> non </a:t>
-            </a:r>
-            <a:r>
-              <a:rPr lang="en-GB" noProof="0" dirty="0" err="1"/>
-              <a:t>proident</a:t>
-            </a:r>
-            <a:r>
-              <a:rPr lang="en-GB" noProof="0" dirty="0"/>
-              <a:t>, sunt in culpa qui </a:t>
-            </a:r>
-            <a:r>
-              <a:rPr lang="en-GB" noProof="0" dirty="0" err="1"/>
-              <a:t>officia</a:t>
-            </a:r>
-            <a:r>
-              <a:rPr lang="en-GB" noProof="0" dirty="0"/>
-              <a:t> </a:t>
-            </a:r>
-            <a:r>
-              <a:rPr lang="en-GB" noProof="0" dirty="0" err="1"/>
-              <a:t>deserunt</a:t>
-            </a:r>
-            <a:r>
-              <a:rPr lang="en-GB" noProof="0" dirty="0"/>
-              <a:t> </a:t>
-            </a:r>
-            <a:r>
-              <a:rPr lang="en-GB" noProof="0" dirty="0" err="1"/>
-              <a:t>mollit</a:t>
-            </a:r>
-            <a:r>
-              <a:rPr lang="en-GB" noProof="0" dirty="0"/>
-              <a:t> </a:t>
-            </a:r>
-            <a:r>
-              <a:rPr lang="en-GB" noProof="0" dirty="0" err="1"/>
-              <a:t>anim</a:t>
-            </a:r>
-            <a:r>
-              <a:rPr lang="en-GB" noProof="0" dirty="0"/>
-              <a:t> id </a:t>
-            </a:r>
-            <a:r>
-              <a:rPr lang="en-GB" noProof="0" dirty="0" err="1"/>
-              <a:t>est</a:t>
-            </a:r>
-            <a:r>
-              <a:rPr lang="en-GB" noProof="0" dirty="0"/>
-              <a:t> </a:t>
-            </a:r>
-            <a:r>
-              <a:rPr lang="en-GB" noProof="0" dirty="0" err="1"/>
-              <a:t>laborum</a:t>
-            </a:r>
-            <a:r>
-              <a:rPr lang="en-GB" noProof="0" dirty="0"/>
-              <a:t>. Ut </a:t>
-            </a:r>
-            <a:r>
-              <a:rPr lang="en-GB" noProof="0" dirty="0" err="1"/>
-              <a:t>enim</a:t>
-            </a:r>
-            <a:r>
-              <a:rPr lang="en-GB" noProof="0" dirty="0"/>
-              <a:t> ad minim </a:t>
-            </a:r>
-            <a:r>
-              <a:rPr lang="en-GB" noProof="0" dirty="0" err="1"/>
-              <a:t>veniam</a:t>
-            </a:r>
-            <a:r>
-              <a:rPr lang="en-GB" noProof="0" dirty="0"/>
-              <a:t>, </a:t>
-            </a:r>
-            <a:r>
-              <a:rPr lang="en-GB" noProof="0" dirty="0" err="1"/>
-              <a:t>quis</a:t>
-            </a:r>
-            <a:r>
-              <a:rPr lang="en-GB" noProof="0" dirty="0"/>
-              <a:t> </a:t>
-            </a:r>
-            <a:r>
-              <a:rPr lang="en-GB" noProof="0" dirty="0" err="1"/>
-              <a:t>nostrud</a:t>
-            </a:r>
-            <a:r>
-              <a:rPr lang="en-GB" noProof="0" dirty="0"/>
-              <a:t> exercitation </a:t>
-            </a:r>
-            <a:r>
-              <a:rPr lang="en-GB" noProof="0" dirty="0" err="1"/>
-              <a:t>ullamco</a:t>
-            </a:r>
-            <a:r>
-              <a:rPr lang="en-GB" noProof="0" dirty="0"/>
-              <a:t> </a:t>
-            </a:r>
-            <a:r>
-              <a:rPr lang="en-GB" noProof="0" dirty="0" err="1"/>
-              <a:t>laboris</a:t>
-            </a:r>
-            <a:r>
-              <a:rPr lang="en-GB" noProof="0" dirty="0"/>
-              <a:t> nisi </a:t>
-            </a:r>
-            <a:r>
-              <a:rPr lang="en-GB" noProof="0" dirty="0" err="1"/>
-              <a:t>ut</a:t>
-            </a:r>
-            <a:r>
-              <a:rPr lang="en-GB" noProof="0" dirty="0"/>
-              <a:t> </a:t>
-            </a:r>
-            <a:r>
-              <a:rPr lang="en-GB" noProof="0" dirty="0" err="1"/>
-              <a:t>aliquip</a:t>
-            </a:r>
-            <a:r>
-              <a:rPr lang="en-GB" noProof="0" dirty="0"/>
-              <a:t> ex.</a:t>
-            </a:r>
-          </a:p>
-        </p:txBody>
-      </p:sp>
-      <p:sp>
-        <p:nvSpPr>
-          <p:cNvPr id="4" name="Datumsplatzhalter 3">
-            <a:extLst>
-              <a:ext uri="{FF2B5EF4-FFF2-40B4-BE49-F238E27FC236}">
-                <a16:creationId xmlns:a16="http://schemas.microsoft.com/office/drawing/2014/main" id="{44DAA5A3-8CEF-4027-9289-B60138CD16A2}"/>
-              </a:ext>
-            </a:extLst>
-          </p:cNvPr>
-          <p:cNvSpPr>
-            <a:spLocks noGrp="1"/>
-          </p:cNvSpPr>
-          <p:nvPr>
-            <p:ph type="dt" sz="half" idx="10"/>
-          </p:nvPr>
-        </p:nvSpPr>
-        <p:spPr/>
-        <p:txBody>
-          <a:bodyPr/>
-          <a:lstStyle/>
-          <a:p>
-            <a:fld id="{8D93BFA6-70D2-4653-B5CB-D3376F3BFAE7}" type="datetime1">
-              <a:rPr lang="en-GB" noProof="0" smtClean="0"/>
-              <a:t>17/07/2025</a:t>
-            </a:fld>
-            <a:endParaRPr lang="en-GB" noProof="0" dirty="0"/>
-          </a:p>
-        </p:txBody>
-      </p:sp>
-      <p:sp>
-        <p:nvSpPr>
-          <p:cNvPr id="6" name="Foliennummernplatzhalter 5">
-            <a:extLst>
-              <a:ext uri="{FF2B5EF4-FFF2-40B4-BE49-F238E27FC236}">
-                <a16:creationId xmlns:a16="http://schemas.microsoft.com/office/drawing/2014/main" id="{5C9B1E27-9E06-4598-A6EF-3BCBC8D0152F}"/>
-              </a:ext>
-            </a:extLst>
-          </p:cNvPr>
-          <p:cNvSpPr>
-            <a:spLocks noGrp="1"/>
-          </p:cNvSpPr>
-          <p:nvPr>
-            <p:ph type="sldNum" sz="quarter" idx="12"/>
-          </p:nvPr>
-        </p:nvSpPr>
-        <p:spPr/>
-        <p:txBody>
-          <a:bodyPr/>
-          <a:lstStyle/>
-          <a:p>
-            <a:fld id="{5ACA52AF-F19D-405C-AD5F-7D94B96A5CC3}" type="slidenum">
-              <a:rPr lang="en-GB" noProof="0" smtClean="0"/>
-              <a:t>22</a:t>
-            </a:fld>
-            <a:endParaRPr lang="en-GB" noProof="0" dirty="0"/>
-          </a:p>
-        </p:txBody>
-      </p:sp>
-    </p:spTree>
-    <p:extLst>
-      <p:ext uri="{BB962C8B-B14F-4D97-AF65-F5344CB8AC3E}">
-        <p14:creationId xmlns:p14="http://schemas.microsoft.com/office/powerpoint/2010/main" val="294303585"/>
-      </p:ext>
-    </p:extLst>
-  </p:cSld>
-  <p:clrMapOvr>
-    <a:masterClrMapping/>
-  </p:clrMapOvr>
-</p:sld>
-</file>
-
-<file path=ppt/slides/slide23.xml><?xml version="1.0" encoding="utf-8"?>
-<p:sld xmlns:a="http://schemas.openxmlformats.org/drawingml/2006/main" xmlns:r="http://schemas.openxmlformats.org/officeDocument/2006/relationships" xmlns:p="http://schemas.openxmlformats.org/presentationml/2006/main">
-  <p:cSld>
-    <p:spTree>
-      <p:nvGrpSpPr>
-        <p:cNvPr id="1" name=""/>
-        <p:cNvGrpSpPr/>
-        <p:nvPr/>
-      </p:nvGrpSpPr>
-      <p:grpSpPr>
-        <a:xfrm>
-          <a:off x="0" y="0"/>
-          <a:ext cx="0" cy="0"/>
-          <a:chOff x="0" y="0"/>
-          <a:chExt cx="0" cy="0"/>
-        </a:xfrm>
-      </p:grpSpPr>
-      <p:sp>
-        <p:nvSpPr>
-          <p:cNvPr id="2" name="Titel 1">
-            <a:extLst>
-              <a:ext uri="{FF2B5EF4-FFF2-40B4-BE49-F238E27FC236}">
-                <a16:creationId xmlns:a16="http://schemas.microsoft.com/office/drawing/2014/main" id="{41DF9D96-1AFA-40BA-BAE5-8D745FEC2462}"/>
-              </a:ext>
-            </a:extLst>
-          </p:cNvPr>
-          <p:cNvSpPr>
-            <a:spLocks noGrp="1"/>
-          </p:cNvSpPr>
-          <p:nvPr>
-            <p:ph type="title"/>
-          </p:nvPr>
-        </p:nvSpPr>
-        <p:spPr/>
-        <p:txBody>
-          <a:bodyPr/>
-          <a:lstStyle/>
-          <a:p>
-            <a:r>
-              <a:rPr lang="en-GB" noProof="0" dirty="0"/>
-              <a:t>Hier </a:t>
-            </a:r>
-            <a:r>
-              <a:rPr lang="en-GB" noProof="0" dirty="0" err="1"/>
-              <a:t>steht</a:t>
-            </a:r>
-            <a:r>
-              <a:rPr lang="en-GB" noProof="0" dirty="0"/>
-              <a:t> der </a:t>
-            </a:r>
-            <a:r>
-              <a:rPr lang="en-GB" noProof="0" dirty="0" err="1"/>
-              <a:t>Folientitel</a:t>
-            </a:r>
-            <a:endParaRPr lang="en-GB" noProof="0" dirty="0"/>
-          </a:p>
-        </p:txBody>
-      </p:sp>
-      <p:sp>
-        <p:nvSpPr>
-          <p:cNvPr id="3" name="Inhaltsplatzhalter 2">
-            <a:extLst>
-              <a:ext uri="{FF2B5EF4-FFF2-40B4-BE49-F238E27FC236}">
-                <a16:creationId xmlns:a16="http://schemas.microsoft.com/office/drawing/2014/main" id="{5D30C9CD-6F3E-4243-AF8B-598CBE0FFE30}"/>
-              </a:ext>
-            </a:extLst>
-          </p:cNvPr>
-          <p:cNvSpPr>
-            <a:spLocks noGrp="1"/>
-          </p:cNvSpPr>
-          <p:nvPr>
-            <p:ph idx="1"/>
-          </p:nvPr>
-        </p:nvSpPr>
-        <p:spPr/>
-        <p:txBody>
-          <a:bodyPr/>
-          <a:lstStyle/>
-          <a:p>
-            <a:pPr marL="0" indent="0">
-              <a:buNone/>
-            </a:pPr>
-            <a:r>
-              <a:rPr lang="en-GB" b="1" noProof="0" dirty="0" err="1"/>
-              <a:t>Zwischenüberschrift</a:t>
-            </a:r>
-            <a:r>
-              <a:rPr lang="en-GB" b="1" noProof="0" dirty="0"/>
-              <a:t> (optional)</a:t>
-            </a:r>
-          </a:p>
-          <a:p>
-            <a:r>
-              <a:rPr lang="en-GB" noProof="0" dirty="0"/>
-              <a:t>Lorem ipsum </a:t>
-            </a:r>
-            <a:r>
-              <a:rPr lang="en-GB" noProof="0" dirty="0" err="1"/>
-              <a:t>dolor</a:t>
-            </a:r>
-            <a:r>
-              <a:rPr lang="en-GB" noProof="0" dirty="0"/>
-              <a:t> sit </a:t>
-            </a:r>
-            <a:r>
-              <a:rPr lang="en-GB" noProof="0" dirty="0" err="1"/>
-              <a:t>amet</a:t>
-            </a:r>
-            <a:r>
-              <a:rPr lang="en-GB" noProof="0" dirty="0"/>
-              <a:t>, </a:t>
-            </a:r>
-            <a:r>
-              <a:rPr lang="en-GB" noProof="0" dirty="0" err="1"/>
-              <a:t>consectetur</a:t>
-            </a:r>
-            <a:r>
-              <a:rPr lang="en-GB" noProof="0" dirty="0"/>
-              <a:t> </a:t>
-            </a:r>
-            <a:r>
-              <a:rPr lang="en-GB" noProof="0" dirty="0" err="1"/>
-              <a:t>adipiscing</a:t>
-            </a:r>
-            <a:r>
-              <a:rPr lang="en-GB" noProof="0" dirty="0"/>
-              <a:t> </a:t>
-            </a:r>
-            <a:r>
-              <a:rPr lang="en-GB" noProof="0" dirty="0" err="1"/>
-              <a:t>elit</a:t>
-            </a:r>
-            <a:r>
-              <a:rPr lang="en-GB" noProof="0" dirty="0"/>
-              <a:t>, </a:t>
-            </a:r>
-            <a:r>
-              <a:rPr lang="en-GB" noProof="0" dirty="0" err="1"/>
-              <a:t>sed</a:t>
-            </a:r>
-            <a:r>
-              <a:rPr lang="en-GB" noProof="0" dirty="0"/>
-              <a:t> do </a:t>
-            </a:r>
-            <a:r>
-              <a:rPr lang="en-GB" noProof="0" dirty="0" err="1"/>
-              <a:t>eiusmod</a:t>
-            </a:r>
-            <a:r>
-              <a:rPr lang="en-GB" noProof="0" dirty="0"/>
-              <a:t> </a:t>
-            </a:r>
-            <a:r>
-              <a:rPr lang="en-GB" noProof="0" dirty="0" err="1"/>
-              <a:t>tempor</a:t>
-            </a:r>
-            <a:r>
-              <a:rPr lang="en-GB" noProof="0" dirty="0"/>
-              <a:t> </a:t>
-            </a:r>
-            <a:r>
-              <a:rPr lang="en-GB" noProof="0" dirty="0" err="1"/>
-              <a:t>incididunt</a:t>
-            </a:r>
-            <a:r>
-              <a:rPr lang="en-GB" noProof="0" dirty="0"/>
-              <a:t> </a:t>
-            </a:r>
-            <a:r>
-              <a:rPr lang="en-GB" noProof="0" dirty="0" err="1"/>
-              <a:t>ut</a:t>
-            </a:r>
-            <a:r>
-              <a:rPr lang="en-GB" noProof="0" dirty="0"/>
-              <a:t> labore et dolore magna </a:t>
-            </a:r>
-            <a:r>
-              <a:rPr lang="en-GB" noProof="0" dirty="0" err="1"/>
-              <a:t>aliqua</a:t>
-            </a:r>
-            <a:r>
-              <a:rPr lang="en-GB" noProof="0" dirty="0"/>
-              <a:t>. Ut </a:t>
-            </a:r>
-            <a:r>
-              <a:rPr lang="en-GB" noProof="0" dirty="0" err="1"/>
-              <a:t>enim</a:t>
-            </a:r>
-            <a:r>
-              <a:rPr lang="en-GB" noProof="0" dirty="0"/>
-              <a:t> ad minim </a:t>
-            </a:r>
-            <a:r>
-              <a:rPr lang="en-GB" noProof="0" dirty="0" err="1"/>
-              <a:t>veniam</a:t>
-            </a:r>
-            <a:r>
-              <a:rPr lang="en-GB" noProof="0" dirty="0"/>
-              <a:t>, </a:t>
-            </a:r>
-            <a:r>
-              <a:rPr lang="en-GB" noProof="0" dirty="0" err="1"/>
-              <a:t>quis</a:t>
-            </a:r>
-            <a:r>
-              <a:rPr lang="en-GB" noProof="0" dirty="0"/>
-              <a:t> </a:t>
-            </a:r>
-            <a:r>
-              <a:rPr lang="en-GB" noProof="0" dirty="0" err="1"/>
-              <a:t>nostrud</a:t>
-            </a:r>
-            <a:r>
-              <a:rPr lang="en-GB" noProof="0" dirty="0"/>
-              <a:t> exercitation.</a:t>
-            </a:r>
-          </a:p>
-          <a:p>
-            <a:r>
-              <a:rPr lang="en-GB" noProof="0" dirty="0" err="1"/>
-              <a:t>Ullamco</a:t>
-            </a:r>
-            <a:r>
-              <a:rPr lang="en-GB" noProof="0" dirty="0"/>
-              <a:t> </a:t>
-            </a:r>
-            <a:r>
-              <a:rPr lang="en-GB" noProof="0" dirty="0" err="1"/>
-              <a:t>laboris</a:t>
-            </a:r>
-            <a:r>
-              <a:rPr lang="en-GB" noProof="0" dirty="0"/>
-              <a:t> nisi </a:t>
-            </a:r>
-            <a:r>
-              <a:rPr lang="en-GB" noProof="0" dirty="0" err="1"/>
-              <a:t>ut</a:t>
-            </a:r>
-            <a:r>
-              <a:rPr lang="en-GB" noProof="0" dirty="0"/>
-              <a:t> </a:t>
-            </a:r>
-            <a:r>
-              <a:rPr lang="en-GB" noProof="0" dirty="0" err="1"/>
-              <a:t>aliquip</a:t>
-            </a:r>
-            <a:r>
-              <a:rPr lang="en-GB" noProof="0" dirty="0"/>
-              <a:t> ex </a:t>
-            </a:r>
-            <a:r>
-              <a:rPr lang="en-GB" noProof="0" dirty="0" err="1"/>
-              <a:t>ea</a:t>
-            </a:r>
-            <a:r>
-              <a:rPr lang="en-GB" noProof="0" dirty="0"/>
-              <a:t> </a:t>
-            </a:r>
-            <a:r>
-              <a:rPr lang="en-GB" noProof="0" dirty="0" err="1"/>
-              <a:t>commodo</a:t>
-            </a:r>
-            <a:r>
-              <a:rPr lang="en-GB" noProof="0" dirty="0"/>
-              <a:t> </a:t>
-            </a:r>
-            <a:r>
-              <a:rPr lang="en-GB" noProof="0" dirty="0" err="1"/>
-              <a:t>equat</a:t>
-            </a:r>
-            <a:r>
-              <a:rPr lang="en-GB" noProof="0" dirty="0"/>
-              <a:t>. Duis </a:t>
-            </a:r>
-            <a:r>
-              <a:rPr lang="en-GB" noProof="0" dirty="0" err="1"/>
-              <a:t>aute</a:t>
-            </a:r>
-            <a:r>
-              <a:rPr lang="en-GB" noProof="0" dirty="0"/>
-              <a:t> </a:t>
-            </a:r>
-            <a:r>
-              <a:rPr lang="en-GB" noProof="0" dirty="0" err="1"/>
-              <a:t>irure</a:t>
-            </a:r>
-            <a:r>
-              <a:rPr lang="en-GB" noProof="0" dirty="0"/>
-              <a:t> </a:t>
-            </a:r>
-            <a:r>
-              <a:rPr lang="en-GB" noProof="0" dirty="0" err="1"/>
-              <a:t>dolor</a:t>
-            </a:r>
-            <a:r>
-              <a:rPr lang="en-GB" noProof="0" dirty="0"/>
-              <a:t> in </a:t>
-            </a:r>
-            <a:r>
-              <a:rPr lang="en-GB" noProof="0" dirty="0" err="1"/>
-              <a:t>reprehenderit</a:t>
-            </a:r>
-            <a:r>
-              <a:rPr lang="en-GB" noProof="0" dirty="0"/>
-              <a:t> in </a:t>
-            </a:r>
-            <a:r>
-              <a:rPr lang="en-GB" noProof="0" dirty="0" err="1"/>
-              <a:t>voluptate</a:t>
-            </a:r>
-            <a:r>
-              <a:rPr lang="en-GB" noProof="0" dirty="0"/>
-              <a:t> </a:t>
-            </a:r>
-            <a:r>
-              <a:rPr lang="en-GB" noProof="0" dirty="0" err="1"/>
-              <a:t>velit</a:t>
-            </a:r>
-            <a:r>
-              <a:rPr lang="en-GB" noProof="0" dirty="0"/>
-              <a:t> </a:t>
-            </a:r>
-            <a:r>
-              <a:rPr lang="en-GB" noProof="0" dirty="0" err="1"/>
-              <a:t>esse</a:t>
-            </a:r>
-            <a:r>
-              <a:rPr lang="en-GB" noProof="0" dirty="0"/>
-              <a:t> </a:t>
-            </a:r>
-            <a:r>
-              <a:rPr lang="en-GB" noProof="0" dirty="0" err="1"/>
-              <a:t>cillum</a:t>
-            </a:r>
-            <a:r>
-              <a:rPr lang="en-GB" noProof="0" dirty="0"/>
-              <a:t> dolore </a:t>
-            </a:r>
-            <a:r>
-              <a:rPr lang="en-GB" noProof="0" dirty="0" err="1"/>
-              <a:t>eu</a:t>
-            </a:r>
-            <a:r>
-              <a:rPr lang="en-GB" noProof="0" dirty="0"/>
-              <a:t> </a:t>
-            </a:r>
-            <a:r>
-              <a:rPr lang="en-GB" noProof="0" dirty="0" err="1"/>
-              <a:t>fugiat</a:t>
-            </a:r>
-            <a:r>
-              <a:rPr lang="en-GB" noProof="0" dirty="0"/>
-              <a:t> </a:t>
-            </a:r>
-            <a:r>
-              <a:rPr lang="en-GB" noProof="0" dirty="0" err="1"/>
-              <a:t>nulla</a:t>
-            </a:r>
-            <a:r>
-              <a:rPr lang="en-GB" noProof="0" dirty="0"/>
-              <a:t> </a:t>
-            </a:r>
-            <a:r>
-              <a:rPr lang="en-GB" noProof="0" dirty="0" err="1"/>
-              <a:t>pariatur</a:t>
-            </a:r>
-            <a:r>
-              <a:rPr lang="en-GB" noProof="0" dirty="0"/>
-              <a:t>. </a:t>
-            </a:r>
-            <a:r>
-              <a:rPr lang="en-GB" noProof="0" dirty="0" err="1"/>
-              <a:t>Excepteur</a:t>
-            </a:r>
-            <a:r>
-              <a:rPr lang="en-GB" noProof="0" dirty="0"/>
-              <a:t> </a:t>
-            </a:r>
-            <a:r>
-              <a:rPr lang="en-GB" noProof="0" dirty="0" err="1"/>
-              <a:t>sint</a:t>
-            </a:r>
-            <a:r>
-              <a:rPr lang="en-GB" noProof="0" dirty="0"/>
-              <a:t> </a:t>
-            </a:r>
-            <a:r>
-              <a:rPr lang="en-GB" noProof="0" dirty="0" err="1"/>
-              <a:t>occaecat</a:t>
-            </a:r>
-            <a:r>
-              <a:rPr lang="en-GB" noProof="0" dirty="0"/>
-              <a:t> </a:t>
-            </a:r>
-            <a:r>
-              <a:rPr lang="en-GB" noProof="0" dirty="0" err="1"/>
-              <a:t>cupidatat</a:t>
-            </a:r>
-            <a:r>
-              <a:rPr lang="en-GB" noProof="0" dirty="0"/>
-              <a:t> non </a:t>
-            </a:r>
-            <a:r>
-              <a:rPr lang="en-GB" noProof="0" dirty="0" err="1"/>
-              <a:t>proident</a:t>
-            </a:r>
-            <a:r>
-              <a:rPr lang="en-GB" noProof="0" dirty="0"/>
-              <a:t>.</a:t>
-            </a:r>
-          </a:p>
-          <a:p>
-            <a:r>
-              <a:rPr lang="en-GB" noProof="0" dirty="0"/>
-              <a:t>Sunt in culpa qui </a:t>
-            </a:r>
-            <a:r>
-              <a:rPr lang="en-GB" noProof="0" dirty="0" err="1"/>
-              <a:t>officia</a:t>
-            </a:r>
-            <a:r>
-              <a:rPr lang="en-GB" noProof="0" dirty="0"/>
-              <a:t> </a:t>
-            </a:r>
-            <a:r>
-              <a:rPr lang="en-GB" noProof="0" dirty="0" err="1"/>
-              <a:t>deserunt</a:t>
-            </a:r>
-            <a:r>
-              <a:rPr lang="en-GB" noProof="0" dirty="0"/>
-              <a:t> </a:t>
-            </a:r>
-            <a:r>
-              <a:rPr lang="en-GB" noProof="0" dirty="0" err="1"/>
-              <a:t>mollit</a:t>
-            </a:r>
-            <a:r>
-              <a:rPr lang="en-GB" noProof="0" dirty="0"/>
-              <a:t> </a:t>
-            </a:r>
-            <a:r>
-              <a:rPr lang="en-GB" noProof="0" dirty="0" err="1"/>
-              <a:t>anim</a:t>
-            </a:r>
-            <a:r>
-              <a:rPr lang="en-GB" noProof="0" dirty="0"/>
-              <a:t> id </a:t>
-            </a:r>
-            <a:r>
-              <a:rPr lang="en-GB" noProof="0" dirty="0" err="1"/>
-              <a:t>est</a:t>
-            </a:r>
-            <a:r>
-              <a:rPr lang="en-GB" noProof="0" dirty="0"/>
-              <a:t> </a:t>
-            </a:r>
-            <a:r>
-              <a:rPr lang="en-GB" noProof="0" dirty="0" err="1"/>
-              <a:t>laborum</a:t>
-            </a:r>
-            <a:r>
-              <a:rPr lang="en-GB" noProof="0" dirty="0"/>
-              <a:t>. Ut </a:t>
-            </a:r>
-            <a:r>
-              <a:rPr lang="en-GB" noProof="0" dirty="0" err="1"/>
-              <a:t>enim</a:t>
-            </a:r>
-            <a:r>
-              <a:rPr lang="en-GB" noProof="0" dirty="0"/>
-              <a:t> ad minim </a:t>
-            </a:r>
-            <a:r>
-              <a:rPr lang="en-GB" noProof="0" dirty="0" err="1"/>
-              <a:t>veniam</a:t>
-            </a:r>
-            <a:r>
-              <a:rPr lang="en-GB" noProof="0" dirty="0"/>
-              <a:t>, </a:t>
-            </a:r>
-            <a:r>
-              <a:rPr lang="en-GB" noProof="0" dirty="0" err="1"/>
-              <a:t>quis</a:t>
-            </a:r>
-            <a:r>
-              <a:rPr lang="en-GB" noProof="0" dirty="0"/>
-              <a:t> </a:t>
-            </a:r>
-            <a:r>
-              <a:rPr lang="en-GB" noProof="0" dirty="0" err="1"/>
-              <a:t>nostrud</a:t>
-            </a:r>
-            <a:r>
-              <a:rPr lang="en-GB" noProof="0" dirty="0"/>
-              <a:t> exercitation </a:t>
-            </a:r>
-            <a:r>
-              <a:rPr lang="en-GB" noProof="0" dirty="0" err="1"/>
-              <a:t>ullamco</a:t>
-            </a:r>
-            <a:r>
-              <a:rPr lang="en-GB" noProof="0" dirty="0"/>
-              <a:t> </a:t>
-            </a:r>
-            <a:r>
-              <a:rPr lang="en-GB" noProof="0" dirty="0" err="1"/>
-              <a:t>laboris</a:t>
-            </a:r>
-            <a:r>
-              <a:rPr lang="en-GB" noProof="0" dirty="0"/>
-              <a:t> nisi </a:t>
-            </a:r>
-            <a:r>
-              <a:rPr lang="en-GB" noProof="0" dirty="0" err="1"/>
-              <a:t>ut</a:t>
-            </a:r>
-            <a:r>
-              <a:rPr lang="en-GB" noProof="0" dirty="0"/>
-              <a:t> </a:t>
-            </a:r>
-            <a:r>
-              <a:rPr lang="en-GB" noProof="0" dirty="0" err="1"/>
-              <a:t>aliquip</a:t>
-            </a:r>
-            <a:r>
-              <a:rPr lang="en-GB" noProof="0" dirty="0"/>
-              <a:t> ex in </a:t>
-            </a:r>
-            <a:r>
-              <a:rPr lang="en-GB" noProof="0" dirty="0" err="1"/>
-              <a:t>reprehenderit</a:t>
-            </a:r>
-            <a:r>
-              <a:rPr lang="en-GB" noProof="0" dirty="0"/>
-              <a:t> in </a:t>
-            </a:r>
-            <a:r>
-              <a:rPr lang="en-GB" noProof="0" dirty="0" err="1"/>
-              <a:t>voluptate</a:t>
-            </a:r>
-            <a:r>
-              <a:rPr lang="en-GB" noProof="0" dirty="0"/>
-              <a:t> </a:t>
-            </a:r>
-            <a:r>
-              <a:rPr lang="en-GB" noProof="0" dirty="0" err="1"/>
-              <a:t>velit</a:t>
-            </a:r>
-            <a:r>
-              <a:rPr lang="en-GB" noProof="0" dirty="0"/>
-              <a:t> </a:t>
-            </a:r>
-            <a:r>
-              <a:rPr lang="en-GB" noProof="0" dirty="0" err="1"/>
-              <a:t>esse</a:t>
-            </a:r>
-            <a:r>
-              <a:rPr lang="en-GB" noProof="0" dirty="0"/>
-              <a:t> </a:t>
-            </a:r>
-            <a:r>
-              <a:rPr lang="en-GB" noProof="0" dirty="0" err="1"/>
-              <a:t>cillum</a:t>
-            </a:r>
-            <a:endParaRPr lang="en-GB" noProof="0" dirty="0"/>
-          </a:p>
-        </p:txBody>
-      </p:sp>
-      <p:sp>
-        <p:nvSpPr>
-          <p:cNvPr id="4" name="Datumsplatzhalter 3">
-            <a:extLst>
-              <a:ext uri="{FF2B5EF4-FFF2-40B4-BE49-F238E27FC236}">
-                <a16:creationId xmlns:a16="http://schemas.microsoft.com/office/drawing/2014/main" id="{3E5DECAF-74B9-42C9-91F9-16811C11DDD9}"/>
-              </a:ext>
-            </a:extLst>
-          </p:cNvPr>
-          <p:cNvSpPr>
-            <a:spLocks noGrp="1"/>
-          </p:cNvSpPr>
-          <p:nvPr>
-            <p:ph type="dt" sz="half" idx="10"/>
-          </p:nvPr>
-        </p:nvSpPr>
-        <p:spPr/>
-        <p:txBody>
-          <a:bodyPr/>
-          <a:lstStyle/>
-          <a:p>
-            <a:fld id="{255C2D81-634A-41B2-966F-5B8C1282A848}" type="datetime1">
-              <a:rPr lang="en-GB" noProof="0" smtClean="0"/>
-              <a:t>17/07/2025</a:t>
-            </a:fld>
-            <a:endParaRPr lang="en-GB" noProof="0" dirty="0"/>
-          </a:p>
-        </p:txBody>
-      </p:sp>
-      <p:sp>
-        <p:nvSpPr>
-          <p:cNvPr id="6" name="Foliennummernplatzhalter 5">
-            <a:extLst>
-              <a:ext uri="{FF2B5EF4-FFF2-40B4-BE49-F238E27FC236}">
-                <a16:creationId xmlns:a16="http://schemas.microsoft.com/office/drawing/2014/main" id="{92390BB4-CA1A-4AB3-997F-BC93DE23C7B5}"/>
-              </a:ext>
-            </a:extLst>
-          </p:cNvPr>
-          <p:cNvSpPr>
-            <a:spLocks noGrp="1"/>
-          </p:cNvSpPr>
-          <p:nvPr>
-            <p:ph type="sldNum" sz="quarter" idx="12"/>
-          </p:nvPr>
-        </p:nvSpPr>
-        <p:spPr/>
-        <p:txBody>
-          <a:bodyPr/>
-          <a:lstStyle/>
-          <a:p>
-            <a:fld id="{5ACA52AF-F19D-405C-AD5F-7D94B96A5CC3}" type="slidenum">
-              <a:rPr lang="en-GB" noProof="0" smtClean="0"/>
-              <a:t>23</a:t>
-            </a:fld>
-            <a:endParaRPr lang="en-GB" noProof="0" dirty="0"/>
-          </a:p>
-        </p:txBody>
-      </p:sp>
-    </p:spTree>
-    <p:extLst>
-      <p:ext uri="{BB962C8B-B14F-4D97-AF65-F5344CB8AC3E}">
-        <p14:creationId xmlns:p14="http://schemas.microsoft.com/office/powerpoint/2010/main" val="2463831729"/>
-      </p:ext>
-    </p:extLst>
-  </p:cSld>
-  <p:clrMapOvr>
-    <a:masterClrMapping/>
-  </p:clrMapOvr>
-</p:sld>
-</file>
-
-<file path=ppt/slides/slide24.xml><?xml version="1.0" encoding="utf-8"?>
-<p:sld xmlns:a="http://schemas.openxmlformats.org/drawingml/2006/main" xmlns:r="http://schemas.openxmlformats.org/officeDocument/2006/relationships" xmlns:p="http://schemas.openxmlformats.org/presentationml/2006/main">
-  <p:cSld>
-    <p:spTree>
-      <p:nvGrpSpPr>
-        <p:cNvPr id="1" name=""/>
-        <p:cNvGrpSpPr/>
-        <p:nvPr/>
-      </p:nvGrpSpPr>
-      <p:grpSpPr>
-        <a:xfrm>
-          <a:off x="0" y="0"/>
-          <a:ext cx="0" cy="0"/>
-          <a:chOff x="0" y="0"/>
-          <a:chExt cx="0" cy="0"/>
-        </a:xfrm>
-      </p:grpSpPr>
-      <p:sp>
-        <p:nvSpPr>
-          <p:cNvPr id="2" name="Titel 1">
-            <a:extLst>
-              <a:ext uri="{FF2B5EF4-FFF2-40B4-BE49-F238E27FC236}">
-                <a16:creationId xmlns:a16="http://schemas.microsoft.com/office/drawing/2014/main" id="{306C7DC3-2470-4708-A950-F7F2B6DA929E}"/>
-              </a:ext>
-            </a:extLst>
-          </p:cNvPr>
-          <p:cNvSpPr>
-            <a:spLocks noGrp="1"/>
-          </p:cNvSpPr>
-          <p:nvPr>
-            <p:ph type="title"/>
-          </p:nvPr>
-        </p:nvSpPr>
-        <p:spPr/>
-        <p:txBody>
-          <a:bodyPr/>
-          <a:lstStyle/>
-          <a:p>
-            <a:r>
-              <a:rPr lang="en-GB" noProof="0" dirty="0"/>
-              <a:t>Hier </a:t>
-            </a:r>
-            <a:r>
-              <a:rPr lang="en-GB" noProof="0" dirty="0" err="1"/>
-              <a:t>steht</a:t>
-            </a:r>
-            <a:r>
-              <a:rPr lang="en-GB" noProof="0" dirty="0"/>
-              <a:t> der </a:t>
-            </a:r>
-            <a:r>
-              <a:rPr lang="en-GB" noProof="0" dirty="0" err="1"/>
-              <a:t>Folientitel</a:t>
-            </a:r>
-            <a:endParaRPr lang="en-GB" noProof="0" dirty="0"/>
-          </a:p>
-        </p:txBody>
-      </p:sp>
-      <p:sp>
-        <p:nvSpPr>
-          <p:cNvPr id="3" name="Inhaltsplatzhalter 2">
-            <a:extLst>
-              <a:ext uri="{FF2B5EF4-FFF2-40B4-BE49-F238E27FC236}">
-                <a16:creationId xmlns:a16="http://schemas.microsoft.com/office/drawing/2014/main" id="{8F039987-0BC5-4753-9A7E-3FA3EECBCB9E}"/>
-              </a:ext>
-            </a:extLst>
-          </p:cNvPr>
-          <p:cNvSpPr>
-            <a:spLocks noGrp="1"/>
-          </p:cNvSpPr>
-          <p:nvPr>
-            <p:ph idx="1"/>
-          </p:nvPr>
-        </p:nvSpPr>
-        <p:spPr/>
-        <p:txBody>
-          <a:bodyPr/>
-          <a:lstStyle/>
-          <a:p>
-            <a:pPr marL="0" indent="0">
-              <a:buNone/>
-            </a:pPr>
-            <a:r>
-              <a:rPr lang="en-GB" b="1" noProof="0" dirty="0" err="1"/>
-              <a:t>Zwischenüberschrift</a:t>
-            </a:r>
-            <a:r>
-              <a:rPr lang="en-GB" b="1" noProof="0" dirty="0"/>
-              <a:t> (optional)</a:t>
-            </a:r>
-          </a:p>
-          <a:p>
-            <a:r>
-              <a:rPr lang="en-GB" noProof="0" dirty="0"/>
-              <a:t>Lorem ipsum </a:t>
-            </a:r>
-            <a:r>
-              <a:rPr lang="en-GB" noProof="0" dirty="0" err="1"/>
-              <a:t>dolor</a:t>
-            </a:r>
-            <a:r>
-              <a:rPr lang="en-GB" noProof="0" dirty="0"/>
-              <a:t> sit </a:t>
-            </a:r>
-            <a:r>
-              <a:rPr lang="en-GB" noProof="0" dirty="0" err="1"/>
-              <a:t>amet</a:t>
-            </a:r>
-            <a:r>
-              <a:rPr lang="en-GB" noProof="0" dirty="0"/>
-              <a:t>, </a:t>
-            </a:r>
-            <a:r>
-              <a:rPr lang="en-GB" noProof="0" dirty="0" err="1"/>
-              <a:t>consectetur</a:t>
-            </a:r>
-            <a:r>
-              <a:rPr lang="en-GB" noProof="0" dirty="0"/>
-              <a:t> </a:t>
-            </a:r>
-            <a:r>
-              <a:rPr lang="en-GB" noProof="0" dirty="0" err="1"/>
-              <a:t>adipis</a:t>
-            </a:r>
-            <a:r>
-              <a:rPr lang="en-GB" noProof="0" dirty="0"/>
-              <a:t>.</a:t>
-            </a:r>
-          </a:p>
-          <a:p>
-            <a:pPr lvl="1"/>
-            <a:r>
-              <a:rPr lang="en-GB" noProof="0" dirty="0"/>
-              <a:t>Lorem ipsum </a:t>
-            </a:r>
-            <a:r>
-              <a:rPr lang="en-GB" noProof="0" dirty="0" err="1"/>
-              <a:t>dolor</a:t>
-            </a:r>
-            <a:r>
-              <a:rPr lang="en-GB" noProof="0" dirty="0"/>
-              <a:t> sit </a:t>
-            </a:r>
-            <a:r>
-              <a:rPr lang="en-GB" noProof="0" dirty="0" err="1"/>
-              <a:t>amet</a:t>
-            </a:r>
-            <a:r>
-              <a:rPr lang="en-GB" noProof="0" dirty="0"/>
-              <a:t>, </a:t>
-            </a:r>
-            <a:r>
-              <a:rPr lang="en-GB" noProof="0" dirty="0" err="1"/>
-              <a:t>consectetur</a:t>
-            </a:r>
-            <a:r>
-              <a:rPr lang="en-GB" noProof="0" dirty="0"/>
-              <a:t> </a:t>
-            </a:r>
-            <a:r>
-              <a:rPr lang="en-GB" noProof="0" dirty="0" err="1"/>
-              <a:t>nostrud</a:t>
-            </a:r>
-            <a:r>
-              <a:rPr lang="en-GB" noProof="0" dirty="0"/>
-              <a:t>.</a:t>
-            </a:r>
-          </a:p>
-          <a:p>
-            <a:pPr lvl="1"/>
-            <a:r>
-              <a:rPr lang="en-GB" noProof="0" dirty="0" err="1"/>
-              <a:t>Tempor</a:t>
-            </a:r>
-            <a:r>
-              <a:rPr lang="en-GB" noProof="0" dirty="0"/>
-              <a:t> </a:t>
-            </a:r>
-            <a:r>
-              <a:rPr lang="en-GB" noProof="0" dirty="0" err="1"/>
-              <a:t>incididunt</a:t>
-            </a:r>
-            <a:r>
-              <a:rPr lang="en-GB" noProof="0" dirty="0"/>
-              <a:t> </a:t>
-            </a:r>
-            <a:r>
-              <a:rPr lang="en-GB" noProof="0" dirty="0" err="1"/>
-              <a:t>incididunt</a:t>
-            </a:r>
-            <a:r>
-              <a:rPr lang="en-GB" noProof="0" dirty="0"/>
-              <a:t> </a:t>
-            </a:r>
-            <a:r>
-              <a:rPr lang="en-GB" noProof="0" dirty="0" err="1"/>
-              <a:t>ut</a:t>
-            </a:r>
-            <a:r>
-              <a:rPr lang="en-GB" noProof="0" dirty="0"/>
-              <a:t> labore et dolore magna </a:t>
-            </a:r>
-            <a:r>
-              <a:rPr lang="en-GB" noProof="0" dirty="0" err="1"/>
-              <a:t>aliqua</a:t>
-            </a:r>
-            <a:r>
-              <a:rPr lang="en-GB" noProof="0" dirty="0"/>
-              <a:t>. </a:t>
-            </a:r>
-            <a:br>
-              <a:rPr lang="en-GB" noProof="0" dirty="0"/>
-            </a:br>
-            <a:r>
-              <a:rPr lang="en-GB" noProof="0" dirty="0"/>
-              <a:t>Ut </a:t>
-            </a:r>
-            <a:r>
-              <a:rPr lang="en-GB" noProof="0" dirty="0" err="1"/>
-              <a:t>enim</a:t>
-            </a:r>
-            <a:r>
-              <a:rPr lang="en-GB" noProof="0" dirty="0"/>
-              <a:t> ad minim </a:t>
-            </a:r>
-            <a:r>
-              <a:rPr lang="en-GB" noProof="0" dirty="0" err="1"/>
-              <a:t>veniam</a:t>
-            </a:r>
-            <a:r>
-              <a:rPr lang="en-GB" noProof="0" dirty="0"/>
-              <a:t>, </a:t>
-            </a:r>
-            <a:r>
-              <a:rPr lang="en-GB" noProof="0" dirty="0" err="1"/>
-              <a:t>quis</a:t>
-            </a:r>
-            <a:r>
-              <a:rPr lang="en-GB" noProof="0" dirty="0"/>
-              <a:t> </a:t>
-            </a:r>
-            <a:r>
-              <a:rPr lang="en-GB" noProof="0" dirty="0" err="1"/>
-              <a:t>nostrud</a:t>
-            </a:r>
-            <a:r>
-              <a:rPr lang="en-GB" noProof="0" dirty="0"/>
-              <a:t> exercitation.</a:t>
-            </a:r>
-          </a:p>
-          <a:p>
-            <a:r>
-              <a:rPr lang="en-GB" noProof="0" dirty="0"/>
-              <a:t>Lorem ipsum </a:t>
-            </a:r>
-            <a:r>
-              <a:rPr lang="en-GB" noProof="0" dirty="0" err="1"/>
-              <a:t>dolor</a:t>
-            </a:r>
-            <a:r>
-              <a:rPr lang="en-GB" noProof="0" dirty="0"/>
-              <a:t> sit </a:t>
-            </a:r>
-            <a:r>
-              <a:rPr lang="en-GB" noProof="0" dirty="0" err="1"/>
-              <a:t>amet</a:t>
-            </a:r>
-            <a:r>
-              <a:rPr lang="en-GB" noProof="0" dirty="0"/>
-              <a:t>, </a:t>
-            </a:r>
-            <a:r>
-              <a:rPr lang="en-GB" noProof="0" dirty="0" err="1"/>
-              <a:t>consectetur</a:t>
-            </a:r>
-            <a:r>
-              <a:rPr lang="en-GB" noProof="0" dirty="0"/>
-              <a:t> </a:t>
-            </a:r>
-            <a:r>
-              <a:rPr lang="en-GB" noProof="0" dirty="0" err="1"/>
-              <a:t>adipis</a:t>
-            </a:r>
-            <a:r>
-              <a:rPr lang="en-GB" noProof="0" dirty="0"/>
-              <a:t>.</a:t>
-            </a:r>
-          </a:p>
-          <a:p>
-            <a:pPr lvl="1"/>
-            <a:r>
-              <a:rPr lang="en-GB" noProof="0" dirty="0"/>
-              <a:t>Ut </a:t>
-            </a:r>
-            <a:r>
-              <a:rPr lang="en-GB" noProof="0" dirty="0" err="1"/>
-              <a:t>enim</a:t>
-            </a:r>
-            <a:r>
-              <a:rPr lang="en-GB" noProof="0" dirty="0"/>
-              <a:t> ad minim </a:t>
-            </a:r>
-            <a:r>
-              <a:rPr lang="en-GB" noProof="0" dirty="0" err="1"/>
-              <a:t>veniam</a:t>
-            </a:r>
-            <a:r>
-              <a:rPr lang="en-GB" noProof="0" dirty="0"/>
-              <a:t>, </a:t>
-            </a:r>
-            <a:r>
-              <a:rPr lang="en-GB" noProof="0" dirty="0" err="1"/>
-              <a:t>quis</a:t>
-            </a:r>
-            <a:r>
-              <a:rPr lang="en-GB" noProof="0" dirty="0"/>
-              <a:t> </a:t>
-            </a:r>
-            <a:r>
-              <a:rPr lang="en-GB" noProof="0" dirty="0" err="1"/>
-              <a:t>nostrud</a:t>
-            </a:r>
-            <a:r>
-              <a:rPr lang="en-GB" noProof="0" dirty="0"/>
-              <a:t> exercitation. </a:t>
-            </a:r>
-          </a:p>
-          <a:p>
-            <a:pPr lvl="1"/>
-            <a:r>
-              <a:rPr lang="en-GB" noProof="0" dirty="0" err="1"/>
-              <a:t>Tempor</a:t>
-            </a:r>
-            <a:r>
-              <a:rPr lang="en-GB" noProof="0" dirty="0"/>
-              <a:t> </a:t>
-            </a:r>
-            <a:r>
-              <a:rPr lang="en-GB" noProof="0" dirty="0" err="1"/>
-              <a:t>incididunt</a:t>
-            </a:r>
-            <a:r>
-              <a:rPr lang="en-GB" noProof="0" dirty="0"/>
-              <a:t> </a:t>
-            </a:r>
-            <a:r>
-              <a:rPr lang="en-GB" noProof="0" dirty="0" err="1"/>
-              <a:t>incididunt</a:t>
-            </a:r>
-            <a:r>
-              <a:rPr lang="en-GB" noProof="0" dirty="0"/>
-              <a:t> </a:t>
-            </a:r>
-            <a:r>
-              <a:rPr lang="en-GB" noProof="0" dirty="0" err="1"/>
-              <a:t>ut</a:t>
-            </a:r>
-            <a:r>
-              <a:rPr lang="en-GB" noProof="0" dirty="0"/>
-              <a:t> labore.</a:t>
-            </a:r>
-          </a:p>
-          <a:p>
-            <a:r>
-              <a:rPr lang="en-GB" noProof="0" dirty="0"/>
-              <a:t>Lorem ipsum </a:t>
-            </a:r>
-            <a:r>
-              <a:rPr lang="en-GB" noProof="0" dirty="0" err="1"/>
-              <a:t>dolor</a:t>
-            </a:r>
-            <a:r>
-              <a:rPr lang="en-GB" noProof="0" dirty="0"/>
-              <a:t> sit </a:t>
-            </a:r>
-            <a:r>
-              <a:rPr lang="en-GB" noProof="0" dirty="0" err="1"/>
-              <a:t>amet</a:t>
-            </a:r>
-            <a:r>
-              <a:rPr lang="en-GB" noProof="0" dirty="0"/>
-              <a:t>, </a:t>
-            </a:r>
-            <a:r>
-              <a:rPr lang="en-GB" noProof="0" dirty="0" err="1"/>
-              <a:t>consectetur</a:t>
-            </a:r>
-            <a:r>
-              <a:rPr lang="en-GB" noProof="0" dirty="0"/>
-              <a:t> </a:t>
-            </a:r>
-            <a:r>
-              <a:rPr lang="en-GB" noProof="0" dirty="0" err="1"/>
-              <a:t>adipis</a:t>
-            </a:r>
-            <a:r>
-              <a:rPr lang="en-GB" noProof="0" dirty="0"/>
-              <a:t>.</a:t>
-            </a:r>
-          </a:p>
-          <a:p>
-            <a:pPr lvl="1"/>
-            <a:r>
-              <a:rPr lang="en-GB" noProof="0" dirty="0" err="1"/>
-              <a:t>Tempor</a:t>
-            </a:r>
-            <a:r>
-              <a:rPr lang="en-GB" noProof="0" dirty="0"/>
-              <a:t> </a:t>
-            </a:r>
-            <a:r>
-              <a:rPr lang="en-GB" noProof="0" dirty="0" err="1"/>
-              <a:t>incididunt</a:t>
-            </a:r>
-            <a:r>
-              <a:rPr lang="en-GB" noProof="0" dirty="0"/>
-              <a:t> </a:t>
-            </a:r>
-            <a:r>
-              <a:rPr lang="en-GB" noProof="0" dirty="0" err="1"/>
-              <a:t>incididunt</a:t>
-            </a:r>
-            <a:r>
-              <a:rPr lang="en-GB" noProof="0" dirty="0"/>
-              <a:t> </a:t>
-            </a:r>
-            <a:r>
-              <a:rPr lang="en-GB" noProof="0" dirty="0" err="1"/>
-              <a:t>ut</a:t>
-            </a:r>
-            <a:r>
-              <a:rPr lang="en-GB" noProof="0" dirty="0"/>
-              <a:t> labore et dolore magna </a:t>
-            </a:r>
-            <a:r>
-              <a:rPr lang="en-GB" noProof="0" dirty="0" err="1"/>
-              <a:t>veniam</a:t>
-            </a:r>
-            <a:r>
-              <a:rPr lang="en-GB" noProof="0" dirty="0"/>
-              <a:t>. </a:t>
-            </a:r>
-            <a:br>
-              <a:rPr lang="en-GB" noProof="0" dirty="0"/>
-            </a:br>
-            <a:r>
-              <a:rPr lang="en-GB" noProof="0" dirty="0"/>
-              <a:t>Ut </a:t>
-            </a:r>
-            <a:r>
-              <a:rPr lang="en-GB" noProof="0" dirty="0" err="1"/>
-              <a:t>enim</a:t>
-            </a:r>
-            <a:r>
-              <a:rPr lang="en-GB" noProof="0" dirty="0"/>
-              <a:t> ad minim </a:t>
-            </a:r>
-            <a:r>
-              <a:rPr lang="en-GB" noProof="0" dirty="0" err="1"/>
-              <a:t>veniam</a:t>
-            </a:r>
-            <a:r>
-              <a:rPr lang="en-GB" noProof="0" dirty="0"/>
-              <a:t>, </a:t>
-            </a:r>
-            <a:r>
-              <a:rPr lang="en-GB" noProof="0" dirty="0" err="1"/>
-              <a:t>quis</a:t>
-            </a:r>
-            <a:r>
-              <a:rPr lang="en-GB" noProof="0" dirty="0"/>
-              <a:t> </a:t>
-            </a:r>
-            <a:r>
-              <a:rPr lang="en-GB" noProof="0" dirty="0" err="1"/>
-              <a:t>nostrud</a:t>
-            </a:r>
-            <a:r>
-              <a:rPr lang="en-GB" noProof="0" dirty="0"/>
-              <a:t> exercitation. </a:t>
-            </a:r>
-          </a:p>
-          <a:p>
-            <a:pPr lvl="1"/>
-            <a:r>
-              <a:rPr lang="en-GB" noProof="0" dirty="0"/>
-              <a:t>Lorem ipsum </a:t>
-            </a:r>
-            <a:r>
-              <a:rPr lang="en-GB" noProof="0" dirty="0" err="1"/>
-              <a:t>dolor</a:t>
-            </a:r>
-            <a:r>
-              <a:rPr lang="en-GB" noProof="0" dirty="0"/>
-              <a:t> sit </a:t>
-            </a:r>
-            <a:r>
-              <a:rPr lang="en-GB" noProof="0" dirty="0" err="1"/>
-              <a:t>amet</a:t>
-            </a:r>
-            <a:r>
-              <a:rPr lang="en-GB" noProof="0" dirty="0"/>
-              <a:t>, </a:t>
-            </a:r>
-            <a:r>
-              <a:rPr lang="en-GB" noProof="0" dirty="0" err="1"/>
-              <a:t>consectetur</a:t>
-            </a:r>
-            <a:r>
-              <a:rPr lang="en-GB" noProof="0" dirty="0"/>
-              <a:t> </a:t>
-            </a:r>
-            <a:r>
-              <a:rPr lang="en-GB" noProof="0" dirty="0" err="1"/>
-              <a:t>nostrud</a:t>
-            </a:r>
-            <a:r>
-              <a:rPr lang="en-GB" noProof="0" dirty="0"/>
-              <a:t>.</a:t>
-            </a:r>
-          </a:p>
-        </p:txBody>
-      </p:sp>
-      <p:sp>
-        <p:nvSpPr>
-          <p:cNvPr id="4" name="Datumsplatzhalter 3">
-            <a:extLst>
-              <a:ext uri="{FF2B5EF4-FFF2-40B4-BE49-F238E27FC236}">
-                <a16:creationId xmlns:a16="http://schemas.microsoft.com/office/drawing/2014/main" id="{0E5C9AAA-EE1E-4108-BF00-BDB560A7EF58}"/>
-              </a:ext>
-            </a:extLst>
-          </p:cNvPr>
-          <p:cNvSpPr>
-            <a:spLocks noGrp="1"/>
-          </p:cNvSpPr>
-          <p:nvPr>
-            <p:ph type="dt" sz="half" idx="10"/>
-          </p:nvPr>
-        </p:nvSpPr>
-        <p:spPr/>
-        <p:txBody>
-          <a:bodyPr/>
-          <a:lstStyle/>
-          <a:p>
-            <a:fld id="{688E238B-19C1-43CC-B369-032B8A600BC8}" type="datetime1">
-              <a:rPr lang="en-GB" noProof="0" smtClean="0"/>
-              <a:t>17/07/2025</a:t>
-            </a:fld>
-            <a:endParaRPr lang="en-GB" noProof="0" dirty="0"/>
-          </a:p>
-        </p:txBody>
-      </p:sp>
-      <p:sp>
-        <p:nvSpPr>
-          <p:cNvPr id="6" name="Foliennummernplatzhalter 5">
-            <a:extLst>
-              <a:ext uri="{FF2B5EF4-FFF2-40B4-BE49-F238E27FC236}">
-                <a16:creationId xmlns:a16="http://schemas.microsoft.com/office/drawing/2014/main" id="{C726B961-5611-4E48-81E9-C811AD8DD168}"/>
-              </a:ext>
-            </a:extLst>
-          </p:cNvPr>
-          <p:cNvSpPr>
-            <a:spLocks noGrp="1"/>
-          </p:cNvSpPr>
-          <p:nvPr>
-            <p:ph type="sldNum" sz="quarter" idx="12"/>
-          </p:nvPr>
-        </p:nvSpPr>
-        <p:spPr/>
-        <p:txBody>
-          <a:bodyPr/>
-          <a:lstStyle/>
-          <a:p>
-            <a:fld id="{5ACA52AF-F19D-405C-AD5F-7D94B96A5CC3}" type="slidenum">
-              <a:rPr lang="en-GB" noProof="0" smtClean="0"/>
-              <a:t>24</a:t>
-            </a:fld>
-            <a:endParaRPr lang="en-GB" noProof="0" dirty="0"/>
-          </a:p>
-        </p:txBody>
-      </p:sp>
-    </p:spTree>
-    <p:extLst>
-      <p:ext uri="{BB962C8B-B14F-4D97-AF65-F5344CB8AC3E}">
-        <p14:creationId xmlns:p14="http://schemas.microsoft.com/office/powerpoint/2010/main" val="710272398"/>
-      </p:ext>
-    </p:extLst>
-  </p:cSld>
-  <p:clrMapOvr>
-    <a:masterClrMapping/>
-  </p:clrMapOvr>
-</p:sld>
-</file>
-
-<file path=ppt/slides/slide25.xml><?xml version="1.0" encoding="utf-8"?>
-<p:sld xmlns:a="http://schemas.openxmlformats.org/drawingml/2006/main" xmlns:r="http://schemas.openxmlformats.org/officeDocument/2006/relationships" xmlns:p="http://schemas.openxmlformats.org/presentationml/2006/main">
-  <p:cSld>
-    <p:spTree>
-      <p:nvGrpSpPr>
-        <p:cNvPr id="1" name=""/>
-        <p:cNvGrpSpPr/>
-        <p:nvPr/>
-      </p:nvGrpSpPr>
-      <p:grpSpPr>
-        <a:xfrm>
-          <a:off x="0" y="0"/>
-          <a:ext cx="0" cy="0"/>
-          <a:chOff x="0" y="0"/>
-          <a:chExt cx="0" cy="0"/>
-        </a:xfrm>
-      </p:grpSpPr>
-      <p:sp>
-        <p:nvSpPr>
-          <p:cNvPr id="2" name="Titel 1">
-            <a:extLst>
-              <a:ext uri="{FF2B5EF4-FFF2-40B4-BE49-F238E27FC236}">
-                <a16:creationId xmlns:a16="http://schemas.microsoft.com/office/drawing/2014/main" id="{CCD79B13-3C6D-410C-8179-6B3490718B07}"/>
-              </a:ext>
-            </a:extLst>
-          </p:cNvPr>
-          <p:cNvSpPr>
-            <a:spLocks noGrp="1"/>
-          </p:cNvSpPr>
-          <p:nvPr>
-            <p:ph type="title"/>
-          </p:nvPr>
-        </p:nvSpPr>
-        <p:spPr/>
-        <p:txBody>
-          <a:bodyPr/>
-          <a:lstStyle/>
-          <a:p>
-            <a:r>
-              <a:rPr lang="en-GB" noProof="0" dirty="0"/>
-              <a:t>Hier </a:t>
-            </a:r>
-            <a:r>
-              <a:rPr lang="en-GB" noProof="0" dirty="0" err="1"/>
-              <a:t>steht</a:t>
-            </a:r>
-            <a:r>
-              <a:rPr lang="en-GB" noProof="0" dirty="0"/>
-              <a:t> der </a:t>
-            </a:r>
-            <a:r>
-              <a:rPr lang="en-GB" noProof="0" dirty="0" err="1"/>
-              <a:t>Folientitel</a:t>
-            </a:r>
-            <a:endParaRPr lang="en-GB" noProof="0" dirty="0"/>
-          </a:p>
-        </p:txBody>
-      </p:sp>
-      <p:sp>
-        <p:nvSpPr>
-          <p:cNvPr id="3" name="Inhaltsplatzhalter 2">
-            <a:extLst>
-              <a:ext uri="{FF2B5EF4-FFF2-40B4-BE49-F238E27FC236}">
-                <a16:creationId xmlns:a16="http://schemas.microsoft.com/office/drawing/2014/main" id="{DD1C6779-ACCD-4204-B972-A9B2595451EA}"/>
-              </a:ext>
-            </a:extLst>
-          </p:cNvPr>
-          <p:cNvSpPr>
-            <a:spLocks noGrp="1"/>
-          </p:cNvSpPr>
-          <p:nvPr>
-            <p:ph idx="1"/>
-          </p:nvPr>
-        </p:nvSpPr>
-        <p:spPr/>
-        <p:txBody>
-          <a:bodyPr/>
-          <a:lstStyle/>
-          <a:p>
-            <a:r>
-              <a:rPr lang="en-GB" noProof="0" dirty="0"/>
-              <a:t>Lorem ipsum </a:t>
-            </a:r>
-            <a:r>
-              <a:rPr lang="en-GB" noProof="0" dirty="0" err="1"/>
-              <a:t>dolor</a:t>
-            </a:r>
-            <a:r>
-              <a:rPr lang="en-GB" noProof="0" dirty="0"/>
-              <a:t> sit </a:t>
-            </a:r>
-            <a:r>
-              <a:rPr lang="en-GB" noProof="0" dirty="0" err="1"/>
-              <a:t>amet</a:t>
-            </a:r>
-            <a:r>
-              <a:rPr lang="en-GB" noProof="0" dirty="0"/>
-              <a:t>, </a:t>
-            </a:r>
-            <a:r>
-              <a:rPr lang="en-GB" noProof="0" dirty="0" err="1"/>
-              <a:t>consectetur</a:t>
-            </a:r>
-            <a:r>
-              <a:rPr lang="en-GB" noProof="0" dirty="0"/>
-              <a:t> </a:t>
-            </a:r>
-            <a:r>
-              <a:rPr lang="en-GB" noProof="0" dirty="0" err="1"/>
-              <a:t>adipiscing</a:t>
-            </a:r>
-            <a:r>
-              <a:rPr lang="en-GB" noProof="0" dirty="0"/>
-              <a:t> </a:t>
-            </a:r>
-            <a:r>
-              <a:rPr lang="en-GB" noProof="0" dirty="0" err="1"/>
-              <a:t>elit</a:t>
-            </a:r>
-            <a:r>
-              <a:rPr lang="en-GB" noProof="0" dirty="0"/>
-              <a:t>, </a:t>
-            </a:r>
-            <a:r>
-              <a:rPr lang="en-GB" noProof="0" dirty="0" err="1"/>
-              <a:t>sed</a:t>
-            </a:r>
-            <a:r>
-              <a:rPr lang="en-GB" noProof="0" dirty="0"/>
-              <a:t> do </a:t>
-            </a:r>
-            <a:r>
-              <a:rPr lang="en-GB" noProof="0" dirty="0" err="1"/>
-              <a:t>eiusmod</a:t>
-            </a:r>
-            <a:r>
-              <a:rPr lang="en-GB" noProof="0" dirty="0"/>
-              <a:t> </a:t>
-            </a:r>
-            <a:r>
-              <a:rPr lang="en-GB" noProof="0" dirty="0" err="1"/>
-              <a:t>tempor</a:t>
-            </a:r>
-            <a:r>
-              <a:rPr lang="en-GB" noProof="0" dirty="0"/>
-              <a:t> </a:t>
-            </a:r>
-            <a:r>
-              <a:rPr lang="en-GB" noProof="0" dirty="0" err="1"/>
-              <a:t>incididunt</a:t>
-            </a:r>
-            <a:r>
-              <a:rPr lang="en-GB" noProof="0" dirty="0"/>
-              <a:t> </a:t>
-            </a:r>
-            <a:r>
-              <a:rPr lang="en-GB" noProof="0" dirty="0" err="1"/>
-              <a:t>ut</a:t>
-            </a:r>
-            <a:r>
-              <a:rPr lang="en-GB" noProof="0" dirty="0"/>
-              <a:t> labore et dolore magna </a:t>
-            </a:r>
-            <a:r>
-              <a:rPr lang="en-GB" noProof="0" dirty="0" err="1"/>
-              <a:t>aliqua</a:t>
-            </a:r>
-            <a:r>
-              <a:rPr lang="en-GB" noProof="0" dirty="0"/>
-              <a:t>. Ut </a:t>
-            </a:r>
-            <a:r>
-              <a:rPr lang="en-GB" noProof="0" dirty="0" err="1"/>
-              <a:t>enim</a:t>
-            </a:r>
-            <a:r>
-              <a:rPr lang="en-GB" noProof="0" dirty="0"/>
-              <a:t> ad minim </a:t>
-            </a:r>
-            <a:r>
-              <a:rPr lang="en-GB" noProof="0" dirty="0" err="1"/>
-              <a:t>veniam</a:t>
-            </a:r>
-            <a:r>
-              <a:rPr lang="en-GB" noProof="0" dirty="0"/>
-              <a:t>, </a:t>
-            </a:r>
-            <a:r>
-              <a:rPr lang="en-GB" noProof="0" dirty="0" err="1"/>
-              <a:t>quis</a:t>
-            </a:r>
-            <a:r>
-              <a:rPr lang="en-GB" noProof="0" dirty="0"/>
-              <a:t> </a:t>
-            </a:r>
-            <a:r>
-              <a:rPr lang="en-GB" noProof="0" dirty="0" err="1"/>
-              <a:t>nostrud</a:t>
-            </a:r>
-            <a:r>
-              <a:rPr lang="en-GB" noProof="0" dirty="0"/>
-              <a:t> exercitation </a:t>
-            </a:r>
-            <a:r>
-              <a:rPr lang="en-GB" noProof="0" dirty="0" err="1"/>
-              <a:t>ullamco</a:t>
-            </a:r>
-            <a:r>
-              <a:rPr lang="en-GB" noProof="0" dirty="0"/>
-              <a:t> </a:t>
-            </a:r>
-            <a:r>
-              <a:rPr lang="en-GB" noProof="0" dirty="0" err="1"/>
-              <a:t>laboris</a:t>
-            </a:r>
-            <a:r>
-              <a:rPr lang="en-GB" noProof="0" dirty="0"/>
-              <a:t> nisi </a:t>
-            </a:r>
-            <a:r>
-              <a:rPr lang="en-GB" noProof="0" dirty="0" err="1"/>
-              <a:t>ut</a:t>
-            </a:r>
-            <a:r>
-              <a:rPr lang="en-GB" noProof="0" dirty="0"/>
-              <a:t> </a:t>
-            </a:r>
-            <a:r>
-              <a:rPr lang="en-GB" noProof="0" dirty="0" err="1"/>
-              <a:t>aliquip</a:t>
-            </a:r>
-            <a:r>
-              <a:rPr lang="en-GB" noProof="0" dirty="0"/>
-              <a:t> ex </a:t>
-            </a:r>
-            <a:r>
-              <a:rPr lang="en-GB" noProof="0" dirty="0" err="1"/>
-              <a:t>ea</a:t>
-            </a:r>
-            <a:r>
-              <a:rPr lang="en-GB" noProof="0" dirty="0"/>
-              <a:t> </a:t>
-            </a:r>
-            <a:r>
-              <a:rPr lang="en-GB" noProof="0" dirty="0" err="1"/>
-              <a:t>commodo</a:t>
-            </a:r>
-            <a:r>
-              <a:rPr lang="en-GB" noProof="0" dirty="0"/>
-              <a:t> </a:t>
-            </a:r>
-            <a:r>
-              <a:rPr lang="en-GB" noProof="0" dirty="0" err="1"/>
-              <a:t>equat</a:t>
-            </a:r>
-            <a:r>
-              <a:rPr lang="en-GB" noProof="0" dirty="0"/>
-              <a:t>. </a:t>
-            </a:r>
-          </a:p>
-          <a:p>
-            <a:r>
-              <a:rPr lang="en-GB" noProof="0" dirty="0"/>
-              <a:t>Ut </a:t>
-            </a:r>
-            <a:r>
-              <a:rPr lang="en-GB" noProof="0" dirty="0" err="1"/>
-              <a:t>enim</a:t>
-            </a:r>
-            <a:r>
-              <a:rPr lang="en-GB" noProof="0" dirty="0"/>
-              <a:t> ad minim </a:t>
-            </a:r>
-            <a:r>
-              <a:rPr lang="en-GB" noProof="0" dirty="0" err="1"/>
-              <a:t>veniam</a:t>
-            </a:r>
-            <a:r>
-              <a:rPr lang="en-GB" noProof="0" dirty="0"/>
-              <a:t>, </a:t>
-            </a:r>
-            <a:r>
-              <a:rPr lang="en-GB" noProof="0" dirty="0" err="1"/>
-              <a:t>quis</a:t>
-            </a:r>
-            <a:r>
-              <a:rPr lang="en-GB" noProof="0" dirty="0"/>
-              <a:t> </a:t>
-            </a:r>
-            <a:r>
-              <a:rPr lang="en-GB" noProof="0" dirty="0" err="1"/>
-              <a:t>nostrud</a:t>
-            </a:r>
-            <a:r>
-              <a:rPr lang="en-GB" noProof="0" dirty="0"/>
-              <a:t> exercitation </a:t>
-            </a:r>
-            <a:r>
-              <a:rPr lang="en-GB" noProof="0" dirty="0" err="1"/>
-              <a:t>ullamco</a:t>
-            </a:r>
-            <a:r>
-              <a:rPr lang="en-GB" noProof="0" dirty="0"/>
-              <a:t> </a:t>
-            </a:r>
-            <a:r>
-              <a:rPr lang="en-GB" noProof="0" dirty="0" err="1"/>
-              <a:t>laboris</a:t>
-            </a:r>
-            <a:r>
-              <a:rPr lang="en-GB" noProof="0" dirty="0"/>
-              <a:t> nisi </a:t>
-            </a:r>
-            <a:r>
-              <a:rPr lang="en-GB" noProof="0" dirty="0" err="1"/>
-              <a:t>ut</a:t>
-            </a:r>
-            <a:r>
-              <a:rPr lang="en-GB" noProof="0" dirty="0"/>
-              <a:t> </a:t>
-            </a:r>
-            <a:r>
-              <a:rPr lang="en-GB" noProof="0" dirty="0" err="1"/>
-              <a:t>aliquip</a:t>
-            </a:r>
-            <a:r>
-              <a:rPr lang="en-GB" noProof="0" dirty="0"/>
-              <a:t> ex </a:t>
-            </a:r>
-            <a:r>
-              <a:rPr lang="en-GB" noProof="0" dirty="0" err="1"/>
-              <a:t>ea</a:t>
-            </a:r>
-            <a:r>
-              <a:rPr lang="en-GB" noProof="0" dirty="0"/>
-              <a:t> </a:t>
-            </a:r>
-            <a:r>
-              <a:rPr lang="en-GB" noProof="0" dirty="0" err="1"/>
-              <a:t>commodo</a:t>
-            </a:r>
-            <a:r>
-              <a:rPr lang="en-GB" noProof="0" dirty="0"/>
-              <a:t> </a:t>
-            </a:r>
-            <a:r>
-              <a:rPr lang="en-GB" noProof="0" dirty="0" err="1"/>
-              <a:t>equat</a:t>
-            </a:r>
-            <a:r>
-              <a:rPr lang="en-GB" noProof="0" dirty="0"/>
-              <a:t>. Duis </a:t>
-            </a:r>
-            <a:r>
-              <a:rPr lang="en-GB" noProof="0" dirty="0" err="1"/>
-              <a:t>aute</a:t>
-            </a:r>
-            <a:r>
-              <a:rPr lang="en-GB" noProof="0" dirty="0"/>
-              <a:t> </a:t>
-            </a:r>
-            <a:r>
-              <a:rPr lang="en-GB" noProof="0" dirty="0" err="1"/>
-              <a:t>irure</a:t>
-            </a:r>
-            <a:r>
-              <a:rPr lang="en-GB" noProof="0" dirty="0"/>
-              <a:t> </a:t>
-            </a:r>
-            <a:r>
-              <a:rPr lang="en-GB" noProof="0" dirty="0" err="1"/>
-              <a:t>dolor</a:t>
-            </a:r>
-            <a:r>
-              <a:rPr lang="en-GB" noProof="0" dirty="0"/>
-              <a:t> in </a:t>
-            </a:r>
-            <a:r>
-              <a:rPr lang="en-GB" noProof="0" dirty="0" err="1"/>
-              <a:t>reprehenderit</a:t>
-            </a:r>
-            <a:r>
-              <a:rPr lang="en-GB" noProof="0" dirty="0"/>
-              <a:t> in </a:t>
-            </a:r>
-            <a:r>
-              <a:rPr lang="en-GB" noProof="0" dirty="0" err="1"/>
-              <a:t>voluptate</a:t>
-            </a:r>
-            <a:r>
-              <a:rPr lang="en-GB" noProof="0" dirty="0"/>
-              <a:t> </a:t>
-            </a:r>
-            <a:r>
-              <a:rPr lang="en-GB" noProof="0" dirty="0" err="1"/>
-              <a:t>velit</a:t>
-            </a:r>
-            <a:r>
-              <a:rPr lang="en-GB" noProof="0" dirty="0"/>
-              <a:t> </a:t>
-            </a:r>
-            <a:r>
-              <a:rPr lang="en-GB" noProof="0" dirty="0" err="1"/>
-              <a:t>esse</a:t>
-            </a:r>
-            <a:r>
-              <a:rPr lang="en-GB" noProof="0" dirty="0"/>
-              <a:t> </a:t>
-            </a:r>
-            <a:r>
-              <a:rPr lang="en-GB" noProof="0" dirty="0" err="1"/>
-              <a:t>cillum</a:t>
-            </a:r>
-            <a:r>
-              <a:rPr lang="en-GB" noProof="0" dirty="0"/>
-              <a:t> dolore.</a:t>
-            </a:r>
-          </a:p>
-          <a:p>
-            <a:r>
-              <a:rPr lang="en-GB" noProof="0" dirty="0" err="1"/>
-              <a:t>Excepteur</a:t>
-            </a:r>
-            <a:r>
-              <a:rPr lang="en-GB" noProof="0" dirty="0"/>
-              <a:t> </a:t>
-            </a:r>
-            <a:r>
-              <a:rPr lang="en-GB" noProof="0" dirty="0" err="1"/>
-              <a:t>sint</a:t>
-            </a:r>
-            <a:r>
-              <a:rPr lang="en-GB" noProof="0" dirty="0"/>
-              <a:t> </a:t>
-            </a:r>
-            <a:r>
-              <a:rPr lang="en-GB" noProof="0" dirty="0" err="1"/>
-              <a:t>occaecat</a:t>
-            </a:r>
-            <a:r>
-              <a:rPr lang="en-GB" noProof="0" dirty="0"/>
-              <a:t> </a:t>
-            </a:r>
-            <a:r>
-              <a:rPr lang="en-GB" noProof="0" dirty="0" err="1"/>
-              <a:t>cupidatat</a:t>
-            </a:r>
-            <a:r>
-              <a:rPr lang="en-GB" noProof="0" dirty="0"/>
-              <a:t> non </a:t>
-            </a:r>
-            <a:r>
-              <a:rPr lang="en-GB" noProof="0" dirty="0" err="1"/>
-              <a:t>proident</a:t>
-            </a:r>
-            <a:r>
-              <a:rPr lang="en-GB" noProof="0" dirty="0"/>
-              <a:t>, sunt in culpa qui </a:t>
-            </a:r>
-            <a:r>
-              <a:rPr lang="en-GB" noProof="0" dirty="0" err="1"/>
-              <a:t>officia</a:t>
-            </a:r>
-            <a:r>
-              <a:rPr lang="en-GB" noProof="0" dirty="0"/>
-              <a:t> </a:t>
-            </a:r>
-            <a:r>
-              <a:rPr lang="en-GB" noProof="0" dirty="0" err="1"/>
-              <a:t>deserunt</a:t>
-            </a:r>
-            <a:r>
-              <a:rPr lang="en-GB" noProof="0" dirty="0"/>
-              <a:t> </a:t>
-            </a:r>
-            <a:r>
-              <a:rPr lang="en-GB" noProof="0" dirty="0" err="1"/>
-              <a:t>mollit</a:t>
-            </a:r>
-            <a:r>
-              <a:rPr lang="en-GB" noProof="0" dirty="0"/>
-              <a:t> </a:t>
-            </a:r>
-            <a:r>
-              <a:rPr lang="en-GB" noProof="0" dirty="0" err="1"/>
-              <a:t>anim</a:t>
-            </a:r>
-            <a:r>
-              <a:rPr lang="en-GB" noProof="0" dirty="0"/>
-              <a:t> id </a:t>
-            </a:r>
-            <a:r>
-              <a:rPr lang="en-GB" noProof="0" dirty="0" err="1"/>
-              <a:t>est</a:t>
-            </a:r>
-            <a:r>
-              <a:rPr lang="en-GB" noProof="0" dirty="0"/>
-              <a:t> </a:t>
-            </a:r>
-            <a:r>
-              <a:rPr lang="en-GB" noProof="0" dirty="0" err="1"/>
-              <a:t>laborum</a:t>
-            </a:r>
-            <a:r>
-              <a:rPr lang="en-GB" noProof="0" dirty="0"/>
-              <a:t>. Ut </a:t>
-            </a:r>
-            <a:r>
-              <a:rPr lang="en-GB" noProof="0" dirty="0" err="1"/>
-              <a:t>enim</a:t>
-            </a:r>
-            <a:r>
-              <a:rPr lang="en-GB" noProof="0" dirty="0"/>
-              <a:t> ad minim </a:t>
-            </a:r>
-            <a:r>
-              <a:rPr lang="en-GB" noProof="0" dirty="0" err="1"/>
-              <a:t>veniam</a:t>
-            </a:r>
-            <a:r>
-              <a:rPr lang="en-GB" noProof="0" dirty="0"/>
-              <a:t>, </a:t>
-            </a:r>
-            <a:r>
-              <a:rPr lang="en-GB" noProof="0" dirty="0" err="1"/>
-              <a:t>quis</a:t>
-            </a:r>
-            <a:r>
-              <a:rPr lang="en-GB" noProof="0" dirty="0"/>
-              <a:t> </a:t>
-            </a:r>
-            <a:r>
-              <a:rPr lang="en-GB" noProof="0" dirty="0" err="1"/>
-              <a:t>nostrud</a:t>
-            </a:r>
-            <a:r>
-              <a:rPr lang="en-GB" noProof="0" dirty="0"/>
-              <a:t> exercitation </a:t>
-            </a:r>
-            <a:r>
-              <a:rPr lang="en-GB" noProof="0" dirty="0" err="1"/>
-              <a:t>ullamco</a:t>
-            </a:r>
-            <a:r>
-              <a:rPr lang="en-GB" noProof="0" dirty="0"/>
-              <a:t> </a:t>
-            </a:r>
-            <a:r>
-              <a:rPr lang="en-GB" noProof="0" dirty="0" err="1"/>
-              <a:t>laboris</a:t>
-            </a:r>
-            <a:r>
-              <a:rPr lang="en-GB" noProof="0" dirty="0"/>
-              <a:t> nisi </a:t>
-            </a:r>
-            <a:r>
-              <a:rPr lang="en-GB" noProof="0" dirty="0" err="1"/>
-              <a:t>ut</a:t>
-            </a:r>
-            <a:r>
-              <a:rPr lang="en-GB" noProof="0" dirty="0"/>
-              <a:t> </a:t>
-            </a:r>
-            <a:r>
-              <a:rPr lang="en-GB" noProof="0" dirty="0" err="1"/>
-              <a:t>aliquip</a:t>
-            </a:r>
-            <a:r>
-              <a:rPr lang="en-GB" noProof="0" dirty="0"/>
-              <a:t> ex.</a:t>
-            </a:r>
-          </a:p>
-        </p:txBody>
-      </p:sp>
-      <p:pic>
-        <p:nvPicPr>
-          <p:cNvPr id="13" name="Bildplatzhalter 12" descr="Ein Bild, das Gebäude, hängend, Fahrrad, sitzend enthält.&#10;&#10;Automatisch generierte Beschreibung">
-            <a:extLst>
-              <a:ext uri="{FF2B5EF4-FFF2-40B4-BE49-F238E27FC236}">
-                <a16:creationId xmlns:a16="http://schemas.microsoft.com/office/drawing/2014/main" id="{B5969189-6505-437E-803B-998CD9CEF141}"/>
-              </a:ext>
-            </a:extLst>
-          </p:cNvPr>
-          <p:cNvPicPr>
-            <a:picLocks noGrp="1" noChangeAspect="1"/>
-          </p:cNvPicPr>
-          <p:nvPr>
-            <p:ph type="pic" sz="quarter" idx="13"/>
-          </p:nvPr>
-        </p:nvPicPr>
-        <p:blipFill>
-          <a:blip r:embed="rId2">
-            <a:extLst>
-              <a:ext uri="{28A0092B-C50C-407E-A947-70E740481C1C}">
-                <a14:useLocalDpi xmlns:a14="http://schemas.microsoft.com/office/drawing/2010/main" val="0"/>
-              </a:ext>
-            </a:extLst>
-          </a:blip>
-          <a:srcRect l="526" r="526"/>
-          <a:stretch>
-            <a:fillRect/>
-          </a:stretch>
-        </p:blipFill>
-        <p:spPr/>
-      </p:pic>
-      <p:sp>
-        <p:nvSpPr>
-          <p:cNvPr id="4" name="Datumsplatzhalter 3">
-            <a:extLst>
-              <a:ext uri="{FF2B5EF4-FFF2-40B4-BE49-F238E27FC236}">
-                <a16:creationId xmlns:a16="http://schemas.microsoft.com/office/drawing/2014/main" id="{E561EB33-26DA-4BFB-9717-A85E7FB5C915}"/>
-              </a:ext>
-            </a:extLst>
-          </p:cNvPr>
-          <p:cNvSpPr>
-            <a:spLocks noGrp="1"/>
-          </p:cNvSpPr>
-          <p:nvPr>
-            <p:ph type="dt" sz="half" idx="10"/>
-          </p:nvPr>
-        </p:nvSpPr>
-        <p:spPr/>
-        <p:txBody>
-          <a:bodyPr/>
-          <a:lstStyle/>
-          <a:p>
-            <a:fld id="{3883C902-160B-4538-99A8-1486892643D4}" type="datetime1">
-              <a:rPr lang="en-GB" noProof="0" smtClean="0"/>
-              <a:t>17/07/2025</a:t>
-            </a:fld>
-            <a:endParaRPr lang="en-GB" noProof="0" dirty="0"/>
-          </a:p>
-        </p:txBody>
-      </p:sp>
-      <p:sp>
-        <p:nvSpPr>
-          <p:cNvPr id="6" name="Foliennummernplatzhalter 5">
-            <a:extLst>
-              <a:ext uri="{FF2B5EF4-FFF2-40B4-BE49-F238E27FC236}">
-                <a16:creationId xmlns:a16="http://schemas.microsoft.com/office/drawing/2014/main" id="{3F2CD38D-E3F5-46D6-96B1-4BEB06DA84C2}"/>
-              </a:ext>
-            </a:extLst>
-          </p:cNvPr>
-          <p:cNvSpPr>
-            <a:spLocks noGrp="1"/>
-          </p:cNvSpPr>
-          <p:nvPr>
-            <p:ph type="sldNum" sz="quarter" idx="12"/>
-          </p:nvPr>
-        </p:nvSpPr>
-        <p:spPr/>
-        <p:txBody>
-          <a:bodyPr/>
-          <a:lstStyle/>
-          <a:p>
-            <a:fld id="{5ACA52AF-F19D-405C-AD5F-7D94B96A5CC3}" type="slidenum">
-              <a:rPr lang="en-GB" noProof="0" smtClean="0"/>
-              <a:t>25</a:t>
-            </a:fld>
-            <a:endParaRPr lang="en-GB" noProof="0" dirty="0"/>
-          </a:p>
-        </p:txBody>
-      </p:sp>
-    </p:spTree>
-    <p:extLst>
-      <p:ext uri="{BB962C8B-B14F-4D97-AF65-F5344CB8AC3E}">
-        <p14:creationId xmlns:p14="http://schemas.microsoft.com/office/powerpoint/2010/main" val="3328173493"/>
-      </p:ext>
-    </p:extLst>
-  </p:cSld>
-  <p:clrMapOvr>
-    <a:masterClrMapping/>
-  </p:clrMapOvr>
-</p:sld>
-</file>
-
-<file path=ppt/slides/slide26.xml><?xml version="1.0" encoding="utf-8"?>
-<p:sld xmlns:a="http://schemas.openxmlformats.org/drawingml/2006/main" xmlns:r="http://schemas.openxmlformats.org/officeDocument/2006/relationships" xmlns:p="http://schemas.openxmlformats.org/presentationml/2006/main">
-  <p:cSld>
-    <p:spTree>
-      <p:nvGrpSpPr>
-        <p:cNvPr id="1" name=""/>
-        <p:cNvGrpSpPr/>
-        <p:nvPr/>
-      </p:nvGrpSpPr>
-      <p:grpSpPr>
-        <a:xfrm>
-          <a:off x="0" y="0"/>
-          <a:ext cx="0" cy="0"/>
-          <a:chOff x="0" y="0"/>
-          <a:chExt cx="0" cy="0"/>
-        </a:xfrm>
-      </p:grpSpPr>
-      <p:sp>
-        <p:nvSpPr>
-          <p:cNvPr id="2" name="Titel 1">
-            <a:extLst>
-              <a:ext uri="{FF2B5EF4-FFF2-40B4-BE49-F238E27FC236}">
-                <a16:creationId xmlns:a16="http://schemas.microsoft.com/office/drawing/2014/main" id="{E37DD576-086D-4B8E-8EA7-96DBD842881D}"/>
-              </a:ext>
-            </a:extLst>
-          </p:cNvPr>
-          <p:cNvSpPr>
-            <a:spLocks noGrp="1"/>
-          </p:cNvSpPr>
-          <p:nvPr>
-            <p:ph type="title"/>
-          </p:nvPr>
-        </p:nvSpPr>
-        <p:spPr/>
-        <p:txBody>
-          <a:bodyPr/>
-          <a:lstStyle/>
-          <a:p>
-            <a:r>
-              <a:rPr lang="en-GB" noProof="0" dirty="0"/>
-              <a:t>Hier </a:t>
-            </a:r>
-            <a:r>
-              <a:rPr lang="en-GB" noProof="0" dirty="0" err="1"/>
-              <a:t>steht</a:t>
-            </a:r>
-            <a:r>
-              <a:rPr lang="en-GB" noProof="0" dirty="0"/>
-              <a:t> der </a:t>
-            </a:r>
-            <a:r>
-              <a:rPr lang="en-GB" noProof="0" dirty="0" err="1"/>
-              <a:t>Folientitel</a:t>
-            </a:r>
-            <a:endParaRPr lang="en-GB" noProof="0" dirty="0"/>
-          </a:p>
-        </p:txBody>
-      </p:sp>
-      <p:sp>
-        <p:nvSpPr>
-          <p:cNvPr id="3" name="Inhaltsplatzhalter 2">
-            <a:extLst>
-              <a:ext uri="{FF2B5EF4-FFF2-40B4-BE49-F238E27FC236}">
-                <a16:creationId xmlns:a16="http://schemas.microsoft.com/office/drawing/2014/main" id="{D432D83E-24ED-4BAB-928B-65865CDB074E}"/>
-              </a:ext>
-            </a:extLst>
-          </p:cNvPr>
-          <p:cNvSpPr>
-            <a:spLocks noGrp="1"/>
-          </p:cNvSpPr>
-          <p:nvPr>
-            <p:ph idx="1"/>
-          </p:nvPr>
-        </p:nvSpPr>
-        <p:spPr/>
-        <p:txBody>
-          <a:bodyPr/>
-          <a:lstStyle/>
-          <a:p>
-            <a:pPr marL="0" indent="0">
-              <a:buNone/>
-            </a:pPr>
-            <a:r>
-              <a:rPr lang="en-GB" b="1" noProof="0" dirty="0" err="1"/>
-              <a:t>Kombination</a:t>
-            </a:r>
-            <a:r>
-              <a:rPr lang="en-GB" b="1" noProof="0" dirty="0"/>
-              <a:t> Bild und Text</a:t>
-            </a:r>
-          </a:p>
-          <a:p>
-            <a:pPr marL="0" indent="0">
-              <a:buNone/>
-            </a:pPr>
-            <a:r>
-              <a:rPr lang="en-GB" noProof="0" dirty="0" err="1"/>
-              <a:t>Lauftext</a:t>
-            </a:r>
-            <a:r>
-              <a:rPr lang="en-GB" noProof="0" dirty="0"/>
-              <a:t>. Lorem ipsum </a:t>
-            </a:r>
-            <a:r>
-              <a:rPr lang="en-GB" noProof="0" dirty="0" err="1"/>
-              <a:t>dolor</a:t>
-            </a:r>
-            <a:r>
-              <a:rPr lang="en-GB" noProof="0" dirty="0"/>
-              <a:t> sit </a:t>
-            </a:r>
-            <a:r>
-              <a:rPr lang="en-GB" noProof="0" dirty="0" err="1"/>
-              <a:t>amet</a:t>
-            </a:r>
-            <a:r>
-              <a:rPr lang="en-GB" noProof="0" dirty="0"/>
-              <a:t>, </a:t>
-            </a:r>
-            <a:r>
-              <a:rPr lang="en-GB" noProof="0" dirty="0" err="1"/>
-              <a:t>consectetur</a:t>
-            </a:r>
-            <a:r>
-              <a:rPr lang="en-GB" noProof="0" dirty="0"/>
-              <a:t> </a:t>
-            </a:r>
-            <a:r>
-              <a:rPr lang="en-GB" noProof="0" dirty="0" err="1"/>
-              <a:t>adipiscing</a:t>
-            </a:r>
-            <a:r>
-              <a:rPr lang="en-GB" noProof="0" dirty="0"/>
-              <a:t> </a:t>
-            </a:r>
-            <a:r>
-              <a:rPr lang="en-GB" noProof="0" dirty="0" err="1"/>
-              <a:t>elit</a:t>
-            </a:r>
-            <a:r>
-              <a:rPr lang="en-GB" noProof="0" dirty="0"/>
-              <a:t>, </a:t>
-            </a:r>
-            <a:r>
-              <a:rPr lang="en-GB" noProof="0" dirty="0" err="1"/>
-              <a:t>sed</a:t>
-            </a:r>
-            <a:r>
-              <a:rPr lang="en-GB" noProof="0" dirty="0"/>
-              <a:t> do </a:t>
-            </a:r>
-            <a:r>
-              <a:rPr lang="en-GB" noProof="0" dirty="0" err="1"/>
-              <a:t>eiusmod</a:t>
-            </a:r>
-            <a:r>
-              <a:rPr lang="en-GB" noProof="0" dirty="0"/>
-              <a:t> </a:t>
-            </a:r>
-            <a:r>
-              <a:rPr lang="en-GB" noProof="0" dirty="0" err="1"/>
-              <a:t>tempor</a:t>
-            </a:r>
-            <a:r>
-              <a:rPr lang="en-GB" noProof="0" dirty="0"/>
-              <a:t>.</a:t>
-            </a:r>
-          </a:p>
-        </p:txBody>
-      </p:sp>
-      <p:sp>
-        <p:nvSpPr>
-          <p:cNvPr id="15" name="Inhaltsplatzhalter 14">
-            <a:extLst>
-              <a:ext uri="{FF2B5EF4-FFF2-40B4-BE49-F238E27FC236}">
-                <a16:creationId xmlns:a16="http://schemas.microsoft.com/office/drawing/2014/main" id="{FCF71FFE-CA66-4F13-988C-CC5FD6C24A3A}"/>
-              </a:ext>
-            </a:extLst>
-          </p:cNvPr>
-          <p:cNvSpPr>
-            <a:spLocks noGrp="1"/>
-          </p:cNvSpPr>
-          <p:nvPr>
-            <p:ph idx="15"/>
-          </p:nvPr>
-        </p:nvSpPr>
-        <p:spPr/>
-        <p:txBody>
-          <a:bodyPr/>
-          <a:lstStyle/>
-          <a:p>
-            <a:endParaRPr lang="en-GB" noProof="0" dirty="0"/>
-          </a:p>
-        </p:txBody>
-      </p:sp>
-      <p:pic>
-        <p:nvPicPr>
-          <p:cNvPr id="25" name="Bildplatzhalter 24" descr="Ein Bild, das drinnen, Person, stehend, Gebäude enthält.&#10;&#10;Automatisch generierte Beschreibung">
-            <a:extLst>
-              <a:ext uri="{FF2B5EF4-FFF2-40B4-BE49-F238E27FC236}">
-                <a16:creationId xmlns:a16="http://schemas.microsoft.com/office/drawing/2014/main" id="{CD3BE92B-899D-4B9F-8994-5D652B37B074}"/>
-              </a:ext>
-            </a:extLst>
-          </p:cNvPr>
-          <p:cNvPicPr>
-            <a:picLocks noGrp="1" noChangeAspect="1"/>
-          </p:cNvPicPr>
-          <p:nvPr>
-            <p:ph type="pic" sz="quarter" idx="13"/>
-          </p:nvPr>
-        </p:nvPicPr>
-        <p:blipFill rotWithShape="1">
-          <a:blip r:embed="rId2">
-            <a:extLst>
-              <a:ext uri="{28A0092B-C50C-407E-A947-70E740481C1C}">
-                <a14:useLocalDpi xmlns:a14="http://schemas.microsoft.com/office/drawing/2010/main" val="0"/>
-              </a:ext>
-            </a:extLst>
-          </a:blip>
-          <a:srcRect l="2656"/>
-          <a:stretch/>
-        </p:blipFill>
-        <p:spPr>
-          <a:xfrm>
-            <a:off x="731838" y="1412875"/>
-            <a:ext cx="5256000" cy="3420000"/>
-          </a:xfrm>
-        </p:spPr>
-      </p:pic>
-      <p:pic>
-        <p:nvPicPr>
-          <p:cNvPr id="27" name="Bildplatzhalter 26" descr="Ein Bild, das Gebäude, Person, Mann, sitzend enthält.&#10;&#10;Automatisch generierte Beschreibung">
-            <a:extLst>
-              <a:ext uri="{FF2B5EF4-FFF2-40B4-BE49-F238E27FC236}">
-                <a16:creationId xmlns:a16="http://schemas.microsoft.com/office/drawing/2014/main" id="{CA3839ED-5229-40EB-B896-D93F17E58AC3}"/>
-              </a:ext>
-            </a:extLst>
-          </p:cNvPr>
-          <p:cNvPicPr>
-            <a:picLocks noGrp="1" noChangeAspect="1"/>
-          </p:cNvPicPr>
-          <p:nvPr>
-            <p:ph type="pic" sz="quarter" idx="14"/>
-          </p:nvPr>
-        </p:nvPicPr>
-        <p:blipFill>
-          <a:blip r:embed="rId3">
-            <a:extLst>
-              <a:ext uri="{28A0092B-C50C-407E-A947-70E740481C1C}">
-                <a14:useLocalDpi xmlns:a14="http://schemas.microsoft.com/office/drawing/2010/main" val="0"/>
-              </a:ext>
-            </a:extLst>
-          </a:blip>
-          <a:srcRect l="127" r="127"/>
-          <a:stretch>
-            <a:fillRect/>
-          </a:stretch>
-        </p:blipFill>
-        <p:spPr/>
-      </p:pic>
-      <p:sp>
-        <p:nvSpPr>
-          <p:cNvPr id="4" name="Datumsplatzhalter 3">
-            <a:extLst>
-              <a:ext uri="{FF2B5EF4-FFF2-40B4-BE49-F238E27FC236}">
-                <a16:creationId xmlns:a16="http://schemas.microsoft.com/office/drawing/2014/main" id="{4C113A63-4145-4707-821A-FA76EE3B17E3}"/>
-              </a:ext>
-            </a:extLst>
-          </p:cNvPr>
-          <p:cNvSpPr>
-            <a:spLocks noGrp="1"/>
-          </p:cNvSpPr>
-          <p:nvPr>
-            <p:ph type="dt" sz="half" idx="10"/>
-          </p:nvPr>
-        </p:nvSpPr>
-        <p:spPr/>
-        <p:txBody>
-          <a:bodyPr/>
-          <a:lstStyle/>
-          <a:p>
-            <a:fld id="{C32F3C7F-0C5F-4A18-A13A-CAEFDEB56FA0}" type="datetime1">
-              <a:rPr lang="en-GB" noProof="0" smtClean="0"/>
-              <a:t>17/07/2025</a:t>
-            </a:fld>
-            <a:endParaRPr lang="en-GB" noProof="0" dirty="0"/>
-          </a:p>
-        </p:txBody>
-      </p:sp>
-      <p:sp>
-        <p:nvSpPr>
-          <p:cNvPr id="6" name="Foliennummernplatzhalter 5">
-            <a:extLst>
-              <a:ext uri="{FF2B5EF4-FFF2-40B4-BE49-F238E27FC236}">
-                <a16:creationId xmlns:a16="http://schemas.microsoft.com/office/drawing/2014/main" id="{C6B5D301-0255-4560-B6D4-207099C6C812}"/>
-              </a:ext>
-            </a:extLst>
-          </p:cNvPr>
-          <p:cNvSpPr>
-            <a:spLocks noGrp="1"/>
-          </p:cNvSpPr>
-          <p:nvPr>
-            <p:ph type="sldNum" sz="quarter" idx="12"/>
-          </p:nvPr>
-        </p:nvSpPr>
-        <p:spPr/>
-        <p:txBody>
-          <a:bodyPr/>
-          <a:lstStyle/>
-          <a:p>
-            <a:fld id="{5ACA52AF-F19D-405C-AD5F-7D94B96A5CC3}" type="slidenum">
-              <a:rPr lang="en-GB" noProof="0" smtClean="0"/>
-              <a:t>26</a:t>
-            </a:fld>
-            <a:endParaRPr lang="en-GB" noProof="0" dirty="0"/>
-          </a:p>
-        </p:txBody>
-      </p:sp>
-    </p:spTree>
-    <p:extLst>
-      <p:ext uri="{BB962C8B-B14F-4D97-AF65-F5344CB8AC3E}">
-        <p14:creationId xmlns:p14="http://schemas.microsoft.com/office/powerpoint/2010/main" val="3072940504"/>
-      </p:ext>
-    </p:extLst>
-  </p:cSld>
-  <p:clrMapOvr>
-    <a:masterClrMapping/>
-  </p:clrMapOvr>
-</p:sld>
-</file>
-
-<file path=ppt/slides/slide27.xml><?xml version="1.0" encoding="utf-8"?>
-<p:sld xmlns:a="http://schemas.openxmlformats.org/drawingml/2006/main" xmlns:r="http://schemas.openxmlformats.org/officeDocument/2006/relationships" xmlns:p="http://schemas.openxmlformats.org/presentationml/2006/main">
-  <p:cSld>
-    <p:spTree>
-      <p:nvGrpSpPr>
-        <p:cNvPr id="1" name=""/>
-        <p:cNvGrpSpPr/>
-        <p:nvPr/>
-      </p:nvGrpSpPr>
-      <p:grpSpPr>
-        <a:xfrm>
-          <a:off x="0" y="0"/>
-          <a:ext cx="0" cy="0"/>
-          <a:chOff x="0" y="0"/>
-          <a:chExt cx="0" cy="0"/>
-        </a:xfrm>
-      </p:grpSpPr>
-      <p:sp>
-        <p:nvSpPr>
-          <p:cNvPr id="2" name="Titel 1">
-            <a:extLst>
-              <a:ext uri="{FF2B5EF4-FFF2-40B4-BE49-F238E27FC236}">
-                <a16:creationId xmlns:a16="http://schemas.microsoft.com/office/drawing/2014/main" id="{28D967E9-D721-4AAB-B1BE-E191FA614D70}"/>
-              </a:ext>
-            </a:extLst>
-          </p:cNvPr>
-          <p:cNvSpPr>
-            <a:spLocks noGrp="1"/>
-          </p:cNvSpPr>
-          <p:nvPr>
-            <p:ph type="title"/>
-          </p:nvPr>
-        </p:nvSpPr>
-        <p:spPr/>
-        <p:txBody>
-          <a:bodyPr/>
-          <a:lstStyle/>
-          <a:p>
-            <a:r>
-              <a:rPr lang="en-GB" noProof="0" dirty="0"/>
-              <a:t>Hier </a:t>
-            </a:r>
-            <a:r>
-              <a:rPr lang="en-GB" noProof="0" dirty="0" err="1"/>
-              <a:t>steht</a:t>
-            </a:r>
-            <a:r>
-              <a:rPr lang="en-GB" noProof="0" dirty="0"/>
-              <a:t> der </a:t>
-            </a:r>
-            <a:r>
-              <a:rPr lang="en-GB" noProof="0" dirty="0" err="1"/>
-              <a:t>Folientitel</a:t>
-            </a:r>
-            <a:r>
-              <a:rPr lang="en-GB" noProof="0" dirty="0"/>
-              <a:t>,</a:t>
-            </a:r>
-            <a:br>
-              <a:rPr lang="en-GB" noProof="0" dirty="0"/>
-            </a:br>
-            <a:r>
-              <a:rPr lang="en-GB" noProof="0" dirty="0" err="1"/>
-              <a:t>ggf</a:t>
-            </a:r>
-            <a:r>
-              <a:rPr lang="en-GB" noProof="0" dirty="0"/>
-              <a:t>. </a:t>
-            </a:r>
-            <a:r>
-              <a:rPr lang="en-GB" noProof="0" dirty="0" err="1"/>
-              <a:t>auch</a:t>
-            </a:r>
-            <a:r>
-              <a:rPr lang="en-GB" noProof="0" dirty="0"/>
-              <a:t> </a:t>
-            </a:r>
-            <a:r>
-              <a:rPr lang="en-GB" noProof="0" dirty="0" err="1"/>
-              <a:t>über</a:t>
-            </a:r>
-            <a:r>
-              <a:rPr lang="en-GB" noProof="0" dirty="0"/>
-              <a:t> </a:t>
-            </a:r>
-            <a:r>
-              <a:rPr lang="en-GB" noProof="0" dirty="0" err="1"/>
-              <a:t>zwei</a:t>
-            </a:r>
-            <a:r>
-              <a:rPr lang="en-GB" noProof="0" dirty="0"/>
-              <a:t> </a:t>
-            </a:r>
-            <a:r>
-              <a:rPr lang="en-GB" noProof="0" dirty="0" err="1"/>
-              <a:t>Zeilen</a:t>
-            </a:r>
-            <a:endParaRPr lang="en-GB" noProof="0" dirty="0"/>
-          </a:p>
-        </p:txBody>
-      </p:sp>
-      <p:sp>
-        <p:nvSpPr>
-          <p:cNvPr id="3" name="Inhaltsplatzhalter 2">
-            <a:extLst>
-              <a:ext uri="{FF2B5EF4-FFF2-40B4-BE49-F238E27FC236}">
-                <a16:creationId xmlns:a16="http://schemas.microsoft.com/office/drawing/2014/main" id="{5DC67D2E-7487-43A9-B734-0DEEE96D6BCF}"/>
-              </a:ext>
-            </a:extLst>
-          </p:cNvPr>
-          <p:cNvSpPr>
-            <a:spLocks noGrp="1"/>
-          </p:cNvSpPr>
-          <p:nvPr>
-            <p:ph idx="1"/>
-          </p:nvPr>
-        </p:nvSpPr>
-        <p:spPr/>
-        <p:txBody>
-          <a:bodyPr/>
-          <a:lstStyle/>
-          <a:p>
-            <a:pPr marL="0" indent="0">
-              <a:buNone/>
-            </a:pPr>
-            <a:r>
-              <a:rPr lang="en-GB" b="1" noProof="0" dirty="0" err="1"/>
-              <a:t>Kombination</a:t>
-            </a:r>
-            <a:r>
-              <a:rPr lang="en-GB" b="1" noProof="0" dirty="0"/>
-              <a:t> Bild und Text</a:t>
-            </a:r>
-          </a:p>
-          <a:p>
-            <a:pPr marL="0" indent="0">
-              <a:buNone/>
-            </a:pPr>
-            <a:r>
-              <a:rPr lang="en-GB" noProof="0" dirty="0" err="1"/>
-              <a:t>Lauftext</a:t>
-            </a:r>
-            <a:r>
-              <a:rPr lang="en-GB" noProof="0" dirty="0"/>
-              <a:t>. Lorem ipsum </a:t>
-            </a:r>
-            <a:r>
-              <a:rPr lang="en-GB" noProof="0" dirty="0" err="1"/>
-              <a:t>dolor</a:t>
-            </a:r>
-            <a:r>
-              <a:rPr lang="en-GB" noProof="0" dirty="0"/>
-              <a:t> sit </a:t>
-            </a:r>
-            <a:r>
-              <a:rPr lang="en-GB" noProof="0" dirty="0" err="1"/>
-              <a:t>amet</a:t>
-            </a:r>
-            <a:r>
-              <a:rPr lang="en-GB" noProof="0" dirty="0"/>
-              <a:t>, </a:t>
-            </a:r>
-            <a:r>
-              <a:rPr lang="en-GB" noProof="0" dirty="0" err="1"/>
-              <a:t>consectetur</a:t>
-            </a:r>
-            <a:r>
-              <a:rPr lang="en-GB" noProof="0" dirty="0"/>
-              <a:t> </a:t>
-            </a:r>
-            <a:r>
-              <a:rPr lang="en-GB" noProof="0" dirty="0" err="1"/>
-              <a:t>adipiscing</a:t>
-            </a:r>
-            <a:r>
-              <a:rPr lang="en-GB" noProof="0" dirty="0"/>
-              <a:t> </a:t>
-            </a:r>
-            <a:r>
-              <a:rPr lang="en-GB" noProof="0" dirty="0" err="1"/>
-              <a:t>elit</a:t>
-            </a:r>
-            <a:r>
-              <a:rPr lang="en-GB" noProof="0" dirty="0"/>
-              <a:t>, </a:t>
-            </a:r>
-            <a:r>
-              <a:rPr lang="en-GB" noProof="0" dirty="0" err="1"/>
-              <a:t>sed</a:t>
-            </a:r>
-            <a:r>
-              <a:rPr lang="en-GB" noProof="0" dirty="0"/>
-              <a:t> do </a:t>
-            </a:r>
-            <a:r>
-              <a:rPr lang="en-GB" noProof="0" dirty="0" err="1"/>
-              <a:t>eiusmod</a:t>
-            </a:r>
-            <a:r>
-              <a:rPr lang="en-GB" noProof="0" dirty="0"/>
-              <a:t> </a:t>
-            </a:r>
-            <a:r>
-              <a:rPr lang="en-GB" noProof="0" dirty="0" err="1"/>
-              <a:t>tempor</a:t>
-            </a:r>
-            <a:r>
-              <a:rPr lang="en-GB" noProof="0" dirty="0"/>
-              <a:t> </a:t>
-            </a:r>
-            <a:r>
-              <a:rPr lang="en-GB" noProof="0" dirty="0" err="1"/>
-              <a:t>incididunt</a:t>
-            </a:r>
-            <a:r>
-              <a:rPr lang="en-GB" noProof="0" dirty="0"/>
-              <a:t> </a:t>
-            </a:r>
-            <a:r>
-              <a:rPr lang="en-GB" noProof="0" dirty="0" err="1"/>
-              <a:t>ut</a:t>
-            </a:r>
-            <a:r>
-              <a:rPr lang="en-GB" noProof="0" dirty="0"/>
-              <a:t> labore et dolore magna </a:t>
-            </a:r>
-            <a:r>
-              <a:rPr lang="en-GB" noProof="0" dirty="0" err="1"/>
-              <a:t>aliqua</a:t>
-            </a:r>
-            <a:r>
-              <a:rPr lang="en-GB" noProof="0" dirty="0"/>
-              <a:t>. Ut </a:t>
-            </a:r>
-            <a:r>
-              <a:rPr lang="en-GB" noProof="0" dirty="0" err="1"/>
-              <a:t>enim</a:t>
-            </a:r>
-            <a:r>
-              <a:rPr lang="en-GB" noProof="0" dirty="0"/>
-              <a:t> ad minim </a:t>
-            </a:r>
-            <a:r>
-              <a:rPr lang="en-GB" noProof="0" dirty="0" err="1"/>
-              <a:t>veniam</a:t>
-            </a:r>
-            <a:r>
-              <a:rPr lang="en-GB" noProof="0" dirty="0"/>
-              <a:t>, </a:t>
-            </a:r>
-            <a:r>
-              <a:rPr lang="en-GB" noProof="0" dirty="0" err="1"/>
-              <a:t>quis</a:t>
-            </a:r>
-            <a:r>
-              <a:rPr lang="en-GB" noProof="0" dirty="0"/>
-              <a:t> </a:t>
-            </a:r>
-            <a:r>
-              <a:rPr lang="en-GB" noProof="0" dirty="0" err="1"/>
-              <a:t>nostrud</a:t>
-            </a:r>
-            <a:r>
-              <a:rPr lang="en-GB" noProof="0" dirty="0"/>
-              <a:t> exercitation</a:t>
-            </a:r>
-          </a:p>
-        </p:txBody>
-      </p:sp>
-      <p:pic>
-        <p:nvPicPr>
-          <p:cNvPr id="27" name="Bildplatzhalter 26" descr="Ein Bild, das Fenster, Person, drinnen, suchend enthält.&#10;&#10;Automatisch generierte Beschreibung">
-            <a:extLst>
-              <a:ext uri="{FF2B5EF4-FFF2-40B4-BE49-F238E27FC236}">
-                <a16:creationId xmlns:a16="http://schemas.microsoft.com/office/drawing/2014/main" id="{43ED9C4A-9DF2-40BA-831C-963F88C39E5B}"/>
-              </a:ext>
-            </a:extLst>
-          </p:cNvPr>
-          <p:cNvPicPr>
-            <a:picLocks noGrp="1" noChangeAspect="1"/>
-          </p:cNvPicPr>
-          <p:nvPr>
-            <p:ph type="pic" sz="quarter" idx="13"/>
-          </p:nvPr>
-        </p:nvPicPr>
-        <p:blipFill>
-          <a:blip r:embed="rId2">
-            <a:extLst>
-              <a:ext uri="{28A0092B-C50C-407E-A947-70E740481C1C}">
-                <a14:useLocalDpi xmlns:a14="http://schemas.microsoft.com/office/drawing/2010/main" val="0"/>
-              </a:ext>
-            </a:extLst>
-          </a:blip>
-          <a:srcRect l="489" r="489"/>
-          <a:stretch>
-            <a:fillRect/>
-          </a:stretch>
-        </p:blipFill>
-        <p:spPr/>
-      </p:pic>
-      <p:pic>
-        <p:nvPicPr>
-          <p:cNvPr id="23" name="Bildplatzhalter 22" descr="Ein Bild, das drinnen, Tisch, Tasse, sitzend enthält.&#10;&#10;Automatisch generierte Beschreibung">
-            <a:extLst>
-              <a:ext uri="{FF2B5EF4-FFF2-40B4-BE49-F238E27FC236}">
-                <a16:creationId xmlns:a16="http://schemas.microsoft.com/office/drawing/2014/main" id="{1928DBF4-6834-46AD-8176-8523F4E3E0F4}"/>
-              </a:ext>
-            </a:extLst>
-          </p:cNvPr>
-          <p:cNvPicPr>
-            <a:picLocks noGrp="1" noChangeAspect="1"/>
-          </p:cNvPicPr>
-          <p:nvPr>
-            <p:ph type="pic" sz="quarter" idx="17"/>
-          </p:nvPr>
-        </p:nvPicPr>
-        <p:blipFill rotWithShape="1">
-          <a:blip r:embed="rId3">
-            <a:extLst>
-              <a:ext uri="{28A0092B-C50C-407E-A947-70E740481C1C}">
-                <a14:useLocalDpi xmlns:a14="http://schemas.microsoft.com/office/drawing/2010/main" val="0"/>
-              </a:ext>
-            </a:extLst>
-          </a:blip>
-          <a:srcRect l="234" r="2403"/>
-          <a:stretch/>
-        </p:blipFill>
-        <p:spPr>
-          <a:xfrm>
-            <a:off x="4385999" y="1414800"/>
-            <a:ext cx="3420000" cy="2484000"/>
-          </a:xfrm>
-        </p:spPr>
-      </p:pic>
-      <p:pic>
-        <p:nvPicPr>
-          <p:cNvPr id="25" name="Bildplatzhalter 24" descr="Ein Bild, das Person, Mann, drinnen, Kühlschrank enthält.&#10;&#10;Automatisch generierte Beschreibung">
-            <a:extLst>
-              <a:ext uri="{FF2B5EF4-FFF2-40B4-BE49-F238E27FC236}">
-                <a16:creationId xmlns:a16="http://schemas.microsoft.com/office/drawing/2014/main" id="{91999250-CA9F-48D7-8A50-D3D4BC00F9B8}"/>
-              </a:ext>
-            </a:extLst>
-          </p:cNvPr>
-          <p:cNvPicPr>
-            <a:picLocks noGrp="1" noChangeAspect="1"/>
-          </p:cNvPicPr>
-          <p:nvPr>
-            <p:ph type="pic" sz="quarter" idx="16"/>
-          </p:nvPr>
-        </p:nvPicPr>
-        <p:blipFill>
-          <a:blip r:embed="rId4">
-            <a:extLst>
-              <a:ext uri="{28A0092B-C50C-407E-A947-70E740481C1C}">
-                <a14:useLocalDpi xmlns:a14="http://schemas.microsoft.com/office/drawing/2010/main" val="0"/>
-              </a:ext>
-            </a:extLst>
-          </a:blip>
-          <a:srcRect l="252" r="252"/>
-          <a:stretch>
-            <a:fillRect/>
-          </a:stretch>
-        </p:blipFill>
-        <p:spPr/>
-      </p:pic>
-      <p:sp>
-        <p:nvSpPr>
-          <p:cNvPr id="4" name="Datumsplatzhalter 3">
-            <a:extLst>
-              <a:ext uri="{FF2B5EF4-FFF2-40B4-BE49-F238E27FC236}">
-                <a16:creationId xmlns:a16="http://schemas.microsoft.com/office/drawing/2014/main" id="{1EDD72CB-F104-4DE7-8E0E-740091A208E7}"/>
-              </a:ext>
-            </a:extLst>
-          </p:cNvPr>
-          <p:cNvSpPr>
-            <a:spLocks noGrp="1"/>
-          </p:cNvSpPr>
-          <p:nvPr>
-            <p:ph type="dt" sz="half" idx="10"/>
-          </p:nvPr>
-        </p:nvSpPr>
-        <p:spPr/>
-        <p:txBody>
-          <a:bodyPr/>
-          <a:lstStyle/>
-          <a:p>
-            <a:fld id="{C346C403-2363-42FC-8982-6D08D86AEC82}" type="datetime1">
-              <a:rPr lang="en-GB" noProof="0" smtClean="0"/>
-              <a:t>17/07/2025</a:t>
-            </a:fld>
-            <a:endParaRPr lang="en-GB" noProof="0" dirty="0"/>
-          </a:p>
-        </p:txBody>
-      </p:sp>
-      <p:sp>
-        <p:nvSpPr>
-          <p:cNvPr id="6" name="Foliennummernplatzhalter 5">
-            <a:extLst>
-              <a:ext uri="{FF2B5EF4-FFF2-40B4-BE49-F238E27FC236}">
-                <a16:creationId xmlns:a16="http://schemas.microsoft.com/office/drawing/2014/main" id="{5985790D-0071-457D-86B5-CFCB0B92A18F}"/>
-              </a:ext>
-            </a:extLst>
-          </p:cNvPr>
-          <p:cNvSpPr>
-            <a:spLocks noGrp="1"/>
-          </p:cNvSpPr>
-          <p:nvPr>
-            <p:ph type="sldNum" sz="quarter" idx="12"/>
-          </p:nvPr>
-        </p:nvSpPr>
-        <p:spPr/>
-        <p:txBody>
-          <a:bodyPr/>
-          <a:lstStyle/>
-          <a:p>
-            <a:fld id="{5ACA52AF-F19D-405C-AD5F-7D94B96A5CC3}" type="slidenum">
-              <a:rPr lang="en-GB" noProof="0" smtClean="0"/>
-              <a:t>27</a:t>
-            </a:fld>
-            <a:endParaRPr lang="en-GB" noProof="0" dirty="0"/>
-          </a:p>
-        </p:txBody>
-      </p:sp>
-    </p:spTree>
-    <p:extLst>
-      <p:ext uri="{BB962C8B-B14F-4D97-AF65-F5344CB8AC3E}">
-        <p14:creationId xmlns:p14="http://schemas.microsoft.com/office/powerpoint/2010/main" val="1032210412"/>
-      </p:ext>
-    </p:extLst>
-  </p:cSld>
-  <p:clrMapOvr>
-    <a:masterClrMapping/>
-  </p:clrMapOvr>
-</p:sld>
-</file>
-
-<file path=ppt/slides/slide28.xml><?xml version="1.0" encoding="utf-8"?>
-<p:sld xmlns:a="http://schemas.openxmlformats.org/drawingml/2006/main" xmlns:r="http://schemas.openxmlformats.org/officeDocument/2006/relationships" xmlns:p="http://schemas.openxmlformats.org/presentationml/2006/main">
-  <p:cSld>
-    <p:spTree>
-      <p:nvGrpSpPr>
-        <p:cNvPr id="1" name=""/>
-        <p:cNvGrpSpPr/>
-        <p:nvPr/>
-      </p:nvGrpSpPr>
-      <p:grpSpPr>
-        <a:xfrm>
-          <a:off x="0" y="0"/>
-          <a:ext cx="0" cy="0"/>
-          <a:chOff x="0" y="0"/>
-          <a:chExt cx="0" cy="0"/>
-        </a:xfrm>
-      </p:grpSpPr>
-      <p:sp>
-        <p:nvSpPr>
-          <p:cNvPr id="2" name="Titel 1">
-            <a:extLst>
-              <a:ext uri="{FF2B5EF4-FFF2-40B4-BE49-F238E27FC236}">
-                <a16:creationId xmlns:a16="http://schemas.microsoft.com/office/drawing/2014/main" id="{A7CA13FE-7A13-4ED3-8196-74CAF963149C}"/>
-              </a:ext>
-            </a:extLst>
-          </p:cNvPr>
-          <p:cNvSpPr>
-            <a:spLocks noGrp="1"/>
-          </p:cNvSpPr>
-          <p:nvPr>
-            <p:ph type="title"/>
-          </p:nvPr>
-        </p:nvSpPr>
-        <p:spPr/>
-        <p:txBody>
-          <a:bodyPr/>
-          <a:lstStyle/>
-          <a:p>
-            <a:r>
-              <a:rPr lang="en-GB" noProof="0" dirty="0"/>
-              <a:t>Hier </a:t>
-            </a:r>
-            <a:r>
-              <a:rPr lang="en-GB" noProof="0" dirty="0" err="1"/>
-              <a:t>steht</a:t>
-            </a:r>
-            <a:r>
-              <a:rPr lang="en-GB" noProof="0" dirty="0"/>
-              <a:t> der </a:t>
-            </a:r>
-            <a:r>
-              <a:rPr lang="en-GB" noProof="0" dirty="0" err="1"/>
-              <a:t>Folientitel</a:t>
-            </a:r>
-            <a:endParaRPr lang="en-GB" noProof="0" dirty="0"/>
-          </a:p>
-        </p:txBody>
-      </p:sp>
-      <p:sp>
-        <p:nvSpPr>
-          <p:cNvPr id="3" name="Inhaltsplatzhalter 2">
-            <a:extLst>
-              <a:ext uri="{FF2B5EF4-FFF2-40B4-BE49-F238E27FC236}">
-                <a16:creationId xmlns:a16="http://schemas.microsoft.com/office/drawing/2014/main" id="{E7FD6150-4476-428E-BB61-724E0142D925}"/>
-              </a:ext>
-            </a:extLst>
-          </p:cNvPr>
-          <p:cNvSpPr>
-            <a:spLocks noGrp="1"/>
-          </p:cNvSpPr>
-          <p:nvPr>
-            <p:ph idx="1"/>
-          </p:nvPr>
-        </p:nvSpPr>
-        <p:spPr/>
-        <p:txBody>
-          <a:bodyPr/>
-          <a:lstStyle/>
-          <a:p>
-            <a:r>
-              <a:rPr lang="en-GB" noProof="0" dirty="0"/>
-              <a:t>Titel der </a:t>
-            </a:r>
-            <a:r>
-              <a:rPr lang="en-GB" noProof="0" dirty="0" err="1"/>
-              <a:t>Tabelle</a:t>
-            </a:r>
-            <a:endParaRPr lang="en-GB" noProof="0" dirty="0"/>
-          </a:p>
-        </p:txBody>
-      </p:sp>
-      <p:graphicFrame>
-        <p:nvGraphicFramePr>
-          <p:cNvPr id="10" name="Tabelle 10">
-            <a:extLst>
-              <a:ext uri="{FF2B5EF4-FFF2-40B4-BE49-F238E27FC236}">
-                <a16:creationId xmlns:a16="http://schemas.microsoft.com/office/drawing/2014/main" id="{7E7EE0D9-F96C-4F09-9F41-32C62A5A6547}"/>
-              </a:ext>
-            </a:extLst>
-          </p:cNvPr>
-          <p:cNvGraphicFramePr>
-            <a:graphicFrameLocks noGrp="1"/>
-          </p:cNvGraphicFramePr>
-          <p:nvPr>
-            <p:ph type="tbl" sz="quarter" idx="13"/>
-            <p:extLst>
-              <p:ext uri="{D42A27DB-BD31-4B8C-83A1-F6EECF244321}">
-                <p14:modId xmlns:p14="http://schemas.microsoft.com/office/powerpoint/2010/main" val="3846199686"/>
-              </p:ext>
-            </p:extLst>
-          </p:nvPr>
-        </p:nvGraphicFramePr>
-        <p:xfrm>
-          <a:off x="731838" y="2062163"/>
-          <a:ext cx="8784000" cy="2268000"/>
-        </p:xfrm>
-        <a:graphic>
-          <a:graphicData uri="http://schemas.openxmlformats.org/drawingml/2006/table">
-            <a:tbl>
-              <a:tblPr firstRow="1" bandRow="1">
-                <a:tableStyleId>{9D7B26C5-4107-4FEC-AEDC-1716B250A1EF}</a:tableStyleId>
-              </a:tblPr>
-              <a:tblGrid>
-                <a:gridCol w="3600000">
-                  <a:extLst>
-                    <a:ext uri="{9D8B030D-6E8A-4147-A177-3AD203B41FA5}">
-                      <a16:colId xmlns:a16="http://schemas.microsoft.com/office/drawing/2014/main" val="4203801519"/>
-                    </a:ext>
-                  </a:extLst>
-                </a:gridCol>
-                <a:gridCol w="1296000">
-                  <a:extLst>
-                    <a:ext uri="{9D8B030D-6E8A-4147-A177-3AD203B41FA5}">
-                      <a16:colId xmlns:a16="http://schemas.microsoft.com/office/drawing/2014/main" val="740495432"/>
-                    </a:ext>
-                  </a:extLst>
-                </a:gridCol>
-                <a:gridCol w="1296000">
-                  <a:extLst>
-                    <a:ext uri="{9D8B030D-6E8A-4147-A177-3AD203B41FA5}">
-                      <a16:colId xmlns:a16="http://schemas.microsoft.com/office/drawing/2014/main" val="3080648808"/>
-                    </a:ext>
-                  </a:extLst>
-                </a:gridCol>
-                <a:gridCol w="1296000">
-                  <a:extLst>
-                    <a:ext uri="{9D8B030D-6E8A-4147-A177-3AD203B41FA5}">
-                      <a16:colId xmlns:a16="http://schemas.microsoft.com/office/drawing/2014/main" val="3595204828"/>
-                    </a:ext>
-                  </a:extLst>
-                </a:gridCol>
-                <a:gridCol w="1296000">
-                  <a:extLst>
-                    <a:ext uri="{9D8B030D-6E8A-4147-A177-3AD203B41FA5}">
-                      <a16:colId xmlns:a16="http://schemas.microsoft.com/office/drawing/2014/main" val="3488753729"/>
-                    </a:ext>
-                  </a:extLst>
-                </a:gridCol>
-              </a:tblGrid>
-              <a:tr h="324000">
-                <a:tc>
-                  <a:txBody>
-                    <a:bodyPr/>
-                    <a:lstStyle/>
-                    <a:p>
-                      <a:r>
-                        <a:rPr lang="en-GB" sz="1400" noProof="0" dirty="0" err="1"/>
-                        <a:t>Spaltenüberschrift</a:t>
-                      </a:r>
-                      <a:endParaRPr lang="en-GB" sz="1400" noProof="0" dirty="0"/>
-                    </a:p>
-                  </a:txBody>
-                  <a:tcPr marL="0" marR="72000" marT="0" marB="0" anchor="ctr">
-                    <a:lnT w="12700" cmpd="sng">
-                      <a:noFill/>
-                    </a:lnT>
-                    <a:lnB w="12700" cap="flat" cmpd="sng" algn="ctr">
-                      <a:solidFill>
-                        <a:schemeClr val="tx1"/>
-                      </a:solidFill>
-                      <a:prstDash val="solid"/>
-                      <a:round/>
-                      <a:headEnd type="none" w="med" len="med"/>
-                      <a:tailEnd type="none" w="med" len="med"/>
-                    </a:lnB>
-                  </a:tcPr>
-                </a:tc>
-                <a:tc>
-                  <a:txBody>
-                    <a:bodyPr/>
-                    <a:lstStyle/>
-                    <a:p>
-                      <a:pPr algn="r"/>
-                      <a:r>
-                        <a:rPr lang="en-GB" sz="1400" noProof="0" dirty="0"/>
-                        <a:t>2021</a:t>
-                      </a:r>
-                    </a:p>
-                  </a:txBody>
-                  <a:tcPr marL="0" marR="72000" marT="0" marB="0" anchor="ctr">
-                    <a:lnT w="12700" cmpd="sng">
-                      <a:noFill/>
-                    </a:lnT>
-                    <a:lnB w="12700" cap="flat" cmpd="sng" algn="ctr">
-                      <a:solidFill>
-                        <a:schemeClr val="tx1"/>
-                      </a:solidFill>
-                      <a:prstDash val="solid"/>
-                      <a:round/>
-                      <a:headEnd type="none" w="med" len="med"/>
-                      <a:tailEnd type="none" w="med" len="med"/>
-                    </a:lnB>
-                  </a:tcPr>
-                </a:tc>
-                <a:tc>
-                  <a:txBody>
-                    <a:bodyPr/>
-                    <a:lstStyle/>
-                    <a:p>
-                      <a:pPr algn="r"/>
-                      <a:r>
-                        <a:rPr lang="en-GB" sz="1400" noProof="0" dirty="0"/>
-                        <a:t>2020</a:t>
-                      </a:r>
-                    </a:p>
-                  </a:txBody>
-                  <a:tcPr marL="0" marR="72000" marT="0" marB="0" anchor="ctr">
-                    <a:lnT w="12700" cmpd="sng">
-                      <a:noFill/>
-                    </a:lnT>
-                  </a:tcPr>
-                </a:tc>
-                <a:tc>
-                  <a:txBody>
-                    <a:bodyPr/>
-                    <a:lstStyle/>
-                    <a:p>
-                      <a:pPr algn="r"/>
-                      <a:r>
-                        <a:rPr lang="en-GB" sz="1400" noProof="0" dirty="0"/>
-                        <a:t>2019</a:t>
-                      </a:r>
-                    </a:p>
-                  </a:txBody>
-                  <a:tcPr marL="0" marR="72000" marT="0" marB="0" anchor="ctr">
-                    <a:lnT w="12700" cmpd="sng">
-                      <a:noFill/>
-                    </a:lnT>
-                  </a:tcPr>
-                </a:tc>
-                <a:tc>
-                  <a:txBody>
-                    <a:bodyPr/>
-                    <a:lstStyle/>
-                    <a:p>
-                      <a:pPr algn="r"/>
-                      <a:r>
-                        <a:rPr lang="en-GB" sz="1400" noProof="0" dirty="0"/>
-                        <a:t>2018</a:t>
-                      </a:r>
-                    </a:p>
-                  </a:txBody>
-                  <a:tcPr marL="0" marR="72000" marT="0" marB="0" anchor="ctr">
-                    <a:lnT w="12700" cmpd="sng">
-                      <a:noFill/>
-                    </a:lnT>
-                  </a:tcPr>
-                </a:tc>
-                <a:extLst>
-                  <a:ext uri="{0D108BD9-81ED-4DB2-BD59-A6C34878D82A}">
-                    <a16:rowId xmlns:a16="http://schemas.microsoft.com/office/drawing/2014/main" val="2457665754"/>
-                  </a:ext>
-                </a:extLst>
-              </a:tr>
-              <a:tr h="324000">
-                <a:tc>
-                  <a:txBody>
-                    <a:bodyPr/>
-                    <a:lstStyle/>
-                    <a:p>
-                      <a:r>
-                        <a:rPr lang="en-GB" sz="1400" noProof="0" dirty="0"/>
-                        <a:t>Lorem ipsum </a:t>
-                      </a:r>
-                      <a:r>
-                        <a:rPr lang="en-GB" sz="1400" noProof="0" dirty="0" err="1"/>
-                        <a:t>dolor</a:t>
-                      </a:r>
-                      <a:endParaRPr lang="en-GB" sz="1400" noProof="0" dirty="0"/>
-                    </a:p>
-                  </a:txBody>
-                  <a:tcPr marL="0" marR="72000" marT="0" marB="0" anchor="ctr">
-                    <a:lnT w="12700" cap="flat" cmpd="sng" algn="ctr">
-                      <a:solidFill>
-                        <a:schemeClr val="tx1"/>
-                      </a:solidFill>
-                      <a:prstDash val="solid"/>
-                      <a:round/>
-                      <a:headEnd type="none" w="med" len="med"/>
-                      <a:tailEnd type="none" w="med" len="med"/>
-                    </a:lnT>
-                    <a:lnB w="6350" cap="flat" cmpd="sng" algn="ctr">
-                      <a:solidFill>
-                        <a:schemeClr val="tx1"/>
-                      </a:solidFill>
-                      <a:prstDash val="solid"/>
-                      <a:round/>
-                      <a:headEnd type="none" w="med" len="med"/>
-                      <a:tailEnd type="none" w="med" len="med"/>
-                    </a:lnB>
-                    <a:solidFill>
-                      <a:schemeClr val="bg1"/>
-                    </a:solidFill>
-                  </a:tcPr>
-                </a:tc>
-                <a:tc>
-                  <a:txBody>
-                    <a:bodyPr/>
-                    <a:lstStyle/>
-                    <a:p>
-                      <a:pPr algn="r"/>
-                      <a:r>
-                        <a:rPr lang="en-GB" sz="1400" noProof="0" dirty="0"/>
-                        <a:t>1606</a:t>
-                      </a:r>
-                    </a:p>
-                  </a:txBody>
-                  <a:tcPr marL="0" marR="72000" marT="0" marB="0" anchor="ctr">
-                    <a:lnT w="12700" cap="flat" cmpd="sng" algn="ctr">
-                      <a:solidFill>
-                        <a:schemeClr val="tx1"/>
-                      </a:solidFill>
-                      <a:prstDash val="solid"/>
-                      <a:round/>
-                      <a:headEnd type="none" w="med" len="med"/>
-                      <a:tailEnd type="none" w="med" len="med"/>
-                    </a:lnT>
-                    <a:lnB w="6350" cap="flat" cmpd="sng" algn="ctr">
-                      <a:solidFill>
-                        <a:schemeClr val="tx1"/>
-                      </a:solidFill>
-                      <a:prstDash val="solid"/>
-                      <a:round/>
-                      <a:headEnd type="none" w="med" len="med"/>
-                      <a:tailEnd type="none" w="med" len="med"/>
-                    </a:lnB>
-                    <a:solidFill>
-                      <a:schemeClr val="accent2">
-                        <a:alpha val="14902"/>
-                      </a:schemeClr>
-                    </a:solidFill>
-                  </a:tcPr>
-                </a:tc>
-                <a:tc>
-                  <a:txBody>
-                    <a:bodyPr/>
-                    <a:lstStyle/>
-                    <a:p>
-                      <a:pPr algn="r"/>
-                      <a:r>
-                        <a:rPr lang="en-GB" sz="1400" noProof="0" dirty="0"/>
-                        <a:t>1678</a:t>
-                      </a:r>
-                    </a:p>
-                  </a:txBody>
-                  <a:tcPr marL="0" marR="72000" marT="0" marB="0" anchor="ctr">
-                    <a:lnB w="6350" cap="flat" cmpd="sng" algn="ctr">
-                      <a:solidFill>
-                        <a:schemeClr val="tx1"/>
-                      </a:solidFill>
-                      <a:prstDash val="solid"/>
-                      <a:round/>
-                      <a:headEnd type="none" w="med" len="med"/>
-                      <a:tailEnd type="none" w="med" len="med"/>
-                    </a:lnB>
-                    <a:solidFill>
-                      <a:schemeClr val="bg1"/>
-                    </a:solidFill>
-                  </a:tcPr>
-                </a:tc>
-                <a:tc>
-                  <a:txBody>
-                    <a:bodyPr/>
-                    <a:lstStyle/>
-                    <a:p>
-                      <a:pPr algn="r"/>
-                      <a:r>
-                        <a:rPr lang="en-GB" sz="1400" noProof="0" dirty="0"/>
-                        <a:t>2072</a:t>
-                      </a:r>
-                    </a:p>
-                  </a:txBody>
-                  <a:tcPr marL="0" marR="72000" marT="0" marB="0" anchor="ctr">
-                    <a:lnB w="6350" cap="flat" cmpd="sng" algn="ctr">
-                      <a:solidFill>
-                        <a:schemeClr val="tx1"/>
-                      </a:solidFill>
-                      <a:prstDash val="solid"/>
-                      <a:round/>
-                      <a:headEnd type="none" w="med" len="med"/>
-                      <a:tailEnd type="none" w="med" len="med"/>
-                    </a:lnB>
-                    <a:solidFill>
-                      <a:schemeClr val="accent2">
-                        <a:alpha val="14902"/>
-                      </a:schemeClr>
-                    </a:solidFill>
-                  </a:tcPr>
-                </a:tc>
-                <a:tc>
-                  <a:txBody>
-                    <a:bodyPr/>
-                    <a:lstStyle/>
-                    <a:p>
-                      <a:pPr algn="r"/>
-                      <a:r>
-                        <a:rPr lang="en-GB" sz="1400" noProof="0" dirty="0"/>
-                        <a:t>2196</a:t>
-                      </a:r>
-                    </a:p>
-                  </a:txBody>
-                  <a:tcPr marL="0" marR="72000" marT="0" marB="0" anchor="ctr">
-                    <a:lnB w="6350" cap="flat" cmpd="sng" algn="ctr">
-                      <a:solidFill>
-                        <a:schemeClr val="tx1"/>
-                      </a:solidFill>
-                      <a:prstDash val="solid"/>
-                      <a:round/>
-                      <a:headEnd type="none" w="med" len="med"/>
-                      <a:tailEnd type="none" w="med" len="med"/>
-                    </a:lnB>
-                    <a:solidFill>
-                      <a:schemeClr val="bg1"/>
-                    </a:solidFill>
-                  </a:tcPr>
-                </a:tc>
-                <a:extLst>
-                  <a:ext uri="{0D108BD9-81ED-4DB2-BD59-A6C34878D82A}">
-                    <a16:rowId xmlns:a16="http://schemas.microsoft.com/office/drawing/2014/main" val="341457593"/>
-                  </a:ext>
-                </a:extLst>
-              </a:tr>
-              <a:tr h="324000">
-                <a:tc>
-                  <a:txBody>
-                    <a:bodyPr/>
-                    <a:lstStyle/>
-                    <a:p>
-                      <a:r>
-                        <a:rPr lang="en-GB" sz="1400" noProof="0" dirty="0" err="1"/>
-                        <a:t>Excepteur</a:t>
-                      </a:r>
-                      <a:r>
-                        <a:rPr lang="en-GB" sz="1400" noProof="0" dirty="0"/>
-                        <a:t> </a:t>
-                      </a:r>
-                      <a:r>
-                        <a:rPr lang="en-GB" sz="1400" noProof="0" dirty="0" err="1"/>
-                        <a:t>sint</a:t>
-                      </a:r>
-                      <a:r>
-                        <a:rPr lang="en-GB" sz="1400" noProof="0" dirty="0"/>
-                        <a:t> </a:t>
-                      </a:r>
-                      <a:r>
-                        <a:rPr lang="en-GB" sz="1400" noProof="0" dirty="0" err="1"/>
-                        <a:t>occaecat</a:t>
-                      </a:r>
-                      <a:endParaRPr lang="en-GB" sz="1400" noProof="0" dirty="0"/>
-                    </a:p>
-                  </a:txBody>
-                  <a:tcPr marL="0" marR="72000" marT="0" marB="0" anchor="ctr">
-                    <a:lnT w="6350" cap="flat" cmpd="sng" algn="ctr">
-                      <a:solidFill>
-                        <a:schemeClr val="tx1"/>
-                      </a:solidFill>
-                      <a:prstDash val="solid"/>
-                      <a:round/>
-                      <a:headEnd type="none" w="med" len="med"/>
-                      <a:tailEnd type="none" w="med" len="med"/>
-                    </a:lnT>
-                    <a:lnB w="6350" cap="flat" cmpd="sng" algn="ctr">
-                      <a:solidFill>
-                        <a:schemeClr val="tx1"/>
-                      </a:solidFill>
-                      <a:prstDash val="solid"/>
-                      <a:round/>
-                      <a:headEnd type="none" w="med" len="med"/>
-                      <a:tailEnd type="none" w="med" len="med"/>
-                    </a:lnB>
-                    <a:solidFill>
-                      <a:schemeClr val="bg1"/>
-                    </a:solidFill>
-                  </a:tcPr>
-                </a:tc>
-                <a:tc>
-                  <a:txBody>
-                    <a:bodyPr/>
-                    <a:lstStyle/>
-                    <a:p>
-                      <a:pPr algn="r"/>
-                      <a:r>
-                        <a:rPr lang="en-GB" sz="1400" noProof="0" dirty="0"/>
-                        <a:t>373</a:t>
-                      </a:r>
-                    </a:p>
-                  </a:txBody>
-                  <a:tcPr marL="0" marR="72000" marT="0" marB="0" anchor="ctr">
-                    <a:lnT w="6350" cap="flat" cmpd="sng" algn="ctr">
-                      <a:solidFill>
-                        <a:schemeClr val="tx1"/>
-                      </a:solidFill>
-                      <a:prstDash val="solid"/>
-                      <a:round/>
-                      <a:headEnd type="none" w="med" len="med"/>
-                      <a:tailEnd type="none" w="med" len="med"/>
-                    </a:lnT>
-                    <a:lnB w="6350" cap="flat" cmpd="sng" algn="ctr">
-                      <a:solidFill>
-                        <a:schemeClr val="tx1"/>
-                      </a:solidFill>
-                      <a:prstDash val="solid"/>
-                      <a:round/>
-                      <a:headEnd type="none" w="med" len="med"/>
-                      <a:tailEnd type="none" w="med" len="med"/>
-                    </a:lnB>
-                    <a:solidFill>
-                      <a:schemeClr val="accent2">
-                        <a:alpha val="14902"/>
-                      </a:schemeClr>
-                    </a:solidFill>
-                  </a:tcPr>
-                </a:tc>
-                <a:tc>
-                  <a:txBody>
-                    <a:bodyPr/>
-                    <a:lstStyle/>
-                    <a:p>
-                      <a:pPr algn="r"/>
-                      <a:r>
-                        <a:rPr lang="en-GB" sz="1400" noProof="0" dirty="0"/>
-                        <a:t>281</a:t>
-                      </a:r>
-                    </a:p>
-                  </a:txBody>
-                  <a:tcPr marL="0" marR="72000" marT="0" marB="0" anchor="ctr">
-                    <a:lnT w="6350" cap="flat" cmpd="sng" algn="ctr">
-                      <a:solidFill>
-                        <a:schemeClr val="tx1"/>
-                      </a:solidFill>
-                      <a:prstDash val="solid"/>
-                      <a:round/>
-                      <a:headEnd type="none" w="med" len="med"/>
-                      <a:tailEnd type="none" w="med" len="med"/>
-                    </a:lnT>
-                    <a:lnB w="6350" cap="flat" cmpd="sng" algn="ctr">
-                      <a:solidFill>
-                        <a:schemeClr val="tx1"/>
-                      </a:solidFill>
-                      <a:prstDash val="solid"/>
-                      <a:round/>
-                      <a:headEnd type="none" w="med" len="med"/>
-                      <a:tailEnd type="none" w="med" len="med"/>
-                    </a:lnB>
-                    <a:solidFill>
-                      <a:schemeClr val="bg1"/>
-                    </a:solidFill>
-                  </a:tcPr>
-                </a:tc>
-                <a:tc>
-                  <a:txBody>
-                    <a:bodyPr/>
-                    <a:lstStyle/>
-                    <a:p>
-                      <a:pPr algn="r"/>
-                      <a:r>
-                        <a:rPr lang="en-GB" sz="1400" noProof="0" dirty="0"/>
-                        <a:t>381</a:t>
-                      </a:r>
-                    </a:p>
-                  </a:txBody>
-                  <a:tcPr marL="0" marR="72000" marT="0" marB="0" anchor="ctr">
-                    <a:lnT w="6350" cap="flat" cmpd="sng" algn="ctr">
-                      <a:solidFill>
-                        <a:schemeClr val="tx1"/>
-                      </a:solidFill>
-                      <a:prstDash val="solid"/>
-                      <a:round/>
-                      <a:headEnd type="none" w="med" len="med"/>
-                      <a:tailEnd type="none" w="med" len="med"/>
-                    </a:lnT>
-                    <a:lnB w="6350" cap="flat" cmpd="sng" algn="ctr">
-                      <a:solidFill>
-                        <a:schemeClr val="tx1"/>
-                      </a:solidFill>
-                      <a:prstDash val="solid"/>
-                      <a:round/>
-                      <a:headEnd type="none" w="med" len="med"/>
-                      <a:tailEnd type="none" w="med" len="med"/>
-                    </a:lnB>
-                    <a:solidFill>
-                      <a:schemeClr val="accent2">
-                        <a:alpha val="14902"/>
-                      </a:schemeClr>
-                    </a:solidFill>
-                  </a:tcPr>
-                </a:tc>
-                <a:tc>
-                  <a:txBody>
-                    <a:bodyPr/>
-                    <a:lstStyle/>
-                    <a:p>
-                      <a:pPr algn="r"/>
-                      <a:r>
-                        <a:rPr lang="en-GB" sz="1400" noProof="0" dirty="0"/>
-                        <a:t>410</a:t>
-                      </a:r>
-                    </a:p>
-                  </a:txBody>
-                  <a:tcPr marL="0" marR="72000" marT="0" marB="0" anchor="ctr">
-                    <a:lnT w="6350" cap="flat" cmpd="sng" algn="ctr">
-                      <a:solidFill>
-                        <a:schemeClr val="tx1"/>
-                      </a:solidFill>
-                      <a:prstDash val="solid"/>
-                      <a:round/>
-                      <a:headEnd type="none" w="med" len="med"/>
-                      <a:tailEnd type="none" w="med" len="med"/>
-                    </a:lnT>
-                    <a:lnB w="6350" cap="flat" cmpd="sng" algn="ctr">
-                      <a:solidFill>
-                        <a:schemeClr val="tx1"/>
-                      </a:solidFill>
-                      <a:prstDash val="solid"/>
-                      <a:round/>
-                      <a:headEnd type="none" w="med" len="med"/>
-                      <a:tailEnd type="none" w="med" len="med"/>
-                    </a:lnB>
-                    <a:solidFill>
-                      <a:schemeClr val="bg1"/>
-                    </a:solidFill>
-                  </a:tcPr>
-                </a:tc>
-                <a:extLst>
-                  <a:ext uri="{0D108BD9-81ED-4DB2-BD59-A6C34878D82A}">
-                    <a16:rowId xmlns:a16="http://schemas.microsoft.com/office/drawing/2014/main" val="3696018661"/>
-                  </a:ext>
-                </a:extLst>
-              </a:tr>
-              <a:tr h="324000">
-                <a:tc>
-                  <a:txBody>
-                    <a:bodyPr/>
-                    <a:lstStyle/>
-                    <a:p>
-                      <a:r>
-                        <a:rPr lang="en-GB" sz="1400" noProof="0" dirty="0"/>
-                        <a:t>Ut </a:t>
-                      </a:r>
-                      <a:r>
-                        <a:rPr lang="en-GB" sz="1400" noProof="0" dirty="0" err="1"/>
-                        <a:t>enim</a:t>
-                      </a:r>
-                      <a:r>
-                        <a:rPr lang="en-GB" sz="1400" noProof="0" dirty="0"/>
-                        <a:t> ad minim </a:t>
-                      </a:r>
-                      <a:r>
-                        <a:rPr lang="en-GB" sz="1400" noProof="0" dirty="0" err="1"/>
-                        <a:t>veniam</a:t>
-                      </a:r>
-                      <a:endParaRPr lang="en-GB" sz="1400" noProof="0" dirty="0"/>
-                    </a:p>
-                  </a:txBody>
-                  <a:tcPr marL="0" marR="72000" marT="0" marB="0" anchor="ctr">
-                    <a:lnT w="6350" cap="flat" cmpd="sng" algn="ctr">
-                      <a:solidFill>
-                        <a:schemeClr val="tx1"/>
-                      </a:solidFill>
-                      <a:prstDash val="solid"/>
-                      <a:round/>
-                      <a:headEnd type="none" w="med" len="med"/>
-                      <a:tailEnd type="none" w="med" len="med"/>
-                    </a:lnT>
-                    <a:lnB w="6350" cap="flat" cmpd="sng" algn="ctr">
-                      <a:solidFill>
-                        <a:schemeClr val="tx1"/>
-                      </a:solidFill>
-                      <a:prstDash val="solid"/>
-                      <a:round/>
-                      <a:headEnd type="none" w="med" len="med"/>
-                      <a:tailEnd type="none" w="med" len="med"/>
-                    </a:lnB>
-                    <a:solidFill>
-                      <a:schemeClr val="bg1"/>
-                    </a:solidFill>
-                  </a:tcPr>
-                </a:tc>
-                <a:tc>
-                  <a:txBody>
-                    <a:bodyPr/>
-                    <a:lstStyle/>
-                    <a:p>
-                      <a:pPr algn="r"/>
-                      <a:r>
-                        <a:rPr lang="en-GB" sz="1400" noProof="0" dirty="0"/>
-                        <a:t>537</a:t>
-                      </a:r>
-                    </a:p>
-                  </a:txBody>
-                  <a:tcPr marL="0" marR="72000" marT="0" marB="0" anchor="ctr">
-                    <a:lnT w="6350" cap="flat" cmpd="sng" algn="ctr">
-                      <a:solidFill>
-                        <a:schemeClr val="tx1"/>
-                      </a:solidFill>
-                      <a:prstDash val="solid"/>
-                      <a:round/>
-                      <a:headEnd type="none" w="med" len="med"/>
-                      <a:tailEnd type="none" w="med" len="med"/>
-                    </a:lnT>
-                    <a:lnB w="6350" cap="flat" cmpd="sng" algn="ctr">
-                      <a:solidFill>
-                        <a:schemeClr val="tx1"/>
-                      </a:solidFill>
-                      <a:prstDash val="solid"/>
-                      <a:round/>
-                      <a:headEnd type="none" w="med" len="med"/>
-                      <a:tailEnd type="none" w="med" len="med"/>
-                    </a:lnB>
-                    <a:solidFill>
-                      <a:schemeClr val="accent2">
-                        <a:alpha val="14902"/>
-                      </a:schemeClr>
-                    </a:solidFill>
-                  </a:tcPr>
-                </a:tc>
-                <a:tc>
-                  <a:txBody>
-                    <a:bodyPr/>
-                    <a:lstStyle/>
-                    <a:p>
-                      <a:pPr algn="r"/>
-                      <a:r>
-                        <a:rPr lang="en-GB" sz="1400" noProof="0" dirty="0"/>
-                        <a:t>607</a:t>
-                      </a:r>
-                    </a:p>
-                  </a:txBody>
-                  <a:tcPr marL="0" marR="72000" marT="0" marB="0" anchor="ctr">
-                    <a:lnT w="6350" cap="flat" cmpd="sng" algn="ctr">
-                      <a:solidFill>
-                        <a:schemeClr val="tx1"/>
-                      </a:solidFill>
-                      <a:prstDash val="solid"/>
-                      <a:round/>
-                      <a:headEnd type="none" w="med" len="med"/>
-                      <a:tailEnd type="none" w="med" len="med"/>
-                    </a:lnT>
-                    <a:lnB w="6350" cap="flat" cmpd="sng" algn="ctr">
-                      <a:solidFill>
-                        <a:schemeClr val="tx1"/>
-                      </a:solidFill>
-                      <a:prstDash val="solid"/>
-                      <a:round/>
-                      <a:headEnd type="none" w="med" len="med"/>
-                      <a:tailEnd type="none" w="med" len="med"/>
-                    </a:lnB>
-                    <a:solidFill>
-                      <a:schemeClr val="bg1"/>
-                    </a:solidFill>
-                  </a:tcPr>
-                </a:tc>
-                <a:tc>
-                  <a:txBody>
-                    <a:bodyPr/>
-                    <a:lstStyle/>
-                    <a:p>
-                      <a:pPr algn="r"/>
-                      <a:r>
-                        <a:rPr lang="en-GB" sz="1400" noProof="0" dirty="0"/>
-                        <a:t>733</a:t>
-                      </a:r>
-                    </a:p>
-                  </a:txBody>
-                  <a:tcPr marL="0" marR="72000" marT="0" marB="0" anchor="ctr">
-                    <a:lnT w="6350" cap="flat" cmpd="sng" algn="ctr">
-                      <a:solidFill>
-                        <a:schemeClr val="tx1"/>
-                      </a:solidFill>
-                      <a:prstDash val="solid"/>
-                      <a:round/>
-                      <a:headEnd type="none" w="med" len="med"/>
-                      <a:tailEnd type="none" w="med" len="med"/>
-                    </a:lnT>
-                    <a:lnB w="6350" cap="flat" cmpd="sng" algn="ctr">
-                      <a:solidFill>
-                        <a:schemeClr val="tx1"/>
-                      </a:solidFill>
-                      <a:prstDash val="solid"/>
-                      <a:round/>
-                      <a:headEnd type="none" w="med" len="med"/>
-                      <a:tailEnd type="none" w="med" len="med"/>
-                    </a:lnB>
-                    <a:solidFill>
-                      <a:schemeClr val="accent2">
-                        <a:alpha val="14902"/>
-                      </a:schemeClr>
-                    </a:solidFill>
-                  </a:tcPr>
-                </a:tc>
-                <a:tc>
-                  <a:txBody>
-                    <a:bodyPr/>
-                    <a:lstStyle/>
-                    <a:p>
-                      <a:pPr algn="r"/>
-                      <a:r>
-                        <a:rPr lang="en-GB" sz="1400" noProof="0" dirty="0"/>
-                        <a:t>786</a:t>
-                      </a:r>
-                    </a:p>
-                  </a:txBody>
-                  <a:tcPr marL="0" marR="72000" marT="0" marB="0" anchor="ctr">
-                    <a:lnT w="6350" cap="flat" cmpd="sng" algn="ctr">
-                      <a:solidFill>
-                        <a:schemeClr val="tx1"/>
-                      </a:solidFill>
-                      <a:prstDash val="solid"/>
-                      <a:round/>
-                      <a:headEnd type="none" w="med" len="med"/>
-                      <a:tailEnd type="none" w="med" len="med"/>
-                    </a:lnT>
-                    <a:lnB w="6350" cap="flat" cmpd="sng" algn="ctr">
-                      <a:solidFill>
-                        <a:schemeClr val="tx1"/>
-                      </a:solidFill>
-                      <a:prstDash val="solid"/>
-                      <a:round/>
-                      <a:headEnd type="none" w="med" len="med"/>
-                      <a:tailEnd type="none" w="med" len="med"/>
-                    </a:lnB>
-                    <a:solidFill>
-                      <a:schemeClr val="bg1"/>
-                    </a:solidFill>
-                  </a:tcPr>
-                </a:tc>
-                <a:extLst>
-                  <a:ext uri="{0D108BD9-81ED-4DB2-BD59-A6C34878D82A}">
-                    <a16:rowId xmlns:a16="http://schemas.microsoft.com/office/drawing/2014/main" val="3015627213"/>
-                  </a:ext>
-                </a:extLst>
-              </a:tr>
-              <a:tr h="324000">
-                <a:tc>
-                  <a:txBody>
-                    <a:bodyPr/>
-                    <a:lstStyle/>
-                    <a:p>
-                      <a:r>
-                        <a:rPr lang="en-GB" sz="1400" noProof="0" dirty="0" err="1"/>
-                        <a:t>Nostrud</a:t>
-                      </a:r>
-                      <a:r>
-                        <a:rPr lang="en-GB" sz="1400" noProof="0" dirty="0"/>
-                        <a:t> exercitation</a:t>
-                      </a:r>
-                    </a:p>
-                  </a:txBody>
-                  <a:tcPr marL="0" marR="72000" marT="0" marB="0" anchor="ctr">
-                    <a:lnT w="6350" cap="flat" cmpd="sng" algn="ctr">
-                      <a:solidFill>
-                        <a:schemeClr val="tx1"/>
-                      </a:solidFill>
-                      <a:prstDash val="solid"/>
-                      <a:round/>
-                      <a:headEnd type="none" w="med" len="med"/>
-                      <a:tailEnd type="none" w="med" len="med"/>
-                    </a:lnT>
-                    <a:lnB w="6350" cap="flat" cmpd="sng" algn="ctr">
-                      <a:solidFill>
-                        <a:schemeClr val="tx1"/>
-                      </a:solidFill>
-                      <a:prstDash val="solid"/>
-                      <a:round/>
-                      <a:headEnd type="none" w="med" len="med"/>
-                      <a:tailEnd type="none" w="med" len="med"/>
-                    </a:lnB>
-                    <a:solidFill>
-                      <a:schemeClr val="bg1"/>
-                    </a:solidFill>
-                  </a:tcPr>
-                </a:tc>
-                <a:tc>
-                  <a:txBody>
-                    <a:bodyPr/>
-                    <a:lstStyle/>
-                    <a:p>
-                      <a:pPr algn="r"/>
-                      <a:r>
-                        <a:rPr lang="en-GB" sz="1400" noProof="0" dirty="0"/>
-                        <a:t>365</a:t>
-                      </a:r>
-                    </a:p>
-                  </a:txBody>
-                  <a:tcPr marL="0" marR="72000" marT="0" marB="0" anchor="ctr">
-                    <a:lnT w="6350" cap="flat" cmpd="sng" algn="ctr">
-                      <a:solidFill>
-                        <a:schemeClr val="tx1"/>
-                      </a:solidFill>
-                      <a:prstDash val="solid"/>
-                      <a:round/>
-                      <a:headEnd type="none" w="med" len="med"/>
-                      <a:tailEnd type="none" w="med" len="med"/>
-                    </a:lnT>
-                    <a:lnB w="6350" cap="flat" cmpd="sng" algn="ctr">
-                      <a:solidFill>
-                        <a:schemeClr val="tx1"/>
-                      </a:solidFill>
-                      <a:prstDash val="solid"/>
-                      <a:round/>
-                      <a:headEnd type="none" w="med" len="med"/>
-                      <a:tailEnd type="none" w="med" len="med"/>
-                    </a:lnB>
-                    <a:solidFill>
-                      <a:schemeClr val="accent2">
-                        <a:alpha val="14902"/>
-                      </a:schemeClr>
-                    </a:solidFill>
-                  </a:tcPr>
-                </a:tc>
-                <a:tc>
-                  <a:txBody>
-                    <a:bodyPr/>
-                    <a:lstStyle/>
-                    <a:p>
-                      <a:pPr algn="r"/>
-                      <a:r>
-                        <a:rPr lang="en-GB" sz="1400" noProof="0" dirty="0"/>
-                        <a:t>425</a:t>
-                      </a:r>
-                    </a:p>
-                  </a:txBody>
-                  <a:tcPr marL="0" marR="72000" marT="0" marB="0" anchor="ctr">
-                    <a:lnT w="6350" cap="flat" cmpd="sng" algn="ctr">
-                      <a:solidFill>
-                        <a:schemeClr val="tx1"/>
-                      </a:solidFill>
-                      <a:prstDash val="solid"/>
-                      <a:round/>
-                      <a:headEnd type="none" w="med" len="med"/>
-                      <a:tailEnd type="none" w="med" len="med"/>
-                    </a:lnT>
-                    <a:lnB w="6350" cap="flat" cmpd="sng" algn="ctr">
-                      <a:solidFill>
-                        <a:schemeClr val="tx1"/>
-                      </a:solidFill>
-                      <a:prstDash val="solid"/>
-                      <a:round/>
-                      <a:headEnd type="none" w="med" len="med"/>
-                      <a:tailEnd type="none" w="med" len="med"/>
-                    </a:lnB>
-                    <a:solidFill>
-                      <a:schemeClr val="bg1"/>
-                    </a:solidFill>
-                  </a:tcPr>
-                </a:tc>
-                <a:tc>
-                  <a:txBody>
-                    <a:bodyPr/>
-                    <a:lstStyle/>
-                    <a:p>
-                      <a:pPr algn="r"/>
-                      <a:r>
-                        <a:rPr lang="en-GB" sz="1400" noProof="0" dirty="0"/>
-                        <a:t>506</a:t>
-                      </a:r>
-                    </a:p>
-                  </a:txBody>
-                  <a:tcPr marL="0" marR="72000" marT="0" marB="0" anchor="ctr">
-                    <a:lnT w="6350" cap="flat" cmpd="sng" algn="ctr">
-                      <a:solidFill>
-                        <a:schemeClr val="tx1"/>
-                      </a:solidFill>
-                      <a:prstDash val="solid"/>
-                      <a:round/>
-                      <a:headEnd type="none" w="med" len="med"/>
-                      <a:tailEnd type="none" w="med" len="med"/>
-                    </a:lnT>
-                    <a:lnB w="6350" cap="flat" cmpd="sng" algn="ctr">
-                      <a:solidFill>
-                        <a:schemeClr val="tx1"/>
-                      </a:solidFill>
-                      <a:prstDash val="solid"/>
-                      <a:round/>
-                      <a:headEnd type="none" w="med" len="med"/>
-                      <a:tailEnd type="none" w="med" len="med"/>
-                    </a:lnB>
-                    <a:solidFill>
-                      <a:schemeClr val="accent2">
-                        <a:alpha val="14902"/>
-                      </a:schemeClr>
-                    </a:solidFill>
-                  </a:tcPr>
-                </a:tc>
-                <a:tc>
-                  <a:txBody>
-                    <a:bodyPr/>
-                    <a:lstStyle/>
-                    <a:p>
-                      <a:pPr algn="r"/>
-                      <a:r>
-                        <a:rPr lang="en-GB" sz="1400" noProof="0" dirty="0"/>
-                        <a:t>559</a:t>
-                      </a:r>
-                    </a:p>
-                  </a:txBody>
-                  <a:tcPr marL="0" marR="72000" marT="0" marB="0" anchor="ctr">
-                    <a:lnT w="6350" cap="flat" cmpd="sng" algn="ctr">
-                      <a:solidFill>
-                        <a:schemeClr val="tx1"/>
-                      </a:solidFill>
-                      <a:prstDash val="solid"/>
-                      <a:round/>
-                      <a:headEnd type="none" w="med" len="med"/>
-                      <a:tailEnd type="none" w="med" len="med"/>
-                    </a:lnT>
-                    <a:lnB w="6350" cap="flat" cmpd="sng" algn="ctr">
-                      <a:solidFill>
-                        <a:schemeClr val="tx1"/>
-                      </a:solidFill>
-                      <a:prstDash val="solid"/>
-                      <a:round/>
-                      <a:headEnd type="none" w="med" len="med"/>
-                      <a:tailEnd type="none" w="med" len="med"/>
-                    </a:lnB>
-                    <a:solidFill>
-                      <a:schemeClr val="bg1"/>
-                    </a:solidFill>
-                  </a:tcPr>
-                </a:tc>
-                <a:extLst>
-                  <a:ext uri="{0D108BD9-81ED-4DB2-BD59-A6C34878D82A}">
-                    <a16:rowId xmlns:a16="http://schemas.microsoft.com/office/drawing/2014/main" val="4037119490"/>
-                  </a:ext>
-                </a:extLst>
-              </a:tr>
-              <a:tr h="324000">
-                <a:tc>
-                  <a:txBody>
-                    <a:bodyPr/>
-                    <a:lstStyle/>
-                    <a:p>
-                      <a:r>
-                        <a:rPr lang="en-GB" sz="1400" noProof="0" dirty="0" err="1"/>
-                        <a:t>Consectetur</a:t>
-                      </a:r>
-                      <a:r>
-                        <a:rPr lang="en-GB" sz="1400" noProof="0" dirty="0"/>
-                        <a:t> </a:t>
-                      </a:r>
-                      <a:r>
-                        <a:rPr lang="en-GB" sz="1400" noProof="0" dirty="0" err="1"/>
-                        <a:t>adipiscing</a:t>
-                      </a:r>
-                      <a:r>
-                        <a:rPr lang="en-GB" sz="1400" noProof="0" dirty="0"/>
-                        <a:t> </a:t>
-                      </a:r>
-                      <a:r>
-                        <a:rPr lang="en-GB" sz="1400" noProof="0" dirty="0" err="1"/>
-                        <a:t>elit</a:t>
-                      </a:r>
-                      <a:endParaRPr lang="en-GB" sz="1400" noProof="0" dirty="0"/>
-                    </a:p>
-                  </a:txBody>
-                  <a:tcPr marL="0" marR="72000" marT="0" marB="0" anchor="ctr">
-                    <a:lnT w="6350" cap="flat" cmpd="sng" algn="ctr">
-                      <a:solidFill>
-                        <a:schemeClr val="tx1"/>
-                      </a:solidFill>
-                      <a:prstDash val="solid"/>
-                      <a:round/>
-                      <a:headEnd type="none" w="med" len="med"/>
-                      <a:tailEnd type="none" w="med" len="med"/>
-                    </a:lnT>
-                    <a:lnB w="6350" cap="flat" cmpd="sng" algn="ctr">
-                      <a:solidFill>
-                        <a:schemeClr val="tx1"/>
-                      </a:solidFill>
-                      <a:prstDash val="solid"/>
-                      <a:round/>
-                      <a:headEnd type="none" w="med" len="med"/>
-                      <a:tailEnd type="none" w="med" len="med"/>
-                    </a:lnB>
-                    <a:solidFill>
-                      <a:schemeClr val="bg1"/>
-                    </a:solidFill>
-                  </a:tcPr>
-                </a:tc>
-                <a:tc>
-                  <a:txBody>
-                    <a:bodyPr/>
-                    <a:lstStyle/>
-                    <a:p>
-                      <a:pPr algn="r"/>
-                      <a:r>
-                        <a:rPr lang="en-GB" sz="1400" noProof="0" dirty="0"/>
-                        <a:t>318</a:t>
-                      </a:r>
-                    </a:p>
-                  </a:txBody>
-                  <a:tcPr marL="0" marR="72000" marT="0" marB="0" anchor="ctr">
-                    <a:lnT w="6350" cap="flat" cmpd="sng" algn="ctr">
-                      <a:solidFill>
-                        <a:schemeClr val="tx1"/>
-                      </a:solidFill>
-                      <a:prstDash val="solid"/>
-                      <a:round/>
-                      <a:headEnd type="none" w="med" len="med"/>
-                      <a:tailEnd type="none" w="med" len="med"/>
-                    </a:lnT>
-                    <a:lnB w="6350" cap="flat" cmpd="sng" algn="ctr">
-                      <a:solidFill>
-                        <a:schemeClr val="tx1"/>
-                      </a:solidFill>
-                      <a:prstDash val="solid"/>
-                      <a:round/>
-                      <a:headEnd type="none" w="med" len="med"/>
-                      <a:tailEnd type="none" w="med" len="med"/>
-                    </a:lnB>
-                    <a:solidFill>
-                      <a:schemeClr val="accent2">
-                        <a:alpha val="14902"/>
-                      </a:schemeClr>
-                    </a:solidFill>
-                  </a:tcPr>
-                </a:tc>
-                <a:tc>
-                  <a:txBody>
-                    <a:bodyPr/>
-                    <a:lstStyle/>
-                    <a:p>
-                      <a:pPr algn="r"/>
-                      <a:r>
-                        <a:rPr lang="en-GB" sz="1400" noProof="0" dirty="0"/>
-                        <a:t>349</a:t>
-                      </a:r>
-                    </a:p>
-                  </a:txBody>
-                  <a:tcPr marL="0" marR="72000" marT="0" marB="0" anchor="ctr">
-                    <a:lnT w="6350" cap="flat" cmpd="sng" algn="ctr">
-                      <a:solidFill>
-                        <a:schemeClr val="tx1"/>
-                      </a:solidFill>
-                      <a:prstDash val="solid"/>
-                      <a:round/>
-                      <a:headEnd type="none" w="med" len="med"/>
-                      <a:tailEnd type="none" w="med" len="med"/>
-                    </a:lnT>
-                    <a:lnB w="6350" cap="flat" cmpd="sng" algn="ctr">
-                      <a:solidFill>
-                        <a:schemeClr val="tx1"/>
-                      </a:solidFill>
-                      <a:prstDash val="solid"/>
-                      <a:round/>
-                      <a:headEnd type="none" w="med" len="med"/>
-                      <a:tailEnd type="none" w="med" len="med"/>
-                    </a:lnB>
-                    <a:solidFill>
-                      <a:schemeClr val="bg1"/>
-                    </a:solidFill>
-                  </a:tcPr>
-                </a:tc>
-                <a:tc>
-                  <a:txBody>
-                    <a:bodyPr/>
-                    <a:lstStyle/>
-                    <a:p>
-                      <a:pPr algn="r"/>
-                      <a:r>
-                        <a:rPr lang="en-GB" sz="1400" noProof="0" dirty="0"/>
-                        <a:t>355</a:t>
-                      </a:r>
-                    </a:p>
-                  </a:txBody>
-                  <a:tcPr marL="0" marR="72000" marT="0" marB="0" anchor="ctr">
-                    <a:lnT w="6350" cap="flat" cmpd="sng" algn="ctr">
-                      <a:solidFill>
-                        <a:schemeClr val="tx1"/>
-                      </a:solidFill>
-                      <a:prstDash val="solid"/>
-                      <a:round/>
-                      <a:headEnd type="none" w="med" len="med"/>
-                      <a:tailEnd type="none" w="med" len="med"/>
-                    </a:lnT>
-                    <a:lnB w="6350" cap="flat" cmpd="sng" algn="ctr">
-                      <a:solidFill>
-                        <a:schemeClr val="tx1"/>
-                      </a:solidFill>
-                      <a:prstDash val="solid"/>
-                      <a:round/>
-                      <a:headEnd type="none" w="med" len="med"/>
-                      <a:tailEnd type="none" w="med" len="med"/>
-                    </a:lnB>
-                    <a:solidFill>
-                      <a:schemeClr val="accent2">
-                        <a:alpha val="14902"/>
-                      </a:schemeClr>
-                    </a:solidFill>
-                  </a:tcPr>
-                </a:tc>
-                <a:tc>
-                  <a:txBody>
-                    <a:bodyPr/>
-                    <a:lstStyle/>
-                    <a:p>
-                      <a:pPr algn="r"/>
-                      <a:r>
-                        <a:rPr lang="en-GB" sz="1400" noProof="0" dirty="0"/>
-                        <a:t>359</a:t>
-                      </a:r>
-                    </a:p>
-                  </a:txBody>
-                  <a:tcPr marL="0" marR="72000" marT="0" marB="0" anchor="ctr">
-                    <a:lnT w="6350" cap="flat" cmpd="sng" algn="ctr">
-                      <a:solidFill>
-                        <a:schemeClr val="tx1"/>
-                      </a:solidFill>
-                      <a:prstDash val="solid"/>
-                      <a:round/>
-                      <a:headEnd type="none" w="med" len="med"/>
-                      <a:tailEnd type="none" w="med" len="med"/>
-                    </a:lnT>
-                    <a:lnB w="6350" cap="flat" cmpd="sng" algn="ctr">
-                      <a:solidFill>
-                        <a:schemeClr val="tx1"/>
-                      </a:solidFill>
-                      <a:prstDash val="solid"/>
-                      <a:round/>
-                      <a:headEnd type="none" w="med" len="med"/>
-                      <a:tailEnd type="none" w="med" len="med"/>
-                    </a:lnB>
-                    <a:solidFill>
-                      <a:schemeClr val="bg1"/>
-                    </a:solidFill>
-                  </a:tcPr>
-                </a:tc>
-                <a:extLst>
-                  <a:ext uri="{0D108BD9-81ED-4DB2-BD59-A6C34878D82A}">
-                    <a16:rowId xmlns:a16="http://schemas.microsoft.com/office/drawing/2014/main" val="3243906409"/>
-                  </a:ext>
-                </a:extLst>
-              </a:tr>
-              <a:tr h="324000">
-                <a:tc>
-                  <a:txBody>
-                    <a:bodyPr/>
-                    <a:lstStyle/>
-                    <a:p>
-                      <a:r>
-                        <a:rPr lang="en-GB" sz="1400" noProof="0" dirty="0"/>
-                        <a:t>Nim ad minim </a:t>
-                      </a:r>
-                      <a:r>
-                        <a:rPr lang="en-GB" sz="1400" noProof="0" dirty="0" err="1"/>
-                        <a:t>veniam</a:t>
-                      </a:r>
-                      <a:endParaRPr lang="en-GB" sz="1400" noProof="0" dirty="0"/>
-                    </a:p>
-                  </a:txBody>
-                  <a:tcPr marL="0" marR="72000" marT="0" marB="0" anchor="ctr">
-                    <a:lnT w="6350" cap="flat" cmpd="sng" algn="ctr">
-                      <a:solidFill>
-                        <a:schemeClr val="tx1"/>
-                      </a:solidFill>
-                      <a:prstDash val="solid"/>
-                      <a:round/>
-                      <a:headEnd type="none" w="med" len="med"/>
-                      <a:tailEnd type="none" w="med" len="med"/>
-                    </a:lnT>
-                    <a:lnB w="6350" cap="flat" cmpd="sng" algn="ctr">
-                      <a:solidFill>
-                        <a:schemeClr val="tx1"/>
-                      </a:solidFill>
-                      <a:prstDash val="solid"/>
-                      <a:round/>
-                      <a:headEnd type="none" w="med" len="med"/>
-                      <a:tailEnd type="none" w="med" len="med"/>
-                    </a:lnB>
-                    <a:solidFill>
-                      <a:schemeClr val="bg1"/>
-                    </a:solidFill>
-                  </a:tcPr>
-                </a:tc>
-                <a:tc>
-                  <a:txBody>
-                    <a:bodyPr/>
-                    <a:lstStyle/>
-                    <a:p>
-                      <a:pPr algn="r"/>
-                      <a:r>
-                        <a:rPr lang="en-GB" sz="1400" noProof="0" dirty="0"/>
-                        <a:t>13</a:t>
-                      </a:r>
-                    </a:p>
-                  </a:txBody>
-                  <a:tcPr marL="0" marR="72000" marT="0" marB="0" anchor="ctr">
-                    <a:lnT w="6350" cap="flat" cmpd="sng" algn="ctr">
-                      <a:solidFill>
-                        <a:schemeClr val="tx1"/>
-                      </a:solidFill>
-                      <a:prstDash val="solid"/>
-                      <a:round/>
-                      <a:headEnd type="none" w="med" len="med"/>
-                      <a:tailEnd type="none" w="med" len="med"/>
-                    </a:lnT>
-                    <a:lnB w="6350" cap="flat" cmpd="sng" algn="ctr">
-                      <a:solidFill>
-                        <a:schemeClr val="tx1"/>
-                      </a:solidFill>
-                      <a:prstDash val="solid"/>
-                      <a:round/>
-                      <a:headEnd type="none" w="med" len="med"/>
-                      <a:tailEnd type="none" w="med" len="med"/>
-                    </a:lnB>
-                    <a:solidFill>
-                      <a:schemeClr val="accent2">
-                        <a:alpha val="14902"/>
-                      </a:schemeClr>
-                    </a:solidFill>
-                  </a:tcPr>
-                </a:tc>
-                <a:tc>
-                  <a:txBody>
-                    <a:bodyPr/>
-                    <a:lstStyle/>
-                    <a:p>
-                      <a:pPr algn="r"/>
-                      <a:r>
-                        <a:rPr lang="en-GB" sz="1400" noProof="0" dirty="0"/>
-                        <a:t>16</a:t>
-                      </a:r>
-                    </a:p>
-                  </a:txBody>
-                  <a:tcPr marL="0" marR="72000" marT="0" marB="0" anchor="ctr">
-                    <a:lnT w="6350" cap="flat" cmpd="sng" algn="ctr">
-                      <a:solidFill>
-                        <a:schemeClr val="tx1"/>
-                      </a:solidFill>
-                      <a:prstDash val="solid"/>
-                      <a:round/>
-                      <a:headEnd type="none" w="med" len="med"/>
-                      <a:tailEnd type="none" w="med" len="med"/>
-                    </a:lnT>
-                    <a:lnB w="6350" cap="flat" cmpd="sng" algn="ctr">
-                      <a:solidFill>
-                        <a:schemeClr val="tx1"/>
-                      </a:solidFill>
-                      <a:prstDash val="solid"/>
-                      <a:round/>
-                      <a:headEnd type="none" w="med" len="med"/>
-                      <a:tailEnd type="none" w="med" len="med"/>
-                    </a:lnB>
-                    <a:solidFill>
-                      <a:schemeClr val="bg1"/>
-                    </a:solidFill>
-                  </a:tcPr>
-                </a:tc>
-                <a:tc>
-                  <a:txBody>
-                    <a:bodyPr/>
-                    <a:lstStyle/>
-                    <a:p>
-                      <a:pPr algn="r"/>
-                      <a:r>
-                        <a:rPr lang="en-GB" sz="1400" noProof="0" dirty="0"/>
-                        <a:t>97</a:t>
-                      </a:r>
-                    </a:p>
-                  </a:txBody>
-                  <a:tcPr marL="0" marR="72000" marT="0" marB="0" anchor="ctr">
-                    <a:lnT w="6350" cap="flat" cmpd="sng" algn="ctr">
-                      <a:solidFill>
-                        <a:schemeClr val="tx1"/>
-                      </a:solidFill>
-                      <a:prstDash val="solid"/>
-                      <a:round/>
-                      <a:headEnd type="none" w="med" len="med"/>
-                      <a:tailEnd type="none" w="med" len="med"/>
-                    </a:lnT>
-                    <a:lnB w="6350" cap="flat" cmpd="sng" algn="ctr">
-                      <a:solidFill>
-                        <a:schemeClr val="tx1"/>
-                      </a:solidFill>
-                      <a:prstDash val="solid"/>
-                      <a:round/>
-                      <a:headEnd type="none" w="med" len="med"/>
-                      <a:tailEnd type="none" w="med" len="med"/>
-                    </a:lnB>
-                    <a:solidFill>
-                      <a:schemeClr val="accent2">
-                        <a:alpha val="14902"/>
-                      </a:schemeClr>
-                    </a:solidFill>
-                  </a:tcPr>
-                </a:tc>
-                <a:tc>
-                  <a:txBody>
-                    <a:bodyPr/>
-                    <a:lstStyle/>
-                    <a:p>
-                      <a:pPr algn="r"/>
-                      <a:r>
-                        <a:rPr lang="en-GB" sz="1400" noProof="0" dirty="0"/>
-                        <a:t>82</a:t>
-                      </a:r>
-                    </a:p>
-                  </a:txBody>
-                  <a:tcPr marL="0" marR="72000" marT="0" marB="0" anchor="ctr">
-                    <a:lnT w="6350" cap="flat" cmpd="sng" algn="ctr">
-                      <a:solidFill>
-                        <a:schemeClr val="tx1"/>
-                      </a:solidFill>
-                      <a:prstDash val="solid"/>
-                      <a:round/>
-                      <a:headEnd type="none" w="med" len="med"/>
-                      <a:tailEnd type="none" w="med" len="med"/>
-                    </a:lnT>
-                    <a:lnB w="6350" cap="flat" cmpd="sng" algn="ctr">
-                      <a:solidFill>
-                        <a:schemeClr val="tx1"/>
-                      </a:solidFill>
-                      <a:prstDash val="solid"/>
-                      <a:round/>
-                      <a:headEnd type="none" w="med" len="med"/>
-                      <a:tailEnd type="none" w="med" len="med"/>
-                    </a:lnB>
-                    <a:solidFill>
-                      <a:schemeClr val="bg1"/>
-                    </a:solidFill>
-                  </a:tcPr>
-                </a:tc>
-                <a:extLst>
-                  <a:ext uri="{0D108BD9-81ED-4DB2-BD59-A6C34878D82A}">
-                    <a16:rowId xmlns:a16="http://schemas.microsoft.com/office/drawing/2014/main" val="461168459"/>
-                  </a:ext>
-                </a:extLst>
-              </a:tr>
-            </a:tbl>
-          </a:graphicData>
-        </a:graphic>
-      </p:graphicFrame>
-      <p:sp>
-        <p:nvSpPr>
-          <p:cNvPr id="4" name="Datumsplatzhalter 3">
-            <a:extLst>
-              <a:ext uri="{FF2B5EF4-FFF2-40B4-BE49-F238E27FC236}">
-                <a16:creationId xmlns:a16="http://schemas.microsoft.com/office/drawing/2014/main" id="{D787F48E-4D49-40AE-A9FC-A27213E0B0E5}"/>
-              </a:ext>
-            </a:extLst>
-          </p:cNvPr>
-          <p:cNvSpPr>
-            <a:spLocks noGrp="1"/>
-          </p:cNvSpPr>
-          <p:nvPr>
-            <p:ph type="dt" sz="half" idx="10"/>
-          </p:nvPr>
-        </p:nvSpPr>
-        <p:spPr/>
-        <p:txBody>
-          <a:bodyPr/>
-          <a:lstStyle/>
-          <a:p>
-            <a:fld id="{7260A9D5-8325-4620-96F6-FB312AC6FB66}" type="datetime1">
-              <a:rPr lang="en-GB" noProof="0" smtClean="0"/>
-              <a:t>17/07/2025</a:t>
-            </a:fld>
-            <a:endParaRPr lang="en-GB" noProof="0" dirty="0"/>
-          </a:p>
-        </p:txBody>
-      </p:sp>
-      <p:sp>
-        <p:nvSpPr>
-          <p:cNvPr id="6" name="Foliennummernplatzhalter 5">
-            <a:extLst>
-              <a:ext uri="{FF2B5EF4-FFF2-40B4-BE49-F238E27FC236}">
-                <a16:creationId xmlns:a16="http://schemas.microsoft.com/office/drawing/2014/main" id="{08DF25AC-71F5-49EF-B424-0872223A925D}"/>
-              </a:ext>
-            </a:extLst>
-          </p:cNvPr>
-          <p:cNvSpPr>
-            <a:spLocks noGrp="1"/>
-          </p:cNvSpPr>
-          <p:nvPr>
-            <p:ph type="sldNum" sz="quarter" idx="12"/>
-          </p:nvPr>
-        </p:nvSpPr>
-        <p:spPr/>
-        <p:txBody>
-          <a:bodyPr/>
-          <a:lstStyle/>
-          <a:p>
-            <a:fld id="{5ACA52AF-F19D-405C-AD5F-7D94B96A5CC3}" type="slidenum">
-              <a:rPr lang="en-GB" noProof="0" smtClean="0"/>
-              <a:t>28</a:t>
-            </a:fld>
-            <a:endParaRPr lang="en-GB" noProof="0" dirty="0"/>
-          </a:p>
-        </p:txBody>
-      </p:sp>
-    </p:spTree>
-    <p:extLst>
-      <p:ext uri="{BB962C8B-B14F-4D97-AF65-F5344CB8AC3E}">
-        <p14:creationId xmlns:p14="http://schemas.microsoft.com/office/powerpoint/2010/main" val="852670894"/>
       </p:ext>
     </p:extLst>
   </p:cSld>
@@ -30379,8 +22447,8 @@
           </a:p>
         </p:txBody>
       </p:sp>
-      <mc:AlternateContent xmlns:mc="http://schemas.openxmlformats.org/markup-compatibility/2006">
-        <mc:Choice xmlns:a14="http://schemas.microsoft.com/office/drawing/2010/main" Requires="a14">
+      <mc:AlternateContent xmlns:mc="http://schemas.openxmlformats.org/markup-compatibility/2006" xmlns:a14="http://schemas.microsoft.com/office/drawing/2010/main">
+        <mc:Choice Requires="a14">
           <p:sp>
             <p:nvSpPr>
               <p:cNvPr id="3" name="Inhaltsplatzhalter 2">
@@ -30797,7 +22865,7 @@
             </p:txBody>
           </p:sp>
         </mc:Choice>
-        <mc:Fallback>
+        <mc:Fallback xmlns="">
           <p:sp>
             <p:nvSpPr>
               <p:cNvPr id="3" name="Inhaltsplatzhalter 2">
@@ -30860,7 +22928,7 @@
           <a:p>
             <a:fld id="{D5CE5686-0170-47AF-9B8A-7DF387E652FA}" type="datetime1">
               <a:rPr lang="en-GB" noProof="0" smtClean="0"/>
-              <a:t>17/07/2025</a:t>
+              <a:t>24/07/2025</a:t>
             </a:fld>
             <a:endParaRPr lang="en-GB" noProof="0" dirty="0"/>
           </a:p>
@@ -31075,7 +23143,7 @@
           <a:p>
             <a:fld id="{D5CE5686-0170-47AF-9B8A-7DF387E652FA}" type="datetime1">
               <a:rPr lang="en-GB" noProof="0" smtClean="0"/>
-              <a:t>17/07/2025</a:t>
+              <a:t>24/07/2025</a:t>
             </a:fld>
             <a:endParaRPr lang="en-GB" noProof="0" dirty="0"/>
           </a:p>
@@ -31175,8 +23243,8 @@
           </a:p>
         </p:txBody>
       </p:sp>
-      <mc:AlternateContent xmlns:mc="http://schemas.openxmlformats.org/markup-compatibility/2006">
-        <mc:Choice xmlns:a14="http://schemas.microsoft.com/office/drawing/2010/main" Requires="a14">
+      <mc:AlternateContent xmlns:mc="http://schemas.openxmlformats.org/markup-compatibility/2006" xmlns:a14="http://schemas.microsoft.com/office/drawing/2010/main">
+        <mc:Choice Requires="a14">
           <p:sp>
             <p:nvSpPr>
               <p:cNvPr id="3" name="Inhaltsplatzhalter 2">
@@ -31292,7 +23360,7 @@
             </p:txBody>
           </p:sp>
         </mc:Choice>
-        <mc:Fallback>
+        <mc:Fallback xmlns="">
           <p:sp>
             <p:nvSpPr>
               <p:cNvPr id="3" name="Inhaltsplatzhalter 2">
@@ -31355,7 +23423,7 @@
           <a:p>
             <a:fld id="{D5CE5686-0170-47AF-9B8A-7DF387E652FA}" type="datetime1">
               <a:rPr lang="en-GB" noProof="0" smtClean="0"/>
-              <a:t>17/07/2025</a:t>
+              <a:t>24/07/2025</a:t>
             </a:fld>
             <a:endParaRPr lang="en-GB" noProof="0" dirty="0"/>
           </a:p>
@@ -31855,7 +23923,7 @@
           <a:p>
             <a:fld id="{D5CE5686-0170-47AF-9B8A-7DF387E652FA}" type="datetime1">
               <a:rPr lang="en-GB" noProof="0" smtClean="0"/>
-              <a:t>17/07/2025</a:t>
+              <a:t>24/07/2025</a:t>
             </a:fld>
             <a:endParaRPr lang="en-GB" noProof="0" dirty="0"/>
           </a:p>
@@ -32110,7 +24178,7 @@
           <a:p>
             <a:fld id="{C32F3C7F-0C5F-4A18-A13A-CAEFDEB56FA0}" type="datetime1">
               <a:rPr lang="en-GB" noProof="0" smtClean="0"/>
-              <a:t>17/07/2025</a:t>
+              <a:t>24/07/2025</a:t>
             </a:fld>
             <a:endParaRPr lang="en-GB" noProof="0" dirty="0"/>
           </a:p>
@@ -32865,7 +24933,7 @@
           <a:p>
             <a:fld id="{D5CE5686-0170-47AF-9B8A-7DF387E652FA}" type="datetime1">
               <a:rPr lang="en-GB" noProof="0" smtClean="0"/>
-              <a:t>17/07/2025</a:t>
+              <a:t>24/07/2025</a:t>
             </a:fld>
             <a:endParaRPr lang="en-GB" noProof="0" dirty="0"/>
           </a:p>
@@ -33109,7 +25177,7 @@
           <a:p>
             <a:fld id="{D5CE5686-0170-47AF-9B8A-7DF387E652FA}" type="datetime1">
               <a:rPr lang="en-GB" noProof="0" smtClean="0"/>
-              <a:t>17/07/2025</a:t>
+              <a:t>24/07/2025</a:t>
             </a:fld>
             <a:endParaRPr lang="en-GB" noProof="0" dirty="0"/>
           </a:p>

--- a/ProjectPresentation_asadikovic_jlyrer.pptx
+++ b/ProjectPresentation_asadikovic_jlyrer.pptx
@@ -23243,8 +23243,8 @@
           </a:p>
         </p:txBody>
       </p:sp>
-      <mc:AlternateContent xmlns:mc="http://schemas.openxmlformats.org/markup-compatibility/2006" xmlns:a14="http://schemas.microsoft.com/office/drawing/2010/main">
-        <mc:Choice Requires="a14">
+      <mc:AlternateContent xmlns:mc="http://schemas.openxmlformats.org/markup-compatibility/2006">
+        <mc:Choice xmlns:a14="http://schemas.microsoft.com/office/drawing/2010/main" Requires="a14">
           <p:sp>
             <p:nvSpPr>
               <p:cNvPr id="3" name="Inhaltsplatzhalter 2">
@@ -23299,8 +23299,13 @@
                 <a:pPr lvl="1"/>
                 <a:r>
                   <a:rPr lang="en-GB" dirty="0"/>
-                  <a:t>Use the deepest layer of the graph to find the tile that can be discarded in the most scenarios</a:t>
+                  <a:t>Use the deepest layer of the graph to find the tile that can be discarded in the </a:t>
                 </a:r>
+                <a:r>
+                  <a:rPr lang="en-GB"/>
+                  <a:t>most scenarios</a:t>
+                </a:r>
+                <a:endParaRPr lang="en-GB" dirty="0"/>
               </a:p>
               <a:p>
                 <a:pPr marL="266700" lvl="1" indent="0">
@@ -23360,7 +23365,7 @@
             </p:txBody>
           </p:sp>
         </mc:Choice>
-        <mc:Fallback xmlns="">
+        <mc:Fallback>
           <p:sp>
             <p:nvSpPr>
               <p:cNvPr id="3" name="Inhaltsplatzhalter 2">
@@ -24308,8 +24313,8 @@
           </a:p>
         </p:txBody>
       </p:sp>
-      <mc:AlternateContent xmlns:mc="http://schemas.openxmlformats.org/markup-compatibility/2006" xmlns:a14="http://schemas.microsoft.com/office/drawing/2010/main">
-        <mc:Choice Requires="a14">
+      <mc:AlternateContent xmlns:mc="http://schemas.openxmlformats.org/markup-compatibility/2006">
+        <mc:Choice xmlns:a14="http://schemas.microsoft.com/office/drawing/2010/main" Requires="a14">
           <p:sp>
             <p:nvSpPr>
               <p:cNvPr id="3" name="Inhaltsplatzhalter 2">
@@ -24379,7 +24384,10 @@
                     </m:r>
                   </m:oMath>
                 </a14:m>
-                <a:endParaRPr lang="en-GB" noProof="0" dirty="0"/>
+                <a:r>
+                  <a:rPr lang="en-GB" noProof="0" dirty="0"/>
+                  <a:t>, then we iterate over the first layer to safe computation time</a:t>
+                </a:r>
               </a:p>
               <a:p>
                 <a:pPr lvl="1"/>
@@ -24863,14 +24871,14 @@
                 </a:r>
                 <a:r>
                   <a:rPr lang="en-GB" dirty="0"/>
-                  <a:t>highest number, thus the one that discardable in most cases</a:t>
+                  <a:t>highest number, thus the one that is discardable in most cases</a:t>
                 </a:r>
                 <a:endParaRPr lang="en-GB" noProof="0" dirty="0"/>
               </a:p>
             </p:txBody>
           </p:sp>
         </mc:Choice>
-        <mc:Fallback xmlns="">
+        <mc:Fallback>
           <p:sp>
             <p:nvSpPr>
               <p:cNvPr id="3" name="Inhaltsplatzhalter 2">

--- a/ProjectPresentation_asadikovic_jlyrer.pptx
+++ b/ProjectPresentation_asadikovic_jlyrer.pptx
@@ -4887,7 +4887,7 @@
           <a:p>
             <a:fld id="{F68ABEA4-9216-4FDF-AAE1-D8632908A8EC}" type="datetimeFigureOut">
               <a:rPr lang="de-CH" smtClean="0"/>
-              <a:t>24.07.2025</a:t>
+              <a:t>25.07.2025</a:t>
             </a:fld>
             <a:endParaRPr lang="de-CH"/>
           </a:p>
@@ -5064,7 +5064,7 @@
           <a:p>
             <a:fld id="{4B78A90D-FE7E-41AF-B03D-808D82937CB9}" type="datetimeFigureOut">
               <a:rPr lang="de-CH" smtClean="0"/>
-              <a:t>24.07.2025</a:t>
+              <a:t>25.07.2025</a:t>
             </a:fld>
             <a:endParaRPr lang="de-CH"/>
           </a:p>
@@ -5792,7 +5792,7 @@
           <a:p>
             <a:fld id="{C47C2547-0B26-4181-9958-0F74634B97A1}" type="datetime1">
               <a:rPr lang="de-CH" noProof="0" smtClean="0"/>
-              <a:t>24.07.2025</a:t>
+              <a:t>25.07.2025</a:t>
             </a:fld>
             <a:endParaRPr lang="de-CH" noProof="0"/>
           </a:p>
@@ -5987,7 +5987,7 @@
           <a:p>
             <a:fld id="{4A533879-9C0F-4F94-919F-30B833E8871A}" type="datetime1">
               <a:rPr lang="de-CH" noProof="0" smtClean="0"/>
-              <a:t>24.07.2025</a:t>
+              <a:t>25.07.2025</a:t>
             </a:fld>
             <a:endParaRPr lang="de-CH" noProof="0"/>
           </a:p>
@@ -6274,7 +6274,7 @@
           <a:p>
             <a:fld id="{68EF82BE-DF56-4719-B180-C3B0D509F71F}" type="datetime1">
               <a:rPr lang="de-CH" noProof="0" smtClean="0"/>
-              <a:t>24.07.2025</a:t>
+              <a:t>25.07.2025</a:t>
             </a:fld>
             <a:endParaRPr lang="de-CH" noProof="0"/>
           </a:p>
@@ -6572,7 +6572,7 @@
           <a:p>
             <a:fld id="{3E1B9425-7348-43E2-B0E9-6A2A48F5FA8A}" type="datetime1">
               <a:rPr lang="de-CH" noProof="0" smtClean="0"/>
-              <a:t>24.07.2025</a:t>
+              <a:t>25.07.2025</a:t>
             </a:fld>
             <a:endParaRPr lang="de-CH" noProof="0"/>
           </a:p>
@@ -6972,7 +6972,7 @@
           <a:p>
             <a:fld id="{0F7782B2-018B-4FD3-AD95-2F64EDE0E9D6}" type="datetime1">
               <a:rPr lang="de-CH" noProof="0" smtClean="0"/>
-              <a:t>24.07.2025</a:t>
+              <a:t>25.07.2025</a:t>
             </a:fld>
             <a:endParaRPr lang="de-CH" noProof="0"/>
           </a:p>
@@ -7340,7 +7340,7 @@
           <a:p>
             <a:fld id="{D0A0FED0-443D-411A-B8E4-0668A8890EE3}" type="datetime1">
               <a:rPr lang="de-CH" noProof="0" smtClean="0"/>
-              <a:t>24.07.2025</a:t>
+              <a:t>25.07.2025</a:t>
             </a:fld>
             <a:endParaRPr lang="de-CH" noProof="0"/>
           </a:p>
@@ -9369,7 +9369,7 @@
           <a:p>
             <a:fld id="{1332D50A-E6CC-4D88-8908-F2129032F4C7}" type="datetime1">
               <a:rPr lang="de-CH" noProof="0" smtClean="0"/>
-              <a:t>24.07.2025</a:t>
+              <a:t>25.07.2025</a:t>
             </a:fld>
             <a:endParaRPr lang="de-CH" noProof="0"/>
           </a:p>
@@ -9612,7 +9612,7 @@
           <a:p>
             <a:fld id="{11B96697-4585-4368-989A-16003D150648}" type="datetime1">
               <a:rPr lang="de-CH" noProof="0" smtClean="0"/>
-              <a:t>24.07.2025</a:t>
+              <a:t>25.07.2025</a:t>
             </a:fld>
             <a:endParaRPr lang="de-CH" noProof="0"/>
           </a:p>
@@ -9860,7 +9860,7 @@
           <a:p>
             <a:fld id="{3A01E762-278A-4155-9BEB-7C2CB2386E92}" type="datetime1">
               <a:rPr lang="de-CH" noProof="0" smtClean="0"/>
-              <a:t>24.07.2025</a:t>
+              <a:t>25.07.2025</a:t>
             </a:fld>
             <a:endParaRPr lang="de-CH" noProof="0"/>
           </a:p>
@@ -10136,7 +10136,7 @@
           <a:p>
             <a:fld id="{6C4EAFE7-317E-4912-B75C-DD6945F82242}" type="datetime1">
               <a:rPr lang="de-CH" noProof="0" smtClean="0"/>
-              <a:t>24.07.2025</a:t>
+              <a:t>25.07.2025</a:t>
             </a:fld>
             <a:endParaRPr lang="de-CH" noProof="0"/>
           </a:p>
@@ -12067,7 +12067,7 @@
           <a:p>
             <a:fld id="{4A358CF3-A22A-46C1-A4E5-5810212466EF}" type="datetime1">
               <a:rPr lang="de-CH" noProof="0" smtClean="0"/>
-              <a:t>24.07.2025</a:t>
+              <a:t>25.07.2025</a:t>
             </a:fld>
             <a:endParaRPr lang="de-CH" noProof="0"/>
           </a:p>
@@ -12757,7 +12757,7 @@
             <p:ph type="tbl" sz="quarter" idx="13"/>
             <p:extLst>
               <p:ext uri="{D42A27DB-BD31-4B8C-83A1-F6EECF244321}">
-                <p14:modId xmlns:p14="http://schemas.microsoft.com/office/powerpoint/2010/main" val="3898728937"/>
+                <p14:modId xmlns:p14="http://schemas.microsoft.com/office/powerpoint/2010/main" val="792910554"/>
               </p:ext>
             </p:extLst>
           </p:nvPr>
@@ -13207,7 +13207,7 @@
                     <a:p>
                       <a:pPr algn="ctr" fontAlgn="b"/>
                       <a:r>
-                        <a:rPr lang="de-CH" sz="1100" b="0" i="0" u="none" strike="noStrike" dirty="0">
+                        <a:rPr lang="de-CH" sz="1400" b="0" i="0" u="none" strike="noStrike" dirty="0">
                           <a:solidFill>
                             <a:srgbClr val="000000"/>
                           </a:solidFill>
@@ -13220,7 +13220,7 @@
                     <a:p>
                       <a:pPr algn="ctr" fontAlgn="b"/>
                       <a:r>
-                        <a:rPr lang="de-CH" sz="1100" b="0" i="0" u="none" strike="noStrike" dirty="0">
+                        <a:rPr lang="de-CH" sz="1400" b="0" i="0" u="none" strike="noStrike" dirty="0">
                           <a:solidFill>
                             <a:srgbClr val="000000"/>
                           </a:solidFill>
@@ -13549,7 +13549,7 @@
                     <a:p>
                       <a:pPr algn="ctr" fontAlgn="b"/>
                       <a:r>
-                        <a:rPr lang="de-CH" sz="1100" b="0" i="0" u="none" strike="noStrike" dirty="0">
+                        <a:rPr lang="de-CH" sz="1400" b="0" i="0" u="none" strike="noStrike" dirty="0">
                           <a:solidFill>
                             <a:srgbClr val="000000"/>
                           </a:solidFill>
@@ -13562,7 +13562,7 @@
                     <a:p>
                       <a:pPr algn="ctr" fontAlgn="b"/>
                       <a:r>
-                        <a:rPr lang="de-CH" sz="1100" b="0" i="0" u="none" strike="noStrike" dirty="0">
+                        <a:rPr lang="de-CH" sz="1400" b="0" i="0" u="none" strike="noStrike" dirty="0">
                           <a:solidFill>
                             <a:srgbClr val="000000"/>
                           </a:solidFill>
@@ -13891,7 +13891,7 @@
                     <a:p>
                       <a:pPr algn="ctr" fontAlgn="b"/>
                       <a:r>
-                        <a:rPr lang="de-CH" sz="1100" b="0" i="0" u="none" strike="noStrike" dirty="0">
+                        <a:rPr lang="de-CH" sz="1400" b="0" i="0" u="none" strike="noStrike" dirty="0">
                           <a:solidFill>
                             <a:srgbClr val="000000"/>
                           </a:solidFill>
@@ -13904,7 +13904,7 @@
                     <a:p>
                       <a:pPr algn="ctr" fontAlgn="b"/>
                       <a:r>
-                        <a:rPr lang="de-CH" sz="1100" b="0" i="0" u="none" strike="noStrike" dirty="0">
+                        <a:rPr lang="de-CH" sz="1400" b="0" i="0" u="none" strike="noStrike" dirty="0">
                           <a:solidFill>
                             <a:srgbClr val="000000"/>
                           </a:solidFill>
@@ -15403,7 +15403,7 @@
           <a:p>
             <a:fld id="{7260A9D5-8325-4620-96F6-FB312AC6FB66}" type="datetime1">
               <a:rPr lang="en-GB" noProof="0" smtClean="0"/>
-              <a:t>24/07/2025</a:t>
+              <a:t>25/07/2025</a:t>
             </a:fld>
             <a:endParaRPr lang="en-GB" noProof="0" dirty="0"/>
           </a:p>
@@ -15547,7 +15547,7 @@
             <p:ph type="tbl" sz="quarter" idx="13"/>
             <p:extLst>
               <p:ext uri="{D42A27DB-BD31-4B8C-83A1-F6EECF244321}">
-                <p14:modId xmlns:p14="http://schemas.microsoft.com/office/powerpoint/2010/main" val="1755086574"/>
+                <p14:modId xmlns:p14="http://schemas.microsoft.com/office/powerpoint/2010/main" val="1517503830"/>
               </p:ext>
             </p:extLst>
           </p:nvPr>
@@ -15997,7 +15997,7 @@
                     <a:p>
                       <a:pPr algn="ctr" fontAlgn="b"/>
                       <a:r>
-                        <a:rPr lang="de-CH" sz="1100" b="0" i="0" u="none" strike="noStrike" dirty="0">
+                        <a:rPr lang="de-CH" sz="1400" b="0" i="0" u="none" strike="noStrike" dirty="0">
                           <a:solidFill>
                             <a:srgbClr val="000000"/>
                           </a:solidFill>
@@ -16326,7 +16326,7 @@
                     <a:p>
                       <a:pPr algn="ctr" fontAlgn="b"/>
                       <a:r>
-                        <a:rPr lang="de-CH" sz="1100" b="0" i="0" u="none" strike="noStrike" dirty="0">
+                        <a:rPr lang="de-CH" sz="1400" b="0" i="0" u="none" strike="noStrike" dirty="0">
                           <a:solidFill>
                             <a:srgbClr val="000000"/>
                           </a:solidFill>
@@ -16655,7 +16655,7 @@
                     <a:p>
                       <a:pPr algn="ctr" fontAlgn="b"/>
                       <a:r>
-                        <a:rPr lang="de-CH" sz="1100" b="0" i="0" u="none" strike="noStrike" dirty="0">
+                        <a:rPr lang="de-CH" sz="1400" b="0" i="0" u="none" strike="noStrike" dirty="0">
                           <a:solidFill>
                             <a:srgbClr val="000000"/>
                           </a:solidFill>
@@ -18154,7 +18154,7 @@
           <a:p>
             <a:fld id="{7260A9D5-8325-4620-96F6-FB312AC6FB66}" type="datetime1">
               <a:rPr lang="en-GB" noProof="0" smtClean="0"/>
-              <a:t>24/07/2025</a:t>
+              <a:t>25/07/2025</a:t>
             </a:fld>
             <a:endParaRPr lang="en-GB" noProof="0" dirty="0"/>
           </a:p>
@@ -18306,7 +18306,7 @@
             <p:ph type="tbl" sz="quarter" idx="13"/>
             <p:extLst>
               <p:ext uri="{D42A27DB-BD31-4B8C-83A1-F6EECF244321}">
-                <p14:modId xmlns:p14="http://schemas.microsoft.com/office/powerpoint/2010/main" val="3879334177"/>
+                <p14:modId xmlns:p14="http://schemas.microsoft.com/office/powerpoint/2010/main" val="3805140450"/>
               </p:ext>
             </p:extLst>
           </p:nvPr>
@@ -18756,7 +18756,7 @@
                     <a:p>
                       <a:pPr algn="ctr" fontAlgn="b"/>
                       <a:r>
-                        <a:rPr lang="de-CH" sz="1100" b="0" i="0" u="none" strike="noStrike" dirty="0">
+                        <a:rPr lang="de-CH" sz="1400" b="0" i="0" u="none" strike="noStrike" dirty="0">
                           <a:solidFill>
                             <a:srgbClr val="000000"/>
                           </a:solidFill>
@@ -19085,7 +19085,7 @@
                     <a:p>
                       <a:pPr algn="ctr" fontAlgn="b"/>
                       <a:r>
-                        <a:rPr lang="de-CH" sz="1100" b="0" i="0" u="none" strike="noStrike" dirty="0">
+                        <a:rPr lang="de-CH" sz="1400" b="0" i="0" u="none" strike="noStrike" dirty="0">
                           <a:solidFill>
                             <a:srgbClr val="000000"/>
                           </a:solidFill>
@@ -19414,7 +19414,7 @@
                     <a:p>
                       <a:pPr algn="ctr" fontAlgn="b"/>
                       <a:r>
-                        <a:rPr lang="de-CH" sz="1100" b="0" i="0" u="none" strike="noStrike" dirty="0">
+                        <a:rPr lang="de-CH" sz="1400" b="0" i="0" u="none" strike="noStrike" dirty="0">
                           <a:solidFill>
                             <a:srgbClr val="000000"/>
                           </a:solidFill>
@@ -20913,7 +20913,7 @@
           <a:p>
             <a:fld id="{7260A9D5-8325-4620-96F6-FB312AC6FB66}" type="datetime1">
               <a:rPr lang="en-GB" noProof="0" smtClean="0"/>
-              <a:t>24/07/2025</a:t>
+              <a:t>25/07/2025</a:t>
             </a:fld>
             <a:endParaRPr lang="en-GB" noProof="0" dirty="0"/>
           </a:p>
@@ -21007,7 +21007,7 @@
           <a:p>
             <a:r>
               <a:rPr lang="en-GB" dirty="0"/>
-              <a:t>Comparing Results</a:t>
+              <a:t>Comparing Results I</a:t>
             </a:r>
             <a:endParaRPr lang="en-GB" noProof="0" dirty="0"/>
           </a:p>
@@ -21239,7 +21239,7 @@
           <a:p>
             <a:fld id="{3883C902-160B-4538-99A8-1486892643D4}" type="datetime1">
               <a:rPr lang="en-GB" noProof="0" smtClean="0"/>
-              <a:t>24/07/2025</a:t>
+              <a:t>25/07/2025</a:t>
             </a:fld>
             <a:endParaRPr lang="en-GB" noProof="0" dirty="0"/>
           </a:p>
@@ -21470,7 +21470,7 @@
           <a:p>
             <a:fld id="{3883C902-160B-4538-99A8-1486892643D4}" type="datetime1">
               <a:rPr lang="en-GB" noProof="0" smtClean="0"/>
-              <a:t>24/07/2025</a:t>
+              <a:t>25/07/2025</a:t>
             </a:fld>
             <a:endParaRPr lang="en-GB" noProof="0" dirty="0"/>
           </a:p>
@@ -21695,7 +21695,7 @@
           <a:p>
             <a:fld id="{C32F3C7F-0C5F-4A18-A13A-CAEFDEB56FA0}" type="datetime1">
               <a:rPr lang="en-GB" noProof="0" smtClean="0"/>
-              <a:t>24/07/2025</a:t>
+              <a:t>25/07/2025</a:t>
             </a:fld>
             <a:endParaRPr lang="en-GB" noProof="0" dirty="0"/>
           </a:p>
@@ -21878,8 +21878,12 @@
           <a:lstStyle/>
           <a:p>
             <a:r>
+              <a:rPr lang="en-GB" b="1" dirty="0"/>
+              <a:t>We improve the success rate </a:t>
+            </a:r>
+            <a:r>
               <a:rPr lang="en-GB" dirty="0"/>
-              <a:t>We improve the success rate from ~11% to &gt;20% even with depth 1 of DrawAnalyzer practically doubling it at the cost of factor 90 in terms of calculation time</a:t>
+              <a:t>from ~11% to &gt;20% even with depth 1 of DrawAnalyzer practically doubling it at the cost of factor 90 in terms of calculation time</a:t>
             </a:r>
           </a:p>
           <a:p>
@@ -21896,14 +21900,22 @@
           </a:p>
           <a:p>
             <a:r>
+              <a:rPr lang="en-GB" b="1" dirty="0"/>
+              <a:t>Shanten gets improved earlier </a:t>
+            </a:r>
+            <a:r>
               <a:rPr lang="en-GB" dirty="0"/>
-              <a:t>Shanten gets improved earlier in the game with both iterations of DrawAnalyzer, which shows that the algorithm constantly performs goal-oriented and makes good decisions throughout the game.</a:t>
+              <a:t>in the game with both iterations of DrawAnalyzer, which shows that the algorithm constantly performs goal-oriented and makes good decisions throughout the game.</a:t>
             </a:r>
           </a:p>
           <a:p>
             <a:r>
+              <a:rPr lang="en-GB" b="1" dirty="0"/>
+              <a:t>DrawAnalyzer with depth 1 seems to be the current best solution </a:t>
+            </a:r>
+            <a:r>
               <a:rPr lang="en-GB" dirty="0"/>
-              <a:t>DrawAnalyzer with depth 1 seems to be the current best solution in terms of usability, because the DrawAnalyzer with depth 2 takes to long to calculate.</a:t>
+              <a:t>in terms of usability, because the DrawAnalyzer with depth 2 takes to long to calculate.</a:t>
             </a:r>
           </a:p>
           <a:p>
@@ -21943,7 +21955,7 @@
           <a:p>
             <a:fld id="{D5CE5686-0170-47AF-9B8A-7DF387E652FA}" type="datetime1">
               <a:rPr lang="en-GB" noProof="0" smtClean="0"/>
-              <a:t>24/07/2025</a:t>
+              <a:t>25/07/2025</a:t>
             </a:fld>
             <a:endParaRPr lang="en-GB" noProof="0" dirty="0"/>
           </a:p>
@@ -22069,7 +22081,7 @@
             </a:pPr>
             <a:r>
               <a:rPr lang="en-GB" dirty="0"/>
-              <a:t>GitHub</a:t>
+              <a:t>GitHub Repository</a:t>
             </a:r>
             <a:endParaRPr lang="en-GB" dirty="0">
               <a:hlinkClick r:id="rId2"/>
@@ -22096,7 +22108,7 @@
             </a:pPr>
             <a:r>
               <a:rPr lang="en-GB" dirty="0"/>
-              <a:t>Image1</a:t>
+              <a:t>Image1 / Game Explanation</a:t>
             </a:r>
           </a:p>
           <a:p>
@@ -22139,7 +22151,7 @@
           <a:p>
             <a:fld id="{D5CE5686-0170-47AF-9B8A-7DF387E652FA}" type="datetime1">
               <a:rPr lang="en-GB" noProof="0" smtClean="0"/>
-              <a:t>24/07/2025</a:t>
+              <a:t>25/07/2025</a:t>
             </a:fld>
             <a:endParaRPr lang="en-GB" noProof="0" dirty="0"/>
           </a:p>
@@ -22281,13 +22293,29 @@
           <a:p>
             <a:r>
               <a:rPr lang="en-GB" dirty="0"/>
-              <a:t>For the sake of simplicity, we will reduce the game to the following rulesets: At the start of the game, we put 14 Tiles aside and the 4 players draw 13 Tiles each. On a players turn, that player draws a Tile and then discards one if he does not have a winning hand yet. A winning hand consists of 4 groups of three Tiles (sequences of the same colour or identical Tiles) and a pair of identical Tiles. </a:t>
+              <a:t>For the sake of simplicity, </a:t>
+            </a:r>
+            <a:r>
+              <a:rPr lang="en-GB" i="1" dirty="0"/>
+              <a:t>we will reduce the game to the following rulesets</a:t>
+            </a:r>
+            <a:r>
+              <a:rPr lang="en-GB" dirty="0"/>
+              <a:t>: At the start of the game, we put 14 Tiles aside and the 4 players draw 13 Tiles each. On a players turn, that player draws a Tile and then discards one if he does not have a winning hand yet. A winning hand consists of 4 groups of three Tiles (sequences of the same colour or identical Tiles) and a pair of identical Tiles. </a:t>
             </a:r>
           </a:p>
           <a:p>
             <a:r>
               <a:rPr lang="en-GB" dirty="0"/>
-              <a:t>Our goal: Given a random Hand consisting of 14 Tiles which all have a colour and a value, find the best Tile to discard and reach a winning hand. </a:t>
+              <a:t>Our </a:t>
+            </a:r>
+            <a:r>
+              <a:rPr lang="en-GB" b="1" dirty="0"/>
+              <a:t>goal</a:t>
+            </a:r>
+            <a:r>
+              <a:rPr lang="en-GB" dirty="0"/>
+              <a:t>: Given a random Hand consisting of 14 Tiles which all have a colour and a value, find the best Tile to discard and reach a winning hand. </a:t>
             </a:r>
           </a:p>
           <a:p>
@@ -22304,8 +22332,12 @@
           </a:p>
           <a:p>
             <a:r>
+              <a:rPr lang="en-GB" i="1" dirty="0"/>
+              <a:t>Our Optimization only covers a part of the real Japanese Mahjong</a:t>
+            </a:r>
+            <a:r>
               <a:rPr lang="en-GB" dirty="0"/>
-              <a:t>Our Optimization only covers a part of the real Japanese Mahjong, We do not consider things like </a:t>
+              <a:t>, We do not consider things like </a:t>
             </a:r>
             <a:r>
               <a:rPr lang="en-GB" dirty="0" err="1"/>
@@ -22347,7 +22379,7 @@
           <a:p>
             <a:fld id="{D5CE5686-0170-47AF-9B8A-7DF387E652FA}" type="datetime1">
               <a:rPr lang="en-GB" noProof="0" smtClean="0"/>
-              <a:t>24/07/2025</a:t>
+              <a:t>25/07/2025</a:t>
             </a:fld>
             <a:endParaRPr lang="en-GB" noProof="0" dirty="0"/>
           </a:p>
@@ -22928,7 +22960,7 @@
           <a:p>
             <a:fld id="{D5CE5686-0170-47AF-9B8A-7DF387E652FA}" type="datetime1">
               <a:rPr lang="en-GB" noProof="0" smtClean="0"/>
-              <a:t>24/07/2025</a:t>
+              <a:t>25/07/2025</a:t>
             </a:fld>
             <a:endParaRPr lang="en-GB" noProof="0" dirty="0"/>
           </a:p>
@@ -23028,98 +23060,411 @@
           </a:p>
         </p:txBody>
       </p:sp>
-      <p:sp>
-        <p:nvSpPr>
-          <p:cNvPr id="3" name="Inhaltsplatzhalter 2">
-            <a:extLst>
-              <a:ext uri="{FF2B5EF4-FFF2-40B4-BE49-F238E27FC236}">
-                <a16:creationId xmlns:a16="http://schemas.microsoft.com/office/drawing/2014/main" id="{02BED1EA-6888-20A7-1A8D-E0803B84EC55}"/>
-              </a:ext>
-            </a:extLst>
-          </p:cNvPr>
-          <p:cNvSpPr>
-            <a:spLocks noGrp="1"/>
-          </p:cNvSpPr>
-          <p:nvPr>
-            <p:ph idx="1"/>
-          </p:nvPr>
-        </p:nvSpPr>
-        <p:spPr/>
-        <p:txBody>
-          <a:bodyPr/>
-          <a:lstStyle/>
-          <a:p>
-            <a:pPr marL="0" indent="0">
-              <a:buNone/>
-            </a:pPr>
-            <a:r>
-              <a:rPr lang="en-GB" b="1" dirty="0"/>
-              <a:t>What our naïve Algorithm does: </a:t>
-            </a:r>
-          </a:p>
-          <a:p>
-            <a:pPr lvl="1"/>
-            <a:r>
-              <a:rPr lang="en-GB" dirty="0"/>
-              <a:t>Check if there are still Tiles on the Stack; if not end the game</a:t>
-            </a:r>
-          </a:p>
-          <a:p>
-            <a:pPr lvl="1"/>
-            <a:r>
-              <a:rPr lang="en-GB" dirty="0"/>
-              <a:t>Draw a Tile and calculate </a:t>
-            </a:r>
-            <a:r>
-              <a:rPr lang="en-GB" dirty="0" err="1"/>
-              <a:t>Shanten</a:t>
-            </a:r>
-            <a:r>
-              <a:rPr lang="en-GB" dirty="0"/>
-              <a:t> (edit distance for a ready hand) for the current hand</a:t>
-            </a:r>
-          </a:p>
-          <a:p>
-            <a:pPr lvl="1"/>
-            <a:r>
-              <a:rPr lang="en-GB" dirty="0"/>
-              <a:t>If Shanten is -1 (a winning hand) we win and end the game</a:t>
-            </a:r>
-          </a:p>
-          <a:p>
-            <a:pPr lvl="1"/>
-            <a:r>
-              <a:rPr lang="en-GB" dirty="0"/>
-              <a:t>While calculating Shanten we log which Tiles would not increase the </a:t>
-            </a:r>
-            <a:r>
-              <a:rPr lang="en-GB" dirty="0" err="1"/>
-              <a:t>Shanten</a:t>
-            </a:r>
-            <a:r>
-              <a:rPr lang="en-GB" dirty="0"/>
-              <a:t> if discarded</a:t>
-            </a:r>
-          </a:p>
-          <a:p>
-            <a:pPr lvl="1"/>
-            <a:r>
-              <a:rPr lang="en-GB" dirty="0"/>
-              <a:t>We chose one of those Tiles at random and discard it</a:t>
-            </a:r>
-          </a:p>
-          <a:p>
-            <a:pPr lvl="1"/>
-            <a:endParaRPr lang="en-GB" dirty="0"/>
-          </a:p>
-          <a:p>
-            <a:endParaRPr lang="en-GB" dirty="0"/>
-          </a:p>
-          <a:p>
-            <a:endParaRPr lang="en-GB" noProof="0" dirty="0"/>
-          </a:p>
-        </p:txBody>
-      </p:sp>
+      <mc:AlternateContent xmlns:mc="http://schemas.openxmlformats.org/markup-compatibility/2006">
+        <mc:Choice xmlns:a14="http://schemas.microsoft.com/office/drawing/2010/main" Requires="a14">
+          <p:sp>
+            <p:nvSpPr>
+              <p:cNvPr id="3" name="Inhaltsplatzhalter 2">
+                <a:extLst>
+                  <a:ext uri="{FF2B5EF4-FFF2-40B4-BE49-F238E27FC236}">
+                    <a16:creationId xmlns:a16="http://schemas.microsoft.com/office/drawing/2014/main" id="{02BED1EA-6888-20A7-1A8D-E0803B84EC55}"/>
+                  </a:ext>
+                </a:extLst>
+              </p:cNvPr>
+              <p:cNvSpPr>
+                <a:spLocks noGrp="1"/>
+              </p:cNvSpPr>
+              <p:nvPr>
+                <p:ph idx="1"/>
+              </p:nvPr>
+            </p:nvSpPr>
+            <p:spPr/>
+            <p:txBody>
+              <a:bodyPr/>
+              <a:lstStyle/>
+              <a:p>
+                <a:pPr marL="0" indent="0">
+                  <a:buNone/>
+                </a:pPr>
+                <a:r>
+                  <a:rPr lang="en-GB" b="1" dirty="0"/>
+                  <a:t>What our naïve Algorithm does: </a:t>
+                </a:r>
+              </a:p>
+              <a:p>
+                <a:pPr lvl="1"/>
+                <a:r>
+                  <a:rPr lang="en-GB" dirty="0"/>
+                  <a:t>Check if there are still Tiles in the Stack; if not end the game in a loss</a:t>
+                </a:r>
+              </a:p>
+              <a:p>
+                <a:pPr lvl="1"/>
+                <a:r>
+                  <a:rPr lang="en-GB" dirty="0"/>
+                  <a:t>Draw a Tile from the Stack</a:t>
+                </a:r>
+              </a:p>
+              <a:p>
+                <a:pPr lvl="1"/>
+                <a:r>
+                  <a:rPr lang="en-GB" dirty="0"/>
+                  <a:t>Calculate Shanten for the current Hand </a:t>
+                </a:r>
+                <a14:m>
+                  <m:oMath xmlns:m="http://schemas.openxmlformats.org/officeDocument/2006/math">
+                    <m:r>
+                      <a:rPr lang="de-CH" b="0" i="1" smtClean="0">
+                        <a:latin typeface="Cambria Math" panose="02040503050406030204" pitchFamily="18" charset="0"/>
+                      </a:rPr>
+                      <m:t>𝐻</m:t>
+                    </m:r>
+                  </m:oMath>
+                </a14:m>
+                <a:endParaRPr lang="en-GB" dirty="0"/>
+              </a:p>
+              <a:p>
+                <a:pPr lvl="1"/>
+                <a:r>
+                  <a:rPr lang="en-GB" dirty="0"/>
+                  <a:t>If Shanten = -1 (a winning Hand); end the game as a win</a:t>
+                </a:r>
+              </a:p>
+              <a:p>
+                <a:pPr lvl="1"/>
+                <a:r>
+                  <a:rPr lang="en-GB" dirty="0"/>
+                  <a:t>For all Tiles in our Hand </a:t>
+                </a:r>
+                <a14:m>
+                  <m:oMath xmlns:m="http://schemas.openxmlformats.org/officeDocument/2006/math">
+                    <m:r>
+                      <m:rPr>
+                        <m:sty m:val="p"/>
+                      </m:rPr>
+                      <a:rPr lang="de-CH">
+                        <a:latin typeface="Cambria Math" panose="02040503050406030204" pitchFamily="18" charset="0"/>
+                      </a:rPr>
+                      <m:t>H</m:t>
+                    </m:r>
+                    <m:r>
+                      <a:rPr lang="de-CH" b="0" i="0" smtClean="0">
+                        <a:latin typeface="Cambria Math" panose="02040503050406030204" pitchFamily="18" charset="0"/>
+                      </a:rPr>
+                      <m:t> </m:t>
+                    </m:r>
+                    <m:r>
+                      <a:rPr lang="de-CH" b="0" i="1" smtClean="0">
+                        <a:latin typeface="Cambria Math" panose="02040503050406030204" pitchFamily="18" charset="0"/>
+                      </a:rPr>
+                      <m:t>=</m:t>
+                    </m:r>
+                    <m:d>
+                      <m:dPr>
+                        <m:begChr m:val="{"/>
+                        <m:endChr m:val="}"/>
+                        <m:ctrlPr>
+                          <a:rPr lang="de-CH" b="0" i="1" smtClean="0">
+                            <a:latin typeface="Cambria Math" panose="02040503050406030204" pitchFamily="18" charset="0"/>
+                            <a:ea typeface="Cambria Math" panose="02040503050406030204" pitchFamily="18" charset="0"/>
+                          </a:rPr>
+                        </m:ctrlPr>
+                      </m:dPr>
+                      <m:e>
+                        <m:sSub>
+                          <m:sSubPr>
+                            <m:ctrlPr>
+                              <a:rPr lang="de-CH" b="0" i="1" smtClean="0">
+                                <a:latin typeface="Cambria Math" panose="02040503050406030204" pitchFamily="18" charset="0"/>
+                                <a:ea typeface="Cambria Math" panose="02040503050406030204" pitchFamily="18" charset="0"/>
+                              </a:rPr>
+                            </m:ctrlPr>
+                          </m:sSubPr>
+                          <m:e>
+                            <m:r>
+                              <a:rPr lang="de-CH" b="0" i="1" smtClean="0">
+                                <a:latin typeface="Cambria Math" panose="02040503050406030204" pitchFamily="18" charset="0"/>
+                                <a:ea typeface="Cambria Math" panose="02040503050406030204" pitchFamily="18" charset="0"/>
+                              </a:rPr>
+                              <m:t>𝑡</m:t>
+                            </m:r>
+                          </m:e>
+                          <m:sub>
+                            <m:r>
+                              <a:rPr lang="de-CH" b="0" i="1" smtClean="0">
+                                <a:latin typeface="Cambria Math" panose="02040503050406030204" pitchFamily="18" charset="0"/>
+                                <a:ea typeface="Cambria Math" panose="02040503050406030204" pitchFamily="18" charset="0"/>
+                              </a:rPr>
+                              <m:t>1</m:t>
+                            </m:r>
+                          </m:sub>
+                        </m:sSub>
+                        <m:r>
+                          <a:rPr lang="de-CH" b="0" i="1" smtClean="0">
+                            <a:latin typeface="Cambria Math" panose="02040503050406030204" pitchFamily="18" charset="0"/>
+                            <a:ea typeface="Cambria Math" panose="02040503050406030204" pitchFamily="18" charset="0"/>
+                          </a:rPr>
+                          <m:t>…</m:t>
+                        </m:r>
+                        <m:sSub>
+                          <m:sSubPr>
+                            <m:ctrlPr>
+                              <a:rPr lang="de-CH" b="0" i="1" smtClean="0">
+                                <a:latin typeface="Cambria Math" panose="02040503050406030204" pitchFamily="18" charset="0"/>
+                                <a:ea typeface="Cambria Math" panose="02040503050406030204" pitchFamily="18" charset="0"/>
+                              </a:rPr>
+                            </m:ctrlPr>
+                          </m:sSubPr>
+                          <m:e>
+                            <m:r>
+                              <a:rPr lang="de-CH" b="0" i="1" smtClean="0">
+                                <a:latin typeface="Cambria Math" panose="02040503050406030204" pitchFamily="18" charset="0"/>
+                                <a:ea typeface="Cambria Math" panose="02040503050406030204" pitchFamily="18" charset="0"/>
+                              </a:rPr>
+                              <m:t>𝑡</m:t>
+                            </m:r>
+                          </m:e>
+                          <m:sub>
+                            <m:r>
+                              <a:rPr lang="de-CH" b="0" i="1" smtClean="0">
+                                <a:latin typeface="Cambria Math" panose="02040503050406030204" pitchFamily="18" charset="0"/>
+                                <a:ea typeface="Cambria Math" panose="02040503050406030204" pitchFamily="18" charset="0"/>
+                              </a:rPr>
+                              <m:t>14</m:t>
+                            </m:r>
+                          </m:sub>
+                        </m:sSub>
+                      </m:e>
+                    </m:d>
+                  </m:oMath>
+                </a14:m>
+                <a:r>
+                  <a:rPr lang="en-GB" dirty="0"/>
+                  <a:t> check if they contribute to lowering the current Shanten</a:t>
+                </a:r>
+              </a:p>
+              <a:p>
+                <a:pPr lvl="1"/>
+                <a:r>
+                  <a:rPr lang="en-GB" dirty="0"/>
+                  <a:t>Mark those wo do not lower Shanten in the current hand as </a:t>
+                </a:r>
+                <a14:m>
+                  <m:oMath xmlns:m="http://schemas.openxmlformats.org/officeDocument/2006/math">
+                    <m:r>
+                      <a:rPr lang="de-CH" b="0" i="1" smtClean="0">
+                        <a:latin typeface="Cambria Math" panose="02040503050406030204" pitchFamily="18" charset="0"/>
+                      </a:rPr>
+                      <m:t>𝑝𝑜𝑠𝑠𝑖𝑏𝑙𝑒𝐷𝑖𝑠𝑐𝑎𝑟𝑑</m:t>
+                    </m:r>
+                  </m:oMath>
+                </a14:m>
+                <a:endParaRPr lang="en-GB" dirty="0"/>
+              </a:p>
+              <a:p>
+                <a:pPr lvl="1"/>
+                <a:r>
+                  <a:rPr lang="en-GB" dirty="0"/>
+                  <a:t>From </a:t>
+                </a:r>
+                <a14:m>
+                  <m:oMath xmlns:m="http://schemas.openxmlformats.org/officeDocument/2006/math">
+                    <m:r>
+                      <a:rPr lang="de-CH" b="0" i="1" smtClean="0">
+                        <a:latin typeface="Cambria Math" panose="02040503050406030204" pitchFamily="18" charset="0"/>
+                      </a:rPr>
+                      <m:t>𝑝𝑜𝑠𝑠𝑖𝑏𝑙𝑒𝐷𝑖𝑠𝑐𝑎𝑟𝑑</m:t>
+                    </m:r>
+                    <m:r>
+                      <a:rPr lang="de-CH" b="0" i="1" smtClean="0">
+                        <a:latin typeface="Cambria Math" panose="02040503050406030204" pitchFamily="18" charset="0"/>
+                      </a:rPr>
+                      <m:t> ⊆</m:t>
+                    </m:r>
+                    <m:r>
+                      <a:rPr lang="de-CH" b="0" i="1" smtClean="0">
+                        <a:latin typeface="Cambria Math" panose="02040503050406030204" pitchFamily="18" charset="0"/>
+                        <a:ea typeface="Cambria Math" panose="02040503050406030204" pitchFamily="18" charset="0"/>
+                      </a:rPr>
+                      <m:t>𝐻</m:t>
+                    </m:r>
+                  </m:oMath>
+                </a14:m>
+                <a:r>
+                  <a:rPr lang="en-GB" dirty="0"/>
+                  <a:t> choose one Tile </a:t>
+                </a:r>
+                <a14:m>
+                  <m:oMath xmlns:m="http://schemas.openxmlformats.org/officeDocument/2006/math">
+                    <m:sSub>
+                      <m:sSubPr>
+                        <m:ctrlPr>
+                          <a:rPr lang="en-GB" i="1" smtClean="0">
+                            <a:latin typeface="Cambria Math" panose="02040503050406030204" pitchFamily="18" charset="0"/>
+                          </a:rPr>
+                        </m:ctrlPr>
+                      </m:sSubPr>
+                      <m:e>
+                        <m:r>
+                          <a:rPr lang="de-CH" b="0" i="1" smtClean="0">
+                            <a:latin typeface="Cambria Math" panose="02040503050406030204" pitchFamily="18" charset="0"/>
+                          </a:rPr>
+                          <m:t>𝑡</m:t>
+                        </m:r>
+                      </m:e>
+                      <m:sub>
+                        <m:r>
+                          <a:rPr lang="de-CH" b="0" i="1" smtClean="0">
+                            <a:latin typeface="Cambria Math" panose="02040503050406030204" pitchFamily="18" charset="0"/>
+                          </a:rPr>
+                          <m:t>𝑥</m:t>
+                        </m:r>
+                      </m:sub>
+                    </m:sSub>
+                  </m:oMath>
+                </a14:m>
+                <a:r>
+                  <a:rPr lang="en-GB" dirty="0"/>
+                  <a:t> at random and discard it</a:t>
+                </a:r>
+              </a:p>
+              <a:p>
+                <a:pPr lvl="1"/>
+                <a:r>
+                  <a:rPr lang="en-GB" dirty="0"/>
+                  <a:t>We end our turn</a:t>
+                </a:r>
+              </a:p>
+              <a:p>
+                <a:endParaRPr lang="en-GB" dirty="0"/>
+              </a:p>
+              <a:p>
+                <a:pPr marL="0" indent="0">
+                  <a:buNone/>
+                </a:pPr>
+                <a:r>
+                  <a:rPr lang="en-GB" noProof="0" dirty="0"/>
+                  <a:t>This is a </a:t>
+                </a:r>
+                <a:r>
+                  <a:rPr lang="en-GB" b="1" noProof="0" dirty="0"/>
+                  <a:t>greedy</a:t>
+                </a:r>
+                <a:r>
+                  <a:rPr lang="en-GB" noProof="0" dirty="0"/>
+                  <a:t> algorithm that</a:t>
+                </a:r>
+                <a:r>
+                  <a:rPr lang="en-GB" dirty="0"/>
+                  <a:t> uses the knowledge of whether a tile is currently part of Shanten or not to find a discard that for sure does not worsen ones Hand </a:t>
+                </a:r>
+                <a14:m>
+                  <m:oMath xmlns:m="http://schemas.openxmlformats.org/officeDocument/2006/math">
+                    <m:r>
+                      <a:rPr lang="de-CH" b="0" i="1" smtClean="0">
+                        <a:latin typeface="Cambria Math" panose="02040503050406030204" pitchFamily="18" charset="0"/>
+                      </a:rPr>
+                      <m:t>𝐻</m:t>
+                    </m:r>
+                  </m:oMath>
+                </a14:m>
+                <a:r>
+                  <a:rPr lang="en-GB" noProof="0" dirty="0"/>
+                  <a:t>. It runs in </a:t>
+                </a:r>
+                <a14:m>
+                  <m:oMath xmlns:m="http://schemas.openxmlformats.org/officeDocument/2006/math">
+                    <m:r>
+                      <a:rPr lang="de-CH" b="0" i="1" noProof="0" smtClean="0">
+                        <a:latin typeface="Cambria Math" panose="02040503050406030204" pitchFamily="18" charset="0"/>
+                      </a:rPr>
+                      <m:t>𝑂</m:t>
+                    </m:r>
+                    <m:d>
+                      <m:dPr>
+                        <m:ctrlPr>
+                          <a:rPr lang="de-CH" b="0" i="1" noProof="0" smtClean="0">
+                            <a:latin typeface="Cambria Math" panose="02040503050406030204" pitchFamily="18" charset="0"/>
+                          </a:rPr>
+                        </m:ctrlPr>
+                      </m:dPr>
+                      <m:e>
+                        <m:r>
+                          <a:rPr lang="de-CH" b="0" i="1" noProof="0" smtClean="0">
+                            <a:latin typeface="Cambria Math" panose="02040503050406030204" pitchFamily="18" charset="0"/>
+                          </a:rPr>
+                          <m:t>14</m:t>
+                        </m:r>
+                      </m:e>
+                    </m:d>
+                    <m:r>
+                      <a:rPr lang="de-CH" b="0" i="1" noProof="0" smtClean="0">
+                        <a:latin typeface="Cambria Math" panose="02040503050406030204" pitchFamily="18" charset="0"/>
+                        <a:ea typeface="Cambria Math" panose="02040503050406030204" pitchFamily="18" charset="0"/>
+                      </a:rPr>
+                      <m:t>≤</m:t>
+                    </m:r>
+                    <m:r>
+                      <a:rPr lang="de-CH" b="0" i="1" noProof="0" smtClean="0">
+                        <a:latin typeface="Cambria Math" panose="02040503050406030204" pitchFamily="18" charset="0"/>
+                        <a:ea typeface="Cambria Math" panose="02040503050406030204" pitchFamily="18" charset="0"/>
+                      </a:rPr>
+                      <m:t>𝑂</m:t>
+                    </m:r>
+                    <m:r>
+                      <a:rPr lang="de-CH" b="0" i="1" noProof="0" smtClean="0">
+                        <a:latin typeface="Cambria Math" panose="02040503050406030204" pitchFamily="18" charset="0"/>
+                        <a:ea typeface="Cambria Math" panose="02040503050406030204" pitchFamily="18" charset="0"/>
+                      </a:rPr>
+                      <m:t>(1)</m:t>
+                    </m:r>
+                  </m:oMath>
+                </a14:m>
+                <a:endParaRPr lang="en-GB" noProof="0" dirty="0"/>
+              </a:p>
+            </p:txBody>
+          </p:sp>
+        </mc:Choice>
+        <mc:Fallback>
+          <p:sp>
+            <p:nvSpPr>
+              <p:cNvPr id="3" name="Inhaltsplatzhalter 2">
+                <a:extLst>
+                  <a:ext uri="{FF2B5EF4-FFF2-40B4-BE49-F238E27FC236}">
+                    <a16:creationId xmlns:a16="http://schemas.microsoft.com/office/drawing/2014/main" id="{02BED1EA-6888-20A7-1A8D-E0803B84EC55}"/>
+                  </a:ext>
+                </a:extLst>
+              </p:cNvPr>
+              <p:cNvSpPr>
+                <a:spLocks noGrp="1" noRot="1" noChangeAspect="1" noMove="1" noResize="1" noEditPoints="1" noAdjustHandles="1" noChangeArrowheads="1" noChangeShapeType="1" noTextEdit="1"/>
+              </p:cNvSpPr>
+              <p:nvPr>
+                <p:ph idx="1"/>
+              </p:nvPr>
+            </p:nvSpPr>
+            <p:spPr>
+              <a:blipFill>
+                <a:blip r:embed="rId2"/>
+                <a:stretch>
+                  <a:fillRect l="-1307" t="-1695" r="-455"/>
+                </a:stretch>
+              </a:blipFill>
+            </p:spPr>
+            <p:txBody>
+              <a:bodyPr/>
+              <a:lstStyle/>
+              <a:p>
+                <a:r>
+                  <a:rPr lang="de-CH">
+                    <a:noFill/>
+                  </a:rPr>
+                  <a:t> </a:t>
+                </a:r>
+              </a:p>
+            </p:txBody>
+          </p:sp>
+        </mc:Fallback>
+      </mc:AlternateContent>
       <p:sp>
         <p:nvSpPr>
           <p:cNvPr id="4" name="Datumsplatzhalter 3">
@@ -23143,7 +23488,7 @@
           <a:p>
             <a:fld id="{D5CE5686-0170-47AF-9B8A-7DF387E652FA}" type="datetime1">
               <a:rPr lang="en-GB" noProof="0" smtClean="0"/>
-              <a:t>24/07/2025</a:t>
+              <a:t>25/07/2025</a:t>
             </a:fld>
             <a:endParaRPr lang="en-GB" noProof="0" dirty="0"/>
           </a:p>
@@ -23299,12 +23644,19 @@
                 <a:pPr lvl="1"/>
                 <a:r>
                   <a:rPr lang="en-GB" dirty="0"/>
-                  <a:t>Use the deepest layer of the graph to find the tile that can be discarded in the </a:t>
+                  <a:t>Use the deepest layer of the graph to find the tile that can be discarded in the most scenarios</a:t>
                 </a:r>
-                <a:r>
-                  <a:rPr lang="en-GB"/>
-                  <a:t>most scenarios</a:t>
-                </a:r>
+              </a:p>
+              <a:p>
+                <a:pPr marL="266700" lvl="1" indent="0">
+                  <a:buNone/>
+                </a:pPr>
+                <a:endParaRPr lang="en-GB" dirty="0"/>
+              </a:p>
+              <a:p>
+                <a:pPr marL="266700" lvl="1" indent="0">
+                  <a:buNone/>
+                </a:pPr>
                 <a:endParaRPr lang="en-GB" dirty="0"/>
               </a:p>
               <a:p>
@@ -23319,7 +23671,15 @@
                 </a:pPr>
                 <a:r>
                   <a:rPr lang="en-GB" dirty="0"/>
-                  <a:t>Our goal is to…</a:t>
+                  <a:t>Our </a:t>
+                </a:r>
+                <a:r>
+                  <a:rPr lang="en-GB" b="1" dirty="0"/>
+                  <a:t>goal</a:t>
+                </a:r>
+                <a:r>
+                  <a:rPr lang="en-GB" dirty="0"/>
+                  <a:t> is to…</a:t>
                 </a:r>
               </a:p>
               <a:p>
@@ -23428,7 +23788,7 @@
           <a:p>
             <a:fld id="{D5CE5686-0170-47AF-9B8A-7DF387E652FA}" type="datetime1">
               <a:rPr lang="en-GB" noProof="0" smtClean="0"/>
-              <a:t>24/07/2025</a:t>
+              <a:t>25/07/2025</a:t>
             </a:fld>
             <a:endParaRPr lang="en-GB" noProof="0" dirty="0"/>
           </a:p>
@@ -23928,7 +24288,7 @@
           <a:p>
             <a:fld id="{D5CE5686-0170-47AF-9B8A-7DF387E652FA}" type="datetime1">
               <a:rPr lang="en-GB" noProof="0" smtClean="0"/>
-              <a:t>24/07/2025</a:t>
+              <a:t>25/07/2025</a:t>
             </a:fld>
             <a:endParaRPr lang="en-GB" noProof="0" dirty="0"/>
           </a:p>
@@ -24183,7 +24543,7 @@
           <a:p>
             <a:fld id="{C32F3C7F-0C5F-4A18-A13A-CAEFDEB56FA0}" type="datetime1">
               <a:rPr lang="en-GB" noProof="0" smtClean="0"/>
-              <a:t>24/07/2025</a:t>
+              <a:t>25/07/2025</a:t>
             </a:fld>
             <a:endParaRPr lang="en-GB" noProof="0" dirty="0"/>
           </a:p>
@@ -24400,7 +24760,15 @@
                 <a:pPr lvl="1"/>
                 <a:r>
                   <a:rPr lang="en-GB" dirty="0"/>
-                  <a:t>We then simulate drawing the tiles and calculate the </a:t>
+                  <a:t>We then </a:t>
+                </a:r>
+                <a:r>
+                  <a:rPr lang="en-GB" b="1" dirty="0"/>
+                  <a:t>simulate drawing the tiles </a:t>
+                </a:r>
+                <a:r>
+                  <a:rPr lang="en-GB" dirty="0"/>
+                  <a:t>and calculate the </a:t>
                 </a:r>
                 <a:r>
                   <a:rPr lang="en-GB" dirty="0" err="1"/>
@@ -24578,7 +24946,15 @@
                 <a:pPr lvl="2"/>
                 <a:r>
                   <a:rPr lang="en-GB" noProof="0" dirty="0"/>
-                  <a:t>We then generate all possible combinations of up to 5 groups and calculate </a:t>
+                  <a:t>We then </a:t>
+                </a:r>
+                <a:r>
+                  <a:rPr lang="en-GB" b="1" noProof="0" dirty="0"/>
+                  <a:t>generate all possible combinations</a:t>
+                </a:r>
+                <a:r>
+                  <a:rPr lang="en-GB" noProof="0" dirty="0"/>
+                  <a:t> of up to 5 groups and calculate </a:t>
                 </a:r>
                 <a14:m>
                   <m:oMath xmlns:m="http://schemas.openxmlformats.org/officeDocument/2006/math">
@@ -24941,7 +25317,7 @@
           <a:p>
             <a:fld id="{D5CE5686-0170-47AF-9B8A-7DF387E652FA}" type="datetime1">
               <a:rPr lang="en-GB" noProof="0" smtClean="0"/>
-              <a:t>24/07/2025</a:t>
+              <a:t>25/07/2025</a:t>
             </a:fld>
             <a:endParaRPr lang="en-GB" noProof="0" dirty="0"/>
           </a:p>
@@ -25185,7 +25561,7 @@
           <a:p>
             <a:fld id="{D5CE5686-0170-47AF-9B8A-7DF387E652FA}" type="datetime1">
               <a:rPr lang="en-GB" noProof="0" smtClean="0"/>
-              <a:t>24/07/2025</a:t>
+              <a:t>25/07/2025</a:t>
             </a:fld>
             <a:endParaRPr lang="en-GB" noProof="0" dirty="0"/>
           </a:p>

--- a/ProjectPresentation_asadikovic_jlyrer.pptx
+++ b/ProjectPresentation_asadikovic_jlyrer.pptx
@@ -4887,7 +4887,7 @@
           <a:p>
             <a:fld id="{F68ABEA4-9216-4FDF-AAE1-D8632908A8EC}" type="datetimeFigureOut">
               <a:rPr lang="de-CH" smtClean="0"/>
-              <a:t>25.07.2025</a:t>
+              <a:t>31.07.2025</a:t>
             </a:fld>
             <a:endParaRPr lang="de-CH"/>
           </a:p>
@@ -5064,7 +5064,7 @@
           <a:p>
             <a:fld id="{4B78A90D-FE7E-41AF-B03D-808D82937CB9}" type="datetimeFigureOut">
               <a:rPr lang="de-CH" smtClean="0"/>
-              <a:t>25.07.2025</a:t>
+              <a:t>31.07.2025</a:t>
             </a:fld>
             <a:endParaRPr lang="de-CH"/>
           </a:p>
@@ -5792,7 +5792,7 @@
           <a:p>
             <a:fld id="{C47C2547-0B26-4181-9958-0F74634B97A1}" type="datetime1">
               <a:rPr lang="de-CH" noProof="0" smtClean="0"/>
-              <a:t>25.07.2025</a:t>
+              <a:t>31.07.2025</a:t>
             </a:fld>
             <a:endParaRPr lang="de-CH" noProof="0"/>
           </a:p>
@@ -5987,7 +5987,7 @@
           <a:p>
             <a:fld id="{4A533879-9C0F-4F94-919F-30B833E8871A}" type="datetime1">
               <a:rPr lang="de-CH" noProof="0" smtClean="0"/>
-              <a:t>25.07.2025</a:t>
+              <a:t>31.07.2025</a:t>
             </a:fld>
             <a:endParaRPr lang="de-CH" noProof="0"/>
           </a:p>
@@ -6274,7 +6274,7 @@
           <a:p>
             <a:fld id="{68EF82BE-DF56-4719-B180-C3B0D509F71F}" type="datetime1">
               <a:rPr lang="de-CH" noProof="0" smtClean="0"/>
-              <a:t>25.07.2025</a:t>
+              <a:t>31.07.2025</a:t>
             </a:fld>
             <a:endParaRPr lang="de-CH" noProof="0"/>
           </a:p>
@@ -6572,7 +6572,7 @@
           <a:p>
             <a:fld id="{3E1B9425-7348-43E2-B0E9-6A2A48F5FA8A}" type="datetime1">
               <a:rPr lang="de-CH" noProof="0" smtClean="0"/>
-              <a:t>25.07.2025</a:t>
+              <a:t>31.07.2025</a:t>
             </a:fld>
             <a:endParaRPr lang="de-CH" noProof="0"/>
           </a:p>
@@ -6972,7 +6972,7 @@
           <a:p>
             <a:fld id="{0F7782B2-018B-4FD3-AD95-2F64EDE0E9D6}" type="datetime1">
               <a:rPr lang="de-CH" noProof="0" smtClean="0"/>
-              <a:t>25.07.2025</a:t>
+              <a:t>31.07.2025</a:t>
             </a:fld>
             <a:endParaRPr lang="de-CH" noProof="0"/>
           </a:p>
@@ -7340,7 +7340,7 @@
           <a:p>
             <a:fld id="{D0A0FED0-443D-411A-B8E4-0668A8890EE3}" type="datetime1">
               <a:rPr lang="de-CH" noProof="0" smtClean="0"/>
-              <a:t>25.07.2025</a:t>
+              <a:t>31.07.2025</a:t>
             </a:fld>
             <a:endParaRPr lang="de-CH" noProof="0"/>
           </a:p>
@@ -9369,7 +9369,7 @@
           <a:p>
             <a:fld id="{1332D50A-E6CC-4D88-8908-F2129032F4C7}" type="datetime1">
               <a:rPr lang="de-CH" noProof="0" smtClean="0"/>
-              <a:t>25.07.2025</a:t>
+              <a:t>31.07.2025</a:t>
             </a:fld>
             <a:endParaRPr lang="de-CH" noProof="0"/>
           </a:p>
@@ -9612,7 +9612,7 @@
           <a:p>
             <a:fld id="{11B96697-4585-4368-989A-16003D150648}" type="datetime1">
               <a:rPr lang="de-CH" noProof="0" smtClean="0"/>
-              <a:t>25.07.2025</a:t>
+              <a:t>31.07.2025</a:t>
             </a:fld>
             <a:endParaRPr lang="de-CH" noProof="0"/>
           </a:p>
@@ -9860,7 +9860,7 @@
           <a:p>
             <a:fld id="{3A01E762-278A-4155-9BEB-7C2CB2386E92}" type="datetime1">
               <a:rPr lang="de-CH" noProof="0" smtClean="0"/>
-              <a:t>25.07.2025</a:t>
+              <a:t>31.07.2025</a:t>
             </a:fld>
             <a:endParaRPr lang="de-CH" noProof="0"/>
           </a:p>
@@ -10136,7 +10136,7 @@
           <a:p>
             <a:fld id="{6C4EAFE7-317E-4912-B75C-DD6945F82242}" type="datetime1">
               <a:rPr lang="de-CH" noProof="0" smtClean="0"/>
-              <a:t>25.07.2025</a:t>
+              <a:t>31.07.2025</a:t>
             </a:fld>
             <a:endParaRPr lang="de-CH" noProof="0"/>
           </a:p>
@@ -12067,7 +12067,7 @@
           <a:p>
             <a:fld id="{4A358CF3-A22A-46C1-A4E5-5810212466EF}" type="datetime1">
               <a:rPr lang="de-CH" noProof="0" smtClean="0"/>
-              <a:t>25.07.2025</a:t>
+              <a:t>31.07.2025</a:t>
             </a:fld>
             <a:endParaRPr lang="de-CH" noProof="0"/>
           </a:p>
@@ -15403,7 +15403,7 @@
           <a:p>
             <a:fld id="{7260A9D5-8325-4620-96F6-FB312AC6FB66}" type="datetime1">
               <a:rPr lang="en-GB" noProof="0" smtClean="0"/>
-              <a:t>25/07/2025</a:t>
+              <a:t>31/07/2025</a:t>
             </a:fld>
             <a:endParaRPr lang="en-GB" noProof="0" dirty="0"/>
           </a:p>
@@ -18154,7 +18154,7 @@
           <a:p>
             <a:fld id="{7260A9D5-8325-4620-96F6-FB312AC6FB66}" type="datetime1">
               <a:rPr lang="en-GB" noProof="0" smtClean="0"/>
-              <a:t>25/07/2025</a:t>
+              <a:t>31/07/2025</a:t>
             </a:fld>
             <a:endParaRPr lang="en-GB" noProof="0" dirty="0"/>
           </a:p>
@@ -20913,7 +20913,7 @@
           <a:p>
             <a:fld id="{7260A9D5-8325-4620-96F6-FB312AC6FB66}" type="datetime1">
               <a:rPr lang="en-GB" noProof="0" smtClean="0"/>
-              <a:t>25/07/2025</a:t>
+              <a:t>31/07/2025</a:t>
             </a:fld>
             <a:endParaRPr lang="en-GB" noProof="0" dirty="0"/>
           </a:p>
@@ -21239,7 +21239,7 @@
           <a:p>
             <a:fld id="{3883C902-160B-4538-99A8-1486892643D4}" type="datetime1">
               <a:rPr lang="en-GB" noProof="0" smtClean="0"/>
-              <a:t>25/07/2025</a:t>
+              <a:t>31/07/2025</a:t>
             </a:fld>
             <a:endParaRPr lang="en-GB" noProof="0" dirty="0"/>
           </a:p>
@@ -21470,7 +21470,7 @@
           <a:p>
             <a:fld id="{3883C902-160B-4538-99A8-1486892643D4}" type="datetime1">
               <a:rPr lang="en-GB" noProof="0" smtClean="0"/>
-              <a:t>25/07/2025</a:t>
+              <a:t>31/07/2025</a:t>
             </a:fld>
             <a:endParaRPr lang="en-GB" noProof="0" dirty="0"/>
           </a:p>
@@ -21695,7 +21695,7 @@
           <a:p>
             <a:fld id="{C32F3C7F-0C5F-4A18-A13A-CAEFDEB56FA0}" type="datetime1">
               <a:rPr lang="en-GB" noProof="0" smtClean="0"/>
-              <a:t>25/07/2025</a:t>
+              <a:t>31/07/2025</a:t>
             </a:fld>
             <a:endParaRPr lang="en-GB" noProof="0" dirty="0"/>
           </a:p>
@@ -21955,7 +21955,7 @@
           <a:p>
             <a:fld id="{D5CE5686-0170-47AF-9B8A-7DF387E652FA}" type="datetime1">
               <a:rPr lang="en-GB" noProof="0" smtClean="0"/>
-              <a:t>25/07/2025</a:t>
+              <a:t>31/07/2025</a:t>
             </a:fld>
             <a:endParaRPr lang="en-GB" noProof="0" dirty="0"/>
           </a:p>
@@ -22151,7 +22151,7 @@
           <a:p>
             <a:fld id="{D5CE5686-0170-47AF-9B8A-7DF387E652FA}" type="datetime1">
               <a:rPr lang="en-GB" noProof="0" smtClean="0"/>
-              <a:t>25/07/2025</a:t>
+              <a:t>31/07/2025</a:t>
             </a:fld>
             <a:endParaRPr lang="en-GB" noProof="0" dirty="0"/>
           </a:p>
@@ -22379,7 +22379,7 @@
           <a:p>
             <a:fld id="{D5CE5686-0170-47AF-9B8A-7DF387E652FA}" type="datetime1">
               <a:rPr lang="en-GB" noProof="0" smtClean="0"/>
-              <a:t>25/07/2025</a:t>
+              <a:t>31/07/2025</a:t>
             </a:fld>
             <a:endParaRPr lang="en-GB" noProof="0" dirty="0"/>
           </a:p>
@@ -22960,7 +22960,7 @@
           <a:p>
             <a:fld id="{D5CE5686-0170-47AF-9B8A-7DF387E652FA}" type="datetime1">
               <a:rPr lang="en-GB" noProof="0" smtClean="0"/>
-              <a:t>25/07/2025</a:t>
+              <a:t>31/07/2025</a:t>
             </a:fld>
             <a:endParaRPr lang="en-GB" noProof="0" dirty="0"/>
           </a:p>
@@ -23060,8 +23060,8 @@
           </a:p>
         </p:txBody>
       </p:sp>
-      <mc:AlternateContent xmlns:mc="http://schemas.openxmlformats.org/markup-compatibility/2006">
-        <mc:Choice xmlns:a14="http://schemas.microsoft.com/office/drawing/2010/main" Requires="a14">
+      <mc:AlternateContent xmlns:mc="http://schemas.openxmlformats.org/markup-compatibility/2006" xmlns:a14="http://schemas.microsoft.com/office/drawing/2010/main">
+        <mc:Choice Requires="a14">
           <p:sp>
             <p:nvSpPr>
               <p:cNvPr id="3" name="Inhaltsplatzhalter 2">
@@ -23425,7 +23425,7 @@
             </p:txBody>
           </p:sp>
         </mc:Choice>
-        <mc:Fallback>
+        <mc:Fallback xmlns="">
           <p:sp>
             <p:nvSpPr>
               <p:cNvPr id="3" name="Inhaltsplatzhalter 2">
@@ -23488,7 +23488,7 @@
           <a:p>
             <a:fld id="{D5CE5686-0170-47AF-9B8A-7DF387E652FA}" type="datetime1">
               <a:rPr lang="en-GB" noProof="0" smtClean="0"/>
-              <a:t>25/07/2025</a:t>
+              <a:t>31/07/2025</a:t>
             </a:fld>
             <a:endParaRPr lang="en-GB" noProof="0" dirty="0"/>
           </a:p>
@@ -23588,8 +23588,8 @@
           </a:p>
         </p:txBody>
       </p:sp>
-      <mc:AlternateContent xmlns:mc="http://schemas.openxmlformats.org/markup-compatibility/2006">
-        <mc:Choice xmlns:a14="http://schemas.microsoft.com/office/drawing/2010/main" Requires="a14">
+      <mc:AlternateContent xmlns:mc="http://schemas.openxmlformats.org/markup-compatibility/2006" xmlns:a14="http://schemas.microsoft.com/office/drawing/2010/main">
+        <mc:Choice Requires="a14">
           <p:sp>
             <p:nvSpPr>
               <p:cNvPr id="3" name="Inhaltsplatzhalter 2">
@@ -23725,7 +23725,7 @@
             </p:txBody>
           </p:sp>
         </mc:Choice>
-        <mc:Fallback>
+        <mc:Fallback xmlns="">
           <p:sp>
             <p:nvSpPr>
               <p:cNvPr id="3" name="Inhaltsplatzhalter 2">
@@ -23788,7 +23788,7 @@
           <a:p>
             <a:fld id="{D5CE5686-0170-47AF-9B8A-7DF387E652FA}" type="datetime1">
               <a:rPr lang="en-GB" noProof="0" smtClean="0"/>
-              <a:t>25/07/2025</a:t>
+              <a:t>31/07/2025</a:t>
             </a:fld>
             <a:endParaRPr lang="en-GB" noProof="0" dirty="0"/>
           </a:p>
@@ -24288,7 +24288,7 @@
           <a:p>
             <a:fld id="{D5CE5686-0170-47AF-9B8A-7DF387E652FA}" type="datetime1">
               <a:rPr lang="en-GB" noProof="0" smtClean="0"/>
-              <a:t>25/07/2025</a:t>
+              <a:t>31/07/2025</a:t>
             </a:fld>
             <a:endParaRPr lang="en-GB" noProof="0" dirty="0"/>
           </a:p>
@@ -24543,7 +24543,7 @@
           <a:p>
             <a:fld id="{C32F3C7F-0C5F-4A18-A13A-CAEFDEB56FA0}" type="datetime1">
               <a:rPr lang="en-GB" noProof="0" smtClean="0"/>
-              <a:t>25/07/2025</a:t>
+              <a:t>31/07/2025</a:t>
             </a:fld>
             <a:endParaRPr lang="en-GB" noProof="0" dirty="0"/>
           </a:p>
@@ -25060,7 +25060,7 @@
                             <a:latin typeface="Cambria Math" panose="02040503050406030204" pitchFamily="18" charset="0"/>
                             <a:ea typeface="Cambria Math" panose="02040503050406030204" pitchFamily="18" charset="0"/>
                           </a:rPr>
-                          <m:t>∉ </m:t>
+                          <m:t>∉</m:t>
                         </m:r>
                         <m:nary>
                           <m:naryPr>
@@ -25101,6 +25101,20 @@
                           </m:sub>
                           <m:sup/>
                           <m:e>
+                            <m:r>
+                              <a:rPr lang="de-CH" b="0" i="1" noProof="0" smtClean="0">
+                                <a:latin typeface="Cambria Math" panose="02040503050406030204" pitchFamily="18" charset="0"/>
+                                <a:ea typeface="Cambria Math" panose="02040503050406030204" pitchFamily="18" charset="0"/>
+                              </a:rPr>
+                              <m:t>𝑠</m:t>
+                            </m:r>
+                            <m:r>
+                              <a:rPr lang="de-CH" b="0" i="1" noProof="0" smtClean="0">
+                                <a:latin typeface="Cambria Math" panose="02040503050406030204" pitchFamily="18" charset="0"/>
+                                <a:ea typeface="Cambria Math" panose="02040503050406030204" pitchFamily="18" charset="0"/>
+                              </a:rPr>
+                              <m:t>∩</m:t>
+                            </m:r>
                             <m:r>
                               <a:rPr lang="de-CH" b="0" i="1" noProof="0" smtClean="0">
                                 <a:latin typeface="Cambria Math" panose="02040503050406030204" pitchFamily="18" charset="0"/>
@@ -25275,7 +25289,7 @@
               <a:blipFill>
                 <a:blip r:embed="rId2"/>
                 <a:stretch>
-                  <a:fillRect l="-1307" t="-1695" r="-1648"/>
+                  <a:fillRect l="-1307" t="-1695" r="-1875"/>
                 </a:stretch>
               </a:blipFill>
             </p:spPr>
@@ -25317,7 +25331,7 @@
           <a:p>
             <a:fld id="{D5CE5686-0170-47AF-9B8A-7DF387E652FA}" type="datetime1">
               <a:rPr lang="en-GB" noProof="0" smtClean="0"/>
-              <a:t>25/07/2025</a:t>
+              <a:t>31/07/2025</a:t>
             </a:fld>
             <a:endParaRPr lang="en-GB" noProof="0" dirty="0"/>
           </a:p>
@@ -25561,7 +25575,7 @@
           <a:p>
             <a:fld id="{D5CE5686-0170-47AF-9B8A-7DF387E652FA}" type="datetime1">
               <a:rPr lang="en-GB" noProof="0" smtClean="0"/>
-              <a:t>25/07/2025</a:t>
+              <a:t>31/07/2025</a:t>
             </a:fld>
             <a:endParaRPr lang="en-GB" noProof="0" dirty="0"/>
           </a:p>
